--- a/Vortrag/Themenstellung.pptx
+++ b/Vortrag/Themenstellung.pptx
@@ -8,10 +8,10 @@
     <p:sldMasterId id="2147483674" r:id="rId4"/>
   </p:sldMasterIdLst>
   <p:notesMasterIdLst>
-    <p:notesMasterId r:id="rId20"/>
+    <p:notesMasterId r:id="rId22"/>
   </p:notesMasterIdLst>
   <p:handoutMasterIdLst>
-    <p:handoutMasterId r:id="rId21"/>
+    <p:handoutMasterId r:id="rId23"/>
   </p:handoutMasterIdLst>
   <p:sldIdLst>
     <p:sldId id="256" r:id="rId5"/>
@@ -21,19 +21,21 @@
     <p:sldId id="258" r:id="rId9"/>
     <p:sldId id="308" r:id="rId10"/>
     <p:sldId id="261" r:id="rId11"/>
-    <p:sldId id="264" r:id="rId12"/>
-    <p:sldId id="262" r:id="rId13"/>
-    <p:sldId id="260" r:id="rId14"/>
-    <p:sldId id="309" r:id="rId15"/>
-    <p:sldId id="267" r:id="rId16"/>
-    <p:sldId id="310" r:id="rId17"/>
-    <p:sldId id="266" r:id="rId18"/>
-    <p:sldId id="311" r:id="rId19"/>
+    <p:sldId id="312" r:id="rId12"/>
+    <p:sldId id="313" r:id="rId13"/>
+    <p:sldId id="264" r:id="rId14"/>
+    <p:sldId id="262" r:id="rId15"/>
+    <p:sldId id="260" r:id="rId16"/>
+    <p:sldId id="309" r:id="rId17"/>
+    <p:sldId id="267" r:id="rId18"/>
+    <p:sldId id="310" r:id="rId19"/>
+    <p:sldId id="266" r:id="rId20"/>
+    <p:sldId id="311" r:id="rId21"/>
   </p:sldIdLst>
   <p:sldSz cx="12192000" cy="6858000"/>
   <p:notesSz cx="6797675" cy="9926638"/>
   <p:custDataLst>
-    <p:tags r:id="rId22"/>
+    <p:tags r:id="rId24"/>
   </p:custDataLst>
   <p:defaultTextStyle>
     <a:defPPr>
@@ -353,7 +355,7 @@
             <a:fld id="{3B1880FF-5A4E-4F25-9CEE-0D75F7C3E5E1}" type="datetimeFigureOut">
               <a:rPr lang="de-DE" smtClean="0"/>
               <a:pPr/>
-              <a:t>29.03.2021</a:t>
+              <a:t>22.11.2022</a:t>
             </a:fld>
             <a:endParaRPr lang="de-DE"/>
           </a:p>
@@ -453,7 +455,7 @@
             <a:fld id="{4D31F1D7-8377-4A76-8F5D-3E76EEE25737}" type="datetimeFigureOut">
               <a:rPr lang="de-DE" smtClean="0"/>
               <a:pPr/>
-              <a:t>29.03.2021</a:t>
+              <a:t>22.11.2022</a:t>
             </a:fld>
             <a:endParaRPr lang="de-DE"/>
           </a:p>
@@ -847,7 +849,7 @@
           <a:bodyPr/>
           <a:lstStyle/>
           <a:p>
-            <a:endParaRPr lang="en-US" dirty="0"/>
+            <a:endParaRPr lang="LID4096" dirty="0"/>
           </a:p>
         </p:txBody>
       </p:sp>
@@ -858,7 +860,7 @@
             <a:spLocks noGrp="1"/>
           </p:cNvSpPr>
           <p:nvPr>
-            <p:ph type="sldNum" sz="quarter" idx="10"/>
+            <p:ph type="sldNum" sz="quarter" idx="5"/>
           </p:nvPr>
         </p:nvSpPr>
         <p:spPr/>
@@ -878,7 +880,7 @@
     </p:spTree>
     <p:extLst>
       <p:ext uri="{BB962C8B-B14F-4D97-AF65-F5344CB8AC3E}">
-        <p14:creationId xmlns:p14="http://schemas.microsoft.com/office/powerpoint/2010/main" val="2743334740"/>
+        <p14:creationId xmlns:p14="http://schemas.microsoft.com/office/powerpoint/2010/main" val="757160071"/>
       </p:ext>
     </p:extLst>
   </p:cSld>
@@ -932,6 +934,91 @@
           <a:bodyPr/>
           <a:lstStyle/>
           <a:p>
+            <a:endParaRPr lang="LID4096" dirty="0"/>
+          </a:p>
+        </p:txBody>
+      </p:sp>
+      <p:sp>
+        <p:nvSpPr>
+          <p:cNvPr id="4" name="Foliennummernplatzhalter 3"/>
+          <p:cNvSpPr>
+            <a:spLocks noGrp="1"/>
+          </p:cNvSpPr>
+          <p:nvPr>
+            <p:ph type="sldNum" sz="quarter" idx="5"/>
+          </p:nvPr>
+        </p:nvSpPr>
+        <p:spPr/>
+        <p:txBody>
+          <a:bodyPr/>
+          <a:lstStyle/>
+          <a:p>
+            <a:fld id="{45A0C133-2FF1-4A65-8FB9-994063EC256F}" type="slidenum">
+              <a:rPr lang="de-DE" smtClean="0"/>
+              <a:pPr/>
+              <a:t>12</a:t>
+            </a:fld>
+            <a:endParaRPr lang="de-DE"/>
+          </a:p>
+        </p:txBody>
+      </p:sp>
+    </p:spTree>
+    <p:extLst>
+      <p:ext uri="{BB962C8B-B14F-4D97-AF65-F5344CB8AC3E}">
+        <p14:creationId xmlns:p14="http://schemas.microsoft.com/office/powerpoint/2010/main" val="793798481"/>
+      </p:ext>
+    </p:extLst>
+  </p:cSld>
+  <p:clrMapOvr>
+    <a:masterClrMapping/>
+  </p:clrMapOvr>
+</p:notes>
+</file>
+
+<file path=ppt/notesSlides/notesSlide12.xml><?xml version="1.0" encoding="utf-8"?>
+<p:notes xmlns:a="http://schemas.openxmlformats.org/drawingml/2006/main" xmlns:r="http://schemas.openxmlformats.org/officeDocument/2006/relationships" xmlns:p="http://schemas.openxmlformats.org/presentationml/2006/main">
+  <p:cSld>
+    <p:spTree>
+      <p:nvGrpSpPr>
+        <p:cNvPr id="1" name=""/>
+        <p:cNvGrpSpPr/>
+        <p:nvPr/>
+      </p:nvGrpSpPr>
+      <p:grpSpPr>
+        <a:xfrm>
+          <a:off x="0" y="0"/>
+          <a:ext cx="0" cy="0"/>
+          <a:chOff x="0" y="0"/>
+          <a:chExt cx="0" cy="0"/>
+        </a:xfrm>
+      </p:grpSpPr>
+      <p:sp>
+        <p:nvSpPr>
+          <p:cNvPr id="2" name="Folienbildplatzhalter 1"/>
+          <p:cNvSpPr>
+            <a:spLocks noGrp="1" noRot="1" noChangeAspect="1"/>
+          </p:cNvSpPr>
+          <p:nvPr>
+            <p:ph type="sldImg"/>
+          </p:nvPr>
+        </p:nvSpPr>
+        <p:spPr/>
+      </p:sp>
+      <p:sp>
+        <p:nvSpPr>
+          <p:cNvPr id="3" name="Notizenplatzhalter 2"/>
+          <p:cNvSpPr>
+            <a:spLocks noGrp="1"/>
+          </p:cNvSpPr>
+          <p:nvPr>
+            <p:ph type="body" idx="1"/>
+          </p:nvPr>
+        </p:nvSpPr>
+        <p:spPr/>
+        <p:txBody>
+          <a:bodyPr/>
+          <a:lstStyle/>
+          <a:p>
             <a:endParaRPr lang="en-US" dirty="0"/>
           </a:p>
         </p:txBody>
@@ -955,6 +1042,91 @@
               <a:rPr lang="de-DE" smtClean="0"/>
               <a:pPr/>
               <a:t>13</a:t>
+            </a:fld>
+            <a:endParaRPr lang="de-DE"/>
+          </a:p>
+        </p:txBody>
+      </p:sp>
+    </p:spTree>
+    <p:extLst>
+      <p:ext uri="{BB962C8B-B14F-4D97-AF65-F5344CB8AC3E}">
+        <p14:creationId xmlns:p14="http://schemas.microsoft.com/office/powerpoint/2010/main" val="2743334740"/>
+      </p:ext>
+    </p:extLst>
+  </p:cSld>
+  <p:clrMapOvr>
+    <a:masterClrMapping/>
+  </p:clrMapOvr>
+</p:notes>
+</file>
+
+<file path=ppt/notesSlides/notesSlide13.xml><?xml version="1.0" encoding="utf-8"?>
+<p:notes xmlns:a="http://schemas.openxmlformats.org/drawingml/2006/main" xmlns:r="http://schemas.openxmlformats.org/officeDocument/2006/relationships" xmlns:p="http://schemas.openxmlformats.org/presentationml/2006/main">
+  <p:cSld>
+    <p:spTree>
+      <p:nvGrpSpPr>
+        <p:cNvPr id="1" name=""/>
+        <p:cNvGrpSpPr/>
+        <p:nvPr/>
+      </p:nvGrpSpPr>
+      <p:grpSpPr>
+        <a:xfrm>
+          <a:off x="0" y="0"/>
+          <a:ext cx="0" cy="0"/>
+          <a:chOff x="0" y="0"/>
+          <a:chExt cx="0" cy="0"/>
+        </a:xfrm>
+      </p:grpSpPr>
+      <p:sp>
+        <p:nvSpPr>
+          <p:cNvPr id="2" name="Folienbildplatzhalter 1"/>
+          <p:cNvSpPr>
+            <a:spLocks noGrp="1" noRot="1" noChangeAspect="1"/>
+          </p:cNvSpPr>
+          <p:nvPr>
+            <p:ph type="sldImg"/>
+          </p:nvPr>
+        </p:nvSpPr>
+        <p:spPr/>
+      </p:sp>
+      <p:sp>
+        <p:nvSpPr>
+          <p:cNvPr id="3" name="Notizenplatzhalter 2"/>
+          <p:cNvSpPr>
+            <a:spLocks noGrp="1"/>
+          </p:cNvSpPr>
+          <p:nvPr>
+            <p:ph type="body" idx="1"/>
+          </p:nvPr>
+        </p:nvSpPr>
+        <p:spPr/>
+        <p:txBody>
+          <a:bodyPr/>
+          <a:lstStyle/>
+          <a:p>
+            <a:endParaRPr lang="en-US" dirty="0"/>
+          </a:p>
+        </p:txBody>
+      </p:sp>
+      <p:sp>
+        <p:nvSpPr>
+          <p:cNvPr id="4" name="Foliennummernplatzhalter 3"/>
+          <p:cNvSpPr>
+            <a:spLocks noGrp="1"/>
+          </p:cNvSpPr>
+          <p:nvPr>
+            <p:ph type="sldNum" sz="quarter" idx="10"/>
+          </p:nvPr>
+        </p:nvSpPr>
+        <p:spPr/>
+        <p:txBody>
+          <a:bodyPr/>
+          <a:lstStyle/>
+          <a:p>
+            <a:fld id="{45A0C133-2FF1-4A65-8FB9-994063EC256F}" type="slidenum">
+              <a:rPr lang="de-DE" smtClean="0"/>
+              <a:pPr/>
+              <a:t>15</a:t>
             </a:fld>
             <a:endParaRPr lang="de-DE"/>
           </a:p>
@@ -1549,7 +1721,7 @@
             <a:fld id="{45A0C133-2FF1-4A65-8FB9-994063EC256F}" type="slidenum">
               <a:rPr lang="de-DE" smtClean="0"/>
               <a:pPr/>
-              <a:t>9</a:t>
+              <a:t>8</a:t>
             </a:fld>
             <a:endParaRPr lang="de-DE"/>
           </a:p>
@@ -1558,7 +1730,7 @@
     </p:spTree>
     <p:extLst>
       <p:ext uri="{BB962C8B-B14F-4D97-AF65-F5344CB8AC3E}">
-        <p14:creationId xmlns:p14="http://schemas.microsoft.com/office/powerpoint/2010/main" val="757160071"/>
+        <p14:creationId xmlns:p14="http://schemas.microsoft.com/office/powerpoint/2010/main" val="3460676967"/>
       </p:ext>
     </p:extLst>
   </p:cSld>
@@ -1634,7 +1806,7 @@
             <a:fld id="{45A0C133-2FF1-4A65-8FB9-994063EC256F}" type="slidenum">
               <a:rPr lang="de-DE" smtClean="0"/>
               <a:pPr/>
-              <a:t>10</a:t>
+              <a:t>9</a:t>
             </a:fld>
             <a:endParaRPr lang="de-DE"/>
           </a:p>
@@ -1643,7 +1815,7 @@
     </p:spTree>
     <p:extLst>
       <p:ext uri="{BB962C8B-B14F-4D97-AF65-F5344CB8AC3E}">
-        <p14:creationId xmlns:p14="http://schemas.microsoft.com/office/powerpoint/2010/main" val="793798481"/>
+        <p14:creationId xmlns:p14="http://schemas.microsoft.com/office/powerpoint/2010/main" val="934017673"/>
       </p:ext>
     </p:extLst>
   </p:cSld>
@@ -5688,7 +5860,7 @@
           <a:graphicData uri="http://schemas.openxmlformats.org/presentationml/2006/ole">
             <mc:AlternateContent xmlns:mc="http://schemas.openxmlformats.org/markup-compatibility/2006">
               <mc:Choice xmlns:v="urn:schemas-microsoft-com:vml" Requires="v">
-                <p:oleObj spid="_x0000_s3077" name="think-cell Folie" r:id="rId4" imgW="270" imgH="270" progId="TCLayout.ActiveDocument.1">
+                <p:oleObj spid="_x0000_s3080" name="think-cell Folie" r:id="rId4" imgW="270" imgH="270" progId="TCLayout.ActiveDocument.1">
                   <p:embed/>
                 </p:oleObj>
               </mc:Choice>
@@ -5964,7 +6136,7 @@
           <a:graphicData uri="http://schemas.openxmlformats.org/presentationml/2006/ole">
             <mc:AlternateContent xmlns:mc="http://schemas.openxmlformats.org/markup-compatibility/2006">
               <mc:Choice xmlns:v="urn:schemas-microsoft-com:vml" Requires="v">
-                <p:oleObj spid="_x0000_s4101" name="think-cell Folie" r:id="rId4" imgW="270" imgH="270" progId="TCLayout.ActiveDocument.1">
+                <p:oleObj spid="_x0000_s4104" name="think-cell Folie" r:id="rId4" imgW="270" imgH="270" progId="TCLayout.ActiveDocument.1">
                   <p:embed/>
                 </p:oleObj>
               </mc:Choice>
@@ -6374,7 +6546,7 @@
           <a:graphicData uri="http://schemas.openxmlformats.org/presentationml/2006/ole">
             <mc:AlternateContent xmlns:mc="http://schemas.openxmlformats.org/markup-compatibility/2006">
               <mc:Choice xmlns:v="urn:schemas-microsoft-com:vml" Requires="v">
-                <p:oleObj spid="_x0000_s1029" name="think-cell Folie" r:id="rId9" imgW="360" imgH="360" progId="TCLayout.ActiveDocument.1">
+                <p:oleObj spid="_x0000_s1032" name="think-cell Folie" r:id="rId9" imgW="360" imgH="360" progId="TCLayout.ActiveDocument.1">
                   <p:embed/>
                 </p:oleObj>
               </mc:Choice>
@@ -6487,35 +6659,35 @@
           <a:p>
             <a:pPr lvl="0"/>
             <a:r>
-              <a:rPr lang="de-DE" noProof="0"/>
+              <a:rPr lang="de-DE" noProof="0" dirty="0"/>
               <a:t>Textmasterformate durch Klicken bearbeiten</a:t>
             </a:r>
           </a:p>
           <a:p>
             <a:pPr lvl="1"/>
             <a:r>
-              <a:rPr lang="de-DE" noProof="0"/>
+              <a:rPr lang="de-DE" noProof="0" dirty="0"/>
               <a:t>Zweite Ebene</a:t>
             </a:r>
           </a:p>
           <a:p>
             <a:pPr lvl="2"/>
             <a:r>
-              <a:rPr lang="de-DE" noProof="0"/>
+              <a:rPr lang="de-DE" noProof="0" dirty="0"/>
               <a:t>Dritte Ebene</a:t>
             </a:r>
           </a:p>
           <a:p>
             <a:pPr lvl="3"/>
             <a:r>
-              <a:rPr lang="de-DE" noProof="0"/>
+              <a:rPr lang="de-DE" noProof="0" dirty="0"/>
               <a:t>Vierte Ebene</a:t>
             </a:r>
           </a:p>
           <a:p>
             <a:pPr lvl="4"/>
             <a:r>
-              <a:rPr lang="de-DE" noProof="0"/>
+              <a:rPr lang="de-DE" noProof="0" dirty="0"/>
               <a:t>Fünfte Ebene</a:t>
             </a:r>
           </a:p>
@@ -6799,15 +6971,22 @@
               <a:defRPr/>
             </a:pPr>
             <a:r>
-              <a:rPr lang="en-US" sz="900" dirty="0">
+              <a:rPr lang="en-US" sz="900" dirty="0" smtClean="0">
                 <a:solidFill>
                   <a:schemeClr val="bg2"/>
                 </a:solidFill>
                 <a:latin typeface="Arial" pitchFamily="34" charset="0"/>
                 <a:cs typeface="Arial" pitchFamily="34" charset="0"/>
               </a:rPr>
-              <a:t>29.03.2021</a:t>
-            </a:r>
+              <a:t>30.11.2022</a:t>
+            </a:r>
+            <a:endParaRPr lang="en-US" sz="900" dirty="0">
+              <a:solidFill>
+                <a:schemeClr val="bg2"/>
+              </a:solidFill>
+              <a:latin typeface="Arial" pitchFamily="34" charset="0"/>
+              <a:cs typeface="Arial" pitchFamily="34" charset="0"/>
+            </a:endParaRPr>
           </a:p>
         </p:txBody>
       </p:sp>
@@ -7329,7 +7508,7 @@
           <a:graphicData uri="http://schemas.openxmlformats.org/presentationml/2006/ole">
             <mc:AlternateContent xmlns:mc="http://schemas.openxmlformats.org/markup-compatibility/2006">
               <mc:Choice xmlns:v="urn:schemas-microsoft-com:vml" Requires="v">
-                <p:oleObj spid="_x0000_s2053" name="think-cell Folie" r:id="rId9" imgW="270" imgH="270" progId="TCLayout.ActiveDocument.1">
+                <p:oleObj spid="_x0000_s2056" name="think-cell Folie" r:id="rId9" imgW="270" imgH="270" progId="TCLayout.ActiveDocument.1">
                   <p:embed/>
                 </p:oleObj>
               </mc:Choice>
@@ -11385,11 +11564,11 @@
             </a:r>
             <a:r>
               <a:rPr lang="de-DE" dirty="0" smtClean="0"/>
-              <a:t>29</a:t>
+              <a:t>30</a:t>
             </a:r>
             <a:r>
               <a:rPr lang="de-DE" dirty="0" smtClean="0"/>
-              <a:t>.03.2021</a:t>
+              <a:t>.11.2022</a:t>
             </a:r>
             <a:endParaRPr lang="de-DE" dirty="0"/>
           </a:p>
@@ -11463,12 +11642,8 @@
           <a:lstStyle/>
           <a:p>
             <a:r>
-              <a:rPr lang="de-DE" dirty="0"/>
-              <a:t>Energiemanagement in einem modularen </a:t>
-            </a:r>
-            <a:r>
-              <a:rPr lang="de-DE" dirty="0" err="1"/>
-              <a:t>Bordnetz</a:t>
+              <a:rPr lang="de-DE" dirty="0" smtClean="0"/>
+              <a:t>Verteiltes Rechnen mittels autonomen Fahrzeugsteuergeräten</a:t>
             </a:r>
             <a:endParaRPr lang="de-DE" dirty="0"/>
           </a:p>
@@ -11517,6 +11692,1086 @@
 </file>
 
 <file path=ppt/slides/slide10.xml><?xml version="1.0" encoding="utf-8"?>
+<p:sld xmlns:a="http://schemas.openxmlformats.org/drawingml/2006/main" xmlns:r="http://schemas.openxmlformats.org/officeDocument/2006/relationships" xmlns:p="http://schemas.openxmlformats.org/presentationml/2006/main">
+  <p:cSld>
+    <p:spTree>
+      <p:nvGrpSpPr>
+        <p:cNvPr id="1" name=""/>
+        <p:cNvGrpSpPr/>
+        <p:nvPr/>
+      </p:nvGrpSpPr>
+      <p:grpSpPr>
+        <a:xfrm>
+          <a:off x="0" y="0"/>
+          <a:ext cx="0" cy="0"/>
+          <a:chOff x="0" y="0"/>
+          <a:chExt cx="0" cy="0"/>
+        </a:xfrm>
+      </p:grpSpPr>
+      <p:sp>
+        <p:nvSpPr>
+          <p:cNvPr id="2" name="Titel 1">
+            <a:extLst>
+              <a:ext uri="{FF2B5EF4-FFF2-40B4-BE49-F238E27FC236}">
+                <a16:creationId xmlns:a16="http://schemas.microsoft.com/office/drawing/2014/main" id="{F1D97F02-E037-4D13-ADF6-C271BE10B178}"/>
+              </a:ext>
+            </a:extLst>
+          </p:cNvPr>
+          <p:cNvSpPr>
+            <a:spLocks noGrp="1"/>
+          </p:cNvSpPr>
+          <p:nvPr>
+            <p:ph type="title"/>
+          </p:nvPr>
+        </p:nvSpPr>
+        <p:spPr/>
+        <p:txBody>
+          <a:bodyPr/>
+          <a:lstStyle/>
+          <a:p>
+            <a:r>
+              <a:rPr lang="de-DE" dirty="0"/>
+              <a:t>Modulare Energieverteilung im Bordnetz</a:t>
+            </a:r>
+            <a:endParaRPr lang="LID4096" dirty="0"/>
+          </a:p>
+        </p:txBody>
+      </p:sp>
+      <p:sp>
+        <p:nvSpPr>
+          <p:cNvPr id="3" name="Inhaltsplatzhalter 2">
+            <a:extLst>
+              <a:ext uri="{FF2B5EF4-FFF2-40B4-BE49-F238E27FC236}">
+                <a16:creationId xmlns:a16="http://schemas.microsoft.com/office/drawing/2014/main" id="{5D6ACE34-F389-4C98-AD25-848E55158EF6}"/>
+              </a:ext>
+            </a:extLst>
+          </p:cNvPr>
+          <p:cNvSpPr>
+            <a:spLocks noGrp="1"/>
+          </p:cNvSpPr>
+          <p:nvPr>
+            <p:ph idx="1"/>
+          </p:nvPr>
+        </p:nvSpPr>
+        <p:spPr>
+          <a:xfrm>
+            <a:off x="839513" y="1844824"/>
+            <a:ext cx="4825097" cy="3672408"/>
+          </a:xfrm>
+        </p:spPr>
+        <p:txBody>
+          <a:bodyPr/>
+          <a:lstStyle/>
+          <a:p>
+            <a:pPr marL="0" indent="0">
+              <a:buNone/>
+            </a:pPr>
+            <a:r>
+              <a:rPr lang="de-DE" b="1" dirty="0"/>
+              <a:t>„Handshake“ Prozess definieren:</a:t>
+            </a:r>
+          </a:p>
+          <a:p>
+            <a:pPr marL="0" indent="0">
+              <a:buNone/>
+            </a:pPr>
+            <a:r>
+              <a:rPr lang="de-DE" dirty="0"/>
+              <a:t>Art der Komponente:</a:t>
+            </a:r>
+          </a:p>
+          <a:p>
+            <a:pPr lvl="2"/>
+            <a:r>
+              <a:rPr lang="de-DE" dirty="0"/>
+              <a:t>Verbraucher:</a:t>
+            </a:r>
+          </a:p>
+          <a:p>
+            <a:pPr lvl="3"/>
+            <a:r>
+              <a:rPr lang="de-DE" dirty="0"/>
+              <a:t>Leistungsbedarf</a:t>
+            </a:r>
+          </a:p>
+          <a:p>
+            <a:pPr lvl="3"/>
+            <a:r>
+              <a:rPr lang="de-DE" dirty="0"/>
+              <a:t>Priorität</a:t>
+            </a:r>
+          </a:p>
+          <a:p>
+            <a:pPr lvl="2"/>
+            <a:r>
+              <a:rPr lang="de-DE" dirty="0"/>
+              <a:t>Quelle:</a:t>
+            </a:r>
+          </a:p>
+          <a:p>
+            <a:pPr lvl="3"/>
+            <a:r>
+              <a:rPr lang="de-DE" dirty="0"/>
+              <a:t>Maximale Leistungsabgabe</a:t>
+            </a:r>
+          </a:p>
+          <a:p>
+            <a:pPr lvl="3"/>
+            <a:r>
+              <a:rPr lang="de-DE" dirty="0"/>
+              <a:t>Maximale Dauerleistung</a:t>
+            </a:r>
+          </a:p>
+          <a:p>
+            <a:pPr lvl="3"/>
+            <a:r>
+              <a:rPr lang="de-DE" dirty="0"/>
+              <a:t>Effizienzkurve</a:t>
+            </a:r>
+          </a:p>
+          <a:p>
+            <a:pPr lvl="3"/>
+            <a:endParaRPr lang="LID4096" dirty="0"/>
+          </a:p>
+        </p:txBody>
+      </p:sp>
+      <p:sp>
+        <p:nvSpPr>
+          <p:cNvPr id="4" name="Inhaltsplatzhalter 2">
+            <a:extLst>
+              <a:ext uri="{FF2B5EF4-FFF2-40B4-BE49-F238E27FC236}">
+                <a16:creationId xmlns:a16="http://schemas.microsoft.com/office/drawing/2014/main" id="{404638D3-3EE6-47EE-821C-638AC2172DFC}"/>
+              </a:ext>
+            </a:extLst>
+          </p:cNvPr>
+          <p:cNvSpPr txBox="1">
+            <a:spLocks/>
+          </p:cNvSpPr>
+          <p:nvPr/>
+        </p:nvSpPr>
+        <p:spPr>
+          <a:xfrm>
+            <a:off x="6857896" y="1820686"/>
+            <a:ext cx="4825097" cy="3696546"/>
+          </a:xfrm>
+          <a:prstGeom prst="rect">
+            <a:avLst/>
+          </a:prstGeom>
+        </p:spPr>
+        <p:txBody>
+          <a:bodyPr vert="horz" lIns="0" tIns="0" rIns="0" bIns="0" rtlCol="0">
+            <a:noAutofit/>
+          </a:bodyPr>
+          <a:lstStyle>
+            <a:lvl1pPr marL="360000" indent="-360000" algn="l" defTabSz="914400" rtl="0" eaLnBrk="1" latinLnBrk="0" hangingPunct="1">
+              <a:spcBef>
+                <a:spcPts val="0"/>
+              </a:spcBef>
+              <a:spcAft>
+                <a:spcPts val="600"/>
+              </a:spcAft>
+              <a:buClr>
+                <a:schemeClr val="tx2"/>
+              </a:buClr>
+              <a:buFont typeface="Wingdings" pitchFamily="2" charset="2"/>
+              <a:buChar char="§"/>
+              <a:defRPr lang="de-DE" sz="1800" kern="1200">
+                <a:solidFill>
+                  <a:schemeClr val="tx1"/>
+                </a:solidFill>
+                <a:latin typeface="Arial" pitchFamily="34" charset="0"/>
+                <a:ea typeface="+mn-ea"/>
+                <a:cs typeface="Arial" pitchFamily="34" charset="0"/>
+              </a:defRPr>
+            </a:lvl1pPr>
+            <a:lvl2pPr marL="720000" indent="-360000" algn="l" defTabSz="914400" rtl="0" eaLnBrk="1" latinLnBrk="0" hangingPunct="1">
+              <a:spcBef>
+                <a:spcPts val="0"/>
+              </a:spcBef>
+              <a:spcAft>
+                <a:spcPts val="600"/>
+              </a:spcAft>
+              <a:buClr>
+                <a:schemeClr val="tx2"/>
+              </a:buClr>
+              <a:buFont typeface="Wingdings" pitchFamily="2" charset="2"/>
+              <a:buChar char="§"/>
+              <a:defRPr lang="de-DE" sz="1800" kern="1200">
+                <a:solidFill>
+                  <a:schemeClr val="tx1"/>
+                </a:solidFill>
+                <a:latin typeface="Arial" pitchFamily="34" charset="0"/>
+                <a:ea typeface="+mn-ea"/>
+                <a:cs typeface="Arial" pitchFamily="34" charset="0"/>
+              </a:defRPr>
+            </a:lvl2pPr>
+            <a:lvl3pPr marL="1080000" indent="-360000" algn="l" defTabSz="914400" rtl="0" eaLnBrk="1" latinLnBrk="0" hangingPunct="1">
+              <a:spcBef>
+                <a:spcPts val="0"/>
+              </a:spcBef>
+              <a:spcAft>
+                <a:spcPts val="600"/>
+              </a:spcAft>
+              <a:buClr>
+                <a:schemeClr val="tx2"/>
+              </a:buClr>
+              <a:buFont typeface="Wingdings" pitchFamily="2" charset="2"/>
+              <a:buChar char="§"/>
+              <a:defRPr lang="de-DE" sz="1800" kern="1200">
+                <a:solidFill>
+                  <a:schemeClr val="tx1"/>
+                </a:solidFill>
+                <a:latin typeface="Arial" pitchFamily="34" charset="0"/>
+                <a:ea typeface="+mn-ea"/>
+                <a:cs typeface="Arial" pitchFamily="34" charset="0"/>
+              </a:defRPr>
+            </a:lvl3pPr>
+            <a:lvl4pPr marL="1438275" indent="-360000" algn="l" defTabSz="914400" rtl="0" eaLnBrk="1" latinLnBrk="0" hangingPunct="1">
+              <a:spcBef>
+                <a:spcPts val="0"/>
+              </a:spcBef>
+              <a:spcAft>
+                <a:spcPts val="600"/>
+              </a:spcAft>
+              <a:buClr>
+                <a:schemeClr val="tx2"/>
+              </a:buClr>
+              <a:buFont typeface="Wingdings" pitchFamily="2" charset="2"/>
+              <a:buChar char="§"/>
+              <a:defRPr lang="de-DE" sz="1800" kern="1200">
+                <a:solidFill>
+                  <a:schemeClr val="tx1"/>
+                </a:solidFill>
+                <a:latin typeface="Arial" pitchFamily="34" charset="0"/>
+                <a:ea typeface="+mn-ea"/>
+                <a:cs typeface="Arial" pitchFamily="34" charset="0"/>
+              </a:defRPr>
+            </a:lvl4pPr>
+            <a:lvl5pPr marL="1800000" indent="-360000" algn="l" defTabSz="914400" rtl="0" eaLnBrk="1" latinLnBrk="0" hangingPunct="1">
+              <a:spcBef>
+                <a:spcPts val="0"/>
+              </a:spcBef>
+              <a:spcAft>
+                <a:spcPts val="600"/>
+              </a:spcAft>
+              <a:buClr>
+                <a:schemeClr val="tx2"/>
+              </a:buClr>
+              <a:buFont typeface="Wingdings" pitchFamily="2" charset="2"/>
+              <a:buChar char="§"/>
+              <a:defRPr lang="de-DE" sz="1800" kern="1200">
+                <a:solidFill>
+                  <a:schemeClr val="tx1"/>
+                </a:solidFill>
+                <a:latin typeface="Arial" pitchFamily="34" charset="0"/>
+                <a:ea typeface="+mn-ea"/>
+                <a:cs typeface="Arial" pitchFamily="34" charset="0"/>
+              </a:defRPr>
+            </a:lvl5pPr>
+            <a:lvl6pPr marL="2514600" indent="-228600" algn="l" defTabSz="914400" rtl="0" eaLnBrk="1" latinLnBrk="0" hangingPunct="1">
+              <a:spcBef>
+                <a:spcPct val="20000"/>
+              </a:spcBef>
+              <a:buFont typeface="Arial" pitchFamily="34" charset="0"/>
+              <a:buChar char="•"/>
+              <a:defRPr sz="2000" kern="1200">
+                <a:solidFill>
+                  <a:schemeClr val="tx1"/>
+                </a:solidFill>
+                <a:latin typeface="+mn-lt"/>
+                <a:ea typeface="+mn-ea"/>
+                <a:cs typeface="+mn-cs"/>
+              </a:defRPr>
+            </a:lvl6pPr>
+            <a:lvl7pPr marL="2971800" indent="-228600" algn="l" defTabSz="914400" rtl="0" eaLnBrk="1" latinLnBrk="0" hangingPunct="1">
+              <a:spcBef>
+                <a:spcPct val="20000"/>
+              </a:spcBef>
+              <a:buFont typeface="Arial" pitchFamily="34" charset="0"/>
+              <a:buChar char="•"/>
+              <a:defRPr sz="2000" kern="1200">
+                <a:solidFill>
+                  <a:schemeClr val="tx1"/>
+                </a:solidFill>
+                <a:latin typeface="+mn-lt"/>
+                <a:ea typeface="+mn-ea"/>
+                <a:cs typeface="+mn-cs"/>
+              </a:defRPr>
+            </a:lvl7pPr>
+            <a:lvl8pPr marL="3429000" indent="-228600" algn="l" defTabSz="914400" rtl="0" eaLnBrk="1" latinLnBrk="0" hangingPunct="1">
+              <a:spcBef>
+                <a:spcPct val="20000"/>
+              </a:spcBef>
+              <a:buFont typeface="Arial" pitchFamily="34" charset="0"/>
+              <a:buChar char="•"/>
+              <a:defRPr sz="2000" kern="1200">
+                <a:solidFill>
+                  <a:schemeClr val="tx1"/>
+                </a:solidFill>
+                <a:latin typeface="+mn-lt"/>
+                <a:ea typeface="+mn-ea"/>
+                <a:cs typeface="+mn-cs"/>
+              </a:defRPr>
+            </a:lvl8pPr>
+            <a:lvl9pPr marL="3886200" indent="-228600" algn="l" defTabSz="914400" rtl="0" eaLnBrk="1" latinLnBrk="0" hangingPunct="1">
+              <a:spcBef>
+                <a:spcPct val="20000"/>
+              </a:spcBef>
+              <a:buFont typeface="Arial" pitchFamily="34" charset="0"/>
+              <a:buChar char="•"/>
+              <a:defRPr sz="2000" kern="1200">
+                <a:solidFill>
+                  <a:schemeClr val="tx1"/>
+                </a:solidFill>
+                <a:latin typeface="+mn-lt"/>
+                <a:ea typeface="+mn-ea"/>
+                <a:cs typeface="+mn-cs"/>
+              </a:defRPr>
+            </a:lvl9pPr>
+          </a:lstStyle>
+          <a:p>
+            <a:pPr marL="0" indent="0">
+              <a:buNone/>
+            </a:pPr>
+            <a:r>
+              <a:rPr lang="de-DE" b="1" dirty="0"/>
+              <a:t>Informationsaustausch zur Laufzeit:</a:t>
+            </a:r>
+          </a:p>
+          <a:p>
+            <a:pPr marL="0" indent="0">
+              <a:buNone/>
+            </a:pPr>
+            <a:r>
+              <a:rPr lang="de-DE" dirty="0"/>
+              <a:t>Art der Komponente:</a:t>
+            </a:r>
+          </a:p>
+          <a:p>
+            <a:pPr lvl="2"/>
+            <a:r>
+              <a:rPr lang="de-DE" dirty="0"/>
+              <a:t>Verbraucher:</a:t>
+            </a:r>
+          </a:p>
+          <a:p>
+            <a:pPr lvl="3"/>
+            <a:r>
+              <a:rPr lang="de-DE" dirty="0"/>
+              <a:t>Stromverbrauch</a:t>
+            </a:r>
+          </a:p>
+          <a:p>
+            <a:pPr lvl="3"/>
+            <a:r>
+              <a:rPr lang="de-DE" dirty="0"/>
+              <a:t>Spannung</a:t>
+            </a:r>
+          </a:p>
+          <a:p>
+            <a:pPr lvl="3"/>
+            <a:r>
+              <a:rPr lang="de-DE" dirty="0" smtClean="0"/>
+              <a:t>Aktiv/Inaktiv</a:t>
+            </a:r>
+          </a:p>
+          <a:p>
+            <a:pPr lvl="3"/>
+            <a:r>
+              <a:rPr lang="de-DE" dirty="0" smtClean="0"/>
+              <a:t>Fehlerstatus</a:t>
+            </a:r>
+            <a:endParaRPr lang="de-DE" dirty="0"/>
+          </a:p>
+          <a:p>
+            <a:pPr lvl="2"/>
+            <a:r>
+              <a:rPr lang="de-DE" dirty="0"/>
+              <a:t>Quelle:</a:t>
+            </a:r>
+          </a:p>
+          <a:p>
+            <a:pPr lvl="3"/>
+            <a:r>
+              <a:rPr lang="de-DE" dirty="0"/>
+              <a:t>Spannung</a:t>
+            </a:r>
+          </a:p>
+          <a:p>
+            <a:pPr lvl="3"/>
+            <a:r>
+              <a:rPr lang="de-DE" dirty="0"/>
+              <a:t>Aktueller Strom</a:t>
+            </a:r>
+          </a:p>
+          <a:p>
+            <a:pPr lvl="3"/>
+            <a:r>
+              <a:rPr lang="de-DE" dirty="0" smtClean="0"/>
+              <a:t>Aktiv/Inaktiv</a:t>
+            </a:r>
+          </a:p>
+          <a:p>
+            <a:pPr lvl="3"/>
+            <a:r>
+              <a:rPr lang="de-DE" dirty="0" smtClean="0"/>
+              <a:t>Fehlerstatus</a:t>
+            </a:r>
+            <a:endParaRPr lang="de-DE" dirty="0"/>
+          </a:p>
+          <a:p>
+            <a:pPr lvl="3"/>
+            <a:endParaRPr lang="de-DE" dirty="0"/>
+          </a:p>
+        </p:txBody>
+      </p:sp>
+      <p:sp>
+        <p:nvSpPr>
+          <p:cNvPr id="5" name="Textfeld 4">
+            <a:extLst>
+              <a:ext uri="{FF2B5EF4-FFF2-40B4-BE49-F238E27FC236}">
+                <a16:creationId xmlns:a16="http://schemas.microsoft.com/office/drawing/2014/main" id="{CCB560E6-627C-488C-9FD4-0933878C7540}"/>
+              </a:ext>
+            </a:extLst>
+          </p:cNvPr>
+          <p:cNvSpPr txBox="1"/>
+          <p:nvPr/>
+        </p:nvSpPr>
+        <p:spPr>
+          <a:xfrm>
+            <a:off x="240164" y="732848"/>
+            <a:ext cx="7237879" cy="369332"/>
+          </a:xfrm>
+          <a:prstGeom prst="rect">
+            <a:avLst/>
+          </a:prstGeom>
+          <a:noFill/>
+        </p:spPr>
+        <p:txBody>
+          <a:bodyPr wrap="none" rtlCol="0">
+            <a:spAutoFit/>
+          </a:bodyPr>
+          <a:lstStyle/>
+          <a:p>
+            <a:r>
+              <a:rPr lang="de-DE" b="1" dirty="0" smtClean="0">
+                <a:solidFill>
+                  <a:schemeClr val="bg2"/>
+                </a:solidFill>
+              </a:rPr>
+              <a:t>Software: Definition </a:t>
+            </a:r>
+            <a:r>
+              <a:rPr lang="de-DE" b="1" dirty="0">
+                <a:solidFill>
+                  <a:schemeClr val="bg2"/>
+                </a:solidFill>
+              </a:rPr>
+              <a:t>der Kommunikation zwischen Komponenten</a:t>
+            </a:r>
+            <a:endParaRPr lang="LID4096" b="1" dirty="0">
+              <a:solidFill>
+                <a:schemeClr val="bg2"/>
+              </a:solidFill>
+            </a:endParaRPr>
+          </a:p>
+        </p:txBody>
+      </p:sp>
+      <p:sp>
+        <p:nvSpPr>
+          <p:cNvPr id="6" name="Rechteck 5">
+            <a:extLst>
+              <a:ext uri="{FF2B5EF4-FFF2-40B4-BE49-F238E27FC236}">
+                <a16:creationId xmlns:a16="http://schemas.microsoft.com/office/drawing/2014/main" id="{F7DCC0EA-A612-41CB-B750-245A0C90D6CC}"/>
+              </a:ext>
+            </a:extLst>
+          </p:cNvPr>
+          <p:cNvSpPr/>
+          <p:nvPr/>
+        </p:nvSpPr>
+        <p:spPr>
+          <a:xfrm>
+            <a:off x="618084" y="1556792"/>
+            <a:ext cx="5063748" cy="4608512"/>
+          </a:xfrm>
+          <a:prstGeom prst="rect">
+            <a:avLst/>
+          </a:prstGeom>
+          <a:noFill/>
+          <a:ln w="12700">
+            <a:solidFill>
+              <a:schemeClr val="tx1"/>
+            </a:solidFill>
+          </a:ln>
+        </p:spPr>
+        <p:style>
+          <a:lnRef idx="2">
+            <a:schemeClr val="accent1">
+              <a:shade val="50000"/>
+            </a:schemeClr>
+          </a:lnRef>
+          <a:fillRef idx="1">
+            <a:schemeClr val="accent1"/>
+          </a:fillRef>
+          <a:effectRef idx="0">
+            <a:schemeClr val="accent1"/>
+          </a:effectRef>
+          <a:fontRef idx="minor">
+            <a:schemeClr val="lt1"/>
+          </a:fontRef>
+        </p:style>
+        <p:txBody>
+          <a:bodyPr rtlCol="0" anchor="ctr"/>
+          <a:lstStyle/>
+          <a:p>
+            <a:pPr algn="ctr"/>
+            <a:endParaRPr lang="LID4096" dirty="0" err="1">
+              <a:solidFill>
+                <a:schemeClr val="tx1"/>
+              </a:solidFill>
+            </a:endParaRPr>
+          </a:p>
+        </p:txBody>
+      </p:sp>
+      <p:sp>
+        <p:nvSpPr>
+          <p:cNvPr id="7" name="Rechteck 6">
+            <a:extLst>
+              <a:ext uri="{FF2B5EF4-FFF2-40B4-BE49-F238E27FC236}">
+                <a16:creationId xmlns:a16="http://schemas.microsoft.com/office/drawing/2014/main" id="{465535DD-BB45-42D3-BE66-C5F4498DE5F1}"/>
+              </a:ext>
+            </a:extLst>
+          </p:cNvPr>
+          <p:cNvSpPr/>
+          <p:nvPr/>
+        </p:nvSpPr>
+        <p:spPr>
+          <a:xfrm>
+            <a:off x="6586925" y="1556792"/>
+            <a:ext cx="5063748" cy="4608512"/>
+          </a:xfrm>
+          <a:prstGeom prst="rect">
+            <a:avLst/>
+          </a:prstGeom>
+          <a:noFill/>
+          <a:ln w="12700">
+            <a:solidFill>
+              <a:schemeClr val="tx1"/>
+            </a:solidFill>
+          </a:ln>
+        </p:spPr>
+        <p:style>
+          <a:lnRef idx="2">
+            <a:schemeClr val="accent1">
+              <a:shade val="50000"/>
+            </a:schemeClr>
+          </a:lnRef>
+          <a:fillRef idx="1">
+            <a:schemeClr val="accent1"/>
+          </a:fillRef>
+          <a:effectRef idx="0">
+            <a:schemeClr val="accent1"/>
+          </a:effectRef>
+          <a:fontRef idx="minor">
+            <a:schemeClr val="lt1"/>
+          </a:fontRef>
+        </p:style>
+        <p:txBody>
+          <a:bodyPr rtlCol="0" anchor="ctr"/>
+          <a:lstStyle/>
+          <a:p>
+            <a:pPr algn="ctr"/>
+            <a:endParaRPr lang="LID4096" dirty="0" err="1">
+              <a:solidFill>
+                <a:schemeClr val="tx1"/>
+              </a:solidFill>
+            </a:endParaRPr>
+          </a:p>
+        </p:txBody>
+      </p:sp>
+    </p:spTree>
+    <p:extLst>
+      <p:ext uri="{BB962C8B-B14F-4D97-AF65-F5344CB8AC3E}">
+        <p14:creationId xmlns:p14="http://schemas.microsoft.com/office/powerpoint/2010/main" val="943402987"/>
+      </p:ext>
+    </p:extLst>
+  </p:cSld>
+  <p:clrMapOvr>
+    <a:masterClrMapping/>
+  </p:clrMapOvr>
+  <p:timing>
+    <p:tnLst>
+      <p:par>
+        <p:cTn id="1" dur="indefinite" restart="never" nodeType="tmRoot"/>
+      </p:par>
+    </p:tnLst>
+  </p:timing>
+</p:sld>
+</file>
+
+<file path=ppt/slides/slide11.xml><?xml version="1.0" encoding="utf-8"?>
+<p:sld xmlns:a="http://schemas.openxmlformats.org/drawingml/2006/main" xmlns:r="http://schemas.openxmlformats.org/officeDocument/2006/relationships" xmlns:p="http://schemas.openxmlformats.org/presentationml/2006/main">
+  <p:cSld>
+    <p:spTree>
+      <p:nvGrpSpPr>
+        <p:cNvPr id="1" name=""/>
+        <p:cNvGrpSpPr/>
+        <p:nvPr/>
+      </p:nvGrpSpPr>
+      <p:grpSpPr>
+        <a:xfrm>
+          <a:off x="0" y="0"/>
+          <a:ext cx="0" cy="0"/>
+          <a:chOff x="0" y="0"/>
+          <a:chExt cx="0" cy="0"/>
+        </a:xfrm>
+      </p:grpSpPr>
+      <p:sp>
+        <p:nvSpPr>
+          <p:cNvPr id="9" name="Rechteck 8">
+            <a:extLst>
+              <a:ext uri="{FF2B5EF4-FFF2-40B4-BE49-F238E27FC236}">
+                <a16:creationId xmlns:a16="http://schemas.microsoft.com/office/drawing/2014/main" id="{F277F89F-5F30-42F5-B3CB-33B8E0A28207}"/>
+              </a:ext>
+            </a:extLst>
+          </p:cNvPr>
+          <p:cNvSpPr/>
+          <p:nvPr/>
+        </p:nvSpPr>
+        <p:spPr>
+          <a:xfrm>
+            <a:off x="4439815" y="4042891"/>
+            <a:ext cx="5544617" cy="1440160"/>
+          </a:xfrm>
+          <a:prstGeom prst="rect">
+            <a:avLst/>
+          </a:prstGeom>
+          <a:solidFill>
+            <a:schemeClr val="accent6">
+              <a:lumMod val="20000"/>
+              <a:lumOff val="80000"/>
+            </a:schemeClr>
+          </a:solidFill>
+          <a:ln w="12700">
+            <a:solidFill>
+              <a:schemeClr val="tx1"/>
+            </a:solidFill>
+          </a:ln>
+        </p:spPr>
+        <p:style>
+          <a:lnRef idx="2">
+            <a:schemeClr val="accent1">
+              <a:shade val="50000"/>
+            </a:schemeClr>
+          </a:lnRef>
+          <a:fillRef idx="1">
+            <a:schemeClr val="accent1"/>
+          </a:fillRef>
+          <a:effectRef idx="0">
+            <a:schemeClr val="accent1"/>
+          </a:effectRef>
+          <a:fontRef idx="minor">
+            <a:schemeClr val="lt1"/>
+          </a:fontRef>
+        </p:style>
+        <p:txBody>
+          <a:bodyPr rtlCol="0" anchor="ctr"/>
+          <a:lstStyle/>
+          <a:p>
+            <a:pPr algn="ctr"/>
+            <a:endParaRPr lang="LID4096" dirty="0" err="1">
+              <a:solidFill>
+                <a:schemeClr val="tx1"/>
+              </a:solidFill>
+            </a:endParaRPr>
+          </a:p>
+        </p:txBody>
+      </p:sp>
+      <p:sp>
+        <p:nvSpPr>
+          <p:cNvPr id="7" name="Rechteck 6">
+            <a:extLst>
+              <a:ext uri="{FF2B5EF4-FFF2-40B4-BE49-F238E27FC236}">
+                <a16:creationId xmlns:a16="http://schemas.microsoft.com/office/drawing/2014/main" id="{F8F4ACC7-40F2-4F49-9E42-03FA09E3AB1C}"/>
+              </a:ext>
+            </a:extLst>
+          </p:cNvPr>
+          <p:cNvSpPr/>
+          <p:nvPr/>
+        </p:nvSpPr>
+        <p:spPr>
+          <a:xfrm>
+            <a:off x="4439816" y="1237476"/>
+            <a:ext cx="5544617" cy="2088232"/>
+          </a:xfrm>
+          <a:prstGeom prst="rect">
+            <a:avLst/>
+          </a:prstGeom>
+          <a:solidFill>
+            <a:schemeClr val="accent5">
+              <a:lumMod val="20000"/>
+              <a:lumOff val="80000"/>
+            </a:schemeClr>
+          </a:solidFill>
+          <a:ln w="12700">
+            <a:solidFill>
+              <a:schemeClr val="tx1"/>
+            </a:solidFill>
+          </a:ln>
+        </p:spPr>
+        <p:style>
+          <a:lnRef idx="2">
+            <a:schemeClr val="accent1">
+              <a:shade val="50000"/>
+            </a:schemeClr>
+          </a:lnRef>
+          <a:fillRef idx="1">
+            <a:schemeClr val="accent1"/>
+          </a:fillRef>
+          <a:effectRef idx="0">
+            <a:schemeClr val="accent1"/>
+          </a:effectRef>
+          <a:fontRef idx="minor">
+            <a:schemeClr val="lt1"/>
+          </a:fontRef>
+        </p:style>
+        <p:txBody>
+          <a:bodyPr rtlCol="0" anchor="ctr"/>
+          <a:lstStyle/>
+          <a:p>
+            <a:pPr algn="ctr"/>
+            <a:endParaRPr lang="LID4096" dirty="0" err="1">
+              <a:solidFill>
+                <a:schemeClr val="tx1"/>
+              </a:solidFill>
+            </a:endParaRPr>
+          </a:p>
+        </p:txBody>
+      </p:sp>
+      <p:sp>
+        <p:nvSpPr>
+          <p:cNvPr id="2" name="Titel 1"/>
+          <p:cNvSpPr>
+            <a:spLocks noGrp="1"/>
+          </p:cNvSpPr>
+          <p:nvPr>
+            <p:ph type="title"/>
+          </p:nvPr>
+        </p:nvSpPr>
+        <p:spPr/>
+        <p:txBody>
+          <a:bodyPr/>
+          <a:lstStyle/>
+          <a:p>
+            <a:r>
+              <a:rPr lang="de-DE" dirty="0"/>
+              <a:t>Modulare Energieverteilung im Bordnetz</a:t>
+            </a:r>
+            <a:endParaRPr lang="de-DE" sz="1800" b="0" dirty="0"/>
+          </a:p>
+        </p:txBody>
+      </p:sp>
+      <p:sp>
+        <p:nvSpPr>
+          <p:cNvPr id="6" name="Textfeld 5">
+            <a:extLst>
+              <a:ext uri="{FF2B5EF4-FFF2-40B4-BE49-F238E27FC236}">
+                <a16:creationId xmlns:a16="http://schemas.microsoft.com/office/drawing/2014/main" id="{57A8FCBB-0E4B-4062-8585-092176D9D3F8}"/>
+              </a:ext>
+            </a:extLst>
+          </p:cNvPr>
+          <p:cNvSpPr txBox="1"/>
+          <p:nvPr/>
+        </p:nvSpPr>
+        <p:spPr>
+          <a:xfrm>
+            <a:off x="4726799" y="1344226"/>
+            <a:ext cx="5256584" cy="2308324"/>
+          </a:xfrm>
+          <a:prstGeom prst="rect">
+            <a:avLst/>
+          </a:prstGeom>
+          <a:noFill/>
+        </p:spPr>
+        <p:txBody>
+          <a:bodyPr wrap="square" rtlCol="0">
+            <a:spAutoFit/>
+          </a:bodyPr>
+          <a:lstStyle/>
+          <a:p>
+            <a:r>
+              <a:rPr lang="de-DE" sz="1400" dirty="0"/>
+              <a:t>Verbraucher und Quellen melden sich beim Zentralsteuergerät mit Energiebedarf/Leistung und Priorität an</a:t>
+            </a:r>
+          </a:p>
+          <a:p>
+            <a:endParaRPr lang="de-DE" sz="1400" dirty="0"/>
+          </a:p>
+          <a:p>
+            <a:r>
+              <a:rPr lang="de-DE" sz="1400" dirty="0"/>
+              <a:t>Quellen melden sich mit Effizienzprofil beim Zentralsteuergerät an</a:t>
+            </a:r>
+          </a:p>
+          <a:p>
+            <a:endParaRPr lang="de-DE" sz="1400" dirty="0"/>
+          </a:p>
+          <a:p>
+            <a:r>
+              <a:rPr lang="de-DE" sz="1400" dirty="0"/>
+              <a:t>Zentralsteuergerät warnt wenn nicht genug Energie zur Verfügung gestellt werden kann</a:t>
+            </a:r>
+          </a:p>
+          <a:p>
+            <a:endParaRPr lang="de-DE" sz="1400" dirty="0"/>
+          </a:p>
+          <a:p>
+            <a:endParaRPr lang="LID4096" dirty="0"/>
+          </a:p>
+        </p:txBody>
+      </p:sp>
+      <p:sp>
+        <p:nvSpPr>
+          <p:cNvPr id="8" name="Textfeld 7">
+            <a:extLst>
+              <a:ext uri="{FF2B5EF4-FFF2-40B4-BE49-F238E27FC236}">
+                <a16:creationId xmlns:a16="http://schemas.microsoft.com/office/drawing/2014/main" id="{CEA0A5F0-126D-4266-BCD7-C92538FA38D6}"/>
+              </a:ext>
+            </a:extLst>
+          </p:cNvPr>
+          <p:cNvSpPr txBox="1"/>
+          <p:nvPr/>
+        </p:nvSpPr>
+        <p:spPr>
+          <a:xfrm>
+            <a:off x="4727849" y="4161894"/>
+            <a:ext cx="5256584" cy="1446550"/>
+          </a:xfrm>
+          <a:prstGeom prst="rect">
+            <a:avLst/>
+          </a:prstGeom>
+          <a:noFill/>
+        </p:spPr>
+        <p:txBody>
+          <a:bodyPr wrap="square" rtlCol="0">
+            <a:spAutoFit/>
+          </a:bodyPr>
+          <a:lstStyle/>
+          <a:p>
+            <a:r>
+              <a:rPr lang="de-DE" sz="1400" dirty="0"/>
+              <a:t>Im Betrieb werden Lasten zwischen Quellen so verteilt dass die maximale Effizienz erreicht wird</a:t>
+            </a:r>
+          </a:p>
+          <a:p>
+            <a:endParaRPr lang="de-DE" sz="1400" dirty="0"/>
+          </a:p>
+          <a:p>
+            <a:r>
+              <a:rPr lang="de-DE" sz="1400" dirty="0"/>
+              <a:t>Im Überlastung/Fehlerfall werden Verbraucher mit niedrigsten Prioritäten abgeschaltet</a:t>
+            </a:r>
+          </a:p>
+          <a:p>
+            <a:endParaRPr lang="LID4096" dirty="0"/>
+          </a:p>
+        </p:txBody>
+      </p:sp>
+      <p:sp>
+        <p:nvSpPr>
+          <p:cNvPr id="12" name="Textfeld 11">
+            <a:extLst>
+              <a:ext uri="{FF2B5EF4-FFF2-40B4-BE49-F238E27FC236}">
+                <a16:creationId xmlns:a16="http://schemas.microsoft.com/office/drawing/2014/main" id="{75E4FEE4-247E-4C3D-B6F4-0B9856A9984F}"/>
+              </a:ext>
+            </a:extLst>
+          </p:cNvPr>
+          <p:cNvSpPr txBox="1"/>
+          <p:nvPr/>
+        </p:nvSpPr>
+        <p:spPr>
+          <a:xfrm>
+            <a:off x="982908" y="1758514"/>
+            <a:ext cx="3600400" cy="646331"/>
+          </a:xfrm>
+          <a:prstGeom prst="rect">
+            <a:avLst/>
+          </a:prstGeom>
+          <a:noFill/>
+        </p:spPr>
+        <p:txBody>
+          <a:bodyPr wrap="square" rtlCol="0">
+            <a:spAutoFit/>
+          </a:bodyPr>
+          <a:lstStyle/>
+          <a:p>
+            <a:r>
+              <a:rPr lang="de-DE" b="1" dirty="0"/>
+              <a:t>Anschluss neuer Komponente/Start</a:t>
+            </a:r>
+            <a:endParaRPr lang="LID4096" b="1" dirty="0"/>
+          </a:p>
+        </p:txBody>
+      </p:sp>
+      <p:sp>
+        <p:nvSpPr>
+          <p:cNvPr id="13" name="Textfeld 12">
+            <a:extLst>
+              <a:ext uri="{FF2B5EF4-FFF2-40B4-BE49-F238E27FC236}">
+                <a16:creationId xmlns:a16="http://schemas.microsoft.com/office/drawing/2014/main" id="{F5AFD970-FC9E-439D-8C1E-5D7E1FA574C6}"/>
+              </a:ext>
+            </a:extLst>
+          </p:cNvPr>
+          <p:cNvSpPr txBox="1"/>
+          <p:nvPr/>
+        </p:nvSpPr>
+        <p:spPr>
+          <a:xfrm>
+            <a:off x="1343472" y="4578305"/>
+            <a:ext cx="3600400" cy="369332"/>
+          </a:xfrm>
+          <a:prstGeom prst="rect">
+            <a:avLst/>
+          </a:prstGeom>
+          <a:noFill/>
+        </p:spPr>
+        <p:txBody>
+          <a:bodyPr wrap="square" rtlCol="0">
+            <a:spAutoFit/>
+          </a:bodyPr>
+          <a:lstStyle/>
+          <a:p>
+            <a:r>
+              <a:rPr lang="de-DE" b="1" dirty="0"/>
+              <a:t>Im Betrieb</a:t>
+            </a:r>
+            <a:endParaRPr lang="LID4096" b="1" dirty="0"/>
+          </a:p>
+        </p:txBody>
+      </p:sp>
+      <p:sp>
+        <p:nvSpPr>
+          <p:cNvPr id="16" name="Textfeld 15">
+            <a:extLst>
+              <a:ext uri="{FF2B5EF4-FFF2-40B4-BE49-F238E27FC236}">
+                <a16:creationId xmlns:a16="http://schemas.microsoft.com/office/drawing/2014/main" id="{7128578B-05C5-49B5-93BE-DE64FB9E88B8}"/>
+              </a:ext>
+            </a:extLst>
+          </p:cNvPr>
+          <p:cNvSpPr txBox="1"/>
+          <p:nvPr/>
+        </p:nvSpPr>
+        <p:spPr>
+          <a:xfrm>
+            <a:off x="240164" y="732848"/>
+            <a:ext cx="2544286" cy="369332"/>
+          </a:xfrm>
+          <a:prstGeom prst="rect">
+            <a:avLst/>
+          </a:prstGeom>
+          <a:noFill/>
+        </p:spPr>
+        <p:txBody>
+          <a:bodyPr wrap="none" rtlCol="0">
+            <a:spAutoFit/>
+          </a:bodyPr>
+          <a:lstStyle/>
+          <a:p>
+            <a:r>
+              <a:rPr lang="de-DE" b="1" dirty="0" smtClean="0">
+                <a:solidFill>
+                  <a:schemeClr val="bg2"/>
+                </a:solidFill>
+              </a:rPr>
+              <a:t>Software: Funktionen</a:t>
+            </a:r>
+            <a:endParaRPr lang="LID4096" b="1" dirty="0">
+              <a:solidFill>
+                <a:schemeClr val="bg2"/>
+              </a:solidFill>
+            </a:endParaRPr>
+          </a:p>
+        </p:txBody>
+      </p:sp>
+      <p:sp>
+        <p:nvSpPr>
+          <p:cNvPr id="3" name="Pfeil: nach unten 2">
+            <a:extLst>
+              <a:ext uri="{FF2B5EF4-FFF2-40B4-BE49-F238E27FC236}">
+                <a16:creationId xmlns:a16="http://schemas.microsoft.com/office/drawing/2014/main" id="{28E65867-5587-439B-AB75-6C785B96E2E4}"/>
+              </a:ext>
+            </a:extLst>
+          </p:cNvPr>
+          <p:cNvSpPr/>
+          <p:nvPr/>
+        </p:nvSpPr>
+        <p:spPr>
+          <a:xfrm>
+            <a:off x="6852083" y="3397703"/>
+            <a:ext cx="720080" cy="613891"/>
+          </a:xfrm>
+          <a:prstGeom prst="downArrow">
+            <a:avLst/>
+          </a:prstGeom>
+          <a:solidFill>
+            <a:schemeClr val="tx1"/>
+          </a:solidFill>
+          <a:ln w="12700">
+            <a:solidFill>
+              <a:schemeClr val="tx1"/>
+            </a:solidFill>
+          </a:ln>
+        </p:spPr>
+        <p:style>
+          <a:lnRef idx="2">
+            <a:schemeClr val="accent1">
+              <a:shade val="50000"/>
+            </a:schemeClr>
+          </a:lnRef>
+          <a:fillRef idx="1">
+            <a:schemeClr val="accent1"/>
+          </a:fillRef>
+          <a:effectRef idx="0">
+            <a:schemeClr val="accent1"/>
+          </a:effectRef>
+          <a:fontRef idx="minor">
+            <a:schemeClr val="lt1"/>
+          </a:fontRef>
+        </p:style>
+        <p:txBody>
+          <a:bodyPr rtlCol="0" anchor="ctr"/>
+          <a:lstStyle/>
+          <a:p>
+            <a:pPr algn="ctr"/>
+            <a:endParaRPr lang="LID4096" dirty="0" err="1">
+              <a:solidFill>
+                <a:schemeClr val="tx1"/>
+              </a:solidFill>
+            </a:endParaRPr>
+          </a:p>
+        </p:txBody>
+      </p:sp>
+    </p:spTree>
+    <p:extLst>
+      <p:ext uri="{BB962C8B-B14F-4D97-AF65-F5344CB8AC3E}">
+        <p14:creationId xmlns:p14="http://schemas.microsoft.com/office/powerpoint/2010/main" val="1148185851"/>
+      </p:ext>
+    </p:extLst>
+  </p:cSld>
+  <p:clrMapOvr>
+    <a:masterClrMapping/>
+  </p:clrMapOvr>
+  <p:timing>
+    <p:tnLst>
+      <p:par>
+        <p:cTn id="1" dur="indefinite" restart="never" nodeType="tmRoot"/>
+      </p:par>
+    </p:tnLst>
+  </p:timing>
+</p:sld>
+</file>
+
+<file path=ppt/slides/slide12.xml><?xml version="1.0" encoding="utf-8"?>
 <p:sld xmlns:a="http://schemas.openxmlformats.org/drawingml/2006/main" xmlns:r="http://schemas.openxmlformats.org/officeDocument/2006/relationships" xmlns:p="http://schemas.openxmlformats.org/presentationml/2006/main">
   <p:cSld>
     <p:spTree>
@@ -16446,7 +17701,7 @@
 </p:sld>
 </file>
 
-<file path=ppt/slides/slide11.xml><?xml version="1.0" encoding="utf-8"?>
+<file path=ppt/slides/slide13.xml><?xml version="1.0" encoding="utf-8"?>
 <p:sld xmlns:a="http://schemas.openxmlformats.org/drawingml/2006/main" xmlns:r="http://schemas.openxmlformats.org/officeDocument/2006/relationships" xmlns:p="http://schemas.openxmlformats.org/presentationml/2006/main">
   <p:cSld>
     <p:spTree>
@@ -16483,7 +17738,7 @@
           <a:graphicData uri="http://schemas.openxmlformats.org/presentationml/2006/ole">
             <mc:AlternateContent xmlns:mc="http://schemas.openxmlformats.org/markup-compatibility/2006">
               <mc:Choice xmlns:v="urn:schemas-microsoft-com:vml" Requires="v">
-                <p:oleObj spid="_x0000_s8197" name="think-cell Folie" r:id="rId5" imgW="360" imgH="360" progId="TCLayout.ActiveDocument.1">
+                <p:oleObj spid="_x0000_s8200" name="think-cell Folie" r:id="rId5" imgW="360" imgH="360" progId="TCLayout.ActiveDocument.1">
                   <p:embed/>
                 </p:oleObj>
               </mc:Choice>
@@ -16814,7 +18069,7 @@
 </p:sld>
 </file>
 
-<file path=ppt/slides/slide12.xml><?xml version="1.0" encoding="utf-8"?>
+<file path=ppt/slides/slide14.xml><?xml version="1.0" encoding="utf-8"?>
 <p:sld xmlns:a="http://schemas.openxmlformats.org/drawingml/2006/main" xmlns:r="http://schemas.openxmlformats.org/officeDocument/2006/relationships" xmlns:p="http://schemas.openxmlformats.org/presentationml/2006/main">
   <p:cSld>
     <p:spTree>
@@ -16962,7 +18217,7 @@
 </p:sld>
 </file>
 
-<file path=ppt/slides/slide13.xml><?xml version="1.0" encoding="utf-8"?>
+<file path=ppt/slides/slide15.xml><?xml version="1.0" encoding="utf-8"?>
 <p:sld xmlns:a="http://schemas.openxmlformats.org/drawingml/2006/main" xmlns:r="http://schemas.openxmlformats.org/officeDocument/2006/relationships" xmlns:p="http://schemas.openxmlformats.org/presentationml/2006/main">
   <p:cSld>
     <p:spTree>
@@ -16999,7 +18254,7 @@
           <a:graphicData uri="http://schemas.openxmlformats.org/presentationml/2006/ole">
             <mc:AlternateContent xmlns:mc="http://schemas.openxmlformats.org/markup-compatibility/2006">
               <mc:Choice xmlns:v="urn:schemas-microsoft-com:vml" Requires="v">
-                <p:oleObj spid="_x0000_s9221" name="think-cell Folie" r:id="rId5" imgW="360" imgH="360" progId="TCLayout.ActiveDocument.1">
+                <p:oleObj spid="_x0000_s9224" name="think-cell Folie" r:id="rId5" imgW="360" imgH="360" progId="TCLayout.ActiveDocument.1">
                   <p:embed/>
                 </p:oleObj>
               </mc:Choice>
@@ -17330,7 +18585,7 @@
 </p:sld>
 </file>
 
-<file path=ppt/slides/slide14.xml><?xml version="1.0" encoding="utf-8"?>
+<file path=ppt/slides/slide16.xml><?xml version="1.0" encoding="utf-8"?>
 <p:sld xmlns:a="http://schemas.openxmlformats.org/drawingml/2006/main" xmlns:r="http://schemas.openxmlformats.org/officeDocument/2006/relationships" xmlns:p="http://schemas.openxmlformats.org/presentationml/2006/main">
   <p:cSld>
     <p:spTree>
@@ -17434,7 +18689,7 @@
 </p:sld>
 </file>
 
-<file path=ppt/slides/slide15.xml><?xml version="1.0" encoding="utf-8"?>
+<file path=ppt/slides/slide17.xml><?xml version="1.0" encoding="utf-8"?>
 <p:sld xmlns:a="http://schemas.openxmlformats.org/drawingml/2006/main" xmlns:r="http://schemas.openxmlformats.org/officeDocument/2006/relationships" xmlns:p="http://schemas.openxmlformats.org/presentationml/2006/main">
   <p:cSld>
     <p:spTree>
@@ -17578,7 +18833,7 @@
           <a:graphicData uri="http://schemas.openxmlformats.org/presentationml/2006/ole">
             <mc:AlternateContent xmlns:mc="http://schemas.openxmlformats.org/markup-compatibility/2006">
               <mc:Choice xmlns:v="urn:schemas-microsoft-com:vml" Requires="v">
-                <p:oleObj spid="_x0000_s5125" name="think-cell Folie" r:id="rId5" imgW="360" imgH="360" progId="TCLayout.ActiveDocument.1">
+                <p:oleObj spid="_x0000_s5128" name="think-cell Folie" r:id="rId5" imgW="360" imgH="360" progId="TCLayout.ActiveDocument.1">
                   <p:embed/>
                 </p:oleObj>
               </mc:Choice>
@@ -18245,7 +19500,7 @@
         <p:spPr>
           <a:xfrm>
             <a:off x="6323451" y="4581128"/>
-            <a:ext cx="5616624" cy="1569660"/>
+            <a:ext cx="5616624" cy="2062103"/>
           </a:xfrm>
           <a:prstGeom prst="rect">
             <a:avLst/>
@@ -18263,8 +19518,16 @@
               <a:buChar char="•"/>
             </a:pPr>
             <a:r>
-              <a:rPr lang="de-DE" sz="1600" dirty="0" err="1"/>
+              <a:rPr lang="de-DE" sz="1600" dirty="0" err="1" smtClean="0"/>
               <a:t>UNICARagil</a:t>
+            </a:r>
+            <a:r>
+              <a:rPr lang="de-DE" sz="1600" dirty="0"/>
+              <a:t>:</a:t>
+            </a:r>
+            <a:r>
+              <a:rPr lang="de-DE" sz="1600" dirty="0" smtClean="0"/>
+              <a:t> Softwareentwicklung</a:t>
             </a:r>
             <a:endParaRPr lang="de-DE" sz="1600" dirty="0"/>
           </a:p>
@@ -18303,8 +19566,29 @@
               <a:buChar char="•"/>
             </a:pPr>
             <a:r>
-              <a:rPr lang="de-DE" sz="1600" dirty="0"/>
-              <a:t>Verschiedene Supporttätigkeiten für GKN im Rahmen einer Steuergeräteentwicklung</a:t>
+              <a:rPr lang="de-DE" sz="1600" dirty="0" smtClean="0"/>
+              <a:t>GKN: Support für Steuergeräteentwicklung, Hardware Tests.</a:t>
+            </a:r>
+          </a:p>
+          <a:p>
+            <a:endParaRPr lang="de-DE" sz="1600" dirty="0" smtClean="0"/>
+          </a:p>
+          <a:p>
+            <a:pPr marL="285750" indent="-285750">
+              <a:buFont typeface="Arial" panose="020B0604020202020204" pitchFamily="34" charset="0"/>
+              <a:buChar char="•"/>
+            </a:pPr>
+            <a:r>
+              <a:rPr lang="de-DE" sz="1600" dirty="0" smtClean="0"/>
+              <a:t>SPT: </a:t>
+            </a:r>
+            <a:r>
+              <a:rPr lang="de-DE" sz="1600" dirty="0" err="1" smtClean="0"/>
+              <a:t>Steer-by-Wire</a:t>
+            </a:r>
+            <a:r>
+              <a:rPr lang="de-DE" sz="1600" dirty="0" smtClean="0"/>
+              <a:t> Softwareentwicklung</a:t>
             </a:r>
             <a:endParaRPr lang="LID4096" sz="1600" dirty="0"/>
           </a:p>
@@ -18367,7 +19651,7 @@
           <a:graphicData uri="http://schemas.openxmlformats.org/presentationml/2006/ole">
             <mc:AlternateContent xmlns:mc="http://schemas.openxmlformats.org/markup-compatibility/2006">
               <mc:Choice xmlns:v="urn:schemas-microsoft-com:vml" Requires="v">
-                <p:oleObj spid="_x0000_s6149" name="think-cell Folie" r:id="rId5" imgW="360" imgH="360" progId="TCLayout.ActiveDocument.1">
+                <p:oleObj spid="_x0000_s6152" name="think-cell Folie" r:id="rId5" imgW="360" imgH="360" progId="TCLayout.ActiveDocument.1">
                   <p:embed/>
                 </p:oleObj>
               </mc:Choice>
@@ -18715,6 +19999,47 @@
           <a:chExt cx="0" cy="0"/>
         </a:xfrm>
       </p:grpSpPr>
+      <p:pic>
+        <p:nvPicPr>
+          <p:cNvPr id="10242" name="Picture 2" descr="Fahren"/>
+          <p:cNvPicPr>
+            <a:picLocks noChangeAspect="1" noChangeArrowheads="1"/>
+          </p:cNvPicPr>
+          <p:nvPr/>
+        </p:nvPicPr>
+        <p:blipFill>
+          <a:blip r:embed="rId3">
+            <a:extLst>
+              <a:ext uri="{28A0092B-C50C-407E-A947-70E740481C1C}">
+                <a14:useLocalDpi xmlns:a14="http://schemas.microsoft.com/office/drawing/2010/main" val="0"/>
+              </a:ext>
+            </a:extLst>
+          </a:blip>
+          <a:srcRect/>
+          <a:stretch>
+            <a:fillRect/>
+          </a:stretch>
+        </p:blipFill>
+        <p:spPr bwMode="auto">
+          <a:xfrm>
+            <a:off x="6888088" y="748847"/>
+            <a:ext cx="5048166" cy="2836589"/>
+          </a:xfrm>
+          <a:prstGeom prst="rect">
+            <a:avLst/>
+          </a:prstGeom>
+          <a:noFill/>
+          <a:extLst>
+            <a:ext uri="{909E8E84-426E-40DD-AFC4-6F175D3DCCD1}">
+              <a14:hiddenFill xmlns:a14="http://schemas.microsoft.com/office/drawing/2010/main">
+                <a:solidFill>
+                  <a:srgbClr val="FFFFFF"/>
+                </a:solidFill>
+              </a14:hiddenFill>
+            </a:ext>
+          </a:extLst>
+        </p:spPr>
+      </p:pic>
       <p:sp>
         <p:nvSpPr>
           <p:cNvPr id="2" name="Titel 1"/>
@@ -18749,8 +20074,8 @@
         </p:nvSpPr>
         <p:spPr>
           <a:xfrm>
-            <a:off x="334799" y="1412776"/>
-            <a:ext cx="7993449" cy="5144400"/>
+            <a:off x="528860" y="1252844"/>
+            <a:ext cx="6553289" cy="5144400"/>
           </a:xfrm>
         </p:spPr>
         <p:txBody>
@@ -18759,118 +20084,190 @@
           <a:p>
             <a:r>
               <a:rPr lang="de-DE" b="1" dirty="0"/>
-              <a:t>Ausgangssituation: </a:t>
-            </a:r>
-            <a:r>
-              <a:rPr lang="de-DE" dirty="0"/>
-              <a:t>Energieversorgung wird über Kabelbaum realisiert. Absicherung gegenüber Kurzschlüsse mit Schmelzsicherungen.</a:t>
-            </a:r>
-          </a:p>
-          <a:p>
+              <a:t>Ausgangssituation</a:t>
+            </a:r>
+            <a:r>
+              <a:rPr lang="de-DE" b="1" dirty="0" smtClean="0"/>
+              <a:t>: </a:t>
+            </a:r>
+            <a:r>
+              <a:rPr lang="de-DE" dirty="0" smtClean="0"/>
+              <a:t>Zunehmende Automatisierung der Fahrfunktionen benötigt leistungsfähigere Steuergeräte in den Fahrzeugen</a:t>
+            </a:r>
+          </a:p>
+          <a:p>
+            <a:pPr marL="0" indent="0">
+              <a:buNone/>
+            </a:pPr>
+            <a:endParaRPr lang="de-DE" dirty="0" smtClean="0"/>
+          </a:p>
+          <a:p>
+            <a:r>
+              <a:rPr lang="de-DE" b="1" dirty="0" smtClean="0"/>
+              <a:t>Defizit: </a:t>
+            </a:r>
+            <a:r>
+              <a:rPr lang="de-DE" dirty="0" smtClean="0"/>
+              <a:t>Vorhandene Rechenleistung wird je nach Fahrzustand nur teilweise oder gar nicht (beim Parken) benötigt</a:t>
+            </a:r>
+          </a:p>
+          <a:p>
+            <a:pPr marL="0" indent="0">
+              <a:buNone/>
+            </a:pPr>
             <a:endParaRPr lang="de-DE" b="1" dirty="0"/>
           </a:p>
           <a:p>
             <a:r>
               <a:rPr lang="de-DE" b="1" dirty="0"/>
-              <a:t>Defizit: </a:t>
-            </a:r>
-            <a:r>
-              <a:rPr lang="de-DE" dirty="0"/>
-              <a:t>Bordnetzkomponenten sind nicht dynamisch erweiterbar</a:t>
-            </a:r>
+              <a:t>Zielsetzung</a:t>
+            </a:r>
+            <a:r>
+              <a:rPr lang="de-DE" b="1" dirty="0" smtClean="0"/>
+              <a:t>: </a:t>
+            </a:r>
+            <a:r>
+              <a:rPr lang="de-DE" dirty="0" smtClean="0"/>
+              <a:t>Ermöglichung Rechenaufgaben von extern auf </a:t>
+            </a:r>
+            <a:r>
+              <a:rPr lang="de-DE" dirty="0" smtClean="0"/>
+              <a:t>Fahrzeugsteuergeräten auszuführen, so dass lokal nicht benötigte </a:t>
+            </a:r>
+            <a:r>
+              <a:rPr lang="de-DE" dirty="0" err="1" smtClean="0"/>
+              <a:t>Rechenresourcen</a:t>
+            </a:r>
+            <a:r>
+              <a:rPr lang="de-DE" dirty="0" smtClean="0"/>
+              <a:t> für externe Nutzer zur Verfügung stehen</a:t>
+            </a:r>
+          </a:p>
+          <a:p>
+            <a:pPr marL="0" indent="0">
+              <a:buNone/>
+            </a:pPr>
+            <a:endParaRPr lang="de-DE" dirty="0"/>
+          </a:p>
+          <a:p>
             <a:r>
               <a:rPr lang="de-DE" b="1" dirty="0"/>
-              <a:t>, </a:t>
-            </a:r>
-            <a:r>
-              <a:rPr lang="de-DE" dirty="0"/>
-              <a:t>Energiemanagement aufwändig, Kabelbäume müssen für neue Fahrzeuge neu entwickelt werden.</a:t>
-            </a:r>
-          </a:p>
-          <a:p>
-            <a:endParaRPr lang="de-DE" b="1" dirty="0"/>
-          </a:p>
-          <a:p>
-            <a:r>
-              <a:rPr lang="de-DE" b="1" dirty="0"/>
-              <a:t>Zielsetzung: </a:t>
-            </a:r>
-            <a:r>
-              <a:rPr lang="de-DE" dirty="0"/>
-              <a:t>Die modulare Erweiterbarkeit des Bordnetzes zu ermöglichen. Kurzschlusserkennung und Energiemanagement soll automatisiert stattfinden.</a:t>
-            </a:r>
-          </a:p>
-          <a:p>
-            <a:endParaRPr lang="de-DE" b="1" dirty="0"/>
-          </a:p>
-          <a:p>
-            <a:r>
-              <a:rPr lang="de-DE" b="1" dirty="0"/>
-              <a:t>Methode: </a:t>
-            </a:r>
-            <a:r>
-              <a:rPr lang="de-DE" dirty="0"/>
-              <a:t>Bordnetz soll eine Netzstruktur bekommen. Energieverteilung erfolgt über modulare PDU-s. Ein Zentralsteuergerät überwacht die Stromflüsse im Netz, warnt bei Versorgungsknappheit, schaltet nach Prioritäten unwichtige Verbraucher ab.</a:t>
-            </a:r>
-            <a:endParaRPr lang="de-DE" b="1" dirty="0"/>
+              <a:t>Methode</a:t>
+            </a:r>
+            <a:r>
+              <a:rPr lang="de-DE" b="1" dirty="0" smtClean="0"/>
+              <a:t>: </a:t>
+            </a:r>
+            <a:r>
+              <a:rPr lang="de-DE" dirty="0" smtClean="0"/>
+              <a:t>Entwicklung einer Softwareplattform, welcher ermöglicht Applikationen über Netzwerk in Steuergeräte zu laden und auszuführen.</a:t>
+            </a:r>
+            <a:endParaRPr lang="de-DE" dirty="0"/>
           </a:p>
         </p:txBody>
       </p:sp>
-      <p:pic>
-        <p:nvPicPr>
-          <p:cNvPr id="4" name="Grafik 3"/>
-          <p:cNvPicPr>
-            <a:picLocks noChangeAspect="1"/>
-          </p:cNvPicPr>
+      <p:sp>
+        <p:nvSpPr>
+          <p:cNvPr id="11" name="Textfeld 10"/>
+          <p:cNvSpPr txBox="1"/>
           <p:nvPr/>
-        </p:nvPicPr>
-        <p:blipFill>
-          <a:blip r:embed="rId3">
-            <a:extLst>
-              <a:ext uri="{28A0092B-C50C-407E-A947-70E740481C1C}">
-                <a14:useLocalDpi xmlns:a14="http://schemas.microsoft.com/office/drawing/2010/main" val="0"/>
-              </a:ext>
-            </a:extLst>
-          </a:blip>
-          <a:stretch>
-            <a:fillRect/>
-          </a:stretch>
-        </p:blipFill>
+        </p:nvSpPr>
         <p:spPr>
           <a:xfrm>
-            <a:off x="8616280" y="1268760"/>
-            <a:ext cx="2752080" cy="1830133"/>
+            <a:off x="10344472" y="3079482"/>
+            <a:ext cx="1300356" cy="307777"/>
           </a:xfrm>
           <a:prstGeom prst="rect">
             <a:avLst/>
           </a:prstGeom>
+          <a:noFill/>
         </p:spPr>
-      </p:pic>
+        <p:txBody>
+          <a:bodyPr wrap="none" rtlCol="0">
+            <a:spAutoFit/>
+          </a:bodyPr>
+          <a:lstStyle/>
+          <a:p>
+            <a:r>
+              <a:rPr lang="de-DE" sz="1400" dirty="0" smtClean="0">
+                <a:solidFill>
+                  <a:schemeClr val="bg2"/>
+                </a:solidFill>
+              </a:rPr>
+              <a:t>Quelle: </a:t>
+            </a:r>
+            <a:r>
+              <a:rPr lang="de-DE" sz="1400" dirty="0" err="1" smtClean="0">
+                <a:solidFill>
+                  <a:schemeClr val="bg2"/>
+                </a:solidFill>
+              </a:rPr>
+              <a:t>Nvidia</a:t>
+            </a:r>
+            <a:endParaRPr lang="de-DE" sz="1400" dirty="0">
+              <a:solidFill>
+                <a:schemeClr val="bg2"/>
+              </a:solidFill>
+            </a:endParaRPr>
+          </a:p>
+        </p:txBody>
+      </p:sp>
       <p:sp>
         <p:nvSpPr>
-          <p:cNvPr id="5" name="Rechteck 4"/>
+          <p:cNvPr id="25" name="Textfeld 24"/>
+          <p:cNvSpPr txBox="1"/>
+          <p:nvPr/>
+        </p:nvSpPr>
+        <p:spPr>
+          <a:xfrm>
+            <a:off x="10109632" y="6177141"/>
+            <a:ext cx="1438214" cy="307777"/>
+          </a:xfrm>
+          <a:prstGeom prst="rect">
+            <a:avLst/>
+          </a:prstGeom>
+          <a:noFill/>
+        </p:spPr>
+        <p:txBody>
+          <a:bodyPr wrap="none" rtlCol="0">
+            <a:spAutoFit/>
+          </a:bodyPr>
+          <a:lstStyle/>
+          <a:p>
+            <a:r>
+              <a:rPr lang="de-DE" sz="1400" dirty="0" smtClean="0">
+                <a:solidFill>
+                  <a:schemeClr val="bg2"/>
+                </a:solidFill>
+              </a:rPr>
+              <a:t>Quelle: Medium</a:t>
+            </a:r>
+            <a:endParaRPr lang="de-DE" sz="1400" dirty="0">
+              <a:solidFill>
+                <a:schemeClr val="bg2"/>
+              </a:solidFill>
+            </a:endParaRPr>
+          </a:p>
+        </p:txBody>
+      </p:sp>
+      <p:sp>
+        <p:nvSpPr>
+          <p:cNvPr id="13" name="Rechteck 12"/>
           <p:cNvSpPr/>
           <p:nvPr/>
         </p:nvSpPr>
         <p:spPr>
           <a:xfrm>
-            <a:off x="9118799" y="5805264"/>
-            <a:ext cx="433585" cy="288032"/>
+            <a:off x="334799" y="1052736"/>
+            <a:ext cx="11601455" cy="5544616"/>
           </a:xfrm>
           <a:prstGeom prst="rect">
             <a:avLst/>
           </a:prstGeom>
-          <a:solidFill>
-            <a:schemeClr val="accent6">
-              <a:lumMod val="40000"/>
-              <a:lumOff val="60000"/>
-            </a:schemeClr>
-          </a:solidFill>
+          <a:noFill/>
           <a:ln w="12700">
             <a:solidFill>
-              <a:schemeClr val="accent6">
-                <a:lumMod val="75000"/>
-              </a:schemeClr>
+              <a:schemeClr val="tx1"/>
             </a:solidFill>
           </a:ln>
         </p:spPr>
@@ -18895,7 +20292,7 @@
           <a:lstStyle/>
           <a:p>
             <a:pPr algn="ctr"/>
-            <a:endParaRPr lang="de-DE" dirty="0" err="1">
+            <a:endParaRPr lang="de-DE" dirty="0" err="1" smtClean="0">
               <a:solidFill>
                 <a:schemeClr val="tx1"/>
               </a:solidFill>
@@ -18903,670 +20300,47 @@
           </a:p>
         </p:txBody>
       </p:sp>
-      <p:sp>
-        <p:nvSpPr>
-          <p:cNvPr id="6" name="Rechteck 5"/>
-          <p:cNvSpPr/>
+      <p:pic>
+        <p:nvPicPr>
+          <p:cNvPr id="10244" name="Picture 4" descr="https://miro.medium.com/max/540/1*D2y2e4KN_ORSExxtf-4YIg.jpeg"/>
+          <p:cNvPicPr>
+            <a:picLocks noChangeAspect="1" noChangeArrowheads="1"/>
+          </p:cNvPicPr>
           <p:nvPr/>
-        </p:nvSpPr>
-        <p:spPr>
+        </p:nvPicPr>
+        <p:blipFill>
+          <a:blip r:embed="rId4">
+            <a:extLst>
+              <a:ext uri="{28A0092B-C50C-407E-A947-70E740481C1C}">
+                <a14:useLocalDpi xmlns:a14="http://schemas.microsoft.com/office/drawing/2010/main" val="0"/>
+              </a:ext>
+            </a:extLst>
+          </a:blip>
+          <a:srcRect/>
+          <a:stretch>
+            <a:fillRect/>
+          </a:stretch>
+        </p:blipFill>
+        <p:spPr bwMode="auto">
           <a:xfrm>
-            <a:off x="9083046" y="4725144"/>
-            <a:ext cx="433585" cy="288032"/>
-          </a:xfrm>
-          <a:prstGeom prst="rect">
-            <a:avLst/>
-          </a:prstGeom>
-          <a:solidFill>
-            <a:schemeClr val="accent6">
-              <a:lumMod val="40000"/>
-              <a:lumOff val="60000"/>
-            </a:schemeClr>
-          </a:solidFill>
-          <a:ln w="12700">
-            <a:solidFill>
-              <a:schemeClr val="accent6">
-                <a:lumMod val="75000"/>
-              </a:schemeClr>
-            </a:solidFill>
-          </a:ln>
-        </p:spPr>
-        <p:style>
-          <a:lnRef idx="2">
-            <a:schemeClr val="accent1">
-              <a:shade val="50000"/>
-            </a:schemeClr>
-          </a:lnRef>
-          <a:fillRef idx="1">
-            <a:schemeClr val="accent1"/>
-          </a:fillRef>
-          <a:effectRef idx="0">
-            <a:schemeClr val="accent1"/>
-          </a:effectRef>
-          <a:fontRef idx="minor">
-            <a:schemeClr val="lt1"/>
-          </a:fontRef>
-        </p:style>
-        <p:txBody>
-          <a:bodyPr rtlCol="0" anchor="ctr"/>
-          <a:lstStyle/>
-          <a:p>
-            <a:pPr algn="ctr"/>
-            <a:endParaRPr lang="de-DE" dirty="0" err="1">
-              <a:solidFill>
-                <a:schemeClr val="tx1"/>
-              </a:solidFill>
-            </a:endParaRPr>
-          </a:p>
-        </p:txBody>
-      </p:sp>
-      <p:sp>
-        <p:nvSpPr>
-          <p:cNvPr id="7" name="Rechteck 6"/>
-          <p:cNvSpPr/>
-          <p:nvPr/>
-        </p:nvSpPr>
-        <p:spPr>
-          <a:xfrm>
-            <a:off x="10488488" y="5805264"/>
-            <a:ext cx="433585" cy="288032"/>
-          </a:xfrm>
-          <a:prstGeom prst="rect">
-            <a:avLst/>
-          </a:prstGeom>
-          <a:solidFill>
-            <a:schemeClr val="accent6">
-              <a:lumMod val="40000"/>
-              <a:lumOff val="60000"/>
-            </a:schemeClr>
-          </a:solidFill>
-          <a:ln w="12700">
-            <a:solidFill>
-              <a:schemeClr val="accent6">
-                <a:lumMod val="75000"/>
-              </a:schemeClr>
-            </a:solidFill>
-          </a:ln>
-        </p:spPr>
-        <p:style>
-          <a:lnRef idx="2">
-            <a:schemeClr val="accent1">
-              <a:shade val="50000"/>
-            </a:schemeClr>
-          </a:lnRef>
-          <a:fillRef idx="1">
-            <a:schemeClr val="accent1"/>
-          </a:fillRef>
-          <a:effectRef idx="0">
-            <a:schemeClr val="accent1"/>
-          </a:effectRef>
-          <a:fontRef idx="minor">
-            <a:schemeClr val="lt1"/>
-          </a:fontRef>
-        </p:style>
-        <p:txBody>
-          <a:bodyPr rtlCol="0" anchor="ctr"/>
-          <a:lstStyle/>
-          <a:p>
-            <a:pPr algn="ctr"/>
-            <a:endParaRPr lang="de-DE" dirty="0" err="1">
-              <a:solidFill>
-                <a:schemeClr val="tx1"/>
-              </a:solidFill>
-            </a:endParaRPr>
-          </a:p>
-        </p:txBody>
-      </p:sp>
-      <p:sp>
-        <p:nvSpPr>
-          <p:cNvPr id="8" name="Rechteck 7"/>
-          <p:cNvSpPr/>
-          <p:nvPr/>
-        </p:nvSpPr>
-        <p:spPr>
-          <a:xfrm>
-            <a:off x="9775527" y="4020030"/>
-            <a:ext cx="433585" cy="288032"/>
-          </a:xfrm>
-          <a:prstGeom prst="rect">
-            <a:avLst/>
-          </a:prstGeom>
-          <a:solidFill>
-            <a:schemeClr val="accent6">
-              <a:lumMod val="40000"/>
-              <a:lumOff val="60000"/>
-            </a:schemeClr>
-          </a:solidFill>
-          <a:ln w="12700">
-            <a:solidFill>
-              <a:schemeClr val="accent6">
-                <a:lumMod val="75000"/>
-              </a:schemeClr>
-            </a:solidFill>
-          </a:ln>
-        </p:spPr>
-        <p:style>
-          <a:lnRef idx="2">
-            <a:schemeClr val="accent1">
-              <a:shade val="50000"/>
-            </a:schemeClr>
-          </a:lnRef>
-          <a:fillRef idx="1">
-            <a:schemeClr val="accent1"/>
-          </a:fillRef>
-          <a:effectRef idx="0">
-            <a:schemeClr val="accent1"/>
-          </a:effectRef>
-          <a:fontRef idx="minor">
-            <a:schemeClr val="lt1"/>
-          </a:fontRef>
-        </p:style>
-        <p:txBody>
-          <a:bodyPr rtlCol="0" anchor="ctr"/>
-          <a:lstStyle/>
-          <a:p>
-            <a:pPr algn="ctr"/>
-            <a:endParaRPr lang="de-DE" dirty="0" err="1">
-              <a:solidFill>
-                <a:schemeClr val="tx1"/>
-              </a:solidFill>
-            </a:endParaRPr>
-          </a:p>
-        </p:txBody>
-      </p:sp>
-      <p:sp>
-        <p:nvSpPr>
-          <p:cNvPr id="9" name="Rechteck 8"/>
-          <p:cNvSpPr/>
-          <p:nvPr/>
-        </p:nvSpPr>
-        <p:spPr>
-          <a:xfrm>
-            <a:off x="10209112" y="5085183"/>
-            <a:ext cx="433585" cy="288032"/>
-          </a:xfrm>
-          <a:prstGeom prst="rect">
-            <a:avLst/>
-          </a:prstGeom>
-          <a:solidFill>
-            <a:schemeClr val="accent6">
-              <a:lumMod val="40000"/>
-              <a:lumOff val="60000"/>
-            </a:schemeClr>
-          </a:solidFill>
-          <a:ln w="12700">
-            <a:solidFill>
-              <a:schemeClr val="accent6">
-                <a:lumMod val="75000"/>
-              </a:schemeClr>
-            </a:solidFill>
-          </a:ln>
-        </p:spPr>
-        <p:style>
-          <a:lnRef idx="2">
-            <a:schemeClr val="accent1">
-              <a:shade val="50000"/>
-            </a:schemeClr>
-          </a:lnRef>
-          <a:fillRef idx="1">
-            <a:schemeClr val="accent1"/>
-          </a:fillRef>
-          <a:effectRef idx="0">
-            <a:schemeClr val="accent1"/>
-          </a:effectRef>
-          <a:fontRef idx="minor">
-            <a:schemeClr val="lt1"/>
-          </a:fontRef>
-        </p:style>
-        <p:txBody>
-          <a:bodyPr rtlCol="0" anchor="ctr"/>
-          <a:lstStyle/>
-          <a:p>
-            <a:pPr algn="ctr"/>
-            <a:endParaRPr lang="de-DE" dirty="0" err="1">
-              <a:solidFill>
-                <a:schemeClr val="tx1"/>
-              </a:solidFill>
-            </a:endParaRPr>
-          </a:p>
-        </p:txBody>
-      </p:sp>
-      <p:sp>
-        <p:nvSpPr>
-          <p:cNvPr id="10" name="Rechteck 9"/>
-          <p:cNvSpPr/>
-          <p:nvPr/>
-        </p:nvSpPr>
-        <p:spPr>
-          <a:xfrm>
-            <a:off x="11151567" y="4308062"/>
-            <a:ext cx="433585" cy="288032"/>
-          </a:xfrm>
-          <a:prstGeom prst="rect">
-            <a:avLst/>
-          </a:prstGeom>
-          <a:solidFill>
-            <a:schemeClr val="accent6">
-              <a:lumMod val="40000"/>
-              <a:lumOff val="60000"/>
-            </a:schemeClr>
-          </a:solidFill>
-          <a:ln w="12700">
-            <a:solidFill>
-              <a:schemeClr val="accent6">
-                <a:lumMod val="75000"/>
-              </a:schemeClr>
-            </a:solidFill>
-          </a:ln>
-        </p:spPr>
-        <p:style>
-          <a:lnRef idx="2">
-            <a:schemeClr val="accent1">
-              <a:shade val="50000"/>
-            </a:schemeClr>
-          </a:lnRef>
-          <a:fillRef idx="1">
-            <a:schemeClr val="accent1"/>
-          </a:fillRef>
-          <a:effectRef idx="0">
-            <a:schemeClr val="accent1"/>
-          </a:effectRef>
-          <a:fontRef idx="minor">
-            <a:schemeClr val="lt1"/>
-          </a:fontRef>
-        </p:style>
-        <p:txBody>
-          <a:bodyPr rtlCol="0" anchor="ctr"/>
-          <a:lstStyle/>
-          <a:p>
-            <a:pPr algn="ctr"/>
-            <a:endParaRPr lang="de-DE" dirty="0" err="1">
-              <a:solidFill>
-                <a:schemeClr val="tx1"/>
-              </a:solidFill>
-            </a:endParaRPr>
-          </a:p>
-        </p:txBody>
-      </p:sp>
-      <p:cxnSp>
-        <p:nvCxnSpPr>
-          <p:cNvPr id="12" name="Gerader Verbinder 11"/>
-          <p:cNvCxnSpPr>
-            <a:stCxn id="5" idx="0"/>
-            <a:endCxn id="6" idx="2"/>
-          </p:cNvCxnSpPr>
-          <p:nvPr/>
-        </p:nvCxnSpPr>
-        <p:spPr>
-          <a:xfrm flipH="1" flipV="1">
-            <a:off x="9299839" y="5013176"/>
-            <a:ext cx="35753" cy="792088"/>
-          </a:xfrm>
-          <a:prstGeom prst="line">
-            <a:avLst/>
-          </a:prstGeom>
-          <a:ln w="28575">
-            <a:solidFill>
-              <a:schemeClr val="tx1"/>
-            </a:solidFill>
-            <a:prstDash val="dash"/>
-          </a:ln>
-        </p:spPr>
-        <p:style>
-          <a:lnRef idx="1">
-            <a:schemeClr val="accent1"/>
-          </a:lnRef>
-          <a:fillRef idx="0">
-            <a:schemeClr val="accent1"/>
-          </a:fillRef>
-          <a:effectRef idx="0">
-            <a:schemeClr val="accent1"/>
-          </a:effectRef>
-          <a:fontRef idx="minor">
-            <a:schemeClr val="tx1"/>
-          </a:fontRef>
-        </p:style>
-      </p:cxnSp>
-      <p:cxnSp>
-        <p:nvCxnSpPr>
-          <p:cNvPr id="14" name="Gerader Verbinder 13"/>
-          <p:cNvCxnSpPr>
-            <a:stCxn id="6" idx="0"/>
-            <a:endCxn id="8" idx="2"/>
-          </p:cNvCxnSpPr>
-          <p:nvPr/>
-        </p:nvCxnSpPr>
-        <p:spPr>
-          <a:xfrm flipV="1">
-            <a:off x="9299839" y="4308062"/>
-            <a:ext cx="692481" cy="417082"/>
-          </a:xfrm>
-          <a:prstGeom prst="line">
-            <a:avLst/>
-          </a:prstGeom>
-          <a:ln w="28575">
-            <a:solidFill>
-              <a:schemeClr val="tx1"/>
-            </a:solidFill>
-            <a:prstDash val="dash"/>
-          </a:ln>
-        </p:spPr>
-        <p:style>
-          <a:lnRef idx="1">
-            <a:schemeClr val="accent1"/>
-          </a:lnRef>
-          <a:fillRef idx="0">
-            <a:schemeClr val="accent1"/>
-          </a:fillRef>
-          <a:effectRef idx="0">
-            <a:schemeClr val="accent1"/>
-          </a:effectRef>
-          <a:fontRef idx="minor">
-            <a:schemeClr val="tx1"/>
-          </a:fontRef>
-        </p:style>
-      </p:cxnSp>
-      <p:cxnSp>
-        <p:nvCxnSpPr>
-          <p:cNvPr id="17" name="Gerader Verbinder 16"/>
-          <p:cNvCxnSpPr>
-            <a:stCxn id="8" idx="2"/>
-            <a:endCxn id="10" idx="1"/>
-          </p:cNvCxnSpPr>
-          <p:nvPr/>
-        </p:nvCxnSpPr>
-        <p:spPr>
-          <a:xfrm>
-            <a:off x="9992320" y="4308062"/>
-            <a:ext cx="1159247" cy="144016"/>
-          </a:xfrm>
-          <a:prstGeom prst="line">
-            <a:avLst/>
-          </a:prstGeom>
-          <a:ln w="28575">
-            <a:solidFill>
-              <a:schemeClr val="tx1"/>
-            </a:solidFill>
-            <a:prstDash val="dash"/>
-          </a:ln>
-        </p:spPr>
-        <p:style>
-          <a:lnRef idx="1">
-            <a:schemeClr val="accent1"/>
-          </a:lnRef>
-          <a:fillRef idx="0">
-            <a:schemeClr val="accent1"/>
-          </a:fillRef>
-          <a:effectRef idx="0">
-            <a:schemeClr val="accent1"/>
-          </a:effectRef>
-          <a:fontRef idx="minor">
-            <a:schemeClr val="tx1"/>
-          </a:fontRef>
-        </p:style>
-      </p:cxnSp>
-      <p:cxnSp>
-        <p:nvCxnSpPr>
-          <p:cNvPr id="20" name="Gerader Verbinder 19"/>
-          <p:cNvCxnSpPr>
-            <a:stCxn id="9" idx="0"/>
-            <a:endCxn id="10" idx="2"/>
-          </p:cNvCxnSpPr>
-          <p:nvPr/>
-        </p:nvCxnSpPr>
-        <p:spPr>
-          <a:xfrm flipV="1">
-            <a:off x="10425905" y="4596094"/>
-            <a:ext cx="942455" cy="489089"/>
-          </a:xfrm>
-          <a:prstGeom prst="line">
-            <a:avLst/>
-          </a:prstGeom>
-          <a:ln w="28575">
-            <a:solidFill>
-              <a:schemeClr val="tx1"/>
-            </a:solidFill>
-            <a:prstDash val="dash"/>
-          </a:ln>
-        </p:spPr>
-        <p:style>
-          <a:lnRef idx="1">
-            <a:schemeClr val="accent1"/>
-          </a:lnRef>
-          <a:fillRef idx="0">
-            <a:schemeClr val="accent1"/>
-          </a:fillRef>
-          <a:effectRef idx="0">
-            <a:schemeClr val="accent1"/>
-          </a:effectRef>
-          <a:fontRef idx="minor">
-            <a:schemeClr val="tx1"/>
-          </a:fontRef>
-        </p:style>
-      </p:cxnSp>
-      <p:cxnSp>
-        <p:nvCxnSpPr>
-          <p:cNvPr id="23" name="Gerader Verbinder 22"/>
-          <p:cNvCxnSpPr>
-            <a:stCxn id="7" idx="0"/>
-            <a:endCxn id="10" idx="2"/>
-          </p:cNvCxnSpPr>
-          <p:nvPr/>
-        </p:nvCxnSpPr>
-        <p:spPr>
-          <a:xfrm flipV="1">
-            <a:off x="10705281" y="4596094"/>
-            <a:ext cx="663079" cy="1209170"/>
-          </a:xfrm>
-          <a:prstGeom prst="line">
-            <a:avLst/>
-          </a:prstGeom>
-          <a:ln w="28575">
-            <a:solidFill>
-              <a:schemeClr val="tx1"/>
-            </a:solidFill>
-            <a:prstDash val="dash"/>
-          </a:ln>
-        </p:spPr>
-        <p:style>
-          <a:lnRef idx="1">
-            <a:schemeClr val="accent1"/>
-          </a:lnRef>
-          <a:fillRef idx="0">
-            <a:schemeClr val="accent1"/>
-          </a:fillRef>
-          <a:effectRef idx="0">
-            <a:schemeClr val="accent1"/>
-          </a:effectRef>
-          <a:fontRef idx="minor">
-            <a:schemeClr val="tx1"/>
-          </a:fontRef>
-        </p:style>
-      </p:cxnSp>
-      <p:cxnSp>
-        <p:nvCxnSpPr>
-          <p:cNvPr id="26" name="Gerader Verbinder 25"/>
-          <p:cNvCxnSpPr>
-            <a:endCxn id="7" idx="1"/>
-          </p:cNvCxnSpPr>
-          <p:nvPr/>
-        </p:nvCxnSpPr>
-        <p:spPr>
-          <a:xfrm>
-            <a:off x="9552384" y="5949280"/>
-            <a:ext cx="936104" cy="0"/>
-          </a:xfrm>
-          <a:prstGeom prst="line">
-            <a:avLst/>
-          </a:prstGeom>
-          <a:ln w="28575">
-            <a:solidFill>
-              <a:schemeClr val="tx1"/>
-            </a:solidFill>
-            <a:prstDash val="dash"/>
-          </a:ln>
-        </p:spPr>
-        <p:style>
-          <a:lnRef idx="1">
-            <a:schemeClr val="accent1"/>
-          </a:lnRef>
-          <a:fillRef idx="0">
-            <a:schemeClr val="accent1"/>
-          </a:fillRef>
-          <a:effectRef idx="0">
-            <a:schemeClr val="accent1"/>
-          </a:effectRef>
-          <a:fontRef idx="minor">
-            <a:schemeClr val="tx1"/>
-          </a:fontRef>
-        </p:style>
-      </p:cxnSp>
-      <p:cxnSp>
-        <p:nvCxnSpPr>
-          <p:cNvPr id="29" name="Gerader Verbinder 28"/>
-          <p:cNvCxnSpPr>
-            <a:stCxn id="5" idx="0"/>
-            <a:endCxn id="9" idx="1"/>
-          </p:cNvCxnSpPr>
-          <p:nvPr/>
-        </p:nvCxnSpPr>
-        <p:spPr>
-          <a:xfrm flipV="1">
-            <a:off x="9335592" y="5229199"/>
-            <a:ext cx="873520" cy="576065"/>
-          </a:xfrm>
-          <a:prstGeom prst="line">
-            <a:avLst/>
-          </a:prstGeom>
-          <a:ln w="28575">
-            <a:solidFill>
-              <a:schemeClr val="tx1"/>
-            </a:solidFill>
-            <a:prstDash val="dash"/>
-          </a:ln>
-        </p:spPr>
-        <p:style>
-          <a:lnRef idx="1">
-            <a:schemeClr val="accent1"/>
-          </a:lnRef>
-          <a:fillRef idx="0">
-            <a:schemeClr val="accent1"/>
-          </a:fillRef>
-          <a:effectRef idx="0">
-            <a:schemeClr val="accent1"/>
-          </a:effectRef>
-          <a:fontRef idx="minor">
-            <a:schemeClr val="tx1"/>
-          </a:fontRef>
-        </p:style>
-      </p:cxnSp>
-      <p:cxnSp>
-        <p:nvCxnSpPr>
-          <p:cNvPr id="32" name="Gerader Verbinder 31"/>
-          <p:cNvCxnSpPr>
-            <a:stCxn id="6" idx="3"/>
-            <a:endCxn id="10" idx="1"/>
-          </p:cNvCxnSpPr>
-          <p:nvPr/>
-        </p:nvCxnSpPr>
-        <p:spPr>
-          <a:xfrm flipV="1">
-            <a:off x="9516631" y="4452078"/>
-            <a:ext cx="1634936" cy="417082"/>
-          </a:xfrm>
-          <a:prstGeom prst="line">
-            <a:avLst/>
-          </a:prstGeom>
-          <a:ln w="28575">
-            <a:solidFill>
-              <a:schemeClr val="tx1"/>
-            </a:solidFill>
-            <a:prstDash val="dash"/>
-          </a:ln>
-        </p:spPr>
-        <p:style>
-          <a:lnRef idx="1">
-            <a:schemeClr val="accent1"/>
-          </a:lnRef>
-          <a:fillRef idx="0">
-            <a:schemeClr val="accent1"/>
-          </a:fillRef>
-          <a:effectRef idx="0">
-            <a:schemeClr val="accent1"/>
-          </a:effectRef>
-          <a:fontRef idx="minor">
-            <a:schemeClr val="tx1"/>
-          </a:fontRef>
-        </p:style>
-      </p:cxnSp>
-      <p:cxnSp>
-        <p:nvCxnSpPr>
-          <p:cNvPr id="35" name="Gerader Verbinder 34"/>
-          <p:cNvCxnSpPr>
-            <a:stCxn id="9" idx="2"/>
-            <a:endCxn id="7" idx="0"/>
-          </p:cNvCxnSpPr>
-          <p:nvPr/>
-        </p:nvCxnSpPr>
-        <p:spPr>
-          <a:xfrm>
-            <a:off x="10425905" y="5373215"/>
-            <a:ext cx="279376" cy="432049"/>
-          </a:xfrm>
-          <a:prstGeom prst="line">
-            <a:avLst/>
-          </a:prstGeom>
-          <a:ln w="28575">
-            <a:solidFill>
-              <a:schemeClr val="tx1"/>
-            </a:solidFill>
-            <a:prstDash val="dash"/>
-          </a:ln>
-        </p:spPr>
-        <p:style>
-          <a:lnRef idx="1">
-            <a:schemeClr val="accent1"/>
-          </a:lnRef>
-          <a:fillRef idx="0">
-            <a:schemeClr val="accent1"/>
-          </a:fillRef>
-          <a:effectRef idx="0">
-            <a:schemeClr val="accent1"/>
-          </a:effectRef>
-          <a:fontRef idx="minor">
-            <a:schemeClr val="tx1"/>
-          </a:fontRef>
-        </p:style>
-      </p:cxnSp>
-      <p:sp>
-        <p:nvSpPr>
-          <p:cNvPr id="38" name="Textfeld 37"/>
-          <p:cNvSpPr txBox="1"/>
-          <p:nvPr/>
-        </p:nvSpPr>
-        <p:spPr>
-          <a:xfrm>
-            <a:off x="9835200" y="3109926"/>
-            <a:ext cx="1614994" cy="276999"/>
+            <a:off x="7479550" y="3470939"/>
+            <a:ext cx="4059302" cy="2706202"/>
           </a:xfrm>
           <a:prstGeom prst="rect">
             <a:avLst/>
           </a:prstGeom>
           <a:noFill/>
+          <a:extLst>
+            <a:ext uri="{909E8E84-426E-40DD-AFC4-6F175D3DCCD1}">
+              <a14:hiddenFill xmlns:a14="http://schemas.microsoft.com/office/drawing/2010/main">
+                <a:solidFill>
+                  <a:srgbClr val="FFFFFF"/>
+                </a:solidFill>
+              </a14:hiddenFill>
+            </a:ext>
+          </a:extLst>
         </p:spPr>
-        <p:txBody>
-          <a:bodyPr wrap="none" rtlCol="0">
-            <a:spAutoFit/>
-          </a:bodyPr>
-          <a:lstStyle/>
-          <a:p>
-            <a:r>
-              <a:rPr lang="de-DE" sz="1200" dirty="0"/>
-              <a:t>Quelle: TU-dortmund</a:t>
-            </a:r>
-          </a:p>
-        </p:txBody>
-      </p:sp>
+      </p:pic>
     </p:spTree>
     <p:extLst>
       <p:ext uri="{BB962C8B-B14F-4D97-AF65-F5344CB8AC3E}">
@@ -19624,7 +20398,7 @@
           <a:graphicData uri="http://schemas.openxmlformats.org/presentationml/2006/ole">
             <mc:AlternateContent xmlns:mc="http://schemas.openxmlformats.org/markup-compatibility/2006">
               <mc:Choice xmlns:v="urn:schemas-microsoft-com:vml" Requires="v">
-                <p:oleObj spid="_x0000_s7173" name="think-cell Folie" r:id="rId5" imgW="360" imgH="360" progId="TCLayout.ActiveDocument.1">
+                <p:oleObj spid="_x0000_s7176" name="think-cell Folie" r:id="rId5" imgW="360" imgH="360" progId="TCLayout.ActiveDocument.1">
                   <p:embed/>
                 </p:oleObj>
               </mc:Choice>
@@ -19987,294 +20761,25 @@
           <a:bodyPr/>
           <a:lstStyle/>
           <a:p>
-            <a:r>
-              <a:rPr lang="de-DE" dirty="0"/>
-              <a:t>Modulare Energieverteilung im </a:t>
-            </a:r>
-            <a:r>
-              <a:rPr lang="de-DE" dirty="0" err="1"/>
-              <a:t>Bordnetz</a:t>
-            </a:r>
             <a:endParaRPr lang="de-DE" dirty="0"/>
           </a:p>
         </p:txBody>
       </p:sp>
       <p:sp>
         <p:nvSpPr>
-          <p:cNvPr id="5" name="Inhaltsplatzhalter 4"/>
-          <p:cNvSpPr>
-            <a:spLocks noGrp="1"/>
-          </p:cNvSpPr>
-          <p:nvPr>
-            <p:ph idx="1"/>
-          </p:nvPr>
-        </p:nvSpPr>
-        <p:spPr>
-          <a:xfrm>
-            <a:off x="334799" y="1447199"/>
-            <a:ext cx="4465057" cy="5144400"/>
-          </a:xfrm>
-        </p:spPr>
-        <p:txBody>
-          <a:bodyPr/>
-          <a:lstStyle/>
-          <a:p>
-            <a:pPr marL="0" indent="0">
-              <a:buNone/>
-            </a:pPr>
-            <a:r>
-              <a:rPr lang="de-DE" b="1" dirty="0"/>
-              <a:t>Konzept:</a:t>
-            </a:r>
-          </a:p>
-          <a:p>
-            <a:endParaRPr lang="de-DE" dirty="0"/>
-          </a:p>
-          <a:p>
-            <a:r>
-              <a:rPr lang="de-DE" dirty="0"/>
-              <a:t>Energieversorgung über mehrere DC/DC Wandler</a:t>
-            </a:r>
-          </a:p>
-          <a:p>
-            <a:pPr marL="0" indent="0">
-              <a:buNone/>
-            </a:pPr>
-            <a:endParaRPr lang="de-DE" dirty="0"/>
-          </a:p>
-          <a:p>
-            <a:r>
-              <a:rPr lang="de-DE" dirty="0"/>
-              <a:t>Energieverteilung über Zusammenschaltung von mehreren modularen PDU-s</a:t>
-            </a:r>
-          </a:p>
-          <a:p>
-            <a:endParaRPr lang="de-DE" dirty="0"/>
-          </a:p>
-          <a:p>
-            <a:r>
-              <a:rPr lang="de-DE" dirty="0"/>
-              <a:t>Überwachung und Regelung durch ein Zentralsteuergerät</a:t>
-            </a:r>
-          </a:p>
-          <a:p>
-            <a:endParaRPr lang="de-DE" dirty="0"/>
-          </a:p>
-          <a:p>
-            <a:r>
-              <a:rPr lang="de-DE" dirty="0"/>
-              <a:t>Verbraucher können auch nachträglich hinzugefügt werden</a:t>
-            </a:r>
-          </a:p>
-          <a:p>
-            <a:endParaRPr lang="de-DE" dirty="0"/>
-          </a:p>
-          <a:p>
-            <a:endParaRPr lang="de-DE" dirty="0"/>
-          </a:p>
-          <a:p>
-            <a:endParaRPr lang="de-DE" dirty="0"/>
-          </a:p>
-        </p:txBody>
-      </p:sp>
-      <p:grpSp>
-        <p:nvGrpSpPr>
-          <p:cNvPr id="7" name="Gruppieren 6">
-            <a:extLst>
-              <a:ext uri="{FF2B5EF4-FFF2-40B4-BE49-F238E27FC236}">
-                <a16:creationId xmlns:a16="http://schemas.microsoft.com/office/drawing/2014/main" id="{6966B1C8-86F5-4063-8C36-222D0A3A0C30}"/>
-              </a:ext>
-            </a:extLst>
-          </p:cNvPr>
-          <p:cNvGrpSpPr>
-            <a:grpSpLocks noChangeAspect="1"/>
-          </p:cNvGrpSpPr>
-          <p:nvPr/>
-        </p:nvGrpSpPr>
-        <p:grpSpPr>
-          <a:xfrm>
-            <a:off x="5109295" y="1879674"/>
-            <a:ext cx="6697305" cy="4978326"/>
-            <a:chOff x="6412532" y="1379959"/>
-            <a:chExt cx="5372100" cy="3993257"/>
-          </a:xfrm>
-        </p:grpSpPr>
-        <p:pic>
-          <p:nvPicPr>
-            <p:cNvPr id="3" name="Grafik 2" descr="Ein Bild, das Strichzeichnung enthält.&#10;&#10;Automatisch generierte Beschreibung">
-              <a:extLst>
-                <a:ext uri="{FF2B5EF4-FFF2-40B4-BE49-F238E27FC236}">
-                  <a16:creationId xmlns:a16="http://schemas.microsoft.com/office/drawing/2014/main" id="{5F5124A4-7075-439F-9CDA-489041B6D9ED}"/>
-                </a:ext>
-              </a:extLst>
-            </p:cNvPr>
-            <p:cNvPicPr>
-              <a:picLocks noChangeAspect="1"/>
-            </p:cNvPicPr>
-            <p:nvPr/>
-          </p:nvPicPr>
-          <p:blipFill>
-            <a:blip r:embed="rId3">
-              <a:extLst>
-                <a:ext uri="{28A0092B-C50C-407E-A947-70E740481C1C}">
-                  <a14:useLocalDpi xmlns:a14="http://schemas.microsoft.com/office/drawing/2010/main" val="0"/>
-                </a:ext>
-              </a:extLst>
-            </a:blip>
-            <a:stretch>
-              <a:fillRect/>
-            </a:stretch>
-          </p:blipFill>
-          <p:spPr>
-            <a:xfrm>
-              <a:off x="6412532" y="1379959"/>
-              <a:ext cx="5372100" cy="3705225"/>
-            </a:xfrm>
-            <a:prstGeom prst="rect">
-              <a:avLst/>
-            </a:prstGeom>
-          </p:spPr>
-        </p:pic>
-        <p:sp>
-          <p:nvSpPr>
-            <p:cNvPr id="6" name="Rechteck 5">
-              <a:extLst>
-                <a:ext uri="{FF2B5EF4-FFF2-40B4-BE49-F238E27FC236}">
-                  <a16:creationId xmlns:a16="http://schemas.microsoft.com/office/drawing/2014/main" id="{607F913E-E884-406E-B444-6BDD965AE499}"/>
-                </a:ext>
-              </a:extLst>
-            </p:cNvPr>
-            <p:cNvSpPr/>
-            <p:nvPr/>
-          </p:nvSpPr>
-          <p:spPr>
-            <a:xfrm>
-              <a:off x="10920536" y="5085184"/>
-              <a:ext cx="864096" cy="288032"/>
-            </a:xfrm>
-            <a:prstGeom prst="rect">
-              <a:avLst/>
-            </a:prstGeom>
-            <a:solidFill>
-              <a:schemeClr val="bg1"/>
-            </a:solidFill>
-            <a:ln w="12700">
-              <a:solidFill>
-                <a:schemeClr val="bg1"/>
-              </a:solidFill>
-            </a:ln>
-          </p:spPr>
-          <p:style>
-            <a:lnRef idx="2">
-              <a:schemeClr val="accent1">
-                <a:shade val="50000"/>
-              </a:schemeClr>
-            </a:lnRef>
-            <a:fillRef idx="1">
-              <a:schemeClr val="accent1"/>
-            </a:fillRef>
-            <a:effectRef idx="0">
-              <a:schemeClr val="accent1"/>
-            </a:effectRef>
-            <a:fontRef idx="minor">
-              <a:schemeClr val="lt1"/>
-            </a:fontRef>
-          </p:style>
-          <p:txBody>
-            <a:bodyPr rtlCol="0" anchor="ctr"/>
-            <a:lstStyle/>
-            <a:p>
-              <a:pPr algn="ctr"/>
-              <a:endParaRPr lang="LID4096" dirty="0" err="1">
-                <a:solidFill>
-                  <a:schemeClr val="tx1"/>
-                </a:solidFill>
-              </a:endParaRPr>
-            </a:p>
-          </p:txBody>
-        </p:sp>
-      </p:grpSp>
-      <p:sp>
-        <p:nvSpPr>
-          <p:cNvPr id="8" name="Rechteck 7">
-            <a:extLst>
-              <a:ext uri="{FF2B5EF4-FFF2-40B4-BE49-F238E27FC236}">
-                <a16:creationId xmlns:a16="http://schemas.microsoft.com/office/drawing/2014/main" id="{D9B28CEB-D66E-44AC-A34F-95D04A57D255}"/>
-              </a:ext>
-            </a:extLst>
-          </p:cNvPr>
+          <p:cNvPr id="78" name="Rechteck 77"/>
           <p:cNvSpPr/>
           <p:nvPr/>
         </p:nvSpPr>
         <p:spPr>
           <a:xfrm>
-            <a:off x="7874793" y="3933056"/>
-            <a:ext cx="432048" cy="432048"/>
+            <a:off x="334799" y="1052736"/>
+            <a:ext cx="11601455" cy="5544616"/>
           </a:xfrm>
           <a:prstGeom prst="rect">
             <a:avLst/>
           </a:prstGeom>
-          <a:solidFill>
-            <a:schemeClr val="accent3"/>
-          </a:solidFill>
-          <a:ln w="12700">
-            <a:solidFill>
-              <a:schemeClr val="accent3"/>
-            </a:solidFill>
-          </a:ln>
-        </p:spPr>
-        <p:style>
-          <a:lnRef idx="2">
-            <a:schemeClr val="accent1">
-              <a:shade val="50000"/>
-            </a:schemeClr>
-          </a:lnRef>
-          <a:fillRef idx="1">
-            <a:schemeClr val="accent1"/>
-          </a:fillRef>
-          <a:effectRef idx="0">
-            <a:schemeClr val="accent1"/>
-          </a:effectRef>
-          <a:fontRef idx="minor">
-            <a:schemeClr val="lt1"/>
-          </a:fontRef>
-        </p:style>
-        <p:txBody>
-          <a:bodyPr rtlCol="0" anchor="ctr"/>
-          <a:lstStyle/>
-          <a:p>
-            <a:pPr algn="ctr"/>
-            <a:endParaRPr lang="LID4096" dirty="0" err="1">
-              <a:solidFill>
-                <a:schemeClr val="tx1"/>
-              </a:solidFill>
-            </a:endParaRPr>
-          </a:p>
-        </p:txBody>
-      </p:sp>
-      <p:sp>
-        <p:nvSpPr>
-          <p:cNvPr id="9" name="Ellipse 8">
-            <a:extLst>
-              <a:ext uri="{FF2B5EF4-FFF2-40B4-BE49-F238E27FC236}">
-                <a16:creationId xmlns:a16="http://schemas.microsoft.com/office/drawing/2014/main" id="{5033F83A-D973-4801-A8DA-F9560EA4549D}"/>
-              </a:ext>
-            </a:extLst>
-          </p:cNvPr>
-          <p:cNvSpPr/>
-          <p:nvPr/>
-        </p:nvSpPr>
-        <p:spPr>
-          <a:xfrm>
-            <a:off x="10369306" y="2924944"/>
-            <a:ext cx="360040" cy="360040"/>
-          </a:xfrm>
-          <a:prstGeom prst="ellipse">
-            <a:avLst/>
-          </a:prstGeom>
-          <a:solidFill>
-            <a:schemeClr val="tx1"/>
-          </a:solidFill>
+          <a:noFill/>
           <a:ln w="12700">
             <a:solidFill>
               <a:schemeClr val="tx1"/>
@@ -20302,7 +20807,7 @@
           <a:lstStyle/>
           <a:p>
             <a:pPr algn="ctr"/>
-            <a:endParaRPr lang="LID4096" dirty="0" err="1">
+            <a:endParaRPr lang="de-DE" dirty="0" err="1" smtClean="0">
               <a:solidFill>
                 <a:schemeClr val="tx1"/>
               </a:solidFill>
@@ -20310,1008 +20815,302 @@
           </a:p>
         </p:txBody>
       </p:sp>
+      <p:graphicFrame>
+        <p:nvGraphicFramePr>
+          <p:cNvPr id="33" name="Tabelle 32"/>
+          <p:cNvGraphicFramePr>
+            <a:graphicFrameLocks noGrp="1"/>
+          </p:cNvGraphicFramePr>
+          <p:nvPr>
+            <p:extLst>
+              <p:ext uri="{D42A27DB-BD31-4B8C-83A1-F6EECF244321}">
+                <p14:modId xmlns:p14="http://schemas.microsoft.com/office/powerpoint/2010/main" val="352328071"/>
+              </p:ext>
+            </p:extLst>
+          </p:nvPr>
+        </p:nvGraphicFramePr>
+        <p:xfrm>
+          <a:off x="2351584" y="2290275"/>
+          <a:ext cx="6624735" cy="2291080"/>
+        </p:xfrm>
+        <a:graphic>
+          <a:graphicData uri="http://schemas.openxmlformats.org/drawingml/2006/table">
+            <a:tbl>
+              <a:tblPr firstRow="1" bandRow="1">
+                <a:tableStyleId>{08FB837D-C827-4EFA-A057-4D05807E0F7C}</a:tableStyleId>
+              </a:tblPr>
+              <a:tblGrid>
+                <a:gridCol w="2208245">
+                  <a:extLst>
+                    <a:ext uri="{9D8B030D-6E8A-4147-A177-3AD203B41FA5}">
+                      <a16:colId xmlns:a16="http://schemas.microsoft.com/office/drawing/2014/main" val="275405551"/>
+                    </a:ext>
+                  </a:extLst>
+                </a:gridCol>
+                <a:gridCol w="2208245">
+                  <a:extLst>
+                    <a:ext uri="{9D8B030D-6E8A-4147-A177-3AD203B41FA5}">
+                      <a16:colId xmlns:a16="http://schemas.microsoft.com/office/drawing/2014/main" val="3250688108"/>
+                    </a:ext>
+                  </a:extLst>
+                </a:gridCol>
+                <a:gridCol w="2208245">
+                  <a:extLst>
+                    <a:ext uri="{9D8B030D-6E8A-4147-A177-3AD203B41FA5}">
+                      <a16:colId xmlns:a16="http://schemas.microsoft.com/office/drawing/2014/main" val="3003900569"/>
+                    </a:ext>
+                  </a:extLst>
+                </a:gridCol>
+              </a:tblGrid>
+              <a:tr h="370840">
+                <a:tc>
+                  <a:txBody>
+                    <a:bodyPr/>
+                    <a:lstStyle/>
+                    <a:p>
+                      <a:r>
+                        <a:rPr lang="de-DE" dirty="0" smtClean="0"/>
+                        <a:t>Bezeichnung</a:t>
+                      </a:r>
+                      <a:endParaRPr lang="de-DE" dirty="0"/>
+                    </a:p>
+                  </a:txBody>
+                  <a:tcPr/>
+                </a:tc>
+                <a:tc>
+                  <a:txBody>
+                    <a:bodyPr/>
+                    <a:lstStyle/>
+                    <a:p>
+                      <a:r>
+                        <a:rPr lang="de-DE" dirty="0" smtClean="0"/>
+                        <a:t>Leistung</a:t>
+                      </a:r>
+                      <a:endParaRPr lang="de-DE" dirty="0"/>
+                    </a:p>
+                  </a:txBody>
+                  <a:tcPr/>
+                </a:tc>
+                <a:tc>
+                  <a:txBody>
+                    <a:bodyPr/>
+                    <a:lstStyle/>
+                    <a:p>
+                      <a:r>
+                        <a:rPr lang="de-DE" dirty="0" smtClean="0"/>
+                        <a:t>Einsatzbereich</a:t>
+                      </a:r>
+                      <a:endParaRPr lang="de-DE" dirty="0"/>
+                    </a:p>
+                  </a:txBody>
+                  <a:tcPr/>
+                </a:tc>
+                <a:extLst>
+                  <a:ext uri="{0D108BD9-81ED-4DB2-BD59-A6C34878D82A}">
+                    <a16:rowId xmlns:a16="http://schemas.microsoft.com/office/drawing/2014/main" val="3443407657"/>
+                  </a:ext>
+                </a:extLst>
+              </a:tr>
+              <a:tr h="370840">
+                <a:tc>
+                  <a:txBody>
+                    <a:bodyPr/>
+                    <a:lstStyle/>
+                    <a:p>
+                      <a:r>
+                        <a:rPr lang="de-DE" dirty="0" smtClean="0"/>
+                        <a:t>Qualcomm Cloud</a:t>
+                      </a:r>
+                      <a:r>
+                        <a:rPr lang="de-DE" baseline="0" dirty="0" smtClean="0"/>
+                        <a:t> AI 100</a:t>
+                      </a:r>
+                      <a:endParaRPr lang="de-DE" dirty="0"/>
+                    </a:p>
+                  </a:txBody>
+                  <a:tcPr/>
+                </a:tc>
+                <a:tc>
+                  <a:txBody>
+                    <a:bodyPr/>
+                    <a:lstStyle/>
+                    <a:p>
+                      <a:r>
+                        <a:rPr lang="de-DE" dirty="0" smtClean="0"/>
+                        <a:t>400 TOPS</a:t>
+                      </a:r>
+                      <a:endParaRPr lang="de-DE" dirty="0"/>
+                    </a:p>
+                  </a:txBody>
+                  <a:tcPr/>
+                </a:tc>
+                <a:tc>
+                  <a:txBody>
+                    <a:bodyPr/>
+                    <a:lstStyle/>
+                    <a:p>
+                      <a:r>
+                        <a:rPr lang="de-DE" dirty="0" smtClean="0"/>
+                        <a:t>Cloud-Server</a:t>
+                      </a:r>
+                      <a:endParaRPr lang="de-DE" dirty="0"/>
+                    </a:p>
+                  </a:txBody>
+                  <a:tcPr/>
+                </a:tc>
+                <a:extLst>
+                  <a:ext uri="{0D108BD9-81ED-4DB2-BD59-A6C34878D82A}">
+                    <a16:rowId xmlns:a16="http://schemas.microsoft.com/office/drawing/2014/main" val="4200722677"/>
+                  </a:ext>
+                </a:extLst>
+              </a:tr>
+              <a:tr h="370840">
+                <a:tc>
+                  <a:txBody>
+                    <a:bodyPr/>
+                    <a:lstStyle/>
+                    <a:p>
+                      <a:r>
+                        <a:rPr lang="de-DE" dirty="0" err="1" smtClean="0"/>
+                        <a:t>Nvidia</a:t>
+                      </a:r>
+                      <a:r>
+                        <a:rPr lang="de-DE" dirty="0" smtClean="0"/>
+                        <a:t> </a:t>
+                      </a:r>
+                      <a:r>
+                        <a:rPr lang="de-DE" dirty="0" err="1" smtClean="0"/>
+                        <a:t>Jetson</a:t>
+                      </a:r>
+                      <a:r>
+                        <a:rPr lang="de-DE" dirty="0" smtClean="0"/>
+                        <a:t> AGX </a:t>
+                      </a:r>
+                      <a:r>
+                        <a:rPr lang="de-DE" dirty="0" err="1" smtClean="0"/>
+                        <a:t>Orin</a:t>
+                      </a:r>
+                      <a:endParaRPr lang="de-DE" dirty="0"/>
+                    </a:p>
+                  </a:txBody>
+                  <a:tcPr/>
+                </a:tc>
+                <a:tc>
+                  <a:txBody>
+                    <a:bodyPr/>
+                    <a:lstStyle/>
+                    <a:p>
+                      <a:r>
+                        <a:rPr lang="de-DE" dirty="0" smtClean="0"/>
+                        <a:t>275 TOPS</a:t>
+                      </a:r>
+                      <a:endParaRPr lang="de-DE" dirty="0"/>
+                    </a:p>
+                  </a:txBody>
+                  <a:tcPr/>
+                </a:tc>
+                <a:tc>
+                  <a:txBody>
+                    <a:bodyPr/>
+                    <a:lstStyle/>
+                    <a:p>
+                      <a:r>
+                        <a:rPr lang="de-DE" dirty="0" smtClean="0"/>
+                        <a:t>Cloud-Server / Fahrzeug</a:t>
+                      </a:r>
+                      <a:endParaRPr lang="de-DE" dirty="0"/>
+                    </a:p>
+                  </a:txBody>
+                  <a:tcPr/>
+                </a:tc>
+                <a:extLst>
+                  <a:ext uri="{0D108BD9-81ED-4DB2-BD59-A6C34878D82A}">
+                    <a16:rowId xmlns:a16="http://schemas.microsoft.com/office/drawing/2014/main" val="2324975093"/>
+                  </a:ext>
+                </a:extLst>
+              </a:tr>
+              <a:tr h="370840">
+                <a:tc>
+                  <a:txBody>
+                    <a:bodyPr/>
+                    <a:lstStyle/>
+                    <a:p>
+                      <a:pPr marL="0" marR="0" lvl="0" indent="0" algn="l" defTabSz="914400" rtl="0" eaLnBrk="1" fontAlgn="auto" latinLnBrk="0" hangingPunct="1">
+                        <a:lnSpc>
+                          <a:spcPct val="100000"/>
+                        </a:lnSpc>
+                        <a:spcBef>
+                          <a:spcPts val="0"/>
+                        </a:spcBef>
+                        <a:spcAft>
+                          <a:spcPts val="0"/>
+                        </a:spcAft>
+                        <a:buClrTx/>
+                        <a:buSzTx/>
+                        <a:buFontTx/>
+                        <a:buNone/>
+                        <a:tabLst/>
+                        <a:defRPr/>
+                      </a:pPr>
+                      <a:r>
+                        <a:rPr lang="de-DE" dirty="0" smtClean="0"/>
+                        <a:t>64 x GSA 2803S </a:t>
+                      </a:r>
+                    </a:p>
+                    <a:p>
+                      <a:endParaRPr lang="de-DE" dirty="0"/>
+                    </a:p>
+                  </a:txBody>
+                  <a:tcPr/>
+                </a:tc>
+                <a:tc>
+                  <a:txBody>
+                    <a:bodyPr/>
+                    <a:lstStyle/>
+                    <a:p>
+                      <a:r>
+                        <a:rPr lang="de-DE" dirty="0" smtClean="0"/>
+                        <a:t>1080 TOPS</a:t>
+                      </a:r>
+                      <a:endParaRPr lang="de-DE" dirty="0"/>
+                    </a:p>
+                  </a:txBody>
+                  <a:tcPr/>
+                </a:tc>
+                <a:tc>
+                  <a:txBody>
+                    <a:bodyPr/>
+                    <a:lstStyle/>
+                    <a:p>
+                      <a:r>
+                        <a:rPr lang="de-DE" dirty="0" smtClean="0"/>
+                        <a:t>L5 Fahrzeug</a:t>
+                      </a:r>
+                      <a:endParaRPr lang="de-DE" dirty="0"/>
+                    </a:p>
+                  </a:txBody>
+                  <a:tcPr/>
+                </a:tc>
+                <a:extLst>
+                  <a:ext uri="{0D108BD9-81ED-4DB2-BD59-A6C34878D82A}">
+                    <a16:rowId xmlns:a16="http://schemas.microsoft.com/office/drawing/2014/main" val="2071731891"/>
+                  </a:ext>
+                </a:extLst>
+              </a:tr>
+            </a:tbl>
+          </a:graphicData>
+        </a:graphic>
+      </p:graphicFrame>
       <p:sp>
         <p:nvSpPr>
-          <p:cNvPr id="10" name="Ellipse 9">
-            <a:extLst>
-              <a:ext uri="{FF2B5EF4-FFF2-40B4-BE49-F238E27FC236}">
-                <a16:creationId xmlns:a16="http://schemas.microsoft.com/office/drawing/2014/main" id="{24C297E6-CB7E-4BF8-B966-736F322EC11E}"/>
-              </a:ext>
-            </a:extLst>
-          </p:cNvPr>
-          <p:cNvSpPr/>
-          <p:nvPr/>
-        </p:nvSpPr>
-        <p:spPr>
-          <a:xfrm>
-            <a:off x="10421687" y="5157192"/>
-            <a:ext cx="360040" cy="360040"/>
-          </a:xfrm>
-          <a:prstGeom prst="ellipse">
-            <a:avLst/>
-          </a:prstGeom>
-          <a:solidFill>
-            <a:schemeClr val="tx1"/>
-          </a:solidFill>
-          <a:ln w="12700">
-            <a:solidFill>
-              <a:schemeClr val="tx1"/>
-            </a:solidFill>
-          </a:ln>
-        </p:spPr>
-        <p:style>
-          <a:lnRef idx="2">
-            <a:schemeClr val="accent1">
-              <a:shade val="50000"/>
-            </a:schemeClr>
-          </a:lnRef>
-          <a:fillRef idx="1">
-            <a:schemeClr val="accent1"/>
-          </a:fillRef>
-          <a:effectRef idx="0">
-            <a:schemeClr val="accent1"/>
-          </a:effectRef>
-          <a:fontRef idx="minor">
-            <a:schemeClr val="lt1"/>
-          </a:fontRef>
-        </p:style>
-        <p:txBody>
-          <a:bodyPr rtlCol="0" anchor="ctr"/>
-          <a:lstStyle/>
-          <a:p>
-            <a:pPr algn="ctr"/>
-            <a:endParaRPr lang="LID4096" dirty="0" err="1">
-              <a:solidFill>
-                <a:schemeClr val="tx1"/>
-              </a:solidFill>
-            </a:endParaRPr>
-          </a:p>
-        </p:txBody>
-      </p:sp>
-      <p:sp>
-        <p:nvSpPr>
-          <p:cNvPr id="11" name="Rechteck 10">
-            <a:extLst>
-              <a:ext uri="{FF2B5EF4-FFF2-40B4-BE49-F238E27FC236}">
-                <a16:creationId xmlns:a16="http://schemas.microsoft.com/office/drawing/2014/main" id="{4B5B694C-6AC5-42EF-AB38-1376876C2CD0}"/>
-              </a:ext>
-            </a:extLst>
-          </p:cNvPr>
-          <p:cNvSpPr/>
-          <p:nvPr/>
-        </p:nvSpPr>
-        <p:spPr>
-          <a:xfrm>
-            <a:off x="11038785" y="3284984"/>
-            <a:ext cx="338633" cy="251829"/>
-          </a:xfrm>
-          <a:prstGeom prst="rect">
-            <a:avLst/>
-          </a:prstGeom>
-          <a:solidFill>
-            <a:schemeClr val="tx1"/>
-          </a:solidFill>
-          <a:ln w="12700">
-            <a:solidFill>
-              <a:schemeClr val="tx1"/>
-            </a:solidFill>
-          </a:ln>
-        </p:spPr>
-        <p:style>
-          <a:lnRef idx="2">
-            <a:schemeClr val="accent1">
-              <a:shade val="50000"/>
-            </a:schemeClr>
-          </a:lnRef>
-          <a:fillRef idx="1">
-            <a:schemeClr val="accent1"/>
-          </a:fillRef>
-          <a:effectRef idx="0">
-            <a:schemeClr val="accent1"/>
-          </a:effectRef>
-          <a:fontRef idx="minor">
-            <a:schemeClr val="lt1"/>
-          </a:fontRef>
-        </p:style>
-        <p:txBody>
-          <a:bodyPr rtlCol="0" anchor="ctr"/>
-          <a:lstStyle/>
-          <a:p>
-            <a:pPr algn="ctr"/>
-            <a:endParaRPr lang="LID4096" dirty="0" err="1">
-              <a:solidFill>
-                <a:schemeClr val="tx1"/>
-              </a:solidFill>
-            </a:endParaRPr>
-          </a:p>
-        </p:txBody>
-      </p:sp>
-      <p:sp>
-        <p:nvSpPr>
-          <p:cNvPr id="12" name="Rechteck 11">
-            <a:extLst>
-              <a:ext uri="{FF2B5EF4-FFF2-40B4-BE49-F238E27FC236}">
-                <a16:creationId xmlns:a16="http://schemas.microsoft.com/office/drawing/2014/main" id="{6E0D7B74-11B7-4401-B890-6B5A351DFEAA}"/>
-              </a:ext>
-            </a:extLst>
-          </p:cNvPr>
-          <p:cNvSpPr/>
-          <p:nvPr/>
-        </p:nvSpPr>
-        <p:spPr>
-          <a:xfrm>
-            <a:off x="11098656" y="4891949"/>
-            <a:ext cx="338633" cy="251829"/>
-          </a:xfrm>
-          <a:prstGeom prst="rect">
-            <a:avLst/>
-          </a:prstGeom>
-          <a:solidFill>
-            <a:schemeClr val="tx1"/>
-          </a:solidFill>
-          <a:ln w="12700">
-            <a:solidFill>
-              <a:schemeClr val="tx1"/>
-            </a:solidFill>
-          </a:ln>
-        </p:spPr>
-        <p:style>
-          <a:lnRef idx="2">
-            <a:schemeClr val="accent1">
-              <a:shade val="50000"/>
-            </a:schemeClr>
-          </a:lnRef>
-          <a:fillRef idx="1">
-            <a:schemeClr val="accent1"/>
-          </a:fillRef>
-          <a:effectRef idx="0">
-            <a:schemeClr val="accent1"/>
-          </a:effectRef>
-          <a:fontRef idx="minor">
-            <a:schemeClr val="lt1"/>
-          </a:fontRef>
-        </p:style>
-        <p:txBody>
-          <a:bodyPr rtlCol="0" anchor="ctr"/>
-          <a:lstStyle/>
-          <a:p>
-            <a:pPr algn="ctr"/>
-            <a:endParaRPr lang="LID4096" dirty="0" err="1">
-              <a:solidFill>
-                <a:schemeClr val="tx1"/>
-              </a:solidFill>
-            </a:endParaRPr>
-          </a:p>
-        </p:txBody>
-      </p:sp>
-      <p:sp>
-        <p:nvSpPr>
-          <p:cNvPr id="13" name="Rechteck 12">
-            <a:extLst>
-              <a:ext uri="{FF2B5EF4-FFF2-40B4-BE49-F238E27FC236}">
-                <a16:creationId xmlns:a16="http://schemas.microsoft.com/office/drawing/2014/main" id="{C33037FB-53A9-4AAA-A2A2-D03F1F74AF5D}"/>
-              </a:ext>
-            </a:extLst>
-          </p:cNvPr>
-          <p:cNvSpPr/>
-          <p:nvPr/>
-        </p:nvSpPr>
-        <p:spPr>
-          <a:xfrm>
-            <a:off x="10436340" y="3992740"/>
-            <a:ext cx="338633" cy="251829"/>
-          </a:xfrm>
-          <a:prstGeom prst="rect">
-            <a:avLst/>
-          </a:prstGeom>
-          <a:solidFill>
-            <a:schemeClr val="tx1"/>
-          </a:solidFill>
-          <a:ln w="12700">
-            <a:solidFill>
-              <a:schemeClr val="tx1"/>
-            </a:solidFill>
-          </a:ln>
-        </p:spPr>
-        <p:style>
-          <a:lnRef idx="2">
-            <a:schemeClr val="accent1">
-              <a:shade val="50000"/>
-            </a:schemeClr>
-          </a:lnRef>
-          <a:fillRef idx="1">
-            <a:schemeClr val="accent1"/>
-          </a:fillRef>
-          <a:effectRef idx="0">
-            <a:schemeClr val="accent1"/>
-          </a:effectRef>
-          <a:fontRef idx="minor">
-            <a:schemeClr val="lt1"/>
-          </a:fontRef>
-        </p:style>
-        <p:txBody>
-          <a:bodyPr rtlCol="0" anchor="ctr"/>
-          <a:lstStyle/>
-          <a:p>
-            <a:pPr algn="ctr"/>
-            <a:endParaRPr lang="LID4096" dirty="0" err="1">
-              <a:solidFill>
-                <a:schemeClr val="tx1"/>
-              </a:solidFill>
-            </a:endParaRPr>
-          </a:p>
-        </p:txBody>
-      </p:sp>
-      <p:sp>
-        <p:nvSpPr>
-          <p:cNvPr id="14" name="Rechteck 13">
-            <a:extLst>
-              <a:ext uri="{FF2B5EF4-FFF2-40B4-BE49-F238E27FC236}">
-                <a16:creationId xmlns:a16="http://schemas.microsoft.com/office/drawing/2014/main" id="{80CAC9B2-55F1-4420-BC91-FB5C8D789D0A}"/>
-              </a:ext>
-            </a:extLst>
-          </p:cNvPr>
-          <p:cNvSpPr/>
-          <p:nvPr/>
-        </p:nvSpPr>
-        <p:spPr>
-          <a:xfrm>
-            <a:off x="5519936" y="3177407"/>
-            <a:ext cx="338633" cy="251829"/>
-          </a:xfrm>
-          <a:prstGeom prst="rect">
-            <a:avLst/>
-          </a:prstGeom>
-          <a:solidFill>
-            <a:schemeClr val="tx1"/>
-          </a:solidFill>
-          <a:ln w="12700">
-            <a:solidFill>
-              <a:schemeClr val="tx1"/>
-            </a:solidFill>
-          </a:ln>
-        </p:spPr>
-        <p:style>
-          <a:lnRef idx="2">
-            <a:schemeClr val="accent1">
-              <a:shade val="50000"/>
-            </a:schemeClr>
-          </a:lnRef>
-          <a:fillRef idx="1">
-            <a:schemeClr val="accent1"/>
-          </a:fillRef>
-          <a:effectRef idx="0">
-            <a:schemeClr val="accent1"/>
-          </a:effectRef>
-          <a:fontRef idx="minor">
-            <a:schemeClr val="lt1"/>
-          </a:fontRef>
-        </p:style>
-        <p:txBody>
-          <a:bodyPr rtlCol="0" anchor="ctr"/>
-          <a:lstStyle/>
-          <a:p>
-            <a:pPr algn="ctr"/>
-            <a:endParaRPr lang="LID4096" dirty="0" err="1">
-              <a:solidFill>
-                <a:schemeClr val="tx1"/>
-              </a:solidFill>
-            </a:endParaRPr>
-          </a:p>
-        </p:txBody>
-      </p:sp>
-      <p:sp>
-        <p:nvSpPr>
-          <p:cNvPr id="15" name="Rechteck 14">
-            <a:extLst>
-              <a:ext uri="{FF2B5EF4-FFF2-40B4-BE49-F238E27FC236}">
-                <a16:creationId xmlns:a16="http://schemas.microsoft.com/office/drawing/2014/main" id="{EABB7920-C63E-4572-BED6-9B074920563F}"/>
-              </a:ext>
-            </a:extLst>
-          </p:cNvPr>
-          <p:cNvSpPr/>
-          <p:nvPr/>
-        </p:nvSpPr>
-        <p:spPr>
-          <a:xfrm>
-            <a:off x="5519935" y="5017863"/>
-            <a:ext cx="338633" cy="251829"/>
-          </a:xfrm>
-          <a:prstGeom prst="rect">
-            <a:avLst/>
-          </a:prstGeom>
-          <a:solidFill>
-            <a:schemeClr val="tx1"/>
-          </a:solidFill>
-          <a:ln w="12700">
-            <a:solidFill>
-              <a:schemeClr val="tx1"/>
-            </a:solidFill>
-          </a:ln>
-        </p:spPr>
-        <p:style>
-          <a:lnRef idx="2">
-            <a:schemeClr val="accent1">
-              <a:shade val="50000"/>
-            </a:schemeClr>
-          </a:lnRef>
-          <a:fillRef idx="1">
-            <a:schemeClr val="accent1"/>
-          </a:fillRef>
-          <a:effectRef idx="0">
-            <a:schemeClr val="accent1"/>
-          </a:effectRef>
-          <a:fontRef idx="minor">
-            <a:schemeClr val="lt1"/>
-          </a:fontRef>
-        </p:style>
-        <p:txBody>
-          <a:bodyPr rtlCol="0" anchor="ctr"/>
-          <a:lstStyle/>
-          <a:p>
-            <a:pPr algn="ctr"/>
-            <a:endParaRPr lang="LID4096" dirty="0" err="1">
-              <a:solidFill>
-                <a:schemeClr val="tx1"/>
-              </a:solidFill>
-            </a:endParaRPr>
-          </a:p>
-        </p:txBody>
-      </p:sp>
-      <p:sp>
-        <p:nvSpPr>
-          <p:cNvPr id="16" name="Rechteck 15">
-            <a:extLst>
-              <a:ext uri="{FF2B5EF4-FFF2-40B4-BE49-F238E27FC236}">
-                <a16:creationId xmlns:a16="http://schemas.microsoft.com/office/drawing/2014/main" id="{47BB4729-5BBE-41A0-8418-74694967E87F}"/>
-              </a:ext>
-            </a:extLst>
-          </p:cNvPr>
-          <p:cNvSpPr/>
-          <p:nvPr/>
-        </p:nvSpPr>
-        <p:spPr>
-          <a:xfrm>
-            <a:off x="9641439" y="3523601"/>
-            <a:ext cx="338633" cy="251829"/>
-          </a:xfrm>
-          <a:prstGeom prst="rect">
-            <a:avLst/>
-          </a:prstGeom>
-          <a:solidFill>
-            <a:schemeClr val="tx1"/>
-          </a:solidFill>
-          <a:ln w="12700">
-            <a:solidFill>
-              <a:schemeClr val="tx1"/>
-            </a:solidFill>
-          </a:ln>
-        </p:spPr>
-        <p:style>
-          <a:lnRef idx="2">
-            <a:schemeClr val="accent1">
-              <a:shade val="50000"/>
-            </a:schemeClr>
-          </a:lnRef>
-          <a:fillRef idx="1">
-            <a:schemeClr val="accent1"/>
-          </a:fillRef>
-          <a:effectRef idx="0">
-            <a:schemeClr val="accent1"/>
-          </a:effectRef>
-          <a:fontRef idx="minor">
-            <a:schemeClr val="lt1"/>
-          </a:fontRef>
-        </p:style>
-        <p:txBody>
-          <a:bodyPr rtlCol="0" anchor="ctr"/>
-          <a:lstStyle/>
-          <a:p>
-            <a:pPr algn="ctr"/>
-            <a:endParaRPr lang="LID4096" dirty="0" err="1">
-              <a:solidFill>
-                <a:schemeClr val="tx1"/>
-              </a:solidFill>
-            </a:endParaRPr>
-          </a:p>
-        </p:txBody>
-      </p:sp>
-      <p:sp>
-        <p:nvSpPr>
-          <p:cNvPr id="17" name="Rechteck 16">
-            <a:extLst>
-              <a:ext uri="{FF2B5EF4-FFF2-40B4-BE49-F238E27FC236}">
-                <a16:creationId xmlns:a16="http://schemas.microsoft.com/office/drawing/2014/main" id="{EE525877-78A6-4C5B-965F-7B73A0E62F8C}"/>
-              </a:ext>
-            </a:extLst>
-          </p:cNvPr>
-          <p:cNvSpPr/>
-          <p:nvPr/>
-        </p:nvSpPr>
-        <p:spPr>
-          <a:xfrm>
-            <a:off x="6712698" y="3536813"/>
-            <a:ext cx="338633" cy="251829"/>
-          </a:xfrm>
-          <a:prstGeom prst="rect">
-            <a:avLst/>
-          </a:prstGeom>
-          <a:solidFill>
-            <a:schemeClr val="tx1"/>
-          </a:solidFill>
-          <a:ln w="12700">
-            <a:solidFill>
-              <a:schemeClr val="tx1"/>
-            </a:solidFill>
-          </a:ln>
-        </p:spPr>
-        <p:style>
-          <a:lnRef idx="2">
-            <a:schemeClr val="accent1">
-              <a:shade val="50000"/>
-            </a:schemeClr>
-          </a:lnRef>
-          <a:fillRef idx="1">
-            <a:schemeClr val="accent1"/>
-          </a:fillRef>
-          <a:effectRef idx="0">
-            <a:schemeClr val="accent1"/>
-          </a:effectRef>
-          <a:fontRef idx="minor">
-            <a:schemeClr val="lt1"/>
-          </a:fontRef>
-        </p:style>
-        <p:txBody>
-          <a:bodyPr rtlCol="0" anchor="ctr"/>
-          <a:lstStyle/>
-          <a:p>
-            <a:pPr algn="ctr"/>
-            <a:endParaRPr lang="LID4096" dirty="0" err="1">
-              <a:solidFill>
-                <a:schemeClr val="tx1"/>
-              </a:solidFill>
-            </a:endParaRPr>
-          </a:p>
-        </p:txBody>
-      </p:sp>
-      <p:sp>
-        <p:nvSpPr>
-          <p:cNvPr id="18" name="Rechteck 17">
-            <a:extLst>
-              <a:ext uri="{FF2B5EF4-FFF2-40B4-BE49-F238E27FC236}">
-                <a16:creationId xmlns:a16="http://schemas.microsoft.com/office/drawing/2014/main" id="{30F46DDB-FCF2-44A2-967A-FF2676554801}"/>
-              </a:ext>
-            </a:extLst>
-          </p:cNvPr>
-          <p:cNvSpPr/>
-          <p:nvPr/>
-        </p:nvSpPr>
-        <p:spPr>
-          <a:xfrm>
-            <a:off x="9641438" y="4636475"/>
-            <a:ext cx="338633" cy="251829"/>
-          </a:xfrm>
-          <a:prstGeom prst="rect">
-            <a:avLst/>
-          </a:prstGeom>
-          <a:solidFill>
-            <a:schemeClr val="tx1"/>
-          </a:solidFill>
-          <a:ln w="12700">
-            <a:solidFill>
-              <a:schemeClr val="tx1"/>
-            </a:solidFill>
-          </a:ln>
-        </p:spPr>
-        <p:style>
-          <a:lnRef idx="2">
-            <a:schemeClr val="accent1">
-              <a:shade val="50000"/>
-            </a:schemeClr>
-          </a:lnRef>
-          <a:fillRef idx="1">
-            <a:schemeClr val="accent1"/>
-          </a:fillRef>
-          <a:effectRef idx="0">
-            <a:schemeClr val="accent1"/>
-          </a:effectRef>
-          <a:fontRef idx="minor">
-            <a:schemeClr val="lt1"/>
-          </a:fontRef>
-        </p:style>
-        <p:txBody>
-          <a:bodyPr rtlCol="0" anchor="ctr"/>
-          <a:lstStyle/>
-          <a:p>
-            <a:pPr algn="ctr"/>
-            <a:endParaRPr lang="LID4096" dirty="0" err="1">
-              <a:solidFill>
-                <a:schemeClr val="tx1"/>
-              </a:solidFill>
-            </a:endParaRPr>
-          </a:p>
-        </p:txBody>
-      </p:sp>
-      <p:sp>
-        <p:nvSpPr>
-          <p:cNvPr id="19" name="Rechteck 18">
-            <a:extLst>
-              <a:ext uri="{FF2B5EF4-FFF2-40B4-BE49-F238E27FC236}">
-                <a16:creationId xmlns:a16="http://schemas.microsoft.com/office/drawing/2014/main" id="{493689CF-7CB7-43DE-A512-61B307329B15}"/>
-              </a:ext>
-            </a:extLst>
-          </p:cNvPr>
-          <p:cNvSpPr/>
-          <p:nvPr/>
-        </p:nvSpPr>
-        <p:spPr>
-          <a:xfrm>
-            <a:off x="6712697" y="4649687"/>
-            <a:ext cx="338633" cy="251829"/>
-          </a:xfrm>
-          <a:prstGeom prst="rect">
-            <a:avLst/>
-          </a:prstGeom>
-          <a:solidFill>
-            <a:schemeClr val="tx1"/>
-          </a:solidFill>
-          <a:ln w="12700">
-            <a:solidFill>
-              <a:schemeClr val="tx1"/>
-            </a:solidFill>
-          </a:ln>
-        </p:spPr>
-        <p:style>
-          <a:lnRef idx="2">
-            <a:schemeClr val="accent1">
-              <a:shade val="50000"/>
-            </a:schemeClr>
-          </a:lnRef>
-          <a:fillRef idx="1">
-            <a:schemeClr val="accent1"/>
-          </a:fillRef>
-          <a:effectRef idx="0">
-            <a:schemeClr val="accent1"/>
-          </a:effectRef>
-          <a:fontRef idx="minor">
-            <a:schemeClr val="lt1"/>
-          </a:fontRef>
-        </p:style>
-        <p:txBody>
-          <a:bodyPr rtlCol="0" anchor="ctr"/>
-          <a:lstStyle/>
-          <a:p>
-            <a:pPr algn="ctr"/>
-            <a:endParaRPr lang="LID4096" dirty="0" err="1">
-              <a:solidFill>
-                <a:schemeClr val="tx1"/>
-              </a:solidFill>
-            </a:endParaRPr>
-          </a:p>
-        </p:txBody>
-      </p:sp>
-      <p:sp>
-        <p:nvSpPr>
-          <p:cNvPr id="20" name="Rechteck 19">
-            <a:extLst>
-              <a:ext uri="{FF2B5EF4-FFF2-40B4-BE49-F238E27FC236}">
-                <a16:creationId xmlns:a16="http://schemas.microsoft.com/office/drawing/2014/main" id="{F7936F28-3198-4ECA-BD17-8DE9E40961B5}"/>
-              </a:ext>
-            </a:extLst>
-          </p:cNvPr>
-          <p:cNvSpPr/>
-          <p:nvPr/>
-        </p:nvSpPr>
-        <p:spPr>
-          <a:xfrm>
-            <a:off x="10289510" y="4735152"/>
-            <a:ext cx="628846" cy="251829"/>
-          </a:xfrm>
-          <a:prstGeom prst="rect">
-            <a:avLst/>
-          </a:prstGeom>
-          <a:solidFill>
-            <a:schemeClr val="accent4"/>
-          </a:solidFill>
-          <a:ln w="12700">
-            <a:solidFill>
-              <a:schemeClr val="tx1"/>
-            </a:solidFill>
-          </a:ln>
-        </p:spPr>
-        <p:style>
-          <a:lnRef idx="2">
-            <a:schemeClr val="accent1">
-              <a:shade val="50000"/>
-            </a:schemeClr>
-          </a:lnRef>
-          <a:fillRef idx="1">
-            <a:schemeClr val="accent1"/>
-          </a:fillRef>
-          <a:effectRef idx="0">
-            <a:schemeClr val="accent1"/>
-          </a:effectRef>
-          <a:fontRef idx="minor">
-            <a:schemeClr val="lt1"/>
-          </a:fontRef>
-        </p:style>
-        <p:txBody>
-          <a:bodyPr rtlCol="0" anchor="ctr"/>
-          <a:lstStyle/>
-          <a:p>
-            <a:pPr algn="ctr"/>
-            <a:endParaRPr lang="LID4096" dirty="0" err="1">
-              <a:solidFill>
-                <a:schemeClr val="tx1"/>
-              </a:solidFill>
-            </a:endParaRPr>
-          </a:p>
-        </p:txBody>
-      </p:sp>
-      <p:sp>
-        <p:nvSpPr>
-          <p:cNvPr id="21" name="Rechteck 20">
-            <a:extLst>
-              <a:ext uri="{FF2B5EF4-FFF2-40B4-BE49-F238E27FC236}">
-                <a16:creationId xmlns:a16="http://schemas.microsoft.com/office/drawing/2014/main" id="{B18276C8-D86E-4C3E-B715-41C56070C4C7}"/>
-              </a:ext>
-            </a:extLst>
-          </p:cNvPr>
-          <p:cNvSpPr/>
-          <p:nvPr/>
-        </p:nvSpPr>
-        <p:spPr>
-          <a:xfrm>
-            <a:off x="10234903" y="3447102"/>
-            <a:ext cx="628846" cy="251829"/>
-          </a:xfrm>
-          <a:prstGeom prst="rect">
-            <a:avLst/>
-          </a:prstGeom>
-          <a:solidFill>
-            <a:schemeClr val="accent4"/>
-          </a:solidFill>
-          <a:ln w="12700">
-            <a:solidFill>
-              <a:schemeClr val="tx1"/>
-            </a:solidFill>
-          </a:ln>
-        </p:spPr>
-        <p:style>
-          <a:lnRef idx="2">
-            <a:schemeClr val="accent1">
-              <a:shade val="50000"/>
-            </a:schemeClr>
-          </a:lnRef>
-          <a:fillRef idx="1">
-            <a:schemeClr val="accent1"/>
-          </a:fillRef>
-          <a:effectRef idx="0">
-            <a:schemeClr val="accent1"/>
-          </a:effectRef>
-          <a:fontRef idx="minor">
-            <a:schemeClr val="lt1"/>
-          </a:fontRef>
-        </p:style>
-        <p:txBody>
-          <a:bodyPr rtlCol="0" anchor="ctr"/>
-          <a:lstStyle/>
-          <a:p>
-            <a:pPr algn="ctr"/>
-            <a:endParaRPr lang="LID4096" dirty="0" err="1">
-              <a:solidFill>
-                <a:schemeClr val="tx1"/>
-              </a:solidFill>
-            </a:endParaRPr>
-          </a:p>
-        </p:txBody>
-      </p:sp>
-      <p:sp>
-        <p:nvSpPr>
-          <p:cNvPr id="22" name="Rechteck 21">
-            <a:extLst>
-              <a:ext uri="{FF2B5EF4-FFF2-40B4-BE49-F238E27FC236}">
-                <a16:creationId xmlns:a16="http://schemas.microsoft.com/office/drawing/2014/main" id="{13273280-E844-4212-86D0-FCAF0B028F3F}"/>
-              </a:ext>
-            </a:extLst>
-          </p:cNvPr>
-          <p:cNvSpPr/>
-          <p:nvPr/>
-        </p:nvSpPr>
-        <p:spPr>
-          <a:xfrm>
-            <a:off x="5781577" y="3690606"/>
-            <a:ext cx="628846" cy="251829"/>
-          </a:xfrm>
-          <a:prstGeom prst="rect">
-            <a:avLst/>
-          </a:prstGeom>
-          <a:solidFill>
-            <a:schemeClr val="accent4"/>
-          </a:solidFill>
-          <a:ln w="12700">
-            <a:solidFill>
-              <a:schemeClr val="tx1"/>
-            </a:solidFill>
-          </a:ln>
-        </p:spPr>
-        <p:style>
-          <a:lnRef idx="2">
-            <a:schemeClr val="accent1">
-              <a:shade val="50000"/>
-            </a:schemeClr>
-          </a:lnRef>
-          <a:fillRef idx="1">
-            <a:schemeClr val="accent1"/>
-          </a:fillRef>
-          <a:effectRef idx="0">
-            <a:schemeClr val="accent1"/>
-          </a:effectRef>
-          <a:fontRef idx="minor">
-            <a:schemeClr val="lt1"/>
-          </a:fontRef>
-        </p:style>
-        <p:txBody>
-          <a:bodyPr rtlCol="0" anchor="ctr"/>
-          <a:lstStyle/>
-          <a:p>
-            <a:pPr algn="ctr"/>
-            <a:endParaRPr lang="LID4096" dirty="0" err="1">
-              <a:solidFill>
-                <a:schemeClr val="tx1"/>
-              </a:solidFill>
-            </a:endParaRPr>
-          </a:p>
-        </p:txBody>
-      </p:sp>
-      <p:sp>
-        <p:nvSpPr>
-          <p:cNvPr id="23" name="Rechteck 22">
-            <a:extLst>
-              <a:ext uri="{FF2B5EF4-FFF2-40B4-BE49-F238E27FC236}">
-                <a16:creationId xmlns:a16="http://schemas.microsoft.com/office/drawing/2014/main" id="{71760661-B781-47F4-B055-54361EF3077F}"/>
-              </a:ext>
-            </a:extLst>
-          </p:cNvPr>
-          <p:cNvSpPr/>
-          <p:nvPr/>
-        </p:nvSpPr>
-        <p:spPr>
-          <a:xfrm>
-            <a:off x="5790100" y="4588112"/>
-            <a:ext cx="628846" cy="251829"/>
-          </a:xfrm>
-          <a:prstGeom prst="rect">
-            <a:avLst/>
-          </a:prstGeom>
-          <a:solidFill>
-            <a:schemeClr val="accent4"/>
-          </a:solidFill>
-          <a:ln w="12700">
-            <a:solidFill>
-              <a:schemeClr val="tx1"/>
-            </a:solidFill>
-          </a:ln>
-        </p:spPr>
-        <p:style>
-          <a:lnRef idx="2">
-            <a:schemeClr val="accent1">
-              <a:shade val="50000"/>
-            </a:schemeClr>
-          </a:lnRef>
-          <a:fillRef idx="1">
-            <a:schemeClr val="accent1"/>
-          </a:fillRef>
-          <a:effectRef idx="0">
-            <a:schemeClr val="accent1"/>
-          </a:effectRef>
-          <a:fontRef idx="minor">
-            <a:schemeClr val="lt1"/>
-          </a:fontRef>
-        </p:style>
-        <p:txBody>
-          <a:bodyPr rtlCol="0" anchor="ctr"/>
-          <a:lstStyle/>
-          <a:p>
-            <a:pPr algn="ctr"/>
-            <a:endParaRPr lang="LID4096" dirty="0" err="1">
-              <a:solidFill>
-                <a:schemeClr val="tx1"/>
-              </a:solidFill>
-            </a:endParaRPr>
-          </a:p>
-        </p:txBody>
-      </p:sp>
-      <p:sp>
-        <p:nvSpPr>
-          <p:cNvPr id="24" name="Rechteck 23">
-            <a:extLst>
-              <a:ext uri="{FF2B5EF4-FFF2-40B4-BE49-F238E27FC236}">
-                <a16:creationId xmlns:a16="http://schemas.microsoft.com/office/drawing/2014/main" id="{676DC6D3-8214-4587-ADBD-7CE5A3FF58FE}"/>
-              </a:ext>
-            </a:extLst>
-          </p:cNvPr>
-          <p:cNvSpPr/>
-          <p:nvPr/>
-        </p:nvSpPr>
-        <p:spPr>
-          <a:xfrm>
-            <a:off x="8214672" y="1799245"/>
-            <a:ext cx="628846" cy="251829"/>
-          </a:xfrm>
-          <a:prstGeom prst="rect">
-            <a:avLst/>
-          </a:prstGeom>
-          <a:solidFill>
-            <a:schemeClr val="accent4"/>
-          </a:solidFill>
-          <a:ln w="12700">
-            <a:solidFill>
-              <a:schemeClr val="tx1"/>
-            </a:solidFill>
-          </a:ln>
-        </p:spPr>
-        <p:style>
-          <a:lnRef idx="2">
-            <a:schemeClr val="accent1">
-              <a:shade val="50000"/>
-            </a:schemeClr>
-          </a:lnRef>
-          <a:fillRef idx="1">
-            <a:schemeClr val="accent1"/>
-          </a:fillRef>
-          <a:effectRef idx="0">
-            <a:schemeClr val="accent1"/>
-          </a:effectRef>
-          <a:fontRef idx="minor">
-            <a:schemeClr val="lt1"/>
-          </a:fontRef>
-        </p:style>
-        <p:txBody>
-          <a:bodyPr rtlCol="0" anchor="ctr"/>
-          <a:lstStyle/>
-          <a:p>
-            <a:pPr algn="ctr"/>
-            <a:endParaRPr lang="LID4096" dirty="0" err="1">
-              <a:solidFill>
-                <a:schemeClr val="tx1"/>
-              </a:solidFill>
-            </a:endParaRPr>
-          </a:p>
-        </p:txBody>
-      </p:sp>
-      <p:sp>
-        <p:nvSpPr>
-          <p:cNvPr id="25" name="Rechteck 24">
-            <a:extLst>
-              <a:ext uri="{FF2B5EF4-FFF2-40B4-BE49-F238E27FC236}">
-                <a16:creationId xmlns:a16="http://schemas.microsoft.com/office/drawing/2014/main" id="{1BFD5736-5B0F-4CD7-A9A7-BACA39F1597E}"/>
-              </a:ext>
-            </a:extLst>
-          </p:cNvPr>
-          <p:cNvSpPr/>
-          <p:nvPr/>
-        </p:nvSpPr>
-        <p:spPr>
-          <a:xfrm>
-            <a:off x="9473360" y="1672699"/>
-            <a:ext cx="432048" cy="432048"/>
-          </a:xfrm>
-          <a:prstGeom prst="rect">
-            <a:avLst/>
-          </a:prstGeom>
-          <a:solidFill>
-            <a:schemeClr val="accent3"/>
-          </a:solidFill>
-          <a:ln w="12700">
-            <a:solidFill>
-              <a:schemeClr val="accent3"/>
-            </a:solidFill>
-          </a:ln>
-        </p:spPr>
-        <p:style>
-          <a:lnRef idx="2">
-            <a:schemeClr val="accent1">
-              <a:shade val="50000"/>
-            </a:schemeClr>
-          </a:lnRef>
-          <a:fillRef idx="1">
-            <a:schemeClr val="accent1"/>
-          </a:fillRef>
-          <a:effectRef idx="0">
-            <a:schemeClr val="accent1"/>
-          </a:effectRef>
-          <a:fontRef idx="minor">
-            <a:schemeClr val="lt1"/>
-          </a:fontRef>
-        </p:style>
-        <p:txBody>
-          <a:bodyPr rtlCol="0" anchor="ctr"/>
-          <a:lstStyle/>
-          <a:p>
-            <a:pPr algn="ctr"/>
-            <a:endParaRPr lang="LID4096" dirty="0" err="1">
-              <a:solidFill>
-                <a:schemeClr val="tx1"/>
-              </a:solidFill>
-            </a:endParaRPr>
-          </a:p>
-        </p:txBody>
-      </p:sp>
-      <p:sp>
-        <p:nvSpPr>
-          <p:cNvPr id="27" name="Rechteck 26">
-            <a:extLst>
-              <a:ext uri="{FF2B5EF4-FFF2-40B4-BE49-F238E27FC236}">
-                <a16:creationId xmlns:a16="http://schemas.microsoft.com/office/drawing/2014/main" id="{99C6ECF7-D58B-4C92-BA14-F449F50D3BB7}"/>
-              </a:ext>
-            </a:extLst>
-          </p:cNvPr>
-          <p:cNvSpPr/>
-          <p:nvPr/>
-        </p:nvSpPr>
-        <p:spPr>
-          <a:xfrm>
-            <a:off x="10977604" y="1834516"/>
-            <a:ext cx="338633" cy="232849"/>
-          </a:xfrm>
-          <a:prstGeom prst="rect">
-            <a:avLst/>
-          </a:prstGeom>
-          <a:solidFill>
-            <a:schemeClr val="tx1"/>
-          </a:solidFill>
-          <a:ln w="12700">
-            <a:solidFill>
-              <a:schemeClr val="tx1"/>
-            </a:solidFill>
-          </a:ln>
-        </p:spPr>
-        <p:style>
-          <a:lnRef idx="2">
-            <a:schemeClr val="accent1">
-              <a:shade val="50000"/>
-            </a:schemeClr>
-          </a:lnRef>
-          <a:fillRef idx="1">
-            <a:schemeClr val="accent1"/>
-          </a:fillRef>
-          <a:effectRef idx="0">
-            <a:schemeClr val="accent1"/>
-          </a:effectRef>
-          <a:fontRef idx="minor">
-            <a:schemeClr val="lt1"/>
-          </a:fontRef>
-        </p:style>
-        <p:txBody>
-          <a:bodyPr rtlCol="0" anchor="ctr"/>
-          <a:lstStyle/>
-          <a:p>
-            <a:pPr algn="ctr"/>
-            <a:endParaRPr lang="LID4096" dirty="0" err="1">
-              <a:solidFill>
-                <a:schemeClr val="tx1"/>
-              </a:solidFill>
-            </a:endParaRPr>
-          </a:p>
-        </p:txBody>
-      </p:sp>
-      <p:sp>
-        <p:nvSpPr>
-          <p:cNvPr id="28" name="Textfeld 27">
-            <a:extLst>
-              <a:ext uri="{FF2B5EF4-FFF2-40B4-BE49-F238E27FC236}">
-                <a16:creationId xmlns:a16="http://schemas.microsoft.com/office/drawing/2014/main" id="{4804914B-A425-4D33-9CC8-673801DA7718}"/>
-              </a:ext>
-            </a:extLst>
-          </p:cNvPr>
+          <p:cNvPr id="34" name="Textfeld 33"/>
           <p:cNvSpPr txBox="1"/>
           <p:nvPr/>
         </p:nvSpPr>
         <p:spPr>
           <a:xfrm>
-            <a:off x="8190830" y="1362173"/>
-            <a:ext cx="671979" cy="369332"/>
+            <a:off x="839416" y="1628800"/>
+            <a:ext cx="5327228" cy="369332"/>
           </a:xfrm>
           <a:prstGeom prst="rect">
             <a:avLst/>
@@ -21325,2092 +21124,47 @@
           <a:lstStyle/>
           <a:p>
             <a:r>
-              <a:rPr lang="de-DE" dirty="0"/>
-              <a:t>PDU</a:t>
-            </a:r>
-            <a:endParaRPr lang="LID4096" dirty="0"/>
+              <a:rPr lang="de-DE" dirty="0" smtClean="0"/>
+              <a:t>Leistungsvergleich Hardware für AI Applikationen: </a:t>
+            </a:r>
+            <a:endParaRPr lang="de-DE" dirty="0"/>
           </a:p>
         </p:txBody>
       </p:sp>
       <p:sp>
         <p:nvSpPr>
-          <p:cNvPr id="29" name="Textfeld 28">
-            <a:extLst>
-              <a:ext uri="{FF2B5EF4-FFF2-40B4-BE49-F238E27FC236}">
-                <a16:creationId xmlns:a16="http://schemas.microsoft.com/office/drawing/2014/main" id="{D3F460B8-FEC5-4952-AA61-FD1CE5C785EE}"/>
-              </a:ext>
-            </a:extLst>
-          </p:cNvPr>
-          <p:cNvSpPr txBox="1"/>
-          <p:nvPr/>
-        </p:nvSpPr>
-        <p:spPr>
-          <a:xfrm>
-            <a:off x="8994322" y="985737"/>
-            <a:ext cx="1390124" cy="646331"/>
-          </a:xfrm>
-          <a:prstGeom prst="rect">
-            <a:avLst/>
-          </a:prstGeom>
-          <a:noFill/>
-        </p:spPr>
-        <p:txBody>
-          <a:bodyPr wrap="none" rtlCol="0">
-            <a:spAutoFit/>
-          </a:bodyPr>
-          <a:lstStyle/>
-          <a:p>
-            <a:pPr algn="ctr"/>
-            <a:r>
-              <a:rPr lang="de-DE" dirty="0"/>
-              <a:t>Zentral-</a:t>
-            </a:r>
-          </a:p>
-          <a:p>
-            <a:pPr algn="ctr"/>
-            <a:r>
-              <a:rPr lang="de-DE" dirty="0"/>
-              <a:t>Steuergerät</a:t>
-            </a:r>
-            <a:endParaRPr lang="LID4096" dirty="0"/>
-          </a:p>
-        </p:txBody>
-      </p:sp>
-      <p:sp>
-        <p:nvSpPr>
-          <p:cNvPr id="30" name="Textfeld 29">
-            <a:extLst>
-              <a:ext uri="{FF2B5EF4-FFF2-40B4-BE49-F238E27FC236}">
-                <a16:creationId xmlns:a16="http://schemas.microsoft.com/office/drawing/2014/main" id="{4A7778CE-0169-4673-B527-576711D45819}"/>
-              </a:ext>
-            </a:extLst>
-          </p:cNvPr>
-          <p:cNvSpPr txBox="1"/>
-          <p:nvPr/>
-        </p:nvSpPr>
-        <p:spPr>
-          <a:xfrm>
-            <a:off x="10403692" y="1408603"/>
-            <a:ext cx="1441484" cy="369332"/>
-          </a:xfrm>
-          <a:prstGeom prst="rect">
-            <a:avLst/>
-          </a:prstGeom>
-          <a:noFill/>
-        </p:spPr>
-        <p:txBody>
-          <a:bodyPr wrap="none" rtlCol="0">
-            <a:spAutoFit/>
-          </a:bodyPr>
-          <a:lstStyle/>
-          <a:p>
-            <a:pPr algn="ctr"/>
-            <a:r>
-              <a:rPr lang="de-DE" dirty="0"/>
-              <a:t>Verbraucher</a:t>
-            </a:r>
-          </a:p>
-        </p:txBody>
-      </p:sp>
-      <p:cxnSp>
-        <p:nvCxnSpPr>
-          <p:cNvPr id="32" name="Gerader Verbinder 31">
-            <a:extLst>
-              <a:ext uri="{FF2B5EF4-FFF2-40B4-BE49-F238E27FC236}">
-                <a16:creationId xmlns:a16="http://schemas.microsoft.com/office/drawing/2014/main" id="{D46839F9-EA3E-4B9E-8446-08151CD7676B}"/>
-              </a:ext>
-            </a:extLst>
-          </p:cNvPr>
-          <p:cNvCxnSpPr>
-            <a:cxnSpLocks/>
-          </p:cNvCxnSpPr>
-          <p:nvPr/>
-        </p:nvCxnSpPr>
-        <p:spPr>
-          <a:xfrm flipV="1">
-            <a:off x="6446219" y="3662509"/>
-            <a:ext cx="266478" cy="112921"/>
-          </a:xfrm>
-          <a:prstGeom prst="line">
-            <a:avLst/>
-          </a:prstGeom>
-          <a:ln w="38100">
-            <a:solidFill>
-              <a:schemeClr val="tx1"/>
-            </a:solidFill>
-            <a:prstDash val="sysDash"/>
-          </a:ln>
-        </p:spPr>
-        <p:style>
-          <a:lnRef idx="1">
-            <a:schemeClr val="accent1"/>
-          </a:lnRef>
-          <a:fillRef idx="0">
-            <a:schemeClr val="accent1"/>
-          </a:fillRef>
-          <a:effectRef idx="0">
-            <a:schemeClr val="accent1"/>
-          </a:effectRef>
-          <a:fontRef idx="minor">
-            <a:schemeClr val="tx1"/>
-          </a:fontRef>
-        </p:style>
-      </p:cxnSp>
-      <p:cxnSp>
-        <p:nvCxnSpPr>
-          <p:cNvPr id="36" name="Gerader Verbinder 35">
-            <a:extLst>
-              <a:ext uri="{FF2B5EF4-FFF2-40B4-BE49-F238E27FC236}">
-                <a16:creationId xmlns:a16="http://schemas.microsoft.com/office/drawing/2014/main" id="{E2BED3B0-58B1-409A-895C-074A08066589}"/>
-              </a:ext>
-            </a:extLst>
-          </p:cNvPr>
-          <p:cNvCxnSpPr>
-            <a:cxnSpLocks/>
-            <a:stCxn id="14" idx="2"/>
-            <a:endCxn id="22" idx="0"/>
-          </p:cNvCxnSpPr>
-          <p:nvPr/>
-        </p:nvCxnSpPr>
-        <p:spPr>
-          <a:xfrm>
-            <a:off x="5689253" y="3429236"/>
-            <a:ext cx="406747" cy="261370"/>
-          </a:xfrm>
-          <a:prstGeom prst="line">
-            <a:avLst/>
-          </a:prstGeom>
-          <a:ln w="38100">
-            <a:solidFill>
-              <a:schemeClr val="tx1"/>
-            </a:solidFill>
-            <a:prstDash val="sysDash"/>
-          </a:ln>
-        </p:spPr>
-        <p:style>
-          <a:lnRef idx="1">
-            <a:schemeClr val="accent1"/>
-          </a:lnRef>
-          <a:fillRef idx="0">
-            <a:schemeClr val="accent1"/>
-          </a:fillRef>
-          <a:effectRef idx="0">
-            <a:schemeClr val="accent1"/>
-          </a:effectRef>
-          <a:fontRef idx="minor">
-            <a:schemeClr val="tx1"/>
-          </a:fontRef>
-        </p:style>
-      </p:cxnSp>
-      <p:cxnSp>
-        <p:nvCxnSpPr>
-          <p:cNvPr id="39" name="Gerader Verbinder 38">
-            <a:extLst>
-              <a:ext uri="{FF2B5EF4-FFF2-40B4-BE49-F238E27FC236}">
-                <a16:creationId xmlns:a16="http://schemas.microsoft.com/office/drawing/2014/main" id="{974B7436-2BA1-44BB-9233-BDB15B7C5A92}"/>
-              </a:ext>
-            </a:extLst>
-          </p:cNvPr>
-          <p:cNvCxnSpPr>
-            <a:cxnSpLocks/>
-            <a:stCxn id="23" idx="0"/>
-            <a:endCxn id="22" idx="2"/>
-          </p:cNvCxnSpPr>
-          <p:nvPr/>
-        </p:nvCxnSpPr>
-        <p:spPr>
-          <a:xfrm flipH="1" flipV="1">
-            <a:off x="6096000" y="3942435"/>
-            <a:ext cx="8523" cy="645677"/>
-          </a:xfrm>
-          <a:prstGeom prst="line">
-            <a:avLst/>
-          </a:prstGeom>
-          <a:ln w="38100">
-            <a:solidFill>
-              <a:schemeClr val="tx1"/>
-            </a:solidFill>
-            <a:prstDash val="sysDash"/>
-          </a:ln>
-        </p:spPr>
-        <p:style>
-          <a:lnRef idx="1">
-            <a:schemeClr val="accent1"/>
-          </a:lnRef>
-          <a:fillRef idx="0">
-            <a:schemeClr val="accent1"/>
-          </a:fillRef>
-          <a:effectRef idx="0">
-            <a:schemeClr val="accent1"/>
-          </a:effectRef>
-          <a:fontRef idx="minor">
-            <a:schemeClr val="tx1"/>
-          </a:fontRef>
-        </p:style>
-      </p:cxnSp>
-      <p:cxnSp>
-        <p:nvCxnSpPr>
-          <p:cNvPr id="42" name="Gerader Verbinder 41">
-            <a:extLst>
-              <a:ext uri="{FF2B5EF4-FFF2-40B4-BE49-F238E27FC236}">
-                <a16:creationId xmlns:a16="http://schemas.microsoft.com/office/drawing/2014/main" id="{CF333F8E-D54F-49F6-B278-1988C1A715B2}"/>
-              </a:ext>
-            </a:extLst>
-          </p:cNvPr>
-          <p:cNvCxnSpPr>
-            <a:cxnSpLocks/>
-            <a:stCxn id="15" idx="0"/>
-            <a:endCxn id="23" idx="2"/>
-          </p:cNvCxnSpPr>
-          <p:nvPr/>
-        </p:nvCxnSpPr>
-        <p:spPr>
-          <a:xfrm flipV="1">
-            <a:off x="5689252" y="4839941"/>
-            <a:ext cx="415271" cy="177922"/>
-          </a:xfrm>
-          <a:prstGeom prst="line">
-            <a:avLst/>
-          </a:prstGeom>
-          <a:ln w="38100">
-            <a:solidFill>
-              <a:schemeClr val="tx1"/>
-            </a:solidFill>
-            <a:prstDash val="sysDash"/>
-          </a:ln>
-        </p:spPr>
-        <p:style>
-          <a:lnRef idx="1">
-            <a:schemeClr val="accent1"/>
-          </a:lnRef>
-          <a:fillRef idx="0">
-            <a:schemeClr val="accent1"/>
-          </a:fillRef>
-          <a:effectRef idx="0">
-            <a:schemeClr val="accent1"/>
-          </a:effectRef>
-          <a:fontRef idx="minor">
-            <a:schemeClr val="tx1"/>
-          </a:fontRef>
-        </p:style>
-      </p:cxnSp>
-      <p:cxnSp>
-        <p:nvCxnSpPr>
-          <p:cNvPr id="48" name="Gerader Verbinder 47">
-            <a:extLst>
-              <a:ext uri="{FF2B5EF4-FFF2-40B4-BE49-F238E27FC236}">
-                <a16:creationId xmlns:a16="http://schemas.microsoft.com/office/drawing/2014/main" id="{8884F6BF-9110-4C18-AC59-EABD50862DD6}"/>
-              </a:ext>
-            </a:extLst>
-          </p:cNvPr>
-          <p:cNvCxnSpPr>
-            <a:cxnSpLocks/>
-            <a:stCxn id="19" idx="1"/>
-            <a:endCxn id="23" idx="3"/>
-          </p:cNvCxnSpPr>
-          <p:nvPr/>
-        </p:nvCxnSpPr>
-        <p:spPr>
-          <a:xfrm flipH="1" flipV="1">
-            <a:off x="6418946" y="4714027"/>
-            <a:ext cx="293751" cy="61575"/>
-          </a:xfrm>
-          <a:prstGeom prst="line">
-            <a:avLst/>
-          </a:prstGeom>
-          <a:ln w="38100">
-            <a:solidFill>
-              <a:schemeClr val="tx1"/>
-            </a:solidFill>
-            <a:prstDash val="sysDash"/>
-          </a:ln>
-        </p:spPr>
-        <p:style>
-          <a:lnRef idx="1">
-            <a:schemeClr val="accent1"/>
-          </a:lnRef>
-          <a:fillRef idx="0">
-            <a:schemeClr val="accent1"/>
-          </a:fillRef>
-          <a:effectRef idx="0">
-            <a:schemeClr val="accent1"/>
-          </a:effectRef>
-          <a:fontRef idx="minor">
-            <a:schemeClr val="tx1"/>
-          </a:fontRef>
-        </p:style>
-      </p:cxnSp>
-      <p:cxnSp>
-        <p:nvCxnSpPr>
-          <p:cNvPr id="51" name="Gerader Verbinder 50">
-            <a:extLst>
-              <a:ext uri="{FF2B5EF4-FFF2-40B4-BE49-F238E27FC236}">
-                <a16:creationId xmlns:a16="http://schemas.microsoft.com/office/drawing/2014/main" id="{1924BA33-7090-440F-93CB-B361077510BB}"/>
-              </a:ext>
-            </a:extLst>
-          </p:cNvPr>
-          <p:cNvCxnSpPr>
-            <a:cxnSpLocks/>
-            <a:endCxn id="8" idx="3"/>
-          </p:cNvCxnSpPr>
-          <p:nvPr/>
-        </p:nvCxnSpPr>
-        <p:spPr>
-          <a:xfrm flipH="1">
-            <a:off x="8306841" y="3718969"/>
-            <a:ext cx="2242485" cy="430111"/>
-          </a:xfrm>
-          <a:prstGeom prst="line">
-            <a:avLst/>
-          </a:prstGeom>
-          <a:ln w="38100">
-            <a:solidFill>
-              <a:schemeClr val="tx1"/>
-            </a:solidFill>
-            <a:prstDash val="sysDash"/>
-          </a:ln>
-        </p:spPr>
-        <p:style>
-          <a:lnRef idx="1">
-            <a:schemeClr val="accent1"/>
-          </a:lnRef>
-          <a:fillRef idx="0">
-            <a:schemeClr val="accent1"/>
-          </a:fillRef>
-          <a:effectRef idx="0">
-            <a:schemeClr val="accent1"/>
-          </a:effectRef>
-          <a:fontRef idx="minor">
-            <a:schemeClr val="tx1"/>
-          </a:fontRef>
-        </p:style>
-      </p:cxnSp>
-      <p:cxnSp>
-        <p:nvCxnSpPr>
-          <p:cNvPr id="56" name="Gerader Verbinder 55">
-            <a:extLst>
-              <a:ext uri="{FF2B5EF4-FFF2-40B4-BE49-F238E27FC236}">
-                <a16:creationId xmlns:a16="http://schemas.microsoft.com/office/drawing/2014/main" id="{C41818FF-CDAE-4F0B-83EE-1EA06232C9F9}"/>
-              </a:ext>
-            </a:extLst>
-          </p:cNvPr>
-          <p:cNvCxnSpPr>
-            <a:cxnSpLocks/>
-            <a:endCxn id="8" idx="3"/>
-          </p:cNvCxnSpPr>
-          <p:nvPr/>
-        </p:nvCxnSpPr>
-        <p:spPr>
-          <a:xfrm flipH="1" flipV="1">
-            <a:off x="8306841" y="4149080"/>
-            <a:ext cx="2320214" cy="564946"/>
-          </a:xfrm>
-          <a:prstGeom prst="line">
-            <a:avLst/>
-          </a:prstGeom>
-          <a:ln w="38100">
-            <a:solidFill>
-              <a:schemeClr val="tx1"/>
-            </a:solidFill>
-            <a:prstDash val="sysDash"/>
-          </a:ln>
-        </p:spPr>
-        <p:style>
-          <a:lnRef idx="1">
-            <a:schemeClr val="accent1"/>
-          </a:lnRef>
-          <a:fillRef idx="0">
-            <a:schemeClr val="accent1"/>
-          </a:fillRef>
-          <a:effectRef idx="0">
-            <a:schemeClr val="accent1"/>
-          </a:effectRef>
-          <a:fontRef idx="minor">
-            <a:schemeClr val="tx1"/>
-          </a:fontRef>
-        </p:style>
-      </p:cxnSp>
-      <p:cxnSp>
-        <p:nvCxnSpPr>
-          <p:cNvPr id="59" name="Gerader Verbinder 58">
-            <a:extLst>
-              <a:ext uri="{FF2B5EF4-FFF2-40B4-BE49-F238E27FC236}">
-                <a16:creationId xmlns:a16="http://schemas.microsoft.com/office/drawing/2014/main" id="{FA9A46D4-8B2E-49AF-B272-992F4DB2E7AB}"/>
-              </a:ext>
-            </a:extLst>
-          </p:cNvPr>
-          <p:cNvCxnSpPr>
-            <a:cxnSpLocks/>
-            <a:endCxn id="13" idx="0"/>
-          </p:cNvCxnSpPr>
-          <p:nvPr/>
-        </p:nvCxnSpPr>
-        <p:spPr>
-          <a:xfrm>
-            <a:off x="10509160" y="3727573"/>
-            <a:ext cx="96497" cy="265167"/>
-          </a:xfrm>
-          <a:prstGeom prst="line">
-            <a:avLst/>
-          </a:prstGeom>
-          <a:ln w="38100">
-            <a:solidFill>
-              <a:schemeClr val="tx1"/>
-            </a:solidFill>
-            <a:prstDash val="sysDash"/>
-          </a:ln>
-        </p:spPr>
-        <p:style>
-          <a:lnRef idx="1">
-            <a:schemeClr val="accent1"/>
-          </a:lnRef>
-          <a:fillRef idx="0">
-            <a:schemeClr val="accent1"/>
-          </a:fillRef>
-          <a:effectRef idx="0">
-            <a:schemeClr val="accent1"/>
-          </a:effectRef>
-          <a:fontRef idx="minor">
-            <a:schemeClr val="tx1"/>
-          </a:fontRef>
-        </p:style>
-      </p:cxnSp>
-      <p:cxnSp>
-        <p:nvCxnSpPr>
-          <p:cNvPr id="62" name="Gerader Verbinder 61">
-            <a:extLst>
-              <a:ext uri="{FF2B5EF4-FFF2-40B4-BE49-F238E27FC236}">
-                <a16:creationId xmlns:a16="http://schemas.microsoft.com/office/drawing/2014/main" id="{E29311FF-6E8E-4BEF-A0FA-7111CDE3CE71}"/>
-              </a:ext>
-            </a:extLst>
-          </p:cNvPr>
-          <p:cNvCxnSpPr>
-            <a:cxnSpLocks/>
-            <a:endCxn id="20" idx="0"/>
-          </p:cNvCxnSpPr>
-          <p:nvPr/>
-        </p:nvCxnSpPr>
-        <p:spPr>
-          <a:xfrm flipH="1">
-            <a:off x="10603933" y="4265273"/>
-            <a:ext cx="37485" cy="469879"/>
-          </a:xfrm>
-          <a:prstGeom prst="line">
-            <a:avLst/>
-          </a:prstGeom>
-          <a:ln w="38100">
-            <a:solidFill>
-              <a:schemeClr val="tx1"/>
-            </a:solidFill>
-            <a:prstDash val="sysDash"/>
-          </a:ln>
-        </p:spPr>
-        <p:style>
-          <a:lnRef idx="1">
-            <a:schemeClr val="accent1"/>
-          </a:lnRef>
-          <a:fillRef idx="0">
-            <a:schemeClr val="accent1"/>
-          </a:fillRef>
-          <a:effectRef idx="0">
-            <a:schemeClr val="accent1"/>
-          </a:effectRef>
-          <a:fontRef idx="minor">
-            <a:schemeClr val="tx1"/>
-          </a:fontRef>
-        </p:style>
-      </p:cxnSp>
-      <p:cxnSp>
-        <p:nvCxnSpPr>
-          <p:cNvPr id="65" name="Gerader Verbinder 64">
-            <a:extLst>
-              <a:ext uri="{FF2B5EF4-FFF2-40B4-BE49-F238E27FC236}">
-                <a16:creationId xmlns:a16="http://schemas.microsoft.com/office/drawing/2014/main" id="{AA859137-3A64-4108-9D6C-1E8B84E47841}"/>
-              </a:ext>
-            </a:extLst>
-          </p:cNvPr>
-          <p:cNvCxnSpPr>
-            <a:cxnSpLocks/>
-          </p:cNvCxnSpPr>
-          <p:nvPr/>
-        </p:nvCxnSpPr>
-        <p:spPr>
-          <a:xfrm flipH="1" flipV="1">
-            <a:off x="10809408" y="3735830"/>
-            <a:ext cx="8924" cy="959723"/>
-          </a:xfrm>
-          <a:prstGeom prst="line">
-            <a:avLst/>
-          </a:prstGeom>
-          <a:ln w="38100">
-            <a:solidFill>
-              <a:schemeClr val="tx1"/>
-            </a:solidFill>
-            <a:prstDash val="sysDash"/>
-          </a:ln>
-        </p:spPr>
-        <p:style>
-          <a:lnRef idx="1">
-            <a:schemeClr val="accent1"/>
-          </a:lnRef>
-          <a:fillRef idx="0">
-            <a:schemeClr val="accent1"/>
-          </a:fillRef>
-          <a:effectRef idx="0">
-            <a:schemeClr val="accent1"/>
-          </a:effectRef>
-          <a:fontRef idx="minor">
-            <a:schemeClr val="tx1"/>
-          </a:fontRef>
-        </p:style>
-      </p:cxnSp>
-      <p:cxnSp>
-        <p:nvCxnSpPr>
-          <p:cNvPr id="69" name="Gerader Verbinder 68">
-            <a:extLst>
-              <a:ext uri="{FF2B5EF4-FFF2-40B4-BE49-F238E27FC236}">
-                <a16:creationId xmlns:a16="http://schemas.microsoft.com/office/drawing/2014/main" id="{DE024F66-E838-4B2E-A024-AC5E4611C24E}"/>
-              </a:ext>
-            </a:extLst>
-          </p:cNvPr>
-          <p:cNvCxnSpPr>
-            <a:cxnSpLocks/>
-            <a:stCxn id="21" idx="1"/>
-            <a:endCxn id="16" idx="3"/>
-          </p:cNvCxnSpPr>
-          <p:nvPr/>
-        </p:nvCxnSpPr>
-        <p:spPr>
-          <a:xfrm flipH="1">
-            <a:off x="9980072" y="3573017"/>
-            <a:ext cx="254831" cy="76499"/>
-          </a:xfrm>
-          <a:prstGeom prst="line">
-            <a:avLst/>
-          </a:prstGeom>
-          <a:ln w="38100">
-            <a:solidFill>
-              <a:schemeClr val="tx1"/>
-            </a:solidFill>
-            <a:prstDash val="sysDash"/>
-          </a:ln>
-        </p:spPr>
-        <p:style>
-          <a:lnRef idx="1">
-            <a:schemeClr val="accent1"/>
-          </a:lnRef>
-          <a:fillRef idx="0">
-            <a:schemeClr val="accent1"/>
-          </a:fillRef>
-          <a:effectRef idx="0">
-            <a:schemeClr val="accent1"/>
-          </a:effectRef>
-          <a:fontRef idx="minor">
-            <a:schemeClr val="tx1"/>
-          </a:fontRef>
-        </p:style>
-      </p:cxnSp>
-      <p:cxnSp>
-        <p:nvCxnSpPr>
-          <p:cNvPr id="72" name="Gerader Verbinder 71">
-            <a:extLst>
-              <a:ext uri="{FF2B5EF4-FFF2-40B4-BE49-F238E27FC236}">
-                <a16:creationId xmlns:a16="http://schemas.microsoft.com/office/drawing/2014/main" id="{511FE0C9-077C-48C7-B181-E759368B2A5C}"/>
-              </a:ext>
-            </a:extLst>
-          </p:cNvPr>
-          <p:cNvCxnSpPr>
-            <a:cxnSpLocks/>
-            <a:endCxn id="18" idx="3"/>
-          </p:cNvCxnSpPr>
-          <p:nvPr/>
-        </p:nvCxnSpPr>
-        <p:spPr>
-          <a:xfrm flipH="1" flipV="1">
-            <a:off x="9980071" y="4762390"/>
-            <a:ext cx="309440" cy="94642"/>
-          </a:xfrm>
-          <a:prstGeom prst="line">
-            <a:avLst/>
-          </a:prstGeom>
-          <a:ln w="38100">
-            <a:solidFill>
-              <a:schemeClr val="tx1"/>
-            </a:solidFill>
-            <a:prstDash val="sysDash"/>
-          </a:ln>
-        </p:spPr>
-        <p:style>
-          <a:lnRef idx="1">
-            <a:schemeClr val="accent1"/>
-          </a:lnRef>
-          <a:fillRef idx="0">
-            <a:schemeClr val="accent1"/>
-          </a:fillRef>
-          <a:effectRef idx="0">
-            <a:schemeClr val="accent1"/>
-          </a:effectRef>
-          <a:fontRef idx="minor">
-            <a:schemeClr val="tx1"/>
-          </a:fontRef>
-        </p:style>
-      </p:cxnSp>
-      <p:cxnSp>
-        <p:nvCxnSpPr>
-          <p:cNvPr id="76" name="Gerader Verbinder 75">
-            <a:extLst>
-              <a:ext uri="{FF2B5EF4-FFF2-40B4-BE49-F238E27FC236}">
-                <a16:creationId xmlns:a16="http://schemas.microsoft.com/office/drawing/2014/main" id="{D5289626-27B3-416E-B401-598953EBCB2F}"/>
-              </a:ext>
-            </a:extLst>
-          </p:cNvPr>
-          <p:cNvCxnSpPr>
-            <a:cxnSpLocks/>
-            <a:stCxn id="20" idx="2"/>
-            <a:endCxn id="10" idx="0"/>
-          </p:cNvCxnSpPr>
-          <p:nvPr/>
-        </p:nvCxnSpPr>
-        <p:spPr>
-          <a:xfrm flipH="1">
-            <a:off x="10601707" y="4986981"/>
-            <a:ext cx="2226" cy="170211"/>
-          </a:xfrm>
-          <a:prstGeom prst="line">
-            <a:avLst/>
-          </a:prstGeom>
-          <a:ln w="38100">
-            <a:solidFill>
-              <a:schemeClr val="tx1"/>
-            </a:solidFill>
-            <a:prstDash val="sysDash"/>
-          </a:ln>
-        </p:spPr>
-        <p:style>
-          <a:lnRef idx="1">
-            <a:schemeClr val="accent1"/>
-          </a:lnRef>
-          <a:fillRef idx="0">
-            <a:schemeClr val="accent1"/>
-          </a:fillRef>
-          <a:effectRef idx="0">
-            <a:schemeClr val="accent1"/>
-          </a:effectRef>
-          <a:fontRef idx="minor">
-            <a:schemeClr val="tx1"/>
-          </a:fontRef>
-        </p:style>
-      </p:cxnSp>
-      <p:cxnSp>
-        <p:nvCxnSpPr>
-          <p:cNvPr id="79" name="Gerader Verbinder 78">
-            <a:extLst>
-              <a:ext uri="{FF2B5EF4-FFF2-40B4-BE49-F238E27FC236}">
-                <a16:creationId xmlns:a16="http://schemas.microsoft.com/office/drawing/2014/main" id="{4E1934BB-D9BF-4F2A-932F-53639E8A40C8}"/>
-              </a:ext>
-            </a:extLst>
-          </p:cNvPr>
-          <p:cNvCxnSpPr>
-            <a:cxnSpLocks/>
-            <a:stCxn id="12" idx="1"/>
-            <a:endCxn id="20" idx="3"/>
-          </p:cNvCxnSpPr>
-          <p:nvPr/>
-        </p:nvCxnSpPr>
-        <p:spPr>
-          <a:xfrm flipH="1" flipV="1">
-            <a:off x="10918356" y="4861067"/>
-            <a:ext cx="180300" cy="156797"/>
-          </a:xfrm>
-          <a:prstGeom prst="line">
-            <a:avLst/>
-          </a:prstGeom>
-          <a:ln w="38100">
-            <a:solidFill>
-              <a:schemeClr val="tx1"/>
-            </a:solidFill>
-            <a:prstDash val="sysDash"/>
-          </a:ln>
-        </p:spPr>
-        <p:style>
-          <a:lnRef idx="1">
-            <a:schemeClr val="accent1"/>
-          </a:lnRef>
-          <a:fillRef idx="0">
-            <a:schemeClr val="accent1"/>
-          </a:fillRef>
-          <a:effectRef idx="0">
-            <a:schemeClr val="accent1"/>
-          </a:effectRef>
-          <a:fontRef idx="minor">
-            <a:schemeClr val="tx1"/>
-          </a:fontRef>
-        </p:style>
-      </p:cxnSp>
-      <p:cxnSp>
-        <p:nvCxnSpPr>
-          <p:cNvPr id="82" name="Gerader Verbinder 81">
-            <a:extLst>
-              <a:ext uri="{FF2B5EF4-FFF2-40B4-BE49-F238E27FC236}">
-                <a16:creationId xmlns:a16="http://schemas.microsoft.com/office/drawing/2014/main" id="{2BB51070-337C-42FA-B771-5B93D456B273}"/>
-              </a:ext>
-            </a:extLst>
-          </p:cNvPr>
-          <p:cNvCxnSpPr>
-            <a:cxnSpLocks/>
-            <a:stCxn id="11" idx="1"/>
-            <a:endCxn id="21" idx="3"/>
-          </p:cNvCxnSpPr>
-          <p:nvPr/>
-        </p:nvCxnSpPr>
-        <p:spPr>
-          <a:xfrm flipH="1">
-            <a:off x="10863749" y="3410899"/>
-            <a:ext cx="175036" cy="162118"/>
-          </a:xfrm>
-          <a:prstGeom prst="line">
-            <a:avLst/>
-          </a:prstGeom>
-          <a:ln w="38100">
-            <a:solidFill>
-              <a:schemeClr val="tx1"/>
-            </a:solidFill>
-            <a:prstDash val="sysDash"/>
-          </a:ln>
-        </p:spPr>
-        <p:style>
-          <a:lnRef idx="1">
-            <a:schemeClr val="accent1"/>
-          </a:lnRef>
-          <a:fillRef idx="0">
-            <a:schemeClr val="accent1"/>
-          </a:fillRef>
-          <a:effectRef idx="0">
-            <a:schemeClr val="accent1"/>
-          </a:effectRef>
-          <a:fontRef idx="minor">
-            <a:schemeClr val="tx1"/>
-          </a:fontRef>
-        </p:style>
-      </p:cxnSp>
-      <p:cxnSp>
-        <p:nvCxnSpPr>
-          <p:cNvPr id="85" name="Gerader Verbinder 84">
-            <a:extLst>
-              <a:ext uri="{FF2B5EF4-FFF2-40B4-BE49-F238E27FC236}">
-                <a16:creationId xmlns:a16="http://schemas.microsoft.com/office/drawing/2014/main" id="{F7352C65-3829-47C4-A32B-D86F05C83C6B}"/>
-              </a:ext>
-            </a:extLst>
-          </p:cNvPr>
-          <p:cNvCxnSpPr>
-            <a:cxnSpLocks/>
-            <a:stCxn id="9" idx="4"/>
-            <a:endCxn id="21" idx="0"/>
-          </p:cNvCxnSpPr>
-          <p:nvPr/>
-        </p:nvCxnSpPr>
-        <p:spPr>
-          <a:xfrm>
-            <a:off x="10549326" y="3284984"/>
-            <a:ext cx="0" cy="162118"/>
-          </a:xfrm>
-          <a:prstGeom prst="line">
-            <a:avLst/>
-          </a:prstGeom>
-          <a:ln w="38100">
-            <a:solidFill>
-              <a:schemeClr val="tx1"/>
-            </a:solidFill>
-            <a:prstDash val="sysDash"/>
-          </a:ln>
-        </p:spPr>
-        <p:style>
-          <a:lnRef idx="1">
-            <a:schemeClr val="accent1"/>
-          </a:lnRef>
-          <a:fillRef idx="0">
-            <a:schemeClr val="accent1"/>
-          </a:fillRef>
-          <a:effectRef idx="0">
-            <a:schemeClr val="accent1"/>
-          </a:effectRef>
-          <a:fontRef idx="minor">
-            <a:schemeClr val="tx1"/>
-          </a:fontRef>
-        </p:style>
-      </p:cxnSp>
-      <p:sp>
-        <p:nvSpPr>
-          <p:cNvPr id="90" name="Rechteck 89">
-            <a:extLst>
-              <a:ext uri="{FF2B5EF4-FFF2-40B4-BE49-F238E27FC236}">
-                <a16:creationId xmlns:a16="http://schemas.microsoft.com/office/drawing/2014/main" id="{C0C08614-762D-472B-9314-63E009E5916E}"/>
-              </a:ext>
-            </a:extLst>
-          </p:cNvPr>
+          <p:cNvPr id="35" name="Rechteck 34"/>
           <p:cNvSpPr/>
           <p:nvPr/>
         </p:nvSpPr>
         <p:spPr>
           <a:xfrm>
-            <a:off x="5382312" y="1738525"/>
-            <a:ext cx="407788" cy="349863"/>
+            <a:off x="623392" y="4867291"/>
+            <a:ext cx="9073007" cy="646331"/>
           </a:xfrm>
           <a:prstGeom prst="rect">
             <a:avLst/>
           </a:prstGeom>
-          <a:solidFill>
-            <a:schemeClr val="accent2"/>
-          </a:solidFill>
-          <a:ln w="12700">
-            <a:solidFill>
-              <a:schemeClr val="tx1"/>
-            </a:solidFill>
-          </a:ln>
-        </p:spPr>
-        <p:style>
-          <a:lnRef idx="2">
-            <a:schemeClr val="accent1">
-              <a:shade val="50000"/>
-            </a:schemeClr>
-          </a:lnRef>
-          <a:fillRef idx="1">
-            <a:schemeClr val="accent1"/>
-          </a:fillRef>
-          <a:effectRef idx="0">
-            <a:schemeClr val="accent1"/>
-          </a:effectRef>
-          <a:fontRef idx="minor">
-            <a:schemeClr val="lt1"/>
-          </a:fontRef>
-        </p:style>
-        <p:txBody>
-          <a:bodyPr rtlCol="0" anchor="ctr"/>
-          <a:lstStyle/>
-          <a:p>
-            <a:pPr algn="ctr"/>
-            <a:endParaRPr lang="LID4096" dirty="0" err="1">
-              <a:solidFill>
-                <a:schemeClr val="tx1"/>
-              </a:solidFill>
-            </a:endParaRPr>
-          </a:p>
-        </p:txBody>
-      </p:sp>
-      <p:sp>
-        <p:nvSpPr>
-          <p:cNvPr id="91" name="Rechteck 90">
-            <a:extLst>
-              <a:ext uri="{FF2B5EF4-FFF2-40B4-BE49-F238E27FC236}">
-                <a16:creationId xmlns:a16="http://schemas.microsoft.com/office/drawing/2014/main" id="{999650C8-EEB2-4F21-986C-87E5F6170FED}"/>
-              </a:ext>
-            </a:extLst>
-          </p:cNvPr>
-          <p:cNvSpPr/>
-          <p:nvPr/>
-        </p:nvSpPr>
-        <p:spPr>
-          <a:xfrm>
-            <a:off x="7233535" y="1733706"/>
-            <a:ext cx="338633" cy="349863"/>
-          </a:xfrm>
-          <a:prstGeom prst="rect">
-            <a:avLst/>
-          </a:prstGeom>
-          <a:solidFill>
-            <a:schemeClr val="accent6">
-              <a:lumMod val="20000"/>
-              <a:lumOff val="80000"/>
-            </a:schemeClr>
-          </a:solidFill>
-          <a:ln w="12700">
-            <a:solidFill>
-              <a:schemeClr val="tx1"/>
-            </a:solidFill>
-          </a:ln>
-        </p:spPr>
-        <p:style>
-          <a:lnRef idx="2">
-            <a:schemeClr val="accent1">
-              <a:shade val="50000"/>
-            </a:schemeClr>
-          </a:lnRef>
-          <a:fillRef idx="1">
-            <a:schemeClr val="accent1"/>
-          </a:fillRef>
-          <a:effectRef idx="0">
-            <a:schemeClr val="accent1"/>
-          </a:effectRef>
-          <a:fontRef idx="minor">
-            <a:schemeClr val="lt1"/>
-          </a:fontRef>
-        </p:style>
-        <p:txBody>
-          <a:bodyPr rtlCol="0" anchor="ctr"/>
-          <a:lstStyle/>
-          <a:p>
-            <a:pPr algn="ctr"/>
-            <a:endParaRPr lang="LID4096" dirty="0" err="1">
-              <a:solidFill>
-                <a:schemeClr val="tx1"/>
-              </a:solidFill>
-            </a:endParaRPr>
-          </a:p>
-        </p:txBody>
-      </p:sp>
-      <p:sp>
-        <p:nvSpPr>
-          <p:cNvPr id="92" name="Textfeld 91">
-            <a:extLst>
-              <a:ext uri="{FF2B5EF4-FFF2-40B4-BE49-F238E27FC236}">
-                <a16:creationId xmlns:a16="http://schemas.microsoft.com/office/drawing/2014/main" id="{95290BBA-12B9-4F9A-BCD7-88E186D163B0}"/>
-              </a:ext>
-            </a:extLst>
-          </p:cNvPr>
-          <p:cNvSpPr txBox="1"/>
-          <p:nvPr/>
-        </p:nvSpPr>
-        <p:spPr>
-          <a:xfrm>
-            <a:off x="6961391" y="1353161"/>
-            <a:ext cx="924164" cy="369332"/>
-          </a:xfrm>
-          <a:prstGeom prst="rect">
-            <a:avLst/>
-          </a:prstGeom>
-          <a:noFill/>
         </p:spPr>
         <p:txBody>
-          <a:bodyPr wrap="none" rtlCol="0">
+          <a:bodyPr wrap="square">
             <a:spAutoFit/>
           </a:bodyPr>
           <a:lstStyle/>
           <a:p>
             <a:r>
-              <a:rPr lang="de-DE" dirty="0"/>
-              <a:t>LV Bat.</a:t>
-            </a:r>
-            <a:endParaRPr lang="LID4096" dirty="0"/>
-          </a:p>
-        </p:txBody>
-      </p:sp>
-      <p:sp>
-        <p:nvSpPr>
-          <p:cNvPr id="94" name="Textfeld 93">
-            <a:extLst>
-              <a:ext uri="{FF2B5EF4-FFF2-40B4-BE49-F238E27FC236}">
-                <a16:creationId xmlns:a16="http://schemas.microsoft.com/office/drawing/2014/main" id="{FDFD0A97-1D1D-412B-A11A-9318715A2722}"/>
-              </a:ext>
-            </a:extLst>
-          </p:cNvPr>
-          <p:cNvSpPr txBox="1"/>
-          <p:nvPr/>
-        </p:nvSpPr>
-        <p:spPr>
-          <a:xfrm>
-            <a:off x="5167152" y="1355981"/>
-            <a:ext cx="979755" cy="369332"/>
-          </a:xfrm>
-          <a:prstGeom prst="rect">
-            <a:avLst/>
-          </a:prstGeom>
-          <a:noFill/>
-        </p:spPr>
-        <p:txBody>
-          <a:bodyPr wrap="none" rtlCol="0">
-            <a:spAutoFit/>
-          </a:bodyPr>
-          <a:lstStyle/>
-          <a:p>
-            <a:r>
-              <a:rPr lang="de-DE" dirty="0"/>
-              <a:t>HV Bat.</a:t>
-            </a:r>
-            <a:endParaRPr lang="LID4096" dirty="0"/>
-          </a:p>
-        </p:txBody>
-      </p:sp>
-      <p:sp>
-        <p:nvSpPr>
-          <p:cNvPr id="95" name="Rechteck 94">
-            <a:extLst>
-              <a:ext uri="{FF2B5EF4-FFF2-40B4-BE49-F238E27FC236}">
-                <a16:creationId xmlns:a16="http://schemas.microsoft.com/office/drawing/2014/main" id="{03AA05C6-E2D7-4643-87DB-B9D14D4452AF}"/>
-              </a:ext>
-            </a:extLst>
-          </p:cNvPr>
-          <p:cNvSpPr/>
-          <p:nvPr/>
-        </p:nvSpPr>
-        <p:spPr>
-          <a:xfrm>
-            <a:off x="6275217" y="1745269"/>
-            <a:ext cx="407788" cy="234394"/>
-          </a:xfrm>
-          <a:prstGeom prst="rect">
-            <a:avLst/>
-          </a:prstGeom>
-          <a:solidFill>
-            <a:schemeClr val="accent5"/>
-          </a:solidFill>
-          <a:ln w="12700">
-            <a:solidFill>
-              <a:schemeClr val="tx1"/>
-            </a:solidFill>
-          </a:ln>
-        </p:spPr>
-        <p:style>
-          <a:lnRef idx="2">
-            <a:schemeClr val="accent1">
-              <a:shade val="50000"/>
-            </a:schemeClr>
-          </a:lnRef>
-          <a:fillRef idx="1">
-            <a:schemeClr val="accent1"/>
-          </a:fillRef>
-          <a:effectRef idx="0">
-            <a:schemeClr val="accent1"/>
-          </a:effectRef>
-          <a:fontRef idx="minor">
-            <a:schemeClr val="lt1"/>
-          </a:fontRef>
-        </p:style>
-        <p:txBody>
-          <a:bodyPr rtlCol="0" anchor="ctr"/>
-          <a:lstStyle/>
-          <a:p>
-            <a:pPr algn="ctr"/>
-            <a:endParaRPr lang="LID4096" dirty="0" err="1">
-              <a:solidFill>
-                <a:schemeClr val="tx1"/>
-              </a:solidFill>
-            </a:endParaRPr>
-          </a:p>
-        </p:txBody>
-      </p:sp>
-      <p:sp>
-        <p:nvSpPr>
-          <p:cNvPr id="96" name="Textfeld 95">
-            <a:extLst>
-              <a:ext uri="{FF2B5EF4-FFF2-40B4-BE49-F238E27FC236}">
-                <a16:creationId xmlns:a16="http://schemas.microsoft.com/office/drawing/2014/main" id="{4C5148C7-61DF-4A8D-9EB8-FAA4E3FA6F98}"/>
-              </a:ext>
-            </a:extLst>
-          </p:cNvPr>
-          <p:cNvSpPr txBox="1"/>
-          <p:nvPr/>
-        </p:nvSpPr>
-        <p:spPr>
-          <a:xfrm>
-            <a:off x="6062085" y="1348961"/>
-            <a:ext cx="851515" cy="369332"/>
-          </a:xfrm>
-          <a:prstGeom prst="rect">
-            <a:avLst/>
-          </a:prstGeom>
-          <a:noFill/>
-        </p:spPr>
-        <p:txBody>
-          <a:bodyPr wrap="none" rtlCol="0">
-            <a:spAutoFit/>
-          </a:bodyPr>
-          <a:lstStyle/>
-          <a:p>
-            <a:r>
-              <a:rPr lang="de-DE" dirty="0"/>
-              <a:t>DCDC</a:t>
-            </a:r>
-            <a:endParaRPr lang="LID4096" dirty="0"/>
-          </a:p>
-        </p:txBody>
-      </p:sp>
-      <p:sp>
-        <p:nvSpPr>
-          <p:cNvPr id="97" name="Rechteck 96">
-            <a:extLst>
-              <a:ext uri="{FF2B5EF4-FFF2-40B4-BE49-F238E27FC236}">
-                <a16:creationId xmlns:a16="http://schemas.microsoft.com/office/drawing/2014/main" id="{9ACB0765-71F1-48E9-9E0E-011F06470512}"/>
-              </a:ext>
-            </a:extLst>
-          </p:cNvPr>
-          <p:cNvSpPr/>
-          <p:nvPr/>
-        </p:nvSpPr>
-        <p:spPr>
-          <a:xfrm>
-            <a:off x="6641387" y="4015241"/>
-            <a:ext cx="407788" cy="349863"/>
-          </a:xfrm>
-          <a:prstGeom prst="rect">
-            <a:avLst/>
-          </a:prstGeom>
-          <a:solidFill>
-            <a:schemeClr val="accent2"/>
-          </a:solidFill>
-          <a:ln w="12700">
-            <a:solidFill>
-              <a:schemeClr val="tx1"/>
-            </a:solidFill>
-          </a:ln>
-        </p:spPr>
-        <p:style>
-          <a:lnRef idx="2">
-            <a:schemeClr val="accent1">
-              <a:shade val="50000"/>
-            </a:schemeClr>
-          </a:lnRef>
-          <a:fillRef idx="1">
-            <a:schemeClr val="accent1"/>
-          </a:fillRef>
-          <a:effectRef idx="0">
-            <a:schemeClr val="accent1"/>
-          </a:effectRef>
-          <a:fontRef idx="minor">
-            <a:schemeClr val="lt1"/>
-          </a:fontRef>
-        </p:style>
-        <p:txBody>
-          <a:bodyPr rtlCol="0" anchor="ctr"/>
-          <a:lstStyle/>
-          <a:p>
-            <a:pPr algn="ctr"/>
-            <a:endParaRPr lang="LID4096" dirty="0" err="1">
-              <a:solidFill>
-                <a:schemeClr val="tx1"/>
-              </a:solidFill>
-            </a:endParaRPr>
-          </a:p>
-        </p:txBody>
-      </p:sp>
-      <p:sp>
-        <p:nvSpPr>
-          <p:cNvPr id="98" name="Rechteck 97">
-            <a:extLst>
-              <a:ext uri="{FF2B5EF4-FFF2-40B4-BE49-F238E27FC236}">
-                <a16:creationId xmlns:a16="http://schemas.microsoft.com/office/drawing/2014/main" id="{DEFF7FA6-AEED-44AF-B40F-1A50D4917232}"/>
-              </a:ext>
-            </a:extLst>
-          </p:cNvPr>
-          <p:cNvSpPr/>
-          <p:nvPr/>
-        </p:nvSpPr>
-        <p:spPr>
-          <a:xfrm>
-            <a:off x="7233535" y="3618633"/>
-            <a:ext cx="407788" cy="234394"/>
-          </a:xfrm>
-          <a:prstGeom prst="rect">
-            <a:avLst/>
-          </a:prstGeom>
-          <a:solidFill>
-            <a:schemeClr val="accent5"/>
-          </a:solidFill>
-          <a:ln w="12700">
-            <a:solidFill>
-              <a:schemeClr val="tx1"/>
-            </a:solidFill>
-          </a:ln>
-        </p:spPr>
-        <p:style>
-          <a:lnRef idx="2">
-            <a:schemeClr val="accent1">
-              <a:shade val="50000"/>
-            </a:schemeClr>
-          </a:lnRef>
-          <a:fillRef idx="1">
-            <a:schemeClr val="accent1"/>
-          </a:fillRef>
-          <a:effectRef idx="0">
-            <a:schemeClr val="accent1"/>
-          </a:effectRef>
-          <a:fontRef idx="minor">
-            <a:schemeClr val="lt1"/>
-          </a:fontRef>
-        </p:style>
-        <p:txBody>
-          <a:bodyPr rtlCol="0" anchor="ctr"/>
-          <a:lstStyle/>
-          <a:p>
-            <a:pPr algn="ctr"/>
-            <a:endParaRPr lang="LID4096" dirty="0" err="1">
-              <a:solidFill>
-                <a:schemeClr val="tx1"/>
-              </a:solidFill>
-            </a:endParaRPr>
-          </a:p>
-        </p:txBody>
-      </p:sp>
-      <p:sp>
-        <p:nvSpPr>
-          <p:cNvPr id="99" name="Rechteck 98">
-            <a:extLst>
-              <a:ext uri="{FF2B5EF4-FFF2-40B4-BE49-F238E27FC236}">
-                <a16:creationId xmlns:a16="http://schemas.microsoft.com/office/drawing/2014/main" id="{EF6848E8-1757-4144-83B7-C71326EDAC4C}"/>
-              </a:ext>
-            </a:extLst>
-          </p:cNvPr>
-          <p:cNvSpPr/>
-          <p:nvPr/>
-        </p:nvSpPr>
-        <p:spPr>
-          <a:xfrm>
-            <a:off x="7233535" y="4479632"/>
-            <a:ext cx="407788" cy="234394"/>
-          </a:xfrm>
-          <a:prstGeom prst="rect">
-            <a:avLst/>
-          </a:prstGeom>
-          <a:solidFill>
-            <a:schemeClr val="accent5"/>
-          </a:solidFill>
-          <a:ln w="12700">
-            <a:solidFill>
-              <a:schemeClr val="tx1"/>
-            </a:solidFill>
-          </a:ln>
-        </p:spPr>
-        <p:style>
-          <a:lnRef idx="2">
-            <a:schemeClr val="accent1">
-              <a:shade val="50000"/>
-            </a:schemeClr>
-          </a:lnRef>
-          <a:fillRef idx="1">
-            <a:schemeClr val="accent1"/>
-          </a:fillRef>
-          <a:effectRef idx="0">
-            <a:schemeClr val="accent1"/>
-          </a:effectRef>
-          <a:fontRef idx="minor">
-            <a:schemeClr val="lt1"/>
-          </a:fontRef>
-        </p:style>
-        <p:txBody>
-          <a:bodyPr rtlCol="0" anchor="ctr"/>
-          <a:lstStyle/>
-          <a:p>
-            <a:pPr algn="ctr"/>
-            <a:endParaRPr lang="LID4096" dirty="0" err="1">
-              <a:solidFill>
-                <a:schemeClr val="tx1"/>
-              </a:solidFill>
-            </a:endParaRPr>
-          </a:p>
-        </p:txBody>
-      </p:sp>
-      <p:sp>
-        <p:nvSpPr>
-          <p:cNvPr id="100" name="Rechteck 99">
-            <a:extLst>
-              <a:ext uri="{FF2B5EF4-FFF2-40B4-BE49-F238E27FC236}">
-                <a16:creationId xmlns:a16="http://schemas.microsoft.com/office/drawing/2014/main" id="{BFB5C0FB-7C09-4938-B38C-2529A617061C}"/>
-              </a:ext>
-            </a:extLst>
-          </p:cNvPr>
-          <p:cNvSpPr/>
-          <p:nvPr/>
-        </p:nvSpPr>
-        <p:spPr>
-          <a:xfrm>
-            <a:off x="8745698" y="4680243"/>
-            <a:ext cx="338633" cy="349863"/>
-          </a:xfrm>
-          <a:prstGeom prst="rect">
-            <a:avLst/>
-          </a:prstGeom>
-          <a:solidFill>
-            <a:schemeClr val="accent6">
-              <a:lumMod val="20000"/>
-              <a:lumOff val="80000"/>
-            </a:schemeClr>
-          </a:solidFill>
-          <a:ln w="12700">
-            <a:solidFill>
-              <a:schemeClr val="tx1"/>
-            </a:solidFill>
-          </a:ln>
-        </p:spPr>
-        <p:style>
-          <a:lnRef idx="2">
-            <a:schemeClr val="accent1">
-              <a:shade val="50000"/>
-            </a:schemeClr>
-          </a:lnRef>
-          <a:fillRef idx="1">
-            <a:schemeClr val="accent1"/>
-          </a:fillRef>
-          <a:effectRef idx="0">
-            <a:schemeClr val="accent1"/>
-          </a:effectRef>
-          <a:fontRef idx="minor">
-            <a:schemeClr val="lt1"/>
-          </a:fontRef>
-        </p:style>
-        <p:txBody>
-          <a:bodyPr rtlCol="0" anchor="ctr"/>
-          <a:lstStyle/>
-          <a:p>
-            <a:pPr algn="ctr"/>
-            <a:endParaRPr lang="LID4096" dirty="0" err="1">
-              <a:solidFill>
-                <a:schemeClr val="tx1"/>
-              </a:solidFill>
-            </a:endParaRPr>
-          </a:p>
-        </p:txBody>
-      </p:sp>
-      <p:cxnSp>
-        <p:nvCxnSpPr>
-          <p:cNvPr id="101" name="Gerader Verbinder 100">
-            <a:extLst>
-              <a:ext uri="{FF2B5EF4-FFF2-40B4-BE49-F238E27FC236}">
-                <a16:creationId xmlns:a16="http://schemas.microsoft.com/office/drawing/2014/main" id="{E914F4E7-AAFE-47B7-B7A6-B4971EDBF82A}"/>
-              </a:ext>
-            </a:extLst>
-          </p:cNvPr>
-          <p:cNvCxnSpPr>
-            <a:cxnSpLocks/>
-            <a:stCxn id="98" idx="1"/>
-            <a:endCxn id="97" idx="3"/>
-          </p:cNvCxnSpPr>
-          <p:nvPr/>
-        </p:nvCxnSpPr>
-        <p:spPr>
-          <a:xfrm flipH="1">
-            <a:off x="7049175" y="3735830"/>
-            <a:ext cx="184360" cy="454343"/>
-          </a:xfrm>
-          <a:prstGeom prst="line">
-            <a:avLst/>
-          </a:prstGeom>
-          <a:ln w="38100">
-            <a:solidFill>
-              <a:schemeClr val="tx1"/>
-            </a:solidFill>
-            <a:prstDash val="sysDash"/>
-          </a:ln>
-        </p:spPr>
-        <p:style>
-          <a:lnRef idx="1">
-            <a:schemeClr val="accent1"/>
-          </a:lnRef>
-          <a:fillRef idx="0">
-            <a:schemeClr val="accent1"/>
-          </a:fillRef>
-          <a:effectRef idx="0">
-            <a:schemeClr val="accent1"/>
-          </a:effectRef>
-          <a:fontRef idx="minor">
-            <a:schemeClr val="tx1"/>
-          </a:fontRef>
-        </p:style>
-      </p:cxnSp>
-      <p:cxnSp>
-        <p:nvCxnSpPr>
-          <p:cNvPr id="104" name="Gerader Verbinder 103">
-            <a:extLst>
-              <a:ext uri="{FF2B5EF4-FFF2-40B4-BE49-F238E27FC236}">
-                <a16:creationId xmlns:a16="http://schemas.microsoft.com/office/drawing/2014/main" id="{D27EA390-8899-4F0E-9383-C18E14CCA4E2}"/>
-              </a:ext>
-            </a:extLst>
-          </p:cNvPr>
-          <p:cNvCxnSpPr>
-            <a:cxnSpLocks/>
-            <a:stCxn id="99" idx="1"/>
-            <a:endCxn id="97" idx="3"/>
-          </p:cNvCxnSpPr>
-          <p:nvPr/>
-        </p:nvCxnSpPr>
-        <p:spPr>
-          <a:xfrm flipH="1" flipV="1">
-            <a:off x="7049175" y="4190173"/>
-            <a:ext cx="184360" cy="406656"/>
-          </a:xfrm>
-          <a:prstGeom prst="line">
-            <a:avLst/>
-          </a:prstGeom>
-          <a:ln w="38100">
-            <a:solidFill>
-              <a:schemeClr val="tx1"/>
-            </a:solidFill>
-            <a:prstDash val="sysDash"/>
-          </a:ln>
-        </p:spPr>
-        <p:style>
-          <a:lnRef idx="1">
-            <a:schemeClr val="accent1"/>
-          </a:lnRef>
-          <a:fillRef idx="0">
-            <a:schemeClr val="accent1"/>
-          </a:fillRef>
-          <a:effectRef idx="0">
-            <a:schemeClr val="accent1"/>
-          </a:effectRef>
-          <a:fontRef idx="minor">
-            <a:schemeClr val="tx1"/>
-          </a:fontRef>
-        </p:style>
-      </p:cxnSp>
-      <p:sp>
-        <p:nvSpPr>
-          <p:cNvPr id="109" name="Rechteck 108">
-            <a:extLst>
-              <a:ext uri="{FF2B5EF4-FFF2-40B4-BE49-F238E27FC236}">
-                <a16:creationId xmlns:a16="http://schemas.microsoft.com/office/drawing/2014/main" id="{66E7497F-20E3-4FC0-9FC2-D71E7057A278}"/>
-              </a:ext>
-            </a:extLst>
-          </p:cNvPr>
-          <p:cNvSpPr/>
-          <p:nvPr/>
-        </p:nvSpPr>
-        <p:spPr>
-          <a:xfrm>
-            <a:off x="7992418" y="3308092"/>
-            <a:ext cx="628846" cy="251829"/>
-          </a:xfrm>
-          <a:prstGeom prst="rect">
-            <a:avLst/>
-          </a:prstGeom>
-          <a:solidFill>
-            <a:schemeClr val="accent4"/>
-          </a:solidFill>
-          <a:ln w="12700">
-            <a:solidFill>
-              <a:schemeClr val="tx1"/>
-            </a:solidFill>
-          </a:ln>
-        </p:spPr>
-        <p:style>
-          <a:lnRef idx="2">
-            <a:schemeClr val="accent1">
-              <a:shade val="50000"/>
-            </a:schemeClr>
-          </a:lnRef>
-          <a:fillRef idx="1">
-            <a:schemeClr val="accent1"/>
-          </a:fillRef>
-          <a:effectRef idx="0">
-            <a:schemeClr val="accent1"/>
-          </a:effectRef>
-          <a:fontRef idx="minor">
-            <a:schemeClr val="lt1"/>
-          </a:fontRef>
-        </p:style>
-        <p:txBody>
-          <a:bodyPr rtlCol="0" anchor="ctr"/>
-          <a:lstStyle/>
-          <a:p>
-            <a:pPr algn="ctr"/>
-            <a:endParaRPr lang="LID4096" dirty="0" err="1">
-              <a:solidFill>
-                <a:schemeClr val="tx1"/>
-              </a:solidFill>
-            </a:endParaRPr>
-          </a:p>
-        </p:txBody>
-      </p:sp>
-      <p:cxnSp>
-        <p:nvCxnSpPr>
-          <p:cNvPr id="110" name="Gerader Verbinder 109">
-            <a:extLst>
-              <a:ext uri="{FF2B5EF4-FFF2-40B4-BE49-F238E27FC236}">
-                <a16:creationId xmlns:a16="http://schemas.microsoft.com/office/drawing/2014/main" id="{29291CE5-8A93-4CFE-80D1-7FC77EF65C58}"/>
-              </a:ext>
-            </a:extLst>
-          </p:cNvPr>
-          <p:cNvCxnSpPr>
-            <a:cxnSpLocks/>
-            <a:stCxn id="98" idx="3"/>
-            <a:endCxn id="109" idx="1"/>
-          </p:cNvCxnSpPr>
-          <p:nvPr/>
-        </p:nvCxnSpPr>
-        <p:spPr>
-          <a:xfrm flipV="1">
-            <a:off x="7641323" y="3434007"/>
-            <a:ext cx="351095" cy="301823"/>
-          </a:xfrm>
-          <a:prstGeom prst="line">
-            <a:avLst/>
-          </a:prstGeom>
-          <a:ln w="38100">
-            <a:solidFill>
-              <a:schemeClr val="tx1"/>
-            </a:solidFill>
-            <a:prstDash val="sysDash"/>
-          </a:ln>
-        </p:spPr>
-        <p:style>
-          <a:lnRef idx="1">
-            <a:schemeClr val="accent1"/>
-          </a:lnRef>
-          <a:fillRef idx="0">
-            <a:schemeClr val="accent1"/>
-          </a:fillRef>
-          <a:effectRef idx="0">
-            <a:schemeClr val="accent1"/>
-          </a:effectRef>
-          <a:fontRef idx="minor">
-            <a:schemeClr val="tx1"/>
-          </a:fontRef>
-        </p:style>
-      </p:cxnSp>
-      <p:cxnSp>
-        <p:nvCxnSpPr>
-          <p:cNvPr id="125" name="Verbinder: gewinkelt 124">
-            <a:extLst>
-              <a:ext uri="{FF2B5EF4-FFF2-40B4-BE49-F238E27FC236}">
-                <a16:creationId xmlns:a16="http://schemas.microsoft.com/office/drawing/2014/main" id="{137F3286-02F6-4617-9931-60F1B9294A54}"/>
-              </a:ext>
-            </a:extLst>
-          </p:cNvPr>
-          <p:cNvCxnSpPr>
-            <a:cxnSpLocks/>
-            <a:endCxn id="22" idx="0"/>
-          </p:cNvCxnSpPr>
-          <p:nvPr/>
-        </p:nvCxnSpPr>
-        <p:spPr>
-          <a:xfrm rot="10800000" flipV="1">
-            <a:off x="6096000" y="3420030"/>
-            <a:ext cx="1878082" cy="270576"/>
-          </a:xfrm>
-          <a:prstGeom prst="bentConnector2">
-            <a:avLst/>
-          </a:prstGeom>
-          <a:ln w="38100">
-            <a:solidFill>
-              <a:schemeClr val="tx1"/>
-            </a:solidFill>
-            <a:prstDash val="sysDash"/>
-          </a:ln>
-        </p:spPr>
-        <p:style>
-          <a:lnRef idx="1">
-            <a:schemeClr val="accent1"/>
-          </a:lnRef>
-          <a:fillRef idx="0">
-            <a:schemeClr val="accent1"/>
-          </a:fillRef>
-          <a:effectRef idx="0">
-            <a:schemeClr val="accent1"/>
-          </a:effectRef>
-          <a:fontRef idx="minor">
-            <a:schemeClr val="tx1"/>
-          </a:fontRef>
-        </p:style>
-      </p:cxnSp>
-      <p:cxnSp>
-        <p:nvCxnSpPr>
-          <p:cNvPr id="128" name="Verbinder: gewinkelt 127">
-            <a:extLst>
-              <a:ext uri="{FF2B5EF4-FFF2-40B4-BE49-F238E27FC236}">
-                <a16:creationId xmlns:a16="http://schemas.microsoft.com/office/drawing/2014/main" id="{8C11E37E-255B-4B16-A6F0-DDD2EF7CAB58}"/>
-              </a:ext>
-            </a:extLst>
-          </p:cNvPr>
-          <p:cNvCxnSpPr>
-            <a:cxnSpLocks/>
-            <a:endCxn id="23" idx="2"/>
-          </p:cNvCxnSpPr>
-          <p:nvPr/>
-        </p:nvCxnSpPr>
-        <p:spPr>
-          <a:xfrm rot="10800000">
-            <a:off x="6104524" y="4839941"/>
-            <a:ext cx="4279923" cy="291032"/>
-          </a:xfrm>
-          <a:prstGeom prst="bentConnector2">
-            <a:avLst/>
-          </a:prstGeom>
-          <a:ln w="38100">
-            <a:solidFill>
-              <a:schemeClr val="tx1"/>
-            </a:solidFill>
-            <a:prstDash val="sysDash"/>
-          </a:ln>
-        </p:spPr>
-        <p:style>
-          <a:lnRef idx="1">
-            <a:schemeClr val="accent1"/>
-          </a:lnRef>
-          <a:fillRef idx="0">
-            <a:schemeClr val="accent1"/>
-          </a:fillRef>
-          <a:effectRef idx="0">
-            <a:schemeClr val="accent1"/>
-          </a:effectRef>
-          <a:fontRef idx="minor">
-            <a:schemeClr val="tx1"/>
-          </a:fontRef>
-        </p:style>
-      </p:cxnSp>
-      <p:cxnSp>
-        <p:nvCxnSpPr>
-          <p:cNvPr id="131" name="Gerader Verbinder 130">
-            <a:extLst>
-              <a:ext uri="{FF2B5EF4-FFF2-40B4-BE49-F238E27FC236}">
-                <a16:creationId xmlns:a16="http://schemas.microsoft.com/office/drawing/2014/main" id="{08D79A41-ACE3-41A5-BF22-753C301408D6}"/>
-              </a:ext>
-            </a:extLst>
-          </p:cNvPr>
-          <p:cNvCxnSpPr>
-            <a:cxnSpLocks/>
-          </p:cNvCxnSpPr>
-          <p:nvPr/>
-        </p:nvCxnSpPr>
-        <p:spPr>
-          <a:xfrm flipH="1" flipV="1">
-            <a:off x="10384445" y="4978381"/>
-            <a:ext cx="1" cy="182387"/>
-          </a:xfrm>
-          <a:prstGeom prst="line">
-            <a:avLst/>
-          </a:prstGeom>
-          <a:ln w="38100">
-            <a:solidFill>
-              <a:schemeClr val="tx1"/>
-            </a:solidFill>
-            <a:prstDash val="sysDash"/>
-          </a:ln>
-        </p:spPr>
-        <p:style>
-          <a:lnRef idx="1">
-            <a:schemeClr val="accent1"/>
-          </a:lnRef>
-          <a:fillRef idx="0">
-            <a:schemeClr val="accent1"/>
-          </a:fillRef>
-          <a:effectRef idx="0">
-            <a:schemeClr val="accent1"/>
-          </a:effectRef>
-          <a:fontRef idx="minor">
-            <a:schemeClr val="tx1"/>
-          </a:fontRef>
-        </p:style>
-      </p:cxnSp>
-      <p:cxnSp>
-        <p:nvCxnSpPr>
-          <p:cNvPr id="133" name="Verbinder: gewinkelt 132">
-            <a:extLst>
-              <a:ext uri="{FF2B5EF4-FFF2-40B4-BE49-F238E27FC236}">
-                <a16:creationId xmlns:a16="http://schemas.microsoft.com/office/drawing/2014/main" id="{616FD4DD-772F-469F-B037-B8C5B0FD78C7}"/>
-              </a:ext>
-            </a:extLst>
-          </p:cNvPr>
-          <p:cNvCxnSpPr>
-            <a:cxnSpLocks/>
-            <a:endCxn id="109" idx="3"/>
-          </p:cNvCxnSpPr>
-          <p:nvPr/>
-        </p:nvCxnSpPr>
-        <p:spPr>
-          <a:xfrm rot="10800000" flipV="1">
-            <a:off x="8621264" y="3284983"/>
-            <a:ext cx="1683398" cy="149023"/>
-          </a:xfrm>
-          <a:prstGeom prst="bentConnector3">
-            <a:avLst>
-              <a:gd name="adj1" fmla="val 50000"/>
-            </a:avLst>
-          </a:prstGeom>
-          <a:ln w="38100">
-            <a:solidFill>
-              <a:schemeClr val="tx1"/>
-            </a:solidFill>
-            <a:prstDash val="sysDash"/>
-          </a:ln>
-        </p:spPr>
-        <p:style>
-          <a:lnRef idx="1">
-            <a:schemeClr val="accent1"/>
-          </a:lnRef>
-          <a:fillRef idx="0">
-            <a:schemeClr val="accent1"/>
-          </a:fillRef>
-          <a:effectRef idx="0">
-            <a:schemeClr val="accent1"/>
-          </a:effectRef>
-          <a:fontRef idx="minor">
-            <a:schemeClr val="tx1"/>
-          </a:fontRef>
-        </p:style>
-      </p:cxnSp>
-      <p:cxnSp>
-        <p:nvCxnSpPr>
-          <p:cNvPr id="136" name="Gerader Verbinder 135">
-            <a:extLst>
-              <a:ext uri="{FF2B5EF4-FFF2-40B4-BE49-F238E27FC236}">
-                <a16:creationId xmlns:a16="http://schemas.microsoft.com/office/drawing/2014/main" id="{02465DEB-D464-4B9B-B226-327FD060D420}"/>
-              </a:ext>
-            </a:extLst>
-          </p:cNvPr>
-          <p:cNvCxnSpPr>
-            <a:cxnSpLocks/>
-          </p:cNvCxnSpPr>
-          <p:nvPr/>
-        </p:nvCxnSpPr>
-        <p:spPr>
-          <a:xfrm flipH="1" flipV="1">
-            <a:off x="10282542" y="3271220"/>
-            <a:ext cx="1" cy="182387"/>
-          </a:xfrm>
-          <a:prstGeom prst="line">
-            <a:avLst/>
-          </a:prstGeom>
-          <a:ln w="38100">
-            <a:solidFill>
-              <a:schemeClr val="tx1"/>
-            </a:solidFill>
-            <a:prstDash val="sysDash"/>
-          </a:ln>
-        </p:spPr>
-        <p:style>
-          <a:lnRef idx="1">
-            <a:schemeClr val="accent1"/>
-          </a:lnRef>
-          <a:fillRef idx="0">
-            <a:schemeClr val="accent1"/>
-          </a:fillRef>
-          <a:effectRef idx="0">
-            <a:schemeClr val="accent1"/>
-          </a:effectRef>
-          <a:fontRef idx="minor">
-            <a:schemeClr val="tx1"/>
-          </a:fontRef>
-        </p:style>
-      </p:cxnSp>
-      <p:cxnSp>
-        <p:nvCxnSpPr>
-          <p:cNvPr id="137" name="Verbinder: gewinkelt 136">
-            <a:extLst>
-              <a:ext uri="{FF2B5EF4-FFF2-40B4-BE49-F238E27FC236}">
-                <a16:creationId xmlns:a16="http://schemas.microsoft.com/office/drawing/2014/main" id="{CFC8858C-7711-4DC7-A26E-FF3B4964EBB7}"/>
-              </a:ext>
-            </a:extLst>
-          </p:cNvPr>
-          <p:cNvCxnSpPr>
-            <a:cxnSpLocks/>
-            <a:endCxn id="99" idx="3"/>
-          </p:cNvCxnSpPr>
-          <p:nvPr/>
-        </p:nvCxnSpPr>
-        <p:spPr>
-          <a:xfrm rot="5400000">
-            <a:off x="7535642" y="3676559"/>
-            <a:ext cx="1025952" cy="814589"/>
-          </a:xfrm>
-          <a:prstGeom prst="bentConnector2">
-            <a:avLst/>
-          </a:prstGeom>
-          <a:ln w="38100">
-            <a:solidFill>
-              <a:schemeClr val="tx1"/>
-            </a:solidFill>
-            <a:prstDash val="sysDash"/>
-          </a:ln>
-        </p:spPr>
-        <p:style>
-          <a:lnRef idx="1">
-            <a:schemeClr val="accent1"/>
-          </a:lnRef>
-          <a:fillRef idx="0">
-            <a:schemeClr val="accent1"/>
-          </a:fillRef>
-          <a:effectRef idx="0">
-            <a:schemeClr val="accent1"/>
-          </a:effectRef>
-          <a:fontRef idx="minor">
-            <a:schemeClr val="tx1"/>
-          </a:fontRef>
-        </p:style>
-      </p:cxnSp>
-      <p:sp>
-        <p:nvSpPr>
-          <p:cNvPr id="73" name="Rechteck 72">
-            <a:extLst>
-              <a:ext uri="{FF2B5EF4-FFF2-40B4-BE49-F238E27FC236}">
-                <a16:creationId xmlns:a16="http://schemas.microsoft.com/office/drawing/2014/main" id="{A09EA2A2-23D7-4657-AA5B-0D885CDE1670}"/>
-              </a:ext>
-            </a:extLst>
-          </p:cNvPr>
-          <p:cNvSpPr/>
-          <p:nvPr/>
-        </p:nvSpPr>
-        <p:spPr>
-          <a:xfrm>
-            <a:off x="7766998" y="5000288"/>
-            <a:ext cx="628846" cy="251829"/>
-          </a:xfrm>
-          <a:prstGeom prst="rect">
-            <a:avLst/>
-          </a:prstGeom>
-          <a:solidFill>
-            <a:schemeClr val="accent4"/>
-          </a:solidFill>
-          <a:ln w="12700">
-            <a:solidFill>
-              <a:schemeClr val="tx1"/>
-            </a:solidFill>
-          </a:ln>
-        </p:spPr>
-        <p:style>
-          <a:lnRef idx="2">
-            <a:schemeClr val="accent1">
-              <a:shade val="50000"/>
-            </a:schemeClr>
-          </a:lnRef>
-          <a:fillRef idx="1">
-            <a:schemeClr val="accent1"/>
-          </a:fillRef>
-          <a:effectRef idx="0">
-            <a:schemeClr val="accent1"/>
-          </a:effectRef>
-          <a:fontRef idx="minor">
-            <a:schemeClr val="lt1"/>
-          </a:fontRef>
-        </p:style>
-        <p:txBody>
-          <a:bodyPr rtlCol="0" anchor="ctr"/>
-          <a:lstStyle/>
-          <a:p>
-            <a:pPr algn="ctr"/>
-            <a:endParaRPr lang="LID4096" dirty="0" err="1">
-              <a:solidFill>
-                <a:schemeClr val="tx1"/>
-              </a:solidFill>
-            </a:endParaRPr>
-          </a:p>
-        </p:txBody>
-      </p:sp>
-      <p:cxnSp>
-        <p:nvCxnSpPr>
-          <p:cNvPr id="74" name="Verbinder: gewinkelt 73">
-            <a:extLst>
-              <a:ext uri="{FF2B5EF4-FFF2-40B4-BE49-F238E27FC236}">
-                <a16:creationId xmlns:a16="http://schemas.microsoft.com/office/drawing/2014/main" id="{90620747-18AA-4922-9E7B-8A267CFC277B}"/>
-              </a:ext>
-            </a:extLst>
-          </p:cNvPr>
-          <p:cNvCxnSpPr>
-            <a:cxnSpLocks/>
-            <a:stCxn id="100" idx="1"/>
-            <a:endCxn id="73" idx="0"/>
-          </p:cNvCxnSpPr>
-          <p:nvPr/>
-        </p:nvCxnSpPr>
-        <p:spPr>
-          <a:xfrm rot="10800000" flipV="1">
-            <a:off x="8081422" y="4855174"/>
-            <a:ext cx="664277" cy="145113"/>
-          </a:xfrm>
-          <a:prstGeom prst="bentConnector2">
-            <a:avLst/>
-          </a:prstGeom>
-          <a:ln w="38100">
-            <a:solidFill>
-              <a:schemeClr val="tx1"/>
-            </a:solidFill>
-            <a:prstDash val="sysDash"/>
-          </a:ln>
-        </p:spPr>
-        <p:style>
-          <a:lnRef idx="1">
-            <a:schemeClr val="accent1"/>
-          </a:lnRef>
-          <a:fillRef idx="0">
-            <a:schemeClr val="accent1"/>
-          </a:fillRef>
-          <a:effectRef idx="0">
-            <a:schemeClr val="accent1"/>
-          </a:effectRef>
-          <a:fontRef idx="minor">
-            <a:schemeClr val="tx1"/>
-          </a:fontRef>
-        </p:style>
-      </p:cxnSp>
-      <p:cxnSp>
-        <p:nvCxnSpPr>
-          <p:cNvPr id="77" name="Verbinder: gewinkelt 76">
-            <a:extLst>
-              <a:ext uri="{FF2B5EF4-FFF2-40B4-BE49-F238E27FC236}">
-                <a16:creationId xmlns:a16="http://schemas.microsoft.com/office/drawing/2014/main" id="{92C19209-C0B4-4BF7-99E7-4D217696B2CD}"/>
-              </a:ext>
-            </a:extLst>
-          </p:cNvPr>
-          <p:cNvCxnSpPr>
-            <a:cxnSpLocks/>
-            <a:stCxn id="99" idx="2"/>
-          </p:cNvCxnSpPr>
-          <p:nvPr/>
-        </p:nvCxnSpPr>
-        <p:spPr>
-          <a:xfrm rot="16200000" flipH="1">
-            <a:off x="7479587" y="4671868"/>
-            <a:ext cx="286262" cy="370578"/>
-          </a:xfrm>
-          <a:prstGeom prst="bentConnector2">
-            <a:avLst/>
-          </a:prstGeom>
-          <a:ln w="38100">
-            <a:solidFill>
-              <a:schemeClr val="tx1"/>
-            </a:solidFill>
-            <a:prstDash val="sysDash"/>
-          </a:ln>
-        </p:spPr>
-        <p:style>
-          <a:lnRef idx="1">
-            <a:schemeClr val="accent1"/>
-          </a:lnRef>
-          <a:fillRef idx="0">
-            <a:schemeClr val="accent1"/>
-          </a:fillRef>
-          <a:effectRef idx="0">
-            <a:schemeClr val="accent1"/>
-          </a:effectRef>
-          <a:fontRef idx="minor">
-            <a:schemeClr val="tx1"/>
-          </a:fontRef>
-        </p:style>
-      </p:cxnSp>
-      <p:cxnSp>
-        <p:nvCxnSpPr>
-          <p:cNvPr id="81" name="Verbinder: gewinkelt 80">
-            <a:extLst>
-              <a:ext uri="{FF2B5EF4-FFF2-40B4-BE49-F238E27FC236}">
-                <a16:creationId xmlns:a16="http://schemas.microsoft.com/office/drawing/2014/main" id="{476B0370-5880-4860-A3A0-1C82523B6F4C}"/>
-              </a:ext>
-            </a:extLst>
-          </p:cNvPr>
-          <p:cNvCxnSpPr>
-            <a:cxnSpLocks/>
-            <a:stCxn id="100" idx="0"/>
-          </p:cNvCxnSpPr>
-          <p:nvPr/>
-        </p:nvCxnSpPr>
-        <p:spPr>
-          <a:xfrm rot="16200000" flipV="1">
-            <a:off x="8188347" y="3953575"/>
-            <a:ext cx="1098144" cy="355192"/>
-          </a:xfrm>
-          <a:prstGeom prst="bentConnector3">
-            <a:avLst>
-              <a:gd name="adj1" fmla="val 50000"/>
-            </a:avLst>
-          </a:prstGeom>
-          <a:ln w="38100">
-            <a:solidFill>
-              <a:schemeClr val="tx1"/>
-            </a:solidFill>
-            <a:prstDash val="sysDash"/>
-          </a:ln>
-        </p:spPr>
-        <p:style>
-          <a:lnRef idx="1">
-            <a:schemeClr val="accent1"/>
-          </a:lnRef>
-          <a:fillRef idx="0">
-            <a:schemeClr val="accent1"/>
-          </a:fillRef>
-          <a:effectRef idx="0">
-            <a:schemeClr val="accent1"/>
-          </a:effectRef>
-          <a:fontRef idx="minor">
-            <a:schemeClr val="tx1"/>
-          </a:fontRef>
-        </p:style>
-      </p:cxnSp>
-      <p:sp>
-        <p:nvSpPr>
-          <p:cNvPr id="2" name="Rechteck 1">
-            <a:extLst>
-              <a:ext uri="{FF2B5EF4-FFF2-40B4-BE49-F238E27FC236}">
-                <a16:creationId xmlns:a16="http://schemas.microsoft.com/office/drawing/2014/main" id="{D079D6FA-83BE-4CDF-9C38-BF4F3C776950}"/>
-              </a:ext>
-            </a:extLst>
-          </p:cNvPr>
-          <p:cNvSpPr/>
-          <p:nvPr/>
-        </p:nvSpPr>
-        <p:spPr>
-          <a:xfrm>
-            <a:off x="10601707" y="5995382"/>
-            <a:ext cx="953541" cy="326121"/>
-          </a:xfrm>
-          <a:prstGeom prst="rect">
-            <a:avLst/>
-          </a:prstGeom>
-          <a:solidFill>
-            <a:schemeClr val="bg1"/>
-          </a:solidFill>
-          <a:ln w="12700">
-            <a:solidFill>
-              <a:schemeClr val="bg1"/>
-            </a:solidFill>
-          </a:ln>
-        </p:spPr>
-        <p:style>
-          <a:lnRef idx="2">
-            <a:schemeClr val="accent1">
-              <a:shade val="50000"/>
-            </a:schemeClr>
-          </a:lnRef>
-          <a:fillRef idx="1">
-            <a:schemeClr val="accent1"/>
-          </a:fillRef>
-          <a:effectRef idx="0">
-            <a:schemeClr val="accent1"/>
-          </a:effectRef>
-          <a:fontRef idx="minor">
-            <a:schemeClr val="lt1"/>
-          </a:fontRef>
-        </p:style>
-        <p:txBody>
-          <a:bodyPr rtlCol="0" anchor="ctr"/>
-          <a:lstStyle/>
-          <a:p>
-            <a:pPr algn="ctr"/>
-            <a:endParaRPr lang="LID4096" dirty="0" err="1">
-              <a:solidFill>
-                <a:schemeClr val="tx1"/>
-              </a:solidFill>
-            </a:endParaRPr>
-          </a:p>
-        </p:txBody>
-      </p:sp>
-      <p:sp>
-        <p:nvSpPr>
-          <p:cNvPr id="70" name="Textfeld 69">
-            <a:extLst>
-              <a:ext uri="{FF2B5EF4-FFF2-40B4-BE49-F238E27FC236}">
-                <a16:creationId xmlns:a16="http://schemas.microsoft.com/office/drawing/2014/main" id="{630DEBB8-1050-46A1-89D3-903272DD7DEB}"/>
-              </a:ext>
-            </a:extLst>
-          </p:cNvPr>
-          <p:cNvSpPr txBox="1"/>
-          <p:nvPr/>
-        </p:nvSpPr>
-        <p:spPr>
-          <a:xfrm>
-            <a:off x="9810754" y="5982796"/>
-            <a:ext cx="1814471" cy="276999"/>
-          </a:xfrm>
-          <a:prstGeom prst="rect">
-            <a:avLst/>
-          </a:prstGeom>
-          <a:noFill/>
-        </p:spPr>
-        <p:txBody>
-          <a:bodyPr wrap="none" rtlCol="0">
-            <a:spAutoFit/>
-          </a:bodyPr>
-          <a:lstStyle/>
-          <a:p>
-            <a:r>
-              <a:rPr lang="de-DE" sz="1200" dirty="0"/>
-              <a:t>Quelle: ABC-colors.com</a:t>
-            </a:r>
+              <a:rPr lang="de-DE" dirty="0" smtClean="0"/>
+              <a:t>Rechenleistung von Autonomen Fahrzeugen für </a:t>
+            </a:r>
+            <a:r>
+              <a:rPr lang="de-DE" dirty="0" err="1" smtClean="0"/>
+              <a:t>Machine</a:t>
+            </a:r>
+            <a:r>
+              <a:rPr lang="de-DE" dirty="0" smtClean="0"/>
+              <a:t> Learning vergleichbar mit mehreren Rechenmodulen  in Cloud-Servern</a:t>
+            </a:r>
+            <a:endParaRPr lang="de-DE" dirty="0"/>
           </a:p>
         </p:txBody>
       </p:sp>
@@ -23453,13 +21207,7 @@
       </p:grpSpPr>
       <p:sp>
         <p:nvSpPr>
-          <p:cNvPr id="2" name="Titel 1">
-            <a:extLst>
-              <a:ext uri="{FF2B5EF4-FFF2-40B4-BE49-F238E27FC236}">
-                <a16:creationId xmlns:a16="http://schemas.microsoft.com/office/drawing/2014/main" id="{F1D97F02-E037-4D13-ADF6-C271BE10B178}"/>
-              </a:ext>
-            </a:extLst>
-          </p:cNvPr>
+          <p:cNvPr id="4" name="Titel 3"/>
           <p:cNvSpPr>
             <a:spLocks noGrp="1"/>
           </p:cNvSpPr>
@@ -23472,570 +21220,104 @@
           <a:bodyPr/>
           <a:lstStyle/>
           <a:p>
-            <a:r>
-              <a:rPr lang="de-DE" dirty="0"/>
-              <a:t>Modulare Energieverteilung im Bordnetz</a:t>
-            </a:r>
-            <a:endParaRPr lang="LID4096" dirty="0"/>
+            <a:endParaRPr lang="de-DE" dirty="0"/>
           </a:p>
         </p:txBody>
       </p:sp>
-      <p:sp>
-        <p:nvSpPr>
-          <p:cNvPr id="3" name="Inhaltsplatzhalter 2">
+      <p:pic>
+        <p:nvPicPr>
+          <p:cNvPr id="75" name="Grafik 74"/>
+          <p:cNvPicPr>
+            <a:picLocks noChangeAspect="1"/>
+          </p:cNvPicPr>
+          <p:nvPr/>
+        </p:nvPicPr>
+        <p:blipFill>
+          <a:blip r:embed="rId3" cstate="print">
             <a:extLst>
-              <a:ext uri="{FF2B5EF4-FFF2-40B4-BE49-F238E27FC236}">
-                <a16:creationId xmlns:a16="http://schemas.microsoft.com/office/drawing/2014/main" id="{5D6ACE34-F389-4C98-AD25-848E55158EF6}"/>
+              <a:ext uri="{28A0092B-C50C-407E-A947-70E740481C1C}">
+                <a14:useLocalDpi xmlns:a14="http://schemas.microsoft.com/office/drawing/2010/main" val="0"/>
               </a:ext>
             </a:extLst>
-          </p:cNvPr>
-          <p:cNvSpPr>
-            <a:spLocks noGrp="1"/>
-          </p:cNvSpPr>
-          <p:nvPr>
-            <p:ph idx="1"/>
-          </p:nvPr>
-        </p:nvSpPr>
+          </a:blip>
+          <a:stretch>
+            <a:fillRect/>
+          </a:stretch>
+        </p:blipFill>
         <p:spPr>
           <a:xfrm>
-            <a:off x="839513" y="1844824"/>
-            <a:ext cx="4825097" cy="3672408"/>
-          </a:xfrm>
-        </p:spPr>
-        <p:txBody>
-          <a:bodyPr/>
-          <a:lstStyle/>
-          <a:p>
-            <a:pPr marL="0" indent="0">
-              <a:buNone/>
-            </a:pPr>
-            <a:r>
-              <a:rPr lang="de-DE" b="1" dirty="0"/>
-              <a:t>„Handshake“ Prozess definieren:</a:t>
-            </a:r>
-          </a:p>
-          <a:p>
-            <a:pPr marL="0" indent="0">
-              <a:buNone/>
-            </a:pPr>
-            <a:r>
-              <a:rPr lang="de-DE" dirty="0"/>
-              <a:t>Art der Komponente:</a:t>
-            </a:r>
-          </a:p>
-          <a:p>
-            <a:pPr lvl="2"/>
-            <a:r>
-              <a:rPr lang="de-DE" dirty="0"/>
-              <a:t>Verbraucher:</a:t>
-            </a:r>
-          </a:p>
-          <a:p>
-            <a:pPr lvl="3"/>
-            <a:r>
-              <a:rPr lang="de-DE" dirty="0"/>
-              <a:t>Leistungsbedarf</a:t>
-            </a:r>
-          </a:p>
-          <a:p>
-            <a:pPr lvl="3"/>
-            <a:r>
-              <a:rPr lang="de-DE" dirty="0"/>
-              <a:t>Priorität</a:t>
-            </a:r>
-          </a:p>
-          <a:p>
-            <a:pPr lvl="2"/>
-            <a:r>
-              <a:rPr lang="de-DE" dirty="0"/>
-              <a:t>Quelle:</a:t>
-            </a:r>
-          </a:p>
-          <a:p>
-            <a:pPr lvl="3"/>
-            <a:r>
-              <a:rPr lang="de-DE" dirty="0"/>
-              <a:t>Maximale Leistungsabgabe</a:t>
-            </a:r>
-          </a:p>
-          <a:p>
-            <a:pPr lvl="3"/>
-            <a:r>
-              <a:rPr lang="de-DE" dirty="0"/>
-              <a:t>Maximale Dauerleistung</a:t>
-            </a:r>
-          </a:p>
-          <a:p>
-            <a:pPr lvl="3"/>
-            <a:r>
-              <a:rPr lang="de-DE" dirty="0"/>
-              <a:t>Effizienzkurve</a:t>
-            </a:r>
-          </a:p>
-          <a:p>
-            <a:pPr lvl="3"/>
-            <a:endParaRPr lang="LID4096" dirty="0"/>
-          </a:p>
-        </p:txBody>
-      </p:sp>
-      <p:sp>
-        <p:nvSpPr>
-          <p:cNvPr id="4" name="Inhaltsplatzhalter 2">
-            <a:extLst>
-              <a:ext uri="{FF2B5EF4-FFF2-40B4-BE49-F238E27FC236}">
-                <a16:creationId xmlns:a16="http://schemas.microsoft.com/office/drawing/2014/main" id="{404638D3-3EE6-47EE-821C-638AC2172DFC}"/>
-              </a:ext>
-            </a:extLst>
-          </p:cNvPr>
-          <p:cNvSpPr txBox="1">
-            <a:spLocks/>
-          </p:cNvSpPr>
-          <p:nvPr/>
-        </p:nvSpPr>
-        <p:spPr>
-          <a:xfrm>
-            <a:off x="6857896" y="1820686"/>
-            <a:ext cx="4825097" cy="3696546"/>
+            <a:off x="6240016" y="2204864"/>
+            <a:ext cx="5430252" cy="3600400"/>
           </a:xfrm>
           <a:prstGeom prst="rect">
             <a:avLst/>
           </a:prstGeom>
         </p:spPr>
-        <p:txBody>
-          <a:bodyPr vert="horz" lIns="0" tIns="0" rIns="0" bIns="0" rtlCol="0">
-            <a:noAutofit/>
-          </a:bodyPr>
-          <a:lstStyle>
-            <a:lvl1pPr marL="360000" indent="-360000" algn="l" defTabSz="914400" rtl="0" eaLnBrk="1" latinLnBrk="0" hangingPunct="1">
-              <a:spcBef>
-                <a:spcPts val="0"/>
-              </a:spcBef>
-              <a:spcAft>
-                <a:spcPts val="600"/>
-              </a:spcAft>
-              <a:buClr>
-                <a:schemeClr val="tx2"/>
-              </a:buClr>
-              <a:buFont typeface="Wingdings" pitchFamily="2" charset="2"/>
-              <a:buChar char="§"/>
-              <a:defRPr lang="de-DE" sz="1800" kern="1200">
-                <a:solidFill>
-                  <a:schemeClr val="tx1"/>
-                </a:solidFill>
-                <a:latin typeface="Arial" pitchFamily="34" charset="0"/>
-                <a:ea typeface="+mn-ea"/>
-                <a:cs typeface="Arial" pitchFamily="34" charset="0"/>
-              </a:defRPr>
-            </a:lvl1pPr>
-            <a:lvl2pPr marL="720000" indent="-360000" algn="l" defTabSz="914400" rtl="0" eaLnBrk="1" latinLnBrk="0" hangingPunct="1">
-              <a:spcBef>
-                <a:spcPts val="0"/>
-              </a:spcBef>
-              <a:spcAft>
-                <a:spcPts val="600"/>
-              </a:spcAft>
-              <a:buClr>
-                <a:schemeClr val="tx2"/>
-              </a:buClr>
-              <a:buFont typeface="Wingdings" pitchFamily="2" charset="2"/>
-              <a:buChar char="§"/>
-              <a:defRPr lang="de-DE" sz="1800" kern="1200">
-                <a:solidFill>
-                  <a:schemeClr val="tx1"/>
-                </a:solidFill>
-                <a:latin typeface="Arial" pitchFamily="34" charset="0"/>
-                <a:ea typeface="+mn-ea"/>
-                <a:cs typeface="Arial" pitchFamily="34" charset="0"/>
-              </a:defRPr>
-            </a:lvl2pPr>
-            <a:lvl3pPr marL="1080000" indent="-360000" algn="l" defTabSz="914400" rtl="0" eaLnBrk="1" latinLnBrk="0" hangingPunct="1">
-              <a:spcBef>
-                <a:spcPts val="0"/>
-              </a:spcBef>
-              <a:spcAft>
-                <a:spcPts val="600"/>
-              </a:spcAft>
-              <a:buClr>
-                <a:schemeClr val="tx2"/>
-              </a:buClr>
-              <a:buFont typeface="Wingdings" pitchFamily="2" charset="2"/>
-              <a:buChar char="§"/>
-              <a:defRPr lang="de-DE" sz="1800" kern="1200">
-                <a:solidFill>
-                  <a:schemeClr val="tx1"/>
-                </a:solidFill>
-                <a:latin typeface="Arial" pitchFamily="34" charset="0"/>
-                <a:ea typeface="+mn-ea"/>
-                <a:cs typeface="Arial" pitchFamily="34" charset="0"/>
-              </a:defRPr>
-            </a:lvl3pPr>
-            <a:lvl4pPr marL="1438275" indent="-360000" algn="l" defTabSz="914400" rtl="0" eaLnBrk="1" latinLnBrk="0" hangingPunct="1">
-              <a:spcBef>
-                <a:spcPts val="0"/>
-              </a:spcBef>
-              <a:spcAft>
-                <a:spcPts val="600"/>
-              </a:spcAft>
-              <a:buClr>
-                <a:schemeClr val="tx2"/>
-              </a:buClr>
-              <a:buFont typeface="Wingdings" pitchFamily="2" charset="2"/>
-              <a:buChar char="§"/>
-              <a:defRPr lang="de-DE" sz="1800" kern="1200">
-                <a:solidFill>
-                  <a:schemeClr val="tx1"/>
-                </a:solidFill>
-                <a:latin typeface="Arial" pitchFamily="34" charset="0"/>
-                <a:ea typeface="+mn-ea"/>
-                <a:cs typeface="Arial" pitchFamily="34" charset="0"/>
-              </a:defRPr>
-            </a:lvl4pPr>
-            <a:lvl5pPr marL="1800000" indent="-360000" algn="l" defTabSz="914400" rtl="0" eaLnBrk="1" latinLnBrk="0" hangingPunct="1">
-              <a:spcBef>
-                <a:spcPts val="0"/>
-              </a:spcBef>
-              <a:spcAft>
-                <a:spcPts val="600"/>
-              </a:spcAft>
-              <a:buClr>
-                <a:schemeClr val="tx2"/>
-              </a:buClr>
-              <a:buFont typeface="Wingdings" pitchFamily="2" charset="2"/>
-              <a:buChar char="§"/>
-              <a:defRPr lang="de-DE" sz="1800" kern="1200">
-                <a:solidFill>
-                  <a:schemeClr val="tx1"/>
-                </a:solidFill>
-                <a:latin typeface="Arial" pitchFamily="34" charset="0"/>
-                <a:ea typeface="+mn-ea"/>
-                <a:cs typeface="Arial" pitchFamily="34" charset="0"/>
-              </a:defRPr>
-            </a:lvl5pPr>
-            <a:lvl6pPr marL="2514600" indent="-228600" algn="l" defTabSz="914400" rtl="0" eaLnBrk="1" latinLnBrk="0" hangingPunct="1">
-              <a:spcBef>
-                <a:spcPct val="20000"/>
-              </a:spcBef>
-              <a:buFont typeface="Arial" pitchFamily="34" charset="0"/>
-              <a:buChar char="•"/>
-              <a:defRPr sz="2000" kern="1200">
-                <a:solidFill>
-                  <a:schemeClr val="tx1"/>
-                </a:solidFill>
-                <a:latin typeface="+mn-lt"/>
-                <a:ea typeface="+mn-ea"/>
-                <a:cs typeface="+mn-cs"/>
-              </a:defRPr>
-            </a:lvl6pPr>
-            <a:lvl7pPr marL="2971800" indent="-228600" algn="l" defTabSz="914400" rtl="0" eaLnBrk="1" latinLnBrk="0" hangingPunct="1">
-              <a:spcBef>
-                <a:spcPct val="20000"/>
-              </a:spcBef>
-              <a:buFont typeface="Arial" pitchFamily="34" charset="0"/>
-              <a:buChar char="•"/>
-              <a:defRPr sz="2000" kern="1200">
-                <a:solidFill>
-                  <a:schemeClr val="tx1"/>
-                </a:solidFill>
-                <a:latin typeface="+mn-lt"/>
-                <a:ea typeface="+mn-ea"/>
-                <a:cs typeface="+mn-cs"/>
-              </a:defRPr>
-            </a:lvl7pPr>
-            <a:lvl8pPr marL="3429000" indent="-228600" algn="l" defTabSz="914400" rtl="0" eaLnBrk="1" latinLnBrk="0" hangingPunct="1">
-              <a:spcBef>
-                <a:spcPct val="20000"/>
-              </a:spcBef>
-              <a:buFont typeface="Arial" pitchFamily="34" charset="0"/>
-              <a:buChar char="•"/>
-              <a:defRPr sz="2000" kern="1200">
-                <a:solidFill>
-                  <a:schemeClr val="tx1"/>
-                </a:solidFill>
-                <a:latin typeface="+mn-lt"/>
-                <a:ea typeface="+mn-ea"/>
-                <a:cs typeface="+mn-cs"/>
-              </a:defRPr>
-            </a:lvl8pPr>
-            <a:lvl9pPr marL="3886200" indent="-228600" algn="l" defTabSz="914400" rtl="0" eaLnBrk="1" latinLnBrk="0" hangingPunct="1">
-              <a:spcBef>
-                <a:spcPct val="20000"/>
-              </a:spcBef>
-              <a:buFont typeface="Arial" pitchFamily="34" charset="0"/>
-              <a:buChar char="•"/>
-              <a:defRPr sz="2000" kern="1200">
-                <a:solidFill>
-                  <a:schemeClr val="tx1"/>
-                </a:solidFill>
-                <a:latin typeface="+mn-lt"/>
-                <a:ea typeface="+mn-ea"/>
-                <a:cs typeface="+mn-cs"/>
-              </a:defRPr>
-            </a:lvl9pPr>
-          </a:lstStyle>
-          <a:p>
-            <a:pPr marL="0" indent="0">
-              <a:buNone/>
-            </a:pPr>
-            <a:r>
-              <a:rPr lang="de-DE" b="1" dirty="0"/>
-              <a:t>Informationsaustausch zur Laufzeit:</a:t>
-            </a:r>
-          </a:p>
-          <a:p>
-            <a:pPr marL="0" indent="0">
-              <a:buNone/>
-            </a:pPr>
-            <a:r>
-              <a:rPr lang="de-DE" dirty="0"/>
-              <a:t>Art der Komponente:</a:t>
-            </a:r>
-          </a:p>
-          <a:p>
-            <a:pPr lvl="2"/>
-            <a:r>
-              <a:rPr lang="de-DE" dirty="0"/>
-              <a:t>Verbraucher:</a:t>
-            </a:r>
-          </a:p>
-          <a:p>
-            <a:pPr lvl="3"/>
-            <a:r>
-              <a:rPr lang="de-DE" dirty="0"/>
-              <a:t>Stromverbrauch</a:t>
-            </a:r>
-          </a:p>
-          <a:p>
-            <a:pPr lvl="3"/>
-            <a:r>
-              <a:rPr lang="de-DE" dirty="0"/>
-              <a:t>Spannung</a:t>
-            </a:r>
-          </a:p>
-          <a:p>
-            <a:pPr lvl="3"/>
-            <a:r>
-              <a:rPr lang="de-DE" dirty="0" smtClean="0"/>
-              <a:t>Aktiv/Inaktiv</a:t>
-            </a:r>
-          </a:p>
-          <a:p>
-            <a:pPr lvl="3"/>
-            <a:r>
-              <a:rPr lang="de-DE" dirty="0" smtClean="0"/>
-              <a:t>Fehlerstatus</a:t>
-            </a:r>
-            <a:endParaRPr lang="de-DE" dirty="0"/>
-          </a:p>
-          <a:p>
-            <a:pPr lvl="2"/>
-            <a:r>
-              <a:rPr lang="de-DE" dirty="0"/>
-              <a:t>Quelle:</a:t>
-            </a:r>
-          </a:p>
-          <a:p>
-            <a:pPr lvl="3"/>
-            <a:r>
-              <a:rPr lang="de-DE" dirty="0"/>
-              <a:t>Spannung</a:t>
-            </a:r>
-          </a:p>
-          <a:p>
-            <a:pPr lvl="3"/>
-            <a:r>
-              <a:rPr lang="de-DE" dirty="0"/>
-              <a:t>Aktueller Strom</a:t>
-            </a:r>
-          </a:p>
-          <a:p>
-            <a:pPr lvl="3"/>
-            <a:r>
-              <a:rPr lang="de-DE" dirty="0" smtClean="0"/>
-              <a:t>Aktiv/Inaktiv</a:t>
-            </a:r>
-          </a:p>
-          <a:p>
-            <a:pPr lvl="3"/>
-            <a:r>
-              <a:rPr lang="de-DE" dirty="0" smtClean="0"/>
-              <a:t>Fehlerstatus</a:t>
-            </a:r>
-            <a:endParaRPr lang="de-DE" dirty="0"/>
-          </a:p>
-          <a:p>
-            <a:pPr lvl="3"/>
-            <a:endParaRPr lang="de-DE" dirty="0"/>
-          </a:p>
-        </p:txBody>
-      </p:sp>
-      <p:sp>
-        <p:nvSpPr>
-          <p:cNvPr id="5" name="Textfeld 4">
+      </p:pic>
+      <p:pic>
+        <p:nvPicPr>
+          <p:cNvPr id="2" name="Grafik 1"/>
+          <p:cNvPicPr>
+            <a:picLocks noChangeAspect="1"/>
+          </p:cNvPicPr>
+          <p:nvPr/>
+        </p:nvPicPr>
+        <p:blipFill>
+          <a:blip r:embed="rId4" cstate="print">
             <a:extLst>
-              <a:ext uri="{FF2B5EF4-FFF2-40B4-BE49-F238E27FC236}">
-                <a16:creationId xmlns:a16="http://schemas.microsoft.com/office/drawing/2014/main" id="{CCB560E6-627C-488C-9FD4-0933878C7540}"/>
+              <a:ext uri="{28A0092B-C50C-407E-A947-70E740481C1C}">
+                <a14:useLocalDpi xmlns:a14="http://schemas.microsoft.com/office/drawing/2010/main" val="0"/>
               </a:ext>
             </a:extLst>
-          </p:cNvPr>
-          <p:cNvSpPr txBox="1"/>
-          <p:nvPr/>
-        </p:nvSpPr>
+          </a:blip>
+          <a:stretch>
+            <a:fillRect/>
+          </a:stretch>
+        </p:blipFill>
         <p:spPr>
           <a:xfrm>
-            <a:off x="240164" y="732848"/>
-            <a:ext cx="7237879" cy="369332"/>
+            <a:off x="3935760" y="4149080"/>
+            <a:ext cx="1009696" cy="1009696"/>
           </a:xfrm>
           <a:prstGeom prst="rect">
             <a:avLst/>
           </a:prstGeom>
-          <a:noFill/>
         </p:spPr>
-        <p:txBody>
-          <a:bodyPr wrap="none" rtlCol="0">
-            <a:spAutoFit/>
-          </a:bodyPr>
-          <a:lstStyle/>
-          <a:p>
-            <a:r>
-              <a:rPr lang="de-DE" b="1" dirty="0" smtClean="0">
-                <a:solidFill>
-                  <a:schemeClr val="bg2"/>
-                </a:solidFill>
-              </a:rPr>
-              <a:t>Software: Definition </a:t>
-            </a:r>
-            <a:r>
-              <a:rPr lang="de-DE" b="1" dirty="0">
-                <a:solidFill>
-                  <a:schemeClr val="bg2"/>
-                </a:solidFill>
-              </a:rPr>
-              <a:t>der Kommunikation zwischen Komponenten</a:t>
-            </a:r>
-            <a:endParaRPr lang="LID4096" b="1" dirty="0">
-              <a:solidFill>
-                <a:schemeClr val="bg2"/>
-              </a:solidFill>
-            </a:endParaRPr>
-          </a:p>
-        </p:txBody>
-      </p:sp>
-      <p:sp>
-        <p:nvSpPr>
-          <p:cNvPr id="6" name="Rechteck 5">
+      </p:pic>
+      <p:pic>
+        <p:nvPicPr>
+          <p:cNvPr id="3" name="Grafik 2"/>
+          <p:cNvPicPr>
+            <a:picLocks noChangeAspect="1"/>
+          </p:cNvPicPr>
+          <p:nvPr/>
+        </p:nvPicPr>
+        <p:blipFill>
+          <a:blip r:embed="rId5" cstate="print">
             <a:extLst>
-              <a:ext uri="{FF2B5EF4-FFF2-40B4-BE49-F238E27FC236}">
-                <a16:creationId xmlns:a16="http://schemas.microsoft.com/office/drawing/2014/main" id="{F7DCC0EA-A612-41CB-B750-245A0C90D6CC}"/>
+              <a:ext uri="{28A0092B-C50C-407E-A947-70E740481C1C}">
+                <a14:useLocalDpi xmlns:a14="http://schemas.microsoft.com/office/drawing/2010/main" val="0"/>
               </a:ext>
             </a:extLst>
-          </p:cNvPr>
-          <p:cNvSpPr/>
-          <p:nvPr/>
-        </p:nvSpPr>
+          </a:blip>
+          <a:stretch>
+            <a:fillRect/>
+          </a:stretch>
+        </p:blipFill>
         <p:spPr>
           <a:xfrm>
-            <a:off x="618084" y="1556792"/>
-            <a:ext cx="5063748" cy="4608512"/>
+            <a:off x="2357302" y="3994111"/>
+            <a:ext cx="945653" cy="945653"/>
           </a:xfrm>
           <a:prstGeom prst="rect">
             <a:avLst/>
           </a:prstGeom>
-          <a:noFill/>
-          <a:ln w="12700">
-            <a:solidFill>
-              <a:schemeClr val="tx1"/>
-            </a:solidFill>
-          </a:ln>
         </p:spPr>
-        <p:style>
-          <a:lnRef idx="2">
-            <a:schemeClr val="accent1">
-              <a:shade val="50000"/>
-            </a:schemeClr>
-          </a:lnRef>
-          <a:fillRef idx="1">
-            <a:schemeClr val="accent1"/>
-          </a:fillRef>
-          <a:effectRef idx="0">
-            <a:schemeClr val="accent1"/>
-          </a:effectRef>
-          <a:fontRef idx="minor">
-            <a:schemeClr val="lt1"/>
-          </a:fontRef>
-        </p:style>
-        <p:txBody>
-          <a:bodyPr rtlCol="0" anchor="ctr"/>
-          <a:lstStyle/>
-          <a:p>
-            <a:pPr algn="ctr"/>
-            <a:endParaRPr lang="LID4096" dirty="0" err="1">
-              <a:solidFill>
-                <a:schemeClr val="tx1"/>
-              </a:solidFill>
-            </a:endParaRPr>
-          </a:p>
-        </p:txBody>
-      </p:sp>
-      <p:sp>
-        <p:nvSpPr>
-          <p:cNvPr id="7" name="Rechteck 6">
-            <a:extLst>
-              <a:ext uri="{FF2B5EF4-FFF2-40B4-BE49-F238E27FC236}">
-                <a16:creationId xmlns:a16="http://schemas.microsoft.com/office/drawing/2014/main" id="{465535DD-BB45-42D3-BE66-C5F4498DE5F1}"/>
-              </a:ext>
-            </a:extLst>
-          </p:cNvPr>
-          <p:cNvSpPr/>
-          <p:nvPr/>
-        </p:nvSpPr>
-        <p:spPr>
-          <a:xfrm>
-            <a:off x="6586925" y="1556792"/>
-            <a:ext cx="5063748" cy="4608512"/>
-          </a:xfrm>
-          <a:prstGeom prst="rect">
-            <a:avLst/>
-          </a:prstGeom>
-          <a:noFill/>
-          <a:ln w="12700">
-            <a:solidFill>
-              <a:schemeClr val="tx1"/>
-            </a:solidFill>
-          </a:ln>
-        </p:spPr>
-        <p:style>
-          <a:lnRef idx="2">
-            <a:schemeClr val="accent1">
-              <a:shade val="50000"/>
-            </a:schemeClr>
-          </a:lnRef>
-          <a:fillRef idx="1">
-            <a:schemeClr val="accent1"/>
-          </a:fillRef>
-          <a:effectRef idx="0">
-            <a:schemeClr val="accent1"/>
-          </a:effectRef>
-          <a:fontRef idx="minor">
-            <a:schemeClr val="lt1"/>
-          </a:fontRef>
-        </p:style>
-        <p:txBody>
-          <a:bodyPr rtlCol="0" anchor="ctr"/>
-          <a:lstStyle/>
-          <a:p>
-            <a:pPr algn="ctr"/>
-            <a:endParaRPr lang="LID4096" dirty="0" err="1">
-              <a:solidFill>
-                <a:schemeClr val="tx1"/>
-              </a:solidFill>
-            </a:endParaRPr>
-          </a:p>
-        </p:txBody>
-      </p:sp>
+      </p:pic>
     </p:spTree>
     <p:extLst>
       <p:ext uri="{BB962C8B-B14F-4D97-AF65-F5344CB8AC3E}">
-        <p14:creationId xmlns:p14="http://schemas.microsoft.com/office/powerpoint/2010/main" val="943402987"/>
+        <p14:creationId xmlns:p14="http://schemas.microsoft.com/office/powerpoint/2010/main" val="4189684548"/>
       </p:ext>
     </p:extLst>
   </p:cSld>
@@ -24071,129 +21353,7 @@
       </p:grpSpPr>
       <p:sp>
         <p:nvSpPr>
-          <p:cNvPr id="9" name="Rechteck 8">
-            <a:extLst>
-              <a:ext uri="{FF2B5EF4-FFF2-40B4-BE49-F238E27FC236}">
-                <a16:creationId xmlns:a16="http://schemas.microsoft.com/office/drawing/2014/main" id="{F277F89F-5F30-42F5-B3CB-33B8E0A28207}"/>
-              </a:ext>
-            </a:extLst>
-          </p:cNvPr>
-          <p:cNvSpPr/>
-          <p:nvPr/>
-        </p:nvSpPr>
-        <p:spPr>
-          <a:xfrm>
-            <a:off x="4439815" y="4042891"/>
-            <a:ext cx="5544617" cy="1440160"/>
-          </a:xfrm>
-          <a:prstGeom prst="rect">
-            <a:avLst/>
-          </a:prstGeom>
-          <a:solidFill>
-            <a:schemeClr val="accent6">
-              <a:lumMod val="20000"/>
-              <a:lumOff val="80000"/>
-            </a:schemeClr>
-          </a:solidFill>
-          <a:ln w="12700">
-            <a:solidFill>
-              <a:schemeClr val="tx1"/>
-            </a:solidFill>
-          </a:ln>
-        </p:spPr>
-        <p:style>
-          <a:lnRef idx="2">
-            <a:schemeClr val="accent1">
-              <a:shade val="50000"/>
-            </a:schemeClr>
-          </a:lnRef>
-          <a:fillRef idx="1">
-            <a:schemeClr val="accent1"/>
-          </a:fillRef>
-          <a:effectRef idx="0">
-            <a:schemeClr val="accent1"/>
-          </a:effectRef>
-          <a:fontRef idx="minor">
-            <a:schemeClr val="lt1"/>
-          </a:fontRef>
-        </p:style>
-        <p:txBody>
-          <a:bodyPr rtlCol="0" anchor="ctr"/>
-          <a:lstStyle/>
-          <a:p>
-            <a:pPr algn="ctr"/>
-            <a:endParaRPr lang="LID4096" dirty="0" err="1">
-              <a:solidFill>
-                <a:schemeClr val="tx1"/>
-              </a:solidFill>
-            </a:endParaRPr>
-          </a:p>
-        </p:txBody>
-      </p:sp>
-      <p:sp>
-        <p:nvSpPr>
-          <p:cNvPr id="7" name="Rechteck 6">
-            <a:extLst>
-              <a:ext uri="{FF2B5EF4-FFF2-40B4-BE49-F238E27FC236}">
-                <a16:creationId xmlns:a16="http://schemas.microsoft.com/office/drawing/2014/main" id="{F8F4ACC7-40F2-4F49-9E42-03FA09E3AB1C}"/>
-              </a:ext>
-            </a:extLst>
-          </p:cNvPr>
-          <p:cNvSpPr/>
-          <p:nvPr/>
-        </p:nvSpPr>
-        <p:spPr>
-          <a:xfrm>
-            <a:off x="4439816" y="1237476"/>
-            <a:ext cx="5544617" cy="2088232"/>
-          </a:xfrm>
-          <a:prstGeom prst="rect">
-            <a:avLst/>
-          </a:prstGeom>
-          <a:solidFill>
-            <a:schemeClr val="accent5">
-              <a:lumMod val="20000"/>
-              <a:lumOff val="80000"/>
-            </a:schemeClr>
-          </a:solidFill>
-          <a:ln w="12700">
-            <a:solidFill>
-              <a:schemeClr val="tx1"/>
-            </a:solidFill>
-          </a:ln>
-        </p:spPr>
-        <p:style>
-          <a:lnRef idx="2">
-            <a:schemeClr val="accent1">
-              <a:shade val="50000"/>
-            </a:schemeClr>
-          </a:lnRef>
-          <a:fillRef idx="1">
-            <a:schemeClr val="accent1"/>
-          </a:fillRef>
-          <a:effectRef idx="0">
-            <a:schemeClr val="accent1"/>
-          </a:effectRef>
-          <a:fontRef idx="minor">
-            <a:schemeClr val="lt1"/>
-          </a:fontRef>
-        </p:style>
-        <p:txBody>
-          <a:bodyPr rtlCol="0" anchor="ctr"/>
-          <a:lstStyle/>
-          <a:p>
-            <a:pPr algn="ctr"/>
-            <a:endParaRPr lang="LID4096" dirty="0" err="1">
-              <a:solidFill>
-                <a:schemeClr val="tx1"/>
-              </a:solidFill>
-            </a:endParaRPr>
-          </a:p>
-        </p:txBody>
-      </p:sp>
-      <p:sp>
-        <p:nvSpPr>
-          <p:cNvPr id="2" name="Titel 1"/>
+          <p:cNvPr id="4" name="Titel 3"/>
           <p:cNvSpPr>
             <a:spLocks noGrp="1"/>
           </p:cNvSpPr>
@@ -24206,298 +21366,1075 @@
           <a:bodyPr/>
           <a:lstStyle/>
           <a:p>
-            <a:r>
-              <a:rPr lang="de-DE" dirty="0"/>
-              <a:t>Modulare Energieverteilung im Bordnetz</a:t>
-            </a:r>
-            <a:endParaRPr lang="de-DE" sz="1800" b="0" dirty="0"/>
+            <a:endParaRPr lang="de-DE" dirty="0"/>
           </a:p>
         </p:txBody>
       </p:sp>
-      <p:sp>
-        <p:nvSpPr>
-          <p:cNvPr id="6" name="Textfeld 5">
-            <a:extLst>
-              <a:ext uri="{FF2B5EF4-FFF2-40B4-BE49-F238E27FC236}">
-                <a16:creationId xmlns:a16="http://schemas.microsoft.com/office/drawing/2014/main" id="{57A8FCBB-0E4B-4062-8585-092176D9D3F8}"/>
-              </a:ext>
-            </a:extLst>
-          </p:cNvPr>
-          <p:cNvSpPr txBox="1"/>
+      <p:cxnSp>
+        <p:nvCxnSpPr>
+          <p:cNvPr id="6" name="Gerader Verbinder 5"/>
+          <p:cNvCxnSpPr/>
           <p:nvPr/>
-        </p:nvSpPr>
+        </p:nvCxnSpPr>
         <p:spPr>
           <a:xfrm>
-            <a:off x="4726799" y="1344226"/>
-            <a:ext cx="5256584" cy="2308324"/>
+            <a:off x="4726799" y="6381328"/>
+            <a:ext cx="6841809" cy="0"/>
           </a:xfrm>
-          <a:prstGeom prst="rect">
+          <a:prstGeom prst="line">
             <a:avLst/>
           </a:prstGeom>
-          <a:noFill/>
-        </p:spPr>
-        <p:txBody>
-          <a:bodyPr wrap="square" rtlCol="0">
-            <a:spAutoFit/>
-          </a:bodyPr>
-          <a:lstStyle/>
-          <a:p>
-            <a:r>
-              <a:rPr lang="de-DE" sz="1400" dirty="0"/>
-              <a:t>Verbraucher und Quellen melden sich beim Zentralsteuergerät mit Energiebedarf/Leistung und Priorität an</a:t>
-            </a:r>
-          </a:p>
-          <a:p>
-            <a:endParaRPr lang="de-DE" sz="1400" dirty="0"/>
-          </a:p>
-          <a:p>
-            <a:r>
-              <a:rPr lang="de-DE" sz="1400" dirty="0"/>
-              <a:t>Quellen melden sich mit Effizienzprofil beim Zentralsteuergerät an</a:t>
-            </a:r>
-          </a:p>
-          <a:p>
-            <a:endParaRPr lang="de-DE" sz="1400" dirty="0"/>
-          </a:p>
-          <a:p>
-            <a:r>
-              <a:rPr lang="de-DE" sz="1400" dirty="0"/>
-              <a:t>Zentralsteuergerät warnt wenn nicht genug Energie zur Verfügung gestellt werden kann</a:t>
-            </a:r>
-          </a:p>
-          <a:p>
-            <a:endParaRPr lang="de-DE" sz="1400" dirty="0"/>
-          </a:p>
-          <a:p>
-            <a:endParaRPr lang="LID4096" dirty="0"/>
-          </a:p>
-        </p:txBody>
-      </p:sp>
-      <p:sp>
-        <p:nvSpPr>
-          <p:cNvPr id="8" name="Textfeld 7">
-            <a:extLst>
-              <a:ext uri="{FF2B5EF4-FFF2-40B4-BE49-F238E27FC236}">
-                <a16:creationId xmlns:a16="http://schemas.microsoft.com/office/drawing/2014/main" id="{CEA0A5F0-126D-4266-BCD7-C92538FA38D6}"/>
-              </a:ext>
-            </a:extLst>
-          </p:cNvPr>
-          <p:cNvSpPr txBox="1"/>
-          <p:nvPr/>
-        </p:nvSpPr>
-        <p:spPr>
-          <a:xfrm>
-            <a:off x="4727849" y="4161894"/>
-            <a:ext cx="5256584" cy="1446550"/>
-          </a:xfrm>
-          <a:prstGeom prst="rect">
-            <a:avLst/>
-          </a:prstGeom>
-          <a:noFill/>
-        </p:spPr>
-        <p:txBody>
-          <a:bodyPr wrap="square" rtlCol="0">
-            <a:spAutoFit/>
-          </a:bodyPr>
-          <a:lstStyle/>
-          <a:p>
-            <a:r>
-              <a:rPr lang="de-DE" sz="1400" dirty="0"/>
-              <a:t>Im Betrieb werden Lasten zwischen Quellen so verteilt dass die maximale Effizienz erreicht wird</a:t>
-            </a:r>
-          </a:p>
-          <a:p>
-            <a:endParaRPr lang="de-DE" sz="1400" dirty="0"/>
-          </a:p>
-          <a:p>
-            <a:r>
-              <a:rPr lang="de-DE" sz="1400" dirty="0"/>
-              <a:t>Im Überlastung/Fehlerfall werden Verbraucher mit niedrigsten Prioritäten abgeschaltet</a:t>
-            </a:r>
-          </a:p>
-          <a:p>
-            <a:endParaRPr lang="LID4096" dirty="0"/>
-          </a:p>
-        </p:txBody>
-      </p:sp>
-      <p:sp>
-        <p:nvSpPr>
-          <p:cNvPr id="12" name="Textfeld 11">
-            <a:extLst>
-              <a:ext uri="{FF2B5EF4-FFF2-40B4-BE49-F238E27FC236}">
-                <a16:creationId xmlns:a16="http://schemas.microsoft.com/office/drawing/2014/main" id="{75E4FEE4-247E-4C3D-B6F4-0B9856A9984F}"/>
-              </a:ext>
-            </a:extLst>
-          </p:cNvPr>
-          <p:cNvSpPr txBox="1"/>
-          <p:nvPr/>
-        </p:nvSpPr>
-        <p:spPr>
-          <a:xfrm>
-            <a:off x="982908" y="1758514"/>
-            <a:ext cx="3600400" cy="646331"/>
-          </a:xfrm>
-          <a:prstGeom prst="rect">
-            <a:avLst/>
-          </a:prstGeom>
-          <a:noFill/>
-        </p:spPr>
-        <p:txBody>
-          <a:bodyPr wrap="square" rtlCol="0">
-            <a:spAutoFit/>
-          </a:bodyPr>
-          <a:lstStyle/>
-          <a:p>
-            <a:r>
-              <a:rPr lang="de-DE" b="1" dirty="0"/>
-              <a:t>Anschluss neuer Komponente/Start</a:t>
-            </a:r>
-            <a:endParaRPr lang="LID4096" b="1" dirty="0"/>
-          </a:p>
-        </p:txBody>
-      </p:sp>
-      <p:sp>
-        <p:nvSpPr>
-          <p:cNvPr id="13" name="Textfeld 12">
-            <a:extLst>
-              <a:ext uri="{FF2B5EF4-FFF2-40B4-BE49-F238E27FC236}">
-                <a16:creationId xmlns:a16="http://schemas.microsoft.com/office/drawing/2014/main" id="{F5AFD970-FC9E-439D-8C1E-5D7E1FA574C6}"/>
-              </a:ext>
-            </a:extLst>
-          </p:cNvPr>
-          <p:cNvSpPr txBox="1"/>
-          <p:nvPr/>
-        </p:nvSpPr>
-        <p:spPr>
-          <a:xfrm>
-            <a:off x="1343472" y="4578305"/>
-            <a:ext cx="3600400" cy="369332"/>
-          </a:xfrm>
-          <a:prstGeom prst="rect">
-            <a:avLst/>
-          </a:prstGeom>
-          <a:noFill/>
-        </p:spPr>
-        <p:txBody>
-          <a:bodyPr wrap="square" rtlCol="0">
-            <a:spAutoFit/>
-          </a:bodyPr>
-          <a:lstStyle/>
-          <a:p>
-            <a:r>
-              <a:rPr lang="de-DE" b="1" dirty="0"/>
-              <a:t>Im Betrieb</a:t>
-            </a:r>
-            <a:endParaRPr lang="LID4096" b="1" dirty="0"/>
-          </a:p>
-        </p:txBody>
-      </p:sp>
-      <p:sp>
-        <p:nvSpPr>
-          <p:cNvPr id="16" name="Textfeld 15">
-            <a:extLst>
-              <a:ext uri="{FF2B5EF4-FFF2-40B4-BE49-F238E27FC236}">
-                <a16:creationId xmlns:a16="http://schemas.microsoft.com/office/drawing/2014/main" id="{7128578B-05C5-49B5-93BE-DE64FB9E88B8}"/>
-              </a:ext>
-            </a:extLst>
-          </p:cNvPr>
-          <p:cNvSpPr txBox="1"/>
-          <p:nvPr/>
-        </p:nvSpPr>
-        <p:spPr>
-          <a:xfrm>
-            <a:off x="240164" y="732848"/>
-            <a:ext cx="2544286" cy="369332"/>
-          </a:xfrm>
-          <a:prstGeom prst="rect">
-            <a:avLst/>
-          </a:prstGeom>
-          <a:noFill/>
-        </p:spPr>
-        <p:txBody>
-          <a:bodyPr wrap="none" rtlCol="0">
-            <a:spAutoFit/>
-          </a:bodyPr>
-          <a:lstStyle/>
-          <a:p>
-            <a:r>
-              <a:rPr lang="de-DE" b="1" dirty="0" smtClean="0">
-                <a:solidFill>
-                  <a:schemeClr val="bg2"/>
-                </a:solidFill>
-              </a:rPr>
-              <a:t>Software: Funktionen</a:t>
-            </a:r>
-            <a:endParaRPr lang="LID4096" b="1" dirty="0">
-              <a:solidFill>
-                <a:schemeClr val="bg2"/>
-              </a:solidFill>
-            </a:endParaRPr>
-          </a:p>
-        </p:txBody>
-      </p:sp>
-      <p:sp>
-        <p:nvSpPr>
-          <p:cNvPr id="3" name="Pfeil: nach unten 2">
-            <a:extLst>
-              <a:ext uri="{FF2B5EF4-FFF2-40B4-BE49-F238E27FC236}">
-                <a16:creationId xmlns:a16="http://schemas.microsoft.com/office/drawing/2014/main" id="{28E65867-5587-439B-AB75-6C785B96E2E4}"/>
-              </a:ext>
-            </a:extLst>
-          </p:cNvPr>
-          <p:cNvSpPr/>
-          <p:nvPr/>
-        </p:nvSpPr>
-        <p:spPr>
-          <a:xfrm>
-            <a:off x="6852083" y="3397703"/>
-            <a:ext cx="720080" cy="613891"/>
-          </a:xfrm>
-          <a:prstGeom prst="downArrow">
-            <a:avLst/>
-          </a:prstGeom>
-          <a:solidFill>
-            <a:schemeClr val="tx1"/>
-          </a:solidFill>
-          <a:ln w="12700">
-            <a:solidFill>
-              <a:schemeClr val="tx1"/>
-            </a:solidFill>
-          </a:ln>
         </p:spPr>
         <p:style>
-          <a:lnRef idx="2">
-            <a:schemeClr val="accent1">
-              <a:shade val="50000"/>
-            </a:schemeClr>
+          <a:lnRef idx="1">
+            <a:schemeClr val="accent1"/>
           </a:lnRef>
-          <a:fillRef idx="1">
+          <a:fillRef idx="0">
             <a:schemeClr val="accent1"/>
           </a:fillRef>
           <a:effectRef idx="0">
             <a:schemeClr val="accent1"/>
           </a:effectRef>
           <a:fontRef idx="minor">
-            <a:schemeClr val="lt1"/>
+            <a:schemeClr val="tx1"/>
           </a:fontRef>
         </p:style>
-        <p:txBody>
-          <a:bodyPr rtlCol="0" anchor="ctr"/>
-          <a:lstStyle/>
-          <a:p>
-            <a:pPr algn="ctr"/>
-            <a:endParaRPr lang="LID4096" dirty="0" err="1">
-              <a:solidFill>
-                <a:schemeClr val="tx1"/>
-              </a:solidFill>
-            </a:endParaRPr>
-          </a:p>
-        </p:txBody>
-      </p:sp>
+      </p:cxnSp>
+      <p:pic>
+        <p:nvPicPr>
+          <p:cNvPr id="7" name="Grafik 6"/>
+          <p:cNvPicPr>
+            <a:picLocks noChangeAspect="1"/>
+          </p:cNvPicPr>
+          <p:nvPr/>
+        </p:nvPicPr>
+        <p:blipFill>
+          <a:blip r:embed="rId3" cstate="print">
+            <a:extLst>
+              <a:ext uri="{28A0092B-C50C-407E-A947-70E740481C1C}">
+                <a14:useLocalDpi xmlns:a14="http://schemas.microsoft.com/office/drawing/2010/main" val="0"/>
+              </a:ext>
+            </a:extLst>
+          </a:blip>
+          <a:stretch>
+            <a:fillRect/>
+          </a:stretch>
+        </p:blipFill>
+        <p:spPr>
+          <a:xfrm>
+            <a:off x="12936760" y="528716"/>
+            <a:ext cx="1502296" cy="1502296"/>
+          </a:xfrm>
+          <a:prstGeom prst="rect">
+            <a:avLst/>
+          </a:prstGeom>
+        </p:spPr>
+      </p:pic>
+      <p:pic>
+        <p:nvPicPr>
+          <p:cNvPr id="10" name="Grafik 9"/>
+          <p:cNvPicPr>
+            <a:picLocks noChangeAspect="1"/>
+          </p:cNvPicPr>
+          <p:nvPr/>
+        </p:nvPicPr>
+        <p:blipFill>
+          <a:blip r:embed="rId4" cstate="print">
+            <a:extLst>
+              <a:ext uri="{28A0092B-C50C-407E-A947-70E740481C1C}">
+                <a14:useLocalDpi xmlns:a14="http://schemas.microsoft.com/office/drawing/2010/main" val="0"/>
+              </a:ext>
+            </a:extLst>
+          </a:blip>
+          <a:stretch>
+            <a:fillRect/>
+          </a:stretch>
+        </p:blipFill>
+        <p:spPr>
+          <a:xfrm>
+            <a:off x="10898425" y="740957"/>
+            <a:ext cx="1077814" cy="1077814"/>
+          </a:xfrm>
+          <a:prstGeom prst="rect">
+            <a:avLst/>
+          </a:prstGeom>
+        </p:spPr>
+      </p:pic>
+      <p:grpSp>
+        <p:nvGrpSpPr>
+          <p:cNvPr id="76" name="Gruppieren 75"/>
+          <p:cNvGrpSpPr>
+            <a:grpSpLocks noChangeAspect="1"/>
+          </p:cNvGrpSpPr>
+          <p:nvPr/>
+        </p:nvGrpSpPr>
+        <p:grpSpPr>
+          <a:xfrm>
+            <a:off x="319025" y="3212975"/>
+            <a:ext cx="5531263" cy="2936233"/>
+            <a:chOff x="319025" y="1067623"/>
+            <a:chExt cx="9572670" cy="5081586"/>
+          </a:xfrm>
+        </p:grpSpPr>
+        <p:pic>
+          <p:nvPicPr>
+            <p:cNvPr id="9" name="Grafik 8"/>
+            <p:cNvPicPr>
+              <a:picLocks noChangeAspect="1"/>
+            </p:cNvPicPr>
+            <p:nvPr/>
+          </p:nvPicPr>
+          <p:blipFill>
+            <a:blip r:embed="rId5" cstate="print">
+              <a:extLst>
+                <a:ext uri="{28A0092B-C50C-407E-A947-70E740481C1C}">
+                  <a14:useLocalDpi xmlns:a14="http://schemas.microsoft.com/office/drawing/2010/main" val="0"/>
+                </a:ext>
+              </a:extLst>
+            </a:blip>
+            <a:stretch>
+              <a:fillRect/>
+            </a:stretch>
+          </p:blipFill>
+          <p:spPr>
+            <a:xfrm>
+              <a:off x="2274940" y="3122343"/>
+              <a:ext cx="673679" cy="1038426"/>
+            </a:xfrm>
+            <a:prstGeom prst="rect">
+              <a:avLst/>
+            </a:prstGeom>
+          </p:spPr>
+        </p:pic>
+        <p:pic>
+          <p:nvPicPr>
+            <p:cNvPr id="24" name="Grafik 23"/>
+            <p:cNvPicPr>
+              <a:picLocks noChangeAspect="1"/>
+            </p:cNvPicPr>
+            <p:nvPr/>
+          </p:nvPicPr>
+          <p:blipFill>
+            <a:blip r:embed="rId6" cstate="print">
+              <a:extLst>
+                <a:ext uri="{28A0092B-C50C-407E-A947-70E740481C1C}">
+                  <a14:useLocalDpi xmlns:a14="http://schemas.microsoft.com/office/drawing/2010/main" val="0"/>
+                </a:ext>
+              </a:extLst>
+            </a:blip>
+            <a:stretch>
+              <a:fillRect/>
+            </a:stretch>
+          </p:blipFill>
+          <p:spPr>
+            <a:xfrm>
+              <a:off x="1931894" y="4873794"/>
+              <a:ext cx="1275415" cy="1275415"/>
+            </a:xfrm>
+            <a:prstGeom prst="rect">
+              <a:avLst/>
+            </a:prstGeom>
+          </p:spPr>
+        </p:pic>
+        <p:pic>
+          <p:nvPicPr>
+            <p:cNvPr id="25" name="Grafik 24"/>
+            <p:cNvPicPr>
+              <a:picLocks noChangeAspect="1"/>
+            </p:cNvPicPr>
+            <p:nvPr/>
+          </p:nvPicPr>
+          <p:blipFill>
+            <a:blip r:embed="rId7" cstate="print">
+              <a:extLst>
+                <a:ext uri="{28A0092B-C50C-407E-A947-70E740481C1C}">
+                  <a14:useLocalDpi xmlns:a14="http://schemas.microsoft.com/office/drawing/2010/main" val="0"/>
+                </a:ext>
+              </a:extLst>
+            </a:blip>
+            <a:stretch>
+              <a:fillRect/>
+            </a:stretch>
+          </p:blipFill>
+          <p:spPr>
+            <a:xfrm>
+              <a:off x="319025" y="4878577"/>
+              <a:ext cx="945653" cy="945653"/>
+            </a:xfrm>
+            <a:prstGeom prst="rect">
+              <a:avLst/>
+            </a:prstGeom>
+          </p:spPr>
+        </p:pic>
+        <p:pic>
+          <p:nvPicPr>
+            <p:cNvPr id="26" name="Grafik 25"/>
+            <p:cNvPicPr>
+              <a:picLocks noChangeAspect="1"/>
+            </p:cNvPicPr>
+            <p:nvPr/>
+          </p:nvPicPr>
+          <p:blipFill>
+            <a:blip r:embed="rId6" cstate="print">
+              <a:extLst>
+                <a:ext uri="{28A0092B-C50C-407E-A947-70E740481C1C}">
+                  <a14:useLocalDpi xmlns:a14="http://schemas.microsoft.com/office/drawing/2010/main" val="0"/>
+                </a:ext>
+              </a:extLst>
+            </a:blip>
+            <a:stretch>
+              <a:fillRect/>
+            </a:stretch>
+          </p:blipFill>
+          <p:spPr>
+            <a:xfrm>
+              <a:off x="3567350" y="4873793"/>
+              <a:ext cx="1275415" cy="1275415"/>
+            </a:xfrm>
+            <a:prstGeom prst="rect">
+              <a:avLst/>
+            </a:prstGeom>
+          </p:spPr>
+        </p:pic>
+        <p:pic>
+          <p:nvPicPr>
+            <p:cNvPr id="27" name="Grafik 26"/>
+            <p:cNvPicPr>
+              <a:picLocks noChangeAspect="1"/>
+            </p:cNvPicPr>
+            <p:nvPr/>
+          </p:nvPicPr>
+          <p:blipFill>
+            <a:blip r:embed="rId6" cstate="print">
+              <a:extLst>
+                <a:ext uri="{28A0092B-C50C-407E-A947-70E740481C1C}">
+                  <a14:useLocalDpi xmlns:a14="http://schemas.microsoft.com/office/drawing/2010/main" val="0"/>
+                </a:ext>
+              </a:extLst>
+            </a:blip>
+            <a:stretch>
+              <a:fillRect/>
+            </a:stretch>
+          </p:blipFill>
+          <p:spPr>
+            <a:xfrm>
+              <a:off x="6980824" y="4873794"/>
+              <a:ext cx="1275415" cy="1275415"/>
+            </a:xfrm>
+            <a:prstGeom prst="rect">
+              <a:avLst/>
+            </a:prstGeom>
+          </p:spPr>
+        </p:pic>
+        <p:pic>
+          <p:nvPicPr>
+            <p:cNvPr id="28" name="Grafik 27"/>
+            <p:cNvPicPr>
+              <a:picLocks noChangeAspect="1"/>
+            </p:cNvPicPr>
+            <p:nvPr/>
+          </p:nvPicPr>
+          <p:blipFill>
+            <a:blip r:embed="rId7" cstate="print">
+              <a:extLst>
+                <a:ext uri="{28A0092B-C50C-407E-A947-70E740481C1C}">
+                  <a14:useLocalDpi xmlns:a14="http://schemas.microsoft.com/office/drawing/2010/main" val="0"/>
+                </a:ext>
+              </a:extLst>
+            </a:blip>
+            <a:stretch>
+              <a:fillRect/>
+            </a:stretch>
+          </p:blipFill>
+          <p:spPr>
+            <a:xfrm>
+              <a:off x="5367955" y="4878577"/>
+              <a:ext cx="945653" cy="945653"/>
+            </a:xfrm>
+            <a:prstGeom prst="rect">
+              <a:avLst/>
+            </a:prstGeom>
+          </p:spPr>
+        </p:pic>
+        <p:pic>
+          <p:nvPicPr>
+            <p:cNvPr id="29" name="Grafik 28"/>
+            <p:cNvPicPr>
+              <a:picLocks noChangeAspect="1"/>
+            </p:cNvPicPr>
+            <p:nvPr/>
+          </p:nvPicPr>
+          <p:blipFill>
+            <a:blip r:embed="rId6" cstate="print">
+              <a:extLst>
+                <a:ext uri="{28A0092B-C50C-407E-A947-70E740481C1C}">
+                  <a14:useLocalDpi xmlns:a14="http://schemas.microsoft.com/office/drawing/2010/main" val="0"/>
+                </a:ext>
+              </a:extLst>
+            </a:blip>
+            <a:stretch>
+              <a:fillRect/>
+            </a:stretch>
+          </p:blipFill>
+          <p:spPr>
+            <a:xfrm>
+              <a:off x="8616280" y="4873793"/>
+              <a:ext cx="1275415" cy="1275415"/>
+            </a:xfrm>
+            <a:prstGeom prst="rect">
+              <a:avLst/>
+            </a:prstGeom>
+          </p:spPr>
+        </p:pic>
+        <p:pic>
+          <p:nvPicPr>
+            <p:cNvPr id="30" name="Grafik 29"/>
+            <p:cNvPicPr>
+              <a:picLocks noChangeAspect="1"/>
+            </p:cNvPicPr>
+            <p:nvPr/>
+          </p:nvPicPr>
+          <p:blipFill>
+            <a:blip r:embed="rId5" cstate="print">
+              <a:extLst>
+                <a:ext uri="{28A0092B-C50C-407E-A947-70E740481C1C}">
+                  <a14:useLocalDpi xmlns:a14="http://schemas.microsoft.com/office/drawing/2010/main" val="0"/>
+                </a:ext>
+              </a:extLst>
+            </a:blip>
+            <a:stretch>
+              <a:fillRect/>
+            </a:stretch>
+          </p:blipFill>
+          <p:spPr>
+            <a:xfrm>
+              <a:off x="7281691" y="3122343"/>
+              <a:ext cx="673679" cy="1038426"/>
+            </a:xfrm>
+            <a:prstGeom prst="rect">
+              <a:avLst/>
+            </a:prstGeom>
+          </p:spPr>
+        </p:pic>
+        <p:cxnSp>
+          <p:nvCxnSpPr>
+            <p:cNvPr id="31" name="Gerader Verbinder 30"/>
+            <p:cNvCxnSpPr>
+              <a:endCxn id="25" idx="0"/>
+            </p:cNvCxnSpPr>
+            <p:nvPr/>
+          </p:nvCxnSpPr>
+          <p:spPr>
+            <a:xfrm flipH="1">
+              <a:off x="791852" y="4160769"/>
+              <a:ext cx="1395008" cy="717808"/>
+            </a:xfrm>
+            <a:prstGeom prst="line">
+              <a:avLst/>
+            </a:prstGeom>
+            <a:ln w="31750">
+              <a:prstDash val="dash"/>
+            </a:ln>
+          </p:spPr>
+          <p:style>
+            <a:lnRef idx="1">
+              <a:schemeClr val="accent1"/>
+            </a:lnRef>
+            <a:fillRef idx="0">
+              <a:schemeClr val="accent1"/>
+            </a:fillRef>
+            <a:effectRef idx="0">
+              <a:schemeClr val="accent1"/>
+            </a:effectRef>
+            <a:fontRef idx="minor">
+              <a:schemeClr val="tx1"/>
+            </a:fontRef>
+          </p:style>
+        </p:cxnSp>
+        <p:cxnSp>
+          <p:nvCxnSpPr>
+            <p:cNvPr id="34" name="Gerader Verbinder 33"/>
+            <p:cNvCxnSpPr>
+              <a:endCxn id="24" idx="0"/>
+            </p:cNvCxnSpPr>
+            <p:nvPr/>
+          </p:nvCxnSpPr>
+          <p:spPr>
+            <a:xfrm>
+              <a:off x="2569601" y="4293096"/>
+              <a:ext cx="1" cy="580698"/>
+            </a:xfrm>
+            <a:prstGeom prst="line">
+              <a:avLst/>
+            </a:prstGeom>
+            <a:ln w="31750">
+              <a:prstDash val="dash"/>
+            </a:ln>
+          </p:spPr>
+          <p:style>
+            <a:lnRef idx="1">
+              <a:schemeClr val="accent1"/>
+            </a:lnRef>
+            <a:fillRef idx="0">
+              <a:schemeClr val="accent1"/>
+            </a:fillRef>
+            <a:effectRef idx="0">
+              <a:schemeClr val="accent1"/>
+            </a:effectRef>
+            <a:fontRef idx="minor">
+              <a:schemeClr val="tx1"/>
+            </a:fontRef>
+          </p:style>
+        </p:cxnSp>
+        <p:cxnSp>
+          <p:nvCxnSpPr>
+            <p:cNvPr id="38" name="Gerader Verbinder 37"/>
+            <p:cNvCxnSpPr>
+              <a:endCxn id="26" idx="0"/>
+            </p:cNvCxnSpPr>
+            <p:nvPr/>
+          </p:nvCxnSpPr>
+          <p:spPr>
+            <a:xfrm>
+              <a:off x="2964655" y="4160769"/>
+              <a:ext cx="1240403" cy="713024"/>
+            </a:xfrm>
+            <a:prstGeom prst="line">
+              <a:avLst/>
+            </a:prstGeom>
+            <a:ln w="31750">
+              <a:prstDash val="dash"/>
+            </a:ln>
+          </p:spPr>
+          <p:style>
+            <a:lnRef idx="1">
+              <a:schemeClr val="accent1"/>
+            </a:lnRef>
+            <a:fillRef idx="0">
+              <a:schemeClr val="accent1"/>
+            </a:fillRef>
+            <a:effectRef idx="0">
+              <a:schemeClr val="accent1"/>
+            </a:effectRef>
+            <a:fontRef idx="minor">
+              <a:schemeClr val="tx1"/>
+            </a:fontRef>
+          </p:style>
+        </p:cxnSp>
+        <p:cxnSp>
+          <p:nvCxnSpPr>
+            <p:cNvPr id="41" name="Gerader Verbinder 40"/>
+            <p:cNvCxnSpPr/>
+            <p:nvPr/>
+          </p:nvCxnSpPr>
+          <p:spPr>
+            <a:xfrm flipH="1">
+              <a:off x="5750429" y="4180893"/>
+              <a:ext cx="1395008" cy="717808"/>
+            </a:xfrm>
+            <a:prstGeom prst="line">
+              <a:avLst/>
+            </a:prstGeom>
+            <a:ln w="31750">
+              <a:prstDash val="dash"/>
+            </a:ln>
+          </p:spPr>
+          <p:style>
+            <a:lnRef idx="1">
+              <a:schemeClr val="accent1"/>
+            </a:lnRef>
+            <a:fillRef idx="0">
+              <a:schemeClr val="accent1"/>
+            </a:fillRef>
+            <a:effectRef idx="0">
+              <a:schemeClr val="accent1"/>
+            </a:effectRef>
+            <a:fontRef idx="minor">
+              <a:schemeClr val="tx1"/>
+            </a:fontRef>
+          </p:style>
+        </p:cxnSp>
+        <p:cxnSp>
+          <p:nvCxnSpPr>
+            <p:cNvPr id="42" name="Gerader Verbinder 41"/>
+            <p:cNvCxnSpPr/>
+            <p:nvPr/>
+          </p:nvCxnSpPr>
+          <p:spPr>
+            <a:xfrm>
+              <a:off x="7618530" y="4272972"/>
+              <a:ext cx="1" cy="580698"/>
+            </a:xfrm>
+            <a:prstGeom prst="line">
+              <a:avLst/>
+            </a:prstGeom>
+            <a:ln w="31750">
+              <a:prstDash val="dash"/>
+            </a:ln>
+          </p:spPr>
+          <p:style>
+            <a:lnRef idx="1">
+              <a:schemeClr val="accent1"/>
+            </a:lnRef>
+            <a:fillRef idx="0">
+              <a:schemeClr val="accent1"/>
+            </a:fillRef>
+            <a:effectRef idx="0">
+              <a:schemeClr val="accent1"/>
+            </a:effectRef>
+            <a:fontRef idx="minor">
+              <a:schemeClr val="tx1"/>
+            </a:fontRef>
+          </p:style>
+        </p:cxnSp>
+        <p:cxnSp>
+          <p:nvCxnSpPr>
+            <p:cNvPr id="43" name="Gerader Verbinder 42"/>
+            <p:cNvCxnSpPr/>
+            <p:nvPr/>
+          </p:nvCxnSpPr>
+          <p:spPr>
+            <a:xfrm>
+              <a:off x="7958144" y="4170831"/>
+              <a:ext cx="1240403" cy="713024"/>
+            </a:xfrm>
+            <a:prstGeom prst="line">
+              <a:avLst/>
+            </a:prstGeom>
+            <a:ln w="31750">
+              <a:prstDash val="dash"/>
+            </a:ln>
+          </p:spPr>
+          <p:style>
+            <a:lnRef idx="1">
+              <a:schemeClr val="accent1"/>
+            </a:lnRef>
+            <a:fillRef idx="0">
+              <a:schemeClr val="accent1"/>
+            </a:fillRef>
+            <a:effectRef idx="0">
+              <a:schemeClr val="accent1"/>
+            </a:effectRef>
+            <a:fontRef idx="minor">
+              <a:schemeClr val="tx1"/>
+            </a:fontRef>
+          </p:style>
+        </p:cxnSp>
+        <p:pic>
+          <p:nvPicPr>
+            <p:cNvPr id="44" name="Grafik 43"/>
+            <p:cNvPicPr>
+              <a:picLocks noChangeAspect="1"/>
+            </p:cNvPicPr>
+            <p:nvPr/>
+          </p:nvPicPr>
+          <p:blipFill>
+            <a:blip r:embed="rId3" cstate="print">
+              <a:extLst>
+                <a:ext uri="{28A0092B-C50C-407E-A947-70E740481C1C}">
+                  <a14:useLocalDpi xmlns:a14="http://schemas.microsoft.com/office/drawing/2010/main" val="0"/>
+                </a:ext>
+              </a:extLst>
+            </a:blip>
+            <a:stretch>
+              <a:fillRect/>
+            </a:stretch>
+          </p:blipFill>
+          <p:spPr>
+            <a:xfrm>
+              <a:off x="4256858" y="1067623"/>
+              <a:ext cx="1502296" cy="1502296"/>
+            </a:xfrm>
+            <a:prstGeom prst="rect">
+              <a:avLst/>
+            </a:prstGeom>
+          </p:spPr>
+        </p:pic>
+        <p:cxnSp>
+          <p:nvCxnSpPr>
+            <p:cNvPr id="45" name="Gerader Verbinder 44"/>
+            <p:cNvCxnSpPr/>
+            <p:nvPr/>
+          </p:nvCxnSpPr>
+          <p:spPr>
+            <a:xfrm flipV="1">
+              <a:off x="2914707" y="2335791"/>
+              <a:ext cx="1812092" cy="786552"/>
+            </a:xfrm>
+            <a:prstGeom prst="line">
+              <a:avLst/>
+            </a:prstGeom>
+            <a:ln w="31750">
+              <a:prstDash val="dash"/>
+            </a:ln>
+          </p:spPr>
+          <p:style>
+            <a:lnRef idx="1">
+              <a:schemeClr val="accent1"/>
+            </a:lnRef>
+            <a:fillRef idx="0">
+              <a:schemeClr val="accent1"/>
+            </a:fillRef>
+            <a:effectRef idx="0">
+              <a:schemeClr val="accent1"/>
+            </a:effectRef>
+            <a:fontRef idx="minor">
+              <a:schemeClr val="tx1"/>
+            </a:fontRef>
+          </p:style>
+        </p:cxnSp>
+        <p:cxnSp>
+          <p:nvCxnSpPr>
+            <p:cNvPr id="49" name="Gerader Verbinder 48"/>
+            <p:cNvCxnSpPr/>
+            <p:nvPr/>
+          </p:nvCxnSpPr>
+          <p:spPr>
+            <a:xfrm flipH="1" flipV="1">
+              <a:off x="5215913" y="2335791"/>
+              <a:ext cx="2167020" cy="912490"/>
+            </a:xfrm>
+            <a:prstGeom prst="line">
+              <a:avLst/>
+            </a:prstGeom>
+            <a:ln w="31750">
+              <a:prstDash val="dash"/>
+            </a:ln>
+          </p:spPr>
+          <p:style>
+            <a:lnRef idx="1">
+              <a:schemeClr val="accent1"/>
+            </a:lnRef>
+            <a:fillRef idx="0">
+              <a:schemeClr val="accent1"/>
+            </a:fillRef>
+            <a:effectRef idx="0">
+              <a:schemeClr val="accent1"/>
+            </a:effectRef>
+            <a:fontRef idx="minor">
+              <a:schemeClr val="tx1"/>
+            </a:fontRef>
+          </p:style>
+        </p:cxnSp>
+      </p:grpSp>
+      <p:pic>
+        <p:nvPicPr>
+          <p:cNvPr id="55" name="Grafik 54"/>
+          <p:cNvPicPr>
+            <a:picLocks noChangeAspect="1"/>
+          </p:cNvPicPr>
+          <p:nvPr/>
+        </p:nvPicPr>
+        <p:blipFill>
+          <a:blip r:embed="rId6" cstate="print">
+            <a:extLst>
+              <a:ext uri="{28A0092B-C50C-407E-A947-70E740481C1C}">
+                <a14:useLocalDpi xmlns:a14="http://schemas.microsoft.com/office/drawing/2010/main" val="0"/>
+              </a:ext>
+            </a:extLst>
+          </a:blip>
+          <a:stretch>
+            <a:fillRect/>
+          </a:stretch>
+        </p:blipFill>
+        <p:spPr>
+          <a:xfrm>
+            <a:off x="7285112" y="5412250"/>
+            <a:ext cx="736958" cy="736958"/>
+          </a:xfrm>
+          <a:prstGeom prst="rect">
+            <a:avLst/>
+          </a:prstGeom>
+        </p:spPr>
+      </p:pic>
+      <p:pic>
+        <p:nvPicPr>
+          <p:cNvPr id="56" name="Grafik 55"/>
+          <p:cNvPicPr>
+            <a:picLocks noChangeAspect="1"/>
+          </p:cNvPicPr>
+          <p:nvPr/>
+        </p:nvPicPr>
+        <p:blipFill>
+          <a:blip r:embed="rId7" cstate="print">
+            <a:extLst>
+              <a:ext uri="{28A0092B-C50C-407E-A947-70E740481C1C}">
+                <a14:useLocalDpi xmlns:a14="http://schemas.microsoft.com/office/drawing/2010/main" val="0"/>
+              </a:ext>
+            </a:extLst>
+          </a:blip>
+          <a:stretch>
+            <a:fillRect/>
+          </a:stretch>
+        </p:blipFill>
+        <p:spPr>
+          <a:xfrm>
+            <a:off x="6353167" y="5415014"/>
+            <a:ext cx="546416" cy="546416"/>
+          </a:xfrm>
+          <a:prstGeom prst="rect">
+            <a:avLst/>
+          </a:prstGeom>
+        </p:spPr>
+      </p:pic>
+      <p:pic>
+        <p:nvPicPr>
+          <p:cNvPr id="57" name="Grafik 56"/>
+          <p:cNvPicPr>
+            <a:picLocks noChangeAspect="1"/>
+          </p:cNvPicPr>
+          <p:nvPr/>
+        </p:nvPicPr>
+        <p:blipFill>
+          <a:blip r:embed="rId6" cstate="print">
+            <a:extLst>
+              <a:ext uri="{28A0092B-C50C-407E-A947-70E740481C1C}">
+                <a14:useLocalDpi xmlns:a14="http://schemas.microsoft.com/office/drawing/2010/main" val="0"/>
+              </a:ext>
+            </a:extLst>
+          </a:blip>
+          <a:stretch>
+            <a:fillRect/>
+          </a:stretch>
+        </p:blipFill>
+        <p:spPr>
+          <a:xfrm>
+            <a:off x="8230108" y="5412249"/>
+            <a:ext cx="736958" cy="736958"/>
+          </a:xfrm>
+          <a:prstGeom prst="rect">
+            <a:avLst/>
+          </a:prstGeom>
+        </p:spPr>
+      </p:pic>
+      <p:pic>
+        <p:nvPicPr>
+          <p:cNvPr id="58" name="Grafik 57"/>
+          <p:cNvPicPr>
+            <a:picLocks noChangeAspect="1"/>
+          </p:cNvPicPr>
+          <p:nvPr/>
+        </p:nvPicPr>
+        <p:blipFill>
+          <a:blip r:embed="rId6" cstate="print">
+            <a:extLst>
+              <a:ext uri="{28A0092B-C50C-407E-A947-70E740481C1C}">
+                <a14:useLocalDpi xmlns:a14="http://schemas.microsoft.com/office/drawing/2010/main" val="0"/>
+              </a:ext>
+            </a:extLst>
+          </a:blip>
+          <a:stretch>
+            <a:fillRect/>
+          </a:stretch>
+        </p:blipFill>
+        <p:spPr>
+          <a:xfrm>
+            <a:off x="10202476" y="5412250"/>
+            <a:ext cx="736958" cy="736958"/>
+          </a:xfrm>
+          <a:prstGeom prst="rect">
+            <a:avLst/>
+          </a:prstGeom>
+        </p:spPr>
+      </p:pic>
+      <p:pic>
+        <p:nvPicPr>
+          <p:cNvPr id="59" name="Grafik 58"/>
+          <p:cNvPicPr>
+            <a:picLocks noChangeAspect="1"/>
+          </p:cNvPicPr>
+          <p:nvPr/>
+        </p:nvPicPr>
+        <p:blipFill>
+          <a:blip r:embed="rId7" cstate="print">
+            <a:extLst>
+              <a:ext uri="{28A0092B-C50C-407E-A947-70E740481C1C}">
+                <a14:useLocalDpi xmlns:a14="http://schemas.microsoft.com/office/drawing/2010/main" val="0"/>
+              </a:ext>
+            </a:extLst>
+          </a:blip>
+          <a:stretch>
+            <a:fillRect/>
+          </a:stretch>
+        </p:blipFill>
+        <p:spPr>
+          <a:xfrm>
+            <a:off x="9270531" y="5415014"/>
+            <a:ext cx="546416" cy="546416"/>
+          </a:xfrm>
+          <a:prstGeom prst="rect">
+            <a:avLst/>
+          </a:prstGeom>
+        </p:spPr>
+      </p:pic>
+      <p:pic>
+        <p:nvPicPr>
+          <p:cNvPr id="60" name="Grafik 59"/>
+          <p:cNvPicPr>
+            <a:picLocks noChangeAspect="1"/>
+          </p:cNvPicPr>
+          <p:nvPr/>
+        </p:nvPicPr>
+        <p:blipFill>
+          <a:blip r:embed="rId6" cstate="print">
+            <a:extLst>
+              <a:ext uri="{28A0092B-C50C-407E-A947-70E740481C1C}">
+                <a14:useLocalDpi xmlns:a14="http://schemas.microsoft.com/office/drawing/2010/main" val="0"/>
+              </a:ext>
+            </a:extLst>
+          </a:blip>
+          <a:stretch>
+            <a:fillRect/>
+          </a:stretch>
+        </p:blipFill>
+        <p:spPr>
+          <a:xfrm>
+            <a:off x="11147472" y="5412249"/>
+            <a:ext cx="736958" cy="736958"/>
+          </a:xfrm>
+          <a:prstGeom prst="rect">
+            <a:avLst/>
+          </a:prstGeom>
+        </p:spPr>
+      </p:pic>
+      <p:cxnSp>
+        <p:nvCxnSpPr>
+          <p:cNvPr id="62" name="Gerader Verbinder 61"/>
+          <p:cNvCxnSpPr>
+            <a:endCxn id="56" idx="0"/>
+          </p:cNvCxnSpPr>
+          <p:nvPr/>
+        </p:nvCxnSpPr>
+        <p:spPr>
+          <a:xfrm flipH="1">
+            <a:off x="6626375" y="3894050"/>
+            <a:ext cx="1950759" cy="1520964"/>
+          </a:xfrm>
+          <a:prstGeom prst="line">
+            <a:avLst/>
+          </a:prstGeom>
+          <a:ln w="31750">
+            <a:prstDash val="dash"/>
+          </a:ln>
+        </p:spPr>
+        <p:style>
+          <a:lnRef idx="1">
+            <a:schemeClr val="accent1"/>
+          </a:lnRef>
+          <a:fillRef idx="0">
+            <a:schemeClr val="accent1"/>
+          </a:fillRef>
+          <a:effectRef idx="0">
+            <a:schemeClr val="accent1"/>
+          </a:effectRef>
+          <a:fontRef idx="minor">
+            <a:schemeClr val="tx1"/>
+          </a:fontRef>
+        </p:style>
+      </p:cxnSp>
+      <p:cxnSp>
+        <p:nvCxnSpPr>
+          <p:cNvPr id="63" name="Gerader Verbinder 62"/>
+          <p:cNvCxnSpPr>
+            <a:endCxn id="55" idx="0"/>
+          </p:cNvCxnSpPr>
+          <p:nvPr/>
+        </p:nvCxnSpPr>
+        <p:spPr>
+          <a:xfrm flipH="1">
+            <a:off x="7653591" y="3945746"/>
+            <a:ext cx="1147343" cy="1466504"/>
+          </a:xfrm>
+          <a:prstGeom prst="line">
+            <a:avLst/>
+          </a:prstGeom>
+          <a:ln w="31750">
+            <a:prstDash val="dash"/>
+          </a:ln>
+        </p:spPr>
+        <p:style>
+          <a:lnRef idx="1">
+            <a:schemeClr val="accent1"/>
+          </a:lnRef>
+          <a:fillRef idx="0">
+            <a:schemeClr val="accent1"/>
+          </a:fillRef>
+          <a:effectRef idx="0">
+            <a:schemeClr val="accent1"/>
+          </a:effectRef>
+          <a:fontRef idx="minor">
+            <a:schemeClr val="tx1"/>
+          </a:fontRef>
+        </p:style>
+      </p:cxnSp>
+      <p:cxnSp>
+        <p:nvCxnSpPr>
+          <p:cNvPr id="77" name="Gerader Verbinder 76"/>
+          <p:cNvCxnSpPr>
+            <a:endCxn id="57" idx="0"/>
+          </p:cNvCxnSpPr>
+          <p:nvPr/>
+        </p:nvCxnSpPr>
+        <p:spPr>
+          <a:xfrm flipH="1">
+            <a:off x="8598587" y="3942982"/>
+            <a:ext cx="398411" cy="1469267"/>
+          </a:xfrm>
+          <a:prstGeom prst="line">
+            <a:avLst/>
+          </a:prstGeom>
+          <a:ln w="31750">
+            <a:prstDash val="dash"/>
+          </a:ln>
+        </p:spPr>
+        <p:style>
+          <a:lnRef idx="1">
+            <a:schemeClr val="accent1"/>
+          </a:lnRef>
+          <a:fillRef idx="0">
+            <a:schemeClr val="accent1"/>
+          </a:fillRef>
+          <a:effectRef idx="0">
+            <a:schemeClr val="accent1"/>
+          </a:effectRef>
+          <a:fontRef idx="minor">
+            <a:schemeClr val="tx1"/>
+          </a:fontRef>
+        </p:style>
+      </p:cxnSp>
+      <p:cxnSp>
+        <p:nvCxnSpPr>
+          <p:cNvPr id="78" name="Gerader Verbinder 77"/>
+          <p:cNvCxnSpPr/>
+          <p:nvPr/>
+        </p:nvCxnSpPr>
+        <p:spPr>
+          <a:xfrm>
+            <a:off x="9163300" y="3942982"/>
+            <a:ext cx="328232" cy="1483660"/>
+          </a:xfrm>
+          <a:prstGeom prst="line">
+            <a:avLst/>
+          </a:prstGeom>
+          <a:ln w="31750">
+            <a:prstDash val="dash"/>
+          </a:ln>
+        </p:spPr>
+        <p:style>
+          <a:lnRef idx="1">
+            <a:schemeClr val="accent1"/>
+          </a:lnRef>
+          <a:fillRef idx="0">
+            <a:schemeClr val="accent1"/>
+          </a:fillRef>
+          <a:effectRef idx="0">
+            <a:schemeClr val="accent1"/>
+          </a:effectRef>
+          <a:fontRef idx="minor">
+            <a:schemeClr val="tx1"/>
+          </a:fontRef>
+        </p:style>
+      </p:cxnSp>
+      <p:cxnSp>
+        <p:nvCxnSpPr>
+          <p:cNvPr id="79" name="Gerader Verbinder 78"/>
+          <p:cNvCxnSpPr/>
+          <p:nvPr/>
+        </p:nvCxnSpPr>
+        <p:spPr>
+          <a:xfrm>
+            <a:off x="9352469" y="3942982"/>
+            <a:ext cx="1218486" cy="1457640"/>
+          </a:xfrm>
+          <a:prstGeom prst="line">
+            <a:avLst/>
+          </a:prstGeom>
+          <a:ln w="31750">
+            <a:prstDash val="dash"/>
+          </a:ln>
+        </p:spPr>
+        <p:style>
+          <a:lnRef idx="1">
+            <a:schemeClr val="accent1"/>
+          </a:lnRef>
+          <a:fillRef idx="0">
+            <a:schemeClr val="accent1"/>
+          </a:fillRef>
+          <a:effectRef idx="0">
+            <a:schemeClr val="accent1"/>
+          </a:effectRef>
+          <a:fontRef idx="minor">
+            <a:schemeClr val="tx1"/>
+          </a:fontRef>
+        </p:style>
+      </p:cxnSp>
+      <p:cxnSp>
+        <p:nvCxnSpPr>
+          <p:cNvPr id="80" name="Gerader Verbinder 79"/>
+          <p:cNvCxnSpPr/>
+          <p:nvPr/>
+        </p:nvCxnSpPr>
+        <p:spPr>
+          <a:xfrm>
+            <a:off x="9496573" y="3894050"/>
+            <a:ext cx="1987343" cy="1524013"/>
+          </a:xfrm>
+          <a:prstGeom prst="line">
+            <a:avLst/>
+          </a:prstGeom>
+          <a:ln w="31750">
+            <a:prstDash val="dash"/>
+          </a:ln>
+        </p:spPr>
+        <p:style>
+          <a:lnRef idx="1">
+            <a:schemeClr val="accent1"/>
+          </a:lnRef>
+          <a:fillRef idx="0">
+            <a:schemeClr val="accent1"/>
+          </a:fillRef>
+          <a:effectRef idx="0">
+            <a:schemeClr val="accent1"/>
+          </a:effectRef>
+          <a:fontRef idx="minor">
+            <a:schemeClr val="tx1"/>
+          </a:fontRef>
+        </p:style>
+      </p:cxnSp>
+      <p:pic>
+        <p:nvPicPr>
+          <p:cNvPr id="81" name="Grafik 80"/>
+          <p:cNvPicPr>
+            <a:picLocks noChangeAspect="1"/>
+          </p:cNvPicPr>
+          <p:nvPr/>
+        </p:nvPicPr>
+        <p:blipFill>
+          <a:blip r:embed="rId3" cstate="print">
+            <a:extLst>
+              <a:ext uri="{28A0092B-C50C-407E-A947-70E740481C1C}">
+                <a14:useLocalDpi xmlns:a14="http://schemas.microsoft.com/office/drawing/2010/main" val="0"/>
+              </a:ext>
+            </a:extLst>
+          </a:blip>
+          <a:stretch>
+            <a:fillRect/>
+          </a:stretch>
+        </p:blipFill>
+        <p:spPr>
+          <a:xfrm>
+            <a:off x="8628519" y="3212975"/>
+            <a:ext cx="868054" cy="868054"/>
+          </a:xfrm>
+          <a:prstGeom prst="rect">
+            <a:avLst/>
+          </a:prstGeom>
+        </p:spPr>
+      </p:pic>
     </p:spTree>
     <p:extLst>
       <p:ext uri="{BB962C8B-B14F-4D97-AF65-F5344CB8AC3E}">
-        <p14:creationId xmlns:p14="http://schemas.microsoft.com/office/powerpoint/2010/main" val="1148185851"/>
+        <p14:creationId xmlns:p14="http://schemas.microsoft.com/office/powerpoint/2010/main" val="3192954034"/>
       </p:ext>
     </p:extLst>
   </p:cSld>

--- a/Vortrag/Themenstellung.pptx
+++ b/Vortrag/Themenstellung.pptx
@@ -8,10 +8,10 @@
     <p:sldMasterId id="2147483674" r:id="rId4"/>
   </p:sldMasterIdLst>
   <p:notesMasterIdLst>
-    <p:notesMasterId r:id="rId22"/>
+    <p:notesMasterId r:id="rId23"/>
   </p:notesMasterIdLst>
   <p:handoutMasterIdLst>
-    <p:handoutMasterId r:id="rId23"/>
+    <p:handoutMasterId r:id="rId24"/>
   </p:handoutMasterIdLst>
   <p:sldIdLst>
     <p:sldId id="256" r:id="rId5"/>
@@ -21,21 +21,22 @@
     <p:sldId id="258" r:id="rId9"/>
     <p:sldId id="308" r:id="rId10"/>
     <p:sldId id="261" r:id="rId11"/>
-    <p:sldId id="312" r:id="rId12"/>
-    <p:sldId id="313" r:id="rId13"/>
-    <p:sldId id="264" r:id="rId14"/>
-    <p:sldId id="262" r:id="rId15"/>
-    <p:sldId id="260" r:id="rId16"/>
-    <p:sldId id="309" r:id="rId17"/>
-    <p:sldId id="267" r:id="rId18"/>
-    <p:sldId id="310" r:id="rId19"/>
-    <p:sldId id="266" r:id="rId20"/>
-    <p:sldId id="311" r:id="rId21"/>
+    <p:sldId id="313" r:id="rId12"/>
+    <p:sldId id="314" r:id="rId13"/>
+    <p:sldId id="312" r:id="rId14"/>
+    <p:sldId id="264" r:id="rId15"/>
+    <p:sldId id="262" r:id="rId16"/>
+    <p:sldId id="260" r:id="rId17"/>
+    <p:sldId id="309" r:id="rId18"/>
+    <p:sldId id="267" r:id="rId19"/>
+    <p:sldId id="310" r:id="rId20"/>
+    <p:sldId id="266" r:id="rId21"/>
+    <p:sldId id="311" r:id="rId22"/>
   </p:sldIdLst>
   <p:sldSz cx="12192000" cy="6858000"/>
   <p:notesSz cx="6797675" cy="9926638"/>
   <p:custDataLst>
-    <p:tags r:id="rId24"/>
+    <p:tags r:id="rId25"/>
   </p:custDataLst>
   <p:defaultTextStyle>
     <a:defPPr>
@@ -871,7 +872,7 @@
             <a:fld id="{45A0C133-2FF1-4A65-8FB9-994063EC256F}" type="slidenum">
               <a:rPr lang="de-DE" smtClean="0"/>
               <a:pPr/>
-              <a:t>11</a:t>
+              <a:t>10</a:t>
             </a:fld>
             <a:endParaRPr lang="de-DE"/>
           </a:p>
@@ -880,7 +881,7 @@
     </p:spTree>
     <p:extLst>
       <p:ext uri="{BB962C8B-B14F-4D97-AF65-F5344CB8AC3E}">
-        <p14:creationId xmlns:p14="http://schemas.microsoft.com/office/powerpoint/2010/main" val="757160071"/>
+        <p14:creationId xmlns:p14="http://schemas.microsoft.com/office/powerpoint/2010/main" val="3460676967"/>
       </p:ext>
     </p:extLst>
   </p:cSld>
@@ -965,7 +966,7 @@
     </p:spTree>
     <p:extLst>
       <p:ext uri="{BB962C8B-B14F-4D97-AF65-F5344CB8AC3E}">
-        <p14:creationId xmlns:p14="http://schemas.microsoft.com/office/powerpoint/2010/main" val="793798481"/>
+        <p14:creationId xmlns:p14="http://schemas.microsoft.com/office/powerpoint/2010/main" val="757160071"/>
       </p:ext>
     </p:extLst>
   </p:cSld>
@@ -1019,7 +1020,7 @@
           <a:bodyPr/>
           <a:lstStyle/>
           <a:p>
-            <a:endParaRPr lang="en-US" dirty="0"/>
+            <a:endParaRPr lang="LID4096" dirty="0"/>
           </a:p>
         </p:txBody>
       </p:sp>
@@ -1030,7 +1031,7 @@
             <a:spLocks noGrp="1"/>
           </p:cNvSpPr>
           <p:nvPr>
-            <p:ph type="sldNum" sz="quarter" idx="10"/>
+            <p:ph type="sldNum" sz="quarter" idx="5"/>
           </p:nvPr>
         </p:nvSpPr>
         <p:spPr/>
@@ -1050,7 +1051,7 @@
     </p:spTree>
     <p:extLst>
       <p:ext uri="{BB962C8B-B14F-4D97-AF65-F5344CB8AC3E}">
-        <p14:creationId xmlns:p14="http://schemas.microsoft.com/office/powerpoint/2010/main" val="2743334740"/>
+        <p14:creationId xmlns:p14="http://schemas.microsoft.com/office/powerpoint/2010/main" val="793798481"/>
       </p:ext>
     </p:extLst>
   </p:cSld>
@@ -1126,7 +1127,92 @@
             <a:fld id="{45A0C133-2FF1-4A65-8FB9-994063EC256F}" type="slidenum">
               <a:rPr lang="de-DE" smtClean="0"/>
               <a:pPr/>
-              <a:t>15</a:t>
+              <a:t>14</a:t>
+            </a:fld>
+            <a:endParaRPr lang="de-DE"/>
+          </a:p>
+        </p:txBody>
+      </p:sp>
+    </p:spTree>
+    <p:extLst>
+      <p:ext uri="{BB962C8B-B14F-4D97-AF65-F5344CB8AC3E}">
+        <p14:creationId xmlns:p14="http://schemas.microsoft.com/office/powerpoint/2010/main" val="2743334740"/>
+      </p:ext>
+    </p:extLst>
+  </p:cSld>
+  <p:clrMapOvr>
+    <a:masterClrMapping/>
+  </p:clrMapOvr>
+</p:notes>
+</file>
+
+<file path=ppt/notesSlides/notesSlide14.xml><?xml version="1.0" encoding="utf-8"?>
+<p:notes xmlns:a="http://schemas.openxmlformats.org/drawingml/2006/main" xmlns:r="http://schemas.openxmlformats.org/officeDocument/2006/relationships" xmlns:p="http://schemas.openxmlformats.org/presentationml/2006/main">
+  <p:cSld>
+    <p:spTree>
+      <p:nvGrpSpPr>
+        <p:cNvPr id="1" name=""/>
+        <p:cNvGrpSpPr/>
+        <p:nvPr/>
+      </p:nvGrpSpPr>
+      <p:grpSpPr>
+        <a:xfrm>
+          <a:off x="0" y="0"/>
+          <a:ext cx="0" cy="0"/>
+          <a:chOff x="0" y="0"/>
+          <a:chExt cx="0" cy="0"/>
+        </a:xfrm>
+      </p:grpSpPr>
+      <p:sp>
+        <p:nvSpPr>
+          <p:cNvPr id="2" name="Folienbildplatzhalter 1"/>
+          <p:cNvSpPr>
+            <a:spLocks noGrp="1" noRot="1" noChangeAspect="1"/>
+          </p:cNvSpPr>
+          <p:nvPr>
+            <p:ph type="sldImg"/>
+          </p:nvPr>
+        </p:nvSpPr>
+        <p:spPr/>
+      </p:sp>
+      <p:sp>
+        <p:nvSpPr>
+          <p:cNvPr id="3" name="Notizenplatzhalter 2"/>
+          <p:cNvSpPr>
+            <a:spLocks noGrp="1"/>
+          </p:cNvSpPr>
+          <p:nvPr>
+            <p:ph type="body" idx="1"/>
+          </p:nvPr>
+        </p:nvSpPr>
+        <p:spPr/>
+        <p:txBody>
+          <a:bodyPr/>
+          <a:lstStyle/>
+          <a:p>
+            <a:endParaRPr lang="en-US" dirty="0"/>
+          </a:p>
+        </p:txBody>
+      </p:sp>
+      <p:sp>
+        <p:nvSpPr>
+          <p:cNvPr id="4" name="Foliennummernplatzhalter 3"/>
+          <p:cNvSpPr>
+            <a:spLocks noGrp="1"/>
+          </p:cNvSpPr>
+          <p:nvPr>
+            <p:ph type="sldNum" sz="quarter" idx="10"/>
+          </p:nvPr>
+        </p:nvSpPr>
+        <p:spPr/>
+        <p:txBody>
+          <a:bodyPr/>
+          <a:lstStyle/>
+          <a:p>
+            <a:fld id="{45A0C133-2FF1-4A65-8FB9-994063EC256F}" type="slidenum">
+              <a:rPr lang="de-DE" smtClean="0"/>
+              <a:pPr/>
+              <a:t>16</a:t>
             </a:fld>
             <a:endParaRPr lang="de-DE"/>
           </a:p>
@@ -1730,7 +1816,7 @@
     </p:spTree>
     <p:extLst>
       <p:ext uri="{BB962C8B-B14F-4D97-AF65-F5344CB8AC3E}">
-        <p14:creationId xmlns:p14="http://schemas.microsoft.com/office/powerpoint/2010/main" val="3460676967"/>
+        <p14:creationId xmlns:p14="http://schemas.microsoft.com/office/powerpoint/2010/main" val="934017673"/>
       </p:ext>
     </p:extLst>
   </p:cSld>
@@ -1815,7 +1901,7 @@
     </p:spTree>
     <p:extLst>
       <p:ext uri="{BB962C8B-B14F-4D97-AF65-F5344CB8AC3E}">
-        <p14:creationId xmlns:p14="http://schemas.microsoft.com/office/powerpoint/2010/main" val="934017673"/>
+        <p14:creationId xmlns:p14="http://schemas.microsoft.com/office/powerpoint/2010/main" val="2673264321"/>
       </p:ext>
     </p:extLst>
   </p:cSld>
@@ -5860,7 +5946,7 @@
           <a:graphicData uri="http://schemas.openxmlformats.org/presentationml/2006/ole">
             <mc:AlternateContent xmlns:mc="http://schemas.openxmlformats.org/markup-compatibility/2006">
               <mc:Choice xmlns:v="urn:schemas-microsoft-com:vml" Requires="v">
-                <p:oleObj spid="_x0000_s3080" name="think-cell Folie" r:id="rId4" imgW="270" imgH="270" progId="TCLayout.ActiveDocument.1">
+                <p:oleObj spid="_x0000_s3083" name="think-cell Folie" r:id="rId4" imgW="270" imgH="270" progId="TCLayout.ActiveDocument.1">
                   <p:embed/>
                 </p:oleObj>
               </mc:Choice>
@@ -6136,7 +6222,7 @@
           <a:graphicData uri="http://schemas.openxmlformats.org/presentationml/2006/ole">
             <mc:AlternateContent xmlns:mc="http://schemas.openxmlformats.org/markup-compatibility/2006">
               <mc:Choice xmlns:v="urn:schemas-microsoft-com:vml" Requires="v">
-                <p:oleObj spid="_x0000_s4104" name="think-cell Folie" r:id="rId4" imgW="270" imgH="270" progId="TCLayout.ActiveDocument.1">
+                <p:oleObj spid="_x0000_s4107" name="think-cell Folie" r:id="rId4" imgW="270" imgH="270" progId="TCLayout.ActiveDocument.1">
                   <p:embed/>
                 </p:oleObj>
               </mc:Choice>
@@ -6546,7 +6632,7 @@
           <a:graphicData uri="http://schemas.openxmlformats.org/presentationml/2006/ole">
             <mc:AlternateContent xmlns:mc="http://schemas.openxmlformats.org/markup-compatibility/2006">
               <mc:Choice xmlns:v="urn:schemas-microsoft-com:vml" Requires="v">
-                <p:oleObj spid="_x0000_s1032" name="think-cell Folie" r:id="rId9" imgW="360" imgH="360" progId="TCLayout.ActiveDocument.1">
+                <p:oleObj spid="_x0000_s1035" name="think-cell Folie" r:id="rId9" imgW="360" imgH="360" progId="TCLayout.ActiveDocument.1">
                   <p:embed/>
                 </p:oleObj>
               </mc:Choice>
@@ -7508,7 +7594,7 @@
           <a:graphicData uri="http://schemas.openxmlformats.org/presentationml/2006/ole">
             <mc:AlternateContent xmlns:mc="http://schemas.openxmlformats.org/markup-compatibility/2006">
               <mc:Choice xmlns:v="urn:schemas-microsoft-com:vml" Requires="v">
-                <p:oleObj spid="_x0000_s2056" name="think-cell Folie" r:id="rId9" imgW="270" imgH="270" progId="TCLayout.ActiveDocument.1">
+                <p:oleObj spid="_x0000_s2059" name="think-cell Folie" r:id="rId9" imgW="270" imgH="270" progId="TCLayout.ActiveDocument.1">
                   <p:embed/>
                 </p:oleObj>
               </mc:Choice>
@@ -11710,6 +11796,152 @@
       </p:grpSpPr>
       <p:sp>
         <p:nvSpPr>
+          <p:cNvPr id="4" name="Titel 3"/>
+          <p:cNvSpPr>
+            <a:spLocks noGrp="1"/>
+          </p:cNvSpPr>
+          <p:nvPr>
+            <p:ph type="title"/>
+          </p:nvPr>
+        </p:nvSpPr>
+        <p:spPr/>
+        <p:txBody>
+          <a:bodyPr/>
+          <a:lstStyle/>
+          <a:p>
+            <a:endParaRPr lang="de-DE" dirty="0"/>
+          </a:p>
+        </p:txBody>
+      </p:sp>
+      <p:pic>
+        <p:nvPicPr>
+          <p:cNvPr id="75" name="Grafik 74"/>
+          <p:cNvPicPr>
+            <a:picLocks noChangeAspect="1"/>
+          </p:cNvPicPr>
+          <p:nvPr/>
+        </p:nvPicPr>
+        <p:blipFill>
+          <a:blip r:embed="rId3" cstate="print">
+            <a:extLst>
+              <a:ext uri="{28A0092B-C50C-407E-A947-70E740481C1C}">
+                <a14:useLocalDpi xmlns:a14="http://schemas.microsoft.com/office/drawing/2010/main" val="0"/>
+              </a:ext>
+            </a:extLst>
+          </a:blip>
+          <a:stretch>
+            <a:fillRect/>
+          </a:stretch>
+        </p:blipFill>
+        <p:spPr>
+          <a:xfrm>
+            <a:off x="6240016" y="2204864"/>
+            <a:ext cx="5430252" cy="3600400"/>
+          </a:xfrm>
+          <a:prstGeom prst="rect">
+            <a:avLst/>
+          </a:prstGeom>
+        </p:spPr>
+      </p:pic>
+      <p:pic>
+        <p:nvPicPr>
+          <p:cNvPr id="2" name="Grafik 1"/>
+          <p:cNvPicPr>
+            <a:picLocks noChangeAspect="1"/>
+          </p:cNvPicPr>
+          <p:nvPr/>
+        </p:nvPicPr>
+        <p:blipFill>
+          <a:blip r:embed="rId4" cstate="print">
+            <a:extLst>
+              <a:ext uri="{28A0092B-C50C-407E-A947-70E740481C1C}">
+                <a14:useLocalDpi xmlns:a14="http://schemas.microsoft.com/office/drawing/2010/main" val="0"/>
+              </a:ext>
+            </a:extLst>
+          </a:blip>
+          <a:stretch>
+            <a:fillRect/>
+          </a:stretch>
+        </p:blipFill>
+        <p:spPr>
+          <a:xfrm>
+            <a:off x="3935760" y="4149080"/>
+            <a:ext cx="1009696" cy="1009696"/>
+          </a:xfrm>
+          <a:prstGeom prst="rect">
+            <a:avLst/>
+          </a:prstGeom>
+        </p:spPr>
+      </p:pic>
+      <p:pic>
+        <p:nvPicPr>
+          <p:cNvPr id="3" name="Grafik 2"/>
+          <p:cNvPicPr>
+            <a:picLocks noChangeAspect="1"/>
+          </p:cNvPicPr>
+          <p:nvPr/>
+        </p:nvPicPr>
+        <p:blipFill>
+          <a:blip r:embed="rId5" cstate="print">
+            <a:extLst>
+              <a:ext uri="{28A0092B-C50C-407E-A947-70E740481C1C}">
+                <a14:useLocalDpi xmlns:a14="http://schemas.microsoft.com/office/drawing/2010/main" val="0"/>
+              </a:ext>
+            </a:extLst>
+          </a:blip>
+          <a:stretch>
+            <a:fillRect/>
+          </a:stretch>
+        </p:blipFill>
+        <p:spPr>
+          <a:xfrm>
+            <a:off x="2357302" y="3994111"/>
+            <a:ext cx="945653" cy="945653"/>
+          </a:xfrm>
+          <a:prstGeom prst="rect">
+            <a:avLst/>
+          </a:prstGeom>
+        </p:spPr>
+      </p:pic>
+    </p:spTree>
+    <p:extLst>
+      <p:ext uri="{BB962C8B-B14F-4D97-AF65-F5344CB8AC3E}">
+        <p14:creationId xmlns:p14="http://schemas.microsoft.com/office/powerpoint/2010/main" val="4189684548"/>
+      </p:ext>
+    </p:extLst>
+  </p:cSld>
+  <p:clrMapOvr>
+    <a:masterClrMapping/>
+  </p:clrMapOvr>
+  <p:timing>
+    <p:tnLst>
+      <p:par>
+        <p:cTn id="1" dur="indefinite" restart="never" nodeType="tmRoot"/>
+      </p:par>
+    </p:tnLst>
+  </p:timing>
+</p:sld>
+</file>
+
+<file path=ppt/slides/slide11.xml><?xml version="1.0" encoding="utf-8"?>
+<p:sld xmlns:a="http://schemas.openxmlformats.org/drawingml/2006/main" xmlns:r="http://schemas.openxmlformats.org/officeDocument/2006/relationships" xmlns:p="http://schemas.openxmlformats.org/presentationml/2006/main">
+  <p:cSld>
+    <p:spTree>
+      <p:nvGrpSpPr>
+        <p:cNvPr id="1" name=""/>
+        <p:cNvGrpSpPr/>
+        <p:nvPr/>
+      </p:nvGrpSpPr>
+      <p:grpSpPr>
+        <a:xfrm>
+          <a:off x="0" y="0"/>
+          <a:ext cx="0" cy="0"/>
+          <a:chOff x="0" y="0"/>
+          <a:chExt cx="0" cy="0"/>
+        </a:xfrm>
+      </p:grpSpPr>
+      <p:sp>
+        <p:nvSpPr>
           <p:cNvPr id="2" name="Titel 1">
             <a:extLst>
               <a:ext uri="{FF2B5EF4-FFF2-40B4-BE49-F238E27FC236}">
@@ -12309,7 +12541,7 @@
 </p:sld>
 </file>
 
-<file path=ppt/slides/slide11.xml><?xml version="1.0" encoding="utf-8"?>
+<file path=ppt/slides/slide12.xml><?xml version="1.0" encoding="utf-8"?>
 <p:sld xmlns:a="http://schemas.openxmlformats.org/drawingml/2006/main" xmlns:r="http://schemas.openxmlformats.org/officeDocument/2006/relationships" xmlns:p="http://schemas.openxmlformats.org/presentationml/2006/main">
   <p:cSld>
     <p:spTree>
@@ -12771,7 +13003,7 @@
 </p:sld>
 </file>
 
-<file path=ppt/slides/slide12.xml><?xml version="1.0" encoding="utf-8"?>
+<file path=ppt/slides/slide13.xml><?xml version="1.0" encoding="utf-8"?>
 <p:sld xmlns:a="http://schemas.openxmlformats.org/drawingml/2006/main" xmlns:r="http://schemas.openxmlformats.org/officeDocument/2006/relationships" xmlns:p="http://schemas.openxmlformats.org/presentationml/2006/main">
   <p:cSld>
     <p:spTree>
@@ -17701,7 +17933,7 @@
 </p:sld>
 </file>
 
-<file path=ppt/slides/slide13.xml><?xml version="1.0" encoding="utf-8"?>
+<file path=ppt/slides/slide14.xml><?xml version="1.0" encoding="utf-8"?>
 <p:sld xmlns:a="http://schemas.openxmlformats.org/drawingml/2006/main" xmlns:r="http://schemas.openxmlformats.org/officeDocument/2006/relationships" xmlns:p="http://schemas.openxmlformats.org/presentationml/2006/main">
   <p:cSld>
     <p:spTree>
@@ -17738,7 +17970,7 @@
           <a:graphicData uri="http://schemas.openxmlformats.org/presentationml/2006/ole">
             <mc:AlternateContent xmlns:mc="http://schemas.openxmlformats.org/markup-compatibility/2006">
               <mc:Choice xmlns:v="urn:schemas-microsoft-com:vml" Requires="v">
-                <p:oleObj spid="_x0000_s8200" name="think-cell Folie" r:id="rId5" imgW="360" imgH="360" progId="TCLayout.ActiveDocument.1">
+                <p:oleObj spid="_x0000_s8203" name="think-cell Folie" r:id="rId5" imgW="360" imgH="360" progId="TCLayout.ActiveDocument.1">
                   <p:embed/>
                 </p:oleObj>
               </mc:Choice>
@@ -18069,7 +18301,7 @@
 </p:sld>
 </file>
 
-<file path=ppt/slides/slide14.xml><?xml version="1.0" encoding="utf-8"?>
+<file path=ppt/slides/slide15.xml><?xml version="1.0" encoding="utf-8"?>
 <p:sld xmlns:a="http://schemas.openxmlformats.org/drawingml/2006/main" xmlns:r="http://schemas.openxmlformats.org/officeDocument/2006/relationships" xmlns:p="http://schemas.openxmlformats.org/presentationml/2006/main">
   <p:cSld>
     <p:spTree>
@@ -18217,7 +18449,7 @@
 </p:sld>
 </file>
 
-<file path=ppt/slides/slide15.xml><?xml version="1.0" encoding="utf-8"?>
+<file path=ppt/slides/slide16.xml><?xml version="1.0" encoding="utf-8"?>
 <p:sld xmlns:a="http://schemas.openxmlformats.org/drawingml/2006/main" xmlns:r="http://schemas.openxmlformats.org/officeDocument/2006/relationships" xmlns:p="http://schemas.openxmlformats.org/presentationml/2006/main">
   <p:cSld>
     <p:spTree>
@@ -18254,7 +18486,7 @@
           <a:graphicData uri="http://schemas.openxmlformats.org/presentationml/2006/ole">
             <mc:AlternateContent xmlns:mc="http://schemas.openxmlformats.org/markup-compatibility/2006">
               <mc:Choice xmlns:v="urn:schemas-microsoft-com:vml" Requires="v">
-                <p:oleObj spid="_x0000_s9224" name="think-cell Folie" r:id="rId5" imgW="360" imgH="360" progId="TCLayout.ActiveDocument.1">
+                <p:oleObj spid="_x0000_s9227" name="think-cell Folie" r:id="rId5" imgW="360" imgH="360" progId="TCLayout.ActiveDocument.1">
                   <p:embed/>
                 </p:oleObj>
               </mc:Choice>
@@ -18585,7 +18817,7 @@
 </p:sld>
 </file>
 
-<file path=ppt/slides/slide16.xml><?xml version="1.0" encoding="utf-8"?>
+<file path=ppt/slides/slide17.xml><?xml version="1.0" encoding="utf-8"?>
 <p:sld xmlns:a="http://schemas.openxmlformats.org/drawingml/2006/main" xmlns:r="http://schemas.openxmlformats.org/officeDocument/2006/relationships" xmlns:p="http://schemas.openxmlformats.org/presentationml/2006/main">
   <p:cSld>
     <p:spTree>
@@ -18689,7 +18921,7 @@
 </p:sld>
 </file>
 
-<file path=ppt/slides/slide17.xml><?xml version="1.0" encoding="utf-8"?>
+<file path=ppt/slides/slide18.xml><?xml version="1.0" encoding="utf-8"?>
 <p:sld xmlns:a="http://schemas.openxmlformats.org/drawingml/2006/main" xmlns:r="http://schemas.openxmlformats.org/officeDocument/2006/relationships" xmlns:p="http://schemas.openxmlformats.org/presentationml/2006/main">
   <p:cSld>
     <p:spTree>
@@ -18833,7 +19065,7 @@
           <a:graphicData uri="http://schemas.openxmlformats.org/presentationml/2006/ole">
             <mc:AlternateContent xmlns:mc="http://schemas.openxmlformats.org/markup-compatibility/2006">
               <mc:Choice xmlns:v="urn:schemas-microsoft-com:vml" Requires="v">
-                <p:oleObj spid="_x0000_s5128" name="think-cell Folie" r:id="rId5" imgW="360" imgH="360" progId="TCLayout.ActiveDocument.1">
+                <p:oleObj spid="_x0000_s5131" name="think-cell Folie" r:id="rId5" imgW="360" imgH="360" progId="TCLayout.ActiveDocument.1">
                   <p:embed/>
                 </p:oleObj>
               </mc:Choice>
@@ -19651,7 +19883,7 @@
           <a:graphicData uri="http://schemas.openxmlformats.org/presentationml/2006/ole">
             <mc:AlternateContent xmlns:mc="http://schemas.openxmlformats.org/markup-compatibility/2006">
               <mc:Choice xmlns:v="urn:schemas-microsoft-com:vml" Requires="v">
-                <p:oleObj spid="_x0000_s6152" name="think-cell Folie" r:id="rId5" imgW="360" imgH="360" progId="TCLayout.ActiveDocument.1">
+                <p:oleObj spid="_x0000_s6155" name="think-cell Folie" r:id="rId5" imgW="360" imgH="360" progId="TCLayout.ActiveDocument.1">
                   <p:embed/>
                 </p:oleObj>
               </mc:Choice>
@@ -20398,7 +20630,7 @@
           <a:graphicData uri="http://schemas.openxmlformats.org/presentationml/2006/ole">
             <mc:AlternateContent xmlns:mc="http://schemas.openxmlformats.org/markup-compatibility/2006">
               <mc:Choice xmlns:v="urn:schemas-microsoft-com:vml" Requires="v">
-                <p:oleObj spid="_x0000_s7176" name="think-cell Folie" r:id="rId5" imgW="360" imgH="360" progId="TCLayout.ActiveDocument.1">
+                <p:oleObj spid="_x0000_s7179" name="think-cell Folie" r:id="rId5" imgW="360" imgH="360" progId="TCLayout.ActiveDocument.1">
                   <p:embed/>
                 </p:oleObj>
               </mc:Choice>
@@ -21224,100 +21456,1562 @@
           </a:p>
         </p:txBody>
       </p:sp>
-      <p:pic>
-        <p:nvPicPr>
-          <p:cNvPr id="75" name="Grafik 74"/>
-          <p:cNvPicPr>
-            <a:picLocks noChangeAspect="1"/>
-          </p:cNvPicPr>
+      <p:sp>
+        <p:nvSpPr>
+          <p:cNvPr id="93" name="Rechteck 92"/>
+          <p:cNvSpPr/>
           <p:nvPr/>
-        </p:nvPicPr>
-        <p:blipFill>
-          <a:blip r:embed="rId3" cstate="print">
-            <a:extLst>
-              <a:ext uri="{28A0092B-C50C-407E-A947-70E740481C1C}">
-                <a14:useLocalDpi xmlns:a14="http://schemas.microsoft.com/office/drawing/2010/main" val="0"/>
-              </a:ext>
-            </a:extLst>
-          </a:blip>
-          <a:stretch>
-            <a:fillRect/>
-          </a:stretch>
-        </p:blipFill>
+        </p:nvSpPr>
         <p:spPr>
           <a:xfrm>
-            <a:off x="6240016" y="2204864"/>
-            <a:ext cx="5430252" cy="3600400"/>
+            <a:off x="334799" y="1052736"/>
+            <a:ext cx="11601455" cy="5544616"/>
           </a:xfrm>
           <a:prstGeom prst="rect">
             <a:avLst/>
           </a:prstGeom>
+          <a:noFill/>
+          <a:ln w="12700">
+            <a:solidFill>
+              <a:schemeClr val="tx1"/>
+            </a:solidFill>
+          </a:ln>
         </p:spPr>
-      </p:pic>
-      <p:pic>
-        <p:nvPicPr>
-          <p:cNvPr id="2" name="Grafik 1"/>
-          <p:cNvPicPr>
-            <a:picLocks noChangeAspect="1"/>
-          </p:cNvPicPr>
+        <p:style>
+          <a:lnRef idx="2">
+            <a:schemeClr val="accent1">
+              <a:shade val="50000"/>
+            </a:schemeClr>
+          </a:lnRef>
+          <a:fillRef idx="1">
+            <a:schemeClr val="accent1"/>
+          </a:fillRef>
+          <a:effectRef idx="0">
+            <a:schemeClr val="accent1"/>
+          </a:effectRef>
+          <a:fontRef idx="minor">
+            <a:schemeClr val="lt1"/>
+          </a:fontRef>
+        </p:style>
+        <p:txBody>
+          <a:bodyPr rtlCol="0" anchor="ctr"/>
+          <a:lstStyle/>
+          <a:p>
+            <a:pPr algn="ctr"/>
+            <a:endParaRPr lang="de-DE" dirty="0" err="1" smtClean="0">
+              <a:solidFill>
+                <a:schemeClr val="tx1"/>
+              </a:solidFill>
+            </a:endParaRPr>
+          </a:p>
+        </p:txBody>
+      </p:sp>
+      <p:grpSp>
+        <p:nvGrpSpPr>
+          <p:cNvPr id="50" name="Gruppieren 49"/>
+          <p:cNvGrpSpPr>
+            <a:grpSpLocks noChangeAspect="1"/>
+          </p:cNvGrpSpPr>
           <p:nvPr/>
-        </p:nvPicPr>
-        <p:blipFill>
-          <a:blip r:embed="rId4" cstate="print">
-            <a:extLst>
-              <a:ext uri="{28A0092B-C50C-407E-A947-70E740481C1C}">
-                <a14:useLocalDpi xmlns:a14="http://schemas.microsoft.com/office/drawing/2010/main" val="0"/>
-              </a:ext>
-            </a:extLst>
-          </a:blip>
-          <a:stretch>
-            <a:fillRect/>
-          </a:stretch>
-        </p:blipFill>
+        </p:nvGrpSpPr>
+        <p:grpSpPr>
+          <a:xfrm>
+            <a:off x="583996" y="3451229"/>
+            <a:ext cx="4828298" cy="2748455"/>
+            <a:chOff x="6444976" y="3026147"/>
+            <a:chExt cx="5531263" cy="3148610"/>
+          </a:xfrm>
+        </p:grpSpPr>
+        <p:grpSp>
+          <p:nvGrpSpPr>
+            <p:cNvPr id="40" name="Gruppieren 39"/>
+            <p:cNvGrpSpPr/>
+            <p:nvPr/>
+          </p:nvGrpSpPr>
+          <p:grpSpPr>
+            <a:xfrm>
+              <a:off x="6444976" y="3238524"/>
+              <a:ext cx="5531263" cy="2936233"/>
+              <a:chOff x="6444976" y="3238524"/>
+              <a:chExt cx="5531263" cy="2936233"/>
+            </a:xfrm>
+          </p:grpSpPr>
+          <p:grpSp>
+            <p:nvGrpSpPr>
+              <p:cNvPr id="94" name="Gruppieren 93"/>
+              <p:cNvGrpSpPr/>
+              <p:nvPr/>
+            </p:nvGrpSpPr>
+            <p:grpSpPr>
+              <a:xfrm>
+                <a:off x="6444976" y="3238524"/>
+                <a:ext cx="5531263" cy="2936233"/>
+                <a:chOff x="6353167" y="3212975"/>
+                <a:chExt cx="5531263" cy="2936233"/>
+              </a:xfrm>
+            </p:grpSpPr>
+            <p:pic>
+              <p:nvPicPr>
+                <p:cNvPr id="55" name="Grafik 54"/>
+                <p:cNvPicPr>
+                  <a:picLocks noChangeAspect="1"/>
+                </p:cNvPicPr>
+                <p:nvPr/>
+              </p:nvPicPr>
+              <p:blipFill>
+                <a:blip r:embed="rId3" cstate="print">
+                  <a:extLst>
+                    <a:ext uri="{28A0092B-C50C-407E-A947-70E740481C1C}">
+                      <a14:useLocalDpi xmlns:a14="http://schemas.microsoft.com/office/drawing/2010/main" val="0"/>
+                    </a:ext>
+                  </a:extLst>
+                </a:blip>
+                <a:stretch>
+                  <a:fillRect/>
+                </a:stretch>
+              </p:blipFill>
+              <p:spPr>
+                <a:xfrm>
+                  <a:off x="7285112" y="5412250"/>
+                  <a:ext cx="736958" cy="736958"/>
+                </a:xfrm>
+                <a:prstGeom prst="rect">
+                  <a:avLst/>
+                </a:prstGeom>
+              </p:spPr>
+            </p:pic>
+            <p:pic>
+              <p:nvPicPr>
+                <p:cNvPr id="56" name="Grafik 55"/>
+                <p:cNvPicPr>
+                  <a:picLocks noChangeAspect="1"/>
+                </p:cNvPicPr>
+                <p:nvPr/>
+              </p:nvPicPr>
+              <p:blipFill>
+                <a:blip r:embed="rId4" cstate="print">
+                  <a:extLst>
+                    <a:ext uri="{28A0092B-C50C-407E-A947-70E740481C1C}">
+                      <a14:useLocalDpi xmlns:a14="http://schemas.microsoft.com/office/drawing/2010/main" val="0"/>
+                    </a:ext>
+                  </a:extLst>
+                </a:blip>
+                <a:stretch>
+                  <a:fillRect/>
+                </a:stretch>
+              </p:blipFill>
+              <p:spPr>
+                <a:xfrm>
+                  <a:off x="6353167" y="5415014"/>
+                  <a:ext cx="546416" cy="546416"/>
+                </a:xfrm>
+                <a:prstGeom prst="rect">
+                  <a:avLst/>
+                </a:prstGeom>
+              </p:spPr>
+            </p:pic>
+            <p:pic>
+              <p:nvPicPr>
+                <p:cNvPr id="57" name="Grafik 56"/>
+                <p:cNvPicPr>
+                  <a:picLocks noChangeAspect="1"/>
+                </p:cNvPicPr>
+                <p:nvPr/>
+              </p:nvPicPr>
+              <p:blipFill>
+                <a:blip r:embed="rId3" cstate="print">
+                  <a:extLst>
+                    <a:ext uri="{28A0092B-C50C-407E-A947-70E740481C1C}">
+                      <a14:useLocalDpi xmlns:a14="http://schemas.microsoft.com/office/drawing/2010/main" val="0"/>
+                    </a:ext>
+                  </a:extLst>
+                </a:blip>
+                <a:stretch>
+                  <a:fillRect/>
+                </a:stretch>
+              </p:blipFill>
+              <p:spPr>
+                <a:xfrm>
+                  <a:off x="8230108" y="5412249"/>
+                  <a:ext cx="736958" cy="736958"/>
+                </a:xfrm>
+                <a:prstGeom prst="rect">
+                  <a:avLst/>
+                </a:prstGeom>
+              </p:spPr>
+            </p:pic>
+            <p:pic>
+              <p:nvPicPr>
+                <p:cNvPr id="58" name="Grafik 57"/>
+                <p:cNvPicPr>
+                  <a:picLocks noChangeAspect="1"/>
+                </p:cNvPicPr>
+                <p:nvPr/>
+              </p:nvPicPr>
+              <p:blipFill>
+                <a:blip r:embed="rId3" cstate="print">
+                  <a:extLst>
+                    <a:ext uri="{28A0092B-C50C-407E-A947-70E740481C1C}">
+                      <a14:useLocalDpi xmlns:a14="http://schemas.microsoft.com/office/drawing/2010/main" val="0"/>
+                    </a:ext>
+                  </a:extLst>
+                </a:blip>
+                <a:stretch>
+                  <a:fillRect/>
+                </a:stretch>
+              </p:blipFill>
+              <p:spPr>
+                <a:xfrm>
+                  <a:off x="10202476" y="5412250"/>
+                  <a:ext cx="736958" cy="736958"/>
+                </a:xfrm>
+                <a:prstGeom prst="rect">
+                  <a:avLst/>
+                </a:prstGeom>
+              </p:spPr>
+            </p:pic>
+            <p:pic>
+              <p:nvPicPr>
+                <p:cNvPr id="59" name="Grafik 58"/>
+                <p:cNvPicPr>
+                  <a:picLocks noChangeAspect="1"/>
+                </p:cNvPicPr>
+                <p:nvPr/>
+              </p:nvPicPr>
+              <p:blipFill>
+                <a:blip r:embed="rId4" cstate="print">
+                  <a:extLst>
+                    <a:ext uri="{28A0092B-C50C-407E-A947-70E740481C1C}">
+                      <a14:useLocalDpi xmlns:a14="http://schemas.microsoft.com/office/drawing/2010/main" val="0"/>
+                    </a:ext>
+                  </a:extLst>
+                </a:blip>
+                <a:stretch>
+                  <a:fillRect/>
+                </a:stretch>
+              </p:blipFill>
+              <p:spPr>
+                <a:xfrm>
+                  <a:off x="9270531" y="5415014"/>
+                  <a:ext cx="546416" cy="546416"/>
+                </a:xfrm>
+                <a:prstGeom prst="rect">
+                  <a:avLst/>
+                </a:prstGeom>
+              </p:spPr>
+            </p:pic>
+            <p:pic>
+              <p:nvPicPr>
+                <p:cNvPr id="60" name="Grafik 59"/>
+                <p:cNvPicPr>
+                  <a:picLocks noChangeAspect="1"/>
+                </p:cNvPicPr>
+                <p:nvPr/>
+              </p:nvPicPr>
+              <p:blipFill>
+                <a:blip r:embed="rId3" cstate="print">
+                  <a:extLst>
+                    <a:ext uri="{28A0092B-C50C-407E-A947-70E740481C1C}">
+                      <a14:useLocalDpi xmlns:a14="http://schemas.microsoft.com/office/drawing/2010/main" val="0"/>
+                    </a:ext>
+                  </a:extLst>
+                </a:blip>
+                <a:stretch>
+                  <a:fillRect/>
+                </a:stretch>
+              </p:blipFill>
+              <p:spPr>
+                <a:xfrm>
+                  <a:off x="11147472" y="5412249"/>
+                  <a:ext cx="736958" cy="736958"/>
+                </a:xfrm>
+                <a:prstGeom prst="rect">
+                  <a:avLst/>
+                </a:prstGeom>
+              </p:spPr>
+            </p:pic>
+            <p:cxnSp>
+              <p:nvCxnSpPr>
+                <p:cNvPr id="62" name="Gerader Verbinder 61"/>
+                <p:cNvCxnSpPr>
+                  <a:endCxn id="56" idx="0"/>
+                </p:cNvCxnSpPr>
+                <p:nvPr/>
+              </p:nvCxnSpPr>
+              <p:spPr>
+                <a:xfrm flipH="1">
+                  <a:off x="6626375" y="3894050"/>
+                  <a:ext cx="1950759" cy="1520964"/>
+                </a:xfrm>
+                <a:prstGeom prst="line">
+                  <a:avLst/>
+                </a:prstGeom>
+                <a:ln w="31750">
+                  <a:prstDash val="dash"/>
+                </a:ln>
+              </p:spPr>
+              <p:style>
+                <a:lnRef idx="1">
+                  <a:schemeClr val="accent1"/>
+                </a:lnRef>
+                <a:fillRef idx="0">
+                  <a:schemeClr val="accent1"/>
+                </a:fillRef>
+                <a:effectRef idx="0">
+                  <a:schemeClr val="accent1"/>
+                </a:effectRef>
+                <a:fontRef idx="minor">
+                  <a:schemeClr val="tx1"/>
+                </a:fontRef>
+              </p:style>
+            </p:cxnSp>
+            <p:cxnSp>
+              <p:nvCxnSpPr>
+                <p:cNvPr id="63" name="Gerader Verbinder 62"/>
+                <p:cNvCxnSpPr>
+                  <a:endCxn id="55" idx="0"/>
+                </p:cNvCxnSpPr>
+                <p:nvPr/>
+              </p:nvCxnSpPr>
+              <p:spPr>
+                <a:xfrm flipH="1">
+                  <a:off x="7653591" y="3945746"/>
+                  <a:ext cx="1147343" cy="1466504"/>
+                </a:xfrm>
+                <a:prstGeom prst="line">
+                  <a:avLst/>
+                </a:prstGeom>
+                <a:ln w="31750">
+                  <a:prstDash val="dash"/>
+                </a:ln>
+              </p:spPr>
+              <p:style>
+                <a:lnRef idx="1">
+                  <a:schemeClr val="accent1"/>
+                </a:lnRef>
+                <a:fillRef idx="0">
+                  <a:schemeClr val="accent1"/>
+                </a:fillRef>
+                <a:effectRef idx="0">
+                  <a:schemeClr val="accent1"/>
+                </a:effectRef>
+                <a:fontRef idx="minor">
+                  <a:schemeClr val="tx1"/>
+                </a:fontRef>
+              </p:style>
+            </p:cxnSp>
+            <p:cxnSp>
+              <p:nvCxnSpPr>
+                <p:cNvPr id="77" name="Gerader Verbinder 76"/>
+                <p:cNvCxnSpPr>
+                  <a:endCxn id="57" idx="0"/>
+                </p:cNvCxnSpPr>
+                <p:nvPr/>
+              </p:nvCxnSpPr>
+              <p:spPr>
+                <a:xfrm flipH="1">
+                  <a:off x="8598587" y="3942982"/>
+                  <a:ext cx="398411" cy="1469267"/>
+                </a:xfrm>
+                <a:prstGeom prst="line">
+                  <a:avLst/>
+                </a:prstGeom>
+                <a:ln w="31750">
+                  <a:prstDash val="dash"/>
+                </a:ln>
+              </p:spPr>
+              <p:style>
+                <a:lnRef idx="1">
+                  <a:schemeClr val="accent1"/>
+                </a:lnRef>
+                <a:fillRef idx="0">
+                  <a:schemeClr val="accent1"/>
+                </a:fillRef>
+                <a:effectRef idx="0">
+                  <a:schemeClr val="accent1"/>
+                </a:effectRef>
+                <a:fontRef idx="minor">
+                  <a:schemeClr val="tx1"/>
+                </a:fontRef>
+              </p:style>
+            </p:cxnSp>
+            <p:cxnSp>
+              <p:nvCxnSpPr>
+                <p:cNvPr id="78" name="Gerader Verbinder 77"/>
+                <p:cNvCxnSpPr/>
+                <p:nvPr/>
+              </p:nvCxnSpPr>
+              <p:spPr>
+                <a:xfrm>
+                  <a:off x="9163300" y="3942982"/>
+                  <a:ext cx="328232" cy="1483660"/>
+                </a:xfrm>
+                <a:prstGeom prst="line">
+                  <a:avLst/>
+                </a:prstGeom>
+                <a:ln w="31750">
+                  <a:prstDash val="dash"/>
+                </a:ln>
+              </p:spPr>
+              <p:style>
+                <a:lnRef idx="1">
+                  <a:schemeClr val="accent1"/>
+                </a:lnRef>
+                <a:fillRef idx="0">
+                  <a:schemeClr val="accent1"/>
+                </a:fillRef>
+                <a:effectRef idx="0">
+                  <a:schemeClr val="accent1"/>
+                </a:effectRef>
+                <a:fontRef idx="minor">
+                  <a:schemeClr val="tx1"/>
+                </a:fontRef>
+              </p:style>
+            </p:cxnSp>
+            <p:cxnSp>
+              <p:nvCxnSpPr>
+                <p:cNvPr id="79" name="Gerader Verbinder 78"/>
+                <p:cNvCxnSpPr/>
+                <p:nvPr/>
+              </p:nvCxnSpPr>
+              <p:spPr>
+                <a:xfrm>
+                  <a:off x="9352469" y="3942982"/>
+                  <a:ext cx="1218486" cy="1457640"/>
+                </a:xfrm>
+                <a:prstGeom prst="line">
+                  <a:avLst/>
+                </a:prstGeom>
+                <a:ln w="31750">
+                  <a:prstDash val="dash"/>
+                </a:ln>
+              </p:spPr>
+              <p:style>
+                <a:lnRef idx="1">
+                  <a:schemeClr val="accent1"/>
+                </a:lnRef>
+                <a:fillRef idx="0">
+                  <a:schemeClr val="accent1"/>
+                </a:fillRef>
+                <a:effectRef idx="0">
+                  <a:schemeClr val="accent1"/>
+                </a:effectRef>
+                <a:fontRef idx="minor">
+                  <a:schemeClr val="tx1"/>
+                </a:fontRef>
+              </p:style>
+            </p:cxnSp>
+            <p:cxnSp>
+              <p:nvCxnSpPr>
+                <p:cNvPr id="80" name="Gerader Verbinder 79"/>
+                <p:cNvCxnSpPr/>
+                <p:nvPr/>
+              </p:nvCxnSpPr>
+              <p:spPr>
+                <a:xfrm>
+                  <a:off x="9496573" y="3894050"/>
+                  <a:ext cx="1987343" cy="1524013"/>
+                </a:xfrm>
+                <a:prstGeom prst="line">
+                  <a:avLst/>
+                </a:prstGeom>
+                <a:ln w="31750">
+                  <a:prstDash val="dash"/>
+                </a:ln>
+              </p:spPr>
+              <p:style>
+                <a:lnRef idx="1">
+                  <a:schemeClr val="accent1"/>
+                </a:lnRef>
+                <a:fillRef idx="0">
+                  <a:schemeClr val="accent1"/>
+                </a:fillRef>
+                <a:effectRef idx="0">
+                  <a:schemeClr val="accent1"/>
+                </a:effectRef>
+                <a:fontRef idx="minor">
+                  <a:schemeClr val="tx1"/>
+                </a:fontRef>
+              </p:style>
+            </p:cxnSp>
+            <p:pic>
+              <p:nvPicPr>
+                <p:cNvPr id="81" name="Grafik 80"/>
+                <p:cNvPicPr>
+                  <a:picLocks noChangeAspect="1"/>
+                </p:cNvPicPr>
+                <p:nvPr/>
+              </p:nvPicPr>
+              <p:blipFill>
+                <a:blip r:embed="rId5" cstate="print">
+                  <a:extLst>
+                    <a:ext uri="{28A0092B-C50C-407E-A947-70E740481C1C}">
+                      <a14:useLocalDpi xmlns:a14="http://schemas.microsoft.com/office/drawing/2010/main" val="0"/>
+                    </a:ext>
+                  </a:extLst>
+                </a:blip>
+                <a:stretch>
+                  <a:fillRect/>
+                </a:stretch>
+              </p:blipFill>
+              <p:spPr>
+                <a:xfrm>
+                  <a:off x="8628519" y="3212975"/>
+                  <a:ext cx="868054" cy="868054"/>
+                </a:xfrm>
+                <a:prstGeom prst="rect">
+                  <a:avLst/>
+                </a:prstGeom>
+              </p:spPr>
+            </p:pic>
+          </p:grpSp>
+          <p:pic>
+            <p:nvPicPr>
+              <p:cNvPr id="95" name="Grafik 94"/>
+              <p:cNvPicPr>
+                <a:picLocks noChangeAspect="1"/>
+              </p:cNvPicPr>
+              <p:nvPr/>
+            </p:nvPicPr>
+            <p:blipFill>
+              <a:blip r:embed="rId6" cstate="print">
+                <a:extLst>
+                  <a:ext uri="{28A0092B-C50C-407E-A947-70E740481C1C}">
+                    <a14:useLocalDpi xmlns:a14="http://schemas.microsoft.com/office/drawing/2010/main" val="0"/>
+                  </a:ext>
+                </a:extLst>
+              </a:blip>
+              <a:stretch>
+                <a:fillRect/>
+              </a:stretch>
+            </p:blipFill>
+            <p:spPr>
+              <a:xfrm>
+                <a:off x="6940023" y="3329456"/>
+                <a:ext cx="639075" cy="639075"/>
+              </a:xfrm>
+              <a:prstGeom prst="rect">
+                <a:avLst/>
+              </a:prstGeom>
+            </p:spPr>
+          </p:pic>
+          <p:cxnSp>
+            <p:nvCxnSpPr>
+              <p:cNvPr id="98" name="Gerader Verbinder 97"/>
+              <p:cNvCxnSpPr>
+                <a:stCxn id="81" idx="1"/>
+                <a:endCxn id="95" idx="3"/>
+              </p:cNvCxnSpPr>
+              <p:nvPr/>
+            </p:nvCxnSpPr>
+            <p:spPr>
+              <a:xfrm flipH="1" flipV="1">
+                <a:off x="7579098" y="3648994"/>
+                <a:ext cx="1141230" cy="23557"/>
+              </a:xfrm>
+              <a:prstGeom prst="line">
+                <a:avLst/>
+              </a:prstGeom>
+              <a:ln w="31750">
+                <a:prstDash val="dash"/>
+              </a:ln>
+            </p:spPr>
+            <p:style>
+              <a:lnRef idx="1">
+                <a:schemeClr val="accent1"/>
+              </a:lnRef>
+              <a:fillRef idx="0">
+                <a:schemeClr val="accent1"/>
+              </a:fillRef>
+              <a:effectRef idx="0">
+                <a:schemeClr val="accent1"/>
+              </a:effectRef>
+              <a:fontRef idx="minor">
+                <a:schemeClr val="tx1"/>
+              </a:fontRef>
+            </p:style>
+          </p:cxnSp>
+        </p:grpSp>
+        <p:sp>
+          <p:nvSpPr>
+            <p:cNvPr id="99" name="Textfeld 98"/>
+            <p:cNvSpPr txBox="1"/>
+            <p:nvPr/>
+          </p:nvSpPr>
+          <p:spPr>
+            <a:xfrm>
+              <a:off x="8832190" y="3033833"/>
+              <a:ext cx="787395" cy="369332"/>
+            </a:xfrm>
+            <a:prstGeom prst="rect">
+              <a:avLst/>
+            </a:prstGeom>
+            <a:noFill/>
+          </p:spPr>
+          <p:txBody>
+            <a:bodyPr wrap="none" rtlCol="0">
+              <a:spAutoFit/>
+            </a:bodyPr>
+            <a:lstStyle/>
+            <a:p>
+              <a:r>
+                <a:rPr lang="de-DE" dirty="0" smtClean="0"/>
+                <a:t>Cloud</a:t>
+              </a:r>
+              <a:endParaRPr lang="de-DE" dirty="0"/>
+            </a:p>
+          </p:txBody>
+        </p:sp>
+        <p:sp>
+          <p:nvSpPr>
+            <p:cNvPr id="101" name="Textfeld 100"/>
+            <p:cNvSpPr txBox="1"/>
+            <p:nvPr/>
+          </p:nvSpPr>
+          <p:spPr>
+            <a:xfrm>
+              <a:off x="6637404" y="3026147"/>
+              <a:ext cx="1107996" cy="369332"/>
+            </a:xfrm>
+            <a:prstGeom prst="rect">
+              <a:avLst/>
+            </a:prstGeom>
+            <a:noFill/>
+          </p:spPr>
+          <p:txBody>
+            <a:bodyPr wrap="none" rtlCol="0">
+              <a:spAutoFit/>
+            </a:bodyPr>
+            <a:lstStyle/>
+            <a:p>
+              <a:r>
+                <a:rPr lang="de-DE" dirty="0" smtClean="0"/>
+                <a:t>Benutzer</a:t>
+              </a:r>
+              <a:endParaRPr lang="de-DE" dirty="0"/>
+            </a:p>
+          </p:txBody>
+        </p:sp>
+      </p:grpSp>
+      <p:grpSp>
+        <p:nvGrpSpPr>
+          <p:cNvPr id="48" name="Gruppieren 47"/>
+          <p:cNvGrpSpPr>
+            <a:grpSpLocks noChangeAspect="1"/>
+          </p:cNvGrpSpPr>
+          <p:nvPr/>
+        </p:nvGrpSpPr>
+        <p:grpSpPr>
+          <a:xfrm>
+            <a:off x="6053568" y="3285018"/>
+            <a:ext cx="5411570" cy="2914665"/>
+            <a:chOff x="186366" y="3034615"/>
+            <a:chExt cx="5830208" cy="3140143"/>
+          </a:xfrm>
+        </p:grpSpPr>
+        <p:grpSp>
+          <p:nvGrpSpPr>
+            <p:cNvPr id="46" name="Gruppieren 45"/>
+            <p:cNvGrpSpPr/>
+            <p:nvPr/>
+          </p:nvGrpSpPr>
+          <p:grpSpPr>
+            <a:xfrm>
+              <a:off x="345724" y="3238525"/>
+              <a:ext cx="5670850" cy="2936233"/>
+              <a:chOff x="345724" y="3238525"/>
+              <a:chExt cx="5670850" cy="2936233"/>
+            </a:xfrm>
+          </p:grpSpPr>
+          <p:pic>
+            <p:nvPicPr>
+              <p:cNvPr id="10" name="Grafik 9"/>
+              <p:cNvPicPr>
+                <a:picLocks noChangeAspect="1"/>
+              </p:cNvPicPr>
+              <p:nvPr/>
+            </p:nvPicPr>
+            <p:blipFill>
+              <a:blip r:embed="rId6" cstate="print">
+                <a:extLst>
+                  <a:ext uri="{28A0092B-C50C-407E-A947-70E740481C1C}">
+                    <a14:useLocalDpi xmlns:a14="http://schemas.microsoft.com/office/drawing/2010/main" val="0"/>
+                  </a:ext>
+                </a:extLst>
+              </a:blip>
+              <a:stretch>
+                <a:fillRect/>
+              </a:stretch>
+            </p:blipFill>
+            <p:spPr>
+              <a:xfrm>
+                <a:off x="345724" y="3771931"/>
+                <a:ext cx="639075" cy="639075"/>
+              </a:xfrm>
+              <a:prstGeom prst="rect">
+                <a:avLst/>
+              </a:prstGeom>
+            </p:spPr>
+          </p:pic>
+          <p:grpSp>
+            <p:nvGrpSpPr>
+              <p:cNvPr id="76" name="Gruppieren 75"/>
+              <p:cNvGrpSpPr>
+                <a:grpSpLocks noChangeAspect="1"/>
+              </p:cNvGrpSpPr>
+              <p:nvPr/>
+            </p:nvGrpSpPr>
+            <p:grpSpPr>
+              <a:xfrm>
+                <a:off x="485311" y="3238525"/>
+                <a:ext cx="5531263" cy="2936233"/>
+                <a:chOff x="319025" y="1067623"/>
+                <a:chExt cx="9572670" cy="5081586"/>
+              </a:xfrm>
+            </p:grpSpPr>
+            <p:pic>
+              <p:nvPicPr>
+                <p:cNvPr id="9" name="Grafik 8"/>
+                <p:cNvPicPr>
+                  <a:picLocks noChangeAspect="1"/>
+                </p:cNvPicPr>
+                <p:nvPr/>
+              </p:nvPicPr>
+              <p:blipFill>
+                <a:blip r:embed="rId7" cstate="print">
+                  <a:extLst>
+                    <a:ext uri="{28A0092B-C50C-407E-A947-70E740481C1C}">
+                      <a14:useLocalDpi xmlns:a14="http://schemas.microsoft.com/office/drawing/2010/main" val="0"/>
+                    </a:ext>
+                  </a:extLst>
+                </a:blip>
+                <a:stretch>
+                  <a:fillRect/>
+                </a:stretch>
+              </p:blipFill>
+              <p:spPr>
+                <a:xfrm>
+                  <a:off x="2274940" y="3122343"/>
+                  <a:ext cx="673679" cy="1038426"/>
+                </a:xfrm>
+                <a:prstGeom prst="rect">
+                  <a:avLst/>
+                </a:prstGeom>
+              </p:spPr>
+            </p:pic>
+            <p:pic>
+              <p:nvPicPr>
+                <p:cNvPr id="24" name="Grafik 23"/>
+                <p:cNvPicPr>
+                  <a:picLocks noChangeAspect="1"/>
+                </p:cNvPicPr>
+                <p:nvPr/>
+              </p:nvPicPr>
+              <p:blipFill>
+                <a:blip r:embed="rId3" cstate="print">
+                  <a:extLst>
+                    <a:ext uri="{28A0092B-C50C-407E-A947-70E740481C1C}">
+                      <a14:useLocalDpi xmlns:a14="http://schemas.microsoft.com/office/drawing/2010/main" val="0"/>
+                    </a:ext>
+                  </a:extLst>
+                </a:blip>
+                <a:stretch>
+                  <a:fillRect/>
+                </a:stretch>
+              </p:blipFill>
+              <p:spPr>
+                <a:xfrm>
+                  <a:off x="1931894" y="4873794"/>
+                  <a:ext cx="1275415" cy="1275415"/>
+                </a:xfrm>
+                <a:prstGeom prst="rect">
+                  <a:avLst/>
+                </a:prstGeom>
+              </p:spPr>
+            </p:pic>
+            <p:pic>
+              <p:nvPicPr>
+                <p:cNvPr id="25" name="Grafik 24"/>
+                <p:cNvPicPr>
+                  <a:picLocks noChangeAspect="1"/>
+                </p:cNvPicPr>
+                <p:nvPr/>
+              </p:nvPicPr>
+              <p:blipFill>
+                <a:blip r:embed="rId4" cstate="print">
+                  <a:extLst>
+                    <a:ext uri="{28A0092B-C50C-407E-A947-70E740481C1C}">
+                      <a14:useLocalDpi xmlns:a14="http://schemas.microsoft.com/office/drawing/2010/main" val="0"/>
+                    </a:ext>
+                  </a:extLst>
+                </a:blip>
+                <a:stretch>
+                  <a:fillRect/>
+                </a:stretch>
+              </p:blipFill>
+              <p:spPr>
+                <a:xfrm>
+                  <a:off x="319025" y="4878577"/>
+                  <a:ext cx="945653" cy="945653"/>
+                </a:xfrm>
+                <a:prstGeom prst="rect">
+                  <a:avLst/>
+                </a:prstGeom>
+              </p:spPr>
+            </p:pic>
+            <p:pic>
+              <p:nvPicPr>
+                <p:cNvPr id="26" name="Grafik 25"/>
+                <p:cNvPicPr>
+                  <a:picLocks noChangeAspect="1"/>
+                </p:cNvPicPr>
+                <p:nvPr/>
+              </p:nvPicPr>
+              <p:blipFill>
+                <a:blip r:embed="rId3" cstate="print">
+                  <a:extLst>
+                    <a:ext uri="{28A0092B-C50C-407E-A947-70E740481C1C}">
+                      <a14:useLocalDpi xmlns:a14="http://schemas.microsoft.com/office/drawing/2010/main" val="0"/>
+                    </a:ext>
+                  </a:extLst>
+                </a:blip>
+                <a:stretch>
+                  <a:fillRect/>
+                </a:stretch>
+              </p:blipFill>
+              <p:spPr>
+                <a:xfrm>
+                  <a:off x="3567350" y="4873793"/>
+                  <a:ext cx="1275415" cy="1275415"/>
+                </a:xfrm>
+                <a:prstGeom prst="rect">
+                  <a:avLst/>
+                </a:prstGeom>
+              </p:spPr>
+            </p:pic>
+            <p:pic>
+              <p:nvPicPr>
+                <p:cNvPr id="27" name="Grafik 26"/>
+                <p:cNvPicPr>
+                  <a:picLocks noChangeAspect="1"/>
+                </p:cNvPicPr>
+                <p:nvPr/>
+              </p:nvPicPr>
+              <p:blipFill>
+                <a:blip r:embed="rId3" cstate="print">
+                  <a:extLst>
+                    <a:ext uri="{28A0092B-C50C-407E-A947-70E740481C1C}">
+                      <a14:useLocalDpi xmlns:a14="http://schemas.microsoft.com/office/drawing/2010/main" val="0"/>
+                    </a:ext>
+                  </a:extLst>
+                </a:blip>
+                <a:stretch>
+                  <a:fillRect/>
+                </a:stretch>
+              </p:blipFill>
+              <p:spPr>
+                <a:xfrm>
+                  <a:off x="6980824" y="4873794"/>
+                  <a:ext cx="1275415" cy="1275415"/>
+                </a:xfrm>
+                <a:prstGeom prst="rect">
+                  <a:avLst/>
+                </a:prstGeom>
+              </p:spPr>
+            </p:pic>
+            <p:pic>
+              <p:nvPicPr>
+                <p:cNvPr id="28" name="Grafik 27"/>
+                <p:cNvPicPr>
+                  <a:picLocks noChangeAspect="1"/>
+                </p:cNvPicPr>
+                <p:nvPr/>
+              </p:nvPicPr>
+              <p:blipFill>
+                <a:blip r:embed="rId4" cstate="print">
+                  <a:extLst>
+                    <a:ext uri="{28A0092B-C50C-407E-A947-70E740481C1C}">
+                      <a14:useLocalDpi xmlns:a14="http://schemas.microsoft.com/office/drawing/2010/main" val="0"/>
+                    </a:ext>
+                  </a:extLst>
+                </a:blip>
+                <a:stretch>
+                  <a:fillRect/>
+                </a:stretch>
+              </p:blipFill>
+              <p:spPr>
+                <a:xfrm>
+                  <a:off x="5367955" y="4878577"/>
+                  <a:ext cx="945653" cy="945653"/>
+                </a:xfrm>
+                <a:prstGeom prst="rect">
+                  <a:avLst/>
+                </a:prstGeom>
+              </p:spPr>
+            </p:pic>
+            <p:pic>
+              <p:nvPicPr>
+                <p:cNvPr id="29" name="Grafik 28"/>
+                <p:cNvPicPr>
+                  <a:picLocks noChangeAspect="1"/>
+                </p:cNvPicPr>
+                <p:nvPr/>
+              </p:nvPicPr>
+              <p:blipFill>
+                <a:blip r:embed="rId3" cstate="print">
+                  <a:extLst>
+                    <a:ext uri="{28A0092B-C50C-407E-A947-70E740481C1C}">
+                      <a14:useLocalDpi xmlns:a14="http://schemas.microsoft.com/office/drawing/2010/main" val="0"/>
+                    </a:ext>
+                  </a:extLst>
+                </a:blip>
+                <a:stretch>
+                  <a:fillRect/>
+                </a:stretch>
+              </p:blipFill>
+              <p:spPr>
+                <a:xfrm>
+                  <a:off x="8616280" y="4873793"/>
+                  <a:ext cx="1275415" cy="1275415"/>
+                </a:xfrm>
+                <a:prstGeom prst="rect">
+                  <a:avLst/>
+                </a:prstGeom>
+              </p:spPr>
+            </p:pic>
+            <p:pic>
+              <p:nvPicPr>
+                <p:cNvPr id="30" name="Grafik 29"/>
+                <p:cNvPicPr>
+                  <a:picLocks noChangeAspect="1"/>
+                </p:cNvPicPr>
+                <p:nvPr/>
+              </p:nvPicPr>
+              <p:blipFill>
+                <a:blip r:embed="rId7" cstate="print">
+                  <a:extLst>
+                    <a:ext uri="{28A0092B-C50C-407E-A947-70E740481C1C}">
+                      <a14:useLocalDpi xmlns:a14="http://schemas.microsoft.com/office/drawing/2010/main" val="0"/>
+                    </a:ext>
+                  </a:extLst>
+                </a:blip>
+                <a:stretch>
+                  <a:fillRect/>
+                </a:stretch>
+              </p:blipFill>
+              <p:spPr>
+                <a:xfrm>
+                  <a:off x="7281691" y="3122343"/>
+                  <a:ext cx="673679" cy="1038426"/>
+                </a:xfrm>
+                <a:prstGeom prst="rect">
+                  <a:avLst/>
+                </a:prstGeom>
+              </p:spPr>
+            </p:pic>
+            <p:cxnSp>
+              <p:nvCxnSpPr>
+                <p:cNvPr id="31" name="Gerader Verbinder 30"/>
+                <p:cNvCxnSpPr>
+                  <a:endCxn id="25" idx="0"/>
+                </p:cNvCxnSpPr>
+                <p:nvPr/>
+              </p:nvCxnSpPr>
+              <p:spPr>
+                <a:xfrm flipH="1">
+                  <a:off x="791852" y="4160769"/>
+                  <a:ext cx="1395008" cy="717808"/>
+                </a:xfrm>
+                <a:prstGeom prst="line">
+                  <a:avLst/>
+                </a:prstGeom>
+                <a:ln w="31750">
+                  <a:prstDash val="dash"/>
+                </a:ln>
+              </p:spPr>
+              <p:style>
+                <a:lnRef idx="1">
+                  <a:schemeClr val="accent1"/>
+                </a:lnRef>
+                <a:fillRef idx="0">
+                  <a:schemeClr val="accent1"/>
+                </a:fillRef>
+                <a:effectRef idx="0">
+                  <a:schemeClr val="accent1"/>
+                </a:effectRef>
+                <a:fontRef idx="minor">
+                  <a:schemeClr val="tx1"/>
+                </a:fontRef>
+              </p:style>
+            </p:cxnSp>
+            <p:cxnSp>
+              <p:nvCxnSpPr>
+                <p:cNvPr id="34" name="Gerader Verbinder 33"/>
+                <p:cNvCxnSpPr>
+                  <a:endCxn id="24" idx="0"/>
+                </p:cNvCxnSpPr>
+                <p:nvPr/>
+              </p:nvCxnSpPr>
+              <p:spPr>
+                <a:xfrm>
+                  <a:off x="2569601" y="4293096"/>
+                  <a:ext cx="1" cy="580698"/>
+                </a:xfrm>
+                <a:prstGeom prst="line">
+                  <a:avLst/>
+                </a:prstGeom>
+                <a:ln w="31750">
+                  <a:prstDash val="dash"/>
+                </a:ln>
+              </p:spPr>
+              <p:style>
+                <a:lnRef idx="1">
+                  <a:schemeClr val="accent1"/>
+                </a:lnRef>
+                <a:fillRef idx="0">
+                  <a:schemeClr val="accent1"/>
+                </a:fillRef>
+                <a:effectRef idx="0">
+                  <a:schemeClr val="accent1"/>
+                </a:effectRef>
+                <a:fontRef idx="minor">
+                  <a:schemeClr val="tx1"/>
+                </a:fontRef>
+              </p:style>
+            </p:cxnSp>
+            <p:cxnSp>
+              <p:nvCxnSpPr>
+                <p:cNvPr id="38" name="Gerader Verbinder 37"/>
+                <p:cNvCxnSpPr>
+                  <a:endCxn id="26" idx="0"/>
+                </p:cNvCxnSpPr>
+                <p:nvPr/>
+              </p:nvCxnSpPr>
+              <p:spPr>
+                <a:xfrm>
+                  <a:off x="2964655" y="4160769"/>
+                  <a:ext cx="1240403" cy="713024"/>
+                </a:xfrm>
+                <a:prstGeom prst="line">
+                  <a:avLst/>
+                </a:prstGeom>
+                <a:ln w="31750">
+                  <a:prstDash val="dash"/>
+                </a:ln>
+              </p:spPr>
+              <p:style>
+                <a:lnRef idx="1">
+                  <a:schemeClr val="accent1"/>
+                </a:lnRef>
+                <a:fillRef idx="0">
+                  <a:schemeClr val="accent1"/>
+                </a:fillRef>
+                <a:effectRef idx="0">
+                  <a:schemeClr val="accent1"/>
+                </a:effectRef>
+                <a:fontRef idx="minor">
+                  <a:schemeClr val="tx1"/>
+                </a:fontRef>
+              </p:style>
+            </p:cxnSp>
+            <p:cxnSp>
+              <p:nvCxnSpPr>
+                <p:cNvPr id="41" name="Gerader Verbinder 40"/>
+                <p:cNvCxnSpPr/>
+                <p:nvPr/>
+              </p:nvCxnSpPr>
+              <p:spPr>
+                <a:xfrm flipH="1">
+                  <a:off x="5750429" y="4180893"/>
+                  <a:ext cx="1395008" cy="717808"/>
+                </a:xfrm>
+                <a:prstGeom prst="line">
+                  <a:avLst/>
+                </a:prstGeom>
+                <a:ln w="31750">
+                  <a:prstDash val="dash"/>
+                </a:ln>
+              </p:spPr>
+              <p:style>
+                <a:lnRef idx="1">
+                  <a:schemeClr val="accent1"/>
+                </a:lnRef>
+                <a:fillRef idx="0">
+                  <a:schemeClr val="accent1"/>
+                </a:fillRef>
+                <a:effectRef idx="0">
+                  <a:schemeClr val="accent1"/>
+                </a:effectRef>
+                <a:fontRef idx="minor">
+                  <a:schemeClr val="tx1"/>
+                </a:fontRef>
+              </p:style>
+            </p:cxnSp>
+            <p:cxnSp>
+              <p:nvCxnSpPr>
+                <p:cNvPr id="42" name="Gerader Verbinder 41"/>
+                <p:cNvCxnSpPr/>
+                <p:nvPr/>
+              </p:nvCxnSpPr>
+              <p:spPr>
+                <a:xfrm>
+                  <a:off x="7618530" y="4272972"/>
+                  <a:ext cx="1" cy="580698"/>
+                </a:xfrm>
+                <a:prstGeom prst="line">
+                  <a:avLst/>
+                </a:prstGeom>
+                <a:ln w="31750">
+                  <a:prstDash val="dash"/>
+                </a:ln>
+              </p:spPr>
+              <p:style>
+                <a:lnRef idx="1">
+                  <a:schemeClr val="accent1"/>
+                </a:lnRef>
+                <a:fillRef idx="0">
+                  <a:schemeClr val="accent1"/>
+                </a:fillRef>
+                <a:effectRef idx="0">
+                  <a:schemeClr val="accent1"/>
+                </a:effectRef>
+                <a:fontRef idx="minor">
+                  <a:schemeClr val="tx1"/>
+                </a:fontRef>
+              </p:style>
+            </p:cxnSp>
+            <p:cxnSp>
+              <p:nvCxnSpPr>
+                <p:cNvPr id="43" name="Gerader Verbinder 42"/>
+                <p:cNvCxnSpPr/>
+                <p:nvPr/>
+              </p:nvCxnSpPr>
+              <p:spPr>
+                <a:xfrm>
+                  <a:off x="7958144" y="4170831"/>
+                  <a:ext cx="1240403" cy="713024"/>
+                </a:xfrm>
+                <a:prstGeom prst="line">
+                  <a:avLst/>
+                </a:prstGeom>
+                <a:ln w="31750">
+                  <a:prstDash val="dash"/>
+                </a:ln>
+              </p:spPr>
+              <p:style>
+                <a:lnRef idx="1">
+                  <a:schemeClr val="accent1"/>
+                </a:lnRef>
+                <a:fillRef idx="0">
+                  <a:schemeClr val="accent1"/>
+                </a:fillRef>
+                <a:effectRef idx="0">
+                  <a:schemeClr val="accent1"/>
+                </a:effectRef>
+                <a:fontRef idx="minor">
+                  <a:schemeClr val="tx1"/>
+                </a:fontRef>
+              </p:style>
+            </p:cxnSp>
+            <p:pic>
+              <p:nvPicPr>
+                <p:cNvPr id="44" name="Grafik 43"/>
+                <p:cNvPicPr>
+                  <a:picLocks noChangeAspect="1"/>
+                </p:cNvPicPr>
+                <p:nvPr/>
+              </p:nvPicPr>
+              <p:blipFill>
+                <a:blip r:embed="rId5" cstate="print">
+                  <a:extLst>
+                    <a:ext uri="{28A0092B-C50C-407E-A947-70E740481C1C}">
+                      <a14:useLocalDpi xmlns:a14="http://schemas.microsoft.com/office/drawing/2010/main" val="0"/>
+                    </a:ext>
+                  </a:extLst>
+                </a:blip>
+                <a:stretch>
+                  <a:fillRect/>
+                </a:stretch>
+              </p:blipFill>
+              <p:spPr>
+                <a:xfrm>
+                  <a:off x="4256858" y="1067623"/>
+                  <a:ext cx="1502296" cy="1502296"/>
+                </a:xfrm>
+                <a:prstGeom prst="rect">
+                  <a:avLst/>
+                </a:prstGeom>
+              </p:spPr>
+            </p:pic>
+            <p:cxnSp>
+              <p:nvCxnSpPr>
+                <p:cNvPr id="45" name="Gerader Verbinder 44"/>
+                <p:cNvCxnSpPr/>
+                <p:nvPr/>
+              </p:nvCxnSpPr>
+              <p:spPr>
+                <a:xfrm flipV="1">
+                  <a:off x="2914707" y="2335791"/>
+                  <a:ext cx="1812092" cy="786552"/>
+                </a:xfrm>
+                <a:prstGeom prst="line">
+                  <a:avLst/>
+                </a:prstGeom>
+                <a:ln w="31750">
+                  <a:prstDash val="dash"/>
+                </a:ln>
+              </p:spPr>
+              <p:style>
+                <a:lnRef idx="1">
+                  <a:schemeClr val="accent1"/>
+                </a:lnRef>
+                <a:fillRef idx="0">
+                  <a:schemeClr val="accent1"/>
+                </a:fillRef>
+                <a:effectRef idx="0">
+                  <a:schemeClr val="accent1"/>
+                </a:effectRef>
+                <a:fontRef idx="minor">
+                  <a:schemeClr val="tx1"/>
+                </a:fontRef>
+              </p:style>
+            </p:cxnSp>
+            <p:cxnSp>
+              <p:nvCxnSpPr>
+                <p:cNvPr id="49" name="Gerader Verbinder 48"/>
+                <p:cNvCxnSpPr/>
+                <p:nvPr/>
+              </p:nvCxnSpPr>
+              <p:spPr>
+                <a:xfrm flipH="1" flipV="1">
+                  <a:off x="5215913" y="2335791"/>
+                  <a:ext cx="2167020" cy="912490"/>
+                </a:xfrm>
+                <a:prstGeom prst="line">
+                  <a:avLst/>
+                </a:prstGeom>
+                <a:ln w="31750">
+                  <a:prstDash val="dash"/>
+                </a:ln>
+              </p:spPr>
+              <p:style>
+                <a:lnRef idx="1">
+                  <a:schemeClr val="accent1"/>
+                </a:lnRef>
+                <a:fillRef idx="0">
+                  <a:schemeClr val="accent1"/>
+                </a:fillRef>
+                <a:effectRef idx="0">
+                  <a:schemeClr val="accent1"/>
+                </a:effectRef>
+                <a:fontRef idx="minor">
+                  <a:schemeClr val="tx1"/>
+                </a:fontRef>
+              </p:style>
+            </p:cxnSp>
+          </p:grpSp>
+          <p:cxnSp>
+            <p:nvCxnSpPr>
+              <p:cNvPr id="96" name="Gerader Verbinder 95"/>
+              <p:cNvCxnSpPr>
+                <a:stCxn id="10" idx="3"/>
+              </p:cNvCxnSpPr>
+              <p:nvPr/>
+            </p:nvCxnSpPr>
+            <p:spPr>
+              <a:xfrm flipV="1">
+                <a:off x="984799" y="3648993"/>
+                <a:ext cx="1665184" cy="442476"/>
+              </a:xfrm>
+              <a:prstGeom prst="line">
+                <a:avLst/>
+              </a:prstGeom>
+              <a:ln w="31750">
+                <a:prstDash val="dash"/>
+              </a:ln>
+            </p:spPr>
+            <p:style>
+              <a:lnRef idx="1">
+                <a:schemeClr val="accent1"/>
+              </a:lnRef>
+              <a:fillRef idx="0">
+                <a:schemeClr val="accent1"/>
+              </a:fillRef>
+              <a:effectRef idx="0">
+                <a:schemeClr val="accent1"/>
+              </a:effectRef>
+              <a:fontRef idx="minor">
+                <a:schemeClr val="tx1"/>
+              </a:fontRef>
+            </p:style>
+          </p:cxnSp>
+          <p:cxnSp>
+            <p:nvCxnSpPr>
+              <p:cNvPr id="97" name="Gerader Verbinder 96"/>
+              <p:cNvCxnSpPr>
+                <a:stCxn id="10" idx="3"/>
+                <a:endCxn id="9" idx="1"/>
+              </p:cNvCxnSpPr>
+              <p:nvPr/>
+            </p:nvCxnSpPr>
+            <p:spPr>
+              <a:xfrm>
+                <a:off x="984799" y="4091469"/>
+                <a:ext cx="630675" cy="634322"/>
+              </a:xfrm>
+              <a:prstGeom prst="line">
+                <a:avLst/>
+              </a:prstGeom>
+              <a:ln w="31750">
+                <a:prstDash val="dash"/>
+              </a:ln>
+            </p:spPr>
+            <p:style>
+              <a:lnRef idx="1">
+                <a:schemeClr val="accent1"/>
+              </a:lnRef>
+              <a:fillRef idx="0">
+                <a:schemeClr val="accent1"/>
+              </a:fillRef>
+              <a:effectRef idx="0">
+                <a:schemeClr val="accent1"/>
+              </a:effectRef>
+              <a:fontRef idx="minor">
+                <a:schemeClr val="tx1"/>
+              </a:fontRef>
+            </p:style>
+          </p:cxnSp>
+        </p:grpSp>
+        <p:sp>
+          <p:nvSpPr>
+            <p:cNvPr id="47" name="Textfeld 46"/>
+            <p:cNvSpPr txBox="1"/>
+            <p:nvPr/>
+          </p:nvSpPr>
+          <p:spPr>
+            <a:xfrm>
+              <a:off x="2815418" y="3034615"/>
+              <a:ext cx="787395" cy="369332"/>
+            </a:xfrm>
+            <a:prstGeom prst="rect">
+              <a:avLst/>
+            </a:prstGeom>
+            <a:noFill/>
+          </p:spPr>
+          <p:txBody>
+            <a:bodyPr wrap="none" rtlCol="0">
+              <a:spAutoFit/>
+            </a:bodyPr>
+            <a:lstStyle/>
+            <a:p>
+              <a:r>
+                <a:rPr lang="de-DE" dirty="0" smtClean="0"/>
+                <a:t>Cloud</a:t>
+              </a:r>
+              <a:endParaRPr lang="de-DE" dirty="0"/>
+            </a:p>
+          </p:txBody>
+        </p:sp>
+        <p:sp>
+          <p:nvSpPr>
+            <p:cNvPr id="100" name="Textfeld 99"/>
+            <p:cNvSpPr txBox="1"/>
+            <p:nvPr/>
+          </p:nvSpPr>
+          <p:spPr>
+            <a:xfrm>
+              <a:off x="2430123" y="4562457"/>
+              <a:ext cx="1467068" cy="369332"/>
+            </a:xfrm>
+            <a:prstGeom prst="rect">
+              <a:avLst/>
+            </a:prstGeom>
+            <a:noFill/>
+          </p:spPr>
+          <p:txBody>
+            <a:bodyPr wrap="none" rtlCol="0">
+              <a:spAutoFit/>
+            </a:bodyPr>
+            <a:lstStyle/>
+            <a:p>
+              <a:r>
+                <a:rPr lang="de-DE" dirty="0" smtClean="0"/>
+                <a:t>Edge Server</a:t>
+              </a:r>
+              <a:endParaRPr lang="de-DE" dirty="0"/>
+            </a:p>
+          </p:txBody>
+        </p:sp>
+        <p:sp>
+          <p:nvSpPr>
+            <p:cNvPr id="102" name="Textfeld 101"/>
+            <p:cNvSpPr txBox="1"/>
+            <p:nvPr/>
+          </p:nvSpPr>
+          <p:spPr>
+            <a:xfrm>
+              <a:off x="186366" y="3500899"/>
+              <a:ext cx="1107996" cy="369332"/>
+            </a:xfrm>
+            <a:prstGeom prst="rect">
+              <a:avLst/>
+            </a:prstGeom>
+            <a:noFill/>
+          </p:spPr>
+          <p:txBody>
+            <a:bodyPr wrap="none" rtlCol="0">
+              <a:spAutoFit/>
+            </a:bodyPr>
+            <a:lstStyle/>
+            <a:p>
+              <a:r>
+                <a:rPr lang="de-DE" dirty="0" smtClean="0"/>
+                <a:t>Benutzer</a:t>
+              </a:r>
+              <a:endParaRPr lang="de-DE" dirty="0"/>
+            </a:p>
+          </p:txBody>
+        </p:sp>
+      </p:grpSp>
+      <p:sp>
+        <p:nvSpPr>
+          <p:cNvPr id="51" name="Textfeld 50"/>
+          <p:cNvSpPr txBox="1"/>
+          <p:nvPr/>
+        </p:nvSpPr>
         <p:spPr>
           <a:xfrm>
-            <a:off x="3935760" y="4149080"/>
-            <a:ext cx="1009696" cy="1009696"/>
+            <a:off x="6148206" y="1289179"/>
+            <a:ext cx="5637928" cy="2308324"/>
           </a:xfrm>
           <a:prstGeom prst="rect">
             <a:avLst/>
           </a:prstGeom>
+          <a:noFill/>
         </p:spPr>
-      </p:pic>
-      <p:pic>
-        <p:nvPicPr>
-          <p:cNvPr id="3" name="Grafik 2"/>
-          <p:cNvPicPr>
-            <a:picLocks noChangeAspect="1"/>
-          </p:cNvPicPr>
+        <p:txBody>
+          <a:bodyPr wrap="square" rtlCol="0">
+            <a:spAutoFit/>
+          </a:bodyPr>
+          <a:lstStyle/>
+          <a:p>
+            <a:r>
+              <a:rPr lang="de-DE" b="1" dirty="0" smtClean="0"/>
+              <a:t>Edge Netzwerk:</a:t>
+            </a:r>
+          </a:p>
+          <a:p>
+            <a:pPr marL="285750" indent="-285750">
+              <a:buFont typeface="Arial" panose="020B0604020202020204" pitchFamily="34" charset="0"/>
+              <a:buChar char="•"/>
+            </a:pPr>
+            <a:r>
+              <a:rPr lang="de-DE" dirty="0" smtClean="0"/>
+              <a:t>Endpunkte verbinden sich mit örtlich lokalem Edge Server</a:t>
+            </a:r>
+          </a:p>
+          <a:p>
+            <a:pPr marL="285750" indent="-285750">
+              <a:buFont typeface="Arial" panose="020B0604020202020204" pitchFamily="34" charset="0"/>
+              <a:buChar char="•"/>
+            </a:pPr>
+            <a:r>
+              <a:rPr lang="de-DE" dirty="0" smtClean="0"/>
+              <a:t>Kommunikation zur Cloud über Edge Server</a:t>
+            </a:r>
+          </a:p>
+          <a:p>
+            <a:pPr marL="285750" indent="-285750">
+              <a:buFont typeface="Arial" panose="020B0604020202020204" pitchFamily="34" charset="0"/>
+              <a:buChar char="•"/>
+            </a:pPr>
+            <a:r>
+              <a:rPr lang="de-DE" dirty="0" smtClean="0"/>
+              <a:t>Reduzierte Latenz und Bandbreitenverbrauch im Edge </a:t>
+            </a:r>
+            <a:r>
+              <a:rPr lang="de-DE" dirty="0" err="1" smtClean="0"/>
+              <a:t>netzwerk</a:t>
+            </a:r>
+            <a:endParaRPr lang="de-DE" dirty="0" smtClean="0"/>
+          </a:p>
+          <a:p>
+            <a:pPr marL="285750" indent="-285750">
+              <a:buFont typeface="Arial" panose="020B0604020202020204" pitchFamily="34" charset="0"/>
+              <a:buChar char="•"/>
+            </a:pPr>
+            <a:r>
+              <a:rPr lang="de-DE" dirty="0" smtClean="0"/>
+              <a:t>Höhere Verwaltungskomplexität im Vergleich zur Cloud Ansatz</a:t>
+            </a:r>
+            <a:endParaRPr lang="de-DE" dirty="0"/>
+          </a:p>
+        </p:txBody>
+      </p:sp>
+      <p:sp>
+        <p:nvSpPr>
+          <p:cNvPr id="103" name="Textfeld 102"/>
+          <p:cNvSpPr txBox="1"/>
           <p:nvPr/>
-        </p:nvPicPr>
-        <p:blipFill>
-          <a:blip r:embed="rId5" cstate="print">
-            <a:extLst>
-              <a:ext uri="{28A0092B-C50C-407E-A947-70E740481C1C}">
-                <a14:useLocalDpi xmlns:a14="http://schemas.microsoft.com/office/drawing/2010/main" val="0"/>
-              </a:ext>
-            </a:extLst>
-          </a:blip>
-          <a:stretch>
-            <a:fillRect/>
-          </a:stretch>
-        </p:blipFill>
+        </p:nvSpPr>
         <p:spPr>
           <a:xfrm>
-            <a:off x="2357302" y="3994111"/>
-            <a:ext cx="945653" cy="945653"/>
+            <a:off x="581825" y="1311414"/>
+            <a:ext cx="5051235" cy="1754326"/>
           </a:xfrm>
           <a:prstGeom prst="rect">
             <a:avLst/>
           </a:prstGeom>
+          <a:noFill/>
         </p:spPr>
-      </p:pic>
+        <p:txBody>
+          <a:bodyPr wrap="square" rtlCol="0">
+            <a:spAutoFit/>
+          </a:bodyPr>
+          <a:lstStyle/>
+          <a:p>
+            <a:r>
+              <a:rPr lang="de-DE" b="1" dirty="0" smtClean="0"/>
+              <a:t>Cloud Netzwerk:</a:t>
+            </a:r>
+          </a:p>
+          <a:p>
+            <a:pPr marL="285750" indent="-285750">
+              <a:buFont typeface="Arial" panose="020B0604020202020204" pitchFamily="34" charset="0"/>
+              <a:buChar char="•"/>
+            </a:pPr>
+            <a:r>
+              <a:rPr lang="de-DE" dirty="0" smtClean="0"/>
+              <a:t>Alle Endpunkte verbinden sich direkt mit Cloud Server</a:t>
+            </a:r>
+          </a:p>
+          <a:p>
+            <a:pPr marL="285750" indent="-285750">
+              <a:buFont typeface="Arial" panose="020B0604020202020204" pitchFamily="34" charset="0"/>
+              <a:buChar char="•"/>
+            </a:pPr>
+            <a:r>
+              <a:rPr lang="de-DE" dirty="0" smtClean="0"/>
+              <a:t>Eine zentrale Verwaltung</a:t>
+            </a:r>
+          </a:p>
+          <a:p>
+            <a:pPr marL="285750" indent="-285750">
+              <a:buFont typeface="Arial" panose="020B0604020202020204" pitchFamily="34" charset="0"/>
+              <a:buChar char="•"/>
+            </a:pPr>
+            <a:r>
+              <a:rPr lang="de-DE" dirty="0" smtClean="0"/>
+              <a:t>Skalierbarkeit begrenzt durch Bandbreite und Latenz</a:t>
+            </a:r>
+            <a:endParaRPr lang="de-DE" dirty="0"/>
+          </a:p>
+        </p:txBody>
+      </p:sp>
     </p:spTree>
     <p:extLst>
       <p:ext uri="{BB962C8B-B14F-4D97-AF65-F5344CB8AC3E}">
-        <p14:creationId xmlns:p14="http://schemas.microsoft.com/office/powerpoint/2010/main" val="4189684548"/>
+        <p14:creationId xmlns:p14="http://schemas.microsoft.com/office/powerpoint/2010/main" val="3192954034"/>
       </p:ext>
     </p:extLst>
   </p:cSld>
@@ -21370,1071 +23064,60 @@
           </a:p>
         </p:txBody>
       </p:sp>
-      <p:cxnSp>
-        <p:nvCxnSpPr>
-          <p:cNvPr id="6" name="Gerader Verbinder 5"/>
-          <p:cNvCxnSpPr/>
+      <p:sp>
+        <p:nvSpPr>
+          <p:cNvPr id="93" name="Rechteck 92"/>
+          <p:cNvSpPr/>
           <p:nvPr/>
-        </p:nvCxnSpPr>
+        </p:nvSpPr>
         <p:spPr>
           <a:xfrm>
-            <a:off x="4726799" y="6381328"/>
-            <a:ext cx="6841809" cy="0"/>
+            <a:off x="334799" y="1052736"/>
+            <a:ext cx="11601455" cy="5544616"/>
           </a:xfrm>
-          <a:prstGeom prst="line">
+          <a:prstGeom prst="rect">
             <a:avLst/>
           </a:prstGeom>
+          <a:noFill/>
+          <a:ln w="12700">
+            <a:solidFill>
+              <a:schemeClr val="tx1"/>
+            </a:solidFill>
+          </a:ln>
         </p:spPr>
         <p:style>
-          <a:lnRef idx="1">
-            <a:schemeClr val="accent1"/>
+          <a:lnRef idx="2">
+            <a:schemeClr val="accent1">
+              <a:shade val="50000"/>
+            </a:schemeClr>
           </a:lnRef>
-          <a:fillRef idx="0">
+          <a:fillRef idx="1">
             <a:schemeClr val="accent1"/>
           </a:fillRef>
           <a:effectRef idx="0">
             <a:schemeClr val="accent1"/>
           </a:effectRef>
           <a:fontRef idx="minor">
-            <a:schemeClr val="tx1"/>
+            <a:schemeClr val="lt1"/>
           </a:fontRef>
         </p:style>
-      </p:cxnSp>
-      <p:pic>
-        <p:nvPicPr>
-          <p:cNvPr id="7" name="Grafik 6"/>
-          <p:cNvPicPr>
-            <a:picLocks noChangeAspect="1"/>
-          </p:cNvPicPr>
-          <p:nvPr/>
-        </p:nvPicPr>
-        <p:blipFill>
-          <a:blip r:embed="rId3" cstate="print">
-            <a:extLst>
-              <a:ext uri="{28A0092B-C50C-407E-A947-70E740481C1C}">
-                <a14:useLocalDpi xmlns:a14="http://schemas.microsoft.com/office/drawing/2010/main" val="0"/>
-              </a:ext>
-            </a:extLst>
-          </a:blip>
-          <a:stretch>
-            <a:fillRect/>
-          </a:stretch>
-        </p:blipFill>
-        <p:spPr>
-          <a:xfrm>
-            <a:off x="12936760" y="528716"/>
-            <a:ext cx="1502296" cy="1502296"/>
-          </a:xfrm>
-          <a:prstGeom prst="rect">
-            <a:avLst/>
-          </a:prstGeom>
-        </p:spPr>
-      </p:pic>
-      <p:pic>
-        <p:nvPicPr>
-          <p:cNvPr id="10" name="Grafik 9"/>
-          <p:cNvPicPr>
-            <a:picLocks noChangeAspect="1"/>
-          </p:cNvPicPr>
-          <p:nvPr/>
-        </p:nvPicPr>
-        <p:blipFill>
-          <a:blip r:embed="rId4" cstate="print">
-            <a:extLst>
-              <a:ext uri="{28A0092B-C50C-407E-A947-70E740481C1C}">
-                <a14:useLocalDpi xmlns:a14="http://schemas.microsoft.com/office/drawing/2010/main" val="0"/>
-              </a:ext>
-            </a:extLst>
-          </a:blip>
-          <a:stretch>
-            <a:fillRect/>
-          </a:stretch>
-        </p:blipFill>
-        <p:spPr>
-          <a:xfrm>
-            <a:off x="10898425" y="740957"/>
-            <a:ext cx="1077814" cy="1077814"/>
-          </a:xfrm>
-          <a:prstGeom prst="rect">
-            <a:avLst/>
-          </a:prstGeom>
-        </p:spPr>
-      </p:pic>
-      <p:grpSp>
-        <p:nvGrpSpPr>
-          <p:cNvPr id="76" name="Gruppieren 75"/>
-          <p:cNvGrpSpPr>
-            <a:grpSpLocks noChangeAspect="1"/>
-          </p:cNvGrpSpPr>
-          <p:nvPr/>
-        </p:nvGrpSpPr>
-        <p:grpSpPr>
-          <a:xfrm>
-            <a:off x="319025" y="3212975"/>
-            <a:ext cx="5531263" cy="2936233"/>
-            <a:chOff x="319025" y="1067623"/>
-            <a:chExt cx="9572670" cy="5081586"/>
-          </a:xfrm>
-        </p:grpSpPr>
-        <p:pic>
-          <p:nvPicPr>
-            <p:cNvPr id="9" name="Grafik 8"/>
-            <p:cNvPicPr>
-              <a:picLocks noChangeAspect="1"/>
-            </p:cNvPicPr>
-            <p:nvPr/>
-          </p:nvPicPr>
-          <p:blipFill>
-            <a:blip r:embed="rId5" cstate="print">
-              <a:extLst>
-                <a:ext uri="{28A0092B-C50C-407E-A947-70E740481C1C}">
-                  <a14:useLocalDpi xmlns:a14="http://schemas.microsoft.com/office/drawing/2010/main" val="0"/>
-                </a:ext>
-              </a:extLst>
-            </a:blip>
-            <a:stretch>
-              <a:fillRect/>
-            </a:stretch>
-          </p:blipFill>
-          <p:spPr>
-            <a:xfrm>
-              <a:off x="2274940" y="3122343"/>
-              <a:ext cx="673679" cy="1038426"/>
-            </a:xfrm>
-            <a:prstGeom prst="rect">
-              <a:avLst/>
-            </a:prstGeom>
-          </p:spPr>
-        </p:pic>
-        <p:pic>
-          <p:nvPicPr>
-            <p:cNvPr id="24" name="Grafik 23"/>
-            <p:cNvPicPr>
-              <a:picLocks noChangeAspect="1"/>
-            </p:cNvPicPr>
-            <p:nvPr/>
-          </p:nvPicPr>
-          <p:blipFill>
-            <a:blip r:embed="rId6" cstate="print">
-              <a:extLst>
-                <a:ext uri="{28A0092B-C50C-407E-A947-70E740481C1C}">
-                  <a14:useLocalDpi xmlns:a14="http://schemas.microsoft.com/office/drawing/2010/main" val="0"/>
-                </a:ext>
-              </a:extLst>
-            </a:blip>
-            <a:stretch>
-              <a:fillRect/>
-            </a:stretch>
-          </p:blipFill>
-          <p:spPr>
-            <a:xfrm>
-              <a:off x="1931894" y="4873794"/>
-              <a:ext cx="1275415" cy="1275415"/>
-            </a:xfrm>
-            <a:prstGeom prst="rect">
-              <a:avLst/>
-            </a:prstGeom>
-          </p:spPr>
-        </p:pic>
-        <p:pic>
-          <p:nvPicPr>
-            <p:cNvPr id="25" name="Grafik 24"/>
-            <p:cNvPicPr>
-              <a:picLocks noChangeAspect="1"/>
-            </p:cNvPicPr>
-            <p:nvPr/>
-          </p:nvPicPr>
-          <p:blipFill>
-            <a:blip r:embed="rId7" cstate="print">
-              <a:extLst>
-                <a:ext uri="{28A0092B-C50C-407E-A947-70E740481C1C}">
-                  <a14:useLocalDpi xmlns:a14="http://schemas.microsoft.com/office/drawing/2010/main" val="0"/>
-                </a:ext>
-              </a:extLst>
-            </a:blip>
-            <a:stretch>
-              <a:fillRect/>
-            </a:stretch>
-          </p:blipFill>
-          <p:spPr>
-            <a:xfrm>
-              <a:off x="319025" y="4878577"/>
-              <a:ext cx="945653" cy="945653"/>
-            </a:xfrm>
-            <a:prstGeom prst="rect">
-              <a:avLst/>
-            </a:prstGeom>
-          </p:spPr>
-        </p:pic>
-        <p:pic>
-          <p:nvPicPr>
-            <p:cNvPr id="26" name="Grafik 25"/>
-            <p:cNvPicPr>
-              <a:picLocks noChangeAspect="1"/>
-            </p:cNvPicPr>
-            <p:nvPr/>
-          </p:nvPicPr>
-          <p:blipFill>
-            <a:blip r:embed="rId6" cstate="print">
-              <a:extLst>
-                <a:ext uri="{28A0092B-C50C-407E-A947-70E740481C1C}">
-                  <a14:useLocalDpi xmlns:a14="http://schemas.microsoft.com/office/drawing/2010/main" val="0"/>
-                </a:ext>
-              </a:extLst>
-            </a:blip>
-            <a:stretch>
-              <a:fillRect/>
-            </a:stretch>
-          </p:blipFill>
-          <p:spPr>
-            <a:xfrm>
-              <a:off x="3567350" y="4873793"/>
-              <a:ext cx="1275415" cy="1275415"/>
-            </a:xfrm>
-            <a:prstGeom prst="rect">
-              <a:avLst/>
-            </a:prstGeom>
-          </p:spPr>
-        </p:pic>
-        <p:pic>
-          <p:nvPicPr>
-            <p:cNvPr id="27" name="Grafik 26"/>
-            <p:cNvPicPr>
-              <a:picLocks noChangeAspect="1"/>
-            </p:cNvPicPr>
-            <p:nvPr/>
-          </p:nvPicPr>
-          <p:blipFill>
-            <a:blip r:embed="rId6" cstate="print">
-              <a:extLst>
-                <a:ext uri="{28A0092B-C50C-407E-A947-70E740481C1C}">
-                  <a14:useLocalDpi xmlns:a14="http://schemas.microsoft.com/office/drawing/2010/main" val="0"/>
-                </a:ext>
-              </a:extLst>
-            </a:blip>
-            <a:stretch>
-              <a:fillRect/>
-            </a:stretch>
-          </p:blipFill>
-          <p:spPr>
-            <a:xfrm>
-              <a:off x="6980824" y="4873794"/>
-              <a:ext cx="1275415" cy="1275415"/>
-            </a:xfrm>
-            <a:prstGeom prst="rect">
-              <a:avLst/>
-            </a:prstGeom>
-          </p:spPr>
-        </p:pic>
-        <p:pic>
-          <p:nvPicPr>
-            <p:cNvPr id="28" name="Grafik 27"/>
-            <p:cNvPicPr>
-              <a:picLocks noChangeAspect="1"/>
-            </p:cNvPicPr>
-            <p:nvPr/>
-          </p:nvPicPr>
-          <p:blipFill>
-            <a:blip r:embed="rId7" cstate="print">
-              <a:extLst>
-                <a:ext uri="{28A0092B-C50C-407E-A947-70E740481C1C}">
-                  <a14:useLocalDpi xmlns:a14="http://schemas.microsoft.com/office/drawing/2010/main" val="0"/>
-                </a:ext>
-              </a:extLst>
-            </a:blip>
-            <a:stretch>
-              <a:fillRect/>
-            </a:stretch>
-          </p:blipFill>
-          <p:spPr>
-            <a:xfrm>
-              <a:off x="5367955" y="4878577"/>
-              <a:ext cx="945653" cy="945653"/>
-            </a:xfrm>
-            <a:prstGeom prst="rect">
-              <a:avLst/>
-            </a:prstGeom>
-          </p:spPr>
-        </p:pic>
-        <p:pic>
-          <p:nvPicPr>
-            <p:cNvPr id="29" name="Grafik 28"/>
-            <p:cNvPicPr>
-              <a:picLocks noChangeAspect="1"/>
-            </p:cNvPicPr>
-            <p:nvPr/>
-          </p:nvPicPr>
-          <p:blipFill>
-            <a:blip r:embed="rId6" cstate="print">
-              <a:extLst>
-                <a:ext uri="{28A0092B-C50C-407E-A947-70E740481C1C}">
-                  <a14:useLocalDpi xmlns:a14="http://schemas.microsoft.com/office/drawing/2010/main" val="0"/>
-                </a:ext>
-              </a:extLst>
-            </a:blip>
-            <a:stretch>
-              <a:fillRect/>
-            </a:stretch>
-          </p:blipFill>
-          <p:spPr>
-            <a:xfrm>
-              <a:off x="8616280" y="4873793"/>
-              <a:ext cx="1275415" cy="1275415"/>
-            </a:xfrm>
-            <a:prstGeom prst="rect">
-              <a:avLst/>
-            </a:prstGeom>
-          </p:spPr>
-        </p:pic>
-        <p:pic>
-          <p:nvPicPr>
-            <p:cNvPr id="30" name="Grafik 29"/>
-            <p:cNvPicPr>
-              <a:picLocks noChangeAspect="1"/>
-            </p:cNvPicPr>
-            <p:nvPr/>
-          </p:nvPicPr>
-          <p:blipFill>
-            <a:blip r:embed="rId5" cstate="print">
-              <a:extLst>
-                <a:ext uri="{28A0092B-C50C-407E-A947-70E740481C1C}">
-                  <a14:useLocalDpi xmlns:a14="http://schemas.microsoft.com/office/drawing/2010/main" val="0"/>
-                </a:ext>
-              </a:extLst>
-            </a:blip>
-            <a:stretch>
-              <a:fillRect/>
-            </a:stretch>
-          </p:blipFill>
-          <p:spPr>
-            <a:xfrm>
-              <a:off x="7281691" y="3122343"/>
-              <a:ext cx="673679" cy="1038426"/>
-            </a:xfrm>
-            <a:prstGeom prst="rect">
-              <a:avLst/>
-            </a:prstGeom>
-          </p:spPr>
-        </p:pic>
-        <p:cxnSp>
-          <p:nvCxnSpPr>
-            <p:cNvPr id="31" name="Gerader Verbinder 30"/>
-            <p:cNvCxnSpPr>
-              <a:endCxn id="25" idx="0"/>
-            </p:cNvCxnSpPr>
-            <p:nvPr/>
-          </p:nvCxnSpPr>
-          <p:spPr>
-            <a:xfrm flipH="1">
-              <a:off x="791852" y="4160769"/>
-              <a:ext cx="1395008" cy="717808"/>
-            </a:xfrm>
-            <a:prstGeom prst="line">
-              <a:avLst/>
-            </a:prstGeom>
-            <a:ln w="31750">
-              <a:prstDash val="dash"/>
-            </a:ln>
-          </p:spPr>
-          <p:style>
-            <a:lnRef idx="1">
-              <a:schemeClr val="accent1"/>
-            </a:lnRef>
-            <a:fillRef idx="0">
-              <a:schemeClr val="accent1"/>
-            </a:fillRef>
-            <a:effectRef idx="0">
-              <a:schemeClr val="accent1"/>
-            </a:effectRef>
-            <a:fontRef idx="minor">
-              <a:schemeClr val="tx1"/>
-            </a:fontRef>
-          </p:style>
-        </p:cxnSp>
-        <p:cxnSp>
-          <p:nvCxnSpPr>
-            <p:cNvPr id="34" name="Gerader Verbinder 33"/>
-            <p:cNvCxnSpPr>
-              <a:endCxn id="24" idx="0"/>
-            </p:cNvCxnSpPr>
-            <p:nvPr/>
-          </p:nvCxnSpPr>
-          <p:spPr>
-            <a:xfrm>
-              <a:off x="2569601" y="4293096"/>
-              <a:ext cx="1" cy="580698"/>
-            </a:xfrm>
-            <a:prstGeom prst="line">
-              <a:avLst/>
-            </a:prstGeom>
-            <a:ln w="31750">
-              <a:prstDash val="dash"/>
-            </a:ln>
-          </p:spPr>
-          <p:style>
-            <a:lnRef idx="1">
-              <a:schemeClr val="accent1"/>
-            </a:lnRef>
-            <a:fillRef idx="0">
-              <a:schemeClr val="accent1"/>
-            </a:fillRef>
-            <a:effectRef idx="0">
-              <a:schemeClr val="accent1"/>
-            </a:effectRef>
-            <a:fontRef idx="minor">
-              <a:schemeClr val="tx1"/>
-            </a:fontRef>
-          </p:style>
-        </p:cxnSp>
-        <p:cxnSp>
-          <p:nvCxnSpPr>
-            <p:cNvPr id="38" name="Gerader Verbinder 37"/>
-            <p:cNvCxnSpPr>
-              <a:endCxn id="26" idx="0"/>
-            </p:cNvCxnSpPr>
-            <p:nvPr/>
-          </p:nvCxnSpPr>
-          <p:spPr>
-            <a:xfrm>
-              <a:off x="2964655" y="4160769"/>
-              <a:ext cx="1240403" cy="713024"/>
-            </a:xfrm>
-            <a:prstGeom prst="line">
-              <a:avLst/>
-            </a:prstGeom>
-            <a:ln w="31750">
-              <a:prstDash val="dash"/>
-            </a:ln>
-          </p:spPr>
-          <p:style>
-            <a:lnRef idx="1">
-              <a:schemeClr val="accent1"/>
-            </a:lnRef>
-            <a:fillRef idx="0">
-              <a:schemeClr val="accent1"/>
-            </a:fillRef>
-            <a:effectRef idx="0">
-              <a:schemeClr val="accent1"/>
-            </a:effectRef>
-            <a:fontRef idx="minor">
-              <a:schemeClr val="tx1"/>
-            </a:fontRef>
-          </p:style>
-        </p:cxnSp>
-        <p:cxnSp>
-          <p:nvCxnSpPr>
-            <p:cNvPr id="41" name="Gerader Verbinder 40"/>
-            <p:cNvCxnSpPr/>
-            <p:nvPr/>
-          </p:nvCxnSpPr>
-          <p:spPr>
-            <a:xfrm flipH="1">
-              <a:off x="5750429" y="4180893"/>
-              <a:ext cx="1395008" cy="717808"/>
-            </a:xfrm>
-            <a:prstGeom prst="line">
-              <a:avLst/>
-            </a:prstGeom>
-            <a:ln w="31750">
-              <a:prstDash val="dash"/>
-            </a:ln>
-          </p:spPr>
-          <p:style>
-            <a:lnRef idx="1">
-              <a:schemeClr val="accent1"/>
-            </a:lnRef>
-            <a:fillRef idx="0">
-              <a:schemeClr val="accent1"/>
-            </a:fillRef>
-            <a:effectRef idx="0">
-              <a:schemeClr val="accent1"/>
-            </a:effectRef>
-            <a:fontRef idx="minor">
-              <a:schemeClr val="tx1"/>
-            </a:fontRef>
-          </p:style>
-        </p:cxnSp>
-        <p:cxnSp>
-          <p:nvCxnSpPr>
-            <p:cNvPr id="42" name="Gerader Verbinder 41"/>
-            <p:cNvCxnSpPr/>
-            <p:nvPr/>
-          </p:nvCxnSpPr>
-          <p:spPr>
-            <a:xfrm>
-              <a:off x="7618530" y="4272972"/>
-              <a:ext cx="1" cy="580698"/>
-            </a:xfrm>
-            <a:prstGeom prst="line">
-              <a:avLst/>
-            </a:prstGeom>
-            <a:ln w="31750">
-              <a:prstDash val="dash"/>
-            </a:ln>
-          </p:spPr>
-          <p:style>
-            <a:lnRef idx="1">
-              <a:schemeClr val="accent1"/>
-            </a:lnRef>
-            <a:fillRef idx="0">
-              <a:schemeClr val="accent1"/>
-            </a:fillRef>
-            <a:effectRef idx="0">
-              <a:schemeClr val="accent1"/>
-            </a:effectRef>
-            <a:fontRef idx="minor">
-              <a:schemeClr val="tx1"/>
-            </a:fontRef>
-          </p:style>
-        </p:cxnSp>
-        <p:cxnSp>
-          <p:nvCxnSpPr>
-            <p:cNvPr id="43" name="Gerader Verbinder 42"/>
-            <p:cNvCxnSpPr/>
-            <p:nvPr/>
-          </p:nvCxnSpPr>
-          <p:spPr>
-            <a:xfrm>
-              <a:off x="7958144" y="4170831"/>
-              <a:ext cx="1240403" cy="713024"/>
-            </a:xfrm>
-            <a:prstGeom prst="line">
-              <a:avLst/>
-            </a:prstGeom>
-            <a:ln w="31750">
-              <a:prstDash val="dash"/>
-            </a:ln>
-          </p:spPr>
-          <p:style>
-            <a:lnRef idx="1">
-              <a:schemeClr val="accent1"/>
-            </a:lnRef>
-            <a:fillRef idx="0">
-              <a:schemeClr val="accent1"/>
-            </a:fillRef>
-            <a:effectRef idx="0">
-              <a:schemeClr val="accent1"/>
-            </a:effectRef>
-            <a:fontRef idx="minor">
-              <a:schemeClr val="tx1"/>
-            </a:fontRef>
-          </p:style>
-        </p:cxnSp>
-        <p:pic>
-          <p:nvPicPr>
-            <p:cNvPr id="44" name="Grafik 43"/>
-            <p:cNvPicPr>
-              <a:picLocks noChangeAspect="1"/>
-            </p:cNvPicPr>
-            <p:nvPr/>
-          </p:nvPicPr>
-          <p:blipFill>
-            <a:blip r:embed="rId3" cstate="print">
-              <a:extLst>
-                <a:ext uri="{28A0092B-C50C-407E-A947-70E740481C1C}">
-                  <a14:useLocalDpi xmlns:a14="http://schemas.microsoft.com/office/drawing/2010/main" val="0"/>
-                </a:ext>
-              </a:extLst>
-            </a:blip>
-            <a:stretch>
-              <a:fillRect/>
-            </a:stretch>
-          </p:blipFill>
-          <p:spPr>
-            <a:xfrm>
-              <a:off x="4256858" y="1067623"/>
-              <a:ext cx="1502296" cy="1502296"/>
-            </a:xfrm>
-            <a:prstGeom prst="rect">
-              <a:avLst/>
-            </a:prstGeom>
-          </p:spPr>
-        </p:pic>
-        <p:cxnSp>
-          <p:nvCxnSpPr>
-            <p:cNvPr id="45" name="Gerader Verbinder 44"/>
-            <p:cNvCxnSpPr/>
-            <p:nvPr/>
-          </p:nvCxnSpPr>
-          <p:spPr>
-            <a:xfrm flipV="1">
-              <a:off x="2914707" y="2335791"/>
-              <a:ext cx="1812092" cy="786552"/>
-            </a:xfrm>
-            <a:prstGeom prst="line">
-              <a:avLst/>
-            </a:prstGeom>
-            <a:ln w="31750">
-              <a:prstDash val="dash"/>
-            </a:ln>
-          </p:spPr>
-          <p:style>
-            <a:lnRef idx="1">
-              <a:schemeClr val="accent1"/>
-            </a:lnRef>
-            <a:fillRef idx="0">
-              <a:schemeClr val="accent1"/>
-            </a:fillRef>
-            <a:effectRef idx="0">
-              <a:schemeClr val="accent1"/>
-            </a:effectRef>
-            <a:fontRef idx="minor">
-              <a:schemeClr val="tx1"/>
-            </a:fontRef>
-          </p:style>
-        </p:cxnSp>
-        <p:cxnSp>
-          <p:nvCxnSpPr>
-            <p:cNvPr id="49" name="Gerader Verbinder 48"/>
-            <p:cNvCxnSpPr/>
-            <p:nvPr/>
-          </p:nvCxnSpPr>
-          <p:spPr>
-            <a:xfrm flipH="1" flipV="1">
-              <a:off x="5215913" y="2335791"/>
-              <a:ext cx="2167020" cy="912490"/>
-            </a:xfrm>
-            <a:prstGeom prst="line">
-              <a:avLst/>
-            </a:prstGeom>
-            <a:ln w="31750">
-              <a:prstDash val="dash"/>
-            </a:ln>
-          </p:spPr>
-          <p:style>
-            <a:lnRef idx="1">
-              <a:schemeClr val="accent1"/>
-            </a:lnRef>
-            <a:fillRef idx="0">
-              <a:schemeClr val="accent1"/>
-            </a:fillRef>
-            <a:effectRef idx="0">
-              <a:schemeClr val="accent1"/>
-            </a:effectRef>
-            <a:fontRef idx="minor">
-              <a:schemeClr val="tx1"/>
-            </a:fontRef>
-          </p:style>
-        </p:cxnSp>
-      </p:grpSp>
-      <p:pic>
-        <p:nvPicPr>
-          <p:cNvPr id="55" name="Grafik 54"/>
-          <p:cNvPicPr>
-            <a:picLocks noChangeAspect="1"/>
-          </p:cNvPicPr>
-          <p:nvPr/>
-        </p:nvPicPr>
-        <p:blipFill>
-          <a:blip r:embed="rId6" cstate="print">
-            <a:extLst>
-              <a:ext uri="{28A0092B-C50C-407E-A947-70E740481C1C}">
-                <a14:useLocalDpi xmlns:a14="http://schemas.microsoft.com/office/drawing/2010/main" val="0"/>
-              </a:ext>
-            </a:extLst>
-          </a:blip>
-          <a:stretch>
-            <a:fillRect/>
-          </a:stretch>
-        </p:blipFill>
-        <p:spPr>
-          <a:xfrm>
-            <a:off x="7285112" y="5412250"/>
-            <a:ext cx="736958" cy="736958"/>
-          </a:xfrm>
-          <a:prstGeom prst="rect">
-            <a:avLst/>
-          </a:prstGeom>
-        </p:spPr>
-      </p:pic>
-      <p:pic>
-        <p:nvPicPr>
-          <p:cNvPr id="56" name="Grafik 55"/>
-          <p:cNvPicPr>
-            <a:picLocks noChangeAspect="1"/>
-          </p:cNvPicPr>
-          <p:nvPr/>
-        </p:nvPicPr>
-        <p:blipFill>
-          <a:blip r:embed="rId7" cstate="print">
-            <a:extLst>
-              <a:ext uri="{28A0092B-C50C-407E-A947-70E740481C1C}">
-                <a14:useLocalDpi xmlns:a14="http://schemas.microsoft.com/office/drawing/2010/main" val="0"/>
-              </a:ext>
-            </a:extLst>
-          </a:blip>
-          <a:stretch>
-            <a:fillRect/>
-          </a:stretch>
-        </p:blipFill>
-        <p:spPr>
-          <a:xfrm>
-            <a:off x="6353167" y="5415014"/>
-            <a:ext cx="546416" cy="546416"/>
-          </a:xfrm>
-          <a:prstGeom prst="rect">
-            <a:avLst/>
-          </a:prstGeom>
-        </p:spPr>
-      </p:pic>
-      <p:pic>
-        <p:nvPicPr>
-          <p:cNvPr id="57" name="Grafik 56"/>
-          <p:cNvPicPr>
-            <a:picLocks noChangeAspect="1"/>
-          </p:cNvPicPr>
-          <p:nvPr/>
-        </p:nvPicPr>
-        <p:blipFill>
-          <a:blip r:embed="rId6" cstate="print">
-            <a:extLst>
-              <a:ext uri="{28A0092B-C50C-407E-A947-70E740481C1C}">
-                <a14:useLocalDpi xmlns:a14="http://schemas.microsoft.com/office/drawing/2010/main" val="0"/>
-              </a:ext>
-            </a:extLst>
-          </a:blip>
-          <a:stretch>
-            <a:fillRect/>
-          </a:stretch>
-        </p:blipFill>
-        <p:spPr>
-          <a:xfrm>
-            <a:off x="8230108" y="5412249"/>
-            <a:ext cx="736958" cy="736958"/>
-          </a:xfrm>
-          <a:prstGeom prst="rect">
-            <a:avLst/>
-          </a:prstGeom>
-        </p:spPr>
-      </p:pic>
-      <p:pic>
-        <p:nvPicPr>
-          <p:cNvPr id="58" name="Grafik 57"/>
-          <p:cNvPicPr>
-            <a:picLocks noChangeAspect="1"/>
-          </p:cNvPicPr>
-          <p:nvPr/>
-        </p:nvPicPr>
-        <p:blipFill>
-          <a:blip r:embed="rId6" cstate="print">
-            <a:extLst>
-              <a:ext uri="{28A0092B-C50C-407E-A947-70E740481C1C}">
-                <a14:useLocalDpi xmlns:a14="http://schemas.microsoft.com/office/drawing/2010/main" val="0"/>
-              </a:ext>
-            </a:extLst>
-          </a:blip>
-          <a:stretch>
-            <a:fillRect/>
-          </a:stretch>
-        </p:blipFill>
-        <p:spPr>
-          <a:xfrm>
-            <a:off x="10202476" y="5412250"/>
-            <a:ext cx="736958" cy="736958"/>
-          </a:xfrm>
-          <a:prstGeom prst="rect">
-            <a:avLst/>
-          </a:prstGeom>
-        </p:spPr>
-      </p:pic>
-      <p:pic>
-        <p:nvPicPr>
-          <p:cNvPr id="59" name="Grafik 58"/>
-          <p:cNvPicPr>
-            <a:picLocks noChangeAspect="1"/>
-          </p:cNvPicPr>
-          <p:nvPr/>
-        </p:nvPicPr>
-        <p:blipFill>
-          <a:blip r:embed="rId7" cstate="print">
-            <a:extLst>
-              <a:ext uri="{28A0092B-C50C-407E-A947-70E740481C1C}">
-                <a14:useLocalDpi xmlns:a14="http://schemas.microsoft.com/office/drawing/2010/main" val="0"/>
-              </a:ext>
-            </a:extLst>
-          </a:blip>
-          <a:stretch>
-            <a:fillRect/>
-          </a:stretch>
-        </p:blipFill>
-        <p:spPr>
-          <a:xfrm>
-            <a:off x="9270531" y="5415014"/>
-            <a:ext cx="546416" cy="546416"/>
-          </a:xfrm>
-          <a:prstGeom prst="rect">
-            <a:avLst/>
-          </a:prstGeom>
-        </p:spPr>
-      </p:pic>
-      <p:pic>
-        <p:nvPicPr>
-          <p:cNvPr id="60" name="Grafik 59"/>
-          <p:cNvPicPr>
-            <a:picLocks noChangeAspect="1"/>
-          </p:cNvPicPr>
-          <p:nvPr/>
-        </p:nvPicPr>
-        <p:blipFill>
-          <a:blip r:embed="rId6" cstate="print">
-            <a:extLst>
-              <a:ext uri="{28A0092B-C50C-407E-A947-70E740481C1C}">
-                <a14:useLocalDpi xmlns:a14="http://schemas.microsoft.com/office/drawing/2010/main" val="0"/>
-              </a:ext>
-            </a:extLst>
-          </a:blip>
-          <a:stretch>
-            <a:fillRect/>
-          </a:stretch>
-        </p:blipFill>
-        <p:spPr>
-          <a:xfrm>
-            <a:off x="11147472" y="5412249"/>
-            <a:ext cx="736958" cy="736958"/>
-          </a:xfrm>
-          <a:prstGeom prst="rect">
-            <a:avLst/>
-          </a:prstGeom>
-        </p:spPr>
-      </p:pic>
-      <p:cxnSp>
-        <p:nvCxnSpPr>
-          <p:cNvPr id="62" name="Gerader Verbinder 61"/>
-          <p:cNvCxnSpPr>
-            <a:endCxn id="56" idx="0"/>
-          </p:cNvCxnSpPr>
-          <p:nvPr/>
-        </p:nvCxnSpPr>
-        <p:spPr>
-          <a:xfrm flipH="1">
-            <a:off x="6626375" y="3894050"/>
-            <a:ext cx="1950759" cy="1520964"/>
-          </a:xfrm>
-          <a:prstGeom prst="line">
-            <a:avLst/>
-          </a:prstGeom>
-          <a:ln w="31750">
-            <a:prstDash val="dash"/>
-          </a:ln>
-        </p:spPr>
-        <p:style>
-          <a:lnRef idx="1">
-            <a:schemeClr val="accent1"/>
-          </a:lnRef>
-          <a:fillRef idx="0">
-            <a:schemeClr val="accent1"/>
-          </a:fillRef>
-          <a:effectRef idx="0">
-            <a:schemeClr val="accent1"/>
-          </a:effectRef>
-          <a:fontRef idx="minor">
-            <a:schemeClr val="tx1"/>
-          </a:fontRef>
-        </p:style>
-      </p:cxnSp>
-      <p:cxnSp>
-        <p:nvCxnSpPr>
-          <p:cNvPr id="63" name="Gerader Verbinder 62"/>
-          <p:cNvCxnSpPr>
-            <a:endCxn id="55" idx="0"/>
-          </p:cNvCxnSpPr>
-          <p:nvPr/>
-        </p:nvCxnSpPr>
-        <p:spPr>
-          <a:xfrm flipH="1">
-            <a:off x="7653591" y="3945746"/>
-            <a:ext cx="1147343" cy="1466504"/>
-          </a:xfrm>
-          <a:prstGeom prst="line">
-            <a:avLst/>
-          </a:prstGeom>
-          <a:ln w="31750">
-            <a:prstDash val="dash"/>
-          </a:ln>
-        </p:spPr>
-        <p:style>
-          <a:lnRef idx="1">
-            <a:schemeClr val="accent1"/>
-          </a:lnRef>
-          <a:fillRef idx="0">
-            <a:schemeClr val="accent1"/>
-          </a:fillRef>
-          <a:effectRef idx="0">
-            <a:schemeClr val="accent1"/>
-          </a:effectRef>
-          <a:fontRef idx="minor">
-            <a:schemeClr val="tx1"/>
-          </a:fontRef>
-        </p:style>
-      </p:cxnSp>
-      <p:cxnSp>
-        <p:nvCxnSpPr>
-          <p:cNvPr id="77" name="Gerader Verbinder 76"/>
-          <p:cNvCxnSpPr>
-            <a:endCxn id="57" idx="0"/>
-          </p:cNvCxnSpPr>
-          <p:nvPr/>
-        </p:nvCxnSpPr>
-        <p:spPr>
-          <a:xfrm flipH="1">
-            <a:off x="8598587" y="3942982"/>
-            <a:ext cx="398411" cy="1469267"/>
-          </a:xfrm>
-          <a:prstGeom prst="line">
-            <a:avLst/>
-          </a:prstGeom>
-          <a:ln w="31750">
-            <a:prstDash val="dash"/>
-          </a:ln>
-        </p:spPr>
-        <p:style>
-          <a:lnRef idx="1">
-            <a:schemeClr val="accent1"/>
-          </a:lnRef>
-          <a:fillRef idx="0">
-            <a:schemeClr val="accent1"/>
-          </a:fillRef>
-          <a:effectRef idx="0">
-            <a:schemeClr val="accent1"/>
-          </a:effectRef>
-          <a:fontRef idx="minor">
-            <a:schemeClr val="tx1"/>
-          </a:fontRef>
-        </p:style>
-      </p:cxnSp>
-      <p:cxnSp>
-        <p:nvCxnSpPr>
-          <p:cNvPr id="78" name="Gerader Verbinder 77"/>
-          <p:cNvCxnSpPr/>
-          <p:nvPr/>
-        </p:nvCxnSpPr>
-        <p:spPr>
-          <a:xfrm>
-            <a:off x="9163300" y="3942982"/>
-            <a:ext cx="328232" cy="1483660"/>
-          </a:xfrm>
-          <a:prstGeom prst="line">
-            <a:avLst/>
-          </a:prstGeom>
-          <a:ln w="31750">
-            <a:prstDash val="dash"/>
-          </a:ln>
-        </p:spPr>
-        <p:style>
-          <a:lnRef idx="1">
-            <a:schemeClr val="accent1"/>
-          </a:lnRef>
-          <a:fillRef idx="0">
-            <a:schemeClr val="accent1"/>
-          </a:fillRef>
-          <a:effectRef idx="0">
-            <a:schemeClr val="accent1"/>
-          </a:effectRef>
-          <a:fontRef idx="minor">
-            <a:schemeClr val="tx1"/>
-          </a:fontRef>
-        </p:style>
-      </p:cxnSp>
-      <p:cxnSp>
-        <p:nvCxnSpPr>
-          <p:cNvPr id="79" name="Gerader Verbinder 78"/>
-          <p:cNvCxnSpPr/>
-          <p:nvPr/>
-        </p:nvCxnSpPr>
-        <p:spPr>
-          <a:xfrm>
-            <a:off x="9352469" y="3942982"/>
-            <a:ext cx="1218486" cy="1457640"/>
-          </a:xfrm>
-          <a:prstGeom prst="line">
-            <a:avLst/>
-          </a:prstGeom>
-          <a:ln w="31750">
-            <a:prstDash val="dash"/>
-          </a:ln>
-        </p:spPr>
-        <p:style>
-          <a:lnRef idx="1">
-            <a:schemeClr val="accent1"/>
-          </a:lnRef>
-          <a:fillRef idx="0">
-            <a:schemeClr val="accent1"/>
-          </a:fillRef>
-          <a:effectRef idx="0">
-            <a:schemeClr val="accent1"/>
-          </a:effectRef>
-          <a:fontRef idx="minor">
-            <a:schemeClr val="tx1"/>
-          </a:fontRef>
-        </p:style>
-      </p:cxnSp>
-      <p:cxnSp>
-        <p:nvCxnSpPr>
-          <p:cNvPr id="80" name="Gerader Verbinder 79"/>
-          <p:cNvCxnSpPr/>
-          <p:nvPr/>
-        </p:nvCxnSpPr>
-        <p:spPr>
-          <a:xfrm>
-            <a:off x="9496573" y="3894050"/>
-            <a:ext cx="1987343" cy="1524013"/>
-          </a:xfrm>
-          <a:prstGeom prst="line">
-            <a:avLst/>
-          </a:prstGeom>
-          <a:ln w="31750">
-            <a:prstDash val="dash"/>
-          </a:ln>
-        </p:spPr>
-        <p:style>
-          <a:lnRef idx="1">
-            <a:schemeClr val="accent1"/>
-          </a:lnRef>
-          <a:fillRef idx="0">
-            <a:schemeClr val="accent1"/>
-          </a:fillRef>
-          <a:effectRef idx="0">
-            <a:schemeClr val="accent1"/>
-          </a:effectRef>
-          <a:fontRef idx="minor">
-            <a:schemeClr val="tx1"/>
-          </a:fontRef>
-        </p:style>
-      </p:cxnSp>
-      <p:pic>
-        <p:nvPicPr>
-          <p:cNvPr id="81" name="Grafik 80"/>
-          <p:cNvPicPr>
-            <a:picLocks noChangeAspect="1"/>
-          </p:cNvPicPr>
-          <p:nvPr/>
-        </p:nvPicPr>
-        <p:blipFill>
-          <a:blip r:embed="rId3" cstate="print">
-            <a:extLst>
-              <a:ext uri="{28A0092B-C50C-407E-A947-70E740481C1C}">
-                <a14:useLocalDpi xmlns:a14="http://schemas.microsoft.com/office/drawing/2010/main" val="0"/>
-              </a:ext>
-            </a:extLst>
-          </a:blip>
-          <a:stretch>
-            <a:fillRect/>
-          </a:stretch>
-        </p:blipFill>
-        <p:spPr>
-          <a:xfrm>
-            <a:off x="8628519" y="3212975"/>
-            <a:ext cx="868054" cy="868054"/>
-          </a:xfrm>
-          <a:prstGeom prst="rect">
-            <a:avLst/>
-          </a:prstGeom>
-        </p:spPr>
-      </p:pic>
+        <p:txBody>
+          <a:bodyPr rtlCol="0" anchor="ctr"/>
+          <a:lstStyle/>
+          <a:p>
+            <a:pPr algn="ctr"/>
+            <a:endParaRPr lang="de-DE" dirty="0" err="1" smtClean="0">
+              <a:solidFill>
+                <a:schemeClr val="tx1"/>
+              </a:solidFill>
+            </a:endParaRPr>
+          </a:p>
+        </p:txBody>
+      </p:sp>
     </p:spTree>
     <p:extLst>
       <p:ext uri="{BB962C8B-B14F-4D97-AF65-F5344CB8AC3E}">
-        <p14:creationId xmlns:p14="http://schemas.microsoft.com/office/powerpoint/2010/main" val="3192954034"/>
+        <p14:creationId xmlns:p14="http://schemas.microsoft.com/office/powerpoint/2010/main" val="3789739242"/>
       </p:ext>
     </p:extLst>
   </p:cSld>

--- a/Vortrag/Themenstellung.pptx
+++ b/Vortrag/Themenstellung.pptx
@@ -8,10 +8,10 @@
     <p:sldMasterId id="2147483674" r:id="rId4"/>
   </p:sldMasterIdLst>
   <p:notesMasterIdLst>
-    <p:notesMasterId r:id="rId24"/>
+    <p:notesMasterId r:id="rId23"/>
   </p:notesMasterIdLst>
   <p:handoutMasterIdLst>
-    <p:handoutMasterId r:id="rId25"/>
+    <p:handoutMasterId r:id="rId24"/>
   </p:handoutMasterIdLst>
   <p:sldIdLst>
     <p:sldId id="256" r:id="rId5"/>
@@ -26,18 +26,17 @@
     <p:sldId id="317" r:id="rId14"/>
     <p:sldId id="318" r:id="rId15"/>
     <p:sldId id="314" r:id="rId16"/>
-    <p:sldId id="315" r:id="rId17"/>
-    <p:sldId id="312" r:id="rId18"/>
-    <p:sldId id="309" r:id="rId19"/>
-    <p:sldId id="267" r:id="rId20"/>
-    <p:sldId id="310" r:id="rId21"/>
-    <p:sldId id="266" r:id="rId22"/>
-    <p:sldId id="311" r:id="rId23"/>
+    <p:sldId id="319" r:id="rId17"/>
+    <p:sldId id="309" r:id="rId18"/>
+    <p:sldId id="267" r:id="rId19"/>
+    <p:sldId id="310" r:id="rId20"/>
+    <p:sldId id="266" r:id="rId21"/>
+    <p:sldId id="311" r:id="rId22"/>
   </p:sldIdLst>
   <p:sldSz cx="12192000" cy="6858000"/>
   <p:notesSz cx="6797675" cy="9926638"/>
   <p:custDataLst>
-    <p:tags r:id="rId26"/>
+    <p:tags r:id="rId25"/>
   </p:custDataLst>
   <p:defaultTextStyle>
     <a:defPPr>
@@ -357,7 +356,7 @@
             <a:fld id="{3B1880FF-5A4E-4F25-9CEE-0D75F7C3E5E1}" type="datetimeFigureOut">
               <a:rPr lang="de-DE" smtClean="0"/>
               <a:pPr/>
-              <a:t>27.11.2022</a:t>
+              <a:t>28.11.2022</a:t>
             </a:fld>
             <a:endParaRPr lang="de-DE"/>
           </a:p>
@@ -457,7 +456,7 @@
             <a:fld id="{4D31F1D7-8377-4A76-8F5D-3E76EEE25737}" type="datetimeFigureOut">
               <a:rPr lang="de-DE" smtClean="0"/>
               <a:pPr/>
-              <a:t>27.11.2022</a:t>
+              <a:t>28.11.2022</a:t>
             </a:fld>
             <a:endParaRPr lang="de-DE"/>
           </a:p>
@@ -1137,7 +1136,7 @@
     </p:spTree>
     <p:extLst>
       <p:ext uri="{BB962C8B-B14F-4D97-AF65-F5344CB8AC3E}">
-        <p14:creationId xmlns:p14="http://schemas.microsoft.com/office/powerpoint/2010/main" val="3300093083"/>
+        <p14:creationId xmlns:p14="http://schemas.microsoft.com/office/powerpoint/2010/main" val="2020205065"/>
       </p:ext>
     </p:extLst>
   </p:cSld>
@@ -1191,7 +1190,7 @@
           <a:bodyPr/>
           <a:lstStyle/>
           <a:p>
-            <a:endParaRPr lang="LID4096" dirty="0"/>
+            <a:endParaRPr lang="en-US" dirty="0"/>
           </a:p>
         </p:txBody>
       </p:sp>
@@ -1202,7 +1201,7 @@
             <a:spLocks noGrp="1"/>
           </p:cNvSpPr>
           <p:nvPr>
-            <p:ph type="sldNum" sz="quarter" idx="5"/>
+            <p:ph type="sldNum" sz="quarter" idx="10"/>
           </p:nvPr>
         </p:nvSpPr>
         <p:spPr/>
@@ -1222,7 +1221,7 @@
     </p:spTree>
     <p:extLst>
       <p:ext uri="{BB962C8B-B14F-4D97-AF65-F5344CB8AC3E}">
-        <p14:creationId xmlns:p14="http://schemas.microsoft.com/office/powerpoint/2010/main" val="3460676967"/>
+        <p14:creationId xmlns:p14="http://schemas.microsoft.com/office/powerpoint/2010/main" val="2743334740"/>
       </p:ext>
     </p:extLst>
   </p:cSld>
@@ -1298,92 +1297,7 @@
             <a:fld id="{45A0C133-2FF1-4A65-8FB9-994063EC256F}" type="slidenum">
               <a:rPr lang="de-DE" smtClean="0"/>
               <a:pPr/>
-              <a:t>15</a:t>
-            </a:fld>
-            <a:endParaRPr lang="de-DE"/>
-          </a:p>
-        </p:txBody>
-      </p:sp>
-    </p:spTree>
-    <p:extLst>
-      <p:ext uri="{BB962C8B-B14F-4D97-AF65-F5344CB8AC3E}">
-        <p14:creationId xmlns:p14="http://schemas.microsoft.com/office/powerpoint/2010/main" val="2743334740"/>
-      </p:ext>
-    </p:extLst>
-  </p:cSld>
-  <p:clrMapOvr>
-    <a:masterClrMapping/>
-  </p:clrMapOvr>
-</p:notes>
-</file>
-
-<file path=ppt/notesSlides/notesSlide16.xml><?xml version="1.0" encoding="utf-8"?>
-<p:notes xmlns:a="http://schemas.openxmlformats.org/drawingml/2006/main" xmlns:r="http://schemas.openxmlformats.org/officeDocument/2006/relationships" xmlns:p="http://schemas.openxmlformats.org/presentationml/2006/main">
-  <p:cSld>
-    <p:spTree>
-      <p:nvGrpSpPr>
-        <p:cNvPr id="1" name=""/>
-        <p:cNvGrpSpPr/>
-        <p:nvPr/>
-      </p:nvGrpSpPr>
-      <p:grpSpPr>
-        <a:xfrm>
-          <a:off x="0" y="0"/>
-          <a:ext cx="0" cy="0"/>
-          <a:chOff x="0" y="0"/>
-          <a:chExt cx="0" cy="0"/>
-        </a:xfrm>
-      </p:grpSpPr>
-      <p:sp>
-        <p:nvSpPr>
-          <p:cNvPr id="2" name="Folienbildplatzhalter 1"/>
-          <p:cNvSpPr>
-            <a:spLocks noGrp="1" noRot="1" noChangeAspect="1"/>
-          </p:cNvSpPr>
-          <p:nvPr>
-            <p:ph type="sldImg"/>
-          </p:nvPr>
-        </p:nvSpPr>
-        <p:spPr/>
-      </p:sp>
-      <p:sp>
-        <p:nvSpPr>
-          <p:cNvPr id="3" name="Notizenplatzhalter 2"/>
-          <p:cNvSpPr>
-            <a:spLocks noGrp="1"/>
-          </p:cNvSpPr>
-          <p:nvPr>
-            <p:ph type="body" idx="1"/>
-          </p:nvPr>
-        </p:nvSpPr>
-        <p:spPr/>
-        <p:txBody>
-          <a:bodyPr/>
-          <a:lstStyle/>
-          <a:p>
-            <a:endParaRPr lang="en-US" dirty="0"/>
-          </a:p>
-        </p:txBody>
-      </p:sp>
-      <p:sp>
-        <p:nvSpPr>
-          <p:cNvPr id="4" name="Foliennummernplatzhalter 3"/>
-          <p:cNvSpPr>
-            <a:spLocks noGrp="1"/>
-          </p:cNvSpPr>
-          <p:nvPr>
-            <p:ph type="sldNum" sz="quarter" idx="10"/>
-          </p:nvPr>
-        </p:nvSpPr>
-        <p:spPr/>
-        <p:txBody>
-          <a:bodyPr/>
-          <a:lstStyle/>
-          <a:p>
-            <a:fld id="{45A0C133-2FF1-4A65-8FB9-994063EC256F}" type="slidenum">
-              <a:rPr lang="de-DE" smtClean="0"/>
-              <a:pPr/>
-              <a:t>17</a:t>
+              <a:t>16</a:t>
             </a:fld>
             <a:endParaRPr lang="de-DE"/>
           </a:p>
@@ -5961,6 +5875,10 @@
               <a:rPr lang="en-GB" noProof="0" dirty="0" err="1"/>
               <a:t>Veranstaltung</a:t>
             </a:r>
+            <a:r>
+              <a:rPr lang="en-GB" noProof="0" dirty="0"/>
+              <a:t/>
+            </a:r>
             <a:br>
               <a:rPr lang="en-GB" noProof="0" dirty="0"/>
             </a:br>
@@ -5979,6 +5897,10 @@
             <a:r>
               <a:rPr lang="en-GB" noProof="0" dirty="0" err="1"/>
               <a:t>Fett</a:t>
+            </a:r>
+            <a:r>
+              <a:rPr lang="en-GB" noProof="0" dirty="0"/>
+              <a:t/>
             </a:r>
             <a:br>
               <a:rPr lang="en-GB" noProof="0" dirty="0"/>
@@ -6092,7 +6014,7 @@
           </p:cNvGraphicFramePr>
           <p:nvPr userDrawn="1">
             <p:custDataLst>
-              <p:tags r:id="rId1"/>
+              <p:tags r:id="rId2"/>
             </p:custDataLst>
             <p:extLst>
               <p:ext uri="{D42A27DB-BD31-4B8C-83A1-F6EECF244321}">
@@ -6109,12 +6031,12 @@
           <a:graphicData uri="http://schemas.openxmlformats.org/presentationml/2006/ole">
             <mc:AlternateContent xmlns:mc="http://schemas.openxmlformats.org/markup-compatibility/2006">
               <mc:Choice xmlns:v="urn:schemas-microsoft-com:vml" Requires="v">
-                <p:oleObj name="think-cell Folie" r:id="rId3" imgW="270" imgH="270" progId="TCLayout.ActiveDocument.1">
+                <p:oleObj spid="_x0000_s3079" name="think-cell Folie" r:id="rId4" imgW="270" imgH="270" progId="TCLayout.ActiveDocument.1">
                   <p:embed/>
                 </p:oleObj>
               </mc:Choice>
               <mc:Fallback>
-                <p:oleObj name="think-cell Folie" r:id="rId3" imgW="270" imgH="270" progId="TCLayout.ActiveDocument.1">
+                <p:oleObj name="think-cell Folie" r:id="rId4" imgW="270" imgH="270" progId="TCLayout.ActiveDocument.1">
                   <p:embed/>
                   <p:pic>
                     <p:nvPicPr>
@@ -6123,7 +6045,7 @@
                       <p:nvPr/>
                     </p:nvPicPr>
                     <p:blipFill>
-                      <a:blip r:embed="rId4"/>
+                      <a:blip r:embed="rId5"/>
                       <a:stretch>
                         <a:fillRect/>
                       </a:stretch>
@@ -6368,7 +6290,7 @@
           </p:cNvGraphicFramePr>
           <p:nvPr userDrawn="1">
             <p:custDataLst>
-              <p:tags r:id="rId1"/>
+              <p:tags r:id="rId2"/>
             </p:custDataLst>
             <p:extLst>
               <p:ext uri="{D42A27DB-BD31-4B8C-83A1-F6EECF244321}">
@@ -6385,12 +6307,12 @@
           <a:graphicData uri="http://schemas.openxmlformats.org/presentationml/2006/ole">
             <mc:AlternateContent xmlns:mc="http://schemas.openxmlformats.org/markup-compatibility/2006">
               <mc:Choice xmlns:v="urn:schemas-microsoft-com:vml" Requires="v">
-                <p:oleObj name="think-cell Folie" r:id="rId3" imgW="270" imgH="270" progId="TCLayout.ActiveDocument.1">
+                <p:oleObj spid="_x0000_s4103" name="think-cell Folie" r:id="rId4" imgW="270" imgH="270" progId="TCLayout.ActiveDocument.1">
                   <p:embed/>
                 </p:oleObj>
               </mc:Choice>
               <mc:Fallback>
-                <p:oleObj name="think-cell Folie" r:id="rId3" imgW="270" imgH="270" progId="TCLayout.ActiveDocument.1">
+                <p:oleObj name="think-cell Folie" r:id="rId4" imgW="270" imgH="270" progId="TCLayout.ActiveDocument.1">
                   <p:embed/>
                   <p:pic>
                     <p:nvPicPr>
@@ -6399,7 +6321,7 @@
                       <p:nvPr/>
                     </p:nvPicPr>
                     <p:blipFill>
-                      <a:blip r:embed="rId4"/>
+                      <a:blip r:embed="rId5"/>
                       <a:stretch>
                         <a:fillRect/>
                       </a:stretch>
@@ -6783,7 +6705,7 @@
           </p:cNvGraphicFramePr>
           <p:nvPr>
             <p:custDataLst>
-              <p:tags r:id="rId7"/>
+              <p:tags r:id="rId8"/>
             </p:custDataLst>
           </p:nvPr>
         </p:nvGraphicFramePr>
@@ -6795,12 +6717,12 @@
           <a:graphicData uri="http://schemas.openxmlformats.org/presentationml/2006/ole">
             <mc:AlternateContent xmlns:mc="http://schemas.openxmlformats.org/markup-compatibility/2006">
               <mc:Choice xmlns:v="urn:schemas-microsoft-com:vml" Requires="v">
-                <p:oleObj name="think-cell Folie" r:id="rId8" imgW="360" imgH="360" progId="TCLayout.ActiveDocument.1">
+                <p:oleObj spid="_x0000_s1031" name="think-cell Folie" r:id="rId9" imgW="360" imgH="360" progId="TCLayout.ActiveDocument.1">
                   <p:embed/>
                 </p:oleObj>
               </mc:Choice>
               <mc:Fallback>
-                <p:oleObj name="think-cell Folie" r:id="rId8" imgW="360" imgH="360" progId="TCLayout.ActiveDocument.1">
+                <p:oleObj name="think-cell Folie" r:id="rId9" imgW="360" imgH="360" progId="TCLayout.ActiveDocument.1">
                   <p:embed/>
                   <p:pic>
                     <p:nvPicPr>
@@ -6811,7 +6733,7 @@
                       <p:nvPr/>
                     </p:nvPicPr>
                     <p:blipFill>
-                      <a:blip r:embed="rId9">
+                      <a:blip r:embed="rId10">
                         <a:extLst>
                           <a:ext uri="{28A0092B-C50C-407E-A947-70E740481C1C}">
                             <a14:useLocalDpi xmlns:a14="http://schemas.microsoft.com/office/drawing/2010/main" val="0"/>
@@ -7389,7 +7311,7 @@
           <p:nvPr/>
         </p:nvPicPr>
         <p:blipFill>
-          <a:blip r:embed="rId10" cstate="print"/>
+          <a:blip r:embed="rId11" cstate="print"/>
           <a:srcRect/>
           <a:stretch>
             <a:fillRect/>
@@ -7733,7 +7655,7 @@
           </p:cNvGraphicFramePr>
           <p:nvPr userDrawn="1">
             <p:custDataLst>
-              <p:tags r:id="rId7"/>
+              <p:tags r:id="rId8"/>
             </p:custDataLst>
             <p:extLst>
               <p:ext uri="{D42A27DB-BD31-4B8C-83A1-F6EECF244321}">
@@ -7750,12 +7672,12 @@
           <a:graphicData uri="http://schemas.openxmlformats.org/presentationml/2006/ole">
             <mc:AlternateContent xmlns:mc="http://schemas.openxmlformats.org/markup-compatibility/2006">
               <mc:Choice xmlns:v="urn:schemas-microsoft-com:vml" Requires="v">
-                <p:oleObj name="think-cell Folie" r:id="rId8" imgW="270" imgH="270" progId="TCLayout.ActiveDocument.1">
+                <p:oleObj spid="_x0000_s2055" name="think-cell Folie" r:id="rId9" imgW="270" imgH="270" progId="TCLayout.ActiveDocument.1">
                   <p:embed/>
                 </p:oleObj>
               </mc:Choice>
               <mc:Fallback>
-                <p:oleObj name="think-cell Folie" r:id="rId8" imgW="270" imgH="270" progId="TCLayout.ActiveDocument.1">
+                <p:oleObj name="think-cell Folie" r:id="rId9" imgW="270" imgH="270" progId="TCLayout.ActiveDocument.1">
                   <p:embed/>
                   <p:pic>
                     <p:nvPicPr>
@@ -7764,7 +7686,7 @@
                       <p:nvPr/>
                     </p:nvPicPr>
                     <p:blipFill>
-                      <a:blip r:embed="rId9"/>
+                      <a:blip r:embed="rId10"/>
                       <a:stretch>
                         <a:fillRect/>
                       </a:stretch>
@@ -7948,7 +7870,7 @@
           <p:nvPr/>
         </p:nvPicPr>
         <p:blipFill>
-          <a:blip r:embed="rId10" cstate="print"/>
+          <a:blip r:embed="rId11" cstate="print"/>
           <a:stretch>
             <a:fillRect/>
           </a:stretch>
@@ -11948,6 +11870,10 @@
           <a:bodyPr/>
           <a:lstStyle/>
           <a:p>
+            <a:r>
+              <a:rPr lang="de-DE" dirty="0" smtClean="0"/>
+              <a:t>Softwarestruktur</a:t>
+            </a:r>
             <a:endParaRPr lang="de-DE" dirty="0"/>
           </a:p>
         </p:txBody>
@@ -12935,6 +12861,10 @@
           <a:bodyPr/>
           <a:lstStyle/>
           <a:p>
+            <a:r>
+              <a:rPr lang="de-DE" dirty="0"/>
+              <a:t>Softwarestruktur</a:t>
+            </a:r>
             <a:endParaRPr lang="de-DE" dirty="0"/>
           </a:p>
         </p:txBody>
@@ -12997,20 +12927,20 @@
       </p:sp>
       <p:sp>
         <p:nvSpPr>
-          <p:cNvPr id="6" name="Rechteck 5">
+          <p:cNvPr id="7" name="Textfeld 6">
             <a:extLst>
               <a:ext uri="{FF2B5EF4-FFF2-40B4-BE49-F238E27FC236}">
-                <a16:creationId xmlns:a16="http://schemas.microsoft.com/office/drawing/2014/main" id="{936E9730-21D9-FB6B-AF53-D95D83447C81}"/>
+                <a16:creationId xmlns:a16="http://schemas.microsoft.com/office/drawing/2014/main" id="{5C59C45D-1D83-577B-5069-8FEFB06F75E5}"/>
               </a:ext>
             </a:extLst>
           </p:cNvPr>
-          <p:cNvSpPr/>
+          <p:cNvSpPr txBox="1"/>
           <p:nvPr/>
         </p:nvSpPr>
         <p:spPr>
           <a:xfrm>
-            <a:off x="1487488" y="1651379"/>
-            <a:ext cx="8928993" cy="962297"/>
+            <a:off x="586117" y="1935115"/>
+            <a:ext cx="4493602" cy="3139321"/>
           </a:xfrm>
           <a:prstGeom prst="rect">
             <a:avLst/>
@@ -13021,67 +12951,11 @@
               <a:lumOff val="60000"/>
             </a:schemeClr>
           </a:solidFill>
-          <a:ln w="12700">
+          <a:ln>
             <a:solidFill>
               <a:schemeClr val="tx1"/>
             </a:solidFill>
           </a:ln>
-        </p:spPr>
-        <p:style>
-          <a:lnRef idx="2">
-            <a:schemeClr val="accent1">
-              <a:shade val="50000"/>
-            </a:schemeClr>
-          </a:lnRef>
-          <a:fillRef idx="1">
-            <a:schemeClr val="accent1"/>
-          </a:fillRef>
-          <a:effectRef idx="0">
-            <a:schemeClr val="accent1"/>
-          </a:effectRef>
-          <a:fontRef idx="minor">
-            <a:schemeClr val="lt1"/>
-          </a:fontRef>
-        </p:style>
-        <p:txBody>
-          <a:bodyPr rtlCol="0" anchor="ctr"/>
-          <a:lstStyle/>
-          <a:p>
-            <a:pPr algn="ctr"/>
-            <a:endParaRPr lang="en-DE" dirty="0" err="1">
-              <a:solidFill>
-                <a:schemeClr val="tx1"/>
-              </a:solidFill>
-            </a:endParaRPr>
-          </a:p>
-        </p:txBody>
-      </p:sp>
-      <p:sp>
-        <p:nvSpPr>
-          <p:cNvPr id="7" name="Textfeld 6">
-            <a:extLst>
-              <a:ext uri="{FF2B5EF4-FFF2-40B4-BE49-F238E27FC236}">
-                <a16:creationId xmlns:a16="http://schemas.microsoft.com/office/drawing/2014/main" id="{5C59C45D-1D83-577B-5069-8FEFB06F75E5}"/>
-              </a:ext>
-            </a:extLst>
-          </p:cNvPr>
-          <p:cNvSpPr txBox="1"/>
-          <p:nvPr/>
-        </p:nvSpPr>
-        <p:spPr>
-          <a:xfrm>
-            <a:off x="1631505" y="1690346"/>
-            <a:ext cx="8784976" cy="923330"/>
-          </a:xfrm>
-          <a:prstGeom prst="rect">
-            <a:avLst/>
-          </a:prstGeom>
-          <a:solidFill>
-            <a:schemeClr val="accent2">
-              <a:lumMod val="40000"/>
-              <a:lumOff val="60000"/>
-            </a:schemeClr>
-          </a:solidFill>
         </p:spPr>
         <p:txBody>
           <a:bodyPr wrap="square" rtlCol="0">
@@ -13091,8 +12965,24 @@
           <a:p>
             <a:pPr algn="ctr"/>
             <a:r>
-              <a:rPr lang="en-GB" b="1" dirty="0" err="1"/>
-              <a:t>Kommunikationsschnittstelle</a:t>
+              <a:rPr lang="en-GB" b="1" dirty="0" err="1" smtClean="0"/>
+              <a:t>Benutzeroberoberfläche</a:t>
+            </a:r>
+            <a:r>
+              <a:rPr lang="en-GB" b="1" dirty="0" smtClean="0"/>
+              <a:t> </a:t>
+            </a:r>
+            <a:r>
+              <a:rPr lang="en-GB" b="1" dirty="0" err="1" smtClean="0"/>
+              <a:t>für</a:t>
+            </a:r>
+            <a:r>
+              <a:rPr lang="en-GB" b="1" dirty="0" smtClean="0"/>
+              <a:t> </a:t>
+            </a:r>
+            <a:r>
+              <a:rPr lang="en-GB" b="1" dirty="0" err="1" smtClean="0"/>
+              <a:t>Auftraggeber</a:t>
             </a:r>
             <a:endParaRPr lang="en-GB" b="1" dirty="0"/>
           </a:p>
@@ -13106,57 +12996,103 @@
               <a:buChar char="•"/>
             </a:pPr>
             <a:r>
-              <a:rPr lang="en-GB" dirty="0" err="1"/>
-              <a:t>Implementiert</a:t>
-            </a:r>
-            <a:r>
-              <a:rPr lang="en-GB" dirty="0"/>
+              <a:rPr lang="en-GB" dirty="0" err="1" smtClean="0"/>
+              <a:t>Auftraggeber</a:t>
+            </a:r>
+            <a:r>
+              <a:rPr lang="en-GB" dirty="0" smtClean="0"/>
               <a:t> </a:t>
             </a:r>
             <a:r>
-              <a:rPr lang="en-GB" dirty="0" err="1"/>
-              <a:t>Kommunikation</a:t>
-            </a:r>
-            <a:r>
-              <a:rPr lang="en-GB" dirty="0"/>
+              <a:rPr lang="en-GB" dirty="0" err="1" smtClean="0"/>
+              <a:t>kann</a:t>
+            </a:r>
+            <a:r>
+              <a:rPr lang="en-GB" dirty="0" smtClean="0"/>
               <a:t> </a:t>
             </a:r>
             <a:r>
-              <a:rPr lang="en-GB" dirty="0" err="1"/>
-              <a:t>mit</a:t>
-            </a:r>
-            <a:r>
-              <a:rPr lang="en-GB" dirty="0"/>
-              <a:t> den </a:t>
-            </a:r>
-            <a:r>
-              <a:rPr lang="en-GB" dirty="0" err="1"/>
-              <a:t>Fahrzeugen</a:t>
-            </a:r>
-            <a:r>
-              <a:rPr lang="en-GB" dirty="0"/>
+              <a:rPr lang="en-GB" dirty="0" err="1" smtClean="0"/>
+              <a:t>Applikation</a:t>
+            </a:r>
+            <a:r>
+              <a:rPr lang="en-GB" dirty="0" smtClean="0"/>
               <a:t> </a:t>
             </a:r>
-            <a:endParaRPr lang="en-DE" dirty="0"/>
+            <a:r>
+              <a:rPr lang="en-GB" dirty="0" err="1" smtClean="0"/>
+              <a:t>zur</a:t>
+            </a:r>
+            <a:r>
+              <a:rPr lang="en-GB" dirty="0" smtClean="0"/>
+              <a:t> </a:t>
+            </a:r>
+            <a:r>
+              <a:rPr lang="en-GB" dirty="0" err="1" smtClean="0"/>
+              <a:t>Verfügung</a:t>
+            </a:r>
+            <a:r>
+              <a:rPr lang="en-GB" dirty="0" smtClean="0"/>
+              <a:t> </a:t>
+            </a:r>
+            <a:r>
+              <a:rPr lang="en-GB" dirty="0" err="1" smtClean="0"/>
+              <a:t>stellen</a:t>
+            </a:r>
+            <a:endParaRPr lang="de-DE" dirty="0"/>
+          </a:p>
+          <a:p>
+            <a:pPr marL="285750" indent="-285750">
+              <a:buFont typeface="Arial" panose="020B0604020202020204" pitchFamily="34" charset="0"/>
+              <a:buChar char="•"/>
+            </a:pPr>
+            <a:r>
+              <a:rPr lang="de-DE" dirty="0" smtClean="0"/>
+              <a:t>Rahmenbedingungen definieren</a:t>
+            </a:r>
+          </a:p>
+          <a:p>
+            <a:pPr marL="285750" indent="-285750">
+              <a:buFont typeface="Arial" panose="020B0604020202020204" pitchFamily="34" charset="0"/>
+              <a:buChar char="•"/>
+            </a:pPr>
+            <a:r>
+              <a:rPr lang="de-DE" dirty="0" smtClean="0"/>
+              <a:t>Eingangsdaten für die Applikation bereitstellen, Ausgangsdaten empfangen</a:t>
+            </a:r>
+          </a:p>
+          <a:p>
+            <a:pPr marL="285750" indent="-285750">
+              <a:buFont typeface="Arial" panose="020B0604020202020204" pitchFamily="34" charset="0"/>
+              <a:buChar char="•"/>
+            </a:pPr>
+            <a:endParaRPr lang="de-DE" dirty="0"/>
+          </a:p>
+          <a:p>
+            <a:pPr marL="285750" indent="-285750">
+              <a:buFont typeface="Arial" panose="020B0604020202020204" pitchFamily="34" charset="0"/>
+              <a:buChar char="•"/>
+            </a:pPr>
+            <a:endParaRPr lang="en-GB" dirty="0" smtClean="0"/>
           </a:p>
         </p:txBody>
       </p:sp>
       <p:sp>
         <p:nvSpPr>
-          <p:cNvPr id="8" name="Rechteck 7">
+          <p:cNvPr id="9" name="Textfeld 8">
             <a:extLst>
               <a:ext uri="{FF2B5EF4-FFF2-40B4-BE49-F238E27FC236}">
-                <a16:creationId xmlns:a16="http://schemas.microsoft.com/office/drawing/2014/main" id="{09FC6E36-11E6-9539-60B7-EB6F36CF87AE}"/>
+                <a16:creationId xmlns:a16="http://schemas.microsoft.com/office/drawing/2014/main" id="{4DDABCC5-1B0D-2FBE-20A8-F64D8D2F5B7A}"/>
               </a:ext>
             </a:extLst>
           </p:cNvPr>
-          <p:cNvSpPr/>
+          <p:cNvSpPr txBox="1"/>
           <p:nvPr/>
         </p:nvSpPr>
         <p:spPr>
           <a:xfrm>
-            <a:off x="1487488" y="2943261"/>
-            <a:ext cx="8928993" cy="2208382"/>
+            <a:off x="5519936" y="1700808"/>
+            <a:ext cx="5904656" cy="3416320"/>
           </a:xfrm>
           <a:prstGeom prst="rect">
             <a:avLst/>
@@ -13167,67 +13103,11 @@
               <a:lumOff val="60000"/>
             </a:schemeClr>
           </a:solidFill>
-          <a:ln w="12700">
+          <a:ln>
             <a:solidFill>
               <a:schemeClr val="tx1"/>
             </a:solidFill>
           </a:ln>
-        </p:spPr>
-        <p:style>
-          <a:lnRef idx="2">
-            <a:schemeClr val="accent1">
-              <a:shade val="50000"/>
-            </a:schemeClr>
-          </a:lnRef>
-          <a:fillRef idx="1">
-            <a:schemeClr val="accent1"/>
-          </a:fillRef>
-          <a:effectRef idx="0">
-            <a:schemeClr val="accent1"/>
-          </a:effectRef>
-          <a:fontRef idx="minor">
-            <a:schemeClr val="lt1"/>
-          </a:fontRef>
-        </p:style>
-        <p:txBody>
-          <a:bodyPr rtlCol="0" anchor="ctr"/>
-          <a:lstStyle/>
-          <a:p>
-            <a:pPr algn="ctr"/>
-            <a:endParaRPr lang="en-DE" dirty="0" err="1">
-              <a:solidFill>
-                <a:schemeClr val="tx1"/>
-              </a:solidFill>
-            </a:endParaRPr>
-          </a:p>
-        </p:txBody>
-      </p:sp>
-      <p:sp>
-        <p:nvSpPr>
-          <p:cNvPr id="9" name="Textfeld 8">
-            <a:extLst>
-              <a:ext uri="{FF2B5EF4-FFF2-40B4-BE49-F238E27FC236}">
-                <a16:creationId xmlns:a16="http://schemas.microsoft.com/office/drawing/2014/main" id="{4DDABCC5-1B0D-2FBE-20A8-F64D8D2F5B7A}"/>
-              </a:ext>
-            </a:extLst>
-          </p:cNvPr>
-          <p:cNvSpPr txBox="1"/>
-          <p:nvPr/>
-        </p:nvSpPr>
-        <p:spPr>
-          <a:xfrm>
-            <a:off x="1631505" y="2977344"/>
-            <a:ext cx="8784976" cy="2031325"/>
-          </a:xfrm>
-          <a:prstGeom prst="rect">
-            <a:avLst/>
-          </a:prstGeom>
-          <a:solidFill>
-            <a:schemeClr val="accent6">
-              <a:lumMod val="40000"/>
-              <a:lumOff val="60000"/>
-            </a:schemeClr>
-          </a:solidFill>
         </p:spPr>
         <p:txBody>
           <a:bodyPr wrap="square" rtlCol="0">
@@ -13237,12 +13117,12 @@
           <a:p>
             <a:pPr algn="ctr"/>
             <a:r>
-              <a:rPr lang="en-GB" b="1" dirty="0"/>
-              <a:t>Loader-</a:t>
-            </a:r>
-            <a:r>
-              <a:rPr lang="en-GB" b="1" dirty="0" err="1"/>
-              <a:t>Applikation</a:t>
+              <a:rPr lang="en-GB" b="1" dirty="0" err="1" smtClean="0"/>
+              <a:t>Verwaltungs</a:t>
+            </a:r>
+            <a:r>
+              <a:rPr lang="en-GB" b="1" dirty="0" err="1" smtClean="0"/>
+              <a:t>-Applikation</a:t>
             </a:r>
             <a:endParaRPr lang="en-GB" b="1" dirty="0"/>
           </a:p>
@@ -13259,64 +13139,121 @@
               <a:buChar char="•"/>
             </a:pPr>
             <a:r>
-              <a:rPr lang="en-GB" dirty="0" err="1"/>
-              <a:t>Empfängt</a:t>
-            </a:r>
-            <a:r>
-              <a:rPr lang="en-GB" dirty="0"/>
+              <a:rPr lang="en-GB" dirty="0" err="1" smtClean="0"/>
+              <a:t>Verteilt</a:t>
+            </a:r>
+            <a:r>
+              <a:rPr lang="en-GB" dirty="0" smtClean="0"/>
               <a:t> </a:t>
             </a:r>
             <a:r>
-              <a:rPr lang="en-GB" dirty="0" err="1"/>
-              <a:t>externe</a:t>
-            </a:r>
-            <a:r>
-              <a:rPr lang="en-GB" dirty="0"/>
+              <a:rPr lang="en-GB" dirty="0" err="1" smtClean="0"/>
+              <a:t>Applikation</a:t>
+            </a:r>
+            <a:r>
+              <a:rPr lang="en-GB" dirty="0" smtClean="0"/>
               <a:t> </a:t>
             </a:r>
             <a:r>
-              <a:rPr lang="en-GB" dirty="0" err="1"/>
+              <a:rPr lang="en-GB" dirty="0" err="1" smtClean="0"/>
+              <a:t>vom</a:t>
+            </a:r>
+            <a:r>
+              <a:rPr lang="en-GB" dirty="0" smtClean="0"/>
+              <a:t> </a:t>
+            </a:r>
+            <a:r>
+              <a:rPr lang="en-GB" dirty="0" err="1" smtClean="0"/>
+              <a:t>Auftraggeber</a:t>
+            </a:r>
+            <a:r>
+              <a:rPr lang="en-GB" dirty="0" smtClean="0"/>
+              <a:t> auf </a:t>
+            </a:r>
+            <a:r>
+              <a:rPr lang="en-GB" dirty="0" err="1" smtClean="0"/>
+              <a:t>komplatible</a:t>
+            </a:r>
+            <a:r>
+              <a:rPr lang="en-GB" dirty="0" smtClean="0"/>
+              <a:t> </a:t>
+            </a:r>
+            <a:r>
+              <a:rPr lang="en-GB" dirty="0" err="1" smtClean="0"/>
+              <a:t>Steuergeräte</a:t>
+            </a:r>
+            <a:endParaRPr lang="en-GB" dirty="0"/>
+          </a:p>
+          <a:p>
+            <a:pPr marL="285750" indent="-285750">
+              <a:buFont typeface="Arial" panose="020B0604020202020204" pitchFamily="34" charset="0"/>
+              <a:buChar char="•"/>
+            </a:pPr>
+            <a:r>
+              <a:rPr lang="en-GB" dirty="0" err="1" smtClean="0"/>
+              <a:t>Lädt</a:t>
+            </a:r>
+            <a:r>
+              <a:rPr lang="en-GB" dirty="0" smtClean="0"/>
+              <a:t> </a:t>
+            </a:r>
+            <a:r>
+              <a:rPr lang="en-GB" dirty="0" err="1" smtClean="0"/>
               <a:t>Applikation</a:t>
             </a:r>
             <a:r>
-              <a:rPr lang="en-GB" dirty="0"/>
+              <a:rPr lang="en-GB" dirty="0" smtClean="0"/>
+              <a:t> auf </a:t>
+            </a:r>
+            <a:r>
+              <a:rPr lang="en-GB" dirty="0" err="1" smtClean="0"/>
+              <a:t>Fahrzeugsteuergeräte</a:t>
+            </a:r>
+            <a:endParaRPr lang="en-GB" dirty="0" smtClean="0"/>
+          </a:p>
+          <a:p>
+            <a:endParaRPr lang="en-GB" dirty="0" smtClean="0"/>
+          </a:p>
+          <a:p>
+            <a:pPr marL="285750" indent="-285750">
+              <a:buFont typeface="Arial" panose="020B0604020202020204" pitchFamily="34" charset="0"/>
+              <a:buChar char="•"/>
+            </a:pPr>
+            <a:r>
+              <a:rPr lang="en-GB" dirty="0" err="1" smtClean="0"/>
+              <a:t>Bietet</a:t>
+            </a:r>
+            <a:r>
+              <a:rPr lang="en-GB" dirty="0" smtClean="0"/>
               <a:t> </a:t>
             </a:r>
             <a:r>
-              <a:rPr lang="en-GB" dirty="0" err="1"/>
-              <a:t>als</a:t>
-            </a:r>
-            <a:r>
-              <a:rPr lang="en-GB" dirty="0"/>
+              <a:rPr lang="en-GB" dirty="0" err="1" smtClean="0"/>
+              <a:t>möglichkeit</a:t>
+            </a:r>
+            <a:r>
+              <a:rPr lang="en-GB" dirty="0" smtClean="0"/>
               <a:t> </a:t>
             </a:r>
             <a:r>
-              <a:rPr lang="en-GB" dirty="0" err="1"/>
-              <a:t>Binärcode</a:t>
-            </a:r>
-            <a:r>
-              <a:rPr lang="en-GB" dirty="0"/>
-              <a:t> und </a:t>
-            </a:r>
-            <a:r>
-              <a:rPr lang="en-GB" dirty="0" err="1"/>
-              <a:t>speichert</a:t>
-            </a:r>
-            <a:r>
-              <a:rPr lang="en-GB" dirty="0"/>
-              <a:t> es </a:t>
-            </a:r>
-            <a:r>
-              <a:rPr lang="en-GB" dirty="0" err="1"/>
-              <a:t>im</a:t>
-            </a:r>
-            <a:r>
-              <a:rPr lang="en-GB" dirty="0"/>
+              <a:rPr lang="en-GB" dirty="0" err="1" smtClean="0"/>
+              <a:t>für</a:t>
+            </a:r>
+            <a:r>
+              <a:rPr lang="en-GB" dirty="0" smtClean="0"/>
               <a:t> </a:t>
             </a:r>
             <a:r>
-              <a:rPr lang="en-GB" dirty="0" err="1"/>
-              <a:t>Systemspeicher</a:t>
+              <a:rPr lang="en-GB" dirty="0" err="1" smtClean="0"/>
+              <a:t>parallele</a:t>
+            </a:r>
+            <a:r>
+              <a:rPr lang="en-GB" dirty="0" smtClean="0"/>
+              <a:t> </a:t>
+            </a:r>
+            <a:r>
+              <a:rPr lang="en-GB" dirty="0" err="1" smtClean="0"/>
+              <a:t>Berechnungen</a:t>
             </a:r>
             <a:endParaRPr lang="en-GB" dirty="0"/>
           </a:p>
@@ -13333,40 +13270,36 @@
               <a:buChar char="•"/>
             </a:pPr>
             <a:r>
-              <a:rPr lang="en-GB" dirty="0" err="1"/>
-              <a:t>Kann</a:t>
-            </a:r>
-            <a:r>
-              <a:rPr lang="en-GB" dirty="0"/>
+              <a:rPr lang="en-GB" dirty="0" err="1" smtClean="0"/>
+              <a:t>Ermittelt</a:t>
+            </a:r>
+            <a:r>
+              <a:rPr lang="en-GB" dirty="0" smtClean="0"/>
               <a:t> </a:t>
             </a:r>
             <a:r>
-              <a:rPr lang="en-GB" dirty="0" err="1"/>
-              <a:t>externe</a:t>
-            </a:r>
-            <a:r>
-              <a:rPr lang="en-GB" dirty="0"/>
+              <a:rPr lang="en-GB" dirty="0" err="1" smtClean="0"/>
+              <a:t>Verfügbare</a:t>
+            </a:r>
+            <a:r>
+              <a:rPr lang="en-GB" dirty="0" smtClean="0"/>
               <a:t> </a:t>
             </a:r>
             <a:r>
-              <a:rPr lang="en-GB" dirty="0" err="1"/>
-              <a:t>Applikation</a:t>
-            </a:r>
-            <a:r>
-              <a:rPr lang="en-GB" dirty="0"/>
+              <a:rPr lang="en-GB" dirty="0" err="1" smtClean="0"/>
+              <a:t>Rechenleistung</a:t>
+            </a:r>
+            <a:r>
+              <a:rPr lang="en-GB" dirty="0" smtClean="0"/>
+              <a:t> von </a:t>
+            </a:r>
+            <a:r>
+              <a:rPr lang="en-GB" dirty="0" err="1" smtClean="0"/>
+              <a:t>Fahrzeugen</a:t>
+            </a:r>
+            <a:r>
+              <a:rPr lang="en-GB" dirty="0" smtClean="0"/>
               <a:t> </a:t>
-            </a:r>
-            <a:r>
-              <a:rPr lang="en-GB" dirty="0" err="1"/>
-              <a:t>starten</a:t>
-            </a:r>
-            <a:r>
-              <a:rPr lang="en-GB" dirty="0"/>
-              <a:t> und </a:t>
-            </a:r>
-            <a:r>
-              <a:rPr lang="en-GB" dirty="0" err="1"/>
-              <a:t>stoppen</a:t>
             </a:r>
             <a:endParaRPr lang="en-GB" dirty="0"/>
           </a:p>
@@ -13383,119 +13316,34 @@
               <a:buChar char="•"/>
             </a:pPr>
             <a:r>
-              <a:rPr lang="en-GB" dirty="0" err="1"/>
-              <a:t>Kommuniziert</a:t>
-            </a:r>
-            <a:r>
-              <a:rPr lang="en-GB" dirty="0"/>
+              <a:rPr lang="en-GB" dirty="0" err="1" smtClean="0"/>
+              <a:t>Überwacht</a:t>
+            </a:r>
+            <a:r>
+              <a:rPr lang="en-GB" dirty="0" smtClean="0"/>
               <a:t> </a:t>
             </a:r>
             <a:r>
-              <a:rPr lang="en-GB" dirty="0" err="1"/>
-              <a:t>mit</a:t>
-            </a:r>
-            <a:r>
-              <a:rPr lang="en-GB" dirty="0"/>
+              <a:rPr lang="en-GB" dirty="0" err="1" smtClean="0"/>
+              <a:t>gelieferte</a:t>
+            </a:r>
+            <a:r>
+              <a:rPr lang="en-GB" dirty="0" smtClean="0"/>
               <a:t> </a:t>
             </a:r>
             <a:r>
-              <a:rPr lang="en-GB" dirty="0" err="1"/>
-              <a:t>externe</a:t>
-            </a:r>
-            <a:r>
-              <a:rPr lang="en-GB" dirty="0"/>
-              <a:t> </a:t>
-            </a:r>
-            <a:r>
-              <a:rPr lang="en-GB" dirty="0" err="1"/>
-              <a:t>Applikation</a:t>
-            </a:r>
-            <a:r>
-              <a:rPr lang="en-GB" dirty="0"/>
-              <a:t> </a:t>
-            </a:r>
-            <a:r>
-              <a:rPr lang="en-GB" dirty="0" err="1"/>
-              <a:t>über</a:t>
-            </a:r>
-            <a:r>
-              <a:rPr lang="en-GB" dirty="0"/>
-              <a:t> </a:t>
-            </a:r>
-            <a:r>
-              <a:rPr lang="en-GB" dirty="0" err="1"/>
-              <a:t>definierte</a:t>
-            </a:r>
-            <a:r>
-              <a:rPr lang="en-GB" dirty="0"/>
-              <a:t> </a:t>
-            </a:r>
-            <a:r>
-              <a:rPr lang="en-GB" dirty="0" err="1"/>
-              <a:t>Schnittstelle</a:t>
+              <a:rPr lang="en-GB" dirty="0" err="1" smtClean="0"/>
+              <a:t>Rechenleistung</a:t>
+            </a:r>
+            <a:r>
+              <a:rPr lang="en-GB" dirty="0" smtClean="0"/>
+              <a:t> von </a:t>
+            </a:r>
+            <a:r>
+              <a:rPr lang="en-GB" dirty="0" err="1" smtClean="0"/>
+              <a:t>Fahrzeugen</a:t>
             </a:r>
             <a:endParaRPr lang="en-DE" dirty="0"/>
-          </a:p>
-        </p:txBody>
-      </p:sp>
-      <p:sp>
-        <p:nvSpPr>
-          <p:cNvPr id="10" name="Rechteck 9">
-            <a:extLst>
-              <a:ext uri="{FF2B5EF4-FFF2-40B4-BE49-F238E27FC236}">
-                <a16:creationId xmlns:a16="http://schemas.microsoft.com/office/drawing/2014/main" id="{A369DD9A-CA56-2A11-B3F2-3793A83A0816}"/>
-              </a:ext>
-            </a:extLst>
-          </p:cNvPr>
-          <p:cNvSpPr/>
-          <p:nvPr/>
-        </p:nvSpPr>
-        <p:spPr>
-          <a:xfrm>
-            <a:off x="1487488" y="5481228"/>
-            <a:ext cx="8928993" cy="972108"/>
-          </a:xfrm>
-          <a:prstGeom prst="rect">
-            <a:avLst/>
-          </a:prstGeom>
-          <a:solidFill>
-            <a:schemeClr val="accent4">
-              <a:lumMod val="40000"/>
-              <a:lumOff val="60000"/>
-            </a:schemeClr>
-          </a:solidFill>
-          <a:ln w="12700">
-            <a:solidFill>
-              <a:schemeClr val="tx1"/>
-            </a:solidFill>
-          </a:ln>
-        </p:spPr>
-        <p:style>
-          <a:lnRef idx="2">
-            <a:schemeClr val="accent1">
-              <a:shade val="50000"/>
-            </a:schemeClr>
-          </a:lnRef>
-          <a:fillRef idx="1">
-            <a:schemeClr val="accent1"/>
-          </a:fillRef>
-          <a:effectRef idx="0">
-            <a:schemeClr val="accent1"/>
-          </a:effectRef>
-          <a:fontRef idx="minor">
-            <a:schemeClr val="lt1"/>
-          </a:fontRef>
-        </p:style>
-        <p:txBody>
-          <a:bodyPr rtlCol="0" anchor="ctr"/>
-          <a:lstStyle/>
-          <a:p>
-            <a:pPr algn="ctr"/>
-            <a:endParaRPr lang="en-DE" dirty="0" err="1">
-              <a:solidFill>
-                <a:schemeClr val="tx1"/>
-              </a:solidFill>
-            </a:endParaRPr>
           </a:p>
         </p:txBody>
       </p:sp>
@@ -13513,13 +13361,23 @@
         </p:nvSpPr>
         <p:spPr>
           <a:xfrm>
-            <a:off x="1743038" y="5470280"/>
-            <a:ext cx="8784975" cy="1477328"/>
+            <a:off x="5179800" y="5403064"/>
+            <a:ext cx="6584928" cy="923330"/>
           </a:xfrm>
           <a:prstGeom prst="rect">
             <a:avLst/>
           </a:prstGeom>
-          <a:noFill/>
+          <a:solidFill>
+            <a:schemeClr val="accent4">
+              <a:lumMod val="20000"/>
+              <a:lumOff val="80000"/>
+            </a:schemeClr>
+          </a:solidFill>
+          <a:ln>
+            <a:solidFill>
+              <a:schemeClr val="tx1"/>
+            </a:solidFill>
+          </a:ln>
         </p:spPr>
         <p:txBody>
           <a:bodyPr wrap="square" rtlCol="0">
@@ -13529,16 +13387,8 @@
           <a:p>
             <a:pPr algn="ctr"/>
             <a:r>
-              <a:rPr lang="en-GB" b="1" dirty="0" err="1"/>
-              <a:t>Externe</a:t>
-            </a:r>
-            <a:r>
-              <a:rPr lang="en-GB" b="1" dirty="0"/>
-              <a:t> </a:t>
-            </a:r>
-            <a:r>
-              <a:rPr lang="en-GB" b="1" dirty="0" err="1"/>
-              <a:t>Applikation</a:t>
+              <a:rPr lang="en-GB" b="1" dirty="0" err="1" smtClean="0"/>
+              <a:t>Kommunikationsschnittstelle</a:t>
             </a:r>
             <a:endParaRPr lang="en-GB" b="1" dirty="0"/>
           </a:p>
@@ -13552,40 +13402,34 @@
               <a:buChar char="•"/>
             </a:pPr>
             <a:r>
-              <a:rPr lang="en-GB" dirty="0" err="1"/>
-              <a:t>Führt</a:t>
-            </a:r>
-            <a:r>
-              <a:rPr lang="en-GB" dirty="0"/>
+              <a:rPr lang="en-GB" dirty="0" err="1" smtClean="0"/>
+              <a:t>Implementiert</a:t>
+            </a:r>
+            <a:r>
+              <a:rPr lang="en-GB" dirty="0" smtClean="0"/>
               <a:t> </a:t>
             </a:r>
             <a:r>
-              <a:rPr lang="en-GB" dirty="0" err="1"/>
-              <a:t>Berechnungen</a:t>
-            </a:r>
-            <a:r>
-              <a:rPr lang="en-GB" dirty="0"/>
-              <a:t> für </a:t>
-            </a:r>
-            <a:r>
-              <a:rPr lang="en-GB" dirty="0" err="1"/>
-              <a:t>Auftraggeber</a:t>
-            </a:r>
-            <a:r>
-              <a:rPr lang="en-GB" dirty="0"/>
-              <a:t> auf der Hardware </a:t>
-            </a:r>
-            <a:r>
-              <a:rPr lang="en-GB" dirty="0" err="1"/>
-              <a:t>aus</a:t>
+              <a:rPr lang="en-GB" dirty="0" err="1" smtClean="0"/>
+              <a:t>Kommunikation</a:t>
+            </a:r>
+            <a:r>
+              <a:rPr lang="en-GB" dirty="0" smtClean="0"/>
+              <a:t> </a:t>
+            </a:r>
+            <a:r>
+              <a:rPr lang="en-GB" dirty="0" err="1" smtClean="0"/>
+              <a:t>mit</a:t>
+            </a:r>
+            <a:r>
+              <a:rPr lang="en-GB" dirty="0" smtClean="0"/>
+              <a:t> der </a:t>
+            </a:r>
+            <a:r>
+              <a:rPr lang="en-GB" dirty="0" err="1" smtClean="0"/>
+              <a:t>Fahrzeugflotte</a:t>
             </a:r>
             <a:endParaRPr lang="en-GB" dirty="0"/>
-          </a:p>
-          <a:p>
-            <a:endParaRPr lang="en-GB" b="1" dirty="0"/>
-          </a:p>
-          <a:p>
-            <a:endParaRPr lang="en-DE" b="1" dirty="0"/>
           </a:p>
         </p:txBody>
       </p:sp>
@@ -13639,10 +13483,10 @@
       </p:sp>
       <p:sp>
         <p:nvSpPr>
-          <p:cNvPr id="15" name="Pfeil: nach unten 14">
+          <p:cNvPr id="19" name="Pfeil: nach unten 16">
             <a:extLst>
               <a:ext uri="{FF2B5EF4-FFF2-40B4-BE49-F238E27FC236}">
-                <a16:creationId xmlns:a16="http://schemas.microsoft.com/office/drawing/2014/main" id="{97277DFA-B520-25C5-A9FF-CB7D1683ABE5}"/>
+                <a16:creationId xmlns:a16="http://schemas.microsoft.com/office/drawing/2014/main" id="{0A68EDCF-B182-7248-A010-1B8CA449784A}"/>
               </a:ext>
             </a:extLst>
           </p:cNvPr>
@@ -13651,8 +13495,8 @@
         </p:nvSpPr>
         <p:spPr>
           <a:xfrm>
-            <a:off x="4375141" y="2613677"/>
-            <a:ext cx="648072" cy="329585"/>
+            <a:off x="6868063" y="5117128"/>
+            <a:ext cx="648072" cy="296814"/>
           </a:xfrm>
           <a:prstGeom prst="downArrow">
             <a:avLst/>
@@ -13697,10 +13541,10 @@
       </p:sp>
       <p:sp>
         <p:nvSpPr>
-          <p:cNvPr id="16" name="Pfeil: nach unten 15">
+          <p:cNvPr id="20" name="Pfeil: nach unten 17">
             <a:extLst>
               <a:ext uri="{FF2B5EF4-FFF2-40B4-BE49-F238E27FC236}">
-                <a16:creationId xmlns:a16="http://schemas.microsoft.com/office/drawing/2014/main" id="{D25F3B52-698F-3CAD-50BD-0D97EA2A64E8}"/>
+                <a16:creationId xmlns:a16="http://schemas.microsoft.com/office/drawing/2014/main" id="{29D43B4B-B6C9-DCC3-87C7-7295D24A1AE6}"/>
               </a:ext>
             </a:extLst>
           </p:cNvPr>
@@ -13709,8 +13553,8 @@
         </p:nvSpPr>
         <p:spPr>
           <a:xfrm rot="10800000">
-            <a:off x="6816080" y="2624624"/>
-            <a:ext cx="648072" cy="318637"/>
+            <a:off x="9309002" y="5126985"/>
+            <a:ext cx="648072" cy="286955"/>
           </a:xfrm>
           <a:prstGeom prst="downArrow">
             <a:avLst/>
@@ -13755,7 +13599,7 @@
       </p:sp>
       <p:sp>
         <p:nvSpPr>
-          <p:cNvPr id="17" name="Pfeil: nach unten 16">
+          <p:cNvPr id="21" name="Pfeil: nach unten 16">
             <a:extLst>
               <a:ext uri="{FF2B5EF4-FFF2-40B4-BE49-F238E27FC236}">
                 <a16:creationId xmlns:a16="http://schemas.microsoft.com/office/drawing/2014/main" id="{0A68EDCF-B182-7248-A010-1B8CA449784A}"/>
@@ -13766,9 +13610,9 @@
           <p:nvPr/>
         </p:nvSpPr>
         <p:spPr>
-          <a:xfrm>
-            <a:off x="4354210" y="5140696"/>
-            <a:ext cx="648072" cy="329585"/>
+          <a:xfrm rot="5400000">
+            <a:off x="4982069" y="3922694"/>
+            <a:ext cx="648072" cy="452772"/>
           </a:xfrm>
           <a:prstGeom prst="downArrow">
             <a:avLst/>
@@ -13813,7 +13657,7 @@
       </p:sp>
       <p:sp>
         <p:nvSpPr>
-          <p:cNvPr id="18" name="Pfeil: nach unten 17">
+          <p:cNvPr id="22" name="Pfeil: nach unten 17">
             <a:extLst>
               <a:ext uri="{FF2B5EF4-FFF2-40B4-BE49-F238E27FC236}">
                 <a16:creationId xmlns:a16="http://schemas.microsoft.com/office/drawing/2014/main" id="{29D43B4B-B6C9-DCC3-87C7-7295D24A1AE6}"/>
@@ -13824,9 +13668,9 @@
           <p:nvPr/>
         </p:nvSpPr>
         <p:spPr>
-          <a:xfrm rot="10800000">
-            <a:off x="6795149" y="5151643"/>
-            <a:ext cx="648072" cy="318637"/>
+          <a:xfrm rot="16200000">
+            <a:off x="4982033" y="2365959"/>
+            <a:ext cx="648072" cy="427738"/>
           </a:xfrm>
           <a:prstGeom prst="downArrow">
             <a:avLst/>
@@ -13914,6 +13758,10 @@
           <a:bodyPr/>
           <a:lstStyle/>
           <a:p>
+            <a:r>
+              <a:rPr lang="de-DE" dirty="0" smtClean="0"/>
+              <a:t>Plattform für verteiltes Rechnen</a:t>
+            </a:r>
             <a:endParaRPr lang="de-DE" dirty="0"/>
           </a:p>
         </p:txBody>
@@ -13970,20 +13818,14 @@
       </p:sp>
       <p:sp>
         <p:nvSpPr>
-          <p:cNvPr id="2" name="Textfeld 1">
-            <a:extLst>
-              <a:ext uri="{FF2B5EF4-FFF2-40B4-BE49-F238E27FC236}">
-                <a16:creationId xmlns:a16="http://schemas.microsoft.com/office/drawing/2014/main" id="{01B2A65D-D5E7-5C7E-62DB-84D96213A431}"/>
-              </a:ext>
-            </a:extLst>
-          </p:cNvPr>
+          <p:cNvPr id="7" name="Textfeld 6"/>
           <p:cNvSpPr txBox="1"/>
           <p:nvPr/>
         </p:nvSpPr>
         <p:spPr>
           <a:xfrm>
-            <a:off x="2927648" y="2803728"/>
-            <a:ext cx="1210588" cy="369332"/>
+            <a:off x="551384" y="1340768"/>
+            <a:ext cx="11161240" cy="3970318"/>
           </a:xfrm>
           <a:prstGeom prst="rect">
             <a:avLst/>
@@ -13991,88 +13833,157 @@
           <a:noFill/>
         </p:spPr>
         <p:txBody>
-          <a:bodyPr wrap="none" rtlCol="0">
+          <a:bodyPr wrap="square" rtlCol="0">
             <a:spAutoFit/>
           </a:bodyPr>
           <a:lstStyle/>
           <a:p>
             <a:r>
-              <a:rPr lang="en-GB" dirty="0" err="1"/>
-              <a:t>Sicherheit</a:t>
-            </a:r>
-            <a:endParaRPr lang="en-DE" dirty="0"/>
-          </a:p>
-        </p:txBody>
-      </p:sp>
-      <p:sp>
-        <p:nvSpPr>
-          <p:cNvPr id="3" name="Textfeld 2">
-            <a:extLst>
-              <a:ext uri="{FF2B5EF4-FFF2-40B4-BE49-F238E27FC236}">
-                <a16:creationId xmlns:a16="http://schemas.microsoft.com/office/drawing/2014/main" id="{EB576F2B-92D7-0241-8090-7DD95EFBED73}"/>
-              </a:ext>
-            </a:extLst>
-          </p:cNvPr>
-          <p:cNvSpPr txBox="1"/>
-          <p:nvPr/>
-        </p:nvSpPr>
-        <p:spPr>
-          <a:xfrm>
-            <a:off x="6942588" y="2803728"/>
-            <a:ext cx="1210588" cy="369332"/>
-          </a:xfrm>
-          <a:prstGeom prst="rect">
-            <a:avLst/>
-          </a:prstGeom>
-          <a:noFill/>
-        </p:spPr>
-        <p:txBody>
-          <a:bodyPr wrap="none" rtlCol="0">
-            <a:spAutoFit/>
-          </a:bodyPr>
-          <a:lstStyle/>
-          <a:p>
-            <a:r>
-              <a:rPr lang="en-GB" dirty="0" err="1"/>
-              <a:t>Fleixbilität</a:t>
-            </a:r>
-            <a:endParaRPr lang="en-DE" dirty="0"/>
-          </a:p>
-        </p:txBody>
-      </p:sp>
-      <p:sp>
-        <p:nvSpPr>
-          <p:cNvPr id="5" name="Textfeld 4">
-            <a:extLst>
-              <a:ext uri="{FF2B5EF4-FFF2-40B4-BE49-F238E27FC236}">
-                <a16:creationId xmlns:a16="http://schemas.microsoft.com/office/drawing/2014/main" id="{E6FF5C11-B833-15E2-8E95-558F9EE8B160}"/>
-              </a:ext>
-            </a:extLst>
-          </p:cNvPr>
-          <p:cNvSpPr txBox="1"/>
-          <p:nvPr/>
-        </p:nvSpPr>
-        <p:spPr>
-          <a:xfrm>
-            <a:off x="4475246" y="1628800"/>
-            <a:ext cx="2467342" cy="369332"/>
-          </a:xfrm>
-          <a:prstGeom prst="rect">
-            <a:avLst/>
-          </a:prstGeom>
-          <a:noFill/>
-        </p:spPr>
-        <p:txBody>
-          <a:bodyPr wrap="none" rtlCol="0">
-            <a:spAutoFit/>
-          </a:bodyPr>
-          <a:lstStyle/>
-          <a:p>
-            <a:r>
-              <a:rPr lang="en-GB" dirty="0" err="1"/>
-              <a:t>Benutzerfreundlichkeit</a:t>
-            </a:r>
-            <a:endParaRPr lang="en-DE" dirty="0"/>
+              <a:rPr lang="de-DE" dirty="0" smtClean="0"/>
+              <a:t>Zugriff:</a:t>
+            </a:r>
+          </a:p>
+          <a:p>
+            <a:pPr marL="285750" indent="-285750">
+              <a:buFont typeface="Arial" panose="020B0604020202020204" pitchFamily="34" charset="0"/>
+              <a:buChar char="•"/>
+            </a:pPr>
+            <a:r>
+              <a:rPr lang="de-DE" dirty="0" smtClean="0"/>
+              <a:t>Bei geeigneter Absicherung kann jeder öffentlich zugreifen</a:t>
+            </a:r>
+          </a:p>
+          <a:p>
+            <a:pPr marL="285750" indent="-285750">
+              <a:buFont typeface="Arial" panose="020B0604020202020204" pitchFamily="34" charset="0"/>
+              <a:buChar char="•"/>
+            </a:pPr>
+            <a:endParaRPr lang="de-DE" dirty="0"/>
+          </a:p>
+          <a:p>
+            <a:pPr marL="285750" indent="-285750">
+              <a:buFont typeface="Arial" panose="020B0604020202020204" pitchFamily="34" charset="0"/>
+              <a:buChar char="•"/>
+            </a:pPr>
+            <a:r>
+              <a:rPr lang="de-DE" dirty="0" smtClean="0"/>
+              <a:t>Einschränkungen für Applikationen ggf. nötig, </a:t>
+            </a:r>
+            <a:r>
+              <a:rPr lang="de-DE" dirty="0" err="1" smtClean="0"/>
+              <a:t>code</a:t>
+            </a:r>
+            <a:r>
+              <a:rPr lang="de-DE" dirty="0" smtClean="0"/>
+              <a:t> </a:t>
+            </a:r>
+            <a:r>
+              <a:rPr lang="de-DE" dirty="0" err="1" smtClean="0"/>
+              <a:t>review</a:t>
+            </a:r>
+            <a:r>
+              <a:rPr lang="de-DE" dirty="0" smtClean="0"/>
+              <a:t>, </a:t>
+            </a:r>
+            <a:r>
+              <a:rPr lang="de-DE" dirty="0" err="1" smtClean="0"/>
+              <a:t>Identätsnachweis</a:t>
+            </a:r>
+            <a:endParaRPr lang="de-DE" dirty="0" smtClean="0"/>
+          </a:p>
+          <a:p>
+            <a:pPr marL="285750" indent="-285750">
+              <a:buFont typeface="Arial" panose="020B0604020202020204" pitchFamily="34" charset="0"/>
+              <a:buChar char="•"/>
+            </a:pPr>
+            <a:endParaRPr lang="de-DE" dirty="0"/>
+          </a:p>
+          <a:p>
+            <a:r>
+              <a:rPr lang="de-DE" dirty="0" smtClean="0"/>
+              <a:t>Finanzielle Umsetzung:</a:t>
+            </a:r>
+          </a:p>
+          <a:p>
+            <a:pPr marL="285750" indent="-285750">
+              <a:buFont typeface="Arial" panose="020B0604020202020204" pitchFamily="34" charset="0"/>
+              <a:buChar char="•"/>
+            </a:pPr>
+            <a:r>
+              <a:rPr lang="de-DE" dirty="0" smtClean="0"/>
+              <a:t>Börsenähnliche Umsetzung möglich:</a:t>
+            </a:r>
+          </a:p>
+          <a:p>
+            <a:pPr marL="742950" lvl="1" indent="-285750">
+              <a:buFont typeface="Arial" panose="020B0604020202020204" pitchFamily="34" charset="0"/>
+              <a:buChar char="•"/>
+            </a:pPr>
+            <a:r>
+              <a:rPr lang="de-DE" dirty="0" smtClean="0"/>
+              <a:t>Auftraggeber erstellt </a:t>
+            </a:r>
+            <a:r>
+              <a:rPr lang="de-DE" dirty="0"/>
+              <a:t>A</a:t>
+            </a:r>
+            <a:r>
+              <a:rPr lang="de-DE" dirty="0" smtClean="0"/>
+              <a:t>ngebot mit benötigter Rechenleistung und </a:t>
+            </a:r>
+            <a:r>
+              <a:rPr lang="de-DE" dirty="0" err="1" smtClean="0"/>
+              <a:t>gebotebe</a:t>
+            </a:r>
+            <a:r>
+              <a:rPr lang="de-DE" dirty="0" smtClean="0"/>
+              <a:t> Bezahlung</a:t>
+            </a:r>
+          </a:p>
+          <a:p>
+            <a:pPr marL="742950" lvl="1" indent="-285750">
+              <a:buFont typeface="Arial" panose="020B0604020202020204" pitchFamily="34" charset="0"/>
+              <a:buChar char="•"/>
+            </a:pPr>
+            <a:r>
+              <a:rPr lang="de-DE" dirty="0" smtClean="0"/>
+              <a:t>Auftragnehmer (Fahrzeuge) nehmen das jeweils beste Angebot an (Fahrzeugrechenleistung/Kompatibilität beachten)</a:t>
+            </a:r>
+          </a:p>
+          <a:p>
+            <a:pPr marL="742950" lvl="1" indent="-285750">
+              <a:buFont typeface="Arial" panose="020B0604020202020204" pitchFamily="34" charset="0"/>
+              <a:buChar char="•"/>
+            </a:pPr>
+            <a:r>
+              <a:rPr lang="de-DE" dirty="0" smtClean="0"/>
+              <a:t>Bezahlung nach tatsächlich geleistete Rechenleistung, überwacht von der Verwaltung</a:t>
+            </a:r>
+          </a:p>
+          <a:p>
+            <a:pPr marL="742950" lvl="1" indent="-285750">
+              <a:buFont typeface="Arial" panose="020B0604020202020204" pitchFamily="34" charset="0"/>
+              <a:buChar char="•"/>
+            </a:pPr>
+            <a:r>
+              <a:rPr lang="de-DE" dirty="0" smtClean="0"/>
+              <a:t>Auszahlung über zentral über Finanzdienstleister oder dezentral über </a:t>
+            </a:r>
+            <a:r>
+              <a:rPr lang="de-DE" dirty="0" err="1" smtClean="0"/>
+              <a:t>Kryptowährung</a:t>
+            </a:r>
+            <a:endParaRPr lang="de-DE" dirty="0" smtClean="0"/>
+          </a:p>
+          <a:p>
+            <a:pPr marL="742950" lvl="1" indent="-285750">
+              <a:buFont typeface="Arial" panose="020B0604020202020204" pitchFamily="34" charset="0"/>
+              <a:buChar char="•"/>
+            </a:pPr>
+            <a:endParaRPr lang="de-DE" dirty="0" smtClean="0"/>
+          </a:p>
+          <a:p>
+            <a:endParaRPr lang="de-DE" dirty="0"/>
           </a:p>
         </p:txBody>
       </p:sp>
@@ -14121,6 +14032,10 @@
           <a:bodyPr/>
           <a:lstStyle/>
           <a:p>
+            <a:r>
+              <a:rPr lang="de-DE" dirty="0" smtClean="0"/>
+              <a:t>Geplante Ziele</a:t>
+            </a:r>
             <a:endParaRPr lang="de-DE" dirty="0"/>
           </a:p>
         </p:txBody>
@@ -14177,10 +14092,10 @@
       </p:sp>
       <p:sp>
         <p:nvSpPr>
-          <p:cNvPr id="13" name="Textfeld 12">
+          <p:cNvPr id="2" name="Textfeld 1">
             <a:extLst>
               <a:ext uri="{FF2B5EF4-FFF2-40B4-BE49-F238E27FC236}">
-                <a16:creationId xmlns:a16="http://schemas.microsoft.com/office/drawing/2014/main" id="{C24DC21F-0378-DC9A-5294-2E4B91CB3E52}"/>
+                <a16:creationId xmlns:a16="http://schemas.microsoft.com/office/drawing/2014/main" id="{01B2A65D-D5E7-5C7E-62DB-84D96213A431}"/>
               </a:ext>
             </a:extLst>
           </p:cNvPr>
@@ -14189,8 +14104,260 @@
         </p:nvSpPr>
         <p:spPr>
           <a:xfrm>
-            <a:off x="1343472" y="1772816"/>
-            <a:ext cx="6898107" cy="1477328"/>
+            <a:off x="7032104" y="3068960"/>
+            <a:ext cx="1210588" cy="369332"/>
+          </a:xfrm>
+          <a:prstGeom prst="rect">
+            <a:avLst/>
+          </a:prstGeom>
+          <a:solidFill>
+            <a:schemeClr val="accent5">
+              <a:lumMod val="20000"/>
+              <a:lumOff val="80000"/>
+            </a:schemeClr>
+          </a:solidFill>
+          <a:ln>
+            <a:solidFill>
+              <a:schemeClr val="tx1"/>
+            </a:solidFill>
+          </a:ln>
+        </p:spPr>
+        <p:txBody>
+          <a:bodyPr wrap="none" rtlCol="0">
+            <a:spAutoFit/>
+          </a:bodyPr>
+          <a:lstStyle/>
+          <a:p>
+            <a:r>
+              <a:rPr lang="en-GB" dirty="0" err="1"/>
+              <a:t>Sicherheit</a:t>
+            </a:r>
+            <a:endParaRPr lang="en-DE" dirty="0"/>
+          </a:p>
+        </p:txBody>
+      </p:sp>
+      <p:sp>
+        <p:nvSpPr>
+          <p:cNvPr id="3" name="Textfeld 2">
+            <a:extLst>
+              <a:ext uri="{FF2B5EF4-FFF2-40B4-BE49-F238E27FC236}">
+                <a16:creationId xmlns:a16="http://schemas.microsoft.com/office/drawing/2014/main" id="{EB576F2B-92D7-0241-8090-7DD95EFBED73}"/>
+              </a:ext>
+            </a:extLst>
+          </p:cNvPr>
+          <p:cNvSpPr txBox="1"/>
+          <p:nvPr/>
+        </p:nvSpPr>
+        <p:spPr>
+          <a:xfrm>
+            <a:off x="10056440" y="3068960"/>
+            <a:ext cx="1313652" cy="369332"/>
+          </a:xfrm>
+          <a:prstGeom prst="rect">
+            <a:avLst/>
+          </a:prstGeom>
+          <a:solidFill>
+            <a:schemeClr val="accent5">
+              <a:lumMod val="20000"/>
+              <a:lumOff val="80000"/>
+            </a:schemeClr>
+          </a:solidFill>
+          <a:ln>
+            <a:solidFill>
+              <a:schemeClr val="tx1"/>
+            </a:solidFill>
+          </a:ln>
+        </p:spPr>
+        <p:txBody>
+          <a:bodyPr wrap="square" rtlCol="0">
+            <a:spAutoFit/>
+          </a:bodyPr>
+          <a:lstStyle/>
+          <a:p>
+            <a:r>
+              <a:rPr lang="en-GB" dirty="0" err="1"/>
+              <a:t>Fleixbilität</a:t>
+            </a:r>
+            <a:endParaRPr lang="en-DE" dirty="0"/>
+          </a:p>
+        </p:txBody>
+      </p:sp>
+      <p:sp>
+        <p:nvSpPr>
+          <p:cNvPr id="5" name="Textfeld 4">
+            <a:extLst>
+              <a:ext uri="{FF2B5EF4-FFF2-40B4-BE49-F238E27FC236}">
+                <a16:creationId xmlns:a16="http://schemas.microsoft.com/office/drawing/2014/main" id="{E6FF5C11-B833-15E2-8E95-558F9EE8B160}"/>
+              </a:ext>
+            </a:extLst>
+          </p:cNvPr>
+          <p:cNvSpPr txBox="1"/>
+          <p:nvPr/>
+        </p:nvSpPr>
+        <p:spPr>
+          <a:xfrm>
+            <a:off x="7907141" y="1461984"/>
+            <a:ext cx="2467342" cy="369332"/>
+          </a:xfrm>
+          <a:prstGeom prst="rect">
+            <a:avLst/>
+          </a:prstGeom>
+          <a:solidFill>
+            <a:schemeClr val="accent5">
+              <a:lumMod val="20000"/>
+              <a:lumOff val="80000"/>
+            </a:schemeClr>
+          </a:solidFill>
+          <a:ln>
+            <a:solidFill>
+              <a:schemeClr val="tx1"/>
+            </a:solidFill>
+          </a:ln>
+        </p:spPr>
+        <p:txBody>
+          <a:bodyPr wrap="none" rtlCol="0">
+            <a:spAutoFit/>
+          </a:bodyPr>
+          <a:lstStyle/>
+          <a:p>
+            <a:r>
+              <a:rPr lang="en-GB" dirty="0" err="1"/>
+              <a:t>Benutzerfreundlichkeit</a:t>
+            </a:r>
+            <a:endParaRPr lang="en-DE" dirty="0"/>
+          </a:p>
+        </p:txBody>
+      </p:sp>
+      <p:cxnSp>
+        <p:nvCxnSpPr>
+          <p:cNvPr id="7" name="Gerade Verbindung mit Pfeil 6"/>
+          <p:cNvCxnSpPr>
+            <a:stCxn id="2" idx="3"/>
+            <a:endCxn id="3" idx="1"/>
+          </p:cNvCxnSpPr>
+          <p:nvPr/>
+        </p:nvCxnSpPr>
+        <p:spPr>
+          <a:xfrm>
+            <a:off x="8242692" y="3253626"/>
+            <a:ext cx="1813748" cy="0"/>
+          </a:xfrm>
+          <a:prstGeom prst="straightConnector1">
+            <a:avLst/>
+          </a:prstGeom>
+          <a:ln w="47625">
+            <a:solidFill>
+              <a:schemeClr val="accent2"/>
+            </a:solidFill>
+            <a:headEnd type="triangle"/>
+            <a:tailEnd type="triangle"/>
+          </a:ln>
+        </p:spPr>
+        <p:style>
+          <a:lnRef idx="1">
+            <a:schemeClr val="accent1"/>
+          </a:lnRef>
+          <a:fillRef idx="0">
+            <a:schemeClr val="accent1"/>
+          </a:fillRef>
+          <a:effectRef idx="0">
+            <a:schemeClr val="accent1"/>
+          </a:effectRef>
+          <a:fontRef idx="minor">
+            <a:schemeClr val="tx1"/>
+          </a:fontRef>
+        </p:style>
+      </p:cxnSp>
+      <p:cxnSp>
+        <p:nvCxnSpPr>
+          <p:cNvPr id="11" name="Gerade Verbindung mit Pfeil 10"/>
+          <p:cNvCxnSpPr>
+            <a:stCxn id="2" idx="0"/>
+            <a:endCxn id="5" idx="2"/>
+          </p:cNvCxnSpPr>
+          <p:nvPr/>
+        </p:nvCxnSpPr>
+        <p:spPr>
+          <a:xfrm flipV="1">
+            <a:off x="7637398" y="1831316"/>
+            <a:ext cx="1503414" cy="1237644"/>
+          </a:xfrm>
+          <a:prstGeom prst="straightConnector1">
+            <a:avLst/>
+          </a:prstGeom>
+          <a:ln w="47625">
+            <a:solidFill>
+              <a:schemeClr val="accent2"/>
+            </a:solidFill>
+            <a:headEnd type="triangle"/>
+            <a:tailEnd type="triangle"/>
+          </a:ln>
+        </p:spPr>
+        <p:style>
+          <a:lnRef idx="1">
+            <a:schemeClr val="accent1"/>
+          </a:lnRef>
+          <a:fillRef idx="0">
+            <a:schemeClr val="accent1"/>
+          </a:fillRef>
+          <a:effectRef idx="0">
+            <a:schemeClr val="accent1"/>
+          </a:effectRef>
+          <a:fontRef idx="minor">
+            <a:schemeClr val="tx1"/>
+          </a:fontRef>
+        </p:style>
+      </p:cxnSp>
+      <p:cxnSp>
+        <p:nvCxnSpPr>
+          <p:cNvPr id="14" name="Gerade Verbindung mit Pfeil 13"/>
+          <p:cNvCxnSpPr>
+            <a:stCxn id="3" idx="0"/>
+            <a:endCxn id="5" idx="2"/>
+          </p:cNvCxnSpPr>
+          <p:nvPr/>
+        </p:nvCxnSpPr>
+        <p:spPr>
+          <a:xfrm flipH="1" flipV="1">
+            <a:off x="9140812" y="1831316"/>
+            <a:ext cx="1572454" cy="1237644"/>
+          </a:xfrm>
+          <a:prstGeom prst="straightConnector1">
+            <a:avLst/>
+          </a:prstGeom>
+          <a:ln w="47625">
+            <a:solidFill>
+              <a:schemeClr val="accent2"/>
+            </a:solidFill>
+            <a:headEnd type="triangle"/>
+            <a:tailEnd type="triangle"/>
+          </a:ln>
+        </p:spPr>
+        <p:style>
+          <a:lnRef idx="1">
+            <a:schemeClr val="accent1"/>
+          </a:lnRef>
+          <a:fillRef idx="0">
+            <a:schemeClr val="accent1"/>
+          </a:fillRef>
+          <a:effectRef idx="0">
+            <a:schemeClr val="accent1"/>
+          </a:effectRef>
+          <a:fontRef idx="minor">
+            <a:schemeClr val="tx1"/>
+          </a:fontRef>
+        </p:style>
+      </p:cxnSp>
+      <p:sp>
+        <p:nvSpPr>
+          <p:cNvPr id="23" name="Textfeld 22"/>
+          <p:cNvSpPr txBox="1"/>
+          <p:nvPr/>
+        </p:nvSpPr>
+        <p:spPr>
+          <a:xfrm>
+            <a:off x="839417" y="1461984"/>
+            <a:ext cx="6141156" cy="3693319"/>
           </a:xfrm>
           <a:prstGeom prst="rect">
             <a:avLst/>
@@ -14198,357 +14365,87 @@
           <a:noFill/>
         </p:spPr>
         <p:txBody>
-          <a:bodyPr wrap="none" rtlCol="0">
+          <a:bodyPr wrap="square" rtlCol="0">
             <a:spAutoFit/>
           </a:bodyPr>
           <a:lstStyle/>
           <a:p>
             <a:r>
-              <a:rPr lang="en-GB" dirty="0" err="1"/>
-              <a:t>Verwaltungs</a:t>
-            </a:r>
-            <a:r>
-              <a:rPr lang="en-GB" dirty="0"/>
-              <a:t>-App:</a:t>
-            </a:r>
-          </a:p>
-          <a:p>
-            <a:pPr marL="285750" indent="-285750">
-              <a:buFont typeface="Arial" panose="020B0604020202020204" pitchFamily="34" charset="0"/>
-              <a:buChar char="•"/>
-            </a:pPr>
-            <a:r>
-              <a:rPr lang="en-GB" dirty="0" err="1"/>
-              <a:t>Kommuniziert</a:t>
-            </a:r>
-            <a:r>
-              <a:rPr lang="en-GB" dirty="0"/>
+              <a:rPr lang="de-DE" dirty="0" smtClean="0"/>
+              <a:t>Methoden erarbeiten für Netzwerk- und Softwarearchitektur</a:t>
+            </a:r>
+          </a:p>
+          <a:p>
+            <a:endParaRPr lang="de-DE" dirty="0"/>
+          </a:p>
+          <a:p>
+            <a:r>
+              <a:rPr lang="de-DE" dirty="0" smtClean="0"/>
+              <a:t>Umsetzung einer Applikation für die Verwaltung, lauffähig für PC</a:t>
+            </a:r>
+          </a:p>
+          <a:p>
+            <a:endParaRPr lang="de-DE" dirty="0"/>
+          </a:p>
+          <a:p>
+            <a:r>
+              <a:rPr lang="de-DE" dirty="0" smtClean="0"/>
+              <a:t>Umsetzung einer Applikation für Fahrzeug, lauffähig auf POSIX konformem System. (</a:t>
+            </a:r>
+            <a:r>
+              <a:rPr lang="de-DE" dirty="0" err="1" smtClean="0"/>
+              <a:t>Nvidia</a:t>
+            </a:r>
+            <a:r>
+              <a:rPr lang="de-DE" dirty="0" smtClean="0"/>
               <a:t> </a:t>
             </a:r>
             <a:r>
-              <a:rPr lang="en-GB" dirty="0" err="1"/>
-              <a:t>mit</a:t>
-            </a:r>
-            <a:r>
-              <a:rPr lang="en-GB" dirty="0"/>
-              <a:t> Loader-</a:t>
-            </a:r>
-            <a:r>
-              <a:rPr lang="en-GB" dirty="0" err="1"/>
-              <a:t>Applikation</a:t>
-            </a:r>
-            <a:r>
-              <a:rPr lang="en-GB" dirty="0"/>
-              <a:t> auf </a:t>
-            </a:r>
-            <a:r>
-              <a:rPr lang="en-GB" dirty="0" err="1"/>
-              <a:t>Steuergät</a:t>
-            </a:r>
-            <a:endParaRPr lang="en-GB" dirty="0"/>
-          </a:p>
-          <a:p>
-            <a:pPr marL="285750" indent="-285750">
-              <a:buFont typeface="Arial" panose="020B0604020202020204" pitchFamily="34" charset="0"/>
-              <a:buChar char="•"/>
-            </a:pPr>
-            <a:r>
-              <a:rPr lang="en-GB" dirty="0" err="1"/>
-              <a:t>Nimmt</a:t>
-            </a:r>
-            <a:r>
-              <a:rPr lang="en-GB" dirty="0"/>
+              <a:rPr lang="de-DE" dirty="0" err="1" smtClean="0"/>
+              <a:t>Jetson</a:t>
+            </a:r>
+            <a:r>
+              <a:rPr lang="de-DE" dirty="0"/>
               <a:t> </a:t>
             </a:r>
             <a:r>
-              <a:rPr lang="en-GB" dirty="0" err="1"/>
-              <a:t>Applikationen</a:t>
-            </a:r>
-            <a:r>
-              <a:rPr lang="en-GB" dirty="0"/>
-              <a:t> </a:t>
-            </a:r>
-            <a:r>
-              <a:rPr lang="en-GB" dirty="0" err="1"/>
-              <a:t>vom</a:t>
-            </a:r>
-            <a:r>
-              <a:rPr lang="en-GB" dirty="0"/>
-              <a:t> </a:t>
-            </a:r>
-            <a:r>
-              <a:rPr lang="en-GB" dirty="0" err="1"/>
-              <a:t>Benutzer</a:t>
-            </a:r>
-            <a:r>
-              <a:rPr lang="en-GB" dirty="0"/>
-              <a:t> </a:t>
-            </a:r>
-            <a:r>
-              <a:rPr lang="en-GB" dirty="0" err="1"/>
-              <a:t>als</a:t>
-            </a:r>
-            <a:r>
-              <a:rPr lang="en-GB" dirty="0"/>
-              <a:t> </a:t>
-            </a:r>
-            <a:r>
-              <a:rPr lang="en-GB" dirty="0" err="1"/>
-              <a:t>ausführbarer</a:t>
-            </a:r>
-            <a:r>
-              <a:rPr lang="en-GB" dirty="0"/>
-              <a:t> </a:t>
-            </a:r>
-            <a:r>
-              <a:rPr lang="en-GB" dirty="0" err="1"/>
-              <a:t>Binärcode</a:t>
-            </a:r>
-            <a:endParaRPr lang="en-GB" dirty="0"/>
-          </a:p>
-          <a:p>
-            <a:pPr marL="285750" indent="-285750">
-              <a:buFont typeface="Arial" panose="020B0604020202020204" pitchFamily="34" charset="0"/>
-              <a:buChar char="•"/>
-            </a:pPr>
-            <a:r>
-              <a:rPr lang="en-GB" dirty="0" err="1"/>
-              <a:t>Kann</a:t>
-            </a:r>
-            <a:r>
-              <a:rPr lang="en-GB" dirty="0"/>
-              <a:t> </a:t>
-            </a:r>
-            <a:r>
-              <a:rPr lang="en-GB" dirty="0" err="1"/>
-              <a:t>diese</a:t>
-            </a:r>
-            <a:r>
-              <a:rPr lang="en-GB" dirty="0"/>
-              <a:t> </a:t>
-            </a:r>
-            <a:r>
-              <a:rPr lang="en-GB" dirty="0" err="1"/>
-              <a:t>Applikationen</a:t>
-            </a:r>
-            <a:r>
-              <a:rPr lang="en-GB" dirty="0"/>
-              <a:t> an die </a:t>
-            </a:r>
-            <a:r>
-              <a:rPr lang="en-GB" dirty="0" err="1"/>
-              <a:t>Steuergäte</a:t>
-            </a:r>
-            <a:r>
-              <a:rPr lang="en-GB" dirty="0"/>
-              <a:t> </a:t>
-            </a:r>
-            <a:r>
-              <a:rPr lang="en-GB" dirty="0" err="1"/>
-              <a:t>senden</a:t>
-            </a:r>
-            <a:r>
-              <a:rPr lang="en-GB" dirty="0"/>
-              <a:t> </a:t>
-            </a:r>
-          </a:p>
-          <a:p>
-            <a:pPr marL="285750" indent="-285750">
-              <a:buFont typeface="Arial" panose="020B0604020202020204" pitchFamily="34" charset="0"/>
-              <a:buChar char="•"/>
-            </a:pPr>
-            <a:r>
-              <a:rPr lang="en-GB" dirty="0" err="1"/>
-              <a:t>Bietet</a:t>
-            </a:r>
-            <a:r>
-              <a:rPr lang="en-GB" dirty="0"/>
-              <a:t> </a:t>
-            </a:r>
-            <a:r>
-              <a:rPr lang="en-GB" dirty="0" err="1"/>
-              <a:t>Kommunikationsschnittstelle</a:t>
-            </a:r>
-            <a:r>
-              <a:rPr lang="en-GB" dirty="0"/>
-              <a:t> </a:t>
-            </a:r>
-            <a:r>
-              <a:rPr lang="en-GB" dirty="0" err="1"/>
-              <a:t>zur</a:t>
-            </a:r>
-            <a:r>
-              <a:rPr lang="en-GB" dirty="0"/>
-              <a:t> </a:t>
-            </a:r>
-            <a:r>
-              <a:rPr lang="en-GB" dirty="0" err="1"/>
-              <a:t>Steuergerät</a:t>
-            </a:r>
-            <a:endParaRPr lang="en-DE" dirty="0"/>
-          </a:p>
-        </p:txBody>
-      </p:sp>
-      <p:sp>
-        <p:nvSpPr>
-          <p:cNvPr id="14" name="Textfeld 13">
-            <a:extLst>
-              <a:ext uri="{FF2B5EF4-FFF2-40B4-BE49-F238E27FC236}">
-                <a16:creationId xmlns:a16="http://schemas.microsoft.com/office/drawing/2014/main" id="{ED1B6FDC-4374-034B-4C99-B2AE8153CD3E}"/>
-              </a:ext>
-            </a:extLst>
-          </p:cNvPr>
-          <p:cNvSpPr txBox="1"/>
-          <p:nvPr/>
-        </p:nvSpPr>
-        <p:spPr>
-          <a:xfrm>
-            <a:off x="1277745" y="3825044"/>
-            <a:ext cx="6205610" cy="1200329"/>
-          </a:xfrm>
-          <a:prstGeom prst="rect">
-            <a:avLst/>
-          </a:prstGeom>
-          <a:noFill/>
-        </p:spPr>
-        <p:txBody>
-          <a:bodyPr wrap="none" rtlCol="0">
-            <a:spAutoFit/>
-          </a:bodyPr>
-          <a:lstStyle/>
-          <a:p>
-            <a:r>
-              <a:rPr lang="en-GB" dirty="0"/>
-              <a:t>Loader App für </a:t>
-            </a:r>
-            <a:r>
-              <a:rPr lang="en-GB" dirty="0" err="1"/>
-              <a:t>Steuergerät</a:t>
-            </a:r>
-            <a:endParaRPr lang="en-GB" dirty="0"/>
-          </a:p>
-          <a:p>
-            <a:pPr marL="285750" indent="-285750">
-              <a:buFont typeface="Arial" panose="020B0604020202020204" pitchFamily="34" charset="0"/>
-              <a:buChar char="•"/>
-            </a:pPr>
-            <a:r>
-              <a:rPr lang="en-GB" dirty="0" err="1"/>
-              <a:t>Kommuniziert</a:t>
-            </a:r>
-            <a:r>
-              <a:rPr lang="en-GB" dirty="0"/>
-              <a:t> </a:t>
-            </a:r>
-            <a:r>
-              <a:rPr lang="en-GB" dirty="0" err="1"/>
-              <a:t>mit</a:t>
-            </a:r>
-            <a:r>
-              <a:rPr lang="en-GB" dirty="0"/>
-              <a:t> </a:t>
-            </a:r>
-            <a:r>
-              <a:rPr lang="en-GB" dirty="0" err="1"/>
-              <a:t>Verwaltungs</a:t>
-            </a:r>
-            <a:r>
-              <a:rPr lang="en-GB" dirty="0"/>
-              <a:t>-App</a:t>
-            </a:r>
-          </a:p>
-          <a:p>
-            <a:pPr marL="285750" indent="-285750">
-              <a:buFont typeface="Arial" panose="020B0604020202020204" pitchFamily="34" charset="0"/>
-              <a:buChar char="•"/>
-            </a:pPr>
-            <a:r>
-              <a:rPr lang="en-GB" dirty="0" err="1"/>
-              <a:t>Empfängt</a:t>
-            </a:r>
-            <a:r>
-              <a:rPr lang="en-GB" dirty="0"/>
-              <a:t> </a:t>
-            </a:r>
-            <a:r>
-              <a:rPr lang="en-GB" dirty="0" err="1"/>
-              <a:t>Binärcode</a:t>
-            </a:r>
-            <a:r>
-              <a:rPr lang="en-GB" dirty="0"/>
-              <a:t> </a:t>
-            </a:r>
-            <a:r>
-              <a:rPr lang="en-GB" dirty="0" err="1"/>
-              <a:t>vom</a:t>
-            </a:r>
-            <a:r>
-              <a:rPr lang="en-GB" dirty="0"/>
-              <a:t> </a:t>
-            </a:r>
-            <a:r>
-              <a:rPr lang="en-GB" dirty="0" err="1"/>
-              <a:t>Verwaltungs</a:t>
-            </a:r>
-            <a:r>
-              <a:rPr lang="en-GB" dirty="0"/>
-              <a:t>-App, </a:t>
-            </a:r>
-            <a:r>
-              <a:rPr lang="en-GB" dirty="0" err="1"/>
-              <a:t>führt</a:t>
-            </a:r>
-            <a:r>
-              <a:rPr lang="en-GB" dirty="0"/>
-              <a:t> es </a:t>
-            </a:r>
-            <a:r>
-              <a:rPr lang="en-GB" dirty="0" err="1"/>
-              <a:t>aus</a:t>
-            </a:r>
-            <a:endParaRPr lang="en-GB" dirty="0"/>
-          </a:p>
-          <a:p>
-            <a:pPr marL="285750" indent="-285750">
-              <a:buFont typeface="Arial" panose="020B0604020202020204" pitchFamily="34" charset="0"/>
-              <a:buChar char="•"/>
-            </a:pPr>
-            <a:r>
-              <a:rPr lang="en-GB" dirty="0" err="1"/>
-              <a:t>Bietet</a:t>
-            </a:r>
-            <a:r>
-              <a:rPr lang="en-GB" dirty="0"/>
-              <a:t> </a:t>
-            </a:r>
-            <a:r>
-              <a:rPr lang="en-GB" dirty="0" err="1"/>
-              <a:t>Kommunikationsschnittstelle</a:t>
-            </a:r>
-            <a:r>
-              <a:rPr lang="en-GB" dirty="0"/>
-              <a:t> </a:t>
-            </a:r>
-            <a:r>
-              <a:rPr lang="en-GB" dirty="0" err="1"/>
-              <a:t>zur</a:t>
-            </a:r>
-            <a:r>
-              <a:rPr lang="en-GB" dirty="0"/>
-              <a:t> </a:t>
-            </a:r>
-            <a:r>
-              <a:rPr lang="en-GB" dirty="0" err="1"/>
-              <a:t>Steuergerät</a:t>
-            </a:r>
-            <a:endParaRPr lang="en-DE" dirty="0"/>
+              <a:rPr lang="de-DE" dirty="0" smtClean="0"/>
+              <a:t>oder </a:t>
+            </a:r>
+            <a:r>
+              <a:rPr lang="de-DE" dirty="0" err="1" smtClean="0"/>
+              <a:t>Raspberry</a:t>
+            </a:r>
+            <a:r>
+              <a:rPr lang="de-DE" dirty="0" smtClean="0"/>
+              <a:t> PI)</a:t>
+            </a:r>
+          </a:p>
+          <a:p>
+            <a:endParaRPr lang="de-DE" dirty="0"/>
+          </a:p>
+          <a:p>
+            <a:r>
+              <a:rPr lang="de-DE" dirty="0" smtClean="0"/>
+              <a:t>Erarbeitung von Sicherheitskonzepten</a:t>
+            </a:r>
+          </a:p>
+          <a:p>
+            <a:endParaRPr lang="de-DE" dirty="0"/>
+          </a:p>
+          <a:p>
+            <a:r>
+              <a:rPr lang="de-DE" dirty="0" smtClean="0"/>
+              <a:t>Erarbeitung von Plattformkonzepten</a:t>
+            </a:r>
+            <a:endParaRPr lang="de-DE" dirty="0"/>
           </a:p>
         </p:txBody>
       </p:sp>
     </p:spTree>
     <p:extLst>
       <p:ext uri="{BB962C8B-B14F-4D97-AF65-F5344CB8AC3E}">
-        <p14:creationId xmlns:p14="http://schemas.microsoft.com/office/powerpoint/2010/main" val="3674617324"/>
+        <p14:creationId xmlns:p14="http://schemas.microsoft.com/office/powerpoint/2010/main" val="252719704"/>
       </p:ext>
     </p:extLst>
   </p:cSld>
@@ -14575,145 +14472,6 @@
           <a:chExt cx="0" cy="0"/>
         </a:xfrm>
       </p:grpSpPr>
-      <p:sp>
-        <p:nvSpPr>
-          <p:cNvPr id="4" name="Titel 3"/>
-          <p:cNvSpPr>
-            <a:spLocks noGrp="1"/>
-          </p:cNvSpPr>
-          <p:nvPr>
-            <p:ph type="title"/>
-          </p:nvPr>
-        </p:nvSpPr>
-        <p:spPr/>
-        <p:txBody>
-          <a:bodyPr/>
-          <a:lstStyle/>
-          <a:p>
-            <a:endParaRPr lang="de-DE" dirty="0"/>
-          </a:p>
-        </p:txBody>
-      </p:sp>
-      <p:pic>
-        <p:nvPicPr>
-          <p:cNvPr id="75" name="Grafik 74"/>
-          <p:cNvPicPr>
-            <a:picLocks noChangeAspect="1"/>
-          </p:cNvPicPr>
-          <p:nvPr/>
-        </p:nvPicPr>
-        <p:blipFill>
-          <a:blip r:embed="rId3" cstate="print">
-            <a:extLst>
-              <a:ext uri="{28A0092B-C50C-407E-A947-70E740481C1C}">
-                <a14:useLocalDpi xmlns:a14="http://schemas.microsoft.com/office/drawing/2010/main" val="0"/>
-              </a:ext>
-            </a:extLst>
-          </a:blip>
-          <a:stretch>
-            <a:fillRect/>
-          </a:stretch>
-        </p:blipFill>
-        <p:spPr>
-          <a:xfrm>
-            <a:off x="6240016" y="2204864"/>
-            <a:ext cx="5430252" cy="3600400"/>
-          </a:xfrm>
-          <a:prstGeom prst="rect">
-            <a:avLst/>
-          </a:prstGeom>
-        </p:spPr>
-      </p:pic>
-      <p:pic>
-        <p:nvPicPr>
-          <p:cNvPr id="2" name="Grafik 1"/>
-          <p:cNvPicPr>
-            <a:picLocks noChangeAspect="1"/>
-          </p:cNvPicPr>
-          <p:nvPr/>
-        </p:nvPicPr>
-        <p:blipFill>
-          <a:blip r:embed="rId4" cstate="print">
-            <a:extLst>
-              <a:ext uri="{28A0092B-C50C-407E-A947-70E740481C1C}">
-                <a14:useLocalDpi xmlns:a14="http://schemas.microsoft.com/office/drawing/2010/main" val="0"/>
-              </a:ext>
-            </a:extLst>
-          </a:blip>
-          <a:stretch>
-            <a:fillRect/>
-          </a:stretch>
-        </p:blipFill>
-        <p:spPr>
-          <a:xfrm>
-            <a:off x="3935760" y="4149080"/>
-            <a:ext cx="1009696" cy="1009696"/>
-          </a:xfrm>
-          <a:prstGeom prst="rect">
-            <a:avLst/>
-          </a:prstGeom>
-        </p:spPr>
-      </p:pic>
-      <p:pic>
-        <p:nvPicPr>
-          <p:cNvPr id="3" name="Grafik 2"/>
-          <p:cNvPicPr>
-            <a:picLocks noChangeAspect="1"/>
-          </p:cNvPicPr>
-          <p:nvPr/>
-        </p:nvPicPr>
-        <p:blipFill>
-          <a:blip r:embed="rId5" cstate="print">
-            <a:extLst>
-              <a:ext uri="{28A0092B-C50C-407E-A947-70E740481C1C}">
-                <a14:useLocalDpi xmlns:a14="http://schemas.microsoft.com/office/drawing/2010/main" val="0"/>
-              </a:ext>
-            </a:extLst>
-          </a:blip>
-          <a:stretch>
-            <a:fillRect/>
-          </a:stretch>
-        </p:blipFill>
-        <p:spPr>
-          <a:xfrm>
-            <a:off x="2357302" y="3994111"/>
-            <a:ext cx="945653" cy="945653"/>
-          </a:xfrm>
-          <a:prstGeom prst="rect">
-            <a:avLst/>
-          </a:prstGeom>
-        </p:spPr>
-      </p:pic>
-    </p:spTree>
-    <p:extLst>
-      <p:ext uri="{BB962C8B-B14F-4D97-AF65-F5344CB8AC3E}">
-        <p14:creationId xmlns:p14="http://schemas.microsoft.com/office/powerpoint/2010/main" val="4189684548"/>
-      </p:ext>
-    </p:extLst>
-  </p:cSld>
-  <p:clrMapOvr>
-    <a:masterClrMapping/>
-  </p:clrMapOvr>
-</p:sld>
-</file>
-
-<file path=ppt/slides/slide15.xml><?xml version="1.0" encoding="utf-8"?>
-<p:sld xmlns:a="http://schemas.openxmlformats.org/drawingml/2006/main" xmlns:r="http://schemas.openxmlformats.org/officeDocument/2006/relationships" xmlns:p="http://schemas.openxmlformats.org/presentationml/2006/main">
-  <p:cSld>
-    <p:spTree>
-      <p:nvGrpSpPr>
-        <p:cNvPr id="1" name=""/>
-        <p:cNvGrpSpPr/>
-        <p:nvPr/>
-      </p:nvGrpSpPr>
-      <p:grpSpPr>
-        <a:xfrm>
-          <a:off x="0" y="0"/>
-          <a:ext cx="0" cy="0"/>
-          <a:chOff x="0" y="0"/>
-          <a:chExt cx="0" cy="0"/>
-        </a:xfrm>
-      </p:grpSpPr>
       <p:graphicFrame>
         <p:nvGraphicFramePr>
           <p:cNvPr id="10" name="Objekt 9" hidden="1"/>
@@ -14722,7 +14480,7 @@
           </p:cNvGraphicFramePr>
           <p:nvPr>
             <p:custDataLst>
-              <p:tags r:id="rId1"/>
+              <p:tags r:id="rId2"/>
             </p:custDataLst>
           </p:nvPr>
         </p:nvGraphicFramePr>
@@ -14734,12 +14492,12 @@
           <a:graphicData uri="http://schemas.openxmlformats.org/presentationml/2006/ole">
             <mc:AlternateContent xmlns:mc="http://schemas.openxmlformats.org/markup-compatibility/2006">
               <mc:Choice xmlns:v="urn:schemas-microsoft-com:vml" Requires="v">
-                <p:oleObj name="think-cell Folie" r:id="rId4" imgW="360" imgH="360" progId="TCLayout.ActiveDocument.1">
+                <p:oleObj spid="_x0000_s8199" name="think-cell Folie" r:id="rId5" imgW="360" imgH="360" progId="TCLayout.ActiveDocument.1">
                   <p:embed/>
                 </p:oleObj>
               </mc:Choice>
               <mc:Fallback>
-                <p:oleObj name="think-cell Folie" r:id="rId4" imgW="360" imgH="360" progId="TCLayout.ActiveDocument.1">
+                <p:oleObj name="think-cell Folie" r:id="rId5" imgW="360" imgH="360" progId="TCLayout.ActiveDocument.1">
                   <p:embed/>
                   <p:pic>
                     <p:nvPicPr>
@@ -14750,7 +14508,7 @@
                       <p:nvPr/>
                     </p:nvPicPr>
                     <p:blipFill>
-                      <a:blip r:embed="rId5">
+                      <a:blip r:embed="rId6">
                         <a:extLst>
                           <a:ext uri="{28A0092B-C50C-407E-A947-70E740481C1C}">
                             <a14:useLocalDpi xmlns:a14="http://schemas.microsoft.com/office/drawing/2010/main" val="0"/>
@@ -14949,7 +14707,25 @@
           <a:p>
             <a:r>
               <a:rPr lang="de-DE" dirty="0"/>
-              <a:t>Modulare Energieverteilung im Bordnetz</a:t>
+              <a:t>Verteiltes Rechnen</a:t>
+            </a:r>
+          </a:p>
+          <a:p>
+            <a:r>
+              <a:rPr lang="de-DE" dirty="0"/>
+              <a:t>Softwarearchitektur</a:t>
+            </a:r>
+          </a:p>
+          <a:p>
+            <a:r>
+              <a:rPr lang="de-DE" dirty="0"/>
+              <a:t>Plattform für verteiltes Rechnen</a:t>
+            </a:r>
+          </a:p>
+          <a:p>
+            <a:r>
+              <a:rPr lang="de-DE" dirty="0"/>
+              <a:t>Geplante Ziele</a:t>
             </a:r>
           </a:p>
           <a:p>
@@ -15065,7 +14841,7 @@
 </p:sld>
 </file>
 
-<file path=ppt/slides/slide16.xml><?xml version="1.0" encoding="utf-8"?>
+<file path=ppt/slides/slide15.xml><?xml version="1.0" encoding="utf-8"?>
 <p:sld xmlns:a="http://schemas.openxmlformats.org/drawingml/2006/main" xmlns:r="http://schemas.openxmlformats.org/officeDocument/2006/relationships" xmlns:p="http://schemas.openxmlformats.org/presentationml/2006/main">
   <p:cSld>
     <p:spTree>
@@ -15206,7 +14982,7 @@
 </p:sld>
 </file>
 
-<file path=ppt/slides/slide17.xml><?xml version="1.0" encoding="utf-8"?>
+<file path=ppt/slides/slide16.xml><?xml version="1.0" encoding="utf-8"?>
 <p:sld xmlns:a="http://schemas.openxmlformats.org/drawingml/2006/main" xmlns:r="http://schemas.openxmlformats.org/officeDocument/2006/relationships" xmlns:p="http://schemas.openxmlformats.org/presentationml/2006/main">
   <p:cSld>
     <p:spTree>
@@ -15231,7 +15007,7 @@
           </p:cNvGraphicFramePr>
           <p:nvPr>
             <p:custDataLst>
-              <p:tags r:id="rId1"/>
+              <p:tags r:id="rId2"/>
             </p:custDataLst>
           </p:nvPr>
         </p:nvGraphicFramePr>
@@ -15243,12 +15019,12 @@
           <a:graphicData uri="http://schemas.openxmlformats.org/presentationml/2006/ole">
             <mc:AlternateContent xmlns:mc="http://schemas.openxmlformats.org/markup-compatibility/2006">
               <mc:Choice xmlns:v="urn:schemas-microsoft-com:vml" Requires="v">
-                <p:oleObj name="think-cell Folie" r:id="rId4" imgW="360" imgH="360" progId="TCLayout.ActiveDocument.1">
+                <p:oleObj spid="_x0000_s9223" name="think-cell Folie" r:id="rId5" imgW="360" imgH="360" progId="TCLayout.ActiveDocument.1">
                   <p:embed/>
                 </p:oleObj>
               </mc:Choice>
               <mc:Fallback>
-                <p:oleObj name="think-cell Folie" r:id="rId4" imgW="360" imgH="360" progId="TCLayout.ActiveDocument.1">
+                <p:oleObj name="think-cell Folie" r:id="rId5" imgW="360" imgH="360" progId="TCLayout.ActiveDocument.1">
                   <p:embed/>
                   <p:pic>
                     <p:nvPicPr>
@@ -15259,7 +15035,7 @@
                       <p:nvPr/>
                     </p:nvPicPr>
                     <p:blipFill>
-                      <a:blip r:embed="rId5">
+                      <a:blip r:embed="rId6">
                         <a:extLst>
                           <a:ext uri="{28A0092B-C50C-407E-A947-70E740481C1C}">
                             <a14:useLocalDpi xmlns:a14="http://schemas.microsoft.com/office/drawing/2010/main" val="0"/>
@@ -15458,7 +15234,25 @@
           <a:p>
             <a:r>
               <a:rPr lang="de-DE" dirty="0"/>
-              <a:t>Modulare Energieverteilung im Bordnetz</a:t>
+              <a:t>Verteiltes Rechnen</a:t>
+            </a:r>
+          </a:p>
+          <a:p>
+            <a:r>
+              <a:rPr lang="de-DE" dirty="0"/>
+              <a:t>Softwarearchitektur</a:t>
+            </a:r>
+          </a:p>
+          <a:p>
+            <a:r>
+              <a:rPr lang="de-DE" dirty="0"/>
+              <a:t>Plattform für verteiltes Rechnen</a:t>
+            </a:r>
+          </a:p>
+          <a:p>
+            <a:r>
+              <a:rPr lang="de-DE" dirty="0"/>
+              <a:t>Geplante Ziele</a:t>
             </a:r>
           </a:p>
           <a:p>
@@ -15574,7 +15368,7 @@
 </p:sld>
 </file>
 
-<file path=ppt/slides/slide18.xml><?xml version="1.0" encoding="utf-8"?>
+<file path=ppt/slides/slide17.xml><?xml version="1.0" encoding="utf-8"?>
 <p:sld xmlns:a="http://schemas.openxmlformats.org/drawingml/2006/main" xmlns:r="http://schemas.openxmlformats.org/officeDocument/2006/relationships" xmlns:p="http://schemas.openxmlformats.org/presentationml/2006/main">
   <p:cSld>
     <p:spTree>
@@ -15591,6 +15385,36 @@
           <a:chExt cx="0" cy="0"/>
         </a:xfrm>
       </p:grpSpPr>
+      <p:pic>
+        <p:nvPicPr>
+          <p:cNvPr id="4" name="Grafik 3"/>
+          <p:cNvPicPr>
+            <a:picLocks noChangeAspect="1"/>
+          </p:cNvPicPr>
+          <p:nvPr/>
+        </p:nvPicPr>
+        <p:blipFill>
+          <a:blip r:embed="rId2" cstate="print">
+            <a:extLst>
+              <a:ext uri="{28A0092B-C50C-407E-A947-70E740481C1C}">
+                <a14:useLocalDpi xmlns:a14="http://schemas.microsoft.com/office/drawing/2010/main" val="0"/>
+              </a:ext>
+            </a:extLst>
+          </a:blip>
+          <a:stretch>
+            <a:fillRect/>
+          </a:stretch>
+        </p:blipFill>
+        <p:spPr>
+          <a:xfrm>
+            <a:off x="6168008" y="1988840"/>
+            <a:ext cx="5430252" cy="3600400"/>
+          </a:xfrm>
+          <a:prstGeom prst="rect">
+            <a:avLst/>
+          </a:prstGeom>
+        </p:spPr>
+      </p:pic>
       <p:sp>
         <p:nvSpPr>
           <p:cNvPr id="2" name="Titel 1">
@@ -15636,25 +15460,127 @@
             <p:ph idx="1"/>
           </p:nvPr>
         </p:nvSpPr>
-        <p:spPr/>
+        <p:spPr>
+          <a:xfrm>
+            <a:off x="551384" y="1321975"/>
+            <a:ext cx="6553289" cy="4934129"/>
+          </a:xfrm>
+        </p:spPr>
         <p:txBody>
           <a:bodyPr/>
           <a:lstStyle/>
           <a:p>
-            <a:r>
-              <a:rPr lang="de-DE" dirty="0"/>
-              <a:t>Möglichkeit über Ford Alliance inhaltliche Schnittpunkte zu finden</a:t>
-            </a:r>
+            <a:pPr marL="0" indent="0">
+              <a:buNone/>
+            </a:pPr>
+            <a:r>
+              <a:rPr lang="de-DE" b="1" dirty="0" err="1" smtClean="0"/>
+              <a:t>AUTOtech.agil</a:t>
+            </a:r>
+            <a:endParaRPr lang="de-DE" b="1" dirty="0"/>
           </a:p>
           <a:p>
             <a:endParaRPr lang="de-DE" dirty="0"/>
           </a:p>
           <a:p>
-            <a:r>
-              <a:rPr lang="de-DE" dirty="0"/>
-              <a:t>Möglichkeit im Rahmen andere Bordnetzprojekte mitfinanziert zu werden</a:t>
+            <a:pPr marL="0" indent="0">
+              <a:buNone/>
+            </a:pPr>
+            <a:r>
+              <a:rPr lang="de-DE" dirty="0" smtClean="0"/>
+              <a:t>AP 2.1.7 Plattformkomponente zur Nutzung von Fahrzeugrechner-</a:t>
+            </a:r>
+            <a:r>
+              <a:rPr lang="de-DE" dirty="0" smtClean="0"/>
+              <a:t>Ressourcen für internes und externes verteiltes Rechnen:</a:t>
+            </a:r>
+          </a:p>
+          <a:p>
+            <a:pPr marL="0" indent="0">
+              <a:buNone/>
+            </a:pPr>
+            <a:endParaRPr lang="de-DE" dirty="0"/>
+          </a:p>
+          <a:p>
+            <a:r>
+              <a:rPr lang="de-DE" dirty="0" smtClean="0"/>
+              <a:t>Konzeptentwurf für Rechenressourcennutzung auf Fahrzeugen sowie in der Cloud</a:t>
+            </a:r>
+          </a:p>
+          <a:p>
+            <a:pPr marL="0" indent="0">
+              <a:buNone/>
+            </a:pPr>
+            <a:endParaRPr lang="de-DE" dirty="0" smtClean="0"/>
+          </a:p>
+          <a:p>
+            <a:r>
+              <a:rPr lang="de-DE" dirty="0" smtClean="0"/>
+              <a:t>Implementierung von Applikationen, welche Rechenressourcennutzung ermöglichen</a:t>
+            </a:r>
+          </a:p>
+          <a:p>
+            <a:pPr marL="0" indent="0">
+              <a:buNone/>
+            </a:pPr>
+            <a:endParaRPr lang="de-DE" dirty="0" smtClean="0"/>
+          </a:p>
+          <a:p>
+            <a:r>
+              <a:rPr lang="de-DE" dirty="0" smtClean="0"/>
+              <a:t>Erarbeitung von Sicherheitsmaßnahmen</a:t>
             </a:r>
             <a:endParaRPr lang="LID4096" dirty="0"/>
+          </a:p>
+        </p:txBody>
+      </p:sp>
+      <p:sp>
+        <p:nvSpPr>
+          <p:cNvPr id="6" name="Rechteck 5"/>
+          <p:cNvSpPr/>
+          <p:nvPr/>
+        </p:nvSpPr>
+        <p:spPr>
+          <a:xfrm>
+            <a:off x="334799" y="1052736"/>
+            <a:ext cx="11601455" cy="5544616"/>
+          </a:xfrm>
+          <a:prstGeom prst="rect">
+            <a:avLst/>
+          </a:prstGeom>
+          <a:noFill/>
+          <a:ln w="12700">
+            <a:solidFill>
+              <a:schemeClr val="tx1"/>
+            </a:solidFill>
+          </a:ln>
+        </p:spPr>
+        <p:style>
+          <a:lnRef idx="2">
+            <a:schemeClr val="accent1">
+              <a:shade val="50000"/>
+            </a:schemeClr>
+          </a:lnRef>
+          <a:fillRef idx="1">
+            <a:schemeClr val="accent1"/>
+          </a:fillRef>
+          <a:effectRef idx="0">
+            <a:schemeClr val="accent1"/>
+          </a:effectRef>
+          <a:fontRef idx="minor">
+            <a:schemeClr val="lt1"/>
+          </a:fontRef>
+        </p:style>
+        <p:txBody>
+          <a:bodyPr rtlCol="0" anchor="ctr"/>
+          <a:lstStyle/>
+          <a:p>
+            <a:pPr algn="ctr"/>
+            <a:endParaRPr lang="de-DE" dirty="0" err="1">
+              <a:solidFill>
+                <a:schemeClr val="tx1"/>
+              </a:solidFill>
+            </a:endParaRPr>
           </a:p>
         </p:txBody>
       </p:sp>
@@ -15671,7 +15597,7 @@
 </p:sld>
 </file>
 
-<file path=ppt/slides/slide19.xml><?xml version="1.0" encoding="utf-8"?>
+<file path=ppt/slides/slide18.xml><?xml version="1.0" encoding="utf-8"?>
 <p:sld xmlns:a="http://schemas.openxmlformats.org/drawingml/2006/main" xmlns:r="http://schemas.openxmlformats.org/officeDocument/2006/relationships" xmlns:p="http://schemas.openxmlformats.org/presentationml/2006/main">
   <p:cSld>
     <p:spTree>
@@ -15793,7 +15719,7 @@
           </p:cNvGraphicFramePr>
           <p:nvPr>
             <p:custDataLst>
-              <p:tags r:id="rId1"/>
+              <p:tags r:id="rId2"/>
             </p:custDataLst>
           </p:nvPr>
         </p:nvGraphicFramePr>
@@ -15805,12 +15731,12 @@
           <a:graphicData uri="http://schemas.openxmlformats.org/presentationml/2006/ole">
             <mc:AlternateContent xmlns:mc="http://schemas.openxmlformats.org/markup-compatibility/2006">
               <mc:Choice xmlns:v="urn:schemas-microsoft-com:vml" Requires="v">
-                <p:oleObj name="think-cell Folie" r:id="rId4" imgW="360" imgH="360" progId="TCLayout.ActiveDocument.1">
+                <p:oleObj spid="_x0000_s5127" name="think-cell Folie" r:id="rId5" imgW="360" imgH="360" progId="TCLayout.ActiveDocument.1">
                   <p:embed/>
                 </p:oleObj>
               </mc:Choice>
               <mc:Fallback>
-                <p:oleObj name="think-cell Folie" r:id="rId4" imgW="360" imgH="360" progId="TCLayout.ActiveDocument.1">
+                <p:oleObj name="think-cell Folie" r:id="rId5" imgW="360" imgH="360" progId="TCLayout.ActiveDocument.1">
                   <p:embed/>
                   <p:pic>
                     <p:nvPicPr>
@@ -15821,7 +15747,7 @@
                       <p:nvPr/>
                     </p:nvPicPr>
                     <p:blipFill>
-                      <a:blip r:embed="rId5">
+                      <a:blip r:embed="rId6">
                         <a:extLst>
                           <a:ext uri="{28A0092B-C50C-407E-A947-70E740481C1C}">
                             <a14:useLocalDpi xmlns:a14="http://schemas.microsoft.com/office/drawing/2010/main" val="0"/>
@@ -16020,7 +15946,25 @@
           <a:p>
             <a:r>
               <a:rPr lang="de-DE" dirty="0"/>
-              <a:t>Modulare Energieverteilung im Bordnetz</a:t>
+              <a:t>Verteiltes Rechnen</a:t>
+            </a:r>
+          </a:p>
+          <a:p>
+            <a:r>
+              <a:rPr lang="de-DE" dirty="0"/>
+              <a:t>Softwarearchitektur</a:t>
+            </a:r>
+          </a:p>
+          <a:p>
+            <a:r>
+              <a:rPr lang="de-DE" dirty="0"/>
+              <a:t>Plattform für verteiltes Rechnen</a:t>
+            </a:r>
+          </a:p>
+          <a:p>
+            <a:r>
+              <a:rPr lang="de-DE" dirty="0"/>
+              <a:t>Geplante Ziele</a:t>
             </a:r>
           </a:p>
           <a:p>
@@ -16034,6 +15978,7 @@
               <a:rPr lang="de-DE" dirty="0"/>
               <a:t>Finanzierung</a:t>
             </a:r>
+            <a:endParaRPr lang="de-DE" dirty="0"/>
           </a:p>
         </p:txBody>
       </p:sp>
@@ -16595,7 +16540,7 @@
           </p:cNvGraphicFramePr>
           <p:nvPr>
             <p:custDataLst>
-              <p:tags r:id="rId1"/>
+              <p:tags r:id="rId2"/>
             </p:custDataLst>
           </p:nvPr>
         </p:nvGraphicFramePr>
@@ -16607,12 +16552,12 @@
           <a:graphicData uri="http://schemas.openxmlformats.org/presentationml/2006/ole">
             <mc:AlternateContent xmlns:mc="http://schemas.openxmlformats.org/markup-compatibility/2006">
               <mc:Choice xmlns:v="urn:schemas-microsoft-com:vml" Requires="v">
-                <p:oleObj name="think-cell Folie" r:id="rId4" imgW="360" imgH="360" progId="TCLayout.ActiveDocument.1">
+                <p:oleObj spid="_x0000_s6151" name="think-cell Folie" r:id="rId5" imgW="360" imgH="360" progId="TCLayout.ActiveDocument.1">
                   <p:embed/>
                 </p:oleObj>
               </mc:Choice>
               <mc:Fallback>
-                <p:oleObj name="think-cell Folie" r:id="rId4" imgW="360" imgH="360" progId="TCLayout.ActiveDocument.1">
+                <p:oleObj name="think-cell Folie" r:id="rId5" imgW="360" imgH="360" progId="TCLayout.ActiveDocument.1">
                   <p:embed/>
                   <p:pic>
                     <p:nvPicPr>
@@ -16623,7 +16568,7 @@
                       <p:nvPr/>
                     </p:nvPicPr>
                     <p:blipFill>
-                      <a:blip r:embed="rId5">
+                      <a:blip r:embed="rId6">
                         <a:extLst>
                           <a:ext uri="{28A0092B-C50C-407E-A947-70E740481C1C}">
                             <a14:useLocalDpi xmlns:a14="http://schemas.microsoft.com/office/drawing/2010/main" val="0"/>
@@ -16822,7 +16767,25 @@
           <a:p>
             <a:r>
               <a:rPr lang="de-DE" dirty="0"/>
-              <a:t>Modulare Energieverteilung im Bordnetz</a:t>
+              <a:t>Verteiltes Rechnen</a:t>
+            </a:r>
+          </a:p>
+          <a:p>
+            <a:r>
+              <a:rPr lang="de-DE" dirty="0"/>
+              <a:t>Softwarearchitektur</a:t>
+            </a:r>
+          </a:p>
+          <a:p>
+            <a:r>
+              <a:rPr lang="de-DE" dirty="0"/>
+              <a:t>Plattform für verteiltes Rechnen</a:t>
+            </a:r>
+          </a:p>
+          <a:p>
+            <a:r>
+              <a:rPr lang="de-DE" dirty="0"/>
+              <a:t>Geplante Ziele</a:t>
             </a:r>
           </a:p>
           <a:p>
@@ -17313,7 +17276,7 @@
           </p:cNvGraphicFramePr>
           <p:nvPr>
             <p:custDataLst>
-              <p:tags r:id="rId1"/>
+              <p:tags r:id="rId2"/>
             </p:custDataLst>
           </p:nvPr>
         </p:nvGraphicFramePr>
@@ -17325,12 +17288,12 @@
           <a:graphicData uri="http://schemas.openxmlformats.org/presentationml/2006/ole">
             <mc:AlternateContent xmlns:mc="http://schemas.openxmlformats.org/markup-compatibility/2006">
               <mc:Choice xmlns:v="urn:schemas-microsoft-com:vml" Requires="v">
-                <p:oleObj name="think-cell Folie" r:id="rId4" imgW="360" imgH="360" progId="TCLayout.ActiveDocument.1">
+                <p:oleObj spid="_x0000_s7175" name="think-cell Folie" r:id="rId5" imgW="360" imgH="360" progId="TCLayout.ActiveDocument.1">
                   <p:embed/>
                 </p:oleObj>
               </mc:Choice>
               <mc:Fallback>
-                <p:oleObj name="think-cell Folie" r:id="rId4" imgW="360" imgH="360" progId="TCLayout.ActiveDocument.1">
+                <p:oleObj name="think-cell Folie" r:id="rId5" imgW="360" imgH="360" progId="TCLayout.ActiveDocument.1">
                   <p:embed/>
                   <p:pic>
                     <p:nvPicPr>
@@ -17341,7 +17304,7 @@
                       <p:nvPr/>
                     </p:nvPicPr>
                     <p:blipFill>
-                      <a:blip r:embed="rId5">
+                      <a:blip r:embed="rId6">
                         <a:extLst>
                           <a:ext uri="{28A0092B-C50C-407E-A947-70E740481C1C}">
                             <a14:useLocalDpi xmlns:a14="http://schemas.microsoft.com/office/drawing/2010/main" val="0"/>
@@ -17539,8 +17502,35 @@
           </a:p>
           <a:p>
             <a:r>
+              <a:rPr lang="de-DE" dirty="0" smtClean="0"/>
+              <a:t>Verteiltes Rechnen</a:t>
+            </a:r>
+            <a:endParaRPr lang="de-DE" dirty="0"/>
+          </a:p>
+          <a:p>
+            <a:r>
+              <a:rPr lang="de-DE" dirty="0" smtClean="0"/>
+              <a:t>Softwarearchitektur</a:t>
+            </a:r>
+          </a:p>
+          <a:p>
+            <a:r>
               <a:rPr lang="de-DE" dirty="0"/>
-              <a:t>Modulare Energieverteilung im Bordnetz</a:t>
+              <a:t>Plattform für verteiltes </a:t>
+            </a:r>
+            <a:r>
+              <a:rPr lang="de-DE" dirty="0" smtClean="0"/>
+              <a:t>Rechnen</a:t>
+            </a:r>
+          </a:p>
+          <a:p>
+            <a:r>
+              <a:rPr lang="de-DE" dirty="0"/>
+              <a:t>Geplante </a:t>
+            </a:r>
+            <a:r>
+              <a:rPr lang="de-DE" dirty="0" smtClean="0"/>
+              <a:t>Ziele</a:t>
             </a:r>
           </a:p>
           <a:p>
@@ -17548,12 +17538,14 @@
               <a:rPr lang="de-DE" dirty="0"/>
               <a:t>Arbeitsfortschritt und nächste Schritte</a:t>
             </a:r>
-          </a:p>
-          <a:p>
-            <a:r>
-              <a:rPr lang="de-DE" dirty="0"/>
+            <a:endParaRPr lang="de-DE" dirty="0" smtClean="0"/>
+          </a:p>
+          <a:p>
+            <a:r>
+              <a:rPr lang="de-DE" dirty="0" smtClean="0"/>
               <a:t>Finanzierung</a:t>
             </a:r>
+            <a:endParaRPr lang="de-DE" dirty="0"/>
           </a:p>
           <a:p>
             <a:endParaRPr lang="en-GB" dirty="0"/>
@@ -17688,6 +17680,10 @@
           <a:bodyPr/>
           <a:lstStyle/>
           <a:p>
+            <a:r>
+              <a:rPr lang="de-DE" dirty="0" smtClean="0"/>
+              <a:t>Verteiltes Rechnen</a:t>
+            </a:r>
             <a:endParaRPr lang="de-DE" dirty="0"/>
           </a:p>
         </p:txBody>
@@ -18155,6 +18151,10 @@
           <a:bodyPr/>
           <a:lstStyle/>
           <a:p>
+            <a:r>
+              <a:rPr lang="de-DE" dirty="0"/>
+              <a:t>Verteiltes Rechnen</a:t>
+            </a:r>
             <a:endParaRPr lang="de-DE" dirty="0"/>
           </a:p>
         </p:txBody>
@@ -19214,6 +19214,10 @@
           <a:bodyPr/>
           <a:lstStyle/>
           <a:p>
+            <a:r>
+              <a:rPr lang="de-DE" dirty="0"/>
+              <a:t>Verteiltes Rechnen</a:t>
+            </a:r>
             <a:endParaRPr lang="de-DE" dirty="0"/>
           </a:p>
         </p:txBody>

--- a/Vortrag/Themenstellung.pptx
+++ b/Vortrag/Themenstellung.pptx
@@ -3196,7 +3196,7 @@
           <a:graphicData uri="http://schemas.openxmlformats.org/presentationml/2006/ole">
             <mc:AlternateContent xmlns:mc="http://schemas.openxmlformats.org/markup-compatibility/2006">
               <mc:Choice xmlns:v="urn:schemas-microsoft-com:vml" Requires="v">
-                <p:oleObj spid="_x0000_s1039" name="think-cell Folie" r:id="rId10" imgW="360" imgH="360" progId="">
+                <p:oleObj spid="_x0000_s1040" name="think-cell Folie" r:id="rId10" imgW="360" imgH="360" progId="">
                   <p:embed/>
                 </p:oleObj>
               </mc:Choice>
@@ -3615,13 +3615,6 @@
               </a:rPr>
               <a:t>30.11.2022</a:t>
             </a:r>
-            <a:endParaRPr lang="en-US" sz="900" dirty="0" smtClean="0">
-              <a:solidFill>
-                <a:schemeClr val="bg2"/>
-              </a:solidFill>
-              <a:latin typeface="Arial" pitchFamily="34" charset="0"/>
-              <a:cs typeface="Arial" pitchFamily="34" charset="0"/>
-            </a:endParaRPr>
           </a:p>
         </p:txBody>
       </p:sp>
@@ -5963,11 +5956,7 @@
                 </a:pPr>
                 <a:r>
                   <a:rPr lang="de-DE" sz="1000" dirty="0" smtClean="0"/>
-                  <a:t>Eingangsdaten für die Applikation bereitstellen, Ausgangsdaten </a:t>
-                </a:r>
-                <a:r>
-                  <a:rPr lang="de-DE" sz="1000" dirty="0" smtClean="0"/>
-                  <a:t>empfangen</a:t>
+                  <a:t>Eingangsdaten für die Applikation bereitstellen, Ausgangsdaten empfangen</a:t>
                 </a:r>
                 <a:endParaRPr lang="de-DE" sz="1000" dirty="0"/>
               </a:p>
@@ -7563,7 +7552,6 @@
               <a:rPr lang="de-DE" dirty="0"/>
               <a:t>Softwarestruktur und Plattform</a:t>
             </a:r>
-            <a:endParaRPr lang="de-DE" dirty="0"/>
           </a:p>
         </p:txBody>
       </p:sp>
@@ -7647,7 +7635,6 @@
               <a:rPr lang="de-DE" sz="1600" dirty="0" smtClean="0"/>
               <a:t>:</a:t>
             </a:r>
-            <a:endParaRPr lang="de-DE" sz="1600" dirty="0" smtClean="0"/>
           </a:p>
           <a:p>
             <a:pPr marL="285750" indent="-285750">
@@ -7656,11 +7643,7 @@
             </a:pPr>
             <a:r>
               <a:rPr lang="de-DE" sz="1600" dirty="0" smtClean="0"/>
-              <a:t>Bei geeigneter Absicherung kann jeder öffentlich </a:t>
-            </a:r>
-            <a:r>
-              <a:rPr lang="de-DE" sz="1600" dirty="0" smtClean="0"/>
-              <a:t>zugreifen</a:t>
+              <a:t>Bei geeigneter Absicherung kann jeder öffentlich zugreifen</a:t>
             </a:r>
             <a:endParaRPr lang="de-DE" sz="1600" dirty="0"/>
           </a:p>
@@ -7714,7 +7697,6 @@
               <a:rPr lang="de-DE" sz="1600" dirty="0" smtClean="0"/>
               <a:t>Unautorisierte Zugänge sperren</a:t>
             </a:r>
-            <a:endParaRPr lang="de-DE" sz="1600" dirty="0" smtClean="0"/>
           </a:p>
           <a:p>
             <a:pPr marL="285750" indent="-285750">
@@ -7728,7 +7710,6 @@
               <a:rPr lang="de-DE" sz="1600" b="1" dirty="0" smtClean="0"/>
               <a:t>Umsetzung Plattform:</a:t>
             </a:r>
-            <a:endParaRPr lang="de-DE" sz="1600" b="1" dirty="0" smtClean="0"/>
           </a:p>
           <a:p>
             <a:pPr marL="285750" indent="-285750">
@@ -7755,13 +7736,8 @@
             </a:r>
             <a:r>
               <a:rPr lang="de-DE" sz="1600" dirty="0" smtClean="0"/>
-              <a:t>ngebot mit benötigter Rechenleistung und </a:t>
-            </a:r>
-            <a:r>
-              <a:rPr lang="de-DE" sz="1600" dirty="0" smtClean="0"/>
-              <a:t>Vergütung</a:t>
-            </a:r>
-            <a:endParaRPr lang="de-DE" sz="1600" dirty="0" smtClean="0"/>
+              <a:t>ngebot mit benötigter Rechenleistung und Vergütung</a:t>
+            </a:r>
           </a:p>
           <a:p>
             <a:pPr marL="742950" lvl="1" indent="-285750">
@@ -7790,15 +7766,7 @@
             </a:pPr>
             <a:r>
               <a:rPr lang="de-DE" sz="1600" dirty="0" smtClean="0"/>
-              <a:t>Auszahlung </a:t>
-            </a:r>
-            <a:r>
-              <a:rPr lang="de-DE" sz="1600" dirty="0" smtClean="0"/>
-              <a:t>zentral </a:t>
-            </a:r>
-            <a:r>
-              <a:rPr lang="de-DE" sz="1600" dirty="0" smtClean="0"/>
-              <a:t>über Finanzdienstleister oder dezentral über </a:t>
+              <a:t>Auszahlung zentral über Finanzdienstleister oder dezentral über </a:t>
             </a:r>
             <a:r>
               <a:rPr lang="de-DE" sz="1600" dirty="0" err="1" smtClean="0"/>
@@ -8357,7 +8325,6 @@
               <a:rPr lang="de-DE" dirty="0"/>
               <a:t>Softwarestruktur und Plattform</a:t>
             </a:r>
-            <a:endParaRPr lang="de-DE" dirty="0"/>
           </a:p>
           <a:p>
             <a:r>
@@ -8607,7 +8574,6 @@
               <a:rPr lang="de-DE" dirty="0" smtClean="0"/>
               <a:t>Netzwerk- und Softwarearchitektur erarbeiten</a:t>
             </a:r>
-            <a:endParaRPr lang="de-DE" dirty="0" smtClean="0"/>
           </a:p>
           <a:p>
             <a:pPr marL="285750" indent="-285750">
@@ -10211,7 +10177,6 @@
               <a:rPr lang="de-DE" dirty="0"/>
               <a:t>Softwarestruktur und Plattform</a:t>
             </a:r>
-            <a:endParaRPr lang="de-DE" dirty="0"/>
           </a:p>
           <a:p>
             <a:r>
@@ -11377,11 +11342,6 @@
                 </a:rPr>
                 <a:t>Orientierung</a:t>
               </a:r>
-              <a:endParaRPr lang="de-DE" sz="800" dirty="0" smtClean="0">
-                <a:solidFill>
-                  <a:schemeClr val="bg1"/>
-                </a:solidFill>
-              </a:endParaRPr>
             </a:p>
           </p:txBody>
         </p:sp>
@@ -12178,7 +12138,6 @@
               <a:rPr lang="de-DE" dirty="0"/>
               <a:t>Softwarestruktur und Plattform</a:t>
             </a:r>
-            <a:endParaRPr lang="de-DE" dirty="0"/>
           </a:p>
           <a:p>
             <a:r>
@@ -12672,7 +12631,7 @@
           <a:graphicData uri="http://schemas.openxmlformats.org/presentationml/2006/ole">
             <mc:AlternateContent xmlns:mc="http://schemas.openxmlformats.org/markup-compatibility/2006">
               <mc:Choice xmlns:v="urn:schemas-microsoft-com:vml" Requires="v">
-                <p:oleObj spid="_x0000_s2063" name="think-cell Folie" r:id="rId4" imgW="360" imgH="360" progId="">
+                <p:oleObj spid="_x0000_s2064" name="think-cell Folie" r:id="rId4" imgW="360" imgH="360" progId="">
                   <p:embed/>
                 </p:oleObj>
               </mc:Choice>
@@ -12926,7 +12885,6 @@
               <a:rPr lang="de-DE" dirty="0"/>
               <a:t>Softwarestruktur und Plattform</a:t>
             </a:r>
-            <a:endParaRPr lang="de-DE" dirty="0"/>
           </a:p>
           <a:p>
             <a:r>
@@ -14433,11 +14391,7 @@
           <a:p>
             <a:r>
               <a:rPr lang="de-DE" dirty="0" smtClean="0"/>
-              <a:t>Geplante </a:t>
-            </a:r>
-            <a:r>
-              <a:rPr lang="de-DE" dirty="0" smtClean="0"/>
-              <a:t>Ziele</a:t>
+              <a:t>Geplante Ziele</a:t>
             </a:r>
           </a:p>
           <a:p>

--- a/Vortrag/Themenstellung.pptx
+++ b/Vortrag/Themenstellung.pptx
@@ -362,6 +362,11 @@
         </p:txBody>
       </p:sp>
     </p:spTree>
+    <p:extLst>
+      <p:ext uri="{BB962C8B-B14F-4D97-AF65-F5344CB8AC3E}">
+        <p14:creationId xmlns:p14="http://schemas.microsoft.com/office/powerpoint/2010/main" val="1"/>
+      </p:ext>
+    </p:extLst>
   </p:cSld>
   <p:clrMap bg1="lt1" tx1="dk1" bg2="lt2" tx2="dk2" accent1="accent1" accent2="accent2" accent3="accent3" accent4="accent4" accent5="accent5" accent6="accent6" hlink="hlink" folHlink="folHlink"/>
 </p:handoutMaster>
@@ -516,38 +521,37 @@
           <a:p>
             <a:pPr lvl="0"/>
             <a:r>
-              <a:rPr lang="de-DE" smtClean="0"/>
+              <a:rPr lang="de-DE"/>
               <a:t>Textmasterformate durch Klicken bearbeiten</a:t>
             </a:r>
           </a:p>
           <a:p>
             <a:pPr lvl="1"/>
             <a:r>
-              <a:rPr lang="de-DE" smtClean="0"/>
+              <a:rPr lang="de-DE"/>
               <a:t>Zweite Ebene</a:t>
             </a:r>
           </a:p>
           <a:p>
             <a:pPr lvl="2"/>
             <a:r>
-              <a:rPr lang="de-DE" smtClean="0"/>
+              <a:rPr lang="de-DE"/>
               <a:t>Dritte Ebene</a:t>
             </a:r>
           </a:p>
           <a:p>
             <a:pPr lvl="3"/>
             <a:r>
-              <a:rPr lang="de-DE" smtClean="0"/>
+              <a:rPr lang="de-DE"/>
               <a:t>Vierte Ebene</a:t>
             </a:r>
           </a:p>
           <a:p>
             <a:pPr lvl="4"/>
             <a:r>
-              <a:rPr lang="de-DE" smtClean="0"/>
+              <a:rPr lang="de-DE"/>
               <a:t>Fünfte Ebene</a:t>
             </a:r>
-            <a:endParaRPr lang="de-DE"/>
           </a:p>
         </p:txBody>
       </p:sp>
@@ -795,15 +799,15 @@
               <a:defRPr/>
             </a:pPr>
             <a:r>
-              <a:rPr lang="de-DE" dirty="0" smtClean="0"/>
+              <a:rPr lang="de-DE" dirty="0"/>
               <a:t>Ort, </a:t>
             </a:r>
             <a:r>
-              <a:rPr lang="de-DE" dirty="0" err="1" smtClean="0"/>
+              <a:rPr lang="de-DE" dirty="0" err="1"/>
               <a:t>xy</a:t>
             </a:r>
             <a:r>
-              <a:rPr lang="de-DE" dirty="0" smtClean="0"/>
+              <a:rPr lang="de-DE" dirty="0"/>
               <a:t>. Monat 201x</a:t>
             </a:r>
           </a:p>
@@ -842,10 +846,9 @@
           <a:p>
             <a:pPr lvl="0"/>
             <a:r>
-              <a:rPr lang="de-DE" dirty="0" smtClean="0"/>
+              <a:rPr lang="de-DE" dirty="0"/>
               <a:t>Dr.-Ing. / Dipl.-Ing. Vorname Nachname</a:t>
             </a:r>
-            <a:endParaRPr lang="de-DE" dirty="0"/>
           </a:p>
         </p:txBody>
       </p:sp>
@@ -891,24 +894,23 @@
           <a:p>
             <a:pPr lvl="0"/>
             <a:r>
-              <a:rPr lang="de-DE" dirty="0" smtClean="0"/>
+              <a:rPr lang="de-DE" dirty="0"/>
               <a:t>Name des Vortrags</a:t>
             </a:r>
           </a:p>
           <a:p>
             <a:pPr lvl="0"/>
             <a:r>
-              <a:rPr lang="de-DE" dirty="0" smtClean="0"/>
+              <a:rPr lang="de-DE" dirty="0"/>
               <a:t>(Vortragstitel, Arial 20pt Fett</a:t>
             </a:r>
           </a:p>
           <a:p>
             <a:pPr lvl="0"/>
             <a:r>
-              <a:rPr lang="de-DE" dirty="0" smtClean="0"/>
+              <a:rPr lang="de-DE" dirty="0"/>
               <a:t>max. 3-Zeiler)</a:t>
             </a:r>
-            <a:endParaRPr lang="de-DE" dirty="0"/>
           </a:p>
         </p:txBody>
       </p:sp>
@@ -942,24 +944,23 @@
           </a:lstStyle>
           <a:p>
             <a:r>
-              <a:rPr lang="de-DE" dirty="0" smtClean="0"/>
+              <a:rPr lang="de-DE" dirty="0"/>
               <a:t>Veranstaltung</a:t>
             </a:r>
             <a:br>
-              <a:rPr lang="de-DE" dirty="0" smtClean="0"/>
+              <a:rPr lang="de-DE" dirty="0"/>
             </a:br>
             <a:r>
-              <a:rPr lang="de-DE" dirty="0" smtClean="0"/>
+              <a:rPr lang="de-DE" dirty="0"/>
               <a:t>(Veranstaltungstitel, Arial 20pt Fett</a:t>
             </a:r>
             <a:br>
-              <a:rPr lang="de-DE" dirty="0" smtClean="0"/>
+              <a:rPr lang="de-DE" dirty="0"/>
             </a:br>
             <a:r>
-              <a:rPr lang="de-DE" dirty="0" smtClean="0"/>
+              <a:rPr lang="de-DE" dirty="0"/>
               <a:t>max. 3-Zeiler)</a:t>
             </a:r>
-            <a:endParaRPr lang="de-DE" dirty="0"/>
           </a:p>
         </p:txBody>
       </p:sp>
@@ -997,56 +998,52 @@
           </a:lstStyle>
           <a:p>
             <a:r>
-              <a:rPr lang="de-DE" dirty="0" smtClean="0">
+              <a:rPr lang="de-DE" dirty="0">
                 <a:latin typeface="Arial" pitchFamily="34" charset="0"/>
                 <a:cs typeface="Arial" pitchFamily="34" charset="0"/>
               </a:rPr>
               <a:t>Textplatzhalter dem Design entsprechend füllen:</a:t>
             </a:r>
             <a:br>
-              <a:rPr lang="de-DE" dirty="0" smtClean="0">
+              <a:rPr lang="de-DE" dirty="0">
                 <a:latin typeface="Arial" pitchFamily="34" charset="0"/>
                 <a:cs typeface="Arial" pitchFamily="34" charset="0"/>
               </a:rPr>
             </a:br>
             <a:r>
-              <a:rPr lang="de-DE" dirty="0" smtClean="0">
+              <a:rPr lang="de-DE" dirty="0">
                 <a:latin typeface="Arial" pitchFamily="34" charset="0"/>
                 <a:cs typeface="Arial" pitchFamily="34" charset="0"/>
               </a:rPr>
               <a:t>Institut für Kraftfahrzeuge bzw. Institute </a:t>
             </a:r>
             <a:r>
-              <a:rPr lang="de-DE" dirty="0" err="1" smtClean="0">
+              <a:rPr lang="de-DE" dirty="0" err="1">
                 <a:latin typeface="Arial" pitchFamily="34" charset="0"/>
                 <a:cs typeface="Arial" pitchFamily="34" charset="0"/>
               </a:rPr>
               <a:t>for</a:t>
             </a:r>
             <a:r>
-              <a:rPr lang="de-DE" dirty="0" smtClean="0">
+              <a:rPr lang="de-DE" dirty="0">
                 <a:latin typeface="Arial" pitchFamily="34" charset="0"/>
                 <a:cs typeface="Arial" pitchFamily="34" charset="0"/>
               </a:rPr>
               <a:t> Automotive Engineering</a:t>
             </a:r>
             <a:br>
-              <a:rPr lang="de-DE" dirty="0" smtClean="0">
+              <a:rPr lang="de-DE" dirty="0">
                 <a:latin typeface="Arial" pitchFamily="34" charset="0"/>
                 <a:cs typeface="Arial" pitchFamily="34" charset="0"/>
               </a:rPr>
             </a:br>
             <a:r>
-              <a:rPr lang="de-DE" dirty="0" smtClean="0">
+              <a:rPr lang="de-DE" dirty="0">
                 <a:latin typeface="Arial" pitchFamily="34" charset="0"/>
                 <a:cs typeface="Arial" pitchFamily="34" charset="0"/>
               </a:rPr>
               <a:t>Forschungsgesellschaft Kraftfahrwesen mbH Aachen</a:t>
             </a:r>
-            <a:endParaRPr lang="de-DE" dirty="0">
-              <a:latin typeface="Arial" pitchFamily="34" charset="0"/>
-              <a:cs typeface="Arial" pitchFamily="34" charset="0"/>
-            </a:endParaRPr>
           </a:p>
         </p:txBody>
       </p:sp>
@@ -1055,13 +1052,6 @@
   <p:clrMapOvr>
     <a:masterClrMapping/>
   </p:clrMapOvr>
-  <p:timing>
-    <p:tnLst>
-      <p:par>
-        <p:cTn id="1" dur="indefinite" restart="never" nodeType="tmRoot"/>
-      </p:par>
-    </p:tnLst>
-  </p:timing>
 </p:sldLayout>
 </file>
 
@@ -1104,7 +1094,7 @@
           <a:lstStyle/>
           <a:p>
             <a:r>
-              <a:rPr lang="en-GB" sz="1800" noProof="0" smtClean="0">
+              <a:rPr lang="en-GB" sz="1800" noProof="0">
                 <a:latin typeface="Arial" pitchFamily="34" charset="0"/>
                 <a:cs typeface="Arial" pitchFamily="34" charset="0"/>
               </a:rPr>
@@ -1113,7 +1103,7 @@
           </a:p>
           <a:p>
             <a:r>
-              <a:rPr lang="en-GB" sz="1800" noProof="0" smtClean="0">
+              <a:rPr lang="en-GB" sz="1800" noProof="0">
                 <a:latin typeface="Arial" pitchFamily="34" charset="0"/>
                 <a:cs typeface="Arial" pitchFamily="34" charset="0"/>
               </a:rPr>
@@ -1121,7 +1111,7 @@
             </a:r>
           </a:p>
           <a:p>
-            <a:endParaRPr lang="en-GB" sz="1800" noProof="0" smtClean="0">
+            <a:endParaRPr lang="en-GB" sz="1800" noProof="0">
               <a:latin typeface="Arial" pitchFamily="34" charset="0"/>
               <a:cs typeface="Arial" pitchFamily="34" charset="0"/>
             </a:endParaRPr>
@@ -1133,43 +1123,39 @@
               </a:tabLst>
             </a:pPr>
             <a:r>
-              <a:rPr lang="en-GB" sz="1800" noProof="0" smtClean="0">
+              <a:rPr lang="en-GB" sz="1800" noProof="0">
                 <a:latin typeface="Arial" pitchFamily="34" charset="0"/>
                 <a:cs typeface="Arial" pitchFamily="34" charset="0"/>
               </a:rPr>
               <a:t>Email</a:t>
             </a:r>
             <a:br>
-              <a:rPr lang="en-GB" sz="1800" noProof="0" smtClean="0">
+              <a:rPr lang="en-GB" sz="1800" noProof="0">
                 <a:latin typeface="Arial" pitchFamily="34" charset="0"/>
                 <a:cs typeface="Arial" pitchFamily="34" charset="0"/>
               </a:rPr>
             </a:br>
             <a:r>
-              <a:rPr lang="en-GB" sz="1800" noProof="0" smtClean="0">
+              <a:rPr lang="en-GB" sz="1800" noProof="0">
                 <a:latin typeface="Arial" pitchFamily="34" charset="0"/>
                 <a:cs typeface="Arial" pitchFamily="34" charset="0"/>
               </a:rPr>
               <a:t>Internet</a:t>
             </a:r>
             <a:r>
-              <a:rPr lang="en-GB" sz="1800" baseline="0" noProof="0" smtClean="0">
+              <a:rPr lang="en-GB" sz="1800" baseline="0" noProof="0">
                 <a:latin typeface="Arial" pitchFamily="34" charset="0"/>
                 <a:cs typeface="Arial" pitchFamily="34" charset="0"/>
               </a:rPr>
               <a:t>	</a:t>
             </a:r>
             <a:r>
-              <a:rPr lang="en-GB" sz="1800" noProof="0" smtClean="0">
+              <a:rPr lang="en-GB" sz="1800" noProof="0">
                 <a:latin typeface="Arial" pitchFamily="34" charset="0"/>
                 <a:cs typeface="Arial" pitchFamily="34" charset="0"/>
               </a:rPr>
               <a:t>www.ika.rwth-aachen.de</a:t>
             </a:r>
-            <a:endParaRPr lang="en-GB" sz="1800" noProof="0">
-              <a:latin typeface="Arial" pitchFamily="34" charset="0"/>
-              <a:cs typeface="Arial" pitchFamily="34" charset="0"/>
-            </a:endParaRPr>
           </a:p>
         </p:txBody>
       </p:sp>
@@ -1195,27 +1181,27 @@
           <a:lstStyle/>
           <a:p>
             <a:r>
-              <a:rPr lang="en-GB" sz="1800" noProof="0" smtClean="0">
+              <a:rPr lang="en-GB" sz="1800" noProof="0">
                 <a:latin typeface="Arial" pitchFamily="34" charset="0"/>
                 <a:cs typeface="Arial" pitchFamily="34" charset="0"/>
               </a:rPr>
               <a:t>Institute for Automotive Engineering</a:t>
             </a:r>
             <a:r>
-              <a:rPr lang="en-GB" sz="1800" baseline="0" noProof="0" smtClean="0">
+              <a:rPr lang="en-GB" sz="1800" baseline="0" noProof="0">
                 <a:latin typeface="Arial" pitchFamily="34" charset="0"/>
                 <a:cs typeface="Arial" pitchFamily="34" charset="0"/>
               </a:rPr>
               <a:t> (ika)</a:t>
             </a:r>
-            <a:endParaRPr lang="en-GB" sz="1800" noProof="0" smtClean="0">
+            <a:endParaRPr lang="en-GB" sz="1800" noProof="0">
               <a:latin typeface="Arial" pitchFamily="34" charset="0"/>
               <a:cs typeface="Arial" pitchFamily="34" charset="0"/>
             </a:endParaRPr>
           </a:p>
           <a:p>
             <a:r>
-              <a:rPr lang="en-GB" sz="1800" noProof="0" smtClean="0">
+              <a:rPr lang="en-GB" sz="1800" noProof="0">
                 <a:latin typeface="Arial" pitchFamily="34" charset="0"/>
                 <a:cs typeface="Arial" pitchFamily="34" charset="0"/>
               </a:rPr>
@@ -1224,7 +1210,7 @@
           </a:p>
           <a:p>
             <a:r>
-              <a:rPr lang="en-GB" sz="1800" noProof="0" smtClean="0">
+              <a:rPr lang="en-GB" sz="1800" noProof="0">
                 <a:latin typeface="Arial" pitchFamily="34" charset="0"/>
                 <a:cs typeface="Arial" pitchFamily="34" charset="0"/>
               </a:rPr>
@@ -1233,7 +1219,7 @@
           </a:p>
           <a:p>
             <a:r>
-              <a:rPr lang="en-GB" sz="1800" noProof="0" smtClean="0">
+              <a:rPr lang="en-GB" sz="1800" noProof="0">
                 <a:latin typeface="Arial" pitchFamily="34" charset="0"/>
                 <a:cs typeface="Arial" pitchFamily="34" charset="0"/>
               </a:rPr>
@@ -1242,16 +1228,12 @@
           </a:p>
           <a:p>
             <a:r>
-              <a:rPr lang="en-GB" sz="1800" noProof="0" smtClean="0">
+              <a:rPr lang="en-GB" sz="1800" noProof="0">
                 <a:latin typeface="Arial" pitchFamily="34" charset="0"/>
                 <a:cs typeface="Arial" pitchFamily="34" charset="0"/>
               </a:rPr>
               <a:t>Germany</a:t>
             </a:r>
-            <a:endParaRPr lang="en-GB" sz="1800" noProof="0">
-              <a:latin typeface="Arial" pitchFamily="34" charset="0"/>
-              <a:cs typeface="Arial" pitchFamily="34" charset="0"/>
-            </a:endParaRPr>
           </a:p>
         </p:txBody>
       </p:sp>
@@ -1287,10 +1269,9 @@
           <a:p>
             <a:pPr lvl="0"/>
             <a:r>
-              <a:rPr lang="en-GB" noProof="0" smtClean="0"/>
+              <a:rPr lang="en-GB" noProof="0"/>
               <a:t>Dr.-Ing. / Dipl.-Ing. Vorname Nachname (Bearbeiter, Ansprechpartner)</a:t>
             </a:r>
-            <a:endParaRPr lang="en-GB" noProof="0"/>
           </a:p>
         </p:txBody>
       </p:sp>
@@ -1332,28 +1313,27 @@
           <a:p>
             <a:pPr lvl="0"/>
             <a:r>
-              <a:rPr lang="en-GB" noProof="0" smtClean="0"/>
+              <a:rPr lang="en-GB" noProof="0"/>
               <a:t>+49 241 80 xxxxx</a:t>
             </a:r>
           </a:p>
           <a:p>
             <a:pPr lvl="0"/>
             <a:r>
-              <a:rPr lang="en-GB" noProof="0" smtClean="0"/>
+              <a:rPr lang="en-GB" noProof="0"/>
               <a:t>+49 241 80 22147</a:t>
             </a:r>
           </a:p>
           <a:p>
             <a:pPr lvl="0"/>
-            <a:endParaRPr lang="en-GB" noProof="0" smtClean="0"/>
+            <a:endParaRPr lang="en-GB" noProof="0"/>
           </a:p>
           <a:p>
             <a:pPr lvl="0"/>
             <a:r>
-              <a:rPr lang="en-GB" noProof="0" smtClean="0"/>
+              <a:rPr lang="en-GB" noProof="0"/>
               <a:t>xxxxx@ika.rwth-aachen.de</a:t>
             </a:r>
-            <a:endParaRPr lang="en-GB" noProof="0"/>
           </a:p>
         </p:txBody>
       </p:sp>
@@ -1385,16 +1365,12 @@
               </a:lnSpc>
             </a:pPr>
             <a:r>
-              <a:rPr lang="en-GB" sz="2200" b="1" noProof="0" smtClean="0">
+              <a:rPr lang="en-GB" sz="2200" b="1" noProof="0">
                 <a:latin typeface="Arial" pitchFamily="34" charset="0"/>
                 <a:cs typeface="Arial" pitchFamily="34" charset="0"/>
               </a:rPr>
               <a:t>Contact</a:t>
             </a:r>
-            <a:endParaRPr lang="en-GB" sz="2200" b="1" noProof="0">
-              <a:latin typeface="Arial" pitchFamily="34" charset="0"/>
-              <a:cs typeface="Arial" pitchFamily="34" charset="0"/>
-            </a:endParaRPr>
           </a:p>
         </p:txBody>
       </p:sp>
@@ -1444,7 +1420,7 @@
           <a:lstStyle/>
           <a:p>
             <a:r>
-              <a:rPr lang="de-DE" smtClean="0"/>
+              <a:rPr lang="de-DE"/>
               <a:t>Titelmasterformat durch Klicken bearbeiten</a:t>
             </a:r>
             <a:endParaRPr lang="de-DE" dirty="0"/>
@@ -1491,35 +1467,35 @@
           <a:p>
             <a:pPr lvl="0"/>
             <a:r>
-              <a:rPr lang="de-DE" smtClean="0"/>
+              <a:rPr lang="de-DE"/>
               <a:t>Formatvorlagen des Textmasters bearbeiten</a:t>
             </a:r>
           </a:p>
           <a:p>
             <a:pPr lvl="1"/>
             <a:r>
-              <a:rPr lang="de-DE" smtClean="0"/>
+              <a:rPr lang="de-DE"/>
               <a:t>Zweite Ebene</a:t>
             </a:r>
           </a:p>
           <a:p>
             <a:pPr lvl="2"/>
             <a:r>
-              <a:rPr lang="de-DE" smtClean="0"/>
+              <a:rPr lang="de-DE"/>
               <a:t>Dritte Ebene</a:t>
             </a:r>
           </a:p>
           <a:p>
             <a:pPr lvl="3"/>
             <a:r>
-              <a:rPr lang="de-DE" smtClean="0"/>
+              <a:rPr lang="de-DE"/>
               <a:t>Vierte Ebene</a:t>
             </a:r>
           </a:p>
           <a:p>
             <a:pPr lvl="4"/>
             <a:r>
-              <a:rPr lang="de-DE" smtClean="0"/>
+              <a:rPr lang="de-DE"/>
               <a:t>Fünfte Ebene</a:t>
             </a:r>
             <a:endParaRPr lang="de-DE" dirty="0"/>
@@ -1572,7 +1548,7 @@
           <a:lstStyle/>
           <a:p>
             <a:r>
-              <a:rPr lang="de-DE" smtClean="0"/>
+              <a:rPr lang="de-DE"/>
               <a:t>Titelmasterformat durch Klicken bearbeiten</a:t>
             </a:r>
             <a:endParaRPr lang="de-DE" dirty="0"/>
@@ -1619,35 +1595,35 @@
           <a:p>
             <a:pPr lvl="0"/>
             <a:r>
-              <a:rPr lang="de-DE" smtClean="0"/>
+              <a:rPr lang="de-DE"/>
               <a:t>Formatvorlagen des Textmasters bearbeiten</a:t>
             </a:r>
           </a:p>
           <a:p>
             <a:pPr lvl="1"/>
             <a:r>
-              <a:rPr lang="de-DE" smtClean="0"/>
+              <a:rPr lang="de-DE"/>
               <a:t>Zweite Ebene</a:t>
             </a:r>
           </a:p>
           <a:p>
             <a:pPr lvl="2"/>
             <a:r>
-              <a:rPr lang="de-DE" smtClean="0"/>
+              <a:rPr lang="de-DE"/>
               <a:t>Dritte Ebene</a:t>
             </a:r>
           </a:p>
           <a:p>
             <a:pPr lvl="3"/>
             <a:r>
-              <a:rPr lang="de-DE" smtClean="0"/>
+              <a:rPr lang="de-DE"/>
               <a:t>Vierte Ebene</a:t>
             </a:r>
           </a:p>
           <a:p>
             <a:pPr lvl="4"/>
             <a:r>
-              <a:rPr lang="de-DE" smtClean="0"/>
+              <a:rPr lang="de-DE"/>
               <a:t>Fünfte Ebene</a:t>
             </a:r>
             <a:endParaRPr lang="de-DE" dirty="0"/>
@@ -1700,10 +1676,9 @@
           <a:lstStyle/>
           <a:p>
             <a:r>
-              <a:rPr lang="de-DE" smtClean="0"/>
+              <a:rPr lang="de-DE"/>
               <a:t>Titelmasterformat durch Klicken bearbeiten</a:t>
             </a:r>
-            <a:endParaRPr lang="de-DE"/>
           </a:p>
         </p:txBody>
       </p:sp>
@@ -1759,35 +1734,35 @@
           <a:p>
             <a:pPr lvl="0"/>
             <a:r>
-              <a:rPr lang="de-DE" smtClean="0"/>
+              <a:rPr lang="de-DE"/>
               <a:t>Formatvorlagen des Textmasters bearbeiten</a:t>
             </a:r>
           </a:p>
           <a:p>
             <a:pPr lvl="1"/>
             <a:r>
-              <a:rPr lang="de-DE" smtClean="0"/>
+              <a:rPr lang="de-DE"/>
               <a:t>Zweite Ebene</a:t>
             </a:r>
           </a:p>
           <a:p>
             <a:pPr lvl="2"/>
             <a:r>
-              <a:rPr lang="de-DE" smtClean="0"/>
+              <a:rPr lang="de-DE"/>
               <a:t>Dritte Ebene</a:t>
             </a:r>
           </a:p>
           <a:p>
             <a:pPr lvl="3"/>
             <a:r>
-              <a:rPr lang="de-DE" smtClean="0"/>
+              <a:rPr lang="de-DE"/>
               <a:t>Vierte Ebene</a:t>
             </a:r>
           </a:p>
           <a:p>
             <a:pPr lvl="4"/>
             <a:r>
-              <a:rPr lang="de-DE" smtClean="0"/>
+              <a:rPr lang="de-DE"/>
               <a:t>Fünfte Ebene</a:t>
             </a:r>
             <a:endParaRPr lang="de-DE" dirty="0"/>
@@ -1846,35 +1821,35 @@
           <a:p>
             <a:pPr lvl="0"/>
             <a:r>
-              <a:rPr lang="de-DE" smtClean="0"/>
+              <a:rPr lang="de-DE"/>
               <a:t>Formatvorlagen des Textmasters bearbeiten</a:t>
             </a:r>
           </a:p>
           <a:p>
             <a:pPr lvl="1"/>
             <a:r>
-              <a:rPr lang="de-DE" smtClean="0"/>
+              <a:rPr lang="de-DE"/>
               <a:t>Zweite Ebene</a:t>
             </a:r>
           </a:p>
           <a:p>
             <a:pPr lvl="2"/>
             <a:r>
-              <a:rPr lang="de-DE" smtClean="0"/>
+              <a:rPr lang="de-DE"/>
               <a:t>Dritte Ebene</a:t>
             </a:r>
           </a:p>
           <a:p>
             <a:pPr lvl="3"/>
             <a:r>
-              <a:rPr lang="de-DE" smtClean="0"/>
+              <a:rPr lang="de-DE"/>
               <a:t>Vierte Ebene</a:t>
             </a:r>
           </a:p>
           <a:p>
             <a:pPr lvl="4"/>
             <a:r>
-              <a:rPr lang="de-DE" smtClean="0"/>
+              <a:rPr lang="de-DE"/>
               <a:t>Fünfte Ebene</a:t>
             </a:r>
             <a:endParaRPr lang="de-DE" dirty="0"/>
@@ -1928,7 +1903,7 @@
           <a:lstStyle/>
           <a:p>
             <a:r>
-              <a:rPr lang="de-DE" sz="1800" dirty="0" smtClean="0">
+              <a:rPr lang="de-DE" sz="1800" dirty="0">
                 <a:latin typeface="Arial" pitchFamily="34" charset="0"/>
                 <a:cs typeface="Arial" pitchFamily="34" charset="0"/>
               </a:rPr>
@@ -1937,7 +1912,7 @@
           </a:p>
           <a:p>
             <a:r>
-              <a:rPr lang="de-DE" sz="1800" dirty="0" smtClean="0">
+              <a:rPr lang="de-DE" sz="1800" dirty="0">
                 <a:latin typeface="Arial" pitchFamily="34" charset="0"/>
                 <a:cs typeface="Arial" pitchFamily="34" charset="0"/>
               </a:rPr>
@@ -1945,7 +1920,7 @@
             </a:r>
           </a:p>
           <a:p>
-            <a:endParaRPr lang="de-DE" sz="1800" dirty="0" smtClean="0">
+            <a:endParaRPr lang="de-DE" sz="1800" dirty="0">
               <a:latin typeface="Arial" pitchFamily="34" charset="0"/>
               <a:cs typeface="Arial" pitchFamily="34" charset="0"/>
             </a:endParaRPr>
@@ -1957,43 +1932,39 @@
               </a:tabLst>
             </a:pPr>
             <a:r>
-              <a:rPr lang="de-DE" sz="1800" dirty="0" smtClean="0">
+              <a:rPr lang="de-DE" sz="1800" dirty="0">
                 <a:latin typeface="Arial" pitchFamily="34" charset="0"/>
                 <a:cs typeface="Arial" pitchFamily="34" charset="0"/>
               </a:rPr>
               <a:t>E-Mail</a:t>
             </a:r>
             <a:br>
-              <a:rPr lang="de-DE" sz="1800" dirty="0" smtClean="0">
+              <a:rPr lang="de-DE" sz="1800" dirty="0">
                 <a:latin typeface="Arial" pitchFamily="34" charset="0"/>
                 <a:cs typeface="Arial" pitchFamily="34" charset="0"/>
               </a:rPr>
             </a:br>
             <a:r>
-              <a:rPr lang="de-DE" sz="1800" dirty="0" smtClean="0">
+              <a:rPr lang="de-DE" sz="1800" dirty="0">
                 <a:latin typeface="Arial" pitchFamily="34" charset="0"/>
                 <a:cs typeface="Arial" pitchFamily="34" charset="0"/>
               </a:rPr>
               <a:t>Internet</a:t>
             </a:r>
             <a:r>
-              <a:rPr lang="de-DE" sz="1800" baseline="0" dirty="0" smtClean="0">
+              <a:rPr lang="de-DE" sz="1800" baseline="0" dirty="0">
                 <a:latin typeface="Arial" pitchFamily="34" charset="0"/>
                 <a:cs typeface="Arial" pitchFamily="34" charset="0"/>
               </a:rPr>
               <a:t>	</a:t>
             </a:r>
             <a:r>
-              <a:rPr lang="de-DE" sz="1800" dirty="0" smtClean="0">
+              <a:rPr lang="de-DE" sz="1800" dirty="0">
                 <a:latin typeface="Arial" pitchFamily="34" charset="0"/>
                 <a:cs typeface="Arial" pitchFamily="34" charset="0"/>
               </a:rPr>
               <a:t>www.ika.rwth-aachen.de</a:t>
             </a:r>
-            <a:endParaRPr lang="de-DE" sz="1800" dirty="0">
-              <a:latin typeface="Arial" pitchFamily="34" charset="0"/>
-              <a:cs typeface="Arial" pitchFamily="34" charset="0"/>
-            </a:endParaRPr>
           </a:p>
         </p:txBody>
       </p:sp>
@@ -2019,7 +1990,7 @@
           <a:lstStyle/>
           <a:p>
             <a:r>
-              <a:rPr lang="de-DE" sz="1800" dirty="0" smtClean="0">
+              <a:rPr lang="de-DE" sz="1800" dirty="0">
                 <a:latin typeface="Arial" pitchFamily="34" charset="0"/>
                 <a:cs typeface="Arial" pitchFamily="34" charset="0"/>
               </a:rPr>
@@ -2028,7 +1999,7 @@
           </a:p>
           <a:p>
             <a:r>
-              <a:rPr lang="de-DE" sz="1800" dirty="0" smtClean="0">
+              <a:rPr lang="de-DE" sz="1800" dirty="0">
                 <a:latin typeface="Arial" pitchFamily="34" charset="0"/>
                 <a:cs typeface="Arial" pitchFamily="34" charset="0"/>
               </a:rPr>
@@ -2037,7 +2008,7 @@
           </a:p>
           <a:p>
             <a:r>
-              <a:rPr lang="de-DE" sz="1800" dirty="0" smtClean="0">
+              <a:rPr lang="de-DE" sz="1800" dirty="0">
                 <a:latin typeface="Arial" pitchFamily="34" charset="0"/>
                 <a:cs typeface="Arial" pitchFamily="34" charset="0"/>
               </a:rPr>
@@ -2046,16 +2017,12 @@
           </a:p>
           <a:p>
             <a:r>
-              <a:rPr lang="de-DE" sz="1800" dirty="0" smtClean="0">
+              <a:rPr lang="de-DE" sz="1800" dirty="0">
                 <a:latin typeface="Arial" pitchFamily="34" charset="0"/>
                 <a:cs typeface="Arial" pitchFamily="34" charset="0"/>
               </a:rPr>
               <a:t>52074 Aachen</a:t>
             </a:r>
-            <a:endParaRPr lang="de-DE" sz="1800" dirty="0">
-              <a:latin typeface="Arial" pitchFamily="34" charset="0"/>
-              <a:cs typeface="Arial" pitchFamily="34" charset="0"/>
-            </a:endParaRPr>
           </a:p>
         </p:txBody>
       </p:sp>
@@ -2121,7 +2088,7 @@
               <a:defRPr/>
             </a:pPr>
             <a:r>
-              <a:rPr lang="de-DE" dirty="0" smtClean="0"/>
+              <a:rPr lang="de-DE" dirty="0"/>
               <a:t>Dr.-Ing. / Dipl.-Ing. Vorname Nachname (Bearbeiter, Ansprechpartner)</a:t>
             </a:r>
           </a:p>
@@ -2165,33 +2132,32 @@
           <a:p>
             <a:pPr lvl="0"/>
             <a:r>
-              <a:rPr lang="de-DE" dirty="0" smtClean="0"/>
+              <a:rPr lang="de-DE" dirty="0"/>
               <a:t>+49 241 80 </a:t>
             </a:r>
             <a:r>
-              <a:rPr lang="de-DE" dirty="0" err="1" smtClean="0"/>
+              <a:rPr lang="de-DE" dirty="0" err="1"/>
               <a:t>xxxxx</a:t>
             </a:r>
-            <a:endParaRPr lang="de-DE" dirty="0" smtClean="0"/>
+            <a:endParaRPr lang="de-DE" dirty="0"/>
           </a:p>
           <a:p>
             <a:pPr lvl="0"/>
             <a:r>
-              <a:rPr lang="de-DE" dirty="0" smtClean="0"/>
+              <a:rPr lang="de-DE" dirty="0"/>
               <a:t>+49 241 80 22147</a:t>
             </a:r>
           </a:p>
           <a:p>
             <a:pPr lvl="0"/>
-            <a:endParaRPr lang="de-DE" dirty="0" smtClean="0"/>
+            <a:endParaRPr lang="de-DE" dirty="0"/>
           </a:p>
           <a:p>
             <a:pPr lvl="0"/>
             <a:r>
-              <a:rPr lang="de-DE" dirty="0" smtClean="0"/>
+              <a:rPr lang="de-DE" dirty="0"/>
               <a:t>xxxxx@ika.rwth-aachen.de</a:t>
             </a:r>
-            <a:endParaRPr lang="de-DE" dirty="0"/>
           </a:p>
         </p:txBody>
       </p:sp>
@@ -2223,16 +2189,12 @@
               </a:lnSpc>
             </a:pPr>
             <a:r>
-              <a:rPr lang="de-DE" sz="2200" b="1" dirty="0" smtClean="0">
+              <a:rPr lang="de-DE" sz="2200" b="1" dirty="0">
                 <a:latin typeface="Arial" pitchFamily="34" charset="0"/>
                 <a:cs typeface="Arial" pitchFamily="34" charset="0"/>
               </a:rPr>
               <a:t>Kontakt</a:t>
             </a:r>
-            <a:endParaRPr lang="de-DE" sz="2200" b="1" dirty="0">
-              <a:latin typeface="Arial" pitchFamily="34" charset="0"/>
-              <a:cs typeface="Arial" pitchFamily="34" charset="0"/>
-            </a:endParaRPr>
           </a:p>
         </p:txBody>
       </p:sp>
@@ -2293,10 +2255,9 @@
           <a:p>
             <a:pPr lvl="0"/>
             <a:r>
-              <a:rPr lang="en-GB" noProof="0" smtClean="0"/>
+              <a:rPr lang="en-GB" noProof="0"/>
               <a:t>Venue, xy Month 201x</a:t>
             </a:r>
-            <a:endParaRPr lang="en-GB" noProof="0"/>
           </a:p>
         </p:txBody>
       </p:sp>
@@ -2332,10 +2293,9 @@
           <a:p>
             <a:pPr lvl="0"/>
             <a:r>
-              <a:rPr lang="en-GB" noProof="0" smtClean="0"/>
+              <a:rPr lang="en-GB" noProof="0"/>
               <a:t>Dr.-Ing. / Dipl.-Ing. Vorname Nachname</a:t>
             </a:r>
-            <a:endParaRPr lang="en-GB" noProof="0"/>
           </a:p>
         </p:txBody>
       </p:sp>
@@ -2381,24 +2341,23 @@
           <a:p>
             <a:pPr lvl="0"/>
             <a:r>
-              <a:rPr lang="en-GB" noProof="0" smtClean="0"/>
+              <a:rPr lang="en-GB" noProof="0"/>
               <a:t>Name des Vortrags</a:t>
             </a:r>
           </a:p>
           <a:p>
             <a:pPr lvl="0"/>
             <a:r>
-              <a:rPr lang="en-GB" noProof="0" smtClean="0"/>
+              <a:rPr lang="en-GB" noProof="0"/>
               <a:t>(Vortragstitel, Arial 20pt Fett</a:t>
             </a:r>
           </a:p>
           <a:p>
             <a:pPr lvl="0"/>
             <a:r>
-              <a:rPr lang="en-GB" noProof="0" smtClean="0"/>
+              <a:rPr lang="en-GB" noProof="0"/>
               <a:t>max. 3-Zeiler)</a:t>
             </a:r>
-            <a:endParaRPr lang="en-GB" noProof="0"/>
           </a:p>
         </p:txBody>
       </p:sp>
@@ -2429,44 +2388,35 @@
           </a:lstStyle>
           <a:p>
             <a:r>
-              <a:rPr lang="en-GB" noProof="0" dirty="0" err="1" smtClean="0"/>
+              <a:rPr lang="en-GB" noProof="0" dirty="0" err="1"/>
               <a:t>Veranstaltung</a:t>
             </a:r>
-            <a:r>
-              <a:rPr lang="en-GB" noProof="0" dirty="0" smtClean="0"/>
-              <a:t/>
-            </a:r>
             <a:br>
-              <a:rPr lang="en-GB" noProof="0" dirty="0" smtClean="0"/>
+              <a:rPr lang="en-GB" noProof="0" dirty="0"/>
             </a:br>
             <a:r>
-              <a:rPr lang="en-GB" noProof="0" dirty="0" smtClean="0"/>
+              <a:rPr lang="en-GB" noProof="0" dirty="0"/>
               <a:t>(</a:t>
             </a:r>
             <a:r>
-              <a:rPr lang="en-GB" noProof="0" dirty="0" err="1" smtClean="0"/>
+              <a:rPr lang="en-GB" noProof="0" dirty="0" err="1"/>
               <a:t>Veranstaltungstitel</a:t>
             </a:r>
             <a:r>
-              <a:rPr lang="en-GB" noProof="0" dirty="0" smtClean="0"/>
+              <a:rPr lang="en-GB" noProof="0" dirty="0"/>
               <a:t>, Arial 20pt </a:t>
             </a:r>
             <a:r>
-              <a:rPr lang="en-GB" noProof="0" dirty="0" err="1" smtClean="0"/>
+              <a:rPr lang="en-GB" noProof="0" dirty="0" err="1"/>
               <a:t>Fett</a:t>
             </a:r>
-            <a:r>
-              <a:rPr lang="en-GB" noProof="0" dirty="0" smtClean="0"/>
-              <a:t/>
-            </a:r>
             <a:br>
-              <a:rPr lang="en-GB" noProof="0" dirty="0" smtClean="0"/>
+              <a:rPr lang="en-GB" noProof="0" dirty="0"/>
             </a:br>
             <a:r>
-              <a:rPr lang="en-GB" noProof="0" dirty="0" smtClean="0"/>
+              <a:rPr lang="en-GB" noProof="0" dirty="0"/>
               <a:t>max. 3-Zeiler)</a:t>
             </a:r>
-            <a:endParaRPr lang="en-GB" noProof="0" dirty="0"/>
           </a:p>
         </p:txBody>
       </p:sp>
@@ -2504,42 +2454,38 @@
           </a:lstStyle>
           <a:p>
             <a:r>
-              <a:rPr lang="en-GB" noProof="0" smtClean="0">
+              <a:rPr lang="en-GB" noProof="0">
                 <a:latin typeface="Arial" pitchFamily="34" charset="0"/>
                 <a:cs typeface="Arial" pitchFamily="34" charset="0"/>
               </a:rPr>
               <a:t>Textplatzhalter dem Design entsprechend füllen:</a:t>
             </a:r>
             <a:br>
-              <a:rPr lang="en-GB" noProof="0" smtClean="0">
+              <a:rPr lang="en-GB" noProof="0">
                 <a:latin typeface="Arial" pitchFamily="34" charset="0"/>
                 <a:cs typeface="Arial" pitchFamily="34" charset="0"/>
               </a:rPr>
             </a:br>
             <a:r>
-              <a:rPr lang="en-GB" noProof="0" smtClean="0">
+              <a:rPr lang="en-GB" noProof="0">
                 <a:latin typeface="Arial" pitchFamily="34" charset="0"/>
                 <a:cs typeface="Arial" pitchFamily="34" charset="0"/>
               </a:rPr>
               <a:t>Institut für Kraftfahrzeuge bzw. Institute for Automotive Engineering</a:t>
             </a:r>
             <a:br>
-              <a:rPr lang="en-GB" noProof="0" smtClean="0">
+              <a:rPr lang="en-GB" noProof="0">
                 <a:latin typeface="Arial" pitchFamily="34" charset="0"/>
                 <a:cs typeface="Arial" pitchFamily="34" charset="0"/>
               </a:rPr>
             </a:br>
             <a:r>
-              <a:rPr lang="en-GB" noProof="0" smtClean="0">
+              <a:rPr lang="en-GB" noProof="0">
                 <a:latin typeface="Arial" pitchFamily="34" charset="0"/>
                 <a:cs typeface="Arial" pitchFamily="34" charset="0"/>
               </a:rPr>
               <a:t>Forschungsgesellschaft Kraftfahrwesen mbH Aachen</a:t>
             </a:r>
-            <a:endParaRPr lang="en-GB" noProof="0">
-              <a:latin typeface="Arial" pitchFamily="34" charset="0"/>
-              <a:cs typeface="Arial" pitchFamily="34" charset="0"/>
-            </a:endParaRPr>
           </a:p>
         </p:txBody>
       </p:sp>
@@ -2589,10 +2535,9 @@
           <a:lstStyle/>
           <a:p>
             <a:r>
-              <a:rPr lang="de-DE" smtClean="0"/>
+              <a:rPr lang="de-DE"/>
               <a:t>Titelmasterformat durch Klicken bearbeiten</a:t>
             </a:r>
-            <a:endParaRPr lang="de-DE"/>
           </a:p>
         </p:txBody>
       </p:sp>
@@ -2726,38 +2671,37 @@
           <a:p>
             <a:pPr lvl="0"/>
             <a:r>
-              <a:rPr lang="en-GB" noProof="0" smtClean="0"/>
+              <a:rPr lang="en-GB" noProof="0"/>
               <a:t>Textmasterformate durch Klicken bearbeiten</a:t>
             </a:r>
           </a:p>
           <a:p>
             <a:pPr lvl="1"/>
             <a:r>
-              <a:rPr lang="en-GB" noProof="0" smtClean="0"/>
+              <a:rPr lang="en-GB" noProof="0"/>
               <a:t>Zweite Ebene</a:t>
             </a:r>
           </a:p>
           <a:p>
             <a:pPr lvl="2"/>
             <a:r>
-              <a:rPr lang="en-GB" noProof="0" smtClean="0"/>
+              <a:rPr lang="en-GB" noProof="0"/>
               <a:t>Dritte Ebene</a:t>
             </a:r>
           </a:p>
           <a:p>
             <a:pPr lvl="3"/>
             <a:r>
-              <a:rPr lang="en-GB" noProof="0" smtClean="0"/>
+              <a:rPr lang="en-GB" noProof="0"/>
               <a:t>Vierte Ebene</a:t>
             </a:r>
           </a:p>
           <a:p>
             <a:pPr lvl="4"/>
             <a:r>
-              <a:rPr lang="en-GB" noProof="0" smtClean="0"/>
+              <a:rPr lang="en-GB" noProof="0"/>
               <a:t>Fünfte Ebene</a:t>
             </a:r>
-            <a:endParaRPr lang="en-GB" noProof="0"/>
           </a:p>
         </p:txBody>
       </p:sp>
@@ -2807,10 +2751,9 @@
           <a:lstStyle/>
           <a:p>
             <a:r>
-              <a:rPr lang="en-GB" noProof="0" smtClean="0"/>
+              <a:rPr lang="en-GB" noProof="0"/>
               <a:t>Titelmasterformat durch Klicken bearbeiten</a:t>
             </a:r>
-            <a:endParaRPr lang="en-GB" noProof="0"/>
           </a:p>
         </p:txBody>
       </p:sp>
@@ -2854,38 +2797,37 @@
           <a:p>
             <a:pPr lvl="0"/>
             <a:r>
-              <a:rPr lang="en-GB" noProof="0" smtClean="0"/>
+              <a:rPr lang="en-GB" noProof="0"/>
               <a:t>Textmasterformate durch Klicken bearbeiten</a:t>
             </a:r>
           </a:p>
           <a:p>
             <a:pPr lvl="1"/>
             <a:r>
-              <a:rPr lang="en-GB" noProof="0" smtClean="0"/>
+              <a:rPr lang="en-GB" noProof="0"/>
               <a:t>Zweite Ebene</a:t>
             </a:r>
           </a:p>
           <a:p>
             <a:pPr lvl="2"/>
             <a:r>
-              <a:rPr lang="en-GB" noProof="0" smtClean="0"/>
+              <a:rPr lang="en-GB" noProof="0"/>
               <a:t>Dritte Ebene</a:t>
             </a:r>
           </a:p>
           <a:p>
             <a:pPr lvl="3"/>
             <a:r>
-              <a:rPr lang="en-GB" noProof="0" smtClean="0"/>
+              <a:rPr lang="en-GB" noProof="0"/>
               <a:t>Vierte Ebene</a:t>
             </a:r>
           </a:p>
           <a:p>
             <a:pPr lvl="4"/>
             <a:r>
-              <a:rPr lang="en-GB" noProof="0" smtClean="0"/>
+              <a:rPr lang="en-GB" noProof="0"/>
               <a:t>Fünfte Ebene</a:t>
             </a:r>
-            <a:endParaRPr lang="en-GB" noProof="0"/>
           </a:p>
         </p:txBody>
       </p:sp>
@@ -2935,10 +2877,9 @@
           <a:lstStyle/>
           <a:p>
             <a:r>
-              <a:rPr lang="en-GB" noProof="0" smtClean="0"/>
+              <a:rPr lang="en-GB" noProof="0"/>
               <a:t>Titelmasterformat durch Klicken bearbeiten</a:t>
             </a:r>
-            <a:endParaRPr lang="en-GB" noProof="0"/>
           </a:p>
         </p:txBody>
       </p:sp>
@@ -2994,38 +2935,37 @@
           <a:p>
             <a:pPr lvl="0"/>
             <a:r>
-              <a:rPr lang="en-GB" noProof="0" smtClean="0"/>
+              <a:rPr lang="en-GB" noProof="0"/>
               <a:t>Textmasterformate durch Klicken bearbeiten</a:t>
             </a:r>
           </a:p>
           <a:p>
             <a:pPr lvl="1"/>
             <a:r>
-              <a:rPr lang="en-GB" noProof="0" smtClean="0"/>
+              <a:rPr lang="en-GB" noProof="0"/>
               <a:t>Zweite Ebene</a:t>
             </a:r>
           </a:p>
           <a:p>
             <a:pPr lvl="2"/>
             <a:r>
-              <a:rPr lang="en-GB" noProof="0" smtClean="0"/>
+              <a:rPr lang="en-GB" noProof="0"/>
               <a:t>Dritte Ebene</a:t>
             </a:r>
           </a:p>
           <a:p>
             <a:pPr lvl="3"/>
             <a:r>
-              <a:rPr lang="en-GB" noProof="0" smtClean="0"/>
+              <a:rPr lang="en-GB" noProof="0"/>
               <a:t>Vierte Ebene</a:t>
             </a:r>
           </a:p>
           <a:p>
             <a:pPr lvl="4"/>
             <a:r>
-              <a:rPr lang="en-GB" noProof="0" smtClean="0"/>
+              <a:rPr lang="en-GB" noProof="0"/>
               <a:t>Fünfte Ebene</a:t>
             </a:r>
-            <a:endParaRPr lang="en-GB" noProof="0"/>
           </a:p>
         </p:txBody>
       </p:sp>
@@ -3081,38 +3021,37 @@
           <a:p>
             <a:pPr lvl="0"/>
             <a:r>
-              <a:rPr lang="en-GB" noProof="0" smtClean="0"/>
+              <a:rPr lang="en-GB" noProof="0"/>
               <a:t>Textmasterformate durch Klicken bearbeiten</a:t>
             </a:r>
           </a:p>
           <a:p>
             <a:pPr lvl="1"/>
             <a:r>
-              <a:rPr lang="en-GB" noProof="0" smtClean="0"/>
+              <a:rPr lang="en-GB" noProof="0"/>
               <a:t>Zweite Ebene</a:t>
             </a:r>
           </a:p>
           <a:p>
             <a:pPr lvl="2"/>
             <a:r>
-              <a:rPr lang="en-GB" noProof="0" smtClean="0"/>
+              <a:rPr lang="en-GB" noProof="0"/>
               <a:t>Dritte Ebene</a:t>
             </a:r>
           </a:p>
           <a:p>
             <a:pPr lvl="3"/>
             <a:r>
-              <a:rPr lang="en-GB" noProof="0" smtClean="0"/>
+              <a:rPr lang="en-GB" noProof="0"/>
               <a:t>Vierte Ebene</a:t>
             </a:r>
           </a:p>
           <a:p>
             <a:pPr lvl="4"/>
             <a:r>
-              <a:rPr lang="en-GB" noProof="0" smtClean="0"/>
+              <a:rPr lang="en-GB" noProof="0"/>
               <a:t>Fünfte Ebene</a:t>
             </a:r>
-            <a:endParaRPr lang="en-GB" noProof="0"/>
           </a:p>
         </p:txBody>
       </p:sp>
@@ -3155,7 +3094,7 @@
           <p:nvPr userDrawn="1"/>
         </p:nvPicPr>
         <p:blipFill>
-          <a:blip r:embed="rId9">
+          <a:blip r:embed="rId8">
             <a:extLst>
               <a:ext uri="{28A0092B-C50C-407E-A947-70E740481C1C}">
                 <a14:useLocalDpi xmlns:a14="http://schemas.microsoft.com/office/drawing/2010/main" val="0"/>
@@ -3184,7 +3123,7 @@
           </p:cNvGraphicFramePr>
           <p:nvPr>
             <p:custDataLst>
-              <p:tags r:id="rId8"/>
+              <p:tags r:id="rId7"/>
             </p:custDataLst>
           </p:nvPr>
         </p:nvGraphicFramePr>
@@ -3196,12 +3135,12 @@
           <a:graphicData uri="http://schemas.openxmlformats.org/presentationml/2006/ole">
             <mc:AlternateContent xmlns:mc="http://schemas.openxmlformats.org/markup-compatibility/2006">
               <mc:Choice xmlns:v="urn:schemas-microsoft-com:vml" Requires="v">
-                <p:oleObj spid="_x0000_s1040" name="think-cell Folie" r:id="rId10" imgW="360" imgH="360" progId="">
+                <p:oleObj name="think-cell Folie" r:id="rId9" imgW="360" imgH="360" progId="">
                   <p:embed/>
                 </p:oleObj>
               </mc:Choice>
               <mc:Fallback>
-                <p:oleObj name="think-cell Folie" r:id="rId10" imgW="360" imgH="360" progId="">
+                <p:oleObj name="think-cell Folie" r:id="rId9" imgW="360" imgH="360" progId="">
                   <p:embed/>
                   <p:pic>
                     <p:nvPicPr>
@@ -3212,7 +3151,7 @@
                       <p:nvPr/>
                     </p:nvPicPr>
                     <p:blipFill>
-                      <a:blip r:embed="rId11">
+                      <a:blip r:embed="rId10">
                         <a:extLst>
                           <a:ext uri="{28A0092B-C50C-407E-A947-70E740481C1C}">
                             <a14:useLocalDpi xmlns:a14="http://schemas.microsoft.com/office/drawing/2010/main" val="0"/>
@@ -3276,10 +3215,9 @@
           <a:lstStyle/>
           <a:p>
             <a:r>
-              <a:rPr lang="de-DE" dirty="0" smtClean="0"/>
+              <a:rPr lang="de-DE" dirty="0"/>
               <a:t>Titelmasterformat durch Klicken bearbeiten</a:t>
             </a:r>
-            <a:endParaRPr lang="de-DE" dirty="0"/>
           </a:p>
         </p:txBody>
       </p:sp>
@@ -3310,38 +3248,37 @@
           <a:p>
             <a:pPr lvl="0"/>
             <a:r>
-              <a:rPr lang="de-DE" noProof="0" dirty="0" smtClean="0"/>
+              <a:rPr lang="de-DE" noProof="0" dirty="0"/>
               <a:t>Textmasterformate durch Klicken bearbeiten</a:t>
             </a:r>
           </a:p>
           <a:p>
             <a:pPr lvl="1"/>
             <a:r>
-              <a:rPr lang="de-DE" noProof="0" dirty="0" smtClean="0"/>
+              <a:rPr lang="de-DE" noProof="0" dirty="0"/>
               <a:t>Zweite Ebene</a:t>
             </a:r>
           </a:p>
           <a:p>
             <a:pPr lvl="2"/>
             <a:r>
-              <a:rPr lang="de-DE" noProof="0" dirty="0" smtClean="0"/>
+              <a:rPr lang="de-DE" noProof="0" dirty="0"/>
               <a:t>Dritte Ebene</a:t>
             </a:r>
           </a:p>
           <a:p>
             <a:pPr lvl="3"/>
             <a:r>
-              <a:rPr lang="de-DE" noProof="0" dirty="0" smtClean="0"/>
+              <a:rPr lang="de-DE" noProof="0" dirty="0"/>
               <a:t>Vierte Ebene</a:t>
             </a:r>
           </a:p>
           <a:p>
             <a:pPr lvl="4"/>
             <a:r>
-              <a:rPr lang="de-DE" noProof="0" dirty="0" smtClean="0"/>
+              <a:rPr lang="de-DE" noProof="0" dirty="0"/>
               <a:t>Fünfte Ebene</a:t>
             </a:r>
-            <a:endParaRPr lang="de-DE" noProof="0" dirty="0"/>
           </a:p>
         </p:txBody>
       </p:sp>
@@ -3385,7 +3322,7 @@
               <a:defRPr/>
             </a:pPr>
             <a:r>
-              <a:rPr lang="en-US" sz="900" kern="1200" noProof="0" dirty="0" smtClean="0">
+              <a:rPr lang="en-US" sz="900" kern="1200" noProof="0" dirty="0">
                 <a:solidFill>
                   <a:schemeClr val="bg2"/>
                 </a:solidFill>
@@ -3396,7 +3333,7 @@
               <a:t>©</a:t>
             </a:r>
             <a:r>
-              <a:rPr kumimoji="0" lang="en-US" sz="900" b="0" i="0" u="none" strike="noStrike" kern="1200" cap="none" spc="0" normalizeH="0" baseline="0" noProof="0" dirty="0" smtClean="0">
+              <a:rPr kumimoji="0" lang="en-US" sz="900" b="0" i="0" u="none" strike="noStrike" kern="1200" cap="none" spc="0" normalizeH="0" baseline="0" noProof="0" dirty="0">
                 <a:ln>
                   <a:noFill/>
                 </a:ln>
@@ -3413,7 +3350,7 @@
               <a:t> i</a:t>
             </a:r>
             <a:r>
-              <a:rPr lang="en-US" sz="900" kern="1200" noProof="0" dirty="0" smtClean="0">
+              <a:rPr lang="en-US" sz="900" kern="1200" noProof="0" dirty="0">
                 <a:solidFill>
                   <a:schemeClr val="bg2"/>
                 </a:solidFill>
@@ -3424,7 +3361,7 @@
               <a:t>ka</a:t>
             </a:r>
             <a:r>
-              <a:rPr kumimoji="0" lang="en-US" sz="900" b="0" i="0" u="none" strike="noStrike" kern="1200" cap="none" spc="0" normalizeH="0" baseline="0" noProof="0" dirty="0" smtClean="0">
+              <a:rPr kumimoji="0" lang="en-US" sz="900" b="0" i="0" u="none" strike="noStrike" kern="1200" cap="none" spc="0" normalizeH="0" baseline="0" noProof="0" dirty="0">
                 <a:ln>
                   <a:noFill/>
                 </a:ln>
@@ -3441,7 +3378,7 @@
               <a:t> </a:t>
             </a:r>
             <a:r>
-              <a:rPr lang="en-US" sz="900" kern="1200" noProof="0" dirty="0" smtClean="0">
+              <a:rPr lang="en-US" sz="900" kern="1200" noProof="0" dirty="0">
                 <a:solidFill>
                   <a:schemeClr val="bg2"/>
                 </a:solidFill>
@@ -3452,7 +3389,7 @@
               <a:t>2022</a:t>
             </a:r>
             <a:r>
-              <a:rPr kumimoji="0" lang="en-US" sz="900" b="0" i="0" u="none" strike="noStrike" kern="1200" cap="none" spc="0" normalizeH="0" baseline="0" noProof="0" dirty="0" smtClean="0">
+              <a:rPr kumimoji="0" lang="en-US" sz="900" b="0" i="0" u="none" strike="noStrike" kern="1200" cap="none" spc="0" normalizeH="0" baseline="0" noProof="0" dirty="0">
                 <a:ln>
                   <a:noFill/>
                 </a:ln>
@@ -3469,7 +3406,7 @@
               <a:t> </a:t>
             </a:r>
             <a:r>
-              <a:rPr lang="en-US" sz="900" kern="1200" noProof="0" dirty="0" smtClean="0">
+              <a:rPr lang="en-US" sz="900" kern="1200" noProof="0" dirty="0">
                 <a:solidFill>
                   <a:schemeClr val="bg2"/>
                 </a:solidFill>
@@ -3480,7 +3417,7 @@
               <a:t>·</a:t>
             </a:r>
             <a:r>
-              <a:rPr kumimoji="0" lang="en-US" sz="900" b="0" i="0" u="none" strike="noStrike" kern="1200" cap="none" spc="0" normalizeH="0" baseline="0" noProof="0" dirty="0" smtClean="0">
+              <a:rPr kumimoji="0" lang="en-US" sz="900" b="0" i="0" u="none" strike="noStrike" kern="1200" cap="none" spc="0" normalizeH="0" baseline="0" noProof="0" dirty="0">
                 <a:ln>
                   <a:noFill/>
                 </a:ln>
@@ -3497,7 +3434,7 @@
               <a:t> </a:t>
             </a:r>
             <a:r>
-              <a:rPr lang="en-US" sz="900" kern="1200" noProof="0" dirty="0" smtClean="0">
+              <a:rPr lang="en-US" sz="900" kern="1200" noProof="0" dirty="0">
                 <a:solidFill>
                   <a:schemeClr val="bg2"/>
                 </a:solidFill>
@@ -3508,7 +3445,7 @@
               <a:t>All</a:t>
             </a:r>
             <a:r>
-              <a:rPr kumimoji="0" lang="en-US" sz="900" b="0" i="0" u="none" strike="noStrike" kern="1200" cap="none" spc="0" normalizeH="0" baseline="0" noProof="0" dirty="0" smtClean="0">
+              <a:rPr kumimoji="0" lang="en-US" sz="900" b="0" i="0" u="none" strike="noStrike" kern="1200" cap="none" spc="0" normalizeH="0" baseline="0" noProof="0" dirty="0">
                 <a:ln>
                   <a:noFill/>
                 </a:ln>
@@ -3525,7 +3462,7 @@
               <a:t> </a:t>
             </a:r>
             <a:r>
-              <a:rPr lang="en-US" sz="900" kern="1200" noProof="0" dirty="0" smtClean="0">
+              <a:rPr lang="en-US" sz="900" kern="1200" noProof="0" dirty="0">
                 <a:solidFill>
                   <a:schemeClr val="bg2"/>
                 </a:solidFill>
@@ -3536,7 +3473,7 @@
               <a:t>rights</a:t>
             </a:r>
             <a:r>
-              <a:rPr kumimoji="0" lang="en-US" sz="900" b="0" i="0" u="none" strike="noStrike" kern="1200" cap="none" spc="0" normalizeH="0" baseline="0" noProof="0" dirty="0" smtClean="0">
+              <a:rPr kumimoji="0" lang="en-US" sz="900" b="0" i="0" u="none" strike="noStrike" kern="1200" cap="none" spc="0" normalizeH="0" baseline="0" noProof="0" dirty="0">
                 <a:ln>
                   <a:noFill/>
                 </a:ln>
@@ -3553,7 +3490,7 @@
               <a:t> </a:t>
             </a:r>
             <a:r>
-              <a:rPr lang="en-US" sz="900" kern="1200" noProof="0" dirty="0" smtClean="0">
+              <a:rPr lang="en-US" sz="900" kern="1200" noProof="0" dirty="0">
                 <a:solidFill>
                   <a:schemeClr val="bg2"/>
                 </a:solidFill>
@@ -3606,7 +3543,7 @@
               <a:defRPr/>
             </a:pPr>
             <a:r>
-              <a:rPr lang="en-US" sz="900" dirty="0" smtClean="0">
+              <a:rPr lang="en-US" sz="900" dirty="0">
                 <a:solidFill>
                   <a:schemeClr val="bg2"/>
                 </a:solidFill>
@@ -3658,7 +3595,7 @@
               <a:defRPr/>
             </a:pPr>
             <a:r>
-              <a:rPr lang="en-US" sz="900" dirty="0" err="1" smtClean="0">
+              <a:rPr lang="en-US" sz="900" dirty="0" err="1">
                 <a:solidFill>
                   <a:schemeClr val="bg2"/>
                 </a:solidFill>
@@ -3668,7 +3605,7 @@
               <a:t>Folie</a:t>
             </a:r>
             <a:r>
-              <a:rPr lang="en-US" sz="900" dirty="0" smtClean="0">
+              <a:rPr lang="en-US" sz="900" dirty="0">
                 <a:solidFill>
                   <a:schemeClr val="bg2"/>
                 </a:solidFill>
@@ -3704,7 +3641,7 @@
               </a:pPr>
               <a:t>‹Nr.›</a:t>
             </a:fld>
-            <a:endParaRPr lang="en-US" sz="900" dirty="0" smtClean="0">
+            <a:endParaRPr lang="en-US" sz="900" dirty="0">
               <a:solidFill>
                 <a:schemeClr val="bg2"/>
               </a:solidFill>
@@ -3754,7 +3691,7 @@
               <a:defRPr/>
             </a:pPr>
             <a:r>
-              <a:rPr lang="en-US" sz="900" dirty="0" smtClean="0">
+              <a:rPr lang="en-US" sz="900" dirty="0">
                 <a:solidFill>
                   <a:schemeClr val="bg2"/>
                 </a:solidFill>
@@ -3776,13 +3713,6 @@
     <p:sldLayoutId id="2147483652" r:id="rId4"/>
     <p:sldLayoutId id="2147483655" r:id="rId5"/>
   </p:sldLayoutIdLst>
-  <p:timing>
-    <p:tnLst>
-      <p:par>
-        <p:cTn id="1" dur="indefinite" restart="never" nodeType="tmRoot"/>
-      </p:par>
-    </p:tnLst>
-  </p:timing>
   <p:hf sldNum="0" hdr="0" ftr="0"/>
   <p:txStyles>
     <p:titleStyle>
@@ -4118,10 +4048,9 @@
           <a:lstStyle/>
           <a:p>
             <a:r>
-              <a:rPr lang="en-GB" noProof="0" smtClean="0"/>
+              <a:rPr lang="en-GB" noProof="0"/>
               <a:t>Titelmasterformat durch Klicken bearbeiten</a:t>
             </a:r>
-            <a:endParaRPr lang="en-GB" noProof="0"/>
           </a:p>
         </p:txBody>
       </p:sp>
@@ -4152,95 +4081,95 @@
           <a:p>
             <a:pPr lvl="0"/>
             <a:r>
-              <a:rPr lang="en-GB" noProof="0" dirty="0" err="1" smtClean="0"/>
+              <a:rPr lang="en-GB" noProof="0" dirty="0" err="1"/>
               <a:t>Textmasterformate</a:t>
             </a:r>
             <a:r>
-              <a:rPr lang="en-GB" noProof="0" dirty="0" smtClean="0"/>
+              <a:rPr lang="en-GB" noProof="0" dirty="0"/>
               <a:t> </a:t>
             </a:r>
             <a:r>
-              <a:rPr lang="en-GB" noProof="0" dirty="0" err="1" smtClean="0"/>
+              <a:rPr lang="en-GB" noProof="0" dirty="0" err="1"/>
               <a:t>durch</a:t>
             </a:r>
             <a:r>
-              <a:rPr lang="en-GB" noProof="0" dirty="0" smtClean="0"/>
+              <a:rPr lang="en-GB" noProof="0" dirty="0"/>
               <a:t> </a:t>
             </a:r>
             <a:r>
-              <a:rPr lang="en-GB" noProof="0" dirty="0" err="1" smtClean="0"/>
+              <a:rPr lang="en-GB" noProof="0" dirty="0" err="1"/>
               <a:t>Klicken</a:t>
             </a:r>
             <a:r>
-              <a:rPr lang="en-GB" noProof="0" dirty="0" smtClean="0"/>
+              <a:rPr lang="en-GB" noProof="0" dirty="0"/>
               <a:t> </a:t>
             </a:r>
             <a:r>
-              <a:rPr lang="en-GB" noProof="0" dirty="0" err="1" smtClean="0"/>
+              <a:rPr lang="en-GB" noProof="0" dirty="0" err="1"/>
               <a:t>bearbeiten</a:t>
             </a:r>
-            <a:endParaRPr lang="en-GB" noProof="0" dirty="0" smtClean="0"/>
+            <a:endParaRPr lang="en-GB" noProof="0" dirty="0"/>
           </a:p>
           <a:p>
             <a:pPr lvl="1"/>
             <a:r>
-              <a:rPr lang="en-GB" noProof="0" dirty="0" err="1" smtClean="0"/>
+              <a:rPr lang="en-GB" noProof="0" dirty="0" err="1"/>
               <a:t>Zweite</a:t>
             </a:r>
             <a:r>
-              <a:rPr lang="en-GB" noProof="0" dirty="0" smtClean="0"/>
+              <a:rPr lang="en-GB" noProof="0" dirty="0"/>
               <a:t> </a:t>
             </a:r>
             <a:r>
-              <a:rPr lang="en-GB" noProof="0" dirty="0" err="1" smtClean="0"/>
+              <a:rPr lang="en-GB" noProof="0" dirty="0" err="1"/>
               <a:t>Ebene</a:t>
             </a:r>
-            <a:endParaRPr lang="en-GB" noProof="0" dirty="0" smtClean="0"/>
+            <a:endParaRPr lang="en-GB" noProof="0" dirty="0"/>
           </a:p>
           <a:p>
             <a:pPr lvl="2"/>
             <a:r>
-              <a:rPr lang="en-GB" noProof="0" dirty="0" err="1" smtClean="0"/>
+              <a:rPr lang="en-GB" noProof="0" dirty="0" err="1"/>
               <a:t>Dritte</a:t>
             </a:r>
             <a:r>
-              <a:rPr lang="en-GB" noProof="0" dirty="0" smtClean="0"/>
+              <a:rPr lang="en-GB" noProof="0" dirty="0"/>
               <a:t> </a:t>
             </a:r>
             <a:r>
-              <a:rPr lang="en-GB" noProof="0" dirty="0" err="1" smtClean="0"/>
+              <a:rPr lang="en-GB" noProof="0" dirty="0" err="1"/>
               <a:t>Ebene</a:t>
             </a:r>
-            <a:endParaRPr lang="en-GB" noProof="0" dirty="0" smtClean="0"/>
+            <a:endParaRPr lang="en-GB" noProof="0" dirty="0"/>
           </a:p>
           <a:p>
             <a:pPr lvl="3"/>
             <a:r>
-              <a:rPr lang="en-GB" noProof="0" dirty="0" err="1" smtClean="0"/>
+              <a:rPr lang="en-GB" noProof="0" dirty="0" err="1"/>
               <a:t>Vierte</a:t>
             </a:r>
             <a:r>
-              <a:rPr lang="en-GB" noProof="0" dirty="0" smtClean="0"/>
+              <a:rPr lang="en-GB" noProof="0" dirty="0"/>
               <a:t> </a:t>
             </a:r>
             <a:r>
-              <a:rPr lang="en-GB" noProof="0" dirty="0" err="1" smtClean="0"/>
+              <a:rPr lang="en-GB" noProof="0" dirty="0" err="1"/>
               <a:t>Ebene</a:t>
             </a:r>
-            <a:endParaRPr lang="en-GB" noProof="0" dirty="0" smtClean="0"/>
+            <a:endParaRPr lang="en-GB" noProof="0" dirty="0"/>
           </a:p>
           <a:p>
             <a:pPr lvl="4"/>
             <a:r>
-              <a:rPr lang="en-GB" noProof="0" dirty="0" err="1" smtClean="0"/>
+              <a:rPr lang="en-GB" noProof="0" dirty="0" err="1"/>
               <a:t>Fünfte</a:t>
             </a:r>
             <a:r>
-              <a:rPr lang="en-GB" noProof="0" dirty="0" smtClean="0"/>
+              <a:rPr lang="en-GB" noProof="0" dirty="0"/>
               <a:t> </a:t>
             </a:r>
             <a:r>
-              <a:rPr lang="en-GB" noProof="0" dirty="0" err="1" smtClean="0"/>
+              <a:rPr lang="en-GB" noProof="0" dirty="0" err="1"/>
               <a:t>Ebene</a:t>
             </a:r>
             <a:endParaRPr lang="en-GB" noProof="0" dirty="0"/>
@@ -4287,7 +4216,7 @@
               <a:defRPr/>
             </a:pPr>
             <a:r>
-              <a:rPr lang="en-US" sz="900" kern="1200" noProof="0" dirty="0" smtClean="0">
+              <a:rPr lang="en-US" sz="900" kern="1200" noProof="0" dirty="0">
                 <a:solidFill>
                   <a:schemeClr val="bg2"/>
                 </a:solidFill>
@@ -4298,7 +4227,7 @@
               <a:t>©</a:t>
             </a:r>
             <a:r>
-              <a:rPr kumimoji="0" lang="en-US" sz="900" b="0" i="0" u="none" strike="noStrike" kern="1200" cap="none" spc="0" normalizeH="0" baseline="0" noProof="0" dirty="0" smtClean="0">
+              <a:rPr kumimoji="0" lang="en-US" sz="900" b="0" i="0" u="none" strike="noStrike" kern="1200" cap="none" spc="0" normalizeH="0" baseline="0" noProof="0" dirty="0">
                 <a:ln>
                   <a:noFill/>
                 </a:ln>
@@ -4315,7 +4244,7 @@
               <a:t> i</a:t>
             </a:r>
             <a:r>
-              <a:rPr lang="en-US" sz="900" kern="1200" noProof="0" dirty="0" smtClean="0">
+              <a:rPr lang="en-US" sz="900" kern="1200" noProof="0" dirty="0">
                 <a:solidFill>
                   <a:schemeClr val="bg2"/>
                 </a:solidFill>
@@ -4326,7 +4255,7 @@
               <a:t>ka</a:t>
             </a:r>
             <a:r>
-              <a:rPr kumimoji="0" lang="en-US" sz="900" b="0" i="0" u="none" strike="noStrike" kern="1200" cap="none" spc="0" normalizeH="0" baseline="0" noProof="0" dirty="0" smtClean="0">
+              <a:rPr kumimoji="0" lang="en-US" sz="900" b="0" i="0" u="none" strike="noStrike" kern="1200" cap="none" spc="0" normalizeH="0" baseline="0" noProof="0" dirty="0">
                 <a:ln>
                   <a:noFill/>
                 </a:ln>
@@ -4343,7 +4272,7 @@
               <a:t> </a:t>
             </a:r>
             <a:r>
-              <a:rPr lang="en-US" sz="900" kern="1200" noProof="0" dirty="0" smtClean="0">
+              <a:rPr lang="en-US" sz="900" kern="1200" noProof="0" dirty="0">
                 <a:solidFill>
                   <a:schemeClr val="bg2"/>
                 </a:solidFill>
@@ -4354,7 +4283,7 @@
               <a:t>2020</a:t>
             </a:r>
             <a:r>
-              <a:rPr kumimoji="0" lang="en-US" sz="900" b="0" i="0" u="none" strike="noStrike" kern="1200" cap="none" spc="0" normalizeH="0" baseline="0" noProof="0" dirty="0" smtClean="0">
+              <a:rPr kumimoji="0" lang="en-US" sz="900" b="0" i="0" u="none" strike="noStrike" kern="1200" cap="none" spc="0" normalizeH="0" baseline="0" noProof="0" dirty="0">
                 <a:ln>
                   <a:noFill/>
                 </a:ln>
@@ -4371,7 +4300,7 @@
               <a:t> </a:t>
             </a:r>
             <a:r>
-              <a:rPr lang="en-US" sz="900" kern="1200" noProof="0" dirty="0" smtClean="0">
+              <a:rPr lang="en-US" sz="900" kern="1200" noProof="0" dirty="0">
                 <a:solidFill>
                   <a:schemeClr val="bg2"/>
                 </a:solidFill>
@@ -4382,7 +4311,7 @@
               <a:t>·</a:t>
             </a:r>
             <a:r>
-              <a:rPr kumimoji="0" lang="en-US" sz="900" b="0" i="0" u="none" strike="noStrike" kern="1200" cap="none" spc="0" normalizeH="0" baseline="0" noProof="0" dirty="0" smtClean="0">
+              <a:rPr kumimoji="0" lang="en-US" sz="900" b="0" i="0" u="none" strike="noStrike" kern="1200" cap="none" spc="0" normalizeH="0" baseline="0" noProof="0" dirty="0">
                 <a:ln>
                   <a:noFill/>
                 </a:ln>
@@ -4399,7 +4328,7 @@
               <a:t> </a:t>
             </a:r>
             <a:r>
-              <a:rPr lang="en-US" sz="900" kern="1200" noProof="0" dirty="0" smtClean="0">
+              <a:rPr lang="en-US" sz="900" kern="1200" noProof="0" dirty="0">
                 <a:solidFill>
                   <a:schemeClr val="bg2"/>
                 </a:solidFill>
@@ -4410,7 +4339,7 @@
               <a:t>All</a:t>
             </a:r>
             <a:r>
-              <a:rPr kumimoji="0" lang="en-US" sz="900" b="0" i="0" u="none" strike="noStrike" kern="1200" cap="none" spc="0" normalizeH="0" baseline="0" noProof="0" dirty="0" smtClean="0">
+              <a:rPr kumimoji="0" lang="en-US" sz="900" b="0" i="0" u="none" strike="noStrike" kern="1200" cap="none" spc="0" normalizeH="0" baseline="0" noProof="0" dirty="0">
                 <a:ln>
                   <a:noFill/>
                 </a:ln>
@@ -4427,7 +4356,7 @@
               <a:t> </a:t>
             </a:r>
             <a:r>
-              <a:rPr lang="en-US" sz="900" kern="1200" noProof="0" dirty="0" smtClean="0">
+              <a:rPr lang="en-US" sz="900" kern="1200" noProof="0" dirty="0">
                 <a:solidFill>
                   <a:schemeClr val="bg2"/>
                 </a:solidFill>
@@ -4438,7 +4367,7 @@
               <a:t>rights</a:t>
             </a:r>
             <a:r>
-              <a:rPr kumimoji="0" lang="en-US" sz="900" b="0" i="0" u="none" strike="noStrike" kern="1200" cap="none" spc="0" normalizeH="0" baseline="0" noProof="0" dirty="0" smtClean="0">
+              <a:rPr kumimoji="0" lang="en-US" sz="900" b="0" i="0" u="none" strike="noStrike" kern="1200" cap="none" spc="0" normalizeH="0" baseline="0" noProof="0" dirty="0">
                 <a:ln>
                   <a:noFill/>
                 </a:ln>
@@ -4455,7 +4384,7 @@
               <a:t> </a:t>
             </a:r>
             <a:r>
-              <a:rPr lang="en-US" sz="900" kern="1200" noProof="0" dirty="0" smtClean="0">
+              <a:rPr lang="en-US" sz="900" kern="1200" noProof="0" dirty="0">
                 <a:solidFill>
                   <a:schemeClr val="bg2"/>
                 </a:solidFill>
@@ -4508,7 +4437,7 @@
               <a:defRPr/>
             </a:pPr>
             <a:r>
-              <a:rPr lang="de-DE" sz="900" dirty="0" smtClean="0">
+              <a:rPr lang="de-DE" sz="900" dirty="0">
                 <a:solidFill>
                   <a:schemeClr val="bg2"/>
                 </a:solidFill>
@@ -4517,7 +4446,7 @@
               </a:rPr>
               <a:t>2020/01/01</a:t>
             </a:r>
-            <a:endParaRPr lang="en-US" sz="900" dirty="0" smtClean="0">
+            <a:endParaRPr lang="en-US" sz="900" dirty="0">
               <a:solidFill>
                 <a:schemeClr val="bg2"/>
               </a:solidFill>
@@ -4567,7 +4496,7 @@
               <a:defRPr/>
             </a:pPr>
             <a:r>
-              <a:rPr lang="en-US" sz="900" dirty="0" smtClean="0">
+              <a:rPr lang="en-US" sz="900" dirty="0">
                 <a:solidFill>
                   <a:schemeClr val="bg2"/>
                 </a:solidFill>
@@ -4603,7 +4532,7 @@
               </a:pPr>
               <a:t>‹Nr.›</a:t>
             </a:fld>
-            <a:endParaRPr lang="en-US" sz="900" dirty="0" smtClean="0">
+            <a:endParaRPr lang="en-US" sz="900" dirty="0">
               <a:solidFill>
                 <a:schemeClr val="bg2"/>
               </a:solidFill>
@@ -4653,7 +4582,7 @@
               <a:defRPr/>
             </a:pPr>
             <a:r>
-              <a:rPr lang="en-US" sz="900" dirty="0" smtClean="0">
+              <a:rPr lang="en-US" sz="900" dirty="0">
                 <a:solidFill>
                   <a:schemeClr val="bg2"/>
                 </a:solidFill>
@@ -4705,13 +4634,6 @@
     <p:sldLayoutId id="2147483665" r:id="rId4"/>
     <p:sldLayoutId id="2147483666" r:id="rId5"/>
   </p:sldLayoutIdLst>
-  <p:timing>
-    <p:tnLst>
-      <p:par>
-        <p:cTn id="1" dur="indefinite" restart="never" nodeType="tmRoot"/>
-      </p:par>
-    </p:tnLst>
-  </p:timing>
   <p:hf sldNum="0" hdr="0" ftr="0"/>
   <p:txStyles>
     <p:titleStyle>
@@ -5164,13 +5086,6 @@
   <p:clrMapOvr>
     <a:masterClrMapping/>
   </p:clrMapOvr>
-  <p:timing>
-    <p:tnLst>
-      <p:par>
-        <p:cTn id="1" dur="indefinite" restart="never" nodeType="tmRoot"/>
-      </p:par>
-    </p:tnLst>
-  </p:timing>
 </p:sld>
 </file>
 
@@ -5368,21 +5283,13 @@
           <a:p>
             <a:r>
               <a:rPr lang="de-DE" dirty="0"/>
-              <a:t>Softwarestruktur und </a:t>
-            </a:r>
-            <a:r>
-              <a:rPr lang="de-DE" dirty="0" smtClean="0"/>
-              <a:t>Plattform</a:t>
-            </a:r>
-          </a:p>
-          <a:p>
-            <a:r>
-              <a:rPr lang="de-DE" dirty="0" smtClean="0"/>
-              <a:t>Geplante </a:t>
-            </a:r>
+              <a:t>Softwarestruktur und Plattform</a:t>
+            </a:r>
+          </a:p>
+          <a:p>
             <a:r>
               <a:rPr lang="de-DE" dirty="0"/>
-              <a:t>Ziele</a:t>
+              <a:t>Geplante Ziele</a:t>
             </a:r>
           </a:p>
           <a:p>
@@ -5536,10 +5443,9 @@
           <a:lstStyle/>
           <a:p>
             <a:r>
-              <a:rPr lang="de-DE" dirty="0" smtClean="0"/>
+              <a:rPr lang="de-DE" dirty="0"/>
               <a:t>Softwarestruktur und Plattform</a:t>
             </a:r>
-            <a:endParaRPr lang="de-DE" dirty="0"/>
           </a:p>
         </p:txBody>
       </p:sp>
@@ -5659,7 +5565,7 @@
             <a:lstStyle/>
             <a:p>
               <a:pPr algn="ctr"/>
-              <a:endParaRPr lang="de-DE" dirty="0" err="1" smtClean="0">
+              <a:endParaRPr lang="de-DE" dirty="0" err="1">
                 <a:solidFill>
                   <a:schemeClr val="tx1"/>
                 </a:solidFill>
@@ -5801,7 +5707,7 @@
             <a:lstStyle/>
             <a:p>
               <a:pPr algn="ctr"/>
-              <a:endParaRPr lang="de-DE" dirty="0" err="1" smtClean="0">
+              <a:endParaRPr lang="de-DE" dirty="0" err="1">
                 <a:solidFill>
                   <a:schemeClr val="tx1"/>
                 </a:solidFill>
@@ -5863,23 +5769,23 @@
               <a:p>
                 <a:pPr algn="ctr"/>
                 <a:r>
-                  <a:rPr lang="en-GB" sz="1000" b="1" dirty="0" err="1" smtClean="0"/>
+                  <a:rPr lang="en-GB" sz="1000" b="1" dirty="0" err="1"/>
                   <a:t>Benutzeroberoberfläche</a:t>
                 </a:r>
                 <a:r>
-                  <a:rPr lang="en-GB" sz="1000" b="1" dirty="0" smtClean="0"/>
+                  <a:rPr lang="en-GB" sz="1000" b="1" dirty="0"/>
                   <a:t> </a:t>
                 </a:r>
                 <a:r>
-                  <a:rPr lang="en-GB" sz="1000" b="1" dirty="0" err="1" smtClean="0"/>
+                  <a:rPr lang="en-GB" sz="1000" b="1" dirty="0" err="1"/>
                   <a:t>für</a:t>
                 </a:r>
                 <a:r>
-                  <a:rPr lang="en-GB" sz="1000" b="1" dirty="0" smtClean="0"/>
+                  <a:rPr lang="en-GB" sz="1000" b="1" dirty="0"/>
                   <a:t> </a:t>
                 </a:r>
                 <a:r>
-                  <a:rPr lang="en-GB" sz="1000" b="1" dirty="0" err="1" smtClean="0"/>
+                  <a:rPr lang="en-GB" sz="1000" b="1" dirty="0" err="1"/>
                   <a:t>Auftraggeber</a:t>
                 </a:r>
                 <a:endParaRPr lang="en-GB" sz="1000" b="1" dirty="0"/>
@@ -5894,47 +5800,47 @@
                   <a:buChar char="•"/>
                 </a:pPr>
                 <a:r>
-                  <a:rPr lang="en-GB" sz="1000" dirty="0" err="1" smtClean="0"/>
+                  <a:rPr lang="en-GB" sz="1000" dirty="0" err="1"/>
                   <a:t>Auftraggeber</a:t>
                 </a:r>
                 <a:r>
-                  <a:rPr lang="en-GB" sz="1000" dirty="0" smtClean="0"/>
+                  <a:rPr lang="en-GB" sz="1000" dirty="0"/>
                   <a:t> </a:t>
                 </a:r>
                 <a:r>
-                  <a:rPr lang="en-GB" sz="1000" dirty="0" err="1" smtClean="0"/>
+                  <a:rPr lang="en-GB" sz="1000" dirty="0" err="1"/>
                   <a:t>kann</a:t>
                 </a:r>
                 <a:r>
-                  <a:rPr lang="en-GB" sz="1000" dirty="0" smtClean="0"/>
+                  <a:rPr lang="en-GB" sz="1000" dirty="0"/>
                   <a:t> </a:t>
                 </a:r>
                 <a:r>
-                  <a:rPr lang="en-GB" sz="1000" dirty="0" err="1" smtClean="0"/>
+                  <a:rPr lang="en-GB" sz="1000" dirty="0" err="1"/>
                   <a:t>Applikation</a:t>
                 </a:r>
                 <a:r>
-                  <a:rPr lang="en-GB" sz="1000" dirty="0" smtClean="0"/>
+                  <a:rPr lang="en-GB" sz="1000" dirty="0"/>
                   <a:t> </a:t>
                 </a:r>
                 <a:r>
-                  <a:rPr lang="en-GB" sz="1000" dirty="0" err="1" smtClean="0"/>
+                  <a:rPr lang="en-GB" sz="1000" dirty="0" err="1"/>
                   <a:t>zur</a:t>
                 </a:r>
                 <a:r>
-                  <a:rPr lang="en-GB" sz="1000" dirty="0" smtClean="0"/>
+                  <a:rPr lang="en-GB" sz="1000" dirty="0"/>
                   <a:t> </a:t>
                 </a:r>
                 <a:r>
-                  <a:rPr lang="en-GB" sz="1000" dirty="0" err="1" smtClean="0"/>
+                  <a:rPr lang="en-GB" sz="1000" dirty="0" err="1"/>
                   <a:t>Verfügung</a:t>
                 </a:r>
                 <a:r>
-                  <a:rPr lang="en-GB" sz="1000" dirty="0" smtClean="0"/>
+                  <a:rPr lang="en-GB" sz="1000" dirty="0"/>
                   <a:t> </a:t>
                 </a:r>
                 <a:r>
-                  <a:rPr lang="en-GB" sz="1000" dirty="0" err="1" smtClean="0"/>
+                  <a:rPr lang="en-GB" sz="1000" dirty="0" err="1"/>
                   <a:t>stellen</a:t>
                 </a:r>
                 <a:endParaRPr lang="de-DE" sz="1000" dirty="0"/>
@@ -5945,7 +5851,7 @@
                   <a:buChar char="•"/>
                 </a:pPr>
                 <a:r>
-                  <a:rPr lang="de-DE" sz="1000" dirty="0" smtClean="0"/>
+                  <a:rPr lang="de-DE" sz="1000" dirty="0"/>
                   <a:t>Rahmenbedingungen definieren</a:t>
                 </a:r>
               </a:p>
@@ -5955,17 +5861,16 @@
                   <a:buChar char="•"/>
                 </a:pPr>
                 <a:r>
-                  <a:rPr lang="de-DE" sz="1000" dirty="0" smtClean="0"/>
+                  <a:rPr lang="de-DE" sz="1000" dirty="0"/>
                   <a:t>Eingangsdaten für die Applikation bereitstellen, Ausgangsdaten empfangen</a:t>
                 </a:r>
-                <a:endParaRPr lang="de-DE" sz="1000" dirty="0"/>
               </a:p>
               <a:p>
                 <a:pPr marL="285750" indent="-285750">
                   <a:buFont typeface="Arial" panose="020B0604020202020204" pitchFamily="34" charset="0"/>
                   <a:buChar char="•"/>
                 </a:pPr>
-                <a:endParaRPr lang="en-GB" sz="1000" dirty="0" smtClean="0"/>
+                <a:endParaRPr lang="en-GB" sz="1000" dirty="0"/>
               </a:p>
             </p:txBody>
           </p:sp>
@@ -6009,8 +5914,8 @@
               <a:p>
                 <a:pPr algn="ctr"/>
                 <a:r>
-                  <a:rPr lang="en-GB" sz="1000" b="1" dirty="0" err="1" smtClean="0"/>
-                  <a:t>Verwaltungs-Applikation</a:t>
+                  <a:rPr lang="en-GB" sz="1000" b="1" dirty="0" err="1"/>
+                  <a:t>Verwaltungsapplikation</a:t>
                 </a:r>
                 <a:endParaRPr lang="en-GB" sz="1000" b="1" dirty="0"/>
               </a:p>
@@ -6027,47 +5932,47 @@
                   <a:buChar char="•"/>
                 </a:pPr>
                 <a:r>
-                  <a:rPr lang="en-GB" sz="1000" dirty="0" err="1" smtClean="0"/>
+                  <a:rPr lang="en-GB" sz="1000" dirty="0" err="1"/>
                   <a:t>Verteilt</a:t>
                 </a:r>
                 <a:r>
-                  <a:rPr lang="en-GB" sz="1000" dirty="0" smtClean="0"/>
+                  <a:rPr lang="en-GB" sz="1000" dirty="0"/>
                   <a:t> </a:t>
                 </a:r>
                 <a:r>
-                  <a:rPr lang="en-GB" sz="1000" dirty="0" err="1" smtClean="0"/>
+                  <a:rPr lang="en-GB" sz="1000" dirty="0" err="1"/>
                   <a:t>Applikation</a:t>
                 </a:r>
                 <a:r>
-                  <a:rPr lang="en-GB" sz="1000" dirty="0" smtClean="0"/>
+                  <a:rPr lang="en-GB" sz="1000" dirty="0"/>
                   <a:t> </a:t>
                 </a:r>
                 <a:r>
-                  <a:rPr lang="en-GB" sz="1000" dirty="0" err="1" smtClean="0"/>
+                  <a:rPr lang="en-GB" sz="1000" dirty="0" err="1"/>
                   <a:t>vom</a:t>
                 </a:r>
                 <a:r>
-                  <a:rPr lang="en-GB" sz="1000" dirty="0" smtClean="0"/>
+                  <a:rPr lang="en-GB" sz="1000" dirty="0"/>
                   <a:t> </a:t>
                 </a:r>
                 <a:r>
-                  <a:rPr lang="en-GB" sz="1000" dirty="0" err="1" smtClean="0"/>
+                  <a:rPr lang="en-GB" sz="1000" dirty="0" err="1"/>
                   <a:t>Auftraggeber</a:t>
                 </a:r>
                 <a:r>
-                  <a:rPr lang="en-GB" sz="1000" dirty="0" smtClean="0"/>
+                  <a:rPr lang="en-GB" sz="1000" dirty="0"/>
                   <a:t> auf </a:t>
                 </a:r>
                 <a:r>
-                  <a:rPr lang="en-GB" sz="1000" dirty="0" err="1" smtClean="0"/>
+                  <a:rPr lang="en-GB" sz="1000" dirty="0" err="1"/>
                   <a:t>komplatible</a:t>
                 </a:r>
                 <a:r>
-                  <a:rPr lang="en-GB" sz="1000" dirty="0" smtClean="0"/>
+                  <a:rPr lang="en-GB" sz="1000" dirty="0"/>
                   <a:t> </a:t>
                 </a:r>
                 <a:r>
-                  <a:rPr lang="en-GB" sz="1000" dirty="0" err="1" smtClean="0"/>
+                  <a:rPr lang="en-GB" sz="1000" dirty="0" err="1"/>
                   <a:t>Steuergeräte</a:t>
                 </a:r>
                 <a:endParaRPr lang="en-GB" sz="1000" dirty="0"/>
@@ -6078,29 +5983,29 @@
                   <a:buChar char="•"/>
                 </a:pPr>
                 <a:r>
-                  <a:rPr lang="en-GB" sz="1000" dirty="0" err="1" smtClean="0"/>
+                  <a:rPr lang="en-GB" sz="1000" dirty="0" err="1"/>
                   <a:t>Lädt</a:t>
                 </a:r>
                 <a:r>
-                  <a:rPr lang="en-GB" sz="1000" dirty="0" smtClean="0"/>
+                  <a:rPr lang="en-GB" sz="1000" dirty="0"/>
                   <a:t> </a:t>
                 </a:r>
                 <a:r>
-                  <a:rPr lang="en-GB" sz="1000" dirty="0" err="1" smtClean="0"/>
+                  <a:rPr lang="en-GB" sz="1000" dirty="0" err="1"/>
                   <a:t>Applikation</a:t>
                 </a:r>
                 <a:r>
-                  <a:rPr lang="en-GB" sz="1000" dirty="0" smtClean="0"/>
+                  <a:rPr lang="en-GB" sz="1000" dirty="0"/>
                   <a:t> auf </a:t>
                 </a:r>
                 <a:r>
-                  <a:rPr lang="en-GB" sz="1000" dirty="0" err="1" smtClean="0"/>
+                  <a:rPr lang="en-GB" sz="1000" dirty="0" err="1"/>
                   <a:t>Fahrzeugsteuergeräte</a:t>
                 </a:r>
-                <a:endParaRPr lang="en-GB" sz="1000" dirty="0" smtClean="0"/>
+                <a:endParaRPr lang="en-GB" sz="1000" dirty="0"/>
               </a:p>
               <a:p>
-                <a:endParaRPr lang="en-GB" sz="1000" dirty="0" smtClean="0"/>
+                <a:endParaRPr lang="en-GB" sz="1000" dirty="0"/>
               </a:p>
               <a:p>
                 <a:pPr marL="285750" indent="-285750">
@@ -6108,39 +6013,39 @@
                   <a:buChar char="•"/>
                 </a:pPr>
                 <a:r>
-                  <a:rPr lang="en-GB" sz="1000" dirty="0" err="1" smtClean="0"/>
+                  <a:rPr lang="en-GB" sz="1000" dirty="0" err="1"/>
                   <a:t>Bietet</a:t>
                 </a:r>
                 <a:r>
-                  <a:rPr lang="en-GB" sz="1000" dirty="0" smtClean="0"/>
+                  <a:rPr lang="en-GB" sz="1000" dirty="0"/>
                   <a:t> </a:t>
                 </a:r>
                 <a:r>
-                  <a:rPr lang="en-GB" sz="1000" dirty="0" err="1" smtClean="0"/>
+                  <a:rPr lang="en-GB" sz="1000" dirty="0" err="1"/>
                   <a:t>möglichkeit</a:t>
                 </a:r>
                 <a:r>
-                  <a:rPr lang="en-GB" sz="1000" dirty="0" smtClean="0"/>
+                  <a:rPr lang="en-GB" sz="1000" dirty="0"/>
                   <a:t> </a:t>
                 </a:r>
                 <a:r>
-                  <a:rPr lang="en-GB" sz="1000" dirty="0" err="1" smtClean="0"/>
+                  <a:rPr lang="en-GB" sz="1000" dirty="0" err="1"/>
                   <a:t>für</a:t>
                 </a:r>
                 <a:r>
-                  <a:rPr lang="en-GB" sz="1000" dirty="0" smtClean="0"/>
+                  <a:rPr lang="en-GB" sz="1000" dirty="0"/>
                   <a:t> </a:t>
                 </a:r>
                 <a:r>
-                  <a:rPr lang="en-GB" sz="1000" dirty="0" err="1" smtClean="0"/>
+                  <a:rPr lang="en-GB" sz="1000" dirty="0" err="1"/>
                   <a:t>parallele</a:t>
                 </a:r>
                 <a:r>
-                  <a:rPr lang="en-GB" sz="1000" dirty="0" smtClean="0"/>
+                  <a:rPr lang="en-GB" sz="1000" dirty="0"/>
                   <a:t> </a:t>
                 </a:r>
                 <a:r>
-                  <a:rPr lang="en-GB" sz="1000" dirty="0" err="1" smtClean="0"/>
+                  <a:rPr lang="en-GB" sz="1000" dirty="0" err="1"/>
                   <a:t>Berechnungen</a:t>
                 </a:r>
                 <a:endParaRPr lang="en-GB" sz="1000" dirty="0"/>
@@ -6158,38 +6063,37 @@
                   <a:buChar char="•"/>
                 </a:pPr>
                 <a:r>
-                  <a:rPr lang="en-GB" sz="1000" dirty="0" err="1" smtClean="0"/>
+                  <a:rPr lang="en-GB" sz="1000" dirty="0" err="1"/>
                   <a:t>Ermittelt</a:t>
                 </a:r>
                 <a:r>
-                  <a:rPr lang="en-GB" sz="1000" dirty="0" smtClean="0"/>
+                  <a:rPr lang="en-GB" sz="1000" dirty="0"/>
                   <a:t> </a:t>
                 </a:r>
                 <a:r>
-                  <a:rPr lang="en-GB" sz="1000" dirty="0" err="1" smtClean="0"/>
+                  <a:rPr lang="en-GB" sz="1000" dirty="0" err="1"/>
                   <a:t>Verfügbare</a:t>
                 </a:r>
                 <a:r>
-                  <a:rPr lang="en-GB" sz="1000" dirty="0" smtClean="0"/>
+                  <a:rPr lang="en-GB" sz="1000" dirty="0"/>
                   <a:t> </a:t>
                 </a:r>
                 <a:r>
-                  <a:rPr lang="en-GB" sz="1000" dirty="0" err="1" smtClean="0"/>
+                  <a:rPr lang="en-GB" sz="1000" dirty="0" err="1"/>
                   <a:t>Rechenleistung</a:t>
                 </a:r>
                 <a:r>
-                  <a:rPr lang="en-GB" sz="1000" dirty="0" smtClean="0"/>
+                  <a:rPr lang="en-GB" sz="1000" dirty="0"/>
                   <a:t> von </a:t>
                 </a:r>
                 <a:r>
-                  <a:rPr lang="en-GB" sz="1000" dirty="0" err="1" smtClean="0"/>
+                  <a:rPr lang="en-GB" sz="1000" dirty="0" err="1"/>
                   <a:t>Fahrzeugen</a:t>
                 </a:r>
                 <a:r>
-                  <a:rPr lang="en-GB" sz="1000" dirty="0" smtClean="0"/>
+                  <a:rPr lang="en-GB" sz="1000" dirty="0"/>
                   <a:t> </a:t>
                 </a:r>
-                <a:endParaRPr lang="en-GB" sz="1000" dirty="0"/>
               </a:p>
               <a:p>
                 <a:pPr marL="285750" indent="-285750">
@@ -6204,31 +6108,31 @@
                   <a:buChar char="•"/>
                 </a:pPr>
                 <a:r>
-                  <a:rPr lang="en-GB" sz="1000" dirty="0" err="1" smtClean="0"/>
+                  <a:rPr lang="en-GB" sz="1000" dirty="0" err="1"/>
                   <a:t>Überwacht</a:t>
                 </a:r>
                 <a:r>
-                  <a:rPr lang="en-GB" sz="1000" dirty="0" smtClean="0"/>
+                  <a:rPr lang="en-GB" sz="1000" dirty="0"/>
                   <a:t> </a:t>
                 </a:r>
                 <a:r>
-                  <a:rPr lang="en-GB" sz="1000" dirty="0" err="1" smtClean="0"/>
+                  <a:rPr lang="en-GB" sz="1000" dirty="0" err="1"/>
                   <a:t>gelieferte</a:t>
                 </a:r>
                 <a:r>
-                  <a:rPr lang="en-GB" sz="1000" dirty="0" smtClean="0"/>
+                  <a:rPr lang="en-GB" sz="1000" dirty="0"/>
                   <a:t> </a:t>
                 </a:r>
                 <a:r>
-                  <a:rPr lang="en-GB" sz="1000" dirty="0" err="1" smtClean="0"/>
+                  <a:rPr lang="en-GB" sz="1000" dirty="0" err="1"/>
                   <a:t>Rechenleistung</a:t>
                 </a:r>
                 <a:r>
-                  <a:rPr lang="en-GB" sz="1000" dirty="0" smtClean="0"/>
+                  <a:rPr lang="en-GB" sz="1000" dirty="0"/>
                   <a:t> von </a:t>
                 </a:r>
                 <a:r>
-                  <a:rPr lang="en-GB" sz="1000" dirty="0" err="1" smtClean="0"/>
+                  <a:rPr lang="en-GB" sz="1000" dirty="0" err="1"/>
                   <a:t>Fahrzeugen</a:t>
                 </a:r>
                 <a:endParaRPr lang="en-DE" sz="1000" dirty="0"/>
@@ -6275,7 +6179,7 @@
               <a:p>
                 <a:pPr algn="ctr"/>
                 <a:r>
-                  <a:rPr lang="en-GB" sz="1000" b="1" dirty="0" err="1" smtClean="0"/>
+                  <a:rPr lang="en-GB" sz="1000" b="1" dirty="0" err="1"/>
                   <a:t>Kommunikationsschnittstelle</a:t>
                 </a:r>
                 <a:endParaRPr lang="en-GB" sz="1000" b="1" dirty="0"/>
@@ -6290,31 +6194,31 @@
                   <a:buChar char="•"/>
                 </a:pPr>
                 <a:r>
-                  <a:rPr lang="en-GB" sz="1000" dirty="0" err="1" smtClean="0"/>
+                  <a:rPr lang="en-GB" sz="1000" dirty="0" err="1"/>
                   <a:t>Implementiert</a:t>
                 </a:r>
                 <a:r>
-                  <a:rPr lang="en-GB" sz="1000" dirty="0" smtClean="0"/>
+                  <a:rPr lang="en-GB" sz="1000" dirty="0"/>
                   <a:t> </a:t>
                 </a:r>
                 <a:r>
-                  <a:rPr lang="en-GB" sz="1000" dirty="0" err="1" smtClean="0"/>
+                  <a:rPr lang="en-GB" sz="1000" dirty="0" err="1"/>
                   <a:t>Kommunikation</a:t>
                 </a:r>
                 <a:r>
-                  <a:rPr lang="en-GB" sz="1000" dirty="0" smtClean="0"/>
+                  <a:rPr lang="en-GB" sz="1000" dirty="0"/>
                   <a:t> </a:t>
                 </a:r>
                 <a:r>
-                  <a:rPr lang="en-GB" sz="1000" dirty="0" err="1" smtClean="0"/>
+                  <a:rPr lang="en-GB" sz="1000" dirty="0" err="1"/>
                   <a:t>mit</a:t>
                 </a:r>
                 <a:r>
-                  <a:rPr lang="en-GB" sz="1000" dirty="0" smtClean="0"/>
+                  <a:rPr lang="en-GB" sz="1000" dirty="0"/>
                   <a:t> der </a:t>
                 </a:r>
                 <a:r>
-                  <a:rPr lang="en-GB" sz="1000" dirty="0" err="1" smtClean="0"/>
+                  <a:rPr lang="en-GB" sz="1000" dirty="0" err="1"/>
                   <a:t>Fahrzeugflotte</a:t>
                 </a:r>
                 <a:endParaRPr lang="en-GB" sz="1000" dirty="0"/>
@@ -6577,10 +6481,9 @@
             <a:lstStyle/>
             <a:p>
               <a:r>
-                <a:rPr lang="de-DE" sz="1200" b="1" dirty="0" smtClean="0"/>
+                <a:rPr lang="de-DE" sz="1200" b="1" dirty="0"/>
                 <a:t>Verwaltungsserver</a:t>
               </a:r>
-              <a:endParaRPr lang="de-DE" sz="1200" b="1" dirty="0"/>
             </a:p>
           </p:txBody>
         </p:sp>
@@ -6646,7 +6549,7 @@
             <a:lstStyle/>
             <a:p>
               <a:pPr algn="ctr"/>
-              <a:endParaRPr lang="de-DE" dirty="0" err="1" smtClean="0">
+              <a:endParaRPr lang="de-DE" dirty="0" err="1">
                 <a:solidFill>
                   <a:schemeClr val="tx1"/>
                 </a:solidFill>
@@ -7406,10 +7309,9 @@
             <a:lstStyle/>
             <a:p>
               <a:r>
-                <a:rPr lang="de-DE" sz="1200" b="1" dirty="0" smtClean="0"/>
+                <a:rPr lang="de-DE" sz="1200" b="1" dirty="0"/>
                 <a:t>Fahrzeugsteuergerät</a:t>
               </a:r>
-              <a:endParaRPr lang="de-DE" sz="1200" b="1" dirty="0"/>
             </a:p>
           </p:txBody>
         </p:sp>
@@ -7628,11 +7530,11 @@
           <a:lstStyle/>
           <a:p>
             <a:r>
-              <a:rPr lang="de-DE" sz="1600" b="1" dirty="0" smtClean="0"/>
+              <a:rPr lang="de-DE" sz="1600" b="1" dirty="0"/>
               <a:t>Sicherheit</a:t>
             </a:r>
             <a:r>
-              <a:rPr lang="de-DE" sz="1600" dirty="0" smtClean="0"/>
+              <a:rPr lang="de-DE" sz="1600" dirty="0"/>
               <a:t>:</a:t>
             </a:r>
           </a:p>
@@ -7642,10 +7544,9 @@
               <a:buChar char="§"/>
             </a:pPr>
             <a:r>
-              <a:rPr lang="de-DE" sz="1600" dirty="0" smtClean="0"/>
+              <a:rPr lang="de-DE" sz="1600" dirty="0"/>
               <a:t>Bei geeigneter Absicherung kann jeder öffentlich zugreifen</a:t>
             </a:r>
-            <a:endParaRPr lang="de-DE" sz="1600" dirty="0"/>
           </a:p>
           <a:p>
             <a:pPr marL="285750" indent="-285750">
@@ -7653,30 +7554,9 @@
               <a:buChar char="§"/>
             </a:pPr>
             <a:r>
-              <a:rPr lang="de-DE" sz="1600" dirty="0" smtClean="0"/>
-              <a:t>Einschränkungen für Applikationen ggf. nötig, </a:t>
-            </a:r>
-            <a:r>
-              <a:rPr lang="de-DE" sz="1600" dirty="0" err="1" smtClean="0"/>
-              <a:t>code</a:t>
-            </a:r>
-            <a:r>
-              <a:rPr lang="de-DE" sz="1600" dirty="0" smtClean="0"/>
-              <a:t> </a:t>
-            </a:r>
-            <a:r>
-              <a:rPr lang="de-DE" sz="1600" dirty="0" err="1" smtClean="0"/>
-              <a:t>review</a:t>
-            </a:r>
-            <a:r>
-              <a:rPr lang="de-DE" sz="1600" dirty="0" smtClean="0"/>
-              <a:t>, </a:t>
-            </a:r>
-            <a:r>
-              <a:rPr lang="de-DE" sz="1600" dirty="0" err="1" smtClean="0"/>
-              <a:t>Identätsnachweis</a:t>
-            </a:r>
-            <a:endParaRPr lang="de-DE" sz="1600" dirty="0"/>
+              <a:rPr lang="de-DE" sz="1600" dirty="0"/>
+              <a:t>Einschränkungen für Applikationen ggf. nötig, code review, Identitätsnachweis</a:t>
+            </a:r>
           </a:p>
           <a:p>
             <a:pPr marL="285750" indent="-285750">
@@ -7684,7 +7564,7 @@
               <a:buChar char="§"/>
             </a:pPr>
             <a:r>
-              <a:rPr lang="de-DE" sz="1600" dirty="0" smtClean="0"/>
+              <a:rPr lang="de-DE" sz="1600" dirty="0"/>
               <a:t>Zugriff des Applikationscodes im Fahrzeug einschränken (Virtualisierung, Speicherzugriff einschränken)</a:t>
             </a:r>
           </a:p>
@@ -7694,7 +7574,7 @@
               <a:buChar char="§"/>
             </a:pPr>
             <a:r>
-              <a:rPr lang="de-DE" sz="1600" dirty="0" smtClean="0"/>
+              <a:rPr lang="de-DE" sz="1600" dirty="0"/>
               <a:t>Unautorisierte Zugänge sperren</a:t>
             </a:r>
           </a:p>
@@ -7707,7 +7587,7 @@
           </a:p>
           <a:p>
             <a:r>
-              <a:rPr lang="de-DE" sz="1600" b="1" dirty="0" smtClean="0"/>
+              <a:rPr lang="de-DE" sz="1600" b="1" dirty="0"/>
               <a:t>Umsetzung Plattform:</a:t>
             </a:r>
           </a:p>
@@ -7717,7 +7597,7 @@
               <a:buChar char="§"/>
             </a:pPr>
             <a:r>
-              <a:rPr lang="de-DE" sz="1600" dirty="0" smtClean="0"/>
+              <a:rPr lang="de-DE" sz="1600" dirty="0"/>
               <a:t>Börsenähnliche Umsetzung möglich:</a:t>
             </a:r>
           </a:p>
@@ -7727,16 +7607,8 @@
               <a:buChar char="§"/>
             </a:pPr>
             <a:r>
-              <a:rPr lang="de-DE" sz="1600" dirty="0" smtClean="0"/>
-              <a:t>Auftraggeber erstellt </a:t>
-            </a:r>
-            <a:r>
               <a:rPr lang="de-DE" sz="1600" dirty="0"/>
-              <a:t>A</a:t>
-            </a:r>
-            <a:r>
-              <a:rPr lang="de-DE" sz="1600" dirty="0" smtClean="0"/>
-              <a:t>ngebot mit benötigter Rechenleistung und Vergütung</a:t>
+              <a:t>Auftraggeber erstellt Angebot mit benötigter Rechenleistung und Vergütung</a:t>
             </a:r>
           </a:p>
           <a:p>
@@ -7745,7 +7617,7 @@
               <a:buChar char="§"/>
             </a:pPr>
             <a:r>
-              <a:rPr lang="de-DE" sz="1600" dirty="0" smtClean="0"/>
+              <a:rPr lang="de-DE" sz="1600" dirty="0"/>
               <a:t>Auftragnehmer (Fahrzeuge) nehmen das jeweils beste Angebot an (Fahrzeugrechenleistung/Kompatibilität beachten)</a:t>
             </a:r>
           </a:p>
@@ -7755,7 +7627,7 @@
               <a:buChar char="§"/>
             </a:pPr>
             <a:r>
-              <a:rPr lang="de-DE" sz="1600" dirty="0" smtClean="0"/>
+              <a:rPr lang="de-DE" sz="1600" dirty="0"/>
               <a:t>Bezahlung nach tatsächlich geleistete Rechenleistung, überwacht von der Verwaltung</a:t>
             </a:r>
           </a:p>
@@ -7765,21 +7637,16 @@
               <a:buChar char="§"/>
             </a:pPr>
             <a:r>
-              <a:rPr lang="de-DE" sz="1600" dirty="0" smtClean="0"/>
-              <a:t>Auszahlung zentral über Finanzdienstleister oder dezentral über </a:t>
-            </a:r>
-            <a:r>
-              <a:rPr lang="de-DE" sz="1600" dirty="0" err="1" smtClean="0"/>
-              <a:t>Kryptowährung</a:t>
-            </a:r>
-            <a:endParaRPr lang="de-DE" sz="1600" dirty="0" smtClean="0"/>
+              <a:rPr lang="de-DE" sz="1600" dirty="0"/>
+              <a:t>Auszahlung zentral über Finanzdienstleister oder dezentral über Kryptowährung</a:t>
+            </a:r>
           </a:p>
           <a:p>
             <a:pPr marL="742950" lvl="1" indent="-285750">
               <a:buFont typeface="Arial" panose="020B0604020202020204" pitchFamily="34" charset="0"/>
               <a:buChar char="•"/>
             </a:pPr>
-            <a:endParaRPr lang="de-DE" sz="1600" dirty="0" smtClean="0"/>
+            <a:endParaRPr lang="de-DE" sz="1600" dirty="0"/>
           </a:p>
           <a:p>
             <a:endParaRPr lang="de-DE" sz="1600" dirty="0"/>
@@ -7794,10 +7661,10 @@
         </p:nvGrpSpPr>
         <p:grpSpPr>
           <a:xfrm>
-            <a:off x="6963197" y="2204864"/>
-            <a:ext cx="4670774" cy="2592288"/>
-            <a:chOff x="7032104" y="1461984"/>
-            <a:chExt cx="4337988" cy="1976308"/>
+            <a:off x="7009632" y="2204864"/>
+            <a:ext cx="4624340" cy="2477173"/>
+            <a:chOff x="7075230" y="1461984"/>
+            <a:chExt cx="4294862" cy="1888547"/>
           </a:xfrm>
         </p:grpSpPr>
         <p:sp>
@@ -7814,8 +7681,8 @@
           </p:nvSpPr>
           <p:spPr>
             <a:xfrm>
-              <a:off x="7032104" y="3068960"/>
-              <a:ext cx="1210588" cy="369332"/>
+              <a:off x="7075230" y="3068960"/>
+              <a:ext cx="1124335" cy="281571"/>
             </a:xfrm>
             <a:prstGeom prst="rect">
               <a:avLst/>
@@ -7838,6 +7705,7 @@
             </a:bodyPr>
             <a:lstStyle/>
             <a:p>
+              <a:pPr algn="ctr"/>
               <a:r>
                 <a:rPr lang="en-GB" dirty="0" err="1"/>
                 <a:t>Sicherheit</a:t>
@@ -7855,9 +7723,9 @@
           <p:grpSpPr>
             <a:xfrm>
               <a:off x="7637398" y="1461984"/>
-              <a:ext cx="3732694" cy="1976308"/>
+              <a:ext cx="3732694" cy="1888547"/>
               <a:chOff x="7637398" y="1461984"/>
-              <a:chExt cx="3732694" cy="1976308"/>
+              <a:chExt cx="3732694" cy="1888547"/>
             </a:xfrm>
           </p:grpSpPr>
           <p:sp>
@@ -7875,7 +7743,7 @@
             <p:spPr>
               <a:xfrm>
                 <a:off x="10056440" y="3068960"/>
-                <a:ext cx="1313652" cy="369332"/>
+                <a:ext cx="1313652" cy="281571"/>
               </a:xfrm>
               <a:prstGeom prst="rect">
                 <a:avLst/>
@@ -7898,6 +7766,7 @@
               </a:bodyPr>
               <a:lstStyle/>
               <a:p>
+                <a:pPr algn="ctr"/>
                 <a:r>
                   <a:rPr lang="en-GB" dirty="0" err="1"/>
                   <a:t>Fleixbilität</a:t>
@@ -7920,8 +7789,8 @@
             </p:nvSpPr>
             <p:spPr>
               <a:xfrm>
-                <a:off x="7907141" y="1461984"/>
-                <a:ext cx="2467342" cy="369332"/>
+                <a:off x="7995038" y="1461984"/>
+                <a:ext cx="2291548" cy="281571"/>
               </a:xfrm>
               <a:prstGeom prst="rect">
                 <a:avLst/>
@@ -7944,6 +7813,7 @@
               </a:bodyPr>
               <a:lstStyle/>
               <a:p>
+                <a:pPr algn="ctr"/>
                 <a:r>
                   <a:rPr lang="en-GB" dirty="0" err="1"/>
                   <a:t>Benutzerfreundlichkeit</a:t>
@@ -7963,8 +7833,8 @@
             </p:nvCxnSpPr>
             <p:spPr>
               <a:xfrm>
-                <a:off x="8242692" y="3253626"/>
-                <a:ext cx="1813748" cy="0"/>
+                <a:off x="8199566" y="3209745"/>
+                <a:ext cx="1856875" cy="0"/>
               </a:xfrm>
               <a:prstGeom prst="straightConnector1">
                 <a:avLst/>
@@ -8328,12 +8198,8 @@
           </a:p>
           <a:p>
             <a:r>
-              <a:rPr lang="de-DE" dirty="0" smtClean="0"/>
-              <a:t>Geplante </a:t>
-            </a:r>
-            <a:r>
               <a:rPr lang="de-DE" dirty="0"/>
-              <a:t>Ziele</a:t>
+              <a:t>Geplante Ziele</a:t>
             </a:r>
           </a:p>
           <a:p>
@@ -8487,10 +8353,9 @@
           <a:lstStyle/>
           <a:p>
             <a:r>
-              <a:rPr lang="de-DE" dirty="0" smtClean="0"/>
+              <a:rPr lang="de-DE" dirty="0"/>
               <a:t>Geplante Ziele</a:t>
             </a:r>
-            <a:endParaRPr lang="de-DE" dirty="0"/>
           </a:p>
         </p:txBody>
       </p:sp>
@@ -8571,7 +8436,7 @@
               <a:buChar char="§"/>
             </a:pPr>
             <a:r>
-              <a:rPr lang="de-DE" dirty="0" smtClean="0"/>
+              <a:rPr lang="de-DE" dirty="0"/>
               <a:t>Netzwerk- und Softwarearchitektur erarbeiten</a:t>
             </a:r>
           </a:p>
@@ -8588,7 +8453,7 @@
               <a:buChar char="§"/>
             </a:pPr>
             <a:r>
-              <a:rPr lang="de-DE" dirty="0" smtClean="0"/>
+              <a:rPr lang="de-DE" dirty="0"/>
               <a:t>Umsetzung einer Applikation für die Verwaltung, lauffähig für PC</a:t>
             </a:r>
           </a:p>
@@ -8605,35 +8470,31 @@
               <a:buChar char="§"/>
             </a:pPr>
             <a:r>
-              <a:rPr lang="de-DE" dirty="0" smtClean="0"/>
+              <a:rPr lang="de-DE" dirty="0"/>
               <a:t>Umsetzung einer Applikation für Fahrzeug, lauffähig auf POSIX konformem System. (</a:t>
             </a:r>
             <a:r>
-              <a:rPr lang="de-DE" dirty="0" err="1" smtClean="0"/>
+              <a:rPr lang="de-DE" dirty="0" err="1"/>
               <a:t>Nvidia</a:t>
-            </a:r>
-            <a:r>
-              <a:rPr lang="de-DE" dirty="0" smtClean="0"/>
-              <a:t> </a:t>
-            </a:r>
-            <a:r>
-              <a:rPr lang="de-DE" dirty="0" err="1" smtClean="0"/>
-              <a:t>Jetson</a:t>
             </a:r>
             <a:r>
               <a:rPr lang="de-DE" dirty="0"/>
               <a:t> </a:t>
             </a:r>
             <a:r>
-              <a:rPr lang="de-DE" dirty="0" smtClean="0"/>
-              <a:t>oder </a:t>
-            </a:r>
-            <a:r>
-              <a:rPr lang="de-DE" dirty="0" err="1" smtClean="0"/>
+              <a:rPr lang="de-DE" dirty="0" err="1"/>
+              <a:t>Jetson</a:t>
+            </a:r>
+            <a:r>
+              <a:rPr lang="de-DE" dirty="0"/>
+              <a:t> oder </a:t>
+            </a:r>
+            <a:r>
+              <a:rPr lang="de-DE" dirty="0" err="1"/>
               <a:t>Raspberry</a:t>
             </a:r>
             <a:r>
-              <a:rPr lang="de-DE" dirty="0" smtClean="0"/>
+              <a:rPr lang="de-DE" dirty="0"/>
               <a:t> PI)</a:t>
             </a:r>
           </a:p>
@@ -8650,7 +8511,7 @@
               <a:buChar char="§"/>
             </a:pPr>
             <a:r>
-              <a:rPr lang="de-DE" dirty="0" smtClean="0"/>
+              <a:rPr lang="de-DE" dirty="0"/>
               <a:t>Erarbeitung von Sicherheitskonzepten</a:t>
             </a:r>
           </a:p>
@@ -8667,10 +8528,9 @@
               <a:buChar char="§"/>
             </a:pPr>
             <a:r>
-              <a:rPr lang="de-DE" dirty="0" smtClean="0"/>
+              <a:rPr lang="de-DE" dirty="0"/>
               <a:t>Erarbeitung von Plattformkonzepten</a:t>
             </a:r>
-            <a:endParaRPr lang="de-DE" dirty="0"/>
           </a:p>
         </p:txBody>
       </p:sp>
@@ -9960,7 +9820,7 @@
           <a:lstStyle/>
           <a:p>
             <a:pPr algn="ctr"/>
-            <a:endParaRPr lang="de-DE" dirty="0" err="1" smtClean="0">
+            <a:endParaRPr lang="de-DE" dirty="0" err="1">
               <a:solidFill>
                 <a:schemeClr val="tx1"/>
               </a:solidFill>
@@ -10180,12 +10040,8 @@
           </a:p>
           <a:p>
             <a:r>
-              <a:rPr lang="de-DE" dirty="0" smtClean="0"/>
-              <a:t>Geplante </a:t>
-            </a:r>
-            <a:r>
               <a:rPr lang="de-DE" dirty="0"/>
-              <a:t>Ziele</a:t>
+              <a:t>Geplante Ziele</a:t>
             </a:r>
           </a:p>
           <a:p>
@@ -10513,10 +10369,9 @@
           <a:lstStyle/>
           <a:p>
             <a:r>
-              <a:rPr lang="de-DE" sz="1200" b="1" dirty="0" smtClean="0"/>
+              <a:rPr lang="de-DE" sz="1200" b="1" dirty="0"/>
               <a:t>Fortschritt</a:t>
             </a:r>
-            <a:endParaRPr lang="de-DE" sz="1200" b="1" dirty="0"/>
           </a:p>
         </p:txBody>
       </p:sp>
@@ -10543,10 +10398,9 @@
           <a:lstStyle/>
           <a:p>
             <a:r>
-              <a:rPr lang="de-DE" sz="1200" b="1" dirty="0" smtClean="0"/>
+              <a:rPr lang="de-DE" sz="1200" b="1" dirty="0"/>
               <a:t>Nächste Schritte</a:t>
             </a:r>
-            <a:endParaRPr lang="de-DE" sz="1200" b="1" dirty="0"/>
           </a:p>
         </p:txBody>
       </p:sp>
@@ -10632,50 +10486,50 @@
               </a:tabLst>
             </a:pPr>
             <a:r>
-              <a:rPr lang="en-GB" sz="1200" dirty="0" err="1" smtClean="0"/>
+              <a:rPr lang="en-GB" sz="1200" dirty="0" err="1"/>
               <a:t>Konzept</a:t>
             </a:r>
             <a:r>
-              <a:rPr lang="en-GB" sz="1200" dirty="0" smtClean="0"/>
+              <a:rPr lang="en-GB" sz="1200" dirty="0"/>
               <a:t> </a:t>
             </a:r>
             <a:r>
-              <a:rPr lang="en-GB" sz="1200" dirty="0" err="1" smtClean="0"/>
+              <a:rPr lang="en-GB" sz="1200" dirty="0" err="1"/>
               <a:t>für</a:t>
             </a:r>
             <a:r>
-              <a:rPr lang="en-GB" sz="1200" dirty="0" smtClean="0"/>
+              <a:rPr lang="en-GB" sz="1200" dirty="0"/>
               <a:t> die </a:t>
             </a:r>
             <a:r>
-              <a:rPr lang="en-GB" sz="1200" dirty="0" err="1" smtClean="0"/>
+              <a:rPr lang="en-GB" sz="1200" dirty="0" err="1"/>
               <a:t>Verteilung</a:t>
             </a:r>
             <a:r>
-              <a:rPr lang="en-GB" sz="1200" dirty="0" smtClean="0"/>
+              <a:rPr lang="en-GB" sz="1200" dirty="0"/>
               <a:t> von </a:t>
             </a:r>
             <a:r>
-              <a:rPr lang="en-GB" sz="1200" dirty="0" err="1" smtClean="0"/>
+              <a:rPr lang="en-GB" sz="1200" dirty="0" err="1"/>
               <a:t>Rechenaufgaben</a:t>
             </a:r>
             <a:r>
-              <a:rPr lang="en-GB" sz="1200" dirty="0" smtClean="0"/>
+              <a:rPr lang="en-GB" sz="1200" dirty="0"/>
               <a:t> auf </a:t>
             </a:r>
             <a:r>
-              <a:rPr lang="en-GB" sz="1200" dirty="0" err="1" smtClean="0"/>
+              <a:rPr lang="en-GB" sz="1200" dirty="0" err="1"/>
               <a:t>Fahrzeugflotte</a:t>
             </a:r>
             <a:r>
-              <a:rPr lang="en-GB" sz="1200" dirty="0" smtClean="0"/>
+              <a:rPr lang="en-GB" sz="1200" dirty="0"/>
               <a:t> </a:t>
             </a:r>
             <a:r>
-              <a:rPr lang="en-GB" sz="1200" dirty="0" err="1" smtClean="0"/>
+              <a:rPr lang="en-GB" sz="1200" dirty="0" err="1"/>
               <a:t>erarbeiten</a:t>
             </a:r>
-            <a:endParaRPr lang="en-GB" sz="1200" dirty="0" smtClean="0"/>
+            <a:endParaRPr lang="en-GB" sz="1200" dirty="0"/>
           </a:p>
           <a:p>
             <a:pPr marL="280988" lvl="1" indent="-279400" defTabSz="900113" fontAlgn="base">
@@ -10695,50 +10549,50 @@
               </a:tabLst>
             </a:pPr>
             <a:r>
-              <a:rPr lang="en-GB" sz="1200" dirty="0" err="1" smtClean="0"/>
+              <a:rPr lang="en-GB" sz="1200" dirty="0" err="1"/>
               <a:t>Konzept</a:t>
             </a:r>
             <a:r>
-              <a:rPr lang="en-GB" sz="1200" dirty="0" smtClean="0"/>
+              <a:rPr lang="en-GB" sz="1200" dirty="0"/>
               <a:t> </a:t>
             </a:r>
             <a:r>
-              <a:rPr lang="en-GB" sz="1200" dirty="0" err="1" smtClean="0"/>
+              <a:rPr lang="en-GB" sz="1200" dirty="0" err="1"/>
               <a:t>für</a:t>
             </a:r>
             <a:r>
-              <a:rPr lang="en-GB" sz="1200" dirty="0" smtClean="0"/>
+              <a:rPr lang="en-GB" sz="1200" dirty="0"/>
               <a:t> </a:t>
             </a:r>
             <a:r>
-              <a:rPr lang="en-GB" sz="1200" dirty="0" err="1" smtClean="0"/>
+              <a:rPr lang="en-GB" sz="1200" dirty="0" err="1"/>
               <a:t>Verwaltung</a:t>
             </a:r>
             <a:r>
-              <a:rPr lang="en-GB" sz="1200" dirty="0" smtClean="0"/>
+              <a:rPr lang="en-GB" sz="1200" dirty="0"/>
               <a:t> und Loader </a:t>
             </a:r>
             <a:r>
-              <a:rPr lang="en-GB" sz="1200" dirty="0" err="1" smtClean="0"/>
+              <a:rPr lang="en-GB" sz="1200" dirty="0" err="1"/>
               <a:t>Applikation</a:t>
             </a:r>
             <a:r>
-              <a:rPr lang="en-GB" sz="1200" dirty="0" smtClean="0"/>
+              <a:rPr lang="en-GB" sz="1200" dirty="0"/>
               <a:t> </a:t>
             </a:r>
             <a:r>
-              <a:rPr lang="en-GB" sz="1200" dirty="0" err="1" smtClean="0"/>
+              <a:rPr lang="en-GB" sz="1200" dirty="0" err="1"/>
               <a:t>fertig</a:t>
             </a:r>
             <a:r>
-              <a:rPr lang="en-GB" sz="1200" dirty="0" smtClean="0"/>
+              <a:rPr lang="en-GB" sz="1200" dirty="0"/>
               <a:t> </a:t>
             </a:r>
             <a:r>
-              <a:rPr lang="en-GB" sz="1200" dirty="0" err="1" smtClean="0"/>
+              <a:rPr lang="en-GB" sz="1200" dirty="0" err="1"/>
               <a:t>stellen</a:t>
             </a:r>
-            <a:endParaRPr lang="en-GB" sz="1200" dirty="0" smtClean="0"/>
+            <a:endParaRPr lang="en-GB" sz="1200" dirty="0"/>
           </a:p>
           <a:p>
             <a:pPr marL="280988" lvl="1" indent="-279400" defTabSz="900113" fontAlgn="base">
@@ -10758,18 +10612,18 @@
               </a:tabLst>
             </a:pPr>
             <a:r>
-              <a:rPr lang="en-GB" sz="1200" dirty="0" err="1" smtClean="0"/>
+              <a:rPr lang="en-GB" sz="1200" dirty="0" err="1"/>
               <a:t>Implementierung</a:t>
             </a:r>
             <a:r>
-              <a:rPr lang="en-GB" sz="1200" dirty="0" smtClean="0"/>
+              <a:rPr lang="en-GB" sz="1200" dirty="0"/>
               <a:t> der </a:t>
             </a:r>
             <a:r>
-              <a:rPr lang="en-GB" sz="1200" dirty="0" err="1" smtClean="0"/>
+              <a:rPr lang="en-GB" sz="1200" dirty="0" err="1"/>
               <a:t>Softwarekomponenten</a:t>
             </a:r>
-            <a:endParaRPr lang="en-GB" sz="1200" dirty="0" smtClean="0"/>
+            <a:endParaRPr lang="en-GB" sz="1200" dirty="0"/>
           </a:p>
         </p:txBody>
       </p:sp>
@@ -10796,10 +10650,9 @@
           <a:lstStyle/>
           <a:p>
             <a:r>
-              <a:rPr lang="de-DE" sz="1200" b="1" dirty="0" smtClean="0"/>
+              <a:rPr lang="de-DE" sz="1200" b="1" dirty="0"/>
               <a:t>Zusammenfassung</a:t>
             </a:r>
-            <a:endParaRPr lang="de-DE" sz="1200" b="1" dirty="0"/>
           </a:p>
         </p:txBody>
       </p:sp>
@@ -10831,75 +10684,75 @@
               </a:spcAft>
             </a:pPr>
             <a:r>
-              <a:rPr lang="en-GB" sz="1200" dirty="0" err="1" smtClean="0"/>
+              <a:rPr lang="en-GB" sz="1200" dirty="0" err="1"/>
               <a:t>Durch</a:t>
             </a:r>
             <a:r>
-              <a:rPr lang="en-GB" sz="1200" dirty="0" smtClean="0"/>
+              <a:rPr lang="en-GB" sz="1200" dirty="0"/>
               <a:t> </a:t>
             </a:r>
             <a:r>
-              <a:rPr lang="en-GB" sz="1200" dirty="0" err="1" smtClean="0"/>
+              <a:rPr lang="en-GB" sz="1200" dirty="0" err="1"/>
               <a:t>zunehmende</a:t>
             </a:r>
             <a:r>
-              <a:rPr lang="en-GB" sz="1200" dirty="0" smtClean="0"/>
+              <a:rPr lang="en-GB" sz="1200" dirty="0"/>
               <a:t> </a:t>
             </a:r>
             <a:r>
-              <a:rPr lang="en-GB" sz="1200" dirty="0" err="1" smtClean="0"/>
+              <a:rPr lang="en-GB" sz="1200" dirty="0" err="1"/>
               <a:t>automatisierung</a:t>
             </a:r>
             <a:r>
-              <a:rPr lang="en-GB" sz="1200" dirty="0" smtClean="0"/>
+              <a:rPr lang="en-GB" sz="1200" dirty="0"/>
               <a:t> der </a:t>
             </a:r>
             <a:r>
-              <a:rPr lang="en-GB" sz="1200" dirty="0" err="1" smtClean="0"/>
+              <a:rPr lang="en-GB" sz="1200" dirty="0" err="1"/>
               <a:t>Fahrfunktionen</a:t>
             </a:r>
             <a:r>
-              <a:rPr lang="en-GB" sz="1200" dirty="0" smtClean="0"/>
+              <a:rPr lang="en-GB" sz="1200" dirty="0"/>
               <a:t> in </a:t>
             </a:r>
             <a:r>
-              <a:rPr lang="en-GB" sz="1200" dirty="0" err="1" smtClean="0"/>
+              <a:rPr lang="en-GB" sz="1200" dirty="0" err="1"/>
               <a:t>Straßenfahrzeugen</a:t>
             </a:r>
             <a:r>
-              <a:rPr lang="en-GB" sz="1200" dirty="0" smtClean="0"/>
+              <a:rPr lang="en-GB" sz="1200" dirty="0"/>
               <a:t> </a:t>
             </a:r>
             <a:r>
-              <a:rPr lang="en-GB" sz="1200" dirty="0" err="1" smtClean="0"/>
+              <a:rPr lang="en-GB" sz="1200" dirty="0" err="1"/>
               <a:t>wird</a:t>
             </a:r>
             <a:r>
-              <a:rPr lang="en-GB" sz="1200" dirty="0" smtClean="0"/>
+              <a:rPr lang="en-GB" sz="1200" dirty="0"/>
               <a:t> </a:t>
             </a:r>
             <a:r>
-              <a:rPr lang="en-GB" sz="1200" dirty="0" err="1" smtClean="0"/>
+              <a:rPr lang="en-GB" sz="1200" dirty="0" err="1"/>
               <a:t>zunehmend</a:t>
             </a:r>
             <a:r>
-              <a:rPr lang="en-GB" sz="1200" dirty="0" smtClean="0"/>
+              <a:rPr lang="en-GB" sz="1200" dirty="0"/>
               <a:t> </a:t>
             </a:r>
             <a:r>
-              <a:rPr lang="en-GB" sz="1200" dirty="0" err="1" smtClean="0"/>
+              <a:rPr lang="en-GB" sz="1200" dirty="0" err="1"/>
               <a:t>lesitungsfähigere</a:t>
             </a:r>
             <a:r>
-              <a:rPr lang="en-GB" sz="1200" dirty="0" smtClean="0"/>
+              <a:rPr lang="en-GB" sz="1200" dirty="0"/>
               <a:t> Hardware </a:t>
             </a:r>
             <a:r>
-              <a:rPr lang="en-GB" sz="1200" dirty="0" err="1" smtClean="0"/>
+              <a:rPr lang="en-GB" sz="1200" dirty="0" err="1"/>
               <a:t>verbaut</a:t>
             </a:r>
             <a:r>
-              <a:rPr lang="en-GB" sz="1200" dirty="0" smtClean="0"/>
+              <a:rPr lang="en-GB" sz="1200" dirty="0"/>
               <a:t>.</a:t>
             </a:r>
           </a:p>
@@ -10910,131 +10763,131 @@
               </a:spcAft>
             </a:pPr>
             <a:r>
-              <a:rPr lang="en-GB" sz="1200" dirty="0" err="1" smtClean="0"/>
+              <a:rPr lang="en-GB" sz="1200" dirty="0" err="1"/>
               <a:t>Diese</a:t>
             </a:r>
             <a:r>
-              <a:rPr lang="en-GB" sz="1200" dirty="0" smtClean="0"/>
+              <a:rPr lang="en-GB" sz="1200" dirty="0"/>
               <a:t> </a:t>
             </a:r>
             <a:r>
-              <a:rPr lang="en-GB" sz="1200" dirty="0" err="1" smtClean="0"/>
+              <a:rPr lang="en-GB" sz="1200" dirty="0" err="1"/>
               <a:t>Resourcen</a:t>
             </a:r>
             <a:r>
-              <a:rPr lang="en-GB" sz="1200" dirty="0" smtClean="0"/>
+              <a:rPr lang="en-GB" sz="1200" dirty="0"/>
               <a:t> </a:t>
             </a:r>
             <a:r>
-              <a:rPr lang="en-GB" sz="1200" dirty="0" err="1" smtClean="0"/>
+              <a:rPr lang="en-GB" sz="1200" dirty="0" err="1"/>
               <a:t>werden</a:t>
             </a:r>
             <a:r>
-              <a:rPr lang="en-GB" sz="1200" dirty="0" smtClean="0"/>
+              <a:rPr lang="en-GB" sz="1200" dirty="0"/>
               <a:t> </a:t>
             </a:r>
             <a:r>
-              <a:rPr lang="en-GB" sz="1200" dirty="0" err="1" smtClean="0"/>
+              <a:rPr lang="en-GB" sz="1200" dirty="0" err="1"/>
               <a:t>nicht</a:t>
             </a:r>
             <a:r>
-              <a:rPr lang="en-GB" sz="1200" dirty="0" smtClean="0"/>
+              <a:rPr lang="en-GB" sz="1200" dirty="0"/>
               <a:t> in </a:t>
             </a:r>
             <a:r>
-              <a:rPr lang="en-GB" sz="1200" dirty="0" err="1" smtClean="0"/>
+              <a:rPr lang="en-GB" sz="1200" dirty="0" err="1"/>
               <a:t>jeder</a:t>
             </a:r>
             <a:r>
-              <a:rPr lang="en-GB" sz="1200" dirty="0" smtClean="0"/>
+              <a:rPr lang="en-GB" sz="1200" dirty="0"/>
               <a:t> Situation </a:t>
             </a:r>
             <a:r>
-              <a:rPr lang="en-GB" sz="1200" dirty="0" err="1" smtClean="0"/>
+              <a:rPr lang="en-GB" sz="1200" dirty="0" err="1"/>
               <a:t>effektiv</a:t>
             </a:r>
             <a:r>
-              <a:rPr lang="en-GB" sz="1200" dirty="0" smtClean="0"/>
+              <a:rPr lang="en-GB" sz="1200" dirty="0"/>
               <a:t> </a:t>
             </a:r>
             <a:r>
-              <a:rPr lang="en-GB" sz="1200" dirty="0" err="1" smtClean="0"/>
+              <a:rPr lang="en-GB" sz="1200" dirty="0" err="1"/>
               <a:t>genutzt</a:t>
             </a:r>
             <a:r>
-              <a:rPr lang="en-GB" sz="1200" dirty="0" smtClean="0"/>
+              <a:rPr lang="en-GB" sz="1200" dirty="0"/>
               <a:t>. </a:t>
             </a:r>
             <a:r>
-              <a:rPr lang="en-GB" sz="1200" dirty="0" err="1" smtClean="0"/>
+              <a:rPr lang="en-GB" sz="1200" dirty="0" err="1"/>
               <a:t>Zusätzlich</a:t>
             </a:r>
             <a:r>
-              <a:rPr lang="en-GB" sz="1200" dirty="0" smtClean="0"/>
+              <a:rPr lang="en-GB" sz="1200" dirty="0"/>
               <a:t> </a:t>
             </a:r>
             <a:r>
-              <a:rPr lang="en-GB" sz="1200" dirty="0" err="1" smtClean="0"/>
+              <a:rPr lang="en-GB" sz="1200" dirty="0" err="1"/>
               <a:t>nimmt</a:t>
             </a:r>
             <a:r>
-              <a:rPr lang="en-GB" sz="1200" dirty="0" smtClean="0"/>
+              <a:rPr lang="en-GB" sz="1200" dirty="0"/>
               <a:t> </a:t>
             </a:r>
             <a:r>
-              <a:rPr lang="en-GB" sz="1200" dirty="0" err="1" smtClean="0"/>
+              <a:rPr lang="en-GB" sz="1200" dirty="0" err="1"/>
               <a:t>Rechenleistungsbedarf</a:t>
             </a:r>
             <a:r>
-              <a:rPr lang="en-GB" sz="1200" dirty="0" smtClean="0"/>
+              <a:rPr lang="en-GB" sz="1200" dirty="0"/>
               <a:t> </a:t>
             </a:r>
             <a:r>
-              <a:rPr lang="en-GB" sz="1200" dirty="0" err="1" smtClean="0"/>
+              <a:rPr lang="en-GB" sz="1200" dirty="0" err="1"/>
               <a:t>durch</a:t>
             </a:r>
             <a:r>
-              <a:rPr lang="en-GB" sz="1200" dirty="0" smtClean="0"/>
+              <a:rPr lang="en-GB" sz="1200" dirty="0"/>
               <a:t> </a:t>
             </a:r>
             <a:r>
-              <a:rPr lang="en-GB" sz="1200" dirty="0" err="1" smtClean="0"/>
+              <a:rPr lang="en-GB" sz="1200" dirty="0" err="1"/>
               <a:t>zunehmende</a:t>
             </a:r>
             <a:r>
-              <a:rPr lang="en-GB" sz="1200" dirty="0" smtClean="0"/>
+              <a:rPr lang="en-GB" sz="1200" dirty="0"/>
               <a:t> </a:t>
             </a:r>
             <a:r>
-              <a:rPr lang="en-GB" sz="1200" dirty="0" err="1" smtClean="0"/>
+              <a:rPr lang="en-GB" sz="1200" dirty="0" err="1"/>
               <a:t>Digitalisierung</a:t>
             </a:r>
             <a:r>
-              <a:rPr lang="en-GB" sz="1200" dirty="0" smtClean="0"/>
+              <a:rPr lang="en-GB" sz="1200" dirty="0"/>
               <a:t> </a:t>
             </a:r>
             <a:r>
-              <a:rPr lang="en-GB" sz="1200" dirty="0" err="1" smtClean="0"/>
+              <a:rPr lang="en-GB" sz="1200" dirty="0" err="1"/>
               <a:t>im</a:t>
             </a:r>
             <a:r>
-              <a:rPr lang="en-GB" sz="1200" dirty="0" smtClean="0"/>
+              <a:rPr lang="en-GB" sz="1200" dirty="0"/>
               <a:t> </a:t>
             </a:r>
             <a:r>
-              <a:rPr lang="en-GB" sz="1200" dirty="0" err="1" smtClean="0"/>
+              <a:rPr lang="en-GB" sz="1200" dirty="0" err="1"/>
               <a:t>Alltag</a:t>
             </a:r>
             <a:r>
-              <a:rPr lang="en-GB" sz="1200" dirty="0" smtClean="0"/>
+              <a:rPr lang="en-GB" sz="1200" dirty="0"/>
               <a:t> </a:t>
             </a:r>
             <a:r>
-              <a:rPr lang="en-GB" sz="1200" dirty="0" err="1" smtClean="0"/>
+              <a:rPr lang="en-GB" sz="1200" dirty="0" err="1"/>
               <a:t>zu</a:t>
             </a:r>
             <a:r>
-              <a:rPr lang="en-GB" sz="1200" dirty="0" smtClean="0"/>
+              <a:rPr lang="en-GB" sz="1200" dirty="0"/>
               <a:t>.</a:t>
             </a:r>
           </a:p>
@@ -11053,206 +10906,205 @@
               </a:spcAft>
             </a:pPr>
             <a:r>
-              <a:rPr lang="en-GB" sz="1200" dirty="0" err="1" smtClean="0"/>
+              <a:rPr lang="en-GB" sz="1200" dirty="0" err="1"/>
               <a:t>Durch</a:t>
             </a:r>
             <a:r>
-              <a:rPr lang="en-GB" sz="1200" dirty="0" smtClean="0"/>
+              <a:rPr lang="en-GB" sz="1200" dirty="0"/>
               <a:t> die </a:t>
             </a:r>
             <a:r>
-              <a:rPr lang="en-GB" sz="1200" dirty="0" err="1" smtClean="0"/>
+              <a:rPr lang="en-GB" sz="1200" dirty="0" err="1"/>
               <a:t>Bereitstellung</a:t>
             </a:r>
             <a:r>
-              <a:rPr lang="en-GB" sz="1200" dirty="0" smtClean="0"/>
+              <a:rPr lang="en-GB" sz="1200" dirty="0"/>
               <a:t> </a:t>
             </a:r>
             <a:r>
-              <a:rPr lang="en-GB" sz="1200" dirty="0" err="1" smtClean="0"/>
+              <a:rPr lang="en-GB" sz="1200" dirty="0" err="1"/>
               <a:t>ungenutzte</a:t>
             </a:r>
             <a:r>
-              <a:rPr lang="en-GB" sz="1200" dirty="0" smtClean="0"/>
+              <a:rPr lang="en-GB" sz="1200" dirty="0"/>
               <a:t> </a:t>
             </a:r>
             <a:r>
-              <a:rPr lang="en-GB" sz="1200" dirty="0" err="1" smtClean="0"/>
+              <a:rPr lang="en-GB" sz="1200" dirty="0" err="1"/>
               <a:t>Rechenleistung</a:t>
             </a:r>
             <a:r>
-              <a:rPr lang="en-GB" sz="1200" dirty="0" smtClean="0"/>
+              <a:rPr lang="en-GB" sz="1200" dirty="0"/>
               <a:t> von </a:t>
             </a:r>
             <a:r>
-              <a:rPr lang="en-GB" sz="1200" dirty="0" err="1" smtClean="0"/>
+              <a:rPr lang="en-GB" sz="1200" dirty="0" err="1"/>
               <a:t>Fahrzeugen</a:t>
             </a:r>
             <a:r>
-              <a:rPr lang="en-GB" sz="1200" dirty="0" smtClean="0"/>
+              <a:rPr lang="en-GB" sz="1200" dirty="0"/>
               <a:t> </a:t>
             </a:r>
             <a:r>
-              <a:rPr lang="en-GB" sz="1200" dirty="0" err="1" smtClean="0"/>
+              <a:rPr lang="en-GB" sz="1200" dirty="0" err="1"/>
               <a:t>können</a:t>
             </a:r>
             <a:r>
-              <a:rPr lang="en-GB" sz="1200" dirty="0" smtClean="0"/>
+              <a:rPr lang="en-GB" sz="1200" dirty="0"/>
               <a:t> </a:t>
             </a:r>
             <a:r>
-              <a:rPr lang="en-GB" sz="1200" dirty="0" err="1" smtClean="0"/>
+              <a:rPr lang="en-GB" sz="1200" dirty="0" err="1"/>
               <a:t>externe</a:t>
             </a:r>
             <a:r>
-              <a:rPr lang="en-GB" sz="1200" dirty="0" smtClean="0"/>
+              <a:rPr lang="en-GB" sz="1200" dirty="0"/>
               <a:t> </a:t>
             </a:r>
             <a:r>
-              <a:rPr lang="en-GB" sz="1200" dirty="0" err="1" smtClean="0"/>
+              <a:rPr lang="en-GB" sz="1200" dirty="0" err="1"/>
               <a:t>Auftraggeber</a:t>
             </a:r>
             <a:r>
-              <a:rPr lang="en-GB" sz="1200" dirty="0" smtClean="0"/>
+              <a:rPr lang="en-GB" sz="1200" dirty="0"/>
               <a:t> </a:t>
             </a:r>
             <a:r>
-              <a:rPr lang="en-GB" sz="1200" dirty="0" err="1" smtClean="0"/>
+              <a:rPr lang="en-GB" sz="1200" dirty="0" err="1"/>
               <a:t>ihre</a:t>
             </a:r>
             <a:r>
-              <a:rPr lang="en-GB" sz="1200" dirty="0" smtClean="0"/>
+              <a:rPr lang="en-GB" sz="1200" dirty="0"/>
               <a:t> </a:t>
             </a:r>
             <a:r>
-              <a:rPr lang="en-GB" sz="1200" dirty="0" err="1" smtClean="0"/>
+              <a:rPr lang="en-GB" sz="1200" dirty="0" err="1"/>
               <a:t>Berechnungen</a:t>
             </a:r>
             <a:r>
-              <a:rPr lang="en-GB" sz="1200" dirty="0" smtClean="0"/>
+              <a:rPr lang="en-GB" sz="1200" dirty="0"/>
               <a:t> </a:t>
             </a:r>
             <a:r>
-              <a:rPr lang="en-GB" sz="1200" dirty="0" err="1" smtClean="0"/>
+              <a:rPr lang="en-GB" sz="1200" dirty="0" err="1"/>
               <a:t>wie</a:t>
             </a:r>
             <a:r>
-              <a:rPr lang="en-GB" sz="1200" dirty="0" smtClean="0"/>
+              <a:rPr lang="en-GB" sz="1200" dirty="0"/>
               <a:t> in </a:t>
             </a:r>
             <a:r>
-              <a:rPr lang="en-GB" sz="1200" dirty="0" err="1" smtClean="0"/>
+              <a:rPr lang="en-GB" sz="1200" dirty="0" err="1"/>
               <a:t>einem</a:t>
             </a:r>
             <a:r>
-              <a:rPr lang="en-GB" sz="1200" dirty="0" smtClean="0"/>
+              <a:rPr lang="en-GB" sz="1200" dirty="0"/>
               <a:t> Cloud-</a:t>
             </a:r>
             <a:r>
-              <a:rPr lang="en-GB" sz="1200" dirty="0" err="1" smtClean="0"/>
+              <a:rPr lang="en-GB" sz="1200" dirty="0" err="1"/>
               <a:t>Dienst</a:t>
             </a:r>
             <a:r>
-              <a:rPr lang="en-GB" sz="1200" dirty="0" smtClean="0"/>
+              <a:rPr lang="en-GB" sz="1200" dirty="0"/>
               <a:t> </a:t>
             </a:r>
             <a:r>
-              <a:rPr lang="en-GB" sz="1200" dirty="0" err="1" smtClean="0"/>
+              <a:rPr lang="en-GB" sz="1200" dirty="0" err="1"/>
               <a:t>durch</a:t>
             </a:r>
             <a:r>
-              <a:rPr lang="en-GB" sz="1200" dirty="0" smtClean="0"/>
+              <a:rPr lang="en-GB" sz="1200" dirty="0"/>
               <a:t> das </a:t>
             </a:r>
             <a:r>
-              <a:rPr lang="en-GB" sz="1200" dirty="0" err="1" smtClean="0"/>
+              <a:rPr lang="en-GB" sz="1200" dirty="0" err="1"/>
               <a:t>verteilte</a:t>
             </a:r>
             <a:r>
-              <a:rPr lang="en-GB" sz="1200" dirty="0" smtClean="0"/>
+              <a:rPr lang="en-GB" sz="1200" dirty="0"/>
               <a:t> </a:t>
             </a:r>
             <a:r>
-              <a:rPr lang="en-GB" sz="1200" dirty="0" err="1" smtClean="0"/>
+              <a:rPr lang="en-GB" sz="1200" dirty="0" err="1"/>
               <a:t>Rechnen</a:t>
             </a:r>
             <a:r>
-              <a:rPr lang="en-GB" sz="1200" dirty="0" smtClean="0"/>
+              <a:rPr lang="en-GB" sz="1200" dirty="0"/>
               <a:t> auf </a:t>
             </a:r>
             <a:r>
-              <a:rPr lang="en-GB" sz="1200" dirty="0" err="1" smtClean="0"/>
+              <a:rPr lang="en-GB" sz="1200" dirty="0" err="1"/>
               <a:t>Fahrzeugen</a:t>
             </a:r>
             <a:r>
-              <a:rPr lang="en-GB" sz="1200" dirty="0" smtClean="0"/>
+              <a:rPr lang="en-GB" sz="1200" dirty="0"/>
               <a:t> </a:t>
             </a:r>
             <a:r>
-              <a:rPr lang="en-GB" sz="1200" dirty="0" err="1" smtClean="0"/>
+              <a:rPr lang="en-GB" sz="1200" dirty="0" err="1"/>
               <a:t>ausführen</a:t>
             </a:r>
             <a:r>
-              <a:rPr lang="en-GB" sz="1200" dirty="0" smtClean="0"/>
+              <a:rPr lang="en-GB" sz="1200" dirty="0"/>
               <a:t> </a:t>
             </a:r>
             <a:r>
-              <a:rPr lang="en-GB" sz="1200" dirty="0" err="1" smtClean="0"/>
+              <a:rPr lang="en-GB" sz="1200" dirty="0" err="1"/>
               <a:t>lassen</a:t>
             </a:r>
             <a:r>
-              <a:rPr lang="en-GB" sz="1200" dirty="0" smtClean="0"/>
+              <a:rPr lang="en-GB" sz="1200" dirty="0"/>
               <a:t>. </a:t>
             </a:r>
             <a:r>
-              <a:rPr lang="en-GB" sz="1200" dirty="0" err="1" smtClean="0"/>
+              <a:rPr lang="en-GB" sz="1200" dirty="0" err="1"/>
               <a:t>Hierdurch</a:t>
             </a:r>
             <a:r>
-              <a:rPr lang="en-GB" sz="1200" dirty="0" smtClean="0"/>
+              <a:rPr lang="en-GB" sz="1200" dirty="0"/>
               <a:t> </a:t>
             </a:r>
             <a:r>
-              <a:rPr lang="en-GB" sz="1200" dirty="0" err="1" smtClean="0"/>
+              <a:rPr lang="en-GB" sz="1200" dirty="0" err="1"/>
               <a:t>lassen</a:t>
             </a:r>
             <a:r>
-              <a:rPr lang="en-GB" sz="1200" dirty="0" smtClean="0"/>
+              <a:rPr lang="en-GB" sz="1200" dirty="0"/>
               <a:t> </a:t>
             </a:r>
             <a:r>
-              <a:rPr lang="en-GB" sz="1200" dirty="0" err="1" smtClean="0"/>
+              <a:rPr lang="en-GB" sz="1200" dirty="0" err="1"/>
               <a:t>sich</a:t>
             </a:r>
             <a:r>
-              <a:rPr lang="en-GB" sz="1200" dirty="0" smtClean="0"/>
+              <a:rPr lang="en-GB" sz="1200" dirty="0"/>
               <a:t> </a:t>
             </a:r>
             <a:r>
-              <a:rPr lang="en-GB" sz="1200" dirty="0" err="1" smtClean="0"/>
+              <a:rPr lang="en-GB" sz="1200" dirty="0" err="1"/>
               <a:t>Resourcen</a:t>
             </a:r>
             <a:r>
-              <a:rPr lang="en-GB" sz="1200" dirty="0" smtClean="0"/>
+              <a:rPr lang="en-GB" sz="1200" dirty="0"/>
               <a:t> in Server und </a:t>
             </a:r>
             <a:r>
-              <a:rPr lang="en-GB" sz="1200" dirty="0" err="1" smtClean="0"/>
+              <a:rPr lang="en-GB" sz="1200" dirty="0" err="1"/>
               <a:t>Netzwerkinfrastruktur</a:t>
             </a:r>
             <a:r>
-              <a:rPr lang="en-GB" sz="1200" dirty="0" smtClean="0"/>
+              <a:rPr lang="en-GB" sz="1200" dirty="0"/>
               <a:t> </a:t>
             </a:r>
             <a:r>
-              <a:rPr lang="en-GB" sz="1200" dirty="0" err="1" smtClean="0"/>
+              <a:rPr lang="en-GB" sz="1200" dirty="0" err="1"/>
               <a:t>einsparen</a:t>
             </a:r>
             <a:r>
-              <a:rPr lang="en-GB" sz="1200" dirty="0" smtClean="0"/>
+              <a:rPr lang="en-GB" sz="1200" dirty="0"/>
               <a:t>. </a:t>
             </a:r>
-            <a:endParaRPr lang="en-GB" sz="1200" dirty="0"/>
           </a:p>
           <a:p>
             <a:pPr>
@@ -11260,7 +11112,7 @@
                 <a:spcPts val="600"/>
               </a:spcAft>
             </a:pPr>
-            <a:endParaRPr lang="en-GB" sz="1200" dirty="0" smtClean="0"/>
+            <a:endParaRPr lang="en-GB" sz="1200" dirty="0"/>
           </a:p>
           <a:p>
             <a:pPr>
@@ -11268,7 +11120,7 @@
                 <a:spcPts val="600"/>
               </a:spcAft>
             </a:pPr>
-            <a:endParaRPr lang="en-GB" sz="1200" dirty="0" smtClean="0"/>
+            <a:endParaRPr lang="en-GB" sz="1200" dirty="0"/>
           </a:p>
         </p:txBody>
       </p:sp>
@@ -11335,7 +11187,7 @@
             <a:p>
               <a:pPr algn="ctr"/>
               <a:r>
-                <a:rPr lang="de-DE" sz="800" dirty="0" smtClean="0">
+                <a:rPr lang="de-DE" sz="800" dirty="0">
                   <a:solidFill>
                     <a:schemeClr val="bg1"/>
                   </a:solidFill>
@@ -11405,7 +11257,7 @@
               <a:lstStyle/>
               <a:p>
                 <a:pPr algn="ctr"/>
-                <a:endParaRPr lang="de-DE" dirty="0" err="1" smtClean="0">
+                <a:endParaRPr lang="de-DE" dirty="0" err="1">
                   <a:solidFill>
                     <a:schemeClr val="tx1"/>
                   </a:solidFill>
@@ -11436,18 +11288,13 @@
               <a:p>
                 <a:pPr algn="ctr"/>
                 <a:r>
-                  <a:rPr lang="de-DE" sz="800" dirty="0" smtClean="0">
+                  <a:rPr lang="de-DE" sz="800" dirty="0">
                     <a:solidFill>
                       <a:schemeClr val="bg1"/>
                     </a:solidFill>
                   </a:rPr>
                   <a:t>Definition</a:t>
                 </a:r>
-                <a:endParaRPr lang="de-DE" sz="800" dirty="0">
-                  <a:solidFill>
-                    <a:schemeClr val="bg1"/>
-                  </a:solidFill>
-                </a:endParaRPr>
               </a:p>
             </p:txBody>
           </p:sp>
@@ -11512,7 +11359,7 @@
               <a:lstStyle/>
               <a:p>
                 <a:pPr algn="ctr"/>
-                <a:endParaRPr lang="de-DE" dirty="0" err="1" smtClean="0">
+                <a:endParaRPr lang="de-DE" dirty="0" err="1">
                   <a:solidFill>
                     <a:schemeClr val="tx1"/>
                   </a:solidFill>
@@ -11543,18 +11390,13 @@
               <a:p>
                 <a:pPr algn="ctr"/>
                 <a:r>
-                  <a:rPr lang="de-DE" sz="800" dirty="0" smtClean="0">
+                  <a:rPr lang="de-DE" sz="800" dirty="0">
                     <a:solidFill>
                       <a:schemeClr val="bg1"/>
                     </a:solidFill>
                   </a:rPr>
                   <a:t>Fokussierung</a:t>
                 </a:r>
-                <a:endParaRPr lang="de-DE" sz="800" dirty="0">
-                  <a:solidFill>
-                    <a:schemeClr val="bg1"/>
-                  </a:solidFill>
-                </a:endParaRPr>
               </a:p>
             </p:txBody>
           </p:sp>
@@ -11619,7 +11461,7 @@
               <a:lstStyle/>
               <a:p>
                 <a:pPr algn="ctr"/>
-                <a:endParaRPr lang="de-DE" dirty="0" err="1" smtClean="0">
+                <a:endParaRPr lang="de-DE" dirty="0" err="1">
                   <a:solidFill>
                     <a:schemeClr val="tx1"/>
                   </a:solidFill>
@@ -11650,18 +11492,13 @@
               <a:p>
                 <a:pPr algn="ctr"/>
                 <a:r>
-                  <a:rPr lang="de-DE" sz="800" dirty="0" smtClean="0">
+                  <a:rPr lang="de-DE" sz="800" dirty="0">
                     <a:solidFill>
                       <a:schemeClr val="bg1"/>
                     </a:solidFill>
                   </a:rPr>
                   <a:t>Wissenschaftliche Untersuchung</a:t>
                 </a:r>
-                <a:endParaRPr lang="de-DE" sz="800" dirty="0">
-                  <a:solidFill>
-                    <a:schemeClr val="bg1"/>
-                  </a:solidFill>
-                </a:endParaRPr>
               </a:p>
             </p:txBody>
           </p:sp>
@@ -11740,7 +11577,7 @@
                 <a:lstStyle/>
                 <a:p>
                   <a:pPr algn="ctr"/>
-                  <a:endParaRPr lang="de-DE" dirty="0" err="1" smtClean="0">
+                  <a:endParaRPr lang="de-DE" dirty="0" err="1">
                     <a:solidFill>
                       <a:schemeClr val="tx1"/>
                     </a:solidFill>
@@ -11792,7 +11629,7 @@
                 <a:lstStyle/>
                 <a:p>
                   <a:pPr algn="ctr"/>
-                  <a:endParaRPr lang="de-DE" dirty="0" err="1" smtClean="0">
+                  <a:endParaRPr lang="de-DE" dirty="0" err="1">
                     <a:solidFill>
                       <a:schemeClr val="tx1"/>
                     </a:solidFill>
@@ -11824,18 +11661,13 @@
               <a:p>
                 <a:pPr algn="ctr"/>
                 <a:r>
-                  <a:rPr lang="de-DE" sz="800" dirty="0" smtClean="0">
+                  <a:rPr lang="de-DE" sz="800" dirty="0">
                     <a:solidFill>
                       <a:schemeClr val="bg1"/>
                     </a:solidFill>
                   </a:rPr>
                   <a:t>Abschlussphase</a:t>
                 </a:r>
-                <a:endParaRPr lang="de-DE" sz="800" dirty="0">
-                  <a:solidFill>
-                    <a:schemeClr val="bg1"/>
-                  </a:solidFill>
-                </a:endParaRPr>
               </a:p>
             </p:txBody>
           </p:sp>
@@ -11920,7 +11752,7 @@
             <a:lstStyle/>
             <a:p>
               <a:pPr algn="ctr"/>
-              <a:endParaRPr lang="de-DE" dirty="0" err="1" smtClean="0">
+              <a:endParaRPr lang="de-DE" dirty="0" err="1">
                 <a:solidFill>
                   <a:schemeClr val="tx1"/>
                 </a:solidFill>
@@ -12141,12 +11973,8 @@
           </a:p>
           <a:p>
             <a:r>
-              <a:rPr lang="de-DE" dirty="0" smtClean="0"/>
-              <a:t>Geplante </a:t>
-            </a:r>
-            <a:r>
               <a:rPr lang="de-DE" dirty="0"/>
-              <a:t>Ziele</a:t>
+              <a:t>Geplante Ziele</a:t>
             </a:r>
           </a:p>
           <a:p>
@@ -12373,7 +12201,7 @@
               <a:buNone/>
             </a:pPr>
             <a:r>
-              <a:rPr lang="de-DE" b="1" dirty="0" err="1" smtClean="0"/>
+              <a:rPr lang="de-DE" b="1" dirty="0" err="1"/>
               <a:t>AUTOtech.agil</a:t>
             </a:r>
             <a:endParaRPr lang="de-DE" b="1" dirty="0"/>
@@ -12386,7 +12214,7 @@
               <a:buNone/>
             </a:pPr>
             <a:r>
-              <a:rPr lang="de-DE" dirty="0" smtClean="0"/>
+              <a:rPr lang="de-DE" dirty="0"/>
               <a:t>AP 2.1.7 Plattformkomponente zur Nutzung von Fahrzeugrechner-Ressourcen für internes und externes verteiltes Rechnen:</a:t>
             </a:r>
           </a:p>
@@ -12398,7 +12226,7 @@
           </a:p>
           <a:p>
             <a:r>
-              <a:rPr lang="de-DE" dirty="0" smtClean="0"/>
+              <a:rPr lang="de-DE" dirty="0"/>
               <a:t>Konzeptentwurf für Rechenressourcennutzung auf Fahrzeugen sowie in der Cloud</a:t>
             </a:r>
           </a:p>
@@ -12406,11 +12234,11 @@
             <a:pPr marL="0" indent="0">
               <a:buNone/>
             </a:pPr>
-            <a:endParaRPr lang="de-DE" dirty="0" smtClean="0"/>
-          </a:p>
-          <a:p>
-            <a:r>
-              <a:rPr lang="de-DE" dirty="0" smtClean="0"/>
+            <a:endParaRPr lang="de-DE" dirty="0"/>
+          </a:p>
+          <a:p>
+            <a:r>
+              <a:rPr lang="de-DE" dirty="0"/>
               <a:t>Implementierung von Applikationen, welche Rechenressourcennutzung ermöglichen</a:t>
             </a:r>
           </a:p>
@@ -12418,11 +12246,11 @@
             <a:pPr marL="0" indent="0">
               <a:buNone/>
             </a:pPr>
-            <a:endParaRPr lang="de-DE" dirty="0" smtClean="0"/>
-          </a:p>
-          <a:p>
-            <a:r>
-              <a:rPr lang="de-DE" dirty="0" smtClean="0"/>
+            <a:endParaRPr lang="de-DE" dirty="0"/>
+          </a:p>
+          <a:p>
+            <a:r>
+              <a:rPr lang="de-DE" dirty="0"/>
               <a:t>Erarbeitung von Sicherheitsmaßnahmen</a:t>
             </a:r>
             <a:endParaRPr lang="LID4096" dirty="0"/>
@@ -12619,7 +12447,7 @@
           </p:cNvGraphicFramePr>
           <p:nvPr>
             <p:custDataLst>
-              <p:tags r:id="rId2"/>
+              <p:tags r:id="rId1"/>
             </p:custDataLst>
           </p:nvPr>
         </p:nvGraphicFramePr>
@@ -12631,12 +12459,12 @@
           <a:graphicData uri="http://schemas.openxmlformats.org/presentationml/2006/ole">
             <mc:AlternateContent xmlns:mc="http://schemas.openxmlformats.org/markup-compatibility/2006">
               <mc:Choice xmlns:v="urn:schemas-microsoft-com:vml" Requires="v">
-                <p:oleObj spid="_x0000_s2064" name="think-cell Folie" r:id="rId4" imgW="360" imgH="360" progId="">
+                <p:oleObj name="think-cell Folie" r:id="rId3" imgW="360" imgH="360" progId="">
                   <p:embed/>
                 </p:oleObj>
               </mc:Choice>
               <mc:Fallback>
-                <p:oleObj name="think-cell Folie" r:id="rId4" imgW="360" imgH="360" progId="">
+                <p:oleObj name="think-cell Folie" r:id="rId3" imgW="360" imgH="360" progId="">
                   <p:embed/>
                   <p:pic>
                     <p:nvPicPr>
@@ -12647,7 +12475,7 @@
                       <p:nvPr/>
                     </p:nvPicPr>
                     <p:blipFill>
-                      <a:blip r:embed="rId5">
+                      <a:blip r:embed="rId4">
                         <a:extLst>
                           <a:ext uri="{28A0092B-C50C-407E-A947-70E740481C1C}">
                             <a14:useLocalDpi xmlns:a14="http://schemas.microsoft.com/office/drawing/2010/main" val="0"/>
@@ -12823,7 +12651,7 @@
           </a:lstStyle>
           <a:p>
             <a:r>
-              <a:rPr lang="en-GB" smtClean="0"/>
+              <a:rPr lang="en-GB"/>
               <a:t>Inhalt</a:t>
             </a:r>
             <a:endParaRPr lang="en-GB" dirty="0"/>
@@ -12888,12 +12716,8 @@
           </a:p>
           <a:p>
             <a:r>
-              <a:rPr lang="de-DE" dirty="0" smtClean="0"/>
-              <a:t>Geplante </a:t>
-            </a:r>
-            <a:r>
               <a:rPr lang="de-DE" dirty="0"/>
-              <a:t>Ziele</a:t>
+              <a:t>Geplante Ziele</a:t>
             </a:r>
           </a:p>
           <a:p>
@@ -13378,15 +13202,15 @@
               <a:buChar char="•"/>
             </a:pPr>
             <a:r>
-              <a:rPr lang="de-DE" sz="1600" b="1" dirty="0" err="1" smtClean="0"/>
+              <a:rPr lang="de-DE" sz="1600" b="1" dirty="0" err="1"/>
               <a:t>AUTOtech.agil</a:t>
             </a:r>
             <a:r>
-              <a:rPr lang="de-DE" sz="1600" dirty="0" smtClean="0"/>
+              <a:rPr lang="de-DE" sz="1600" dirty="0"/>
               <a:t>: </a:t>
             </a:r>
             <a:r>
-              <a:rPr lang="de-DE" sz="1600" dirty="0" err="1" smtClean="0"/>
+              <a:rPr lang="de-DE" sz="1600" dirty="0" err="1"/>
               <a:t>Softwareenticklung</a:t>
             </a:r>
             <a:endParaRPr lang="de-DE" sz="1600" dirty="0"/>
@@ -13405,7 +13229,7 @@
               <a:t> </a:t>
             </a:r>
             <a:r>
-              <a:rPr lang="de-DE" sz="1600" dirty="0" err="1" smtClean="0"/>
+              <a:rPr lang="de-DE" sz="1600" dirty="0" err="1"/>
               <a:t>Smartstick</a:t>
             </a:r>
             <a:endParaRPr lang="de-DE" sz="1600" dirty="0"/>
@@ -13421,13 +13245,8 @@
             </a:r>
             <a:r>
               <a:rPr lang="de-DE" sz="1600" dirty="0"/>
-              <a:t>: Support für Steuergeräteentwicklung, Hardware Tests</a:t>
-            </a:r>
-            <a:r>
-              <a:rPr lang="de-DE" sz="1600" dirty="0" smtClean="0"/>
-              <a:t>.</a:t>
-            </a:r>
-            <a:endParaRPr lang="de-DE" sz="1600" dirty="0"/>
+              <a:t>: Support für Steuergeräteentwicklung, Hardware Tests.</a:t>
+            </a:r>
           </a:p>
           <a:p>
             <a:pPr marL="285750" indent="-285750">
@@ -13706,21 +13525,13 @@
           <a:p>
             <a:r>
               <a:rPr lang="de-DE" dirty="0"/>
-              <a:t>Softwarestruktur und </a:t>
-            </a:r>
-            <a:r>
-              <a:rPr lang="de-DE" dirty="0" smtClean="0"/>
-              <a:t>Plattform</a:t>
-            </a:r>
-          </a:p>
-          <a:p>
-            <a:r>
-              <a:rPr lang="de-DE" dirty="0" smtClean="0"/>
-              <a:t>Geplante </a:t>
-            </a:r>
+              <a:t>Softwarestruktur und Plattform</a:t>
+            </a:r>
+          </a:p>
+          <a:p>
             <a:r>
               <a:rPr lang="de-DE" dirty="0"/>
-              <a:t>Ziele</a:t>
+              <a:t>Geplante Ziele</a:t>
             </a:r>
           </a:p>
           <a:p>
@@ -14373,24 +14184,19 @@
           </a:p>
           <a:p>
             <a:r>
-              <a:rPr lang="de-DE" dirty="0" smtClean="0"/>
+              <a:rPr lang="de-DE" dirty="0"/>
               <a:t>Verteiltes Rechnen</a:t>
             </a:r>
-            <a:endParaRPr lang="de-DE" dirty="0"/>
           </a:p>
           <a:p>
             <a:r>
               <a:rPr lang="de-DE" dirty="0"/>
-              <a:t>Softwarestruktur und </a:t>
-            </a:r>
-            <a:r>
-              <a:rPr lang="de-DE" dirty="0" smtClean="0"/>
-              <a:t>Plattform</a:t>
-            </a:r>
-          </a:p>
-          <a:p>
-            <a:r>
-              <a:rPr lang="de-DE" dirty="0" smtClean="0"/>
+              <a:t>Softwarestruktur und Plattform</a:t>
+            </a:r>
+          </a:p>
+          <a:p>
+            <a:r>
+              <a:rPr lang="de-DE" dirty="0"/>
               <a:t>Geplante Ziele</a:t>
             </a:r>
           </a:p>
@@ -14399,14 +14205,12 @@
               <a:rPr lang="de-DE" dirty="0"/>
               <a:t>Arbeitsfortschritt und nächste Schritte</a:t>
             </a:r>
-            <a:endParaRPr lang="de-DE" dirty="0" smtClean="0"/>
-          </a:p>
-          <a:p>
-            <a:r>
-              <a:rPr lang="de-DE" dirty="0" smtClean="0"/>
+          </a:p>
+          <a:p>
+            <a:r>
+              <a:rPr lang="de-DE" dirty="0"/>
               <a:t>Finanzierung</a:t>
             </a:r>
-            <a:endParaRPr lang="de-DE" dirty="0"/>
           </a:p>
           <a:p>
             <a:endParaRPr lang="en-GB" dirty="0"/>
@@ -14547,10 +14351,9 @@
           <a:lstStyle/>
           <a:p>
             <a:r>
-              <a:rPr lang="de-DE" dirty="0" smtClean="0"/>
+              <a:rPr lang="de-DE" dirty="0"/>
               <a:t>Verteiltes Rechnen</a:t>
             </a:r>
-            <a:endParaRPr lang="de-DE" dirty="0"/>
           </a:p>
         </p:txBody>
       </p:sp>
@@ -14940,20 +14743,12 @@
               <a:t>Rechenleistung von Autonomen Fahrzeugen für </a:t>
             </a:r>
             <a:r>
-              <a:rPr lang="de-DE" dirty="0" err="1" smtClean="0"/>
+              <a:rPr lang="de-DE" dirty="0" err="1"/>
               <a:t>Machine</a:t>
             </a:r>
             <a:r>
               <a:rPr lang="de-DE" dirty="0"/>
-              <a:t>-</a:t>
-            </a:r>
-            <a:r>
-              <a:rPr lang="de-DE" dirty="0" smtClean="0"/>
-              <a:t>Learning </a:t>
-            </a:r>
-            <a:r>
-              <a:rPr lang="de-DE" dirty="0"/>
-              <a:t>vergleichbar mit mehreren Rechenmodulen  in Cloud-Servern</a:t>
+              <a:t>-Learning vergleichbar mit mehreren Rechenmodulen  in Cloud-Servern</a:t>
             </a:r>
           </a:p>
           <a:p>
@@ -14970,11 +14765,7 @@
             </a:pPr>
             <a:r>
               <a:rPr lang="de-DE" dirty="0"/>
-              <a:t>Bei Bereitstellung von Rechenleistung in Fahrzeugen kann erheblich Hardware für Cloud Serverzentren eingespart </a:t>
-            </a:r>
-            <a:r>
-              <a:rPr lang="de-DE" dirty="0" smtClean="0"/>
-              <a:t>werden</a:t>
+              <a:t>Bei Bereitstellung von Rechenleistung in Fahrzeugen kann erheblich Hardware für Cloud Serverzentren eingespart werden</a:t>
             </a:r>
           </a:p>
           <a:p>
@@ -14990,30 +14781,17 @@
               <a:buChar char="§"/>
             </a:pPr>
             <a:r>
-              <a:rPr lang="de-DE" dirty="0" err="1" smtClean="0"/>
-              <a:t>Anwengungsbereich</a:t>
-            </a:r>
-            <a:r>
-              <a:rPr lang="de-DE" dirty="0" smtClean="0"/>
-              <a:t>: Stark </a:t>
-            </a:r>
-            <a:r>
-              <a:rPr lang="de-DE" dirty="0" err="1" smtClean="0"/>
+              <a:rPr lang="de-DE" dirty="0"/>
+              <a:t>Anwendungsbereich: Stark </a:t>
+            </a:r>
+            <a:r>
+              <a:rPr lang="de-DE" dirty="0" err="1"/>
               <a:t>parallelisierbare</a:t>
             </a:r>
             <a:r>
-              <a:rPr lang="de-DE" dirty="0" smtClean="0"/>
-              <a:t> </a:t>
-            </a:r>
-            <a:r>
-              <a:rPr lang="de-DE" dirty="0" err="1" smtClean="0"/>
-              <a:t>berechnungen</a:t>
-            </a:r>
-            <a:r>
-              <a:rPr lang="de-DE" dirty="0" smtClean="0"/>
-              <a:t>: Neuronale Netze, Astronomie, Biologie, Wettermodelle, Finanzen</a:t>
-            </a:r>
-            <a:endParaRPr lang="de-DE" dirty="0"/>
+              <a:rPr lang="de-DE" dirty="0"/>
+              <a:t> Berechnungen: Neuronale Netze, Astronomie, Biologie, Wettermodelle, Finanzen</a:t>
+            </a:r>
           </a:p>
           <a:p>
             <a:endParaRPr lang="de-DE" b="1" dirty="0"/>
@@ -15790,7 +15568,7 @@
             </a:r>
             <a:r>
               <a:rPr lang="en-GB" sz="1600" dirty="0" err="1"/>
-              <a:t>Verwalung</a:t>
+              <a:t>Verwalungsapplikation</a:t>
             </a:r>
             <a:r>
               <a:rPr lang="en-GB" sz="1600" dirty="0"/>
@@ -15810,11 +15588,11 @@
             </a:r>
             <a:r>
               <a:rPr lang="en-GB" sz="1600" dirty="0"/>
-              <a:t>, die </a:t>
+              <a:t>, die in </a:t>
             </a:r>
             <a:r>
               <a:rPr lang="en-GB" sz="1600" dirty="0" err="1"/>
-              <a:t>als</a:t>
+              <a:t>einem</a:t>
             </a:r>
             <a:r>
               <a:rPr lang="en-GB" sz="1600" dirty="0"/>
@@ -15830,15 +15608,23 @@
             </a:r>
             <a:r>
               <a:rPr lang="en-GB" sz="1600" dirty="0" err="1"/>
-              <a:t>ausgeführt</a:t>
+              <a:t>berechnet</a:t>
             </a:r>
             <a:r>
               <a:rPr lang="en-GB" sz="1600" dirty="0"/>
-              <a:t> warden </a:t>
+              <a:t> </a:t>
             </a:r>
             <a:r>
               <a:rPr lang="en-GB" sz="1600" dirty="0" err="1"/>
-              <a:t>soll</a:t>
+              <a:t>werden</a:t>
+            </a:r>
+            <a:r>
+              <a:rPr lang="en-GB" sz="1600" dirty="0"/>
+              <a:t> </a:t>
+            </a:r>
+            <a:r>
+              <a:rPr lang="en-GB" sz="1600" dirty="0" err="1"/>
+              <a:t>sollen</a:t>
             </a:r>
             <a:endParaRPr lang="en-GB" sz="1600" dirty="0"/>
           </a:p>
@@ -15872,10 +15658,10 @@
               <a:t> </a:t>
             </a:r>
             <a:r>
-              <a:rPr lang="en-GB" sz="1600" dirty="0" err="1" smtClean="0"/>
+              <a:rPr lang="en-GB" sz="1600" dirty="0" err="1"/>
               <a:t>Applikation</a:t>
             </a:r>
-            <a:endParaRPr lang="en-GB" sz="1600" dirty="0" smtClean="0"/>
+            <a:endParaRPr lang="en-GB" sz="1600" dirty="0"/>
           </a:p>
           <a:p>
             <a:pPr marL="285750" indent="-285750">
@@ -15883,47 +15669,47 @@
               <a:buChar char="§"/>
             </a:pPr>
             <a:r>
-              <a:rPr lang="en-GB" sz="1600" dirty="0" err="1" smtClean="0"/>
+              <a:rPr lang="en-GB" sz="1600" dirty="0" err="1"/>
               <a:t>Versorgt</a:t>
             </a:r>
             <a:r>
-              <a:rPr lang="en-GB" sz="1600" dirty="0" smtClean="0"/>
+              <a:rPr lang="en-GB" sz="1600" dirty="0"/>
               <a:t> </a:t>
             </a:r>
             <a:r>
-              <a:rPr lang="en-GB" sz="1600" dirty="0" err="1" smtClean="0"/>
+              <a:rPr lang="en-GB" sz="1600" dirty="0" err="1"/>
               <a:t>Applikation</a:t>
             </a:r>
             <a:r>
-              <a:rPr lang="en-GB" sz="1600" dirty="0" smtClean="0"/>
+              <a:rPr lang="en-GB" sz="1600" dirty="0"/>
               <a:t> </a:t>
             </a:r>
             <a:r>
-              <a:rPr lang="en-GB" sz="1600" dirty="0" err="1" smtClean="0"/>
+              <a:rPr lang="en-GB" sz="1600" dirty="0" err="1"/>
               <a:t>mit</a:t>
             </a:r>
             <a:r>
-              <a:rPr lang="en-GB" sz="1600" dirty="0" smtClean="0"/>
+              <a:rPr lang="en-GB" sz="1600" dirty="0"/>
               <a:t> </a:t>
             </a:r>
             <a:r>
-              <a:rPr lang="en-GB" sz="1600" dirty="0" err="1" smtClean="0"/>
+              <a:rPr lang="en-GB" sz="1600" dirty="0" err="1"/>
               <a:t>Daten</a:t>
             </a:r>
             <a:r>
-              <a:rPr lang="en-GB" sz="1600" dirty="0" smtClean="0"/>
+              <a:rPr lang="en-GB" sz="1600" dirty="0"/>
               <a:t>, </a:t>
             </a:r>
             <a:r>
-              <a:rPr lang="en-GB" sz="1600" dirty="0" err="1" smtClean="0"/>
+              <a:rPr lang="en-GB" sz="1600" dirty="0" err="1"/>
               <a:t>erhält</a:t>
             </a:r>
             <a:r>
-              <a:rPr lang="en-GB" sz="1600" dirty="0" smtClean="0"/>
+              <a:rPr lang="en-GB" sz="1600" dirty="0"/>
               <a:t> </a:t>
             </a:r>
             <a:r>
-              <a:rPr lang="en-GB" sz="1600" dirty="0" err="1" smtClean="0"/>
+              <a:rPr lang="en-GB" sz="1600" dirty="0" err="1"/>
               <a:t>Ergebnisse</a:t>
             </a:r>
             <a:endParaRPr lang="en-GB" sz="1600" dirty="0"/>
@@ -17711,13 +17497,8 @@
             </a:pPr>
             <a:r>
               <a:rPr lang="de-DE" dirty="0"/>
-              <a:t>Reduzierte Latenz und Bandbreitenverbrauch im Edge </a:t>
-            </a:r>
-            <a:r>
-              <a:rPr lang="de-DE" dirty="0" err="1"/>
-              <a:t>netzwerk</a:t>
-            </a:r>
-            <a:endParaRPr lang="de-DE" dirty="0"/>
+              <a:t>Reduzierte Latenz und Bandbreitenverbrauch im Edge Netzwerk</a:t>
+            </a:r>
           </a:p>
           <a:p>
             <a:pPr marL="285750" indent="-285750">

--- a/Vortrag/Themenstellung.pptx
+++ b/Vortrag/Themenstellung.pptx
@@ -12924,7 +12924,7 @@
             </a:r>
             <a:r>
               <a:rPr lang="de-DE" dirty="0"/>
-              <a:t>Studium: Maschinenbau Bachelor mit Vertiefung Fahrzeugtechnik an 		der RWTH Aachen</a:t>
+              <a:t>Studium: Maschinenbau Bachelor mit Vertiefung Fahrzeugtechnik an 	der RWTH Aachen</a:t>
             </a:r>
             <a:endParaRPr lang="LID4096" dirty="0"/>
           </a:p>
@@ -13132,7 +13132,7 @@
             </a:pPr>
             <a:r>
               <a:rPr lang="de-DE" sz="1600" dirty="0"/>
-              <a:t>Hardwarenahe Softwareentwicklung</a:t>
+              <a:t>Softwareentwicklung</a:t>
             </a:r>
           </a:p>
           <a:p>

--- a/Vortrag/Themenstellung.pptx
+++ b/Vortrag/Themenstellung.pptx
@@ -355,7 +355,7 @@
             <a:fld id="{3B1880FF-5A4E-4F25-9CEE-0D75F7C3E5E1}" type="datetimeFigureOut">
               <a:rPr lang="de-DE" smtClean="0"/>
               <a:pPr/>
-              <a:t>29.11.2022</a:t>
+              <a:t>30.11.2022</a:t>
             </a:fld>
             <a:endParaRPr lang="de-DE"/>
           </a:p>
@@ -455,7 +455,7 @@
             <a:fld id="{4D31F1D7-8377-4A76-8F5D-3E76EEE25737}" type="datetimeFigureOut">
               <a:rPr lang="de-DE" smtClean="0"/>
               <a:pPr/>
-              <a:t>29.11.2022</a:t>
+              <a:t>30.11.2022</a:t>
             </a:fld>
             <a:endParaRPr lang="de-DE"/>
           </a:p>
@@ -2391,6 +2391,10 @@
               <a:rPr lang="en-GB" noProof="0" dirty="0" err="1"/>
               <a:t>Veranstaltung</a:t>
             </a:r>
+            <a:r>
+              <a:rPr lang="en-GB" noProof="0" dirty="0"/>
+              <a:t/>
+            </a:r>
             <a:br>
               <a:rPr lang="en-GB" noProof="0" dirty="0"/>
             </a:br>
@@ -2409,6 +2413,10 @@
             <a:r>
               <a:rPr lang="en-GB" noProof="0" dirty="0" err="1"/>
               <a:t>Fett</a:t>
+            </a:r>
+            <a:r>
+              <a:rPr lang="en-GB" noProof="0" dirty="0"/>
+              <a:t/>
             </a:r>
             <a:br>
               <a:rPr lang="en-GB" noProof="0" dirty="0"/>
@@ -3094,7 +3102,7 @@
           <p:nvPr userDrawn="1"/>
         </p:nvPicPr>
         <p:blipFill>
-          <a:blip r:embed="rId8">
+          <a:blip r:embed="rId9">
             <a:extLst>
               <a:ext uri="{28A0092B-C50C-407E-A947-70E740481C1C}">
                 <a14:useLocalDpi xmlns:a14="http://schemas.microsoft.com/office/drawing/2010/main" val="0"/>
@@ -3123,7 +3131,7 @@
           </p:cNvGraphicFramePr>
           <p:nvPr>
             <p:custDataLst>
-              <p:tags r:id="rId7"/>
+              <p:tags r:id="rId8"/>
             </p:custDataLst>
           </p:nvPr>
         </p:nvGraphicFramePr>
@@ -3135,12 +3143,12 @@
           <a:graphicData uri="http://schemas.openxmlformats.org/presentationml/2006/ole">
             <mc:AlternateContent xmlns:mc="http://schemas.openxmlformats.org/markup-compatibility/2006">
               <mc:Choice xmlns:v="urn:schemas-microsoft-com:vml" Requires="v">
-                <p:oleObj name="think-cell Folie" r:id="rId9" imgW="360" imgH="360" progId="">
+                <p:oleObj spid="_x0000_s1039" name="think-cell Folie" r:id="rId10" imgW="360" imgH="360" progId="">
                   <p:embed/>
                 </p:oleObj>
               </mc:Choice>
               <mc:Fallback>
-                <p:oleObj name="think-cell Folie" r:id="rId9" imgW="360" imgH="360" progId="">
+                <p:oleObj name="think-cell Folie" r:id="rId10" imgW="360" imgH="360" progId="">
                   <p:embed/>
                   <p:pic>
                     <p:nvPicPr>
@@ -3151,7 +3159,7 @@
                       <p:nvPr/>
                     </p:nvPicPr>
                     <p:blipFill>
-                      <a:blip r:embed="rId10">
+                      <a:blip r:embed="rId11">
                         <a:extLst>
                           <a:ext uri="{28A0092B-C50C-407E-A947-70E740481C1C}">
                             <a14:useLocalDpi xmlns:a14="http://schemas.microsoft.com/office/drawing/2010/main" val="0"/>
@@ -5086,6 +5094,13 @@
   <p:clrMapOvr>
     <a:masterClrMapping/>
   </p:clrMapOvr>
+  <p:timing>
+    <p:tnLst>
+      <p:par>
+        <p:cTn id="1" dur="indefinite" restart="never" nodeType="tmRoot"/>
+      </p:par>
+    </p:tnLst>
+  </p:timing>
 </p:sld>
 </file>
 
@@ -5513,7 +5528,7 @@
         </p:nvGrpSpPr>
         <p:grpSpPr>
           <a:xfrm>
-            <a:off x="1056658" y="1116449"/>
+            <a:off x="1655548" y="1214914"/>
             <a:ext cx="1308371" cy="1156230"/>
             <a:chOff x="648984" y="5329137"/>
             <a:chExt cx="1308371" cy="1156230"/>
@@ -5638,10 +5653,10 @@
             <a:lstStyle/>
             <a:p>
               <a:r>
-                <a:rPr lang="en-GB" sz="1400" b="1" dirty="0" err="1"/>
+                <a:rPr lang="de-DE" sz="1400" b="1" dirty="0" smtClean="0"/>
                 <a:t>Auftraggeber</a:t>
               </a:r>
-              <a:endParaRPr lang="en-DE" sz="1400" b="1" dirty="0"/>
+              <a:endParaRPr lang="de-DE" sz="1400" b="1" dirty="0"/>
             </a:p>
           </p:txBody>
         </p:sp>
@@ -5724,9 +5739,9 @@
           <p:grpSpPr>
             <a:xfrm>
               <a:off x="648984" y="1730156"/>
-              <a:ext cx="5480158" cy="3364856"/>
+              <a:ext cx="5480158" cy="3172123"/>
               <a:chOff x="563224" y="1700808"/>
-              <a:chExt cx="10861367" cy="4222292"/>
+              <a:chExt cx="10861367" cy="3980446"/>
             </a:xfrm>
           </p:grpSpPr>
           <p:sp>
@@ -5769,30 +5784,13 @@
               <a:p>
                 <a:pPr algn="ctr"/>
                 <a:r>
-                  <a:rPr lang="en-GB" sz="1000" b="1" dirty="0" err="1"/>
-                  <a:t>Benutzeroberoberfläche</a:t>
+                  <a:rPr lang="de-DE" sz="1000" b="1" dirty="0" smtClean="0"/>
+                  <a:t>Benutzeroberoberfläche für Auftraggeber</a:t>
                 </a:r>
-                <a:r>
-                  <a:rPr lang="en-GB" sz="1000" b="1" dirty="0"/>
-                  <a:t> </a:t>
-                </a:r>
-                <a:r>
-                  <a:rPr lang="en-GB" sz="1000" b="1" dirty="0" err="1"/>
-                  <a:t>für</a:t>
-                </a:r>
-                <a:r>
-                  <a:rPr lang="en-GB" sz="1000" b="1" dirty="0"/>
-                  <a:t> </a:t>
-                </a:r>
-                <a:r>
-                  <a:rPr lang="en-GB" sz="1000" b="1" dirty="0" err="1"/>
-                  <a:t>Auftraggeber</a:t>
-                </a:r>
-                <a:endParaRPr lang="en-GB" sz="1000" b="1" dirty="0"/>
               </a:p>
               <a:p>
                 <a:pPr algn="ctr"/>
-                <a:endParaRPr lang="en-GB" sz="1000" b="1" dirty="0"/>
+                <a:endParaRPr lang="de-DE" sz="1000" b="1" dirty="0" smtClean="0"/>
               </a:p>
               <a:p>
                 <a:pPr marL="285750" indent="-285750">
@@ -5800,50 +5798,9 @@
                   <a:buChar char="•"/>
                 </a:pPr>
                 <a:r>
-                  <a:rPr lang="en-GB" sz="1000" dirty="0" err="1"/>
-                  <a:t>Auftraggeber</a:t>
+                  <a:rPr lang="de-DE" sz="1000" dirty="0" smtClean="0"/>
+                  <a:t>Auftraggeber kann Applikation zur Verfügung stellen</a:t>
                 </a:r>
-                <a:r>
-                  <a:rPr lang="en-GB" sz="1000" dirty="0"/>
-                  <a:t> </a:t>
-                </a:r>
-                <a:r>
-                  <a:rPr lang="en-GB" sz="1000" dirty="0" err="1"/>
-                  <a:t>kann</a:t>
-                </a:r>
-                <a:r>
-                  <a:rPr lang="en-GB" sz="1000" dirty="0"/>
-                  <a:t> </a:t>
-                </a:r>
-                <a:r>
-                  <a:rPr lang="en-GB" sz="1000" dirty="0" err="1"/>
-                  <a:t>Applikation</a:t>
-                </a:r>
-                <a:r>
-                  <a:rPr lang="en-GB" sz="1000" dirty="0"/>
-                  <a:t> </a:t>
-                </a:r>
-                <a:r>
-                  <a:rPr lang="en-GB" sz="1000" dirty="0" err="1"/>
-                  <a:t>zur</a:t>
-                </a:r>
-                <a:r>
-                  <a:rPr lang="en-GB" sz="1000" dirty="0"/>
-                  <a:t> </a:t>
-                </a:r>
-                <a:r>
-                  <a:rPr lang="en-GB" sz="1000" dirty="0" err="1"/>
-                  <a:t>Verfügung</a:t>
-                </a:r>
-                <a:r>
-                  <a:rPr lang="en-GB" sz="1000" dirty="0"/>
-                  <a:t> </a:t>
-                </a:r>
-                <a:r>
-                  <a:rPr lang="en-GB" sz="1000" dirty="0" err="1"/>
-                  <a:t>stellen</a:t>
-                </a:r>
-                <a:endParaRPr lang="de-DE" sz="1000" dirty="0"/>
               </a:p>
               <a:p>
                 <a:pPr marL="285750" indent="-285750">
@@ -5851,8 +5808,12 @@
                   <a:buChar char="•"/>
                 </a:pPr>
                 <a:r>
+                  <a:rPr lang="de-DE" sz="1000" dirty="0" smtClean="0"/>
+                  <a:t>Rahmenbedingungen </a:t>
+                </a:r>
+                <a:r>
                   <a:rPr lang="de-DE" sz="1000" dirty="0"/>
-                  <a:t>Rahmenbedingungen definieren</a:t>
+                  <a:t>definieren</a:t>
                 </a:r>
               </a:p>
               <a:p>
@@ -5914,17 +5875,16 @@
               <a:p>
                 <a:pPr algn="ctr"/>
                 <a:r>
-                  <a:rPr lang="en-GB" sz="1000" b="1" dirty="0" err="1"/>
+                  <a:rPr lang="de-DE" sz="1000" b="1" dirty="0" smtClean="0"/>
                   <a:t>Verwaltungsapplikation</a:t>
                 </a:r>
-                <a:endParaRPr lang="en-GB" sz="1000" b="1" dirty="0"/>
               </a:p>
               <a:p>
                 <a:pPr marL="285750" indent="-285750">
                   <a:buFont typeface="Arial" panose="020B0604020202020204" pitchFamily="34" charset="0"/>
                   <a:buChar char="•"/>
                 </a:pPr>
-                <a:endParaRPr lang="en-GB" sz="1000" b="1" dirty="0"/>
+                <a:endParaRPr lang="de-DE" sz="1000" b="1" dirty="0" smtClean="0"/>
               </a:p>
               <a:p>
                 <a:pPr marL="285750" indent="-285750">
@@ -5932,50 +5892,9 @@
                   <a:buChar char="•"/>
                 </a:pPr>
                 <a:r>
-                  <a:rPr lang="en-GB" sz="1000" dirty="0" err="1"/>
-                  <a:t>Verteilt</a:t>
+                  <a:rPr lang="de-DE" sz="1000" dirty="0" smtClean="0"/>
+                  <a:t>Verteilt Applikation vom Auftraggeber auf kompatible Steuergeräte</a:t>
                 </a:r>
-                <a:r>
-                  <a:rPr lang="en-GB" sz="1000" dirty="0"/>
-                  <a:t> </a:t>
-                </a:r>
-                <a:r>
-                  <a:rPr lang="en-GB" sz="1000" dirty="0" err="1"/>
-                  <a:t>Applikation</a:t>
-                </a:r>
-                <a:r>
-                  <a:rPr lang="en-GB" sz="1000" dirty="0"/>
-                  <a:t> </a:t>
-                </a:r>
-                <a:r>
-                  <a:rPr lang="en-GB" sz="1000" dirty="0" err="1"/>
-                  <a:t>vom</a:t>
-                </a:r>
-                <a:r>
-                  <a:rPr lang="en-GB" sz="1000" dirty="0"/>
-                  <a:t> </a:t>
-                </a:r>
-                <a:r>
-                  <a:rPr lang="en-GB" sz="1000" dirty="0" err="1"/>
-                  <a:t>Auftraggeber</a:t>
-                </a:r>
-                <a:r>
-                  <a:rPr lang="en-GB" sz="1000" dirty="0"/>
-                  <a:t> auf </a:t>
-                </a:r>
-                <a:r>
-                  <a:rPr lang="en-GB" sz="1000" dirty="0" err="1"/>
-                  <a:t>komplatible</a:t>
-                </a:r>
-                <a:r>
-                  <a:rPr lang="en-GB" sz="1000" dirty="0"/>
-                  <a:t> </a:t>
-                </a:r>
-                <a:r>
-                  <a:rPr lang="en-GB" sz="1000" dirty="0" err="1"/>
-                  <a:t>Steuergeräte</a:t>
-                </a:r>
-                <a:endParaRPr lang="en-GB" sz="1000" dirty="0"/>
               </a:p>
               <a:p>
                 <a:pPr marL="285750" indent="-285750">
@@ -5983,29 +5902,12 @@
                   <a:buChar char="•"/>
                 </a:pPr>
                 <a:r>
-                  <a:rPr lang="en-GB" sz="1000" dirty="0" err="1"/>
-                  <a:t>Lädt</a:t>
+                  <a:rPr lang="de-DE" sz="1000" dirty="0" smtClean="0"/>
+                  <a:t>Lädt Applikation auf Fahrzeugsteuergeräte</a:t>
                 </a:r>
-                <a:r>
-                  <a:rPr lang="en-GB" sz="1000" dirty="0"/>
-                  <a:t> </a:t>
-                </a:r>
-                <a:r>
-                  <a:rPr lang="en-GB" sz="1000" dirty="0" err="1"/>
-                  <a:t>Applikation</a:t>
-                </a:r>
-                <a:r>
-                  <a:rPr lang="en-GB" sz="1000" dirty="0"/>
-                  <a:t> auf </a:t>
-                </a:r>
-                <a:r>
-                  <a:rPr lang="en-GB" sz="1000" dirty="0" err="1"/>
-                  <a:t>Fahrzeugsteuergeräte</a:t>
-                </a:r>
-                <a:endParaRPr lang="en-GB" sz="1000" dirty="0"/>
               </a:p>
               <a:p>
-                <a:endParaRPr lang="en-GB" sz="1000" dirty="0"/>
+                <a:endParaRPr lang="de-DE" sz="1000" dirty="0" smtClean="0"/>
               </a:p>
               <a:p>
                 <a:pPr marL="285750" indent="-285750">
@@ -6013,49 +5915,16 @@
                   <a:buChar char="•"/>
                 </a:pPr>
                 <a:r>
-                  <a:rPr lang="en-GB" sz="1000" dirty="0" err="1"/>
-                  <a:t>Bietet</a:t>
+                  <a:rPr lang="de-DE" sz="1000" dirty="0" smtClean="0"/>
+                  <a:t>Bietet Möglichkeit für parallele Berechnungen</a:t>
                 </a:r>
-                <a:r>
-                  <a:rPr lang="en-GB" sz="1000" dirty="0"/>
-                  <a:t> </a:t>
-                </a:r>
-                <a:r>
-                  <a:rPr lang="en-GB" sz="1000" dirty="0" err="1"/>
-                  <a:t>möglichkeit</a:t>
-                </a:r>
-                <a:r>
-                  <a:rPr lang="en-GB" sz="1000" dirty="0"/>
-                  <a:t> </a:t>
-                </a:r>
-                <a:r>
-                  <a:rPr lang="en-GB" sz="1000" dirty="0" err="1"/>
-                  <a:t>für</a:t>
-                </a:r>
-                <a:r>
-                  <a:rPr lang="en-GB" sz="1000" dirty="0"/>
-                  <a:t> </a:t>
-                </a:r>
-                <a:r>
-                  <a:rPr lang="en-GB" sz="1000" dirty="0" err="1"/>
-                  <a:t>parallele</a:t>
-                </a:r>
-                <a:r>
-                  <a:rPr lang="en-GB" sz="1000" dirty="0"/>
-                  <a:t> </a:t>
-                </a:r>
-                <a:r>
-                  <a:rPr lang="en-GB" sz="1000" dirty="0" err="1"/>
-                  <a:t>Berechnungen</a:t>
-                </a:r>
-                <a:endParaRPr lang="en-GB" sz="1000" dirty="0"/>
               </a:p>
               <a:p>
                 <a:pPr marL="285750" indent="-285750">
                   <a:buFont typeface="Arial" panose="020B0604020202020204" pitchFamily="34" charset="0"/>
                   <a:buChar char="•"/>
                 </a:pPr>
-                <a:endParaRPr lang="en-GB" sz="1000" dirty="0"/>
+                <a:endParaRPr lang="de-DE" sz="1000" dirty="0" smtClean="0"/>
               </a:p>
               <a:p>
                 <a:pPr marL="285750" indent="-285750">
@@ -6063,36 +5932,8 @@
                   <a:buChar char="•"/>
                 </a:pPr>
                 <a:r>
-                  <a:rPr lang="en-GB" sz="1000" dirty="0" err="1"/>
-                  <a:t>Ermittelt</a:t>
-                </a:r>
-                <a:r>
-                  <a:rPr lang="en-GB" sz="1000" dirty="0"/>
-                  <a:t> </a:t>
-                </a:r>
-                <a:r>
-                  <a:rPr lang="en-GB" sz="1000" dirty="0" err="1"/>
-                  <a:t>Verfügbare</a:t>
-                </a:r>
-                <a:r>
-                  <a:rPr lang="en-GB" sz="1000" dirty="0"/>
-                  <a:t> </a:t>
-                </a:r>
-                <a:r>
-                  <a:rPr lang="en-GB" sz="1000" dirty="0" err="1"/>
-                  <a:t>Rechenleistung</a:t>
-                </a:r>
-                <a:r>
-                  <a:rPr lang="en-GB" sz="1000" dirty="0"/>
-                  <a:t> von </a:t>
-                </a:r>
-                <a:r>
-                  <a:rPr lang="en-GB" sz="1000" dirty="0" err="1"/>
-                  <a:t>Fahrzeugen</a:t>
-                </a:r>
-                <a:r>
-                  <a:rPr lang="en-GB" sz="1000" dirty="0"/>
-                  <a:t> </a:t>
+                  <a:rPr lang="de-DE" sz="1000" dirty="0" smtClean="0"/>
+                  <a:t>Ermittelt Verfügbare Rechenleistung von Fahrzeugen </a:t>
                 </a:r>
               </a:p>
               <a:p>
@@ -6100,7 +5941,7 @@
                   <a:buFont typeface="Arial" panose="020B0604020202020204" pitchFamily="34" charset="0"/>
                   <a:buChar char="•"/>
                 </a:pPr>
-                <a:endParaRPr lang="en-GB" sz="1000" dirty="0"/>
+                <a:endParaRPr lang="de-DE" sz="1000" dirty="0" smtClean="0"/>
               </a:p>
               <a:p>
                 <a:pPr marL="285750" indent="-285750">
@@ -6108,34 +5949,10 @@
                   <a:buChar char="•"/>
                 </a:pPr>
                 <a:r>
-                  <a:rPr lang="en-GB" sz="1000" dirty="0" err="1"/>
-                  <a:t>Überwacht</a:t>
+                  <a:rPr lang="de-DE" sz="1000" dirty="0" smtClean="0"/>
+                  <a:t>Überwacht gelieferte Rechenleistung von Fahrzeugen</a:t>
                 </a:r>
-                <a:r>
-                  <a:rPr lang="en-GB" sz="1000" dirty="0"/>
-                  <a:t> </a:t>
-                </a:r>
-                <a:r>
-                  <a:rPr lang="en-GB" sz="1000" dirty="0" err="1"/>
-                  <a:t>gelieferte</a:t>
-                </a:r>
-                <a:r>
-                  <a:rPr lang="en-GB" sz="1000" dirty="0"/>
-                  <a:t> </a:t>
-                </a:r>
-                <a:r>
-                  <a:rPr lang="en-GB" sz="1000" dirty="0" err="1"/>
-                  <a:t>Rechenleistung</a:t>
-                </a:r>
-                <a:r>
-                  <a:rPr lang="en-GB" sz="1000" dirty="0"/>
-                  <a:t> von </a:t>
-                </a:r>
-                <a:r>
-                  <a:rPr lang="en-GB" sz="1000" dirty="0" err="1"/>
-                  <a:t>Fahrzeugen</a:t>
-                </a:r>
-                <a:endParaRPr lang="en-DE" sz="1000" dirty="0"/>
+                <a:endParaRPr lang="de-DE" sz="1000" dirty="0"/>
               </a:p>
             </p:txBody>
           </p:sp>
@@ -6153,8 +5970,8 @@
             </p:nvSpPr>
             <p:spPr>
               <a:xfrm>
-                <a:off x="4827869" y="4792984"/>
-                <a:ext cx="6584927" cy="1130116"/>
+                <a:off x="4827868" y="4792984"/>
+                <a:ext cx="6584926" cy="888270"/>
               </a:xfrm>
               <a:prstGeom prst="rect">
                 <a:avLst/>
@@ -6179,14 +5996,13 @@
               <a:p>
                 <a:pPr algn="ctr"/>
                 <a:r>
-                  <a:rPr lang="en-GB" sz="1000" b="1" dirty="0" err="1"/>
+                  <a:rPr lang="de-DE" sz="1000" b="1" dirty="0" smtClean="0"/>
                   <a:t>Kommunikationsschnittstelle</a:t>
                 </a:r>
-                <a:endParaRPr lang="en-GB" sz="1000" b="1" dirty="0"/>
               </a:p>
               <a:p>
                 <a:pPr algn="ctr"/>
-                <a:endParaRPr lang="en-GB" sz="1000" b="1" dirty="0"/>
+                <a:endParaRPr lang="de-DE" sz="1000" b="1" dirty="0" smtClean="0"/>
               </a:p>
               <a:p>
                 <a:pPr marL="285750" indent="-285750">
@@ -6194,34 +6010,10 @@
                   <a:buChar char="•"/>
                 </a:pPr>
                 <a:r>
-                  <a:rPr lang="en-GB" sz="1000" dirty="0" err="1"/>
-                  <a:t>Implementiert</a:t>
+                  <a:rPr lang="de-DE" sz="1000" dirty="0" smtClean="0"/>
+                  <a:t>Implementiert Kommunikation mit der Fahrzeugflotte</a:t>
                 </a:r>
-                <a:r>
-                  <a:rPr lang="en-GB" sz="1000" dirty="0"/>
-                  <a:t> </a:t>
-                </a:r>
-                <a:r>
-                  <a:rPr lang="en-GB" sz="1000" dirty="0" err="1"/>
-                  <a:t>Kommunikation</a:t>
-                </a:r>
-                <a:r>
-                  <a:rPr lang="en-GB" sz="1000" dirty="0"/>
-                  <a:t> </a:t>
-                </a:r>
-                <a:r>
-                  <a:rPr lang="en-GB" sz="1000" dirty="0" err="1"/>
-                  <a:t>mit</a:t>
-                </a:r>
-                <a:r>
-                  <a:rPr lang="en-GB" sz="1000" dirty="0"/>
-                  <a:t> der </a:t>
-                </a:r>
-                <a:r>
-                  <a:rPr lang="en-GB" sz="1000" dirty="0" err="1"/>
-                  <a:t>Fahrzeugflotte</a:t>
-                </a:r>
-                <a:endParaRPr lang="en-GB" sz="1000" dirty="0"/>
+                <a:endParaRPr lang="de-DE" sz="1000" dirty="0"/>
               </a:p>
             </p:txBody>
           </p:sp>
@@ -6496,7 +6288,7 @@
         </p:nvGrpSpPr>
         <p:grpSpPr>
           <a:xfrm>
-            <a:off x="6820858" y="1211547"/>
+            <a:off x="6699417" y="2480887"/>
             <a:ext cx="5079900" cy="3950137"/>
             <a:chOff x="6820858" y="1999143"/>
             <a:chExt cx="5079900" cy="3950137"/>
@@ -6611,14 +6403,13 @@
               <a:p>
                 <a:pPr algn="ctr"/>
                 <a:r>
-                  <a:rPr lang="en-GB" sz="1000" b="1" dirty="0" err="1"/>
+                  <a:rPr lang="de-DE" sz="1000" b="1" dirty="0" smtClean="0"/>
                   <a:t>Kommunikationsschnittstelle</a:t>
                 </a:r>
-                <a:endParaRPr lang="en-GB" sz="1000" b="1" dirty="0"/>
               </a:p>
               <a:p>
                 <a:pPr algn="ctr"/>
-                <a:endParaRPr lang="en-GB" sz="1000" b="1" dirty="0"/>
+                <a:endParaRPr lang="de-DE" sz="1000" b="1" dirty="0" smtClean="0"/>
               </a:p>
               <a:p>
                 <a:pPr marL="285750" indent="-285750">
@@ -6626,38 +6417,10 @@
                   <a:buChar char="•"/>
                 </a:pPr>
                 <a:r>
-                  <a:rPr lang="en-GB" sz="1000" dirty="0" err="1"/>
-                  <a:t>Implementiert</a:t>
+                  <a:rPr lang="de-DE" sz="1000" dirty="0" smtClean="0"/>
+                  <a:t>Implementiert Kommunikation mit Verwaltungsapplikation </a:t>
                 </a:r>
-                <a:r>
-                  <a:rPr lang="en-GB" sz="1000" dirty="0"/>
-                  <a:t> </a:t>
-                </a:r>
-                <a:r>
-                  <a:rPr lang="en-GB" sz="1000" dirty="0" err="1"/>
-                  <a:t>Kommunikation</a:t>
-                </a:r>
-                <a:r>
-                  <a:rPr lang="en-GB" sz="1000" dirty="0"/>
-                  <a:t> </a:t>
-                </a:r>
-                <a:r>
-                  <a:rPr lang="en-GB" sz="1000" dirty="0" err="1"/>
-                  <a:t>mit</a:t>
-                </a:r>
-                <a:r>
-                  <a:rPr lang="en-GB" sz="1000" dirty="0"/>
-                  <a:t> </a:t>
-                </a:r>
-                <a:r>
-                  <a:rPr lang="en-GB" sz="1000" dirty="0" err="1"/>
-                  <a:t>Verwaltungsapplikation</a:t>
-                </a:r>
-                <a:r>
-                  <a:rPr lang="en-GB" sz="1000" dirty="0"/>
-                  <a:t> </a:t>
-                </a:r>
-                <a:endParaRPr lang="en-DE" sz="1000" dirty="0"/>
+                <a:endParaRPr lang="de-DE" sz="1000" dirty="0"/>
               </a:p>
             </p:txBody>
           </p:sp>
@@ -6701,21 +6464,20 @@
               <a:p>
                 <a:pPr algn="ctr"/>
                 <a:r>
-                  <a:rPr lang="en-GB" sz="1000" b="1" dirty="0"/>
-                  <a:t>Loader-</a:t>
+                  <a:rPr lang="de-DE" sz="1000" b="1" dirty="0" err="1" smtClean="0"/>
+                  <a:t>Loader</a:t>
                 </a:r>
                 <a:r>
-                  <a:rPr lang="en-GB" sz="1000" b="1" dirty="0" err="1"/>
-                  <a:t>Applikation</a:t>
+                  <a:rPr lang="de-DE" sz="1000" b="1" dirty="0" smtClean="0"/>
+                  <a:t>-Applikation</a:t>
                 </a:r>
-                <a:endParaRPr lang="en-GB" sz="1000" b="1" dirty="0"/>
               </a:p>
               <a:p>
                 <a:pPr marL="285750" indent="-285750">
                   <a:buFont typeface="Arial" panose="020B0604020202020204" pitchFamily="34" charset="0"/>
                   <a:buChar char="•"/>
                 </a:pPr>
-                <a:endParaRPr lang="en-GB" sz="1000" b="1" dirty="0"/>
+                <a:endParaRPr lang="de-DE" sz="1000" b="1" dirty="0" smtClean="0"/>
               </a:p>
               <a:p>
                 <a:pPr marL="285750" indent="-285750">
@@ -6723,73 +6485,16 @@
                   <a:buChar char="•"/>
                 </a:pPr>
                 <a:r>
-                  <a:rPr lang="en-GB" sz="1000" dirty="0" err="1"/>
-                  <a:t>Empfängt</a:t>
+                  <a:rPr lang="de-DE" sz="1000" dirty="0" smtClean="0"/>
+                  <a:t>Empfängt externe Applikation als Binärcode und speichert es im Systemspeicher</a:t>
                 </a:r>
-                <a:r>
-                  <a:rPr lang="en-GB" sz="1000" dirty="0"/>
-                  <a:t> </a:t>
-                </a:r>
-                <a:r>
-                  <a:rPr lang="en-GB" sz="1000" dirty="0" err="1"/>
-                  <a:t>externe</a:t>
-                </a:r>
-                <a:r>
-                  <a:rPr lang="en-GB" sz="1000" dirty="0"/>
-                  <a:t> </a:t>
-                </a:r>
-                <a:r>
-                  <a:rPr lang="en-GB" sz="1000" dirty="0" err="1"/>
-                  <a:t>Applikation</a:t>
-                </a:r>
-                <a:r>
-                  <a:rPr lang="en-GB" sz="1000" dirty="0"/>
-                  <a:t> </a:t>
-                </a:r>
-                <a:r>
-                  <a:rPr lang="en-GB" sz="1000" dirty="0" err="1"/>
-                  <a:t>als</a:t>
-                </a:r>
-                <a:r>
-                  <a:rPr lang="en-GB" sz="1000" dirty="0"/>
-                  <a:t> </a:t>
-                </a:r>
-                <a:r>
-                  <a:rPr lang="en-GB" sz="1000" dirty="0" err="1"/>
-                  <a:t>Binärcode</a:t>
-                </a:r>
-                <a:r>
-                  <a:rPr lang="en-GB" sz="1000" dirty="0"/>
-                  <a:t> und </a:t>
-                </a:r>
-                <a:r>
-                  <a:rPr lang="en-GB" sz="1000" dirty="0" err="1"/>
-                  <a:t>speichert</a:t>
-                </a:r>
-                <a:r>
-                  <a:rPr lang="en-GB" sz="1000" dirty="0"/>
-                  <a:t> es </a:t>
-                </a:r>
-                <a:r>
-                  <a:rPr lang="en-GB" sz="1000" dirty="0" err="1"/>
-                  <a:t>im</a:t>
-                </a:r>
-                <a:r>
-                  <a:rPr lang="en-GB" sz="1000" dirty="0"/>
-                  <a:t> </a:t>
-                </a:r>
-                <a:r>
-                  <a:rPr lang="en-GB" sz="1000" dirty="0" err="1"/>
-                  <a:t>Systemspeicher</a:t>
-                </a:r>
-                <a:endParaRPr lang="en-GB" sz="1000" dirty="0"/>
               </a:p>
               <a:p>
                 <a:pPr marL="285750" indent="-285750">
                   <a:buFont typeface="Arial" panose="020B0604020202020204" pitchFamily="34" charset="0"/>
                   <a:buChar char="•"/>
                 </a:pPr>
-                <a:endParaRPr lang="en-GB" sz="1000" dirty="0"/>
+                <a:endParaRPr lang="de-DE" sz="1000" dirty="0" smtClean="0"/>
               </a:p>
               <a:p>
                 <a:pPr marL="285750" indent="-285750">
@@ -6797,49 +6502,16 @@
                   <a:buChar char="•"/>
                 </a:pPr>
                 <a:r>
-                  <a:rPr lang="en-GB" sz="1000" dirty="0" err="1"/>
-                  <a:t>Kann</a:t>
+                  <a:rPr lang="de-DE" sz="1000" dirty="0" smtClean="0"/>
+                  <a:t>Kann externe Applikation starten und stoppen</a:t>
                 </a:r>
-                <a:r>
-                  <a:rPr lang="en-GB" sz="1000" dirty="0"/>
-                  <a:t> </a:t>
-                </a:r>
-                <a:r>
-                  <a:rPr lang="en-GB" sz="1000" dirty="0" err="1"/>
-                  <a:t>externe</a:t>
-                </a:r>
-                <a:r>
-                  <a:rPr lang="en-GB" sz="1000" dirty="0"/>
-                  <a:t> </a:t>
-                </a:r>
-                <a:r>
-                  <a:rPr lang="en-GB" sz="1000" dirty="0" err="1"/>
-                  <a:t>Applikation</a:t>
-                </a:r>
-                <a:r>
-                  <a:rPr lang="en-GB" sz="1000" dirty="0"/>
-                  <a:t> </a:t>
-                </a:r>
-                <a:r>
-                  <a:rPr lang="en-GB" sz="1000" dirty="0" err="1"/>
-                  <a:t>starten</a:t>
-                </a:r>
-                <a:r>
-                  <a:rPr lang="en-GB" sz="1000" dirty="0"/>
-                  <a:t> und </a:t>
-                </a:r>
-                <a:r>
-                  <a:rPr lang="en-GB" sz="1000" dirty="0" err="1"/>
-                  <a:t>stoppen</a:t>
-                </a:r>
-                <a:endParaRPr lang="en-GB" sz="1000" dirty="0"/>
               </a:p>
               <a:p>
                 <a:pPr marL="285750" indent="-285750">
                   <a:buFont typeface="Arial" panose="020B0604020202020204" pitchFamily="34" charset="0"/>
                   <a:buChar char="•"/>
                 </a:pPr>
-                <a:endParaRPr lang="en-GB" sz="1000" dirty="0"/>
+                <a:endParaRPr lang="de-DE" sz="1000" dirty="0" smtClean="0"/>
               </a:p>
               <a:p>
                 <a:pPr marL="285750" indent="-285750">
@@ -6847,58 +6519,10 @@
                   <a:buChar char="•"/>
                 </a:pPr>
                 <a:r>
-                  <a:rPr lang="en-GB" sz="1000" dirty="0" err="1"/>
-                  <a:t>Kommuniziert</a:t>
+                  <a:rPr lang="de-DE" sz="1000" dirty="0" smtClean="0"/>
+                  <a:t>Kommuniziert mit externe Applikation über definierte Schnittstelle</a:t>
                 </a:r>
-                <a:r>
-                  <a:rPr lang="en-GB" sz="1000" dirty="0"/>
-                  <a:t> </a:t>
-                </a:r>
-                <a:r>
-                  <a:rPr lang="en-GB" sz="1000" dirty="0" err="1"/>
-                  <a:t>mit</a:t>
-                </a:r>
-                <a:r>
-                  <a:rPr lang="en-GB" sz="1000" dirty="0"/>
-                  <a:t> </a:t>
-                </a:r>
-                <a:r>
-                  <a:rPr lang="en-GB" sz="1000" dirty="0" err="1"/>
-                  <a:t>externe</a:t>
-                </a:r>
-                <a:r>
-                  <a:rPr lang="en-GB" sz="1000" dirty="0"/>
-                  <a:t> </a:t>
-                </a:r>
-                <a:r>
-                  <a:rPr lang="en-GB" sz="1000" dirty="0" err="1"/>
-                  <a:t>Applikation</a:t>
-                </a:r>
-                <a:r>
-                  <a:rPr lang="en-GB" sz="1000" dirty="0"/>
-                  <a:t> </a:t>
-                </a:r>
-                <a:r>
-                  <a:rPr lang="en-GB" sz="1000" dirty="0" err="1"/>
-                  <a:t>über</a:t>
-                </a:r>
-                <a:r>
-                  <a:rPr lang="en-GB" sz="1000" dirty="0"/>
-                  <a:t> </a:t>
-                </a:r>
-                <a:r>
-                  <a:rPr lang="en-GB" sz="1000" dirty="0" err="1"/>
-                  <a:t>definierte</a:t>
-                </a:r>
-                <a:r>
-                  <a:rPr lang="en-GB" sz="1000" dirty="0"/>
-                  <a:t> </a:t>
-                </a:r>
-                <a:r>
-                  <a:rPr lang="en-GB" sz="1000" dirty="0" err="1"/>
-                  <a:t>Schnittstelle</a:t>
-                </a:r>
-                <a:endParaRPr lang="en-DE" sz="1000" dirty="0"/>
+                <a:endParaRPr lang="de-DE" sz="1000" dirty="0"/>
               </a:p>
             </p:txBody>
           </p:sp>
@@ -6993,22 +6617,13 @@
               <a:p>
                 <a:pPr algn="ctr"/>
                 <a:r>
-                  <a:rPr lang="en-GB" sz="1000" b="1" dirty="0" err="1"/>
-                  <a:t>Externe</a:t>
+                  <a:rPr lang="de-DE" sz="1000" b="1" dirty="0" smtClean="0"/>
+                  <a:t>Externe Applikation</a:t>
                 </a:r>
-                <a:r>
-                  <a:rPr lang="en-GB" sz="1000" b="1" dirty="0"/>
-                  <a:t> </a:t>
-                </a:r>
-                <a:r>
-                  <a:rPr lang="en-GB" sz="1000" b="1" dirty="0" err="1"/>
-                  <a:t>Applikation</a:t>
-                </a:r>
-                <a:endParaRPr lang="en-GB" sz="1000" b="1" dirty="0"/>
               </a:p>
               <a:p>
                 <a:pPr algn="ctr"/>
-                <a:endParaRPr lang="en-GB" sz="1000" b="1" dirty="0"/>
+                <a:endParaRPr lang="de-DE" sz="1000" b="1" dirty="0" smtClean="0"/>
               </a:p>
               <a:p>
                 <a:pPr marL="285750" indent="-285750">
@@ -7016,34 +6631,9 @@
                   <a:buChar char="•"/>
                 </a:pPr>
                 <a:r>
-                  <a:rPr lang="en-GB" sz="1000" dirty="0" err="1"/>
-                  <a:t>Führt</a:t>
+                  <a:rPr lang="de-DE" sz="1000" dirty="0" smtClean="0"/>
+                  <a:t>Führt Berechnungen für Auftraggeber auf der Hardware aus</a:t>
                 </a:r>
-                <a:r>
-                  <a:rPr lang="en-GB" sz="1000" dirty="0"/>
-                  <a:t> </a:t>
-                </a:r>
-                <a:r>
-                  <a:rPr lang="en-GB" sz="1000" dirty="0" err="1"/>
-                  <a:t>Berechnungen</a:t>
-                </a:r>
-                <a:r>
-                  <a:rPr lang="en-GB" sz="1000" dirty="0"/>
-                  <a:t> für </a:t>
-                </a:r>
-                <a:r>
-                  <a:rPr lang="en-GB" sz="1000" dirty="0" err="1"/>
-                  <a:t>Auftraggeber</a:t>
-                </a:r>
-                <a:r>
-                  <a:rPr lang="en-GB" sz="1000" dirty="0"/>
-                  <a:t> auf der Hardware </a:t>
-                </a:r>
-                <a:r>
-                  <a:rPr lang="en-GB" sz="1000" dirty="0" err="1"/>
-                  <a:t>aus</a:t>
-                </a:r>
-                <a:endParaRPr lang="en-GB" sz="1000" dirty="0"/>
               </a:p>
               <a:p>
                 <a:endParaRPr lang="en-GB" sz="1000" b="1" dirty="0"/>
@@ -7327,8 +6917,8 @@
         </p:nvCxnSpPr>
         <p:spPr>
           <a:xfrm flipV="1">
-            <a:off x="6051416" y="2050120"/>
-            <a:ext cx="945529" cy="3724949"/>
+            <a:off x="6051416" y="3319460"/>
+            <a:ext cx="824088" cy="2359242"/>
           </a:xfrm>
           <a:prstGeom prst="bentConnector3">
             <a:avLst/>
@@ -7367,9 +6957,9 @@
           <p:nvPr/>
         </p:nvCxnSpPr>
         <p:spPr>
-          <a:xfrm rot="16200000" flipV="1">
-            <a:off x="1122825" y="2860698"/>
-            <a:ext cx="1176040" cy="1"/>
+          <a:xfrm rot="5400000" flipH="1" flipV="1">
+            <a:off x="1471502" y="2610488"/>
+            <a:ext cx="1077575" cy="598889"/>
           </a:xfrm>
           <a:prstGeom prst="bentConnector3">
             <a:avLst>
@@ -7410,6 +7000,13 @@
   <p:clrMapOvr>
     <a:masterClrMapping/>
   </p:clrMapOvr>
+  <p:timing>
+    <p:tnLst>
+      <p:par>
+        <p:cTn id="1" dur="indefinite" restart="never" nodeType="tmRoot"/>
+      </p:par>
+    </p:tnLst>
+  </p:timing>
 </p:sld>
 </file>
 
@@ -7545,8 +7142,13 @@
             </a:pPr>
             <a:r>
               <a:rPr lang="de-DE" sz="1600" dirty="0"/>
-              <a:t>Bei geeigneter Absicherung kann jeder öffentlich zugreifen</a:t>
-            </a:r>
+              <a:t>Bei geeigneter Absicherung kann jeder </a:t>
+            </a:r>
+            <a:r>
+              <a:rPr lang="de-DE" sz="1600" dirty="0" smtClean="0"/>
+              <a:t>Auftraggeber sein</a:t>
+            </a:r>
+            <a:endParaRPr lang="de-DE" sz="1600" dirty="0"/>
           </a:p>
           <a:p>
             <a:pPr marL="285750" indent="-285750">
@@ -7707,10 +7309,10 @@
             <a:p>
               <a:pPr algn="ctr"/>
               <a:r>
-                <a:rPr lang="en-GB" dirty="0" err="1"/>
+                <a:rPr lang="de-DE" dirty="0" smtClean="0"/>
                 <a:t>Sicherheit</a:t>
               </a:r>
-              <a:endParaRPr lang="en-DE" dirty="0"/>
+              <a:endParaRPr lang="de-DE" dirty="0"/>
             </a:p>
           </p:txBody>
         </p:sp>
@@ -7768,10 +7370,10 @@
               <a:p>
                 <a:pPr algn="ctr"/>
                 <a:r>
-                  <a:rPr lang="en-GB" dirty="0" err="1"/>
-                  <a:t>Fleixbilität</a:t>
+                  <a:rPr lang="de-DE" dirty="0" smtClean="0"/>
+                  <a:t>Flexibilität</a:t>
                 </a:r>
-                <a:endParaRPr lang="en-DE" dirty="0"/>
+                <a:endParaRPr lang="de-DE" dirty="0"/>
               </a:p>
             </p:txBody>
           </p:sp>
@@ -7815,10 +7417,10 @@
               <a:p>
                 <a:pPr algn="ctr"/>
                 <a:r>
-                  <a:rPr lang="en-GB" dirty="0" err="1"/>
+                  <a:rPr lang="de-DE" dirty="0" smtClean="0"/>
                   <a:t>Benutzerfreundlichkeit</a:t>
                 </a:r>
-                <a:endParaRPr lang="en-DE" dirty="0"/>
+                <a:endParaRPr lang="de-DE" dirty="0"/>
               </a:p>
             </p:txBody>
           </p:sp>
@@ -7872,8 +7474,8 @@
             </p:nvCxnSpPr>
             <p:spPr>
               <a:xfrm flipV="1">
-                <a:off x="7637398" y="1831316"/>
-                <a:ext cx="1063764" cy="1237644"/>
+                <a:off x="7637398" y="1743555"/>
+                <a:ext cx="1063764" cy="1325404"/>
               </a:xfrm>
               <a:prstGeom prst="straightConnector1">
                 <a:avLst/>
@@ -7911,8 +7513,8 @@
             </p:nvCxnSpPr>
             <p:spPr>
               <a:xfrm flipH="1" flipV="1">
-                <a:off x="9637448" y="1831316"/>
-                <a:ext cx="1075818" cy="1237644"/>
+                <a:off x="9637447" y="1743555"/>
+                <a:ext cx="1075819" cy="1325404"/>
               </a:xfrm>
               <a:prstGeom prst="straightConnector1">
                 <a:avLst/>
@@ -7996,6 +7598,13 @@
   <p:clrMapOvr>
     <a:masterClrMapping/>
   </p:clrMapOvr>
+  <p:timing>
+    <p:tnLst>
+      <p:par>
+        <p:cTn id="1" dur="indefinite" restart="never" nodeType="tmRoot"/>
+      </p:par>
+    </p:tnLst>
+  </p:timing>
 </p:sld>
 </file>
 
@@ -8161,33 +7770,40 @@
           <a:lstStyle/>
           <a:p>
             <a:r>
-              <a:rPr lang="en-US" dirty="0" err="1"/>
+              <a:rPr lang="de-DE" dirty="0" smtClean="0"/>
               <a:t>Informationen</a:t>
             </a:r>
             <a:r>
+              <a:rPr lang="en-US" dirty="0" smtClean="0"/>
+              <a:t> </a:t>
+            </a:r>
+            <a:r>
+              <a:rPr lang="de-DE" dirty="0" smtClean="0"/>
+              <a:t>zur</a:t>
+            </a:r>
+            <a:r>
+              <a:rPr lang="en-US" dirty="0" smtClean="0"/>
+              <a:t> </a:t>
+            </a:r>
+            <a:r>
               <a:rPr lang="en-US" dirty="0"/>
-              <a:t> </a:t>
-            </a:r>
-            <a:r>
-              <a:rPr lang="en-US" dirty="0" err="1"/>
-              <a:t>zur</a:t>
-            </a:r>
-            <a:r>
-              <a:rPr lang="en-US" dirty="0"/>
-              <a:t> Person</a:t>
-            </a:r>
-          </a:p>
-          <a:p>
-            <a:r>
-              <a:rPr lang="en-US" dirty="0" err="1"/>
+              <a:t>Person</a:t>
+            </a:r>
+          </a:p>
+          <a:p>
+            <a:r>
+              <a:rPr lang="de-DE" dirty="0" smtClean="0"/>
               <a:t>Einleitung</a:t>
             </a:r>
-            <a:endParaRPr lang="en-US" dirty="0"/>
-          </a:p>
-          <a:p>
+          </a:p>
+          <a:p>
+            <a:r>
+              <a:rPr lang="de-DE" dirty="0" smtClean="0"/>
+              <a:t>Verteiltes </a:t>
+            </a:r>
             <a:r>
               <a:rPr lang="de-DE" dirty="0"/>
-              <a:t>Verteiltes Rechnen</a:t>
+              <a:t>Rechnen</a:t>
             </a:r>
           </a:p>
           <a:p>
@@ -9838,6 +9454,13 @@
   <p:clrMapOvr>
     <a:masterClrMapping/>
   </p:clrMapOvr>
+  <p:timing>
+    <p:tnLst>
+      <p:par>
+        <p:cTn id="1" dur="indefinite" restart="never" nodeType="tmRoot"/>
+      </p:par>
+    </p:tnLst>
+  </p:timing>
 </p:sld>
 </file>
 
@@ -10486,50 +10109,9 @@
               </a:tabLst>
             </a:pPr>
             <a:r>
-              <a:rPr lang="en-GB" sz="1200" dirty="0" err="1"/>
-              <a:t>Konzept</a:t>
-            </a:r>
-            <a:r>
-              <a:rPr lang="en-GB" sz="1200" dirty="0"/>
-              <a:t> </a:t>
-            </a:r>
-            <a:r>
-              <a:rPr lang="en-GB" sz="1200" dirty="0" err="1"/>
-              <a:t>für</a:t>
-            </a:r>
-            <a:r>
-              <a:rPr lang="en-GB" sz="1200" dirty="0"/>
-              <a:t> die </a:t>
-            </a:r>
-            <a:r>
-              <a:rPr lang="en-GB" sz="1200" dirty="0" err="1"/>
-              <a:t>Verteilung</a:t>
-            </a:r>
-            <a:r>
-              <a:rPr lang="en-GB" sz="1200" dirty="0"/>
-              <a:t> von </a:t>
-            </a:r>
-            <a:r>
-              <a:rPr lang="en-GB" sz="1200" dirty="0" err="1"/>
-              <a:t>Rechenaufgaben</a:t>
-            </a:r>
-            <a:r>
-              <a:rPr lang="en-GB" sz="1200" dirty="0"/>
-              <a:t> auf </a:t>
-            </a:r>
-            <a:r>
-              <a:rPr lang="en-GB" sz="1200" dirty="0" err="1"/>
-              <a:t>Fahrzeugflotte</a:t>
-            </a:r>
-            <a:r>
-              <a:rPr lang="en-GB" sz="1200" dirty="0"/>
-              <a:t> </a:t>
-            </a:r>
-            <a:r>
-              <a:rPr lang="en-GB" sz="1200" dirty="0" err="1"/>
-              <a:t>erarbeiten</a:t>
-            </a:r>
-            <a:endParaRPr lang="en-GB" sz="1200" dirty="0"/>
+              <a:rPr lang="de-DE" sz="1200" dirty="0" smtClean="0"/>
+              <a:t>Konzept für die Verteilung von Rechenaufgaben auf Fahrzeugflotte erarbeiten</a:t>
+            </a:r>
           </a:p>
           <a:p>
             <a:pPr marL="280988" lvl="1" indent="-279400" defTabSz="900113" fontAlgn="base">
@@ -10549,50 +10131,17 @@
               </a:tabLst>
             </a:pPr>
             <a:r>
-              <a:rPr lang="en-GB" sz="1200" dirty="0" err="1"/>
-              <a:t>Konzept</a:t>
-            </a:r>
-            <a:r>
-              <a:rPr lang="en-GB" sz="1200" dirty="0"/>
-              <a:t> </a:t>
-            </a:r>
-            <a:r>
-              <a:rPr lang="en-GB" sz="1200" dirty="0" err="1"/>
-              <a:t>für</a:t>
-            </a:r>
-            <a:r>
-              <a:rPr lang="en-GB" sz="1200" dirty="0"/>
-              <a:t> </a:t>
-            </a:r>
-            <a:r>
-              <a:rPr lang="en-GB" sz="1200" dirty="0" err="1"/>
-              <a:t>Verwaltung</a:t>
-            </a:r>
-            <a:r>
-              <a:rPr lang="en-GB" sz="1200" dirty="0"/>
-              <a:t> und Loader </a:t>
-            </a:r>
-            <a:r>
-              <a:rPr lang="en-GB" sz="1200" dirty="0" err="1"/>
-              <a:t>Applikation</a:t>
-            </a:r>
-            <a:r>
-              <a:rPr lang="en-GB" sz="1200" dirty="0"/>
-              <a:t> </a:t>
-            </a:r>
-            <a:r>
-              <a:rPr lang="en-GB" sz="1200" dirty="0" err="1"/>
-              <a:t>fertig</a:t>
-            </a:r>
-            <a:r>
-              <a:rPr lang="en-GB" sz="1200" dirty="0"/>
-              <a:t> </a:t>
-            </a:r>
-            <a:r>
-              <a:rPr lang="en-GB" sz="1200" dirty="0" err="1"/>
-              <a:t>stellen</a:t>
-            </a:r>
-            <a:endParaRPr lang="en-GB" sz="1200" dirty="0"/>
+              <a:rPr lang="de-DE" sz="1200" dirty="0" smtClean="0"/>
+              <a:t>Konzept für Verwaltung und </a:t>
+            </a:r>
+            <a:r>
+              <a:rPr lang="de-DE" sz="1200" dirty="0" err="1" smtClean="0"/>
+              <a:t>Loader</a:t>
+            </a:r>
+            <a:r>
+              <a:rPr lang="de-DE" sz="1200" dirty="0" smtClean="0"/>
+              <a:t> Applikation fertig stellen</a:t>
+            </a:r>
           </a:p>
           <a:p>
             <a:pPr marL="280988" lvl="1" indent="-279400" defTabSz="900113" fontAlgn="base">
@@ -10612,18 +10161,10 @@
               </a:tabLst>
             </a:pPr>
             <a:r>
-              <a:rPr lang="en-GB" sz="1200" dirty="0" err="1"/>
-              <a:t>Implementierung</a:t>
-            </a:r>
-            <a:r>
-              <a:rPr lang="en-GB" sz="1200" dirty="0"/>
-              <a:t> der </a:t>
-            </a:r>
-            <a:r>
-              <a:rPr lang="en-GB" sz="1200" dirty="0" err="1"/>
-              <a:t>Softwarekomponenten</a:t>
-            </a:r>
-            <a:endParaRPr lang="en-GB" sz="1200" dirty="0"/>
+              <a:rPr lang="de-DE" sz="1200" dirty="0" smtClean="0"/>
+              <a:t>Implementierung der Softwarekomponenten</a:t>
+            </a:r>
+            <a:endParaRPr lang="de-DE" sz="1200" dirty="0"/>
           </a:p>
         </p:txBody>
       </p:sp>
@@ -10684,76 +10225,8 @@
               </a:spcAft>
             </a:pPr>
             <a:r>
-              <a:rPr lang="en-GB" sz="1200" dirty="0" err="1"/>
-              <a:t>Durch</a:t>
-            </a:r>
-            <a:r>
-              <a:rPr lang="en-GB" sz="1200" dirty="0"/>
-              <a:t> </a:t>
-            </a:r>
-            <a:r>
-              <a:rPr lang="en-GB" sz="1200" dirty="0" err="1"/>
-              <a:t>zunehmende</a:t>
-            </a:r>
-            <a:r>
-              <a:rPr lang="en-GB" sz="1200" dirty="0"/>
-              <a:t> </a:t>
-            </a:r>
-            <a:r>
-              <a:rPr lang="en-GB" sz="1200" dirty="0" err="1"/>
-              <a:t>automatisierung</a:t>
-            </a:r>
-            <a:r>
-              <a:rPr lang="en-GB" sz="1200" dirty="0"/>
-              <a:t> der </a:t>
-            </a:r>
-            <a:r>
-              <a:rPr lang="en-GB" sz="1200" dirty="0" err="1"/>
-              <a:t>Fahrfunktionen</a:t>
-            </a:r>
-            <a:r>
-              <a:rPr lang="en-GB" sz="1200" dirty="0"/>
-              <a:t> in </a:t>
-            </a:r>
-            <a:r>
-              <a:rPr lang="en-GB" sz="1200" dirty="0" err="1"/>
-              <a:t>Straßenfahrzeugen</a:t>
-            </a:r>
-            <a:r>
-              <a:rPr lang="en-GB" sz="1200" dirty="0"/>
-              <a:t> </a:t>
-            </a:r>
-            <a:r>
-              <a:rPr lang="en-GB" sz="1200" dirty="0" err="1"/>
-              <a:t>wird</a:t>
-            </a:r>
-            <a:r>
-              <a:rPr lang="en-GB" sz="1200" dirty="0"/>
-              <a:t> </a:t>
-            </a:r>
-            <a:r>
-              <a:rPr lang="en-GB" sz="1200" dirty="0" err="1"/>
-              <a:t>zunehmend</a:t>
-            </a:r>
-            <a:r>
-              <a:rPr lang="en-GB" sz="1200" dirty="0"/>
-              <a:t> </a:t>
-            </a:r>
-            <a:r>
-              <a:rPr lang="en-GB" sz="1200" dirty="0" err="1"/>
-              <a:t>lesitungsfähigere</a:t>
-            </a:r>
-            <a:r>
-              <a:rPr lang="en-GB" sz="1200" dirty="0"/>
-              <a:t> Hardware </a:t>
-            </a:r>
-            <a:r>
-              <a:rPr lang="en-GB" sz="1200" dirty="0" err="1"/>
-              <a:t>verbaut</a:t>
-            </a:r>
-            <a:r>
-              <a:rPr lang="en-GB" sz="1200" dirty="0"/>
-              <a:t>.</a:t>
+              <a:rPr lang="de-DE" sz="1200" dirty="0" smtClean="0"/>
+              <a:t>Durch zunehmende Automatisierung der Fahrfunktionen in Straßenfahrzeugen wird zunehmend leistungsfähigere Hardware verbaut.</a:t>
             </a:r>
           </a:p>
           <a:p>
@@ -10763,132 +10236,8 @@
               </a:spcAft>
             </a:pPr>
             <a:r>
-              <a:rPr lang="en-GB" sz="1200" dirty="0" err="1"/>
-              <a:t>Diese</a:t>
-            </a:r>
-            <a:r>
-              <a:rPr lang="en-GB" sz="1200" dirty="0"/>
-              <a:t> </a:t>
-            </a:r>
-            <a:r>
-              <a:rPr lang="en-GB" sz="1200" dirty="0" err="1"/>
-              <a:t>Resourcen</a:t>
-            </a:r>
-            <a:r>
-              <a:rPr lang="en-GB" sz="1200" dirty="0"/>
-              <a:t> </a:t>
-            </a:r>
-            <a:r>
-              <a:rPr lang="en-GB" sz="1200" dirty="0" err="1"/>
-              <a:t>werden</a:t>
-            </a:r>
-            <a:r>
-              <a:rPr lang="en-GB" sz="1200" dirty="0"/>
-              <a:t> </a:t>
-            </a:r>
-            <a:r>
-              <a:rPr lang="en-GB" sz="1200" dirty="0" err="1"/>
-              <a:t>nicht</a:t>
-            </a:r>
-            <a:r>
-              <a:rPr lang="en-GB" sz="1200" dirty="0"/>
-              <a:t> in </a:t>
-            </a:r>
-            <a:r>
-              <a:rPr lang="en-GB" sz="1200" dirty="0" err="1"/>
-              <a:t>jeder</a:t>
-            </a:r>
-            <a:r>
-              <a:rPr lang="en-GB" sz="1200" dirty="0"/>
-              <a:t> Situation </a:t>
-            </a:r>
-            <a:r>
-              <a:rPr lang="en-GB" sz="1200" dirty="0" err="1"/>
-              <a:t>effektiv</a:t>
-            </a:r>
-            <a:r>
-              <a:rPr lang="en-GB" sz="1200" dirty="0"/>
-              <a:t> </a:t>
-            </a:r>
-            <a:r>
-              <a:rPr lang="en-GB" sz="1200" dirty="0" err="1"/>
-              <a:t>genutzt</a:t>
-            </a:r>
-            <a:r>
-              <a:rPr lang="en-GB" sz="1200" dirty="0"/>
-              <a:t>. </a:t>
-            </a:r>
-            <a:r>
-              <a:rPr lang="en-GB" sz="1200" dirty="0" err="1"/>
-              <a:t>Zusätzlich</a:t>
-            </a:r>
-            <a:r>
-              <a:rPr lang="en-GB" sz="1200" dirty="0"/>
-              <a:t> </a:t>
-            </a:r>
-            <a:r>
-              <a:rPr lang="en-GB" sz="1200" dirty="0" err="1"/>
-              <a:t>nimmt</a:t>
-            </a:r>
-            <a:r>
-              <a:rPr lang="en-GB" sz="1200" dirty="0"/>
-              <a:t> </a:t>
-            </a:r>
-            <a:r>
-              <a:rPr lang="en-GB" sz="1200" dirty="0" err="1"/>
-              <a:t>Rechenleistungsbedarf</a:t>
-            </a:r>
-            <a:r>
-              <a:rPr lang="en-GB" sz="1200" dirty="0"/>
-              <a:t> </a:t>
-            </a:r>
-            <a:r>
-              <a:rPr lang="en-GB" sz="1200" dirty="0" err="1"/>
-              <a:t>durch</a:t>
-            </a:r>
-            <a:r>
-              <a:rPr lang="en-GB" sz="1200" dirty="0"/>
-              <a:t> </a:t>
-            </a:r>
-            <a:r>
-              <a:rPr lang="en-GB" sz="1200" dirty="0" err="1"/>
-              <a:t>zunehmende</a:t>
-            </a:r>
-            <a:r>
-              <a:rPr lang="en-GB" sz="1200" dirty="0"/>
-              <a:t> </a:t>
-            </a:r>
-            <a:r>
-              <a:rPr lang="en-GB" sz="1200" dirty="0" err="1"/>
-              <a:t>Digitalisierung</a:t>
-            </a:r>
-            <a:r>
-              <a:rPr lang="en-GB" sz="1200" dirty="0"/>
-              <a:t> </a:t>
-            </a:r>
-            <a:r>
-              <a:rPr lang="en-GB" sz="1200" dirty="0" err="1"/>
-              <a:t>im</a:t>
-            </a:r>
-            <a:r>
-              <a:rPr lang="en-GB" sz="1200" dirty="0"/>
-              <a:t> </a:t>
-            </a:r>
-            <a:r>
-              <a:rPr lang="en-GB" sz="1200" dirty="0" err="1"/>
-              <a:t>Alltag</a:t>
-            </a:r>
-            <a:r>
-              <a:rPr lang="en-GB" sz="1200" dirty="0"/>
-              <a:t> </a:t>
-            </a:r>
-            <a:r>
-              <a:rPr lang="en-GB" sz="1200" dirty="0" err="1"/>
-              <a:t>zu</a:t>
-            </a:r>
-            <a:r>
-              <a:rPr lang="en-GB" sz="1200" dirty="0"/>
-              <a:t>.</a:t>
+              <a:rPr lang="de-DE" sz="1200" dirty="0" smtClean="0"/>
+              <a:t>Diese Ressourcen werden nicht in jeder Situation effektiv genutzt. Zusätzlich nimmt Rechenleistungsbedarf durch zunehmende Digitalisierung im Alltag zu.</a:t>
             </a:r>
           </a:p>
           <a:p>
@@ -10897,7 +10246,7 @@
                 <a:spcPts val="600"/>
               </a:spcAft>
             </a:pPr>
-            <a:endParaRPr lang="en-GB" sz="1200" dirty="0"/>
+            <a:endParaRPr lang="de-DE" sz="1200" dirty="0" smtClean="0"/>
           </a:p>
           <a:p>
             <a:pPr>
@@ -10906,204 +10255,8 @@
               </a:spcAft>
             </a:pPr>
             <a:r>
-              <a:rPr lang="en-GB" sz="1200" dirty="0" err="1"/>
-              <a:t>Durch</a:t>
-            </a:r>
-            <a:r>
-              <a:rPr lang="en-GB" sz="1200" dirty="0"/>
-              <a:t> die </a:t>
-            </a:r>
-            <a:r>
-              <a:rPr lang="en-GB" sz="1200" dirty="0" err="1"/>
-              <a:t>Bereitstellung</a:t>
-            </a:r>
-            <a:r>
-              <a:rPr lang="en-GB" sz="1200" dirty="0"/>
-              <a:t> </a:t>
-            </a:r>
-            <a:r>
-              <a:rPr lang="en-GB" sz="1200" dirty="0" err="1"/>
-              <a:t>ungenutzte</a:t>
-            </a:r>
-            <a:r>
-              <a:rPr lang="en-GB" sz="1200" dirty="0"/>
-              <a:t> </a:t>
-            </a:r>
-            <a:r>
-              <a:rPr lang="en-GB" sz="1200" dirty="0" err="1"/>
-              <a:t>Rechenleistung</a:t>
-            </a:r>
-            <a:r>
-              <a:rPr lang="en-GB" sz="1200" dirty="0"/>
-              <a:t> von </a:t>
-            </a:r>
-            <a:r>
-              <a:rPr lang="en-GB" sz="1200" dirty="0" err="1"/>
-              <a:t>Fahrzeugen</a:t>
-            </a:r>
-            <a:r>
-              <a:rPr lang="en-GB" sz="1200" dirty="0"/>
-              <a:t> </a:t>
-            </a:r>
-            <a:r>
-              <a:rPr lang="en-GB" sz="1200" dirty="0" err="1"/>
-              <a:t>können</a:t>
-            </a:r>
-            <a:r>
-              <a:rPr lang="en-GB" sz="1200" dirty="0"/>
-              <a:t> </a:t>
-            </a:r>
-            <a:r>
-              <a:rPr lang="en-GB" sz="1200" dirty="0" err="1"/>
-              <a:t>externe</a:t>
-            </a:r>
-            <a:r>
-              <a:rPr lang="en-GB" sz="1200" dirty="0"/>
-              <a:t> </a:t>
-            </a:r>
-            <a:r>
-              <a:rPr lang="en-GB" sz="1200" dirty="0" err="1"/>
-              <a:t>Auftraggeber</a:t>
-            </a:r>
-            <a:r>
-              <a:rPr lang="en-GB" sz="1200" dirty="0"/>
-              <a:t> </a:t>
-            </a:r>
-            <a:r>
-              <a:rPr lang="en-GB" sz="1200" dirty="0" err="1"/>
-              <a:t>ihre</a:t>
-            </a:r>
-            <a:r>
-              <a:rPr lang="en-GB" sz="1200" dirty="0"/>
-              <a:t> </a:t>
-            </a:r>
-            <a:r>
-              <a:rPr lang="en-GB" sz="1200" dirty="0" err="1"/>
-              <a:t>Berechnungen</a:t>
-            </a:r>
-            <a:r>
-              <a:rPr lang="en-GB" sz="1200" dirty="0"/>
-              <a:t> </a:t>
-            </a:r>
-            <a:r>
-              <a:rPr lang="en-GB" sz="1200" dirty="0" err="1"/>
-              <a:t>wie</a:t>
-            </a:r>
-            <a:r>
-              <a:rPr lang="en-GB" sz="1200" dirty="0"/>
-              <a:t> in </a:t>
-            </a:r>
-            <a:r>
-              <a:rPr lang="en-GB" sz="1200" dirty="0" err="1"/>
-              <a:t>einem</a:t>
-            </a:r>
-            <a:r>
-              <a:rPr lang="en-GB" sz="1200" dirty="0"/>
-              <a:t> Cloud-</a:t>
-            </a:r>
-            <a:r>
-              <a:rPr lang="en-GB" sz="1200" dirty="0" err="1"/>
-              <a:t>Dienst</a:t>
-            </a:r>
-            <a:r>
-              <a:rPr lang="en-GB" sz="1200" dirty="0"/>
-              <a:t> </a:t>
-            </a:r>
-            <a:r>
-              <a:rPr lang="en-GB" sz="1200" dirty="0" err="1"/>
-              <a:t>durch</a:t>
-            </a:r>
-            <a:r>
-              <a:rPr lang="en-GB" sz="1200" dirty="0"/>
-              <a:t> das </a:t>
-            </a:r>
-            <a:r>
-              <a:rPr lang="en-GB" sz="1200" dirty="0" err="1"/>
-              <a:t>verteilte</a:t>
-            </a:r>
-            <a:r>
-              <a:rPr lang="en-GB" sz="1200" dirty="0"/>
-              <a:t> </a:t>
-            </a:r>
-            <a:r>
-              <a:rPr lang="en-GB" sz="1200" dirty="0" err="1"/>
-              <a:t>Rechnen</a:t>
-            </a:r>
-            <a:r>
-              <a:rPr lang="en-GB" sz="1200" dirty="0"/>
-              <a:t> auf </a:t>
-            </a:r>
-            <a:r>
-              <a:rPr lang="en-GB" sz="1200" dirty="0" err="1"/>
-              <a:t>Fahrzeugen</a:t>
-            </a:r>
-            <a:r>
-              <a:rPr lang="en-GB" sz="1200" dirty="0"/>
-              <a:t> </a:t>
-            </a:r>
-            <a:r>
-              <a:rPr lang="en-GB" sz="1200" dirty="0" err="1"/>
-              <a:t>ausführen</a:t>
-            </a:r>
-            <a:r>
-              <a:rPr lang="en-GB" sz="1200" dirty="0"/>
-              <a:t> </a:t>
-            </a:r>
-            <a:r>
-              <a:rPr lang="en-GB" sz="1200" dirty="0" err="1"/>
-              <a:t>lassen</a:t>
-            </a:r>
-            <a:r>
-              <a:rPr lang="en-GB" sz="1200" dirty="0"/>
-              <a:t>. </a:t>
-            </a:r>
-            <a:r>
-              <a:rPr lang="en-GB" sz="1200" dirty="0" err="1"/>
-              <a:t>Hierdurch</a:t>
-            </a:r>
-            <a:r>
-              <a:rPr lang="en-GB" sz="1200" dirty="0"/>
-              <a:t> </a:t>
-            </a:r>
-            <a:r>
-              <a:rPr lang="en-GB" sz="1200" dirty="0" err="1"/>
-              <a:t>lassen</a:t>
-            </a:r>
-            <a:r>
-              <a:rPr lang="en-GB" sz="1200" dirty="0"/>
-              <a:t> </a:t>
-            </a:r>
-            <a:r>
-              <a:rPr lang="en-GB" sz="1200" dirty="0" err="1"/>
-              <a:t>sich</a:t>
-            </a:r>
-            <a:r>
-              <a:rPr lang="en-GB" sz="1200" dirty="0"/>
-              <a:t> </a:t>
-            </a:r>
-            <a:r>
-              <a:rPr lang="en-GB" sz="1200" dirty="0" err="1"/>
-              <a:t>Resourcen</a:t>
-            </a:r>
-            <a:r>
-              <a:rPr lang="en-GB" sz="1200" dirty="0"/>
-              <a:t> in Server und </a:t>
-            </a:r>
-            <a:r>
-              <a:rPr lang="en-GB" sz="1200" dirty="0" err="1"/>
-              <a:t>Netzwerkinfrastruktur</a:t>
-            </a:r>
-            <a:r>
-              <a:rPr lang="en-GB" sz="1200" dirty="0"/>
-              <a:t> </a:t>
-            </a:r>
-            <a:r>
-              <a:rPr lang="en-GB" sz="1200" dirty="0" err="1"/>
-              <a:t>einsparen</a:t>
-            </a:r>
-            <a:r>
-              <a:rPr lang="en-GB" sz="1200" dirty="0"/>
-              <a:t>. </a:t>
+              <a:rPr lang="de-DE" sz="1200" dirty="0" smtClean="0"/>
+              <a:t>Durch die Bereitstellung ungenutzte Rechenleistung von Fahrzeugen können externe Auftraggeber ihre Berechnungen wie in einem Cloud-Dienst durch das verteilte Rechnen auf Fahrzeugen ausführen lassen. Hierdurch lassen sich Ressourcen in Server und Netzwerkinfrastruktur einsparen. </a:t>
             </a:r>
           </a:p>
           <a:p>
@@ -11134,10 +10287,10 @@
         </p:nvGrpSpPr>
         <p:grpSpPr>
           <a:xfrm>
-            <a:off x="1218506" y="2015229"/>
-            <a:ext cx="5425367" cy="331880"/>
-            <a:chOff x="1218506" y="2015229"/>
-            <a:chExt cx="6450609" cy="394596"/>
+            <a:off x="1218506" y="2016219"/>
+            <a:ext cx="5425367" cy="330888"/>
+            <a:chOff x="1218506" y="2016408"/>
+            <a:chExt cx="6450609" cy="393417"/>
           </a:xfrm>
         </p:grpSpPr>
         <p:sp>
@@ -11513,10 +10666,10 @@
           </p:nvGrpSpPr>
           <p:grpSpPr>
             <a:xfrm>
-              <a:off x="6262795" y="2015229"/>
-              <a:ext cx="1406320" cy="391919"/>
-              <a:chOff x="6262795" y="2015229"/>
-              <a:chExt cx="1406320" cy="391919"/>
+              <a:off x="6262795" y="2016408"/>
+              <a:ext cx="1406320" cy="390740"/>
+              <a:chOff x="6262795" y="2016408"/>
+              <a:chExt cx="1406320" cy="390740"/>
             </a:xfrm>
           </p:grpSpPr>
           <p:grpSp>
@@ -11527,10 +10680,10 @@
             </p:nvGrpSpPr>
             <p:grpSpPr>
               <a:xfrm>
-                <a:off x="6262795" y="2015229"/>
-                <a:ext cx="1406320" cy="391919"/>
-                <a:chOff x="2939277" y="1454309"/>
-                <a:chExt cx="1049884" cy="391919"/>
+                <a:off x="6262795" y="2016408"/>
+                <a:ext cx="1406320" cy="390740"/>
+                <a:chOff x="2939277" y="1455488"/>
+                <a:chExt cx="1049884" cy="390740"/>
               </a:xfrm>
             </p:grpSpPr>
             <p:sp>
@@ -11541,8 +10694,8 @@
               </p:nvSpPr>
               <p:spPr>
                 <a:xfrm>
-                  <a:off x="3177287" y="1454309"/>
-                  <a:ext cx="811874" cy="391919"/>
+                  <a:off x="3177287" y="1455488"/>
+                  <a:ext cx="811874" cy="390738"/>
                 </a:xfrm>
                 <a:prstGeom prst="rect">
                   <a:avLst/>
@@ -11771,6 +10924,13 @@
   <p:clrMapOvr>
     <a:masterClrMapping/>
   </p:clrMapOvr>
+  <p:timing>
+    <p:tnLst>
+      <p:par>
+        <p:cTn id="1" dur="indefinite" restart="never" nodeType="tmRoot"/>
+      </p:par>
+    </p:tnLst>
+  </p:timing>
 </p:sld>
 </file>
 
@@ -12215,8 +11375,13 @@
             </a:pPr>
             <a:r>
               <a:rPr lang="de-DE" dirty="0"/>
-              <a:t>AP 2.1.7 Plattformkomponente zur Nutzung von Fahrzeugrechner-Ressourcen für internes und externes verteiltes Rechnen:</a:t>
-            </a:r>
+              <a:t>AP 2.1.7 Plattformkomponente zur Nutzung von Fahrzeugrechner-Ressourcen für internes und externes verteiltes </a:t>
+            </a:r>
+            <a:r>
+              <a:rPr lang="de-DE" dirty="0" smtClean="0"/>
+              <a:t>Rechnen (20 PM):</a:t>
+            </a:r>
+            <a:endParaRPr lang="de-DE" dirty="0"/>
           </a:p>
           <a:p>
             <a:pPr marL="0" indent="0">
@@ -12317,6 +11482,13 @@
   <p:clrMapOvr>
     <a:masterClrMapping/>
   </p:clrMapOvr>
+  <p:timing>
+    <p:tnLst>
+      <p:par>
+        <p:cTn id="1" dur="indefinite" restart="never" nodeType="tmRoot"/>
+      </p:par>
+    </p:tnLst>
+  </p:timing>
 </p:sld>
 </file>
 
@@ -12419,6 +11591,13 @@
   <p:clrMapOvr>
     <a:masterClrMapping/>
   </p:clrMapOvr>
+  <p:timing>
+    <p:tnLst>
+      <p:par>
+        <p:cTn id="1" dur="indefinite" restart="never" nodeType="tmRoot"/>
+      </p:par>
+    </p:tnLst>
+  </p:timing>
 </p:sld>
 </file>
 
@@ -12447,7 +11626,7 @@
           </p:cNvGraphicFramePr>
           <p:nvPr>
             <p:custDataLst>
-              <p:tags r:id="rId1"/>
+              <p:tags r:id="rId2"/>
             </p:custDataLst>
           </p:nvPr>
         </p:nvGraphicFramePr>
@@ -12459,12 +11638,12 @@
           <a:graphicData uri="http://schemas.openxmlformats.org/presentationml/2006/ole">
             <mc:AlternateContent xmlns:mc="http://schemas.openxmlformats.org/markup-compatibility/2006">
               <mc:Choice xmlns:v="urn:schemas-microsoft-com:vml" Requires="v">
-                <p:oleObj name="think-cell Folie" r:id="rId3" imgW="360" imgH="360" progId="">
+                <p:oleObj spid="_x0000_s2063" name="think-cell Folie" r:id="rId4" imgW="360" imgH="360" progId="">
                   <p:embed/>
                 </p:oleObj>
               </mc:Choice>
               <mc:Fallback>
-                <p:oleObj name="think-cell Folie" r:id="rId3" imgW="360" imgH="360" progId="">
+                <p:oleObj name="think-cell Folie" r:id="rId4" imgW="360" imgH="360" progId="">
                   <p:embed/>
                   <p:pic>
                     <p:nvPicPr>
@@ -12475,7 +11654,7 @@
                       <p:nvPr/>
                     </p:nvPicPr>
                     <p:blipFill>
-                      <a:blip r:embed="rId4">
+                      <a:blip r:embed="rId5">
                         <a:extLst>
                           <a:ext uri="{28A0092B-C50C-407E-A947-70E740481C1C}">
                             <a14:useLocalDpi xmlns:a14="http://schemas.microsoft.com/office/drawing/2010/main" val="0"/>
@@ -12924,7 +12103,23 @@
             </a:r>
             <a:r>
               <a:rPr lang="de-DE" dirty="0"/>
-              <a:t>Studium: Maschinenbau Bachelor mit Vertiefung Fahrzeugtechnik an 	der RWTH Aachen</a:t>
+              <a:t>Studium: Maschinenbau Bachelor mit Vertiefung </a:t>
+            </a:r>
+            <a:r>
+              <a:rPr lang="de-DE" dirty="0" smtClean="0"/>
+              <a:t>				Fahrzeugtechnik </a:t>
+            </a:r>
+            <a:r>
+              <a:rPr lang="de-DE" dirty="0"/>
+              <a:t>an </a:t>
+            </a:r>
+            <a:r>
+              <a:rPr lang="de-DE" dirty="0" smtClean="0"/>
+              <a:t>der </a:t>
+            </a:r>
+            <a:r>
+              <a:rPr lang="de-DE" dirty="0"/>
+              <a:t>RWTH Aachen</a:t>
             </a:r>
             <a:endParaRPr lang="LID4096" dirty="0"/>
           </a:p>
@@ -13328,6 +12523,13 @@
   <p:clrMapOvr>
     <a:masterClrMapping/>
   </p:clrMapOvr>
+  <p:timing>
+    <p:tnLst>
+      <p:par>
+        <p:cTn id="1" dur="indefinite" restart="never" nodeType="tmRoot"/>
+      </p:par>
+    </p:tnLst>
+  </p:timing>
 </p:sld>
 </file>
 
@@ -13788,12 +12990,12 @@
               <a:t>Ermöglichung Rechenaufgaben von extern auf Fahrzeugsteuergeräten auszuführen, so dass lokal nicht benötigte </a:t>
             </a:r>
             <a:r>
-              <a:rPr lang="de-DE" dirty="0" err="1"/>
-              <a:t>Rechenresourcen</a:t>
+              <a:rPr lang="de-DE" dirty="0" smtClean="0"/>
+              <a:t>Rechenressourcen </a:t>
             </a:r>
             <a:r>
               <a:rPr lang="de-DE" dirty="0"/>
-              <a:t> für externe Nutzer zur Verfügung stehen</a:t>
+              <a:t>für externe Nutzer zur Verfügung stehen</a:t>
             </a:r>
           </a:p>
           <a:p>
@@ -13994,6 +13196,13 @@
   <p:clrMapOvr>
     <a:masterClrMapping/>
   </p:clrMapOvr>
+  <p:timing>
+    <p:tnLst>
+      <p:par>
+        <p:cTn id="1" dur="indefinite" restart="never" nodeType="tmRoot"/>
+      </p:par>
+    </p:tnLst>
+  </p:timing>
 </p:sld>
 </file>
 
@@ -14814,6 +14023,13 @@
   <p:clrMapOvr>
     <a:masterClrMapping/>
   </p:clrMapOvr>
+  <p:timing>
+    <p:tnLst>
+      <p:par>
+        <p:cTn id="1" dur="indefinite" restart="never" nodeType="tmRoot"/>
+      </p:par>
+    </p:tnLst>
+  </p:timing>
 </p:sld>
 </file>
 
@@ -15220,18 +14436,9 @@
               <a:buChar char="•"/>
             </a:pPr>
             <a:r>
-              <a:rPr lang="en-GB" sz="1400" dirty="0" err="1"/>
-              <a:t>Applikation</a:t>
-            </a:r>
-            <a:r>
-              <a:rPr lang="en-GB" sz="1400" dirty="0"/>
-              <a:t> </a:t>
-            </a:r>
-            <a:r>
-              <a:rPr lang="en-GB" sz="1400" dirty="0" err="1"/>
-              <a:t>Bereitstellen</a:t>
-            </a:r>
-            <a:endParaRPr lang="en-GB" sz="1400" dirty="0"/>
+              <a:rPr lang="de-DE" sz="1400" dirty="0" smtClean="0"/>
+              <a:t>Applikation Bereitstellen</a:t>
+            </a:r>
           </a:p>
           <a:p>
             <a:pPr marL="285750" indent="-285750">
@@ -15239,18 +14446,10 @@
               <a:buChar char="•"/>
             </a:pPr>
             <a:r>
-              <a:rPr lang="en-GB" sz="1400" dirty="0" err="1"/>
-              <a:t>Eingangsdaten</a:t>
-            </a:r>
-            <a:r>
-              <a:rPr lang="en-GB" sz="1400" dirty="0"/>
-              <a:t> für </a:t>
-            </a:r>
-            <a:r>
-              <a:rPr lang="en-GB" sz="1400" dirty="0" err="1"/>
-              <a:t>Applikation</a:t>
-            </a:r>
-            <a:endParaRPr lang="en-DE" sz="1400" dirty="0"/>
+              <a:rPr lang="de-DE" sz="1400" dirty="0" smtClean="0"/>
+              <a:t>Eingangsdaten für Applikation</a:t>
+            </a:r>
+            <a:endParaRPr lang="de-DE" sz="1400" dirty="0"/>
           </a:p>
         </p:txBody>
       </p:sp>
@@ -15287,26 +14486,10 @@
               <a:buChar char="•"/>
             </a:pPr>
             <a:r>
-              <a:rPr lang="en-GB" sz="1400" dirty="0" err="1"/>
-              <a:t>Ergebnisse</a:t>
-            </a:r>
-            <a:r>
-              <a:rPr lang="en-GB" sz="1400" dirty="0"/>
-              <a:t> </a:t>
-            </a:r>
-            <a:r>
-              <a:rPr lang="en-GB" sz="1400" dirty="0" err="1"/>
-              <a:t>aus</a:t>
-            </a:r>
-            <a:r>
-              <a:rPr lang="en-GB" sz="1400" dirty="0"/>
-              <a:t> der </a:t>
-            </a:r>
-            <a:r>
-              <a:rPr lang="en-GB" sz="1400" dirty="0" err="1"/>
-              <a:t>Applikation</a:t>
-            </a:r>
-            <a:endParaRPr lang="en-DE" sz="1400" dirty="0"/>
+              <a:rPr lang="de-DE" sz="1400" dirty="0" smtClean="0"/>
+              <a:t>Ergebnisse aus der Applikation</a:t>
+            </a:r>
+            <a:endParaRPr lang="de-DE" sz="1400" dirty="0"/>
           </a:p>
         </p:txBody>
       </p:sp>
@@ -15343,26 +14526,9 @@
               <a:buChar char="•"/>
             </a:pPr>
             <a:r>
-              <a:rPr lang="en-GB" sz="1400" dirty="0" err="1"/>
-              <a:t>Applikation</a:t>
-            </a:r>
-            <a:r>
-              <a:rPr lang="en-GB" sz="1400" dirty="0"/>
-              <a:t> an das </a:t>
-            </a:r>
-            <a:r>
-              <a:rPr lang="en-GB" sz="1400" dirty="0" err="1"/>
-              <a:t>Fahrzeug</a:t>
-            </a:r>
-            <a:r>
-              <a:rPr lang="en-GB" sz="1400" dirty="0"/>
-              <a:t> </a:t>
-            </a:r>
-            <a:r>
-              <a:rPr lang="en-GB" sz="1400" dirty="0" err="1"/>
-              <a:t>übertragen</a:t>
-            </a:r>
-            <a:endParaRPr lang="en-GB" sz="1400" dirty="0"/>
+              <a:rPr lang="de-DE" sz="1400" dirty="0" smtClean="0"/>
+              <a:t>Applikation an das Fahrzeug übertragen</a:t>
+            </a:r>
           </a:p>
           <a:p>
             <a:pPr marL="285750" indent="-285750">
@@ -15370,26 +14536,9 @@
               <a:buChar char="•"/>
             </a:pPr>
             <a:r>
-              <a:rPr lang="en-GB" sz="1400" dirty="0" err="1"/>
-              <a:t>Kommunikation</a:t>
-            </a:r>
-            <a:r>
-              <a:rPr lang="en-GB" sz="1400" dirty="0"/>
-              <a:t> </a:t>
-            </a:r>
-            <a:r>
-              <a:rPr lang="en-GB" sz="1400" dirty="0" err="1"/>
-              <a:t>mit</a:t>
-            </a:r>
-            <a:r>
-              <a:rPr lang="en-GB" sz="1400" dirty="0"/>
-              <a:t> </a:t>
-            </a:r>
-            <a:r>
-              <a:rPr lang="en-GB" sz="1400" dirty="0" err="1"/>
-              <a:t>Applikation</a:t>
-            </a:r>
-            <a:endParaRPr lang="en-GB" sz="1400" dirty="0"/>
+              <a:rPr lang="de-DE" sz="1400" dirty="0" smtClean="0"/>
+              <a:t>Kommunikation mit Applikation</a:t>
+            </a:r>
           </a:p>
           <a:p>
             <a:pPr marL="285750" indent="-285750">
@@ -15429,10 +14578,10 @@
           <a:lstStyle/>
           <a:p>
             <a:r>
-              <a:rPr lang="en-GB" b="1" dirty="0" err="1"/>
+              <a:rPr lang="de-DE" b="1" dirty="0" smtClean="0"/>
               <a:t>Auftraggeber</a:t>
             </a:r>
-            <a:endParaRPr lang="en-DE" b="1" dirty="0"/>
+            <a:endParaRPr lang="de-DE" b="1" dirty="0"/>
           </a:p>
         </p:txBody>
       </p:sp>
@@ -15465,10 +14614,10 @@
           <a:lstStyle/>
           <a:p>
             <a:r>
-              <a:rPr lang="en-GB" b="1" dirty="0" err="1"/>
+              <a:rPr lang="de-DE" b="1" dirty="0" smtClean="0"/>
               <a:t>Verwaltung</a:t>
             </a:r>
-            <a:endParaRPr lang="en-DE" b="1" dirty="0"/>
+            <a:endParaRPr lang="de-DE" b="1" dirty="0"/>
           </a:p>
         </p:txBody>
       </p:sp>
@@ -15501,10 +14650,10 @@
           <a:lstStyle/>
           <a:p>
             <a:r>
-              <a:rPr lang="en-GB" b="1" dirty="0" err="1"/>
+              <a:rPr lang="de-DE" b="1" dirty="0" smtClean="0"/>
               <a:t>Fahrzeug</a:t>
             </a:r>
-            <a:endParaRPr lang="en-DE" b="1" dirty="0"/>
+            <a:endParaRPr lang="de-DE" b="1" dirty="0"/>
           </a:p>
         </p:txBody>
       </p:sp>
@@ -15537,12 +14686,8 @@
           <a:lstStyle/>
           <a:p>
             <a:r>
-              <a:rPr lang="en-GB" sz="1600" b="1" dirty="0" err="1"/>
-              <a:t>Auftraggeber</a:t>
-            </a:r>
-            <a:r>
-              <a:rPr lang="en-GB" sz="1600" b="1" dirty="0"/>
-              <a:t>:</a:t>
+              <a:rPr lang="de-DE" sz="1600" b="1" dirty="0" smtClean="0"/>
+              <a:t>Auftraggeber:</a:t>
             </a:r>
           </a:p>
           <a:p>
@@ -15551,82 +14696,37 @@
               <a:buChar char="§"/>
             </a:pPr>
             <a:r>
-              <a:rPr lang="en-GB" sz="1600" dirty="0" err="1"/>
-              <a:t>Stellt</a:t>
+              <a:rPr lang="de-DE" sz="1600" dirty="0" smtClean="0"/>
+              <a:t>Stellt Applikation der </a:t>
+            </a:r>
+            <a:r>
+              <a:rPr lang="de-DE" sz="1600" dirty="0" err="1" smtClean="0"/>
+              <a:t>Verwalungsapplikation</a:t>
+            </a:r>
+            <a:r>
+              <a:rPr lang="de-DE" sz="1600" dirty="0" smtClean="0"/>
+              <a:t> zur Verfügung</a:t>
+            </a:r>
+            <a:r>
+              <a:rPr lang="en-GB" sz="1600" dirty="0" smtClean="0"/>
+              <a:t>, </a:t>
             </a:r>
             <a:r>
               <a:rPr lang="en-GB" sz="1600" dirty="0"/>
-              <a:t> </a:t>
-            </a:r>
-            <a:r>
-              <a:rPr lang="en-GB" sz="1600" dirty="0" err="1"/>
-              <a:t>Applikation</a:t>
-            </a:r>
-            <a:r>
-              <a:rPr lang="en-GB" sz="1600" dirty="0"/>
-              <a:t> der </a:t>
-            </a:r>
-            <a:r>
-              <a:rPr lang="en-GB" sz="1600" dirty="0" err="1"/>
-              <a:t>Verwalungsapplikation</a:t>
-            </a:r>
-            <a:r>
-              <a:rPr lang="en-GB" sz="1600" dirty="0"/>
-              <a:t> </a:t>
-            </a:r>
-            <a:r>
-              <a:rPr lang="en-GB" sz="1600" dirty="0" err="1"/>
-              <a:t>zur</a:t>
-            </a:r>
-            <a:r>
-              <a:rPr lang="en-GB" sz="1600" dirty="0"/>
-              <a:t> </a:t>
-            </a:r>
-            <a:r>
-              <a:rPr lang="en-GB" sz="1600" dirty="0" err="1"/>
-              <a:t>Verfügung</a:t>
-            </a:r>
-            <a:r>
-              <a:rPr lang="en-GB" sz="1600" dirty="0"/>
-              <a:t>, die in </a:t>
-            </a:r>
-            <a:r>
-              <a:rPr lang="en-GB" sz="1600" dirty="0" err="1"/>
+              <a:t>die in </a:t>
+            </a:r>
+            <a:r>
+              <a:rPr lang="de-DE" sz="1600" dirty="0" smtClean="0"/>
               <a:t>einem</a:t>
             </a:r>
             <a:r>
-              <a:rPr lang="en-GB" sz="1600" dirty="0"/>
-              <a:t> Cloud </a:t>
-            </a:r>
-            <a:r>
-              <a:rPr lang="en-GB" sz="1600" dirty="0" err="1"/>
-              <a:t>Dienst</a:t>
-            </a:r>
-            <a:r>
-              <a:rPr lang="en-GB" sz="1600" dirty="0"/>
-              <a:t> </a:t>
-            </a:r>
-            <a:r>
-              <a:rPr lang="en-GB" sz="1600" dirty="0" err="1"/>
-              <a:t>berechnet</a:t>
-            </a:r>
-            <a:r>
-              <a:rPr lang="en-GB" sz="1600" dirty="0"/>
-              <a:t> </a:t>
-            </a:r>
-            <a:r>
-              <a:rPr lang="en-GB" sz="1600" dirty="0" err="1"/>
-              <a:t>werden</a:t>
-            </a:r>
-            <a:r>
-              <a:rPr lang="en-GB" sz="1600" dirty="0"/>
-              <a:t> </a:t>
-            </a:r>
-            <a:r>
-              <a:rPr lang="en-GB" sz="1600" dirty="0" err="1"/>
-              <a:t>sollen</a:t>
-            </a:r>
-            <a:endParaRPr lang="en-GB" sz="1600" dirty="0"/>
+              <a:rPr lang="en-GB" sz="1600" dirty="0" smtClean="0"/>
+              <a:t> Cloud</a:t>
+            </a:r>
+            <a:r>
+              <a:rPr lang="de-DE" sz="1600" dirty="0" smtClean="0"/>
+              <a:t> Dienst berechnet werden sollen</a:t>
+            </a:r>
           </a:p>
           <a:p>
             <a:pPr marL="285750" indent="-285750">
@@ -15634,34 +14734,21 @@
               <a:buChar char="§"/>
             </a:pPr>
             <a:r>
-              <a:rPr lang="en-GB" sz="1600" dirty="0" err="1"/>
-              <a:t>Erhält</a:t>
+              <a:rPr lang="de-DE" sz="1600" dirty="0" smtClean="0"/>
+              <a:t>Erhält Kommunikationsschnittstelle</a:t>
+            </a:r>
+            <a:r>
+              <a:rPr lang="en-GB" sz="1600" dirty="0" smtClean="0"/>
+              <a:t> </a:t>
             </a:r>
             <a:r>
               <a:rPr lang="en-GB" sz="1600" dirty="0"/>
-              <a:t> </a:t>
-            </a:r>
-            <a:r>
-              <a:rPr lang="en-GB" sz="1600" dirty="0" err="1"/>
-              <a:t>Kommunikationsschnittstelle</a:t>
-            </a:r>
-            <a:r>
-              <a:rPr lang="en-GB" sz="1600" dirty="0"/>
-              <a:t> für die </a:t>
-            </a:r>
-            <a:r>
-              <a:rPr lang="en-GB" sz="1600" dirty="0" err="1"/>
-              <a:t>bereitgestellte</a:t>
-            </a:r>
-            <a:r>
-              <a:rPr lang="en-GB" sz="1600" dirty="0"/>
-              <a:t> </a:t>
-            </a:r>
-            <a:r>
-              <a:rPr lang="en-GB" sz="1600" dirty="0" err="1"/>
-              <a:t>Applikation</a:t>
-            </a:r>
-            <a:endParaRPr lang="en-GB" sz="1600" dirty="0"/>
+              <a:t>für die </a:t>
+            </a:r>
+            <a:r>
+              <a:rPr lang="de-DE" sz="1600" dirty="0" smtClean="0"/>
+              <a:t>bereitgestellte Applikation</a:t>
+            </a:r>
           </a:p>
           <a:p>
             <a:pPr marL="285750" indent="-285750">
@@ -15669,67 +14756,27 @@
               <a:buChar char="§"/>
             </a:pPr>
             <a:r>
-              <a:rPr lang="en-GB" sz="1600" dirty="0" err="1"/>
-              <a:t>Versorgt</a:t>
-            </a:r>
-            <a:r>
-              <a:rPr lang="en-GB" sz="1600" dirty="0"/>
-              <a:t> </a:t>
-            </a:r>
-            <a:r>
-              <a:rPr lang="en-GB" sz="1600" dirty="0" err="1"/>
-              <a:t>Applikation</a:t>
-            </a:r>
-            <a:r>
-              <a:rPr lang="en-GB" sz="1600" dirty="0"/>
-              <a:t> </a:t>
-            </a:r>
-            <a:r>
-              <a:rPr lang="en-GB" sz="1600" dirty="0" err="1"/>
-              <a:t>mit</a:t>
-            </a:r>
-            <a:r>
-              <a:rPr lang="en-GB" sz="1600" dirty="0"/>
-              <a:t> </a:t>
-            </a:r>
-            <a:r>
-              <a:rPr lang="en-GB" sz="1600" dirty="0" err="1"/>
-              <a:t>Daten</a:t>
-            </a:r>
-            <a:r>
-              <a:rPr lang="en-GB" sz="1600" dirty="0"/>
-              <a:t>, </a:t>
-            </a:r>
-            <a:r>
-              <a:rPr lang="en-GB" sz="1600" dirty="0" err="1"/>
-              <a:t>erhält</a:t>
-            </a:r>
-            <a:r>
-              <a:rPr lang="en-GB" sz="1600" dirty="0"/>
-              <a:t> </a:t>
-            </a:r>
-            <a:r>
-              <a:rPr lang="en-GB" sz="1600" dirty="0" err="1"/>
-              <a:t>Ergebnisse</a:t>
-            </a:r>
-            <a:endParaRPr lang="en-GB" sz="1600" dirty="0"/>
+              <a:rPr lang="de-DE" sz="1600" dirty="0" smtClean="0"/>
+              <a:t>Versorgt Applikation mit Daten, erhält Ergebnisse</a:t>
+            </a:r>
           </a:p>
           <a:p>
             <a:pPr marL="285750" indent="-285750">
               <a:buFont typeface="Arial" panose="020B0604020202020204" pitchFamily="34" charset="0"/>
               <a:buChar char="•"/>
             </a:pPr>
-            <a:endParaRPr lang="en-GB" sz="1600" dirty="0"/>
-          </a:p>
-          <a:p>
-            <a:r>
-              <a:rPr lang="en-GB" sz="1600" b="1" dirty="0" err="1"/>
+            <a:endParaRPr lang="de-DE" sz="1600" dirty="0" smtClean="0"/>
+          </a:p>
+          <a:p>
+            <a:r>
+              <a:rPr lang="de-DE" sz="1600" b="1" dirty="0" smtClean="0"/>
               <a:t>Verwaltung</a:t>
             </a:r>
             <a:r>
-              <a:rPr lang="en-GB" sz="1600" b="1" dirty="0"/>
+              <a:rPr lang="en-GB" sz="1600" b="1" dirty="0" smtClean="0"/>
               <a:t>:</a:t>
             </a:r>
+            <a:endParaRPr lang="en-GB" sz="1600" b="1" dirty="0"/>
           </a:p>
           <a:p>
             <a:pPr marL="285750" indent="-285750">
@@ -15737,52 +14784,8 @@
               <a:buChar char="§"/>
             </a:pPr>
             <a:r>
-              <a:rPr lang="en-GB" sz="1600" dirty="0" err="1"/>
-              <a:t>Nimmt</a:t>
-            </a:r>
-            <a:r>
-              <a:rPr lang="en-GB" sz="1600" dirty="0"/>
-              <a:t> </a:t>
-            </a:r>
-            <a:r>
-              <a:rPr lang="en-GB" sz="1600" dirty="0" err="1"/>
-              <a:t>Applikation</a:t>
-            </a:r>
-            <a:r>
-              <a:rPr lang="en-GB" sz="1600" dirty="0"/>
-              <a:t> </a:t>
-            </a:r>
-            <a:r>
-              <a:rPr lang="en-GB" sz="1600" dirty="0" err="1"/>
-              <a:t>vom</a:t>
-            </a:r>
-            <a:r>
-              <a:rPr lang="en-GB" sz="1600" dirty="0"/>
-              <a:t> </a:t>
-            </a:r>
-            <a:r>
-              <a:rPr lang="en-GB" sz="1600" dirty="0" err="1"/>
-              <a:t>Auftraggeber</a:t>
-            </a:r>
-            <a:r>
-              <a:rPr lang="en-GB" sz="1600" dirty="0"/>
-              <a:t> und </a:t>
-            </a:r>
-            <a:r>
-              <a:rPr lang="en-GB" sz="1600" dirty="0" err="1"/>
-              <a:t>verteilt</a:t>
-            </a:r>
-            <a:r>
-              <a:rPr lang="en-GB" sz="1600" dirty="0"/>
-              <a:t> es an </a:t>
-            </a:r>
-            <a:r>
-              <a:rPr lang="en-GB" sz="1600" dirty="0" err="1"/>
-              <a:t>Fahrzeuge</a:t>
-            </a:r>
-            <a:r>
-              <a:rPr lang="en-GB" sz="1600" dirty="0"/>
-              <a:t>.</a:t>
+              <a:rPr lang="de-DE" sz="1600" dirty="0" smtClean="0"/>
+              <a:t>Nimmt Applikation vom Auftraggeber und verteilt es an Fahrzeuge.</a:t>
             </a:r>
           </a:p>
           <a:p>
@@ -15791,50 +14794,21 @@
               <a:buChar char="§"/>
             </a:pPr>
             <a:r>
-              <a:rPr lang="en-GB" sz="1600" dirty="0" err="1"/>
-              <a:t>Bietet</a:t>
-            </a:r>
-            <a:r>
-              <a:rPr lang="en-GB" sz="1600" dirty="0"/>
-              <a:t> </a:t>
-            </a:r>
-            <a:r>
-              <a:rPr lang="en-GB" sz="1600" dirty="0" err="1"/>
-              <a:t>Kommunikationsschnittstellt</a:t>
-            </a:r>
-            <a:r>
-              <a:rPr lang="en-GB" sz="1600" dirty="0"/>
-              <a:t> für </a:t>
-            </a:r>
-            <a:r>
-              <a:rPr lang="en-GB" sz="1600" dirty="0" err="1"/>
-              <a:t>Auftraggeber</a:t>
-            </a:r>
-            <a:r>
-              <a:rPr lang="en-GB" sz="1600" dirty="0"/>
-              <a:t> und für </a:t>
-            </a:r>
-            <a:r>
-              <a:rPr lang="en-GB" sz="1600" dirty="0" err="1"/>
-              <a:t>Fahrzeuge</a:t>
-            </a:r>
-            <a:endParaRPr lang="en-GB" sz="1600" dirty="0"/>
+              <a:rPr lang="de-DE" sz="1600" dirty="0" smtClean="0"/>
+              <a:t>Bietet Kommunikationsschnittstellt für Auftraggeber und für Fahrzeuge</a:t>
+            </a:r>
           </a:p>
           <a:p>
             <a:pPr marL="285750" indent="-285750">
               <a:buFont typeface="Arial" panose="020B0604020202020204" pitchFamily="34" charset="0"/>
               <a:buChar char="•"/>
             </a:pPr>
-            <a:endParaRPr lang="en-GB" sz="1600" dirty="0"/>
-          </a:p>
-          <a:p>
-            <a:r>
-              <a:rPr lang="en-GB" sz="1600" b="1" dirty="0" err="1"/>
-              <a:t>Fahrzeug</a:t>
-            </a:r>
-            <a:r>
-              <a:rPr lang="en-GB" sz="1600" b="1" dirty="0"/>
-              <a:t>:</a:t>
+            <a:endParaRPr lang="de-DE" sz="1600" dirty="0" smtClean="0"/>
+          </a:p>
+          <a:p>
+            <a:r>
+              <a:rPr lang="de-DE" sz="1600" b="1" dirty="0" smtClean="0"/>
+              <a:t>Fahrzeug:</a:t>
             </a:r>
           </a:p>
           <a:p>
@@ -15843,42 +14817,9 @@
               <a:buChar char="§"/>
             </a:pPr>
             <a:r>
-              <a:rPr lang="en-GB" sz="1600" dirty="0" err="1"/>
-              <a:t>Bietet</a:t>
-            </a:r>
-            <a:r>
-              <a:rPr lang="en-GB" sz="1600" dirty="0"/>
-              <a:t> die </a:t>
-            </a:r>
-            <a:r>
-              <a:rPr lang="en-GB" sz="1600" dirty="0" err="1"/>
-              <a:t>Möglichkeit</a:t>
-            </a:r>
-            <a:r>
-              <a:rPr lang="en-GB" sz="1600" dirty="0"/>
-              <a:t> </a:t>
-            </a:r>
-            <a:r>
-              <a:rPr lang="en-GB" sz="1600" dirty="0" err="1"/>
-              <a:t>Applikationen</a:t>
-            </a:r>
-            <a:r>
-              <a:rPr lang="en-GB" sz="1600" dirty="0"/>
-              <a:t> von extern </a:t>
-            </a:r>
-            <a:r>
-              <a:rPr lang="en-GB" sz="1600" dirty="0" err="1"/>
-              <a:t>zu</a:t>
-            </a:r>
-            <a:r>
-              <a:rPr lang="en-GB" sz="1600" dirty="0"/>
-              <a:t> laden und local </a:t>
-            </a:r>
-            <a:r>
-              <a:rPr lang="en-GB" sz="1600" dirty="0" err="1"/>
-              <a:t>auszuführen</a:t>
-            </a:r>
-            <a:endParaRPr lang="en-GB" sz="1600" dirty="0"/>
+              <a:rPr lang="de-DE" sz="1600" dirty="0" smtClean="0"/>
+              <a:t>Bietet die Möglichkeit Applikationen von extern zu laden und lokal auszuführen</a:t>
+            </a:r>
           </a:p>
           <a:p>
             <a:pPr marL="342900" indent="-342900">
@@ -15886,41 +14827,32 @@
               <a:buChar char="§"/>
             </a:pPr>
             <a:r>
-              <a:rPr lang="en-GB" sz="1600" dirty="0" err="1"/>
-              <a:t>Bietet</a:t>
-            </a:r>
-            <a:r>
-              <a:rPr lang="en-GB" sz="1600" dirty="0"/>
+              <a:rPr lang="de-DE" sz="1600" dirty="0" smtClean="0"/>
+              <a:t>Bietet Kommunikationsschnittstelle</a:t>
+            </a:r>
+            <a:r>
+              <a:rPr lang="en-GB" sz="1600" dirty="0" smtClean="0"/>
               <a:t> </a:t>
             </a:r>
             <a:r>
-              <a:rPr lang="en-GB" sz="1600" dirty="0" err="1"/>
-              <a:t>Kommunikationsschnittstelle</a:t>
-            </a:r>
-            <a:r>
-              <a:rPr lang="en-GB" sz="1600" dirty="0"/>
-              <a:t> für die von extern </a:t>
-            </a:r>
-            <a:r>
-              <a:rPr lang="en-GB" sz="1600" dirty="0" err="1"/>
-              <a:t>geladene</a:t>
-            </a:r>
-            <a:r>
-              <a:rPr lang="en-GB" sz="1600" dirty="0"/>
-              <a:t> </a:t>
-            </a:r>
-            <a:r>
-              <a:rPr lang="en-GB" sz="1600" dirty="0" err="1"/>
-              <a:t>Applikation</a:t>
-            </a:r>
-            <a:endParaRPr lang="en-GB" sz="1600" dirty="0"/>
+              <a:rPr lang="en-GB" sz="1600" dirty="0" err="1" smtClean="0"/>
+              <a:t>für</a:t>
+            </a:r>
+            <a:r>
+              <a:rPr lang="en-GB" sz="1600" dirty="0" smtClean="0"/>
+              <a:t> die von extern </a:t>
+            </a:r>
+            <a:r>
+              <a:rPr lang="de-DE" sz="1600" dirty="0" smtClean="0"/>
+              <a:t>geladene Applikation</a:t>
+            </a:r>
           </a:p>
           <a:p>
             <a:pPr marL="285750" indent="-285750">
               <a:buFont typeface="Arial" panose="020B0604020202020204" pitchFamily="34" charset="0"/>
               <a:buChar char="•"/>
             </a:pPr>
-            <a:endParaRPr lang="en-GB" sz="1600" dirty="0"/>
+            <a:endParaRPr lang="en-GB" sz="1600" dirty="0" smtClean="0"/>
           </a:p>
           <a:p>
             <a:endParaRPr lang="en-GB" sz="1600" dirty="0"/>
@@ -15984,6 +14916,13 @@
   <p:clrMapOvr>
     <a:masterClrMapping/>
   </p:clrMapOvr>
+  <p:timing>
+    <p:tnLst>
+      <p:par>
+        <p:cTn id="1" dur="indefinite" restart="never" nodeType="tmRoot"/>
+      </p:par>
+    </p:tnLst>
+  </p:timing>
 </p:sld>
 </file>
 
@@ -17393,7 +16332,7 @@
           <p:spPr>
             <a:xfrm>
               <a:off x="2430123" y="4562457"/>
-              <a:ext cx="1467068" cy="369332"/>
+              <a:ext cx="1428583" cy="397903"/>
             </a:xfrm>
             <a:prstGeom prst="rect">
               <a:avLst/>
@@ -17407,8 +16346,12 @@
             <a:lstStyle/>
             <a:p>
               <a:r>
+                <a:rPr lang="de-DE" dirty="0" smtClean="0"/>
+                <a:t>Fog </a:t>
+              </a:r>
+              <a:r>
                 <a:rPr lang="de-DE" dirty="0"/>
-                <a:t>Edge Server</a:t>
+                <a:t>Server</a:t>
               </a:r>
             </a:p>
           </p:txBody>
@@ -17466,8 +16409,12 @@
           <a:lstStyle/>
           <a:p>
             <a:r>
+              <a:rPr lang="de-DE" b="1" dirty="0" smtClean="0"/>
+              <a:t>Fog </a:t>
+            </a:r>
+            <a:r>
               <a:rPr lang="de-DE" b="1" dirty="0"/>
-              <a:t>Edge Netzwerk:</a:t>
+              <a:t>Netzwerk:</a:t>
             </a:r>
           </a:p>
           <a:p>
@@ -17477,7 +16424,15 @@
             </a:pPr>
             <a:r>
               <a:rPr lang="de-DE" dirty="0"/>
-              <a:t>Endpunkte verbinden sich mit örtlich lokalem Edge Server</a:t>
+              <a:t>Endpunkte verbinden sich mit örtlich lokalem </a:t>
+            </a:r>
+            <a:r>
+              <a:rPr lang="de-DE" dirty="0" smtClean="0"/>
+              <a:t>Fog </a:t>
+            </a:r>
+            <a:r>
+              <a:rPr lang="de-DE" dirty="0"/>
+              <a:t>Server</a:t>
             </a:r>
           </a:p>
           <a:p>
@@ -17487,7 +16442,15 @@
             </a:pPr>
             <a:r>
               <a:rPr lang="de-DE" dirty="0"/>
-              <a:t>Kommunikation zur Cloud über Edge Server</a:t>
+              <a:t>Kommunikation zur Cloud über </a:t>
+            </a:r>
+            <a:r>
+              <a:rPr lang="de-DE" dirty="0" smtClean="0"/>
+              <a:t>Fog </a:t>
+            </a:r>
+            <a:r>
+              <a:rPr lang="de-DE" dirty="0"/>
+              <a:t>Server</a:t>
             </a:r>
           </a:p>
           <a:p>
@@ -17497,8 +16460,13 @@
             </a:pPr>
             <a:r>
               <a:rPr lang="de-DE" dirty="0"/>
-              <a:t>Reduzierte Latenz und Bandbreitenverbrauch im Edge Netzwerk</a:t>
-            </a:r>
+              <a:t>Reduzierte Latenz und Bandbreitenverbrauch im </a:t>
+            </a:r>
+            <a:r>
+              <a:rPr lang="de-DE" dirty="0" smtClean="0"/>
+              <a:t>vergleich zur Edge Ansatz</a:t>
+            </a:r>
+            <a:endParaRPr lang="de-DE" dirty="0"/>
           </a:p>
           <a:p>
             <a:pPr marL="285750" indent="-285750">
@@ -17507,7 +16475,15 @@
             </a:pPr>
             <a:r>
               <a:rPr lang="de-DE" dirty="0"/>
-              <a:t>Höhere Verwaltungskomplexität im Vergleich zur Cloud Ansatz</a:t>
+              <a:t>Höhere Verwaltungskomplexität im Vergleich zur </a:t>
+            </a:r>
+            <a:r>
+              <a:rPr lang="de-DE" dirty="0"/>
+              <a:t>Edge </a:t>
+            </a:r>
+            <a:r>
+              <a:rPr lang="de-DE" dirty="0"/>
+              <a:t>Ansatz</a:t>
             </a:r>
           </a:p>
         </p:txBody>
@@ -17535,8 +16511,12 @@
           <a:lstStyle/>
           <a:p>
             <a:r>
+              <a:rPr lang="de-DE" b="1" dirty="0" smtClean="0"/>
+              <a:t>Edge </a:t>
+            </a:r>
+            <a:r>
               <a:rPr lang="de-DE" b="1" dirty="0"/>
-              <a:t>Cloud Netzwerk:</a:t>
+              <a:t>Netzwerk:</a:t>
             </a:r>
           </a:p>
           <a:p>
@@ -17625,6 +16605,13 @@
   <p:clrMapOvr>
     <a:masterClrMapping/>
   </p:clrMapOvr>
+  <p:timing>
+    <p:tnLst>
+      <p:par>
+        <p:cTn id="1" dur="indefinite" restart="never" nodeType="tmRoot"/>
+      </p:par>
+    </p:tnLst>
+  </p:timing>
 </p:sld>
 </file>
 

--- a/Vortrag/Themenstellung.pptx
+++ b/Vortrag/Themenstellung.pptx
@@ -3143,7 +3143,7 @@
           <a:graphicData uri="http://schemas.openxmlformats.org/presentationml/2006/ole">
             <mc:AlternateContent xmlns:mc="http://schemas.openxmlformats.org/markup-compatibility/2006">
               <mc:Choice xmlns:v="urn:schemas-microsoft-com:vml" Requires="v">
-                <p:oleObj spid="_x0000_s1039" name="think-cell Folie" r:id="rId10" imgW="360" imgH="360" progId="">
+                <p:oleObj spid="_x0000_s1041" name="think-cell Folie" r:id="rId10" imgW="360" imgH="360" progId="">
                   <p:embed/>
                 </p:oleObj>
               </mc:Choice>
@@ -11638,7 +11638,7 @@
           <a:graphicData uri="http://schemas.openxmlformats.org/presentationml/2006/ole">
             <mc:AlternateContent xmlns:mc="http://schemas.openxmlformats.org/markup-compatibility/2006">
               <mc:Choice xmlns:v="urn:schemas-microsoft-com:vml" Requires="v">
-                <p:oleObj spid="_x0000_s2063" name="think-cell Folie" r:id="rId4" imgW="360" imgH="360" progId="">
+                <p:oleObj spid="_x0000_s2065" name="think-cell Folie" r:id="rId4" imgW="360" imgH="360" progId="">
                   <p:embed/>
                 </p:oleObj>
               </mc:Choice>
@@ -12405,8 +12405,8 @@
               <a:t>: </a:t>
             </a:r>
             <a:r>
-              <a:rPr lang="de-DE" sz="1600" dirty="0" err="1"/>
-              <a:t>Softwareenticklung</a:t>
+              <a:rPr lang="de-DE" sz="1600" dirty="0" smtClean="0"/>
+              <a:t>Softwareentwicklung</a:t>
             </a:r>
             <a:endParaRPr lang="de-DE" sz="1600" dirty="0"/>
           </a:p>
@@ -16475,15 +16475,7 @@
             </a:pPr>
             <a:r>
               <a:rPr lang="de-DE" dirty="0"/>
-              <a:t>Höhere Verwaltungskomplexität im Vergleich zur </a:t>
-            </a:r>
-            <a:r>
-              <a:rPr lang="de-DE" dirty="0"/>
-              <a:t>Edge </a:t>
-            </a:r>
-            <a:r>
-              <a:rPr lang="de-DE" dirty="0"/>
-              <a:t>Ansatz</a:t>
+              <a:t>Höhere Verwaltungskomplexität im Vergleich zur Edge Ansatz</a:t>
             </a:r>
           </a:p>
         </p:txBody>

--- a/Vortrag/Themenstellung.pptx
+++ b/Vortrag/Themenstellung.pptx
@@ -355,7 +355,7 @@
             <a:fld id="{3B1880FF-5A4E-4F25-9CEE-0D75F7C3E5E1}" type="datetimeFigureOut">
               <a:rPr lang="de-DE" smtClean="0"/>
               <a:pPr/>
-              <a:t>30.11.2022</a:t>
+              <a:t>10.05.2023</a:t>
             </a:fld>
             <a:endParaRPr lang="de-DE"/>
           </a:p>
@@ -455,7 +455,7 @@
             <a:fld id="{4D31F1D7-8377-4A76-8F5D-3E76EEE25737}" type="datetimeFigureOut">
               <a:rPr lang="de-DE" smtClean="0"/>
               <a:pPr/>
-              <a:t>30.11.2022</a:t>
+              <a:t>10.05.2023</a:t>
             </a:fld>
             <a:endParaRPr lang="de-DE"/>
           </a:p>
@@ -3143,7 +3143,7 @@
           <a:graphicData uri="http://schemas.openxmlformats.org/presentationml/2006/ole">
             <mc:AlternateContent xmlns:mc="http://schemas.openxmlformats.org/markup-compatibility/2006">
               <mc:Choice xmlns:v="urn:schemas-microsoft-com:vml" Requires="v">
-                <p:oleObj spid="_x0000_s1041" name="think-cell Folie" r:id="rId10" imgW="360" imgH="360" progId="">
+                <p:oleObj spid="_x0000_s1042" name="think-cell Folie" r:id="rId10" imgW="360" imgH="360" progId="">
                   <p:embed/>
                 </p:oleObj>
               </mc:Choice>
@@ -5057,8 +5057,9 @@
           <a:p>
             <a:r>
               <a:rPr lang="de-DE" dirty="0"/>
-              <a:t>Verteiltes Rechnen mittels autonomen Fahrzeugsteuergeräten</a:t>
-            </a:r>
+              <a:t>Verteiltes Rechnen mit Hilfe von autonomen Fahrzeugsteuergeräten</a:t>
+            </a:r>
+            <a:endParaRPr lang="de-DE" dirty="0"/>
           </a:p>
         </p:txBody>
       </p:sp>
@@ -11638,7 +11639,7 @@
           <a:graphicData uri="http://schemas.openxmlformats.org/presentationml/2006/ole">
             <mc:AlternateContent xmlns:mc="http://schemas.openxmlformats.org/markup-compatibility/2006">
               <mc:Choice xmlns:v="urn:schemas-microsoft-com:vml" Requires="v">
-                <p:oleObj spid="_x0000_s2065" name="think-cell Folie" r:id="rId4" imgW="360" imgH="360" progId="">
+                <p:oleObj spid="_x0000_s2066" name="think-cell Folie" r:id="rId4" imgW="360" imgH="360" progId="">
                   <p:embed/>
                 </p:oleObj>
               </mc:Choice>

--- a/Vortrag/Themenstellung.pptx
+++ b/Vortrag/Themenstellung.pptx
@@ -6,10 +6,10 @@
     <p:sldMasterId id="2147483661" r:id="rId2"/>
   </p:sldMasterIdLst>
   <p:notesMasterIdLst>
-    <p:notesMasterId r:id="rId22"/>
+    <p:notesMasterId r:id="rId23"/>
   </p:notesMasterIdLst>
   <p:handoutMasterIdLst>
-    <p:handoutMasterId r:id="rId23"/>
+    <p:handoutMasterId r:id="rId24"/>
   </p:handoutMasterIdLst>
   <p:sldIdLst>
     <p:sldId id="256" r:id="rId3"/>
@@ -22,20 +22,21 @@
     <p:sldId id="263" r:id="rId10"/>
     <p:sldId id="264" r:id="rId11"/>
     <p:sldId id="266" r:id="rId12"/>
-    <p:sldId id="267" r:id="rId13"/>
-    <p:sldId id="268" r:id="rId14"/>
-    <p:sldId id="269" r:id="rId15"/>
-    <p:sldId id="270" r:id="rId16"/>
-    <p:sldId id="271" r:id="rId17"/>
-    <p:sldId id="272" r:id="rId18"/>
-    <p:sldId id="273" r:id="rId19"/>
-    <p:sldId id="274" r:id="rId20"/>
-    <p:sldId id="260" r:id="rId21"/>
+    <p:sldId id="275" r:id="rId13"/>
+    <p:sldId id="267" r:id="rId14"/>
+    <p:sldId id="268" r:id="rId15"/>
+    <p:sldId id="269" r:id="rId16"/>
+    <p:sldId id="270" r:id="rId17"/>
+    <p:sldId id="271" r:id="rId18"/>
+    <p:sldId id="272" r:id="rId19"/>
+    <p:sldId id="273" r:id="rId20"/>
+    <p:sldId id="274" r:id="rId21"/>
+    <p:sldId id="260" r:id="rId22"/>
   </p:sldIdLst>
   <p:sldSz cx="12192000" cy="6858000"/>
   <p:notesSz cx="6858000" cy="9144000"/>
   <p:custDataLst>
-    <p:tags r:id="rId24"/>
+    <p:tags r:id="rId25"/>
   </p:custDataLst>
   <p:defaultTextStyle>
     <a:defPPr>
@@ -355,7 +356,7 @@
             <a:fld id="{3B1880FF-5A4E-4F25-9CEE-0D75F7C3E5E1}" type="datetimeFigureOut">
               <a:rPr lang="de-DE" smtClean="0"/>
               <a:pPr/>
-              <a:t>10.05.2023</a:t>
+              <a:t>18.01.2024</a:t>
             </a:fld>
             <a:endParaRPr lang="de-DE"/>
           </a:p>
@@ -455,7 +456,7 @@
             <a:fld id="{4D31F1D7-8377-4A76-8F5D-3E76EEE25737}" type="datetimeFigureOut">
               <a:rPr lang="de-DE" smtClean="0"/>
               <a:pPr/>
-              <a:t>10.05.2023</a:t>
+              <a:t>18.01.2024</a:t>
             </a:fld>
             <a:endParaRPr lang="de-DE"/>
           </a:p>
@@ -3143,7 +3144,7 @@
           <a:graphicData uri="http://schemas.openxmlformats.org/presentationml/2006/ole">
             <mc:AlternateContent xmlns:mc="http://schemas.openxmlformats.org/markup-compatibility/2006">
               <mc:Choice xmlns:v="urn:schemas-microsoft-com:vml" Requires="v">
-                <p:oleObj spid="_x0000_s1042" name="think-cell Folie" r:id="rId10" imgW="360" imgH="360" progId="">
+                <p:oleObj spid="_x0000_s1045" name="think-cell Folie" r:id="rId10" imgW="360" imgH="360" progId="">
                   <p:embed/>
                 </p:oleObj>
               </mc:Choice>
@@ -5059,7 +5060,6 @@
               <a:rPr lang="de-DE" dirty="0"/>
               <a:t>Verteiltes Rechnen mit Hilfe von autonomen Fahrzeugsteuergeräten</a:t>
             </a:r>
-            <a:endParaRPr lang="de-DE" dirty="0"/>
           </a:p>
         </p:txBody>
       </p:sp>
@@ -5422,6 +5422,3060 @@
 </file>
 
 <file path=ppt/slides/slide11.xml><?xml version="1.0" encoding="utf-8"?>
+<p:sld xmlns:a="http://schemas.openxmlformats.org/drawingml/2006/main" xmlns:r="http://schemas.openxmlformats.org/officeDocument/2006/relationships" xmlns:p="http://schemas.openxmlformats.org/presentationml/2006/main">
+  <p:cSld>
+    <p:spTree>
+      <p:nvGrpSpPr>
+        <p:cNvPr id="1" name=""/>
+        <p:cNvGrpSpPr/>
+        <p:nvPr/>
+      </p:nvGrpSpPr>
+      <p:grpSpPr>
+        <a:xfrm>
+          <a:off x="0" y="0"/>
+          <a:ext cx="0" cy="0"/>
+          <a:chOff x="0" y="0"/>
+          <a:chExt cx="0" cy="0"/>
+        </a:xfrm>
+      </p:grpSpPr>
+      <p:sp>
+        <p:nvSpPr>
+          <p:cNvPr id="2" name="Titel 1"/>
+          <p:cNvSpPr>
+            <a:spLocks noGrp="1"/>
+          </p:cNvSpPr>
+          <p:nvPr>
+            <p:ph type="title"/>
+          </p:nvPr>
+        </p:nvSpPr>
+        <p:spPr/>
+        <p:txBody>
+          <a:bodyPr/>
+          <a:lstStyle/>
+          <a:p>
+            <a:r>
+              <a:rPr lang="de-DE" dirty="0" smtClean="0"/>
+              <a:t>Software Gesamtarchitektur</a:t>
+            </a:r>
+            <a:endParaRPr lang="de-DE" dirty="0"/>
+          </a:p>
+        </p:txBody>
+      </p:sp>
+      <p:sp>
+        <p:nvSpPr>
+          <p:cNvPr id="5" name="Rechteck 4"/>
+          <p:cNvSpPr/>
+          <p:nvPr/>
+        </p:nvSpPr>
+        <p:spPr>
+          <a:xfrm>
+            <a:off x="334799" y="1052736"/>
+            <a:ext cx="11601455" cy="5544616"/>
+          </a:xfrm>
+          <a:prstGeom prst="rect">
+            <a:avLst/>
+          </a:prstGeom>
+          <a:noFill/>
+          <a:ln w="12700">
+            <a:solidFill>
+              <a:schemeClr val="tx1"/>
+            </a:solidFill>
+          </a:ln>
+        </p:spPr>
+        <p:style>
+          <a:lnRef idx="2">
+            <a:schemeClr val="accent1">
+              <a:shade val="50000"/>
+            </a:schemeClr>
+          </a:lnRef>
+          <a:fillRef idx="1">
+            <a:schemeClr val="accent1"/>
+          </a:fillRef>
+          <a:effectRef idx="0">
+            <a:schemeClr val="accent1"/>
+          </a:effectRef>
+          <a:fontRef idx="minor">
+            <a:schemeClr val="lt1"/>
+          </a:fontRef>
+        </p:style>
+        <p:txBody>
+          <a:bodyPr rtlCol="0" anchor="ctr"/>
+          <a:lstStyle/>
+          <a:p>
+            <a:pPr algn="ctr"/>
+            <a:endParaRPr lang="de-DE" dirty="0" err="1">
+              <a:solidFill>
+                <a:schemeClr val="tx1"/>
+              </a:solidFill>
+            </a:endParaRPr>
+          </a:p>
+        </p:txBody>
+      </p:sp>
+      <p:grpSp>
+        <p:nvGrpSpPr>
+          <p:cNvPr id="98" name="Gruppieren 97"/>
+          <p:cNvGrpSpPr/>
+          <p:nvPr/>
+        </p:nvGrpSpPr>
+        <p:grpSpPr>
+          <a:xfrm>
+            <a:off x="3071664" y="1160747"/>
+            <a:ext cx="8752703" cy="5328593"/>
+            <a:chOff x="3071664" y="1160747"/>
+            <a:chExt cx="8752703" cy="5328593"/>
+          </a:xfrm>
+        </p:grpSpPr>
+        <p:grpSp>
+          <p:nvGrpSpPr>
+            <p:cNvPr id="95" name="Gruppieren 94"/>
+            <p:cNvGrpSpPr/>
+            <p:nvPr/>
+          </p:nvGrpSpPr>
+          <p:grpSpPr>
+            <a:xfrm>
+              <a:off x="3071664" y="1160747"/>
+              <a:ext cx="8752703" cy="5328593"/>
+              <a:chOff x="2310831" y="1160747"/>
+              <a:chExt cx="8752703" cy="5328593"/>
+            </a:xfrm>
+          </p:grpSpPr>
+          <p:grpSp>
+            <p:nvGrpSpPr>
+              <p:cNvPr id="10" name="Gruppieren 9"/>
+              <p:cNvGrpSpPr/>
+              <p:nvPr/>
+            </p:nvGrpSpPr>
+            <p:grpSpPr>
+              <a:xfrm>
+                <a:off x="2351584" y="1160747"/>
+                <a:ext cx="8711950" cy="5328593"/>
+                <a:chOff x="116081" y="260647"/>
+                <a:chExt cx="8711950" cy="5328593"/>
+              </a:xfrm>
+            </p:grpSpPr>
+            <p:grpSp>
+              <p:nvGrpSpPr>
+                <p:cNvPr id="11" name="Gruppieren 10"/>
+                <p:cNvGrpSpPr>
+                  <a:grpSpLocks noChangeAspect="1"/>
+                </p:cNvGrpSpPr>
+                <p:nvPr/>
+              </p:nvGrpSpPr>
+              <p:grpSpPr>
+                <a:xfrm>
+                  <a:off x="1669936" y="260647"/>
+                  <a:ext cx="7158095" cy="5328593"/>
+                  <a:chOff x="683568" y="260647"/>
+                  <a:chExt cx="8144464" cy="6062861"/>
+                </a:xfrm>
+              </p:grpSpPr>
+              <p:grpSp>
+                <p:nvGrpSpPr>
+                  <p:cNvPr id="16" name="Gruppieren 15"/>
+                  <p:cNvGrpSpPr/>
+                  <p:nvPr/>
+                </p:nvGrpSpPr>
+                <p:grpSpPr>
+                  <a:xfrm>
+                    <a:off x="5796136" y="260647"/>
+                    <a:ext cx="3024336" cy="1872209"/>
+                    <a:chOff x="5796136" y="260647"/>
+                    <a:chExt cx="3024336" cy="1872209"/>
+                  </a:xfrm>
+                </p:grpSpPr>
+                <p:sp>
+                  <p:nvSpPr>
+                    <p:cNvPr id="74" name="Rechteck 73"/>
+                    <p:cNvSpPr/>
+                    <p:nvPr/>
+                  </p:nvSpPr>
+                  <p:spPr>
+                    <a:xfrm>
+                      <a:off x="5796136" y="260647"/>
+                      <a:ext cx="3024336" cy="1872209"/>
+                    </a:xfrm>
+                    <a:prstGeom prst="rect">
+                      <a:avLst/>
+                    </a:prstGeom>
+                    <a:solidFill>
+                      <a:schemeClr val="accent6">
+                        <a:lumMod val="20000"/>
+                        <a:lumOff val="80000"/>
+                      </a:schemeClr>
+                    </a:solidFill>
+                    <a:ln>
+                      <a:solidFill>
+                        <a:schemeClr val="tx1"/>
+                      </a:solidFill>
+                    </a:ln>
+                  </p:spPr>
+                  <p:style>
+                    <a:lnRef idx="2">
+                      <a:schemeClr val="accent1">
+                        <a:shade val="50000"/>
+                      </a:schemeClr>
+                    </a:lnRef>
+                    <a:fillRef idx="1">
+                      <a:schemeClr val="accent1"/>
+                    </a:fillRef>
+                    <a:effectRef idx="0">
+                      <a:schemeClr val="accent1"/>
+                    </a:effectRef>
+                    <a:fontRef idx="minor">
+                      <a:schemeClr val="lt1"/>
+                    </a:fontRef>
+                  </p:style>
+                  <p:txBody>
+                    <a:bodyPr rtlCol="0" anchor="ctr"/>
+                    <a:lstStyle/>
+                    <a:p>
+                      <a:pPr algn="ctr"/>
+                      <a:endParaRPr lang="de-DE"/>
+                    </a:p>
+                  </p:txBody>
+                </p:sp>
+                <p:sp>
+                  <p:nvSpPr>
+                    <p:cNvPr id="75" name="Rechteck 74"/>
+                    <p:cNvSpPr/>
+                    <p:nvPr/>
+                  </p:nvSpPr>
+                  <p:spPr>
+                    <a:xfrm>
+                      <a:off x="6660232" y="610919"/>
+                      <a:ext cx="2016224" cy="1449929"/>
+                    </a:xfrm>
+                    <a:prstGeom prst="rect">
+                      <a:avLst/>
+                    </a:prstGeom>
+                    <a:solidFill>
+                      <a:srgbClr val="FF9999"/>
+                    </a:solidFill>
+                    <a:ln>
+                      <a:solidFill>
+                        <a:schemeClr val="tx1"/>
+                      </a:solidFill>
+                      <a:prstDash val="solid"/>
+                    </a:ln>
+                  </p:spPr>
+                  <p:style>
+                    <a:lnRef idx="2">
+                      <a:schemeClr val="accent1">
+                        <a:shade val="50000"/>
+                      </a:schemeClr>
+                    </a:lnRef>
+                    <a:fillRef idx="1">
+                      <a:schemeClr val="accent1"/>
+                    </a:fillRef>
+                    <a:effectRef idx="0">
+                      <a:schemeClr val="accent1"/>
+                    </a:effectRef>
+                    <a:fontRef idx="minor">
+                      <a:schemeClr val="lt1"/>
+                    </a:fontRef>
+                  </p:style>
+                  <p:txBody>
+                    <a:bodyPr rtlCol="0" anchor="ctr"/>
+                    <a:lstStyle/>
+                    <a:p>
+                      <a:pPr algn="ctr"/>
+                      <a:endParaRPr lang="de-DE"/>
+                    </a:p>
+                  </p:txBody>
+                </p:sp>
+                <p:sp>
+                  <p:nvSpPr>
+                    <p:cNvPr id="76" name="Rechteck 75"/>
+                    <p:cNvSpPr/>
+                    <p:nvPr/>
+                  </p:nvSpPr>
+                  <p:spPr>
+                    <a:xfrm>
+                      <a:off x="6732240" y="1081250"/>
+                      <a:ext cx="1872208" cy="895204"/>
+                    </a:xfrm>
+                    <a:prstGeom prst="rect">
+                      <a:avLst/>
+                    </a:prstGeom>
+                    <a:solidFill>
+                      <a:schemeClr val="accent4">
+                        <a:lumMod val="20000"/>
+                        <a:lumOff val="80000"/>
+                      </a:schemeClr>
+                    </a:solidFill>
+                    <a:ln cmpd="sng">
+                      <a:solidFill>
+                        <a:schemeClr val="tx1"/>
+                      </a:solidFill>
+                    </a:ln>
+                  </p:spPr>
+                  <p:style>
+                    <a:lnRef idx="2">
+                      <a:schemeClr val="accent1">
+                        <a:shade val="50000"/>
+                      </a:schemeClr>
+                    </a:lnRef>
+                    <a:fillRef idx="1">
+                      <a:schemeClr val="accent1"/>
+                    </a:fillRef>
+                    <a:effectRef idx="0">
+                      <a:schemeClr val="accent1"/>
+                    </a:effectRef>
+                    <a:fontRef idx="minor">
+                      <a:schemeClr val="lt1"/>
+                    </a:fontRef>
+                  </p:style>
+                  <p:txBody>
+                    <a:bodyPr rtlCol="0" anchor="ctr"/>
+                    <a:lstStyle/>
+                    <a:p>
+                      <a:pPr algn="ctr"/>
+                      <a:endParaRPr lang="de-DE"/>
+                    </a:p>
+                  </p:txBody>
+                </p:sp>
+                <p:sp>
+                  <p:nvSpPr>
+                    <p:cNvPr id="77" name="Rechteck 76"/>
+                    <p:cNvSpPr/>
+                    <p:nvPr/>
+                  </p:nvSpPr>
+                  <p:spPr>
+                    <a:xfrm>
+                      <a:off x="5940152" y="451490"/>
+                      <a:ext cx="495672" cy="1408719"/>
+                    </a:xfrm>
+                    <a:prstGeom prst="rect">
+                      <a:avLst/>
+                    </a:prstGeom>
+                    <a:solidFill>
+                      <a:schemeClr val="accent5">
+                        <a:lumMod val="40000"/>
+                        <a:lumOff val="60000"/>
+                      </a:schemeClr>
+                    </a:solidFill>
+                    <a:ln>
+                      <a:solidFill>
+                        <a:schemeClr val="tx1"/>
+                      </a:solidFill>
+                    </a:ln>
+                  </p:spPr>
+                  <p:style>
+                    <a:lnRef idx="2">
+                      <a:schemeClr val="accent1">
+                        <a:shade val="50000"/>
+                      </a:schemeClr>
+                    </a:lnRef>
+                    <a:fillRef idx="1">
+                      <a:schemeClr val="accent1"/>
+                    </a:fillRef>
+                    <a:effectRef idx="0">
+                      <a:schemeClr val="accent1"/>
+                    </a:effectRef>
+                    <a:fontRef idx="minor">
+                      <a:schemeClr val="lt1"/>
+                    </a:fontRef>
+                  </p:style>
+                  <p:txBody>
+                    <a:bodyPr rtlCol="0" anchor="ctr"/>
+                    <a:lstStyle/>
+                    <a:p>
+                      <a:pPr algn="ctr"/>
+                      <a:endParaRPr lang="de-DE"/>
+                    </a:p>
+                  </p:txBody>
+                </p:sp>
+                <p:sp>
+                  <p:nvSpPr>
+                    <p:cNvPr id="78" name="Textfeld 77"/>
+                    <p:cNvSpPr txBox="1"/>
+                    <p:nvPr/>
+                  </p:nvSpPr>
+                  <p:spPr>
+                    <a:xfrm>
+                      <a:off x="6796196" y="271413"/>
+                      <a:ext cx="1547218" cy="307777"/>
+                    </a:xfrm>
+                    <a:prstGeom prst="rect">
+                      <a:avLst/>
+                    </a:prstGeom>
+                    <a:noFill/>
+                  </p:spPr>
+                  <p:txBody>
+                    <a:bodyPr wrap="none" rtlCol="0">
+                      <a:spAutoFit/>
+                    </a:bodyPr>
+                    <a:lstStyle/>
+                    <a:p>
+                      <a:r>
+                        <a:rPr lang="de-DE" sz="1400" b="1" dirty="0" err="1" smtClean="0"/>
+                        <a:t>Runtime</a:t>
+                      </a:r>
+                      <a:r>
+                        <a:rPr lang="de-DE" sz="1400" b="1" dirty="0" smtClean="0"/>
+                        <a:t> </a:t>
+                      </a:r>
+                      <a:r>
+                        <a:rPr lang="de-DE" sz="1400" b="1" dirty="0" err="1" smtClean="0"/>
+                        <a:t>Node</a:t>
+                      </a:r>
+                      <a:r>
+                        <a:rPr lang="de-DE" sz="1400" b="1" dirty="0" smtClean="0"/>
+                        <a:t> 1</a:t>
+                      </a:r>
+                      <a:endParaRPr lang="de-DE" sz="1400" b="1" dirty="0"/>
+                    </a:p>
+                  </p:txBody>
+                </p:sp>
+                <p:sp>
+                  <p:nvSpPr>
+                    <p:cNvPr id="79" name="Textfeld 78"/>
+                    <p:cNvSpPr txBox="1"/>
+                    <p:nvPr/>
+                  </p:nvSpPr>
+                  <p:spPr>
+                    <a:xfrm rot="5400000">
+                      <a:off x="5554138" y="922148"/>
+                      <a:ext cx="1294025" cy="461665"/>
+                    </a:xfrm>
+                    <a:prstGeom prst="rect">
+                      <a:avLst/>
+                    </a:prstGeom>
+                    <a:noFill/>
+                  </p:spPr>
+                  <p:txBody>
+                    <a:bodyPr wrap="none" rtlCol="0">
+                      <a:spAutoFit/>
+                    </a:bodyPr>
+                    <a:lstStyle/>
+                    <a:p>
+                      <a:pPr algn="ctr"/>
+                      <a:r>
+                        <a:rPr lang="de-DE" sz="1200" dirty="0" smtClean="0"/>
+                        <a:t>Communication</a:t>
+                      </a:r>
+                    </a:p>
+                    <a:p>
+                      <a:pPr algn="ctr"/>
+                      <a:r>
+                        <a:rPr lang="de-DE" sz="1200" dirty="0" smtClean="0"/>
+                        <a:t> Interface</a:t>
+                      </a:r>
+                      <a:endParaRPr lang="de-DE" sz="1200" dirty="0"/>
+                    </a:p>
+                  </p:txBody>
+                </p:sp>
+                <p:grpSp>
+                  <p:nvGrpSpPr>
+                    <p:cNvPr id="80" name="Gruppieren 79"/>
+                    <p:cNvGrpSpPr/>
+                    <p:nvPr/>
+                  </p:nvGrpSpPr>
+                  <p:grpSpPr>
+                    <a:xfrm>
+                      <a:off x="6796196" y="683195"/>
+                      <a:ext cx="1736244" cy="296766"/>
+                      <a:chOff x="904450" y="1772341"/>
+                      <a:chExt cx="1736244" cy="286453"/>
+                    </a:xfrm>
+                  </p:grpSpPr>
+                  <p:sp>
+                    <p:nvSpPr>
+                      <p:cNvPr id="88" name="Rechteck 87"/>
+                      <p:cNvSpPr/>
+                      <p:nvPr/>
+                    </p:nvSpPr>
+                    <p:spPr>
+                      <a:xfrm>
+                        <a:off x="904450" y="1772341"/>
+                        <a:ext cx="1736244" cy="276999"/>
+                      </a:xfrm>
+                      <a:prstGeom prst="rect">
+                        <a:avLst/>
+                      </a:prstGeom>
+                      <a:solidFill>
+                        <a:srgbClr val="FF0000"/>
+                      </a:solidFill>
+                      <a:ln>
+                        <a:solidFill>
+                          <a:schemeClr val="tx1"/>
+                        </a:solidFill>
+                      </a:ln>
+                    </p:spPr>
+                    <p:style>
+                      <a:lnRef idx="2">
+                        <a:schemeClr val="accent1">
+                          <a:shade val="50000"/>
+                        </a:schemeClr>
+                      </a:lnRef>
+                      <a:fillRef idx="1">
+                        <a:schemeClr val="accent1"/>
+                      </a:fillRef>
+                      <a:effectRef idx="0">
+                        <a:schemeClr val="accent1"/>
+                      </a:effectRef>
+                      <a:fontRef idx="minor">
+                        <a:schemeClr val="lt1"/>
+                      </a:fontRef>
+                    </p:style>
+                    <p:txBody>
+                      <a:bodyPr rtlCol="0" anchor="ctr"/>
+                      <a:lstStyle/>
+                      <a:p>
+                        <a:pPr algn="ctr"/>
+                        <a:endParaRPr lang="de-DE"/>
+                      </a:p>
+                    </p:txBody>
+                  </p:sp>
+                  <p:sp>
+                    <p:nvSpPr>
+                      <p:cNvPr id="89" name="Textfeld 88"/>
+                      <p:cNvSpPr txBox="1"/>
+                      <p:nvPr/>
+                    </p:nvSpPr>
+                    <p:spPr>
+                      <a:xfrm>
+                        <a:off x="1041441" y="1781795"/>
+                        <a:ext cx="1462260" cy="276999"/>
+                      </a:xfrm>
+                      <a:prstGeom prst="rect">
+                        <a:avLst/>
+                      </a:prstGeom>
+                      <a:noFill/>
+                    </p:spPr>
+                    <p:txBody>
+                      <a:bodyPr wrap="none" rtlCol="0">
+                        <a:spAutoFit/>
+                      </a:bodyPr>
+                      <a:lstStyle/>
+                      <a:p>
+                        <a:r>
+                          <a:rPr lang="de-DE" sz="1000" dirty="0" smtClean="0"/>
+                          <a:t>Container </a:t>
+                        </a:r>
+                        <a:r>
+                          <a:rPr lang="de-DE" sz="1000" dirty="0" err="1" smtClean="0"/>
+                          <a:t>Runtime</a:t>
+                        </a:r>
+                        <a:endParaRPr lang="de-DE" sz="1000" dirty="0"/>
+                      </a:p>
+                    </p:txBody>
+                  </p:sp>
+                </p:grpSp>
+                <p:grpSp>
+                  <p:nvGrpSpPr>
+                    <p:cNvPr id="81" name="Gruppieren 80"/>
+                    <p:cNvGrpSpPr/>
+                    <p:nvPr/>
+                  </p:nvGrpSpPr>
+                  <p:grpSpPr>
+                    <a:xfrm>
+                      <a:off x="6801698" y="1148709"/>
+                      <a:ext cx="1815139" cy="290955"/>
+                      <a:chOff x="895750" y="1768496"/>
+                      <a:chExt cx="1557271" cy="280844"/>
+                    </a:xfrm>
+                  </p:grpSpPr>
+                  <p:sp>
+                    <p:nvSpPr>
+                      <p:cNvPr id="86" name="Rechteck 85"/>
+                      <p:cNvSpPr/>
+                      <p:nvPr/>
+                    </p:nvSpPr>
+                    <p:spPr>
+                      <a:xfrm>
+                        <a:off x="904450" y="1772341"/>
+                        <a:ext cx="1476164" cy="276999"/>
+                      </a:xfrm>
+                      <a:prstGeom prst="rect">
+                        <a:avLst/>
+                      </a:prstGeom>
+                      <a:solidFill>
+                        <a:schemeClr val="accent2"/>
+                      </a:solidFill>
+                      <a:ln>
+                        <a:solidFill>
+                          <a:schemeClr val="tx1"/>
+                        </a:solidFill>
+                      </a:ln>
+                    </p:spPr>
+                    <p:style>
+                      <a:lnRef idx="2">
+                        <a:schemeClr val="accent1">
+                          <a:shade val="50000"/>
+                        </a:schemeClr>
+                      </a:lnRef>
+                      <a:fillRef idx="1">
+                        <a:schemeClr val="accent1"/>
+                      </a:fillRef>
+                      <a:effectRef idx="0">
+                        <a:schemeClr val="accent1"/>
+                      </a:effectRef>
+                      <a:fontRef idx="minor">
+                        <a:schemeClr val="lt1"/>
+                      </a:fontRef>
+                    </p:style>
+                    <p:txBody>
+                      <a:bodyPr rtlCol="0" anchor="ctr"/>
+                      <a:lstStyle/>
+                      <a:p>
+                        <a:pPr algn="ctr"/>
+                        <a:endParaRPr lang="de-DE"/>
+                      </a:p>
+                    </p:txBody>
+                  </p:sp>
+                  <p:sp>
+                    <p:nvSpPr>
+                      <p:cNvPr id="87" name="Textfeld 86"/>
+                      <p:cNvSpPr txBox="1"/>
+                      <p:nvPr/>
+                    </p:nvSpPr>
+                    <p:spPr>
+                      <a:xfrm>
+                        <a:off x="895750" y="1768496"/>
+                        <a:ext cx="1557271" cy="270415"/>
+                      </a:xfrm>
+                      <a:prstGeom prst="rect">
+                        <a:avLst/>
+                      </a:prstGeom>
+                      <a:noFill/>
+                    </p:spPr>
+                    <p:txBody>
+                      <a:bodyPr wrap="none" rtlCol="0">
+                        <a:spAutoFit/>
+                      </a:bodyPr>
+                      <a:lstStyle/>
+                      <a:p>
+                        <a:r>
+                          <a:rPr lang="de-DE" sz="1000" dirty="0" smtClean="0"/>
+                          <a:t>Container Environment 1</a:t>
+                        </a:r>
+                        <a:endParaRPr lang="de-DE" sz="1000" dirty="0"/>
+                      </a:p>
+                    </p:txBody>
+                  </p:sp>
+                </p:grpSp>
+                <p:grpSp>
+                  <p:nvGrpSpPr>
+                    <p:cNvPr id="82" name="Gruppieren 81"/>
+                    <p:cNvGrpSpPr/>
+                    <p:nvPr/>
+                  </p:nvGrpSpPr>
+                  <p:grpSpPr>
+                    <a:xfrm>
+                      <a:off x="6791594" y="1622366"/>
+                      <a:ext cx="1840674" cy="290242"/>
+                      <a:chOff x="859942" y="1769184"/>
+                      <a:chExt cx="1579178" cy="280156"/>
+                    </a:xfrm>
+                  </p:grpSpPr>
+                  <p:sp>
+                    <p:nvSpPr>
+                      <p:cNvPr id="84" name="Rechteck 83"/>
+                      <p:cNvSpPr/>
+                      <p:nvPr/>
+                    </p:nvSpPr>
+                    <p:spPr>
+                      <a:xfrm>
+                        <a:off x="877312" y="1772341"/>
+                        <a:ext cx="1476163" cy="276999"/>
+                      </a:xfrm>
+                      <a:prstGeom prst="rect">
+                        <a:avLst/>
+                      </a:prstGeom>
+                      <a:solidFill>
+                        <a:schemeClr val="accent2"/>
+                      </a:solidFill>
+                      <a:ln>
+                        <a:solidFill>
+                          <a:schemeClr val="tx1"/>
+                        </a:solidFill>
+                      </a:ln>
+                    </p:spPr>
+                    <p:style>
+                      <a:lnRef idx="2">
+                        <a:schemeClr val="accent1">
+                          <a:shade val="50000"/>
+                        </a:schemeClr>
+                      </a:lnRef>
+                      <a:fillRef idx="1">
+                        <a:schemeClr val="accent1"/>
+                      </a:fillRef>
+                      <a:effectRef idx="0">
+                        <a:schemeClr val="accent1"/>
+                      </a:effectRef>
+                      <a:fontRef idx="minor">
+                        <a:schemeClr val="lt1"/>
+                      </a:fontRef>
+                    </p:style>
+                    <p:txBody>
+                      <a:bodyPr rtlCol="0" anchor="ctr"/>
+                      <a:lstStyle/>
+                      <a:p>
+                        <a:pPr algn="ctr"/>
+                        <a:endParaRPr lang="de-DE"/>
+                      </a:p>
+                    </p:txBody>
+                  </p:sp>
+                  <p:sp>
+                    <p:nvSpPr>
+                      <p:cNvPr id="85" name="Textfeld 84"/>
+                      <p:cNvSpPr txBox="1"/>
+                      <p:nvPr/>
+                    </p:nvSpPr>
+                    <p:spPr>
+                      <a:xfrm>
+                        <a:off x="859942" y="1769184"/>
+                        <a:ext cx="1579178" cy="270415"/>
+                      </a:xfrm>
+                      <a:prstGeom prst="rect">
+                        <a:avLst/>
+                      </a:prstGeom>
+                      <a:noFill/>
+                    </p:spPr>
+                    <p:txBody>
+                      <a:bodyPr wrap="none" rtlCol="0">
+                        <a:spAutoFit/>
+                      </a:bodyPr>
+                      <a:lstStyle/>
+                      <a:p>
+                        <a:r>
+                          <a:rPr lang="de-DE" sz="1000" dirty="0"/>
+                          <a:t>Container Environment </a:t>
+                        </a:r>
+                        <a:r>
+                          <a:rPr lang="de-DE" sz="1000" dirty="0" smtClean="0"/>
+                          <a:t>N</a:t>
+                        </a:r>
+                        <a:endParaRPr lang="de-DE" sz="1000" dirty="0"/>
+                      </a:p>
+                    </p:txBody>
+                  </p:sp>
+                </p:grpSp>
+                <p:cxnSp>
+                  <p:nvCxnSpPr>
+                    <p:cNvPr id="83" name="Gerader Verbinder 82"/>
+                    <p:cNvCxnSpPr>
+                      <a:stCxn id="86" idx="2"/>
+                      <a:endCxn id="84" idx="0"/>
+                    </p:cNvCxnSpPr>
+                    <p:nvPr/>
+                  </p:nvCxnSpPr>
+                  <p:spPr>
+                    <a:xfrm>
+                      <a:off x="7672140" y="1439660"/>
+                      <a:ext cx="0" cy="185975"/>
+                    </a:xfrm>
+                    <a:prstGeom prst="line">
+                      <a:avLst/>
+                    </a:prstGeom>
+                    <a:ln w="38100">
+                      <a:solidFill>
+                        <a:schemeClr val="tx1"/>
+                      </a:solidFill>
+                      <a:prstDash val="sysDot"/>
+                    </a:ln>
+                  </p:spPr>
+                  <p:style>
+                    <a:lnRef idx="1">
+                      <a:schemeClr val="accent1"/>
+                    </a:lnRef>
+                    <a:fillRef idx="0">
+                      <a:schemeClr val="accent1"/>
+                    </a:fillRef>
+                    <a:effectRef idx="0">
+                      <a:schemeClr val="accent1"/>
+                    </a:effectRef>
+                    <a:fontRef idx="minor">
+                      <a:schemeClr val="tx1"/>
+                    </a:fontRef>
+                  </p:style>
+                </p:cxnSp>
+              </p:grpSp>
+              <p:sp>
+                <p:nvSpPr>
+                  <p:cNvPr id="17" name="Rechteck 16"/>
+                  <p:cNvSpPr/>
+                  <p:nvPr/>
+                </p:nvSpPr>
+                <p:spPr>
+                  <a:xfrm>
+                    <a:off x="683568" y="1976453"/>
+                    <a:ext cx="3600400" cy="2558310"/>
+                  </a:xfrm>
+                  <a:prstGeom prst="rect">
+                    <a:avLst/>
+                  </a:prstGeom>
+                  <a:solidFill>
+                    <a:srgbClr val="CCFFFF"/>
+                  </a:solidFill>
+                  <a:ln>
+                    <a:solidFill>
+                      <a:schemeClr val="tx1"/>
+                    </a:solidFill>
+                  </a:ln>
+                </p:spPr>
+                <p:style>
+                  <a:lnRef idx="2">
+                    <a:schemeClr val="accent1">
+                      <a:shade val="50000"/>
+                    </a:schemeClr>
+                  </a:lnRef>
+                  <a:fillRef idx="1">
+                    <a:schemeClr val="accent1"/>
+                  </a:fillRef>
+                  <a:effectRef idx="0">
+                    <a:schemeClr val="accent1"/>
+                  </a:effectRef>
+                  <a:fontRef idx="minor">
+                    <a:schemeClr val="lt1"/>
+                  </a:fontRef>
+                </p:style>
+                <p:txBody>
+                  <a:bodyPr rtlCol="0" anchor="ctr"/>
+                  <a:lstStyle/>
+                  <a:p>
+                    <a:pPr algn="ctr"/>
+                    <a:endParaRPr lang="de-DE"/>
+                  </a:p>
+                </p:txBody>
+              </p:sp>
+              <p:sp>
+                <p:nvSpPr>
+                  <p:cNvPr id="18" name="Textfeld 17"/>
+                  <p:cNvSpPr txBox="1"/>
+                  <p:nvPr/>
+                </p:nvSpPr>
+                <p:spPr>
+                  <a:xfrm>
+                    <a:off x="1803006" y="2010048"/>
+                    <a:ext cx="1686680" cy="307777"/>
+                  </a:xfrm>
+                  <a:prstGeom prst="rect">
+                    <a:avLst/>
+                  </a:prstGeom>
+                  <a:noFill/>
+                </p:spPr>
+                <p:txBody>
+                  <a:bodyPr wrap="none" rtlCol="0">
+                    <a:spAutoFit/>
+                  </a:bodyPr>
+                  <a:lstStyle/>
+                  <a:p>
+                    <a:r>
+                      <a:rPr lang="de-DE" sz="1400" b="1" dirty="0" err="1" smtClean="0"/>
+                      <a:t>Runtime</a:t>
+                    </a:r>
+                    <a:r>
+                      <a:rPr lang="de-DE" sz="1400" b="1" dirty="0" smtClean="0"/>
+                      <a:t> Manager</a:t>
+                    </a:r>
+                    <a:endParaRPr lang="de-DE" sz="1400" b="1" dirty="0"/>
+                  </a:p>
+                </p:txBody>
+              </p:sp>
+              <p:grpSp>
+                <p:nvGrpSpPr>
+                  <p:cNvPr id="19" name="Gruppieren 18"/>
+                  <p:cNvGrpSpPr/>
+                  <p:nvPr/>
+                </p:nvGrpSpPr>
+                <p:grpSpPr>
+                  <a:xfrm>
+                    <a:off x="3622767" y="2300037"/>
+                    <a:ext cx="495672" cy="1999823"/>
+                    <a:chOff x="3766783" y="2615157"/>
+                    <a:chExt cx="495672" cy="1359768"/>
+                  </a:xfrm>
+                  <a:solidFill>
+                    <a:schemeClr val="accent5">
+                      <a:lumMod val="40000"/>
+                      <a:lumOff val="60000"/>
+                    </a:schemeClr>
+                  </a:solidFill>
+                </p:grpSpPr>
+                <p:sp>
+                  <p:nvSpPr>
+                    <p:cNvPr id="72" name="Rechteck 71"/>
+                    <p:cNvSpPr/>
+                    <p:nvPr/>
+                  </p:nvSpPr>
+                  <p:spPr>
+                    <a:xfrm>
+                      <a:off x="3766783" y="2615157"/>
+                      <a:ext cx="495672" cy="1359768"/>
+                    </a:xfrm>
+                    <a:prstGeom prst="rect">
+                      <a:avLst/>
+                    </a:prstGeom>
+                    <a:grpFill/>
+                    <a:ln>
+                      <a:solidFill>
+                        <a:schemeClr val="tx1"/>
+                      </a:solidFill>
+                    </a:ln>
+                  </p:spPr>
+                  <p:style>
+                    <a:lnRef idx="2">
+                      <a:schemeClr val="accent1">
+                        <a:shade val="50000"/>
+                      </a:schemeClr>
+                    </a:lnRef>
+                    <a:fillRef idx="1">
+                      <a:schemeClr val="accent1"/>
+                    </a:fillRef>
+                    <a:effectRef idx="0">
+                      <a:schemeClr val="accent1"/>
+                    </a:effectRef>
+                    <a:fontRef idx="minor">
+                      <a:schemeClr val="lt1"/>
+                    </a:fontRef>
+                  </p:style>
+                  <p:txBody>
+                    <a:bodyPr rtlCol="0" anchor="ctr"/>
+                    <a:lstStyle/>
+                    <a:p>
+                      <a:pPr algn="ctr"/>
+                      <a:endParaRPr lang="de-DE"/>
+                    </a:p>
+                  </p:txBody>
+                </p:sp>
+                <p:sp>
+                  <p:nvSpPr>
+                    <p:cNvPr id="73" name="Textfeld 72"/>
+                    <p:cNvSpPr txBox="1"/>
+                    <p:nvPr/>
+                  </p:nvSpPr>
+                  <p:spPr>
+                    <a:xfrm rot="5400000">
+                      <a:off x="3405728" y="3047706"/>
+                      <a:ext cx="1249060" cy="461665"/>
+                    </a:xfrm>
+                    <a:prstGeom prst="rect">
+                      <a:avLst/>
+                    </a:prstGeom>
+                    <a:noFill/>
+                  </p:spPr>
+                  <p:txBody>
+                    <a:bodyPr wrap="none" rtlCol="0">
+                      <a:spAutoFit/>
+                    </a:bodyPr>
+                    <a:lstStyle/>
+                    <a:p>
+                      <a:pPr algn="ctr"/>
+                      <a:r>
+                        <a:rPr lang="de-DE" sz="1200" dirty="0" smtClean="0"/>
+                        <a:t>Communication</a:t>
+                      </a:r>
+                    </a:p>
+                    <a:p>
+                      <a:pPr algn="ctr"/>
+                      <a:r>
+                        <a:rPr lang="de-DE" sz="1200" dirty="0" smtClean="0"/>
+                        <a:t> Interface</a:t>
+                      </a:r>
+                      <a:endParaRPr lang="de-DE" sz="1200" dirty="0"/>
+                    </a:p>
+                  </p:txBody>
+                </p:sp>
+              </p:grpSp>
+              <p:grpSp>
+                <p:nvGrpSpPr>
+                  <p:cNvPr id="20" name="Gruppieren 19"/>
+                  <p:cNvGrpSpPr/>
+                  <p:nvPr/>
+                </p:nvGrpSpPr>
+                <p:grpSpPr>
+                  <a:xfrm>
+                    <a:off x="1489176" y="3956118"/>
+                    <a:ext cx="1821708" cy="280149"/>
+                    <a:chOff x="971600" y="630145"/>
+                    <a:chExt cx="1476164" cy="280149"/>
+                  </a:xfrm>
+                  <a:solidFill>
+                    <a:srgbClr val="FFCC99"/>
+                  </a:solidFill>
+                </p:grpSpPr>
+                <p:sp>
+                  <p:nvSpPr>
+                    <p:cNvPr id="70" name="Rechteck 69"/>
+                    <p:cNvSpPr/>
+                    <p:nvPr/>
+                  </p:nvSpPr>
+                  <p:spPr>
+                    <a:xfrm>
+                      <a:off x="971600" y="631720"/>
+                      <a:ext cx="1476164" cy="276999"/>
+                    </a:xfrm>
+                    <a:prstGeom prst="rect">
+                      <a:avLst/>
+                    </a:prstGeom>
+                    <a:grpFill/>
+                    <a:ln>
+                      <a:solidFill>
+                        <a:schemeClr val="tx1"/>
+                      </a:solidFill>
+                    </a:ln>
+                  </p:spPr>
+                  <p:style>
+                    <a:lnRef idx="2">
+                      <a:schemeClr val="accent1">
+                        <a:shade val="50000"/>
+                      </a:schemeClr>
+                    </a:lnRef>
+                    <a:fillRef idx="1">
+                      <a:schemeClr val="accent1"/>
+                    </a:fillRef>
+                    <a:effectRef idx="0">
+                      <a:schemeClr val="accent1"/>
+                    </a:effectRef>
+                    <a:fontRef idx="minor">
+                      <a:schemeClr val="lt1"/>
+                    </a:fontRef>
+                  </p:style>
+                  <p:txBody>
+                    <a:bodyPr rtlCol="0" anchor="ctr"/>
+                    <a:lstStyle/>
+                    <a:p>
+                      <a:pPr algn="ctr"/>
+                      <a:endParaRPr lang="de-DE"/>
+                    </a:p>
+                  </p:txBody>
+                </p:sp>
+                <p:sp>
+                  <p:nvSpPr>
+                    <p:cNvPr id="71" name="Textfeld 70"/>
+                    <p:cNvSpPr txBox="1"/>
+                    <p:nvPr/>
+                  </p:nvSpPr>
+                  <p:spPr>
+                    <a:xfrm>
+                      <a:off x="1330098" y="630145"/>
+                      <a:ext cx="699358" cy="280149"/>
+                    </a:xfrm>
+                    <a:prstGeom prst="rect">
+                      <a:avLst/>
+                    </a:prstGeom>
+                    <a:noFill/>
+                  </p:spPr>
+                  <p:txBody>
+                    <a:bodyPr wrap="none" rtlCol="0">
+                      <a:spAutoFit/>
+                    </a:bodyPr>
+                    <a:lstStyle/>
+                    <a:p>
+                      <a:pPr algn="ctr"/>
+                      <a:r>
+                        <a:rPr lang="de-DE" sz="1000" dirty="0" smtClean="0"/>
+                        <a:t>Scheduler</a:t>
+                      </a:r>
+                      <a:endParaRPr lang="de-DE" sz="1000" dirty="0"/>
+                    </a:p>
+                  </p:txBody>
+                </p:sp>
+              </p:grpSp>
+              <p:grpSp>
+                <p:nvGrpSpPr>
+                  <p:cNvPr id="21" name="Gruppieren 20"/>
+                  <p:cNvGrpSpPr/>
+                  <p:nvPr/>
+                </p:nvGrpSpPr>
+                <p:grpSpPr>
+                  <a:xfrm>
+                    <a:off x="1489177" y="3546191"/>
+                    <a:ext cx="1821708" cy="292455"/>
+                    <a:chOff x="971600" y="1203427"/>
+                    <a:chExt cx="1476164" cy="292455"/>
+                  </a:xfrm>
+                  <a:solidFill>
+                    <a:srgbClr val="00CCFF"/>
+                  </a:solidFill>
+                </p:grpSpPr>
+                <p:sp>
+                  <p:nvSpPr>
+                    <p:cNvPr id="68" name="Rechteck 67"/>
+                    <p:cNvSpPr/>
+                    <p:nvPr/>
+                  </p:nvSpPr>
+                  <p:spPr>
+                    <a:xfrm>
+                      <a:off x="971600" y="1203427"/>
+                      <a:ext cx="1476164" cy="276999"/>
+                    </a:xfrm>
+                    <a:prstGeom prst="rect">
+                      <a:avLst/>
+                    </a:prstGeom>
+                    <a:grpFill/>
+                    <a:ln>
+                      <a:solidFill>
+                        <a:schemeClr val="tx1"/>
+                      </a:solidFill>
+                    </a:ln>
+                  </p:spPr>
+                  <p:style>
+                    <a:lnRef idx="2">
+                      <a:schemeClr val="accent1">
+                        <a:shade val="50000"/>
+                      </a:schemeClr>
+                    </a:lnRef>
+                    <a:fillRef idx="1">
+                      <a:schemeClr val="accent1"/>
+                    </a:fillRef>
+                    <a:effectRef idx="0">
+                      <a:schemeClr val="accent1"/>
+                    </a:effectRef>
+                    <a:fontRef idx="minor">
+                      <a:schemeClr val="lt1"/>
+                    </a:fontRef>
+                  </p:style>
+                  <p:txBody>
+                    <a:bodyPr rtlCol="0" anchor="ctr"/>
+                    <a:lstStyle/>
+                    <a:p>
+                      <a:pPr algn="ctr"/>
+                      <a:endParaRPr lang="de-DE"/>
+                    </a:p>
+                  </p:txBody>
+                </p:sp>
+                <p:sp>
+                  <p:nvSpPr>
+                    <p:cNvPr id="69" name="Textfeld 68"/>
+                    <p:cNvSpPr txBox="1"/>
+                    <p:nvPr/>
+                  </p:nvSpPr>
+                  <p:spPr>
+                    <a:xfrm>
+                      <a:off x="1373303" y="1215732"/>
+                      <a:ext cx="672756" cy="280150"/>
+                    </a:xfrm>
+                    <a:prstGeom prst="rect">
+                      <a:avLst/>
+                    </a:prstGeom>
+                    <a:noFill/>
+                  </p:spPr>
+                  <p:txBody>
+                    <a:bodyPr wrap="none" rtlCol="0">
+                      <a:spAutoFit/>
+                    </a:bodyPr>
+                    <a:lstStyle/>
+                    <a:p>
+                      <a:pPr algn="ctr"/>
+                      <a:r>
+                        <a:rPr lang="de-DE" sz="1000" dirty="0" smtClean="0"/>
+                        <a:t>Database</a:t>
+                      </a:r>
+                      <a:endParaRPr lang="de-DE" sz="1000" dirty="0"/>
+                    </a:p>
+                  </p:txBody>
+                </p:sp>
+              </p:grpSp>
+              <p:grpSp>
+                <p:nvGrpSpPr>
+                  <p:cNvPr id="22" name="Gruppieren 21"/>
+                  <p:cNvGrpSpPr/>
+                  <p:nvPr/>
+                </p:nvGrpSpPr>
+                <p:grpSpPr>
+                  <a:xfrm>
+                    <a:off x="1503157" y="2438598"/>
+                    <a:ext cx="1845097" cy="374960"/>
+                    <a:chOff x="904450" y="1772341"/>
+                    <a:chExt cx="1476164" cy="276999"/>
+                  </a:xfrm>
+                  <a:solidFill>
+                    <a:schemeClr val="accent1">
+                      <a:lumMod val="40000"/>
+                      <a:lumOff val="60000"/>
+                    </a:schemeClr>
+                  </a:solidFill>
+                </p:grpSpPr>
+                <p:sp>
+                  <p:nvSpPr>
+                    <p:cNvPr id="66" name="Rechteck 65"/>
+                    <p:cNvSpPr/>
+                    <p:nvPr/>
+                  </p:nvSpPr>
+                  <p:spPr>
+                    <a:xfrm>
+                      <a:off x="904450" y="1772341"/>
+                      <a:ext cx="1476164" cy="276999"/>
+                    </a:xfrm>
+                    <a:prstGeom prst="rect">
+                      <a:avLst/>
+                    </a:prstGeom>
+                    <a:grpFill/>
+                    <a:ln>
+                      <a:solidFill>
+                        <a:schemeClr val="tx1"/>
+                      </a:solidFill>
+                    </a:ln>
+                  </p:spPr>
+                  <p:style>
+                    <a:lnRef idx="2">
+                      <a:schemeClr val="accent1">
+                        <a:shade val="50000"/>
+                      </a:schemeClr>
+                    </a:lnRef>
+                    <a:fillRef idx="1">
+                      <a:schemeClr val="accent1"/>
+                    </a:fillRef>
+                    <a:effectRef idx="0">
+                      <a:schemeClr val="accent1"/>
+                    </a:effectRef>
+                    <a:fontRef idx="minor">
+                      <a:schemeClr val="lt1"/>
+                    </a:fontRef>
+                  </p:style>
+                  <p:txBody>
+                    <a:bodyPr rtlCol="0" anchor="ctr"/>
+                    <a:lstStyle/>
+                    <a:p>
+                      <a:pPr algn="ctr"/>
+                      <a:endParaRPr lang="de-DE"/>
+                    </a:p>
+                  </p:txBody>
+                </p:sp>
+                <p:sp>
+                  <p:nvSpPr>
+                    <p:cNvPr id="67" name="Textfeld 66"/>
+                    <p:cNvSpPr txBox="1"/>
+                    <p:nvPr/>
+                  </p:nvSpPr>
+                  <p:spPr>
+                    <a:xfrm>
+                      <a:off x="1221360" y="1803121"/>
+                      <a:ext cx="935638" cy="206959"/>
+                    </a:xfrm>
+                    <a:prstGeom prst="rect">
+                      <a:avLst/>
+                    </a:prstGeom>
+                    <a:noFill/>
+                  </p:spPr>
+                  <p:txBody>
+                    <a:bodyPr wrap="none" rtlCol="0">
+                      <a:spAutoFit/>
+                    </a:bodyPr>
+                    <a:lstStyle/>
+                    <a:p>
+                      <a:r>
+                        <a:rPr lang="de-DE" sz="1000" dirty="0" err="1" smtClean="0"/>
+                        <a:t>Node</a:t>
+                      </a:r>
+                      <a:r>
+                        <a:rPr lang="de-DE" sz="1000" dirty="0" smtClean="0"/>
+                        <a:t> Manager</a:t>
+                      </a:r>
+                      <a:endParaRPr lang="de-DE" sz="1000" dirty="0"/>
+                    </a:p>
+                  </p:txBody>
+                </p:sp>
+              </p:grpSp>
+              <p:grpSp>
+                <p:nvGrpSpPr>
+                  <p:cNvPr id="23" name="Gruppieren 22"/>
+                  <p:cNvGrpSpPr/>
+                  <p:nvPr/>
+                </p:nvGrpSpPr>
+                <p:grpSpPr>
+                  <a:xfrm>
+                    <a:off x="832087" y="2311635"/>
+                    <a:ext cx="495672" cy="1988226"/>
+                    <a:chOff x="3275856" y="2605100"/>
+                    <a:chExt cx="495672" cy="1359768"/>
+                  </a:xfrm>
+                  <a:solidFill>
+                    <a:schemeClr val="tx2">
+                      <a:lumMod val="20000"/>
+                      <a:lumOff val="80000"/>
+                    </a:schemeClr>
+                  </a:solidFill>
+                </p:grpSpPr>
+                <p:sp>
+                  <p:nvSpPr>
+                    <p:cNvPr id="64" name="Rechteck 63"/>
+                    <p:cNvSpPr/>
+                    <p:nvPr/>
+                  </p:nvSpPr>
+                  <p:spPr>
+                    <a:xfrm>
+                      <a:off x="3275856" y="2605100"/>
+                      <a:ext cx="495672" cy="1359768"/>
+                    </a:xfrm>
+                    <a:prstGeom prst="rect">
+                      <a:avLst/>
+                    </a:prstGeom>
+                    <a:grpFill/>
+                    <a:ln>
+                      <a:solidFill>
+                        <a:schemeClr val="tx1"/>
+                      </a:solidFill>
+                    </a:ln>
+                  </p:spPr>
+                  <p:style>
+                    <a:lnRef idx="2">
+                      <a:schemeClr val="accent1">
+                        <a:shade val="50000"/>
+                      </a:schemeClr>
+                    </a:lnRef>
+                    <a:fillRef idx="1">
+                      <a:schemeClr val="accent1"/>
+                    </a:fillRef>
+                    <a:effectRef idx="0">
+                      <a:schemeClr val="accent1"/>
+                    </a:effectRef>
+                    <a:fontRef idx="minor">
+                      <a:schemeClr val="lt1"/>
+                    </a:fontRef>
+                  </p:style>
+                  <p:txBody>
+                    <a:bodyPr rtlCol="0" anchor="ctr"/>
+                    <a:lstStyle/>
+                    <a:p>
+                      <a:pPr algn="ctr"/>
+                      <a:endParaRPr lang="de-DE"/>
+                    </a:p>
+                  </p:txBody>
+                </p:sp>
+                <p:sp>
+                  <p:nvSpPr>
+                    <p:cNvPr id="65" name="Textfeld 64"/>
+                    <p:cNvSpPr txBox="1"/>
+                    <p:nvPr/>
+                  </p:nvSpPr>
+                  <p:spPr>
+                    <a:xfrm rot="5400000">
+                      <a:off x="2913933" y="3059866"/>
+                      <a:ext cx="1249060" cy="461665"/>
+                    </a:xfrm>
+                    <a:prstGeom prst="rect">
+                      <a:avLst/>
+                    </a:prstGeom>
+                    <a:noFill/>
+                  </p:spPr>
+                  <p:txBody>
+                    <a:bodyPr wrap="none" rtlCol="0">
+                      <a:spAutoFit/>
+                    </a:bodyPr>
+                    <a:lstStyle/>
+                    <a:p>
+                      <a:pPr algn="ctr"/>
+                      <a:r>
+                        <a:rPr lang="de-DE" sz="1200" dirty="0" smtClean="0"/>
+                        <a:t>Communication</a:t>
+                      </a:r>
+                    </a:p>
+                    <a:p>
+                      <a:pPr algn="ctr"/>
+                      <a:r>
+                        <a:rPr lang="de-DE" sz="1200" dirty="0" smtClean="0"/>
+                        <a:t> Interface</a:t>
+                      </a:r>
+                      <a:endParaRPr lang="de-DE" sz="1200" dirty="0"/>
+                    </a:p>
+                  </p:txBody>
+                </p:sp>
+              </p:grpSp>
+              <p:grpSp>
+                <p:nvGrpSpPr>
+                  <p:cNvPr id="24" name="Gruppieren 23"/>
+                  <p:cNvGrpSpPr/>
+                  <p:nvPr/>
+                </p:nvGrpSpPr>
+                <p:grpSpPr>
+                  <a:xfrm>
+                    <a:off x="1503157" y="2944080"/>
+                    <a:ext cx="1845097" cy="464154"/>
+                    <a:chOff x="1373482" y="1438757"/>
+                    <a:chExt cx="1845097" cy="464154"/>
+                  </a:xfrm>
+                  <a:solidFill>
+                    <a:srgbClr val="83ABFB"/>
+                  </a:solidFill>
+                </p:grpSpPr>
+                <p:sp>
+                  <p:nvSpPr>
+                    <p:cNvPr id="62" name="Rechteck 61"/>
+                    <p:cNvSpPr/>
+                    <p:nvPr/>
+                  </p:nvSpPr>
+                  <p:spPr>
+                    <a:xfrm>
+                      <a:off x="1373482" y="1438757"/>
+                      <a:ext cx="1816466" cy="439335"/>
+                    </a:xfrm>
+                    <a:prstGeom prst="rect">
+                      <a:avLst/>
+                    </a:prstGeom>
+                    <a:grpFill/>
+                    <a:ln>
+                      <a:solidFill>
+                        <a:schemeClr val="tx1"/>
+                      </a:solidFill>
+                    </a:ln>
+                  </p:spPr>
+                  <p:style>
+                    <a:lnRef idx="2">
+                      <a:schemeClr val="accent1">
+                        <a:shade val="50000"/>
+                      </a:schemeClr>
+                    </a:lnRef>
+                    <a:fillRef idx="1">
+                      <a:schemeClr val="accent1"/>
+                    </a:fillRef>
+                    <a:effectRef idx="0">
+                      <a:schemeClr val="accent1"/>
+                    </a:effectRef>
+                    <a:fontRef idx="minor">
+                      <a:schemeClr val="lt1"/>
+                    </a:fontRef>
+                  </p:style>
+                  <p:txBody>
+                    <a:bodyPr rtlCol="0" anchor="ctr"/>
+                    <a:lstStyle/>
+                    <a:p>
+                      <a:pPr algn="ctr"/>
+                      <a:endParaRPr lang="de-DE"/>
+                    </a:p>
+                  </p:txBody>
+                </p:sp>
+                <p:sp>
+                  <p:nvSpPr>
+                    <p:cNvPr id="63" name="Textfeld 62"/>
+                    <p:cNvSpPr txBox="1"/>
+                    <p:nvPr/>
+                  </p:nvSpPr>
+                  <p:spPr>
+                    <a:xfrm>
+                      <a:off x="1403648" y="1441246"/>
+                      <a:ext cx="1814931" cy="461665"/>
+                    </a:xfrm>
+                    <a:prstGeom prst="rect">
+                      <a:avLst/>
+                    </a:prstGeom>
+                    <a:noFill/>
+                  </p:spPr>
+                  <p:txBody>
+                    <a:bodyPr wrap="square" rtlCol="0">
+                      <a:spAutoFit/>
+                    </a:bodyPr>
+                    <a:lstStyle/>
+                    <a:p>
+                      <a:pPr algn="ctr"/>
+                      <a:r>
+                        <a:rPr lang="de-DE" sz="1000" dirty="0" err="1" smtClean="0"/>
+                        <a:t>Node</a:t>
+                      </a:r>
+                      <a:r>
+                        <a:rPr lang="de-DE" sz="1000" dirty="0" smtClean="0"/>
+                        <a:t> – User </a:t>
+                      </a:r>
+                    </a:p>
+                    <a:p>
+                      <a:pPr algn="ctr"/>
+                      <a:r>
+                        <a:rPr lang="de-DE" sz="1000" dirty="0" smtClean="0"/>
+                        <a:t>Communication Handler</a:t>
+                      </a:r>
+                      <a:endParaRPr lang="de-DE" sz="1000" dirty="0"/>
+                    </a:p>
+                  </p:txBody>
+                </p:sp>
+              </p:grpSp>
+              <p:cxnSp>
+                <p:nvCxnSpPr>
+                  <p:cNvPr id="25" name="Gewinkelter Verbinder 24"/>
+                  <p:cNvCxnSpPr>
+                    <a:stCxn id="72" idx="3"/>
+                    <a:endCxn id="77" idx="1"/>
+                  </p:cNvCxnSpPr>
+                  <p:nvPr/>
+                </p:nvCxnSpPr>
+                <p:spPr>
+                  <a:xfrm flipV="1">
+                    <a:off x="4118439" y="1155850"/>
+                    <a:ext cx="1821713" cy="2144099"/>
+                  </a:xfrm>
+                  <a:prstGeom prst="bentConnector3">
+                    <a:avLst/>
+                  </a:prstGeom>
+                  <a:ln w="25400">
+                    <a:solidFill>
+                      <a:schemeClr val="accent5">
+                        <a:lumMod val="50000"/>
+                      </a:schemeClr>
+                    </a:solidFill>
+                    <a:headEnd type="triangle"/>
+                    <a:tailEnd type="triangle"/>
+                  </a:ln>
+                </p:spPr>
+                <p:style>
+                  <a:lnRef idx="1">
+                    <a:schemeClr val="accent1"/>
+                  </a:lnRef>
+                  <a:fillRef idx="0">
+                    <a:schemeClr val="accent1"/>
+                  </a:fillRef>
+                  <a:effectRef idx="0">
+                    <a:schemeClr val="accent1"/>
+                  </a:effectRef>
+                  <a:fontRef idx="minor">
+                    <a:schemeClr val="tx1"/>
+                  </a:fontRef>
+                </p:style>
+              </p:cxnSp>
+              <p:grpSp>
+                <p:nvGrpSpPr>
+                  <p:cNvPr id="26" name="Gruppieren 25"/>
+                  <p:cNvGrpSpPr/>
+                  <p:nvPr/>
+                </p:nvGrpSpPr>
+                <p:grpSpPr>
+                  <a:xfrm>
+                    <a:off x="5796136" y="2355973"/>
+                    <a:ext cx="3024336" cy="1872209"/>
+                    <a:chOff x="5796136" y="260647"/>
+                    <a:chExt cx="3024336" cy="1872209"/>
+                  </a:xfrm>
+                </p:grpSpPr>
+                <p:sp>
+                  <p:nvSpPr>
+                    <p:cNvPr id="46" name="Rechteck 45"/>
+                    <p:cNvSpPr/>
+                    <p:nvPr/>
+                  </p:nvSpPr>
+                  <p:spPr>
+                    <a:xfrm>
+                      <a:off x="5796136" y="260647"/>
+                      <a:ext cx="3024336" cy="1872209"/>
+                    </a:xfrm>
+                    <a:prstGeom prst="rect">
+                      <a:avLst/>
+                    </a:prstGeom>
+                    <a:solidFill>
+                      <a:schemeClr val="accent6">
+                        <a:lumMod val="20000"/>
+                        <a:lumOff val="80000"/>
+                      </a:schemeClr>
+                    </a:solidFill>
+                    <a:ln>
+                      <a:solidFill>
+                        <a:schemeClr val="tx1"/>
+                      </a:solidFill>
+                    </a:ln>
+                  </p:spPr>
+                  <p:style>
+                    <a:lnRef idx="2">
+                      <a:schemeClr val="accent1">
+                        <a:shade val="50000"/>
+                      </a:schemeClr>
+                    </a:lnRef>
+                    <a:fillRef idx="1">
+                      <a:schemeClr val="accent1"/>
+                    </a:fillRef>
+                    <a:effectRef idx="0">
+                      <a:schemeClr val="accent1"/>
+                    </a:effectRef>
+                    <a:fontRef idx="minor">
+                      <a:schemeClr val="lt1"/>
+                    </a:fontRef>
+                  </p:style>
+                  <p:txBody>
+                    <a:bodyPr rtlCol="0" anchor="ctr"/>
+                    <a:lstStyle/>
+                    <a:p>
+                      <a:pPr algn="ctr"/>
+                      <a:endParaRPr lang="de-DE"/>
+                    </a:p>
+                  </p:txBody>
+                </p:sp>
+                <p:sp>
+                  <p:nvSpPr>
+                    <p:cNvPr id="47" name="Rechteck 46"/>
+                    <p:cNvSpPr/>
+                    <p:nvPr/>
+                  </p:nvSpPr>
+                  <p:spPr>
+                    <a:xfrm>
+                      <a:off x="6660232" y="610919"/>
+                      <a:ext cx="2016224" cy="1449929"/>
+                    </a:xfrm>
+                    <a:prstGeom prst="rect">
+                      <a:avLst/>
+                    </a:prstGeom>
+                    <a:solidFill>
+                      <a:srgbClr val="FF9999"/>
+                    </a:solidFill>
+                    <a:ln>
+                      <a:solidFill>
+                        <a:schemeClr val="tx1"/>
+                      </a:solidFill>
+                      <a:prstDash val="solid"/>
+                    </a:ln>
+                  </p:spPr>
+                  <p:style>
+                    <a:lnRef idx="2">
+                      <a:schemeClr val="accent1">
+                        <a:shade val="50000"/>
+                      </a:schemeClr>
+                    </a:lnRef>
+                    <a:fillRef idx="1">
+                      <a:schemeClr val="accent1"/>
+                    </a:fillRef>
+                    <a:effectRef idx="0">
+                      <a:schemeClr val="accent1"/>
+                    </a:effectRef>
+                    <a:fontRef idx="minor">
+                      <a:schemeClr val="lt1"/>
+                    </a:fontRef>
+                  </p:style>
+                  <p:txBody>
+                    <a:bodyPr rtlCol="0" anchor="ctr"/>
+                    <a:lstStyle/>
+                    <a:p>
+                      <a:pPr algn="ctr"/>
+                      <a:endParaRPr lang="de-DE"/>
+                    </a:p>
+                  </p:txBody>
+                </p:sp>
+                <p:sp>
+                  <p:nvSpPr>
+                    <p:cNvPr id="48" name="Rechteck 47"/>
+                    <p:cNvSpPr/>
+                    <p:nvPr/>
+                  </p:nvSpPr>
+                  <p:spPr>
+                    <a:xfrm>
+                      <a:off x="6732240" y="1081250"/>
+                      <a:ext cx="1872208" cy="895203"/>
+                    </a:xfrm>
+                    <a:prstGeom prst="rect">
+                      <a:avLst/>
+                    </a:prstGeom>
+                    <a:solidFill>
+                      <a:schemeClr val="accent4">
+                        <a:lumMod val="20000"/>
+                        <a:lumOff val="80000"/>
+                      </a:schemeClr>
+                    </a:solidFill>
+                    <a:ln cmpd="sng">
+                      <a:solidFill>
+                        <a:schemeClr val="tx1"/>
+                      </a:solidFill>
+                    </a:ln>
+                  </p:spPr>
+                  <p:style>
+                    <a:lnRef idx="2">
+                      <a:schemeClr val="accent1">
+                        <a:shade val="50000"/>
+                      </a:schemeClr>
+                    </a:lnRef>
+                    <a:fillRef idx="1">
+                      <a:schemeClr val="accent1"/>
+                    </a:fillRef>
+                    <a:effectRef idx="0">
+                      <a:schemeClr val="accent1"/>
+                    </a:effectRef>
+                    <a:fontRef idx="minor">
+                      <a:schemeClr val="lt1"/>
+                    </a:fontRef>
+                  </p:style>
+                  <p:txBody>
+                    <a:bodyPr rtlCol="0" anchor="ctr"/>
+                    <a:lstStyle/>
+                    <a:p>
+                      <a:pPr algn="ctr"/>
+                      <a:endParaRPr lang="de-DE"/>
+                    </a:p>
+                  </p:txBody>
+                </p:sp>
+                <p:sp>
+                  <p:nvSpPr>
+                    <p:cNvPr id="49" name="Rechteck 48"/>
+                    <p:cNvSpPr/>
+                    <p:nvPr/>
+                  </p:nvSpPr>
+                  <p:spPr>
+                    <a:xfrm>
+                      <a:off x="5940152" y="451490"/>
+                      <a:ext cx="495672" cy="1408719"/>
+                    </a:xfrm>
+                    <a:prstGeom prst="rect">
+                      <a:avLst/>
+                    </a:prstGeom>
+                    <a:solidFill>
+                      <a:schemeClr val="accent5">
+                        <a:lumMod val="40000"/>
+                        <a:lumOff val="60000"/>
+                      </a:schemeClr>
+                    </a:solidFill>
+                    <a:ln>
+                      <a:solidFill>
+                        <a:schemeClr val="tx1"/>
+                      </a:solidFill>
+                    </a:ln>
+                  </p:spPr>
+                  <p:style>
+                    <a:lnRef idx="2">
+                      <a:schemeClr val="accent1">
+                        <a:shade val="50000"/>
+                      </a:schemeClr>
+                    </a:lnRef>
+                    <a:fillRef idx="1">
+                      <a:schemeClr val="accent1"/>
+                    </a:fillRef>
+                    <a:effectRef idx="0">
+                      <a:schemeClr val="accent1"/>
+                    </a:effectRef>
+                    <a:fontRef idx="minor">
+                      <a:schemeClr val="lt1"/>
+                    </a:fontRef>
+                  </p:style>
+                  <p:txBody>
+                    <a:bodyPr rtlCol="0" anchor="ctr"/>
+                    <a:lstStyle/>
+                    <a:p>
+                      <a:pPr algn="ctr"/>
+                      <a:endParaRPr lang="de-DE"/>
+                    </a:p>
+                  </p:txBody>
+                </p:sp>
+                <p:sp>
+                  <p:nvSpPr>
+                    <p:cNvPr id="50" name="Textfeld 49"/>
+                    <p:cNvSpPr txBox="1"/>
+                    <p:nvPr/>
+                  </p:nvSpPr>
+                  <p:spPr>
+                    <a:xfrm>
+                      <a:off x="6796196" y="271413"/>
+                      <a:ext cx="1547218" cy="307777"/>
+                    </a:xfrm>
+                    <a:prstGeom prst="rect">
+                      <a:avLst/>
+                    </a:prstGeom>
+                    <a:noFill/>
+                  </p:spPr>
+                  <p:txBody>
+                    <a:bodyPr wrap="none" rtlCol="0">
+                      <a:spAutoFit/>
+                    </a:bodyPr>
+                    <a:lstStyle/>
+                    <a:p>
+                      <a:r>
+                        <a:rPr lang="de-DE" sz="1400" b="1" dirty="0" err="1" smtClean="0"/>
+                        <a:t>Runtime</a:t>
+                      </a:r>
+                      <a:r>
+                        <a:rPr lang="de-DE" sz="1400" b="1" dirty="0" smtClean="0"/>
+                        <a:t> </a:t>
+                      </a:r>
+                      <a:r>
+                        <a:rPr lang="de-DE" sz="1400" b="1" dirty="0" err="1" smtClean="0"/>
+                        <a:t>Node</a:t>
+                      </a:r>
+                      <a:r>
+                        <a:rPr lang="de-DE" sz="1400" b="1" dirty="0" smtClean="0"/>
+                        <a:t> 2</a:t>
+                      </a:r>
+                      <a:endParaRPr lang="de-DE" sz="1400" b="1" dirty="0"/>
+                    </a:p>
+                  </p:txBody>
+                </p:sp>
+                <p:sp>
+                  <p:nvSpPr>
+                    <p:cNvPr id="51" name="Textfeld 50"/>
+                    <p:cNvSpPr txBox="1"/>
+                    <p:nvPr/>
+                  </p:nvSpPr>
+                  <p:spPr>
+                    <a:xfrm rot="5400000">
+                      <a:off x="5554138" y="922148"/>
+                      <a:ext cx="1294025" cy="461665"/>
+                    </a:xfrm>
+                    <a:prstGeom prst="rect">
+                      <a:avLst/>
+                    </a:prstGeom>
+                    <a:noFill/>
+                  </p:spPr>
+                  <p:txBody>
+                    <a:bodyPr wrap="none" rtlCol="0">
+                      <a:spAutoFit/>
+                    </a:bodyPr>
+                    <a:lstStyle/>
+                    <a:p>
+                      <a:pPr algn="ctr"/>
+                      <a:r>
+                        <a:rPr lang="de-DE" sz="1200" dirty="0" smtClean="0"/>
+                        <a:t>Communication</a:t>
+                      </a:r>
+                    </a:p>
+                    <a:p>
+                      <a:pPr algn="ctr"/>
+                      <a:r>
+                        <a:rPr lang="de-DE" sz="1200" dirty="0" smtClean="0"/>
+                        <a:t> Interface</a:t>
+                      </a:r>
+                      <a:endParaRPr lang="de-DE" sz="1200" dirty="0"/>
+                    </a:p>
+                  </p:txBody>
+                </p:sp>
+                <p:grpSp>
+                  <p:nvGrpSpPr>
+                    <p:cNvPr id="52" name="Gruppieren 51"/>
+                    <p:cNvGrpSpPr/>
+                    <p:nvPr/>
+                  </p:nvGrpSpPr>
+                  <p:grpSpPr>
+                    <a:xfrm>
+                      <a:off x="6796196" y="683190"/>
+                      <a:ext cx="1736244" cy="286972"/>
+                      <a:chOff x="904450" y="1772340"/>
+                      <a:chExt cx="1736244" cy="277000"/>
+                    </a:xfrm>
+                  </p:grpSpPr>
+                  <p:sp>
+                    <p:nvSpPr>
+                      <p:cNvPr id="60" name="Rechteck 59"/>
+                      <p:cNvSpPr/>
+                      <p:nvPr/>
+                    </p:nvSpPr>
+                    <p:spPr>
+                      <a:xfrm>
+                        <a:off x="904450" y="1772341"/>
+                        <a:ext cx="1736244" cy="276999"/>
+                      </a:xfrm>
+                      <a:prstGeom prst="rect">
+                        <a:avLst/>
+                      </a:prstGeom>
+                      <a:solidFill>
+                        <a:srgbClr val="FF0000"/>
+                      </a:solidFill>
+                      <a:ln>
+                        <a:solidFill>
+                          <a:schemeClr val="tx1"/>
+                        </a:solidFill>
+                      </a:ln>
+                    </p:spPr>
+                    <p:style>
+                      <a:lnRef idx="2">
+                        <a:schemeClr val="accent1">
+                          <a:shade val="50000"/>
+                        </a:schemeClr>
+                      </a:lnRef>
+                      <a:fillRef idx="1">
+                        <a:schemeClr val="accent1"/>
+                      </a:fillRef>
+                      <a:effectRef idx="0">
+                        <a:schemeClr val="accent1"/>
+                      </a:effectRef>
+                      <a:fontRef idx="minor">
+                        <a:schemeClr val="lt1"/>
+                      </a:fontRef>
+                    </p:style>
+                    <p:txBody>
+                      <a:bodyPr rtlCol="0" anchor="ctr"/>
+                      <a:lstStyle/>
+                      <a:p>
+                        <a:pPr algn="ctr"/>
+                        <a:endParaRPr lang="de-DE"/>
+                      </a:p>
+                    </p:txBody>
+                  </p:sp>
+                  <p:sp>
+                    <p:nvSpPr>
+                      <p:cNvPr id="61" name="Textfeld 60"/>
+                      <p:cNvSpPr txBox="1"/>
+                      <p:nvPr/>
+                    </p:nvSpPr>
+                    <p:spPr>
+                      <a:xfrm>
+                        <a:off x="1103239" y="1772340"/>
+                        <a:ext cx="1462260" cy="276999"/>
+                      </a:xfrm>
+                      <a:prstGeom prst="rect">
+                        <a:avLst/>
+                      </a:prstGeom>
+                      <a:noFill/>
+                    </p:spPr>
+                    <p:txBody>
+                      <a:bodyPr wrap="none" rtlCol="0">
+                        <a:spAutoFit/>
+                      </a:bodyPr>
+                      <a:lstStyle/>
+                      <a:p>
+                        <a:r>
+                          <a:rPr lang="de-DE" sz="1000" dirty="0" smtClean="0"/>
+                          <a:t>Container </a:t>
+                        </a:r>
+                        <a:r>
+                          <a:rPr lang="de-DE" sz="1000" dirty="0" err="1" smtClean="0"/>
+                          <a:t>Runtime</a:t>
+                        </a:r>
+                        <a:endParaRPr lang="de-DE" sz="1000" dirty="0"/>
+                      </a:p>
+                    </p:txBody>
+                  </p:sp>
+                </p:grpSp>
+                <p:sp>
+                  <p:nvSpPr>
+                    <p:cNvPr id="58" name="Rechteck 57"/>
+                    <p:cNvSpPr/>
+                    <p:nvPr/>
+                  </p:nvSpPr>
+                  <p:spPr>
+                    <a:xfrm>
+                      <a:off x="6811839" y="1152689"/>
+                      <a:ext cx="1720601" cy="286971"/>
+                    </a:xfrm>
+                    <a:prstGeom prst="rect">
+                      <a:avLst/>
+                    </a:prstGeom>
+                    <a:solidFill>
+                      <a:schemeClr val="accent2"/>
+                    </a:solidFill>
+                    <a:ln>
+                      <a:solidFill>
+                        <a:schemeClr val="tx1"/>
+                      </a:solidFill>
+                    </a:ln>
+                  </p:spPr>
+                  <p:style>
+                    <a:lnRef idx="2">
+                      <a:schemeClr val="accent1">
+                        <a:shade val="50000"/>
+                      </a:schemeClr>
+                    </a:lnRef>
+                    <a:fillRef idx="1">
+                      <a:schemeClr val="accent1"/>
+                    </a:fillRef>
+                    <a:effectRef idx="0">
+                      <a:schemeClr val="accent1"/>
+                    </a:effectRef>
+                    <a:fontRef idx="minor">
+                      <a:schemeClr val="lt1"/>
+                    </a:fontRef>
+                  </p:style>
+                  <p:txBody>
+                    <a:bodyPr rtlCol="0" anchor="ctr"/>
+                    <a:lstStyle/>
+                    <a:p>
+                      <a:pPr algn="ctr"/>
+                      <a:endParaRPr lang="de-DE"/>
+                    </a:p>
+                  </p:txBody>
+                </p:sp>
+                <p:sp>
+                  <p:nvSpPr>
+                    <p:cNvPr id="56" name="Rechteck 55"/>
+                    <p:cNvSpPr/>
+                    <p:nvPr/>
+                  </p:nvSpPr>
+                  <p:spPr>
+                    <a:xfrm>
+                      <a:off x="6811840" y="1625634"/>
+                      <a:ext cx="1720599" cy="286971"/>
+                    </a:xfrm>
+                    <a:prstGeom prst="rect">
+                      <a:avLst/>
+                    </a:prstGeom>
+                    <a:solidFill>
+                      <a:schemeClr val="accent2"/>
+                    </a:solidFill>
+                    <a:ln>
+                      <a:solidFill>
+                        <a:schemeClr val="tx1"/>
+                      </a:solidFill>
+                    </a:ln>
+                  </p:spPr>
+                  <p:style>
+                    <a:lnRef idx="2">
+                      <a:schemeClr val="accent1">
+                        <a:shade val="50000"/>
+                      </a:schemeClr>
+                    </a:lnRef>
+                    <a:fillRef idx="1">
+                      <a:schemeClr val="accent1"/>
+                    </a:fillRef>
+                    <a:effectRef idx="0">
+                      <a:schemeClr val="accent1"/>
+                    </a:effectRef>
+                    <a:fontRef idx="minor">
+                      <a:schemeClr val="lt1"/>
+                    </a:fontRef>
+                  </p:style>
+                  <p:txBody>
+                    <a:bodyPr rtlCol="0" anchor="ctr"/>
+                    <a:lstStyle/>
+                    <a:p>
+                      <a:pPr algn="ctr"/>
+                      <a:endParaRPr lang="de-DE"/>
+                    </a:p>
+                  </p:txBody>
+                </p:sp>
+                <p:cxnSp>
+                  <p:nvCxnSpPr>
+                    <p:cNvPr id="55" name="Gerader Verbinder 54"/>
+                    <p:cNvCxnSpPr>
+                      <a:stCxn id="58" idx="2"/>
+                      <a:endCxn id="56" idx="0"/>
+                    </p:cNvCxnSpPr>
+                    <p:nvPr/>
+                  </p:nvCxnSpPr>
+                  <p:spPr>
+                    <a:xfrm>
+                      <a:off x="7672140" y="1439660"/>
+                      <a:ext cx="0" cy="185975"/>
+                    </a:xfrm>
+                    <a:prstGeom prst="line">
+                      <a:avLst/>
+                    </a:prstGeom>
+                    <a:ln w="38100">
+                      <a:solidFill>
+                        <a:schemeClr val="tx1"/>
+                      </a:solidFill>
+                      <a:prstDash val="sysDot"/>
+                    </a:ln>
+                  </p:spPr>
+                  <p:style>
+                    <a:lnRef idx="1">
+                      <a:schemeClr val="accent1"/>
+                    </a:lnRef>
+                    <a:fillRef idx="0">
+                      <a:schemeClr val="accent1"/>
+                    </a:fillRef>
+                    <a:effectRef idx="0">
+                      <a:schemeClr val="accent1"/>
+                    </a:effectRef>
+                    <a:fontRef idx="minor">
+                      <a:schemeClr val="tx1"/>
+                    </a:fontRef>
+                  </p:style>
+                </p:cxnSp>
+              </p:grpSp>
+              <p:grpSp>
+                <p:nvGrpSpPr>
+                  <p:cNvPr id="27" name="Gruppieren 26"/>
+                  <p:cNvGrpSpPr/>
+                  <p:nvPr/>
+                </p:nvGrpSpPr>
+                <p:grpSpPr>
+                  <a:xfrm>
+                    <a:off x="5803696" y="4451299"/>
+                    <a:ext cx="3024336" cy="1872209"/>
+                    <a:chOff x="5796136" y="260647"/>
+                    <a:chExt cx="3024336" cy="1872209"/>
+                  </a:xfrm>
+                </p:grpSpPr>
+                <p:sp>
+                  <p:nvSpPr>
+                    <p:cNvPr id="30" name="Rechteck 29"/>
+                    <p:cNvSpPr/>
+                    <p:nvPr/>
+                  </p:nvSpPr>
+                  <p:spPr>
+                    <a:xfrm>
+                      <a:off x="5796136" y="260647"/>
+                      <a:ext cx="3024336" cy="1872209"/>
+                    </a:xfrm>
+                    <a:prstGeom prst="rect">
+                      <a:avLst/>
+                    </a:prstGeom>
+                    <a:solidFill>
+                      <a:schemeClr val="accent6">
+                        <a:lumMod val="20000"/>
+                        <a:lumOff val="80000"/>
+                      </a:schemeClr>
+                    </a:solidFill>
+                    <a:ln>
+                      <a:solidFill>
+                        <a:schemeClr val="tx1"/>
+                      </a:solidFill>
+                    </a:ln>
+                  </p:spPr>
+                  <p:style>
+                    <a:lnRef idx="2">
+                      <a:schemeClr val="accent1">
+                        <a:shade val="50000"/>
+                      </a:schemeClr>
+                    </a:lnRef>
+                    <a:fillRef idx="1">
+                      <a:schemeClr val="accent1"/>
+                    </a:fillRef>
+                    <a:effectRef idx="0">
+                      <a:schemeClr val="accent1"/>
+                    </a:effectRef>
+                    <a:fontRef idx="minor">
+                      <a:schemeClr val="lt1"/>
+                    </a:fontRef>
+                  </p:style>
+                  <p:txBody>
+                    <a:bodyPr rtlCol="0" anchor="ctr"/>
+                    <a:lstStyle/>
+                    <a:p>
+                      <a:pPr algn="ctr"/>
+                      <a:endParaRPr lang="de-DE"/>
+                    </a:p>
+                  </p:txBody>
+                </p:sp>
+                <p:sp>
+                  <p:nvSpPr>
+                    <p:cNvPr id="31" name="Rechteck 30"/>
+                    <p:cNvSpPr/>
+                    <p:nvPr/>
+                  </p:nvSpPr>
+                  <p:spPr>
+                    <a:xfrm>
+                      <a:off x="6660232" y="610919"/>
+                      <a:ext cx="2016224" cy="1449929"/>
+                    </a:xfrm>
+                    <a:prstGeom prst="rect">
+                      <a:avLst/>
+                    </a:prstGeom>
+                    <a:solidFill>
+                      <a:srgbClr val="FF9999"/>
+                    </a:solidFill>
+                    <a:ln>
+                      <a:solidFill>
+                        <a:schemeClr val="tx1"/>
+                      </a:solidFill>
+                      <a:prstDash val="solid"/>
+                    </a:ln>
+                  </p:spPr>
+                  <p:style>
+                    <a:lnRef idx="2">
+                      <a:schemeClr val="accent1">
+                        <a:shade val="50000"/>
+                      </a:schemeClr>
+                    </a:lnRef>
+                    <a:fillRef idx="1">
+                      <a:schemeClr val="accent1"/>
+                    </a:fillRef>
+                    <a:effectRef idx="0">
+                      <a:schemeClr val="accent1"/>
+                    </a:effectRef>
+                    <a:fontRef idx="minor">
+                      <a:schemeClr val="lt1"/>
+                    </a:fontRef>
+                  </p:style>
+                  <p:txBody>
+                    <a:bodyPr rtlCol="0" anchor="ctr"/>
+                    <a:lstStyle/>
+                    <a:p>
+                      <a:pPr algn="ctr"/>
+                      <a:endParaRPr lang="de-DE"/>
+                    </a:p>
+                  </p:txBody>
+                </p:sp>
+                <p:sp>
+                  <p:nvSpPr>
+                    <p:cNvPr id="32" name="Rechteck 31"/>
+                    <p:cNvSpPr/>
+                    <p:nvPr/>
+                  </p:nvSpPr>
+                  <p:spPr>
+                    <a:xfrm>
+                      <a:off x="6732240" y="1081250"/>
+                      <a:ext cx="1872208" cy="895203"/>
+                    </a:xfrm>
+                    <a:prstGeom prst="rect">
+                      <a:avLst/>
+                    </a:prstGeom>
+                    <a:solidFill>
+                      <a:schemeClr val="accent4">
+                        <a:lumMod val="20000"/>
+                        <a:lumOff val="80000"/>
+                      </a:schemeClr>
+                    </a:solidFill>
+                    <a:ln cmpd="sng">
+                      <a:solidFill>
+                        <a:schemeClr val="tx1"/>
+                      </a:solidFill>
+                    </a:ln>
+                  </p:spPr>
+                  <p:style>
+                    <a:lnRef idx="2">
+                      <a:schemeClr val="accent1">
+                        <a:shade val="50000"/>
+                      </a:schemeClr>
+                    </a:lnRef>
+                    <a:fillRef idx="1">
+                      <a:schemeClr val="accent1"/>
+                    </a:fillRef>
+                    <a:effectRef idx="0">
+                      <a:schemeClr val="accent1"/>
+                    </a:effectRef>
+                    <a:fontRef idx="minor">
+                      <a:schemeClr val="lt1"/>
+                    </a:fontRef>
+                  </p:style>
+                  <p:txBody>
+                    <a:bodyPr rtlCol="0" anchor="ctr"/>
+                    <a:lstStyle/>
+                    <a:p>
+                      <a:pPr algn="ctr"/>
+                      <a:endParaRPr lang="de-DE"/>
+                    </a:p>
+                  </p:txBody>
+                </p:sp>
+                <p:sp>
+                  <p:nvSpPr>
+                    <p:cNvPr id="33" name="Rechteck 32"/>
+                    <p:cNvSpPr/>
+                    <p:nvPr/>
+                  </p:nvSpPr>
+                  <p:spPr>
+                    <a:xfrm>
+                      <a:off x="5940152" y="451490"/>
+                      <a:ext cx="495672" cy="1408719"/>
+                    </a:xfrm>
+                    <a:prstGeom prst="rect">
+                      <a:avLst/>
+                    </a:prstGeom>
+                    <a:solidFill>
+                      <a:schemeClr val="accent5">
+                        <a:lumMod val="40000"/>
+                        <a:lumOff val="60000"/>
+                      </a:schemeClr>
+                    </a:solidFill>
+                    <a:ln>
+                      <a:solidFill>
+                        <a:schemeClr val="tx1"/>
+                      </a:solidFill>
+                    </a:ln>
+                  </p:spPr>
+                  <p:style>
+                    <a:lnRef idx="2">
+                      <a:schemeClr val="accent1">
+                        <a:shade val="50000"/>
+                      </a:schemeClr>
+                    </a:lnRef>
+                    <a:fillRef idx="1">
+                      <a:schemeClr val="accent1"/>
+                    </a:fillRef>
+                    <a:effectRef idx="0">
+                      <a:schemeClr val="accent1"/>
+                    </a:effectRef>
+                    <a:fontRef idx="minor">
+                      <a:schemeClr val="lt1"/>
+                    </a:fontRef>
+                  </p:style>
+                  <p:txBody>
+                    <a:bodyPr rtlCol="0" anchor="ctr"/>
+                    <a:lstStyle/>
+                    <a:p>
+                      <a:pPr algn="ctr"/>
+                      <a:endParaRPr lang="de-DE"/>
+                    </a:p>
+                  </p:txBody>
+                </p:sp>
+                <p:sp>
+                  <p:nvSpPr>
+                    <p:cNvPr id="34" name="Textfeld 33"/>
+                    <p:cNvSpPr txBox="1"/>
+                    <p:nvPr/>
+                  </p:nvSpPr>
+                  <p:spPr>
+                    <a:xfrm>
+                      <a:off x="6796196" y="271413"/>
+                      <a:ext cx="1547218" cy="307777"/>
+                    </a:xfrm>
+                    <a:prstGeom prst="rect">
+                      <a:avLst/>
+                    </a:prstGeom>
+                    <a:noFill/>
+                  </p:spPr>
+                  <p:txBody>
+                    <a:bodyPr wrap="none" rtlCol="0">
+                      <a:spAutoFit/>
+                    </a:bodyPr>
+                    <a:lstStyle/>
+                    <a:p>
+                      <a:r>
+                        <a:rPr lang="de-DE" sz="1400" b="1" dirty="0" err="1" smtClean="0"/>
+                        <a:t>Runtime</a:t>
+                      </a:r>
+                      <a:r>
+                        <a:rPr lang="de-DE" sz="1400" b="1" dirty="0" smtClean="0"/>
+                        <a:t> </a:t>
+                      </a:r>
+                      <a:r>
+                        <a:rPr lang="de-DE" sz="1400" b="1" dirty="0" err="1" smtClean="0"/>
+                        <a:t>Node</a:t>
+                      </a:r>
+                      <a:r>
+                        <a:rPr lang="de-DE" sz="1400" b="1" dirty="0" smtClean="0"/>
+                        <a:t> 3</a:t>
+                      </a:r>
+                      <a:endParaRPr lang="de-DE" sz="1400" b="1" dirty="0"/>
+                    </a:p>
+                  </p:txBody>
+                </p:sp>
+                <p:sp>
+                  <p:nvSpPr>
+                    <p:cNvPr id="35" name="Textfeld 34"/>
+                    <p:cNvSpPr txBox="1"/>
+                    <p:nvPr/>
+                  </p:nvSpPr>
+                  <p:spPr>
+                    <a:xfrm rot="5400000">
+                      <a:off x="5554138" y="922148"/>
+                      <a:ext cx="1294025" cy="461665"/>
+                    </a:xfrm>
+                    <a:prstGeom prst="rect">
+                      <a:avLst/>
+                    </a:prstGeom>
+                    <a:noFill/>
+                  </p:spPr>
+                  <p:txBody>
+                    <a:bodyPr wrap="none" rtlCol="0">
+                      <a:spAutoFit/>
+                    </a:bodyPr>
+                    <a:lstStyle/>
+                    <a:p>
+                      <a:pPr algn="ctr"/>
+                      <a:r>
+                        <a:rPr lang="de-DE" sz="1200" dirty="0" smtClean="0"/>
+                        <a:t>Communication</a:t>
+                      </a:r>
+                    </a:p>
+                    <a:p>
+                      <a:pPr algn="ctr"/>
+                      <a:r>
+                        <a:rPr lang="de-DE" sz="1200" dirty="0" smtClean="0"/>
+                        <a:t> Interface</a:t>
+                      </a:r>
+                      <a:endParaRPr lang="de-DE" sz="1200" dirty="0"/>
+                    </a:p>
+                  </p:txBody>
+                </p:sp>
+                <p:grpSp>
+                  <p:nvGrpSpPr>
+                    <p:cNvPr id="36" name="Gruppieren 35"/>
+                    <p:cNvGrpSpPr/>
+                    <p:nvPr/>
+                  </p:nvGrpSpPr>
+                  <p:grpSpPr>
+                    <a:xfrm>
+                      <a:off x="6796196" y="682913"/>
+                      <a:ext cx="1736244" cy="287251"/>
+                      <a:chOff x="904450" y="1772071"/>
+                      <a:chExt cx="1736244" cy="277269"/>
+                    </a:xfrm>
+                  </p:grpSpPr>
+                  <p:sp>
+                    <p:nvSpPr>
+                      <p:cNvPr id="44" name="Rechteck 43"/>
+                      <p:cNvSpPr/>
+                      <p:nvPr/>
+                    </p:nvSpPr>
+                    <p:spPr>
+                      <a:xfrm>
+                        <a:off x="904450" y="1772341"/>
+                        <a:ext cx="1736244" cy="276999"/>
+                      </a:xfrm>
+                      <a:prstGeom prst="rect">
+                        <a:avLst/>
+                      </a:prstGeom>
+                      <a:solidFill>
+                        <a:srgbClr val="FF0000"/>
+                      </a:solidFill>
+                      <a:ln>
+                        <a:solidFill>
+                          <a:schemeClr val="tx1"/>
+                        </a:solidFill>
+                      </a:ln>
+                    </p:spPr>
+                    <p:style>
+                      <a:lnRef idx="2">
+                        <a:schemeClr val="accent1">
+                          <a:shade val="50000"/>
+                        </a:schemeClr>
+                      </a:lnRef>
+                      <a:fillRef idx="1">
+                        <a:schemeClr val="accent1"/>
+                      </a:fillRef>
+                      <a:effectRef idx="0">
+                        <a:schemeClr val="accent1"/>
+                      </a:effectRef>
+                      <a:fontRef idx="minor">
+                        <a:schemeClr val="lt1"/>
+                      </a:fontRef>
+                    </p:style>
+                    <p:txBody>
+                      <a:bodyPr rtlCol="0" anchor="ctr"/>
+                      <a:lstStyle/>
+                      <a:p>
+                        <a:pPr algn="ctr"/>
+                        <a:endParaRPr lang="de-DE"/>
+                      </a:p>
+                    </p:txBody>
+                  </p:sp>
+                  <p:sp>
+                    <p:nvSpPr>
+                      <p:cNvPr id="45" name="Textfeld 44"/>
+                      <p:cNvSpPr txBox="1"/>
+                      <p:nvPr/>
+                    </p:nvSpPr>
+                    <p:spPr>
+                      <a:xfrm>
+                        <a:off x="1105541" y="1772071"/>
+                        <a:ext cx="1462260" cy="276999"/>
+                      </a:xfrm>
+                      <a:prstGeom prst="rect">
+                        <a:avLst/>
+                      </a:prstGeom>
+                      <a:noFill/>
+                    </p:spPr>
+                    <p:txBody>
+                      <a:bodyPr wrap="none" rtlCol="0">
+                        <a:spAutoFit/>
+                      </a:bodyPr>
+                      <a:lstStyle/>
+                      <a:p>
+                        <a:r>
+                          <a:rPr lang="de-DE" sz="1000" dirty="0" smtClean="0"/>
+                          <a:t>Container </a:t>
+                        </a:r>
+                        <a:r>
+                          <a:rPr lang="de-DE" sz="1000" dirty="0" err="1" smtClean="0"/>
+                          <a:t>Runtime</a:t>
+                        </a:r>
+                        <a:endParaRPr lang="de-DE" sz="1000" dirty="0"/>
+                      </a:p>
+                    </p:txBody>
+                  </p:sp>
+                </p:grpSp>
+                <p:sp>
+                  <p:nvSpPr>
+                    <p:cNvPr id="42" name="Rechteck 41"/>
+                    <p:cNvSpPr/>
+                    <p:nvPr/>
+                  </p:nvSpPr>
+                  <p:spPr>
+                    <a:xfrm>
+                      <a:off x="6811839" y="1152689"/>
+                      <a:ext cx="1720601" cy="286971"/>
+                    </a:xfrm>
+                    <a:prstGeom prst="rect">
+                      <a:avLst/>
+                    </a:prstGeom>
+                    <a:solidFill>
+                      <a:schemeClr val="accent2"/>
+                    </a:solidFill>
+                    <a:ln>
+                      <a:solidFill>
+                        <a:schemeClr val="tx1"/>
+                      </a:solidFill>
+                    </a:ln>
+                  </p:spPr>
+                  <p:style>
+                    <a:lnRef idx="2">
+                      <a:schemeClr val="accent1">
+                        <a:shade val="50000"/>
+                      </a:schemeClr>
+                    </a:lnRef>
+                    <a:fillRef idx="1">
+                      <a:schemeClr val="accent1"/>
+                    </a:fillRef>
+                    <a:effectRef idx="0">
+                      <a:schemeClr val="accent1"/>
+                    </a:effectRef>
+                    <a:fontRef idx="minor">
+                      <a:schemeClr val="lt1"/>
+                    </a:fontRef>
+                  </p:style>
+                  <p:txBody>
+                    <a:bodyPr rtlCol="0" anchor="ctr"/>
+                    <a:lstStyle/>
+                    <a:p>
+                      <a:pPr algn="ctr"/>
+                      <a:endParaRPr lang="de-DE"/>
+                    </a:p>
+                  </p:txBody>
+                </p:sp>
+                <p:sp>
+                  <p:nvSpPr>
+                    <p:cNvPr id="40" name="Rechteck 39"/>
+                    <p:cNvSpPr/>
+                    <p:nvPr/>
+                  </p:nvSpPr>
+                  <p:spPr>
+                    <a:xfrm>
+                      <a:off x="6811840" y="1625640"/>
+                      <a:ext cx="1720599" cy="286972"/>
+                    </a:xfrm>
+                    <a:prstGeom prst="rect">
+                      <a:avLst/>
+                    </a:prstGeom>
+                    <a:solidFill>
+                      <a:schemeClr val="accent2"/>
+                    </a:solidFill>
+                    <a:ln>
+                      <a:solidFill>
+                        <a:schemeClr val="tx1"/>
+                      </a:solidFill>
+                    </a:ln>
+                  </p:spPr>
+                  <p:style>
+                    <a:lnRef idx="2">
+                      <a:schemeClr val="accent1">
+                        <a:shade val="50000"/>
+                      </a:schemeClr>
+                    </a:lnRef>
+                    <a:fillRef idx="1">
+                      <a:schemeClr val="accent1"/>
+                    </a:fillRef>
+                    <a:effectRef idx="0">
+                      <a:schemeClr val="accent1"/>
+                    </a:effectRef>
+                    <a:fontRef idx="minor">
+                      <a:schemeClr val="lt1"/>
+                    </a:fontRef>
+                  </p:style>
+                  <p:txBody>
+                    <a:bodyPr rtlCol="0" anchor="ctr"/>
+                    <a:lstStyle/>
+                    <a:p>
+                      <a:pPr algn="ctr"/>
+                      <a:endParaRPr lang="de-DE"/>
+                    </a:p>
+                  </p:txBody>
+                </p:sp>
+                <p:cxnSp>
+                  <p:nvCxnSpPr>
+                    <p:cNvPr id="39" name="Gerader Verbinder 38"/>
+                    <p:cNvCxnSpPr>
+                      <a:stCxn id="42" idx="2"/>
+                      <a:endCxn id="40" idx="0"/>
+                    </p:cNvCxnSpPr>
+                    <p:nvPr/>
+                  </p:nvCxnSpPr>
+                  <p:spPr>
+                    <a:xfrm>
+                      <a:off x="7672140" y="1439660"/>
+                      <a:ext cx="0" cy="185975"/>
+                    </a:xfrm>
+                    <a:prstGeom prst="line">
+                      <a:avLst/>
+                    </a:prstGeom>
+                    <a:ln w="38100">
+                      <a:solidFill>
+                        <a:schemeClr val="tx1"/>
+                      </a:solidFill>
+                      <a:prstDash val="sysDot"/>
+                    </a:ln>
+                  </p:spPr>
+                  <p:style>
+                    <a:lnRef idx="1">
+                      <a:schemeClr val="accent1"/>
+                    </a:lnRef>
+                    <a:fillRef idx="0">
+                      <a:schemeClr val="accent1"/>
+                    </a:fillRef>
+                    <a:effectRef idx="0">
+                      <a:schemeClr val="accent1"/>
+                    </a:effectRef>
+                    <a:fontRef idx="minor">
+                      <a:schemeClr val="tx1"/>
+                    </a:fontRef>
+                  </p:style>
+                </p:cxnSp>
+              </p:grpSp>
+              <p:cxnSp>
+                <p:nvCxnSpPr>
+                  <p:cNvPr id="28" name="Gewinkelter Verbinder 27"/>
+                  <p:cNvCxnSpPr>
+                    <a:stCxn id="72" idx="3"/>
+                  </p:cNvCxnSpPr>
+                  <p:nvPr/>
+                </p:nvCxnSpPr>
+                <p:spPr>
+                  <a:xfrm flipV="1">
+                    <a:off x="4118439" y="3298629"/>
+                    <a:ext cx="1817873" cy="1320"/>
+                  </a:xfrm>
+                  <a:prstGeom prst="bentConnector3">
+                    <a:avLst/>
+                  </a:prstGeom>
+                  <a:ln w="25400">
+                    <a:solidFill>
+                      <a:schemeClr val="accent5">
+                        <a:lumMod val="50000"/>
+                      </a:schemeClr>
+                    </a:solidFill>
+                    <a:headEnd type="triangle"/>
+                    <a:tailEnd type="triangle"/>
+                  </a:ln>
+                </p:spPr>
+                <p:style>
+                  <a:lnRef idx="1">
+                    <a:schemeClr val="accent1"/>
+                  </a:lnRef>
+                  <a:fillRef idx="0">
+                    <a:schemeClr val="accent1"/>
+                  </a:fillRef>
+                  <a:effectRef idx="0">
+                    <a:schemeClr val="accent1"/>
+                  </a:effectRef>
+                  <a:fontRef idx="minor">
+                    <a:schemeClr val="tx1"/>
+                  </a:fontRef>
+                </p:style>
+              </p:cxnSp>
+              <p:cxnSp>
+                <p:nvCxnSpPr>
+                  <p:cNvPr id="29" name="Gewinkelter Verbinder 28"/>
+                  <p:cNvCxnSpPr>
+                    <a:stCxn id="72" idx="3"/>
+                  </p:cNvCxnSpPr>
+                  <p:nvPr/>
+                </p:nvCxnSpPr>
+                <p:spPr>
+                  <a:xfrm>
+                    <a:off x="4118439" y="3299949"/>
+                    <a:ext cx="1817873" cy="2145275"/>
+                  </a:xfrm>
+                  <a:prstGeom prst="bentConnector3">
+                    <a:avLst>
+                      <a:gd name="adj1" fmla="val 50000"/>
+                    </a:avLst>
+                  </a:prstGeom>
+                  <a:ln w="25400">
+                    <a:solidFill>
+                      <a:schemeClr val="accent5">
+                        <a:lumMod val="50000"/>
+                      </a:schemeClr>
+                    </a:solidFill>
+                    <a:headEnd type="triangle"/>
+                    <a:tailEnd type="triangle"/>
+                  </a:ln>
+                </p:spPr>
+                <p:style>
+                  <a:lnRef idx="1">
+                    <a:schemeClr val="accent1"/>
+                  </a:lnRef>
+                  <a:fillRef idx="0">
+                    <a:schemeClr val="accent1"/>
+                  </a:fillRef>
+                  <a:effectRef idx="0">
+                    <a:schemeClr val="accent1"/>
+                  </a:effectRef>
+                  <a:fontRef idx="minor">
+                    <a:schemeClr val="tx1"/>
+                  </a:fontRef>
+                </p:style>
+              </p:cxnSp>
+            </p:grpSp>
+            <p:cxnSp>
+              <p:nvCxnSpPr>
+                <p:cNvPr id="12" name="Gewinkelter Verbinder 11"/>
+                <p:cNvCxnSpPr>
+                  <a:stCxn id="64" idx="1"/>
+                  <a:endCxn id="14" idx="3"/>
+                </p:cNvCxnSpPr>
+                <p:nvPr/>
+              </p:nvCxnSpPr>
+              <p:spPr>
+                <a:xfrm rot="10800000">
+                  <a:off x="1326670" y="2936381"/>
+                  <a:ext cx="473798" cy="579"/>
+                </a:xfrm>
+                <a:prstGeom prst="bentConnector3">
+                  <a:avLst>
+                    <a:gd name="adj1" fmla="val 50000"/>
+                  </a:avLst>
+                </a:prstGeom>
+                <a:ln w="25400">
+                  <a:headEnd type="triangle"/>
+                  <a:tailEnd type="triangle"/>
+                </a:ln>
+              </p:spPr>
+              <p:style>
+                <a:lnRef idx="1">
+                  <a:schemeClr val="accent1"/>
+                </a:lnRef>
+                <a:fillRef idx="0">
+                  <a:schemeClr val="accent1"/>
+                </a:fillRef>
+                <a:effectRef idx="0">
+                  <a:schemeClr val="accent1"/>
+                </a:effectRef>
+                <a:fontRef idx="minor">
+                  <a:schemeClr val="tx1"/>
+                </a:fontRef>
+              </p:style>
+            </p:cxnSp>
+            <p:grpSp>
+              <p:nvGrpSpPr>
+                <p:cNvPr id="13" name="Gruppieren 12"/>
+                <p:cNvGrpSpPr/>
+                <p:nvPr/>
+              </p:nvGrpSpPr>
+              <p:grpSpPr>
+                <a:xfrm>
+                  <a:off x="116081" y="2343740"/>
+                  <a:ext cx="1210589" cy="1185280"/>
+                  <a:chOff x="116081" y="2350090"/>
+                  <a:chExt cx="1210589" cy="1185280"/>
+                </a:xfrm>
+              </p:grpSpPr>
+              <p:sp>
+                <p:nvSpPr>
+                  <p:cNvPr id="14" name="Rechteck 13"/>
+                  <p:cNvSpPr/>
+                  <p:nvPr/>
+                </p:nvSpPr>
+                <p:spPr>
+                  <a:xfrm>
+                    <a:off x="116081" y="2350090"/>
+                    <a:ext cx="1210589" cy="1185280"/>
+                  </a:xfrm>
+                  <a:prstGeom prst="rect">
+                    <a:avLst/>
+                  </a:prstGeom>
+                  <a:solidFill>
+                    <a:schemeClr val="accent2">
+                      <a:lumMod val="20000"/>
+                      <a:lumOff val="80000"/>
+                    </a:schemeClr>
+                  </a:solidFill>
+                  <a:ln>
+                    <a:solidFill>
+                      <a:schemeClr val="tx1"/>
+                    </a:solidFill>
+                  </a:ln>
+                </p:spPr>
+                <p:style>
+                  <a:lnRef idx="2">
+                    <a:schemeClr val="accent1">
+                      <a:shade val="50000"/>
+                    </a:schemeClr>
+                  </a:lnRef>
+                  <a:fillRef idx="1">
+                    <a:schemeClr val="accent1"/>
+                  </a:fillRef>
+                  <a:effectRef idx="0">
+                    <a:schemeClr val="accent1"/>
+                  </a:effectRef>
+                  <a:fontRef idx="minor">
+                    <a:schemeClr val="lt1"/>
+                  </a:fontRef>
+                </p:style>
+                <p:txBody>
+                  <a:bodyPr rtlCol="0" anchor="ctr"/>
+                  <a:lstStyle/>
+                  <a:p>
+                    <a:pPr algn="ctr"/>
+                    <a:endParaRPr lang="de-DE"/>
+                  </a:p>
+                </p:txBody>
+              </p:sp>
+              <p:sp>
+                <p:nvSpPr>
+                  <p:cNvPr id="15" name="Textfeld 14"/>
+                  <p:cNvSpPr txBox="1"/>
+                  <p:nvPr/>
+                </p:nvSpPr>
+                <p:spPr>
+                  <a:xfrm>
+                    <a:off x="116082" y="3206799"/>
+                    <a:ext cx="1210588" cy="307777"/>
+                  </a:xfrm>
+                  <a:prstGeom prst="rect">
+                    <a:avLst/>
+                  </a:prstGeom>
+                  <a:noFill/>
+                </p:spPr>
+                <p:txBody>
+                  <a:bodyPr wrap="none" rtlCol="0">
+                    <a:spAutoFit/>
+                  </a:bodyPr>
+                  <a:lstStyle/>
+                  <a:p>
+                    <a:r>
+                      <a:rPr lang="de-DE" sz="1400" dirty="0" smtClean="0"/>
+                      <a:t>Service User</a:t>
+                    </a:r>
+                    <a:endParaRPr lang="de-DE" sz="1400" dirty="0"/>
+                  </a:p>
+                </p:txBody>
+              </p:sp>
+            </p:grpSp>
+          </p:grpSp>
+          <p:pic>
+            <p:nvPicPr>
+              <p:cNvPr id="90" name="Grafik 89">
+                <a:extLst>
+                  <a:ext uri="{FF2B5EF4-FFF2-40B4-BE49-F238E27FC236}">
+                    <a16:creationId xmlns:a16="http://schemas.microsoft.com/office/drawing/2014/main" id="{661DC29F-D068-D8D7-552F-D92CC6650815}"/>
+                  </a:ext>
+                </a:extLst>
+              </p:cNvPr>
+              <p:cNvPicPr>
+                <a:picLocks noChangeAspect="1"/>
+              </p:cNvPicPr>
+              <p:nvPr/>
+            </p:nvPicPr>
+            <p:blipFill>
+              <a:blip r:embed="rId2" cstate="print">
+                <a:extLst>
+                  <a:ext uri="{28A0092B-C50C-407E-A947-70E740481C1C}">
+                    <a14:useLocalDpi xmlns:a14="http://schemas.microsoft.com/office/drawing/2010/main" val="0"/>
+                  </a:ext>
+                </a:extLst>
+              </a:blip>
+              <a:stretch>
+                <a:fillRect/>
+              </a:stretch>
+            </p:blipFill>
+            <p:spPr>
+              <a:xfrm>
+                <a:off x="2310831" y="3064184"/>
+                <a:ext cx="1296144" cy="1296144"/>
+              </a:xfrm>
+              <a:prstGeom prst="rect">
+                <a:avLst/>
+              </a:prstGeom>
+              <a:noFill/>
+            </p:spPr>
+          </p:pic>
+        </p:grpSp>
+        <p:sp>
+          <p:nvSpPr>
+            <p:cNvPr id="91" name="Textfeld 90"/>
+            <p:cNvSpPr txBox="1"/>
+            <p:nvPr/>
+          </p:nvSpPr>
+          <p:spPr>
+            <a:xfrm>
+              <a:off x="10035997" y="3806978"/>
+              <a:ext cx="1595309" cy="246221"/>
+            </a:xfrm>
+            <a:prstGeom prst="rect">
+              <a:avLst/>
+            </a:prstGeom>
+            <a:noFill/>
+          </p:spPr>
+          <p:txBody>
+            <a:bodyPr wrap="none" rtlCol="0">
+              <a:spAutoFit/>
+            </a:bodyPr>
+            <a:lstStyle/>
+            <a:p>
+              <a:r>
+                <a:rPr lang="de-DE" sz="1000" dirty="0" smtClean="0"/>
+                <a:t>Container Environment 1</a:t>
+              </a:r>
+              <a:endParaRPr lang="de-DE" sz="1000" dirty="0"/>
+            </a:p>
+          </p:txBody>
+        </p:sp>
+        <p:sp>
+          <p:nvSpPr>
+            <p:cNvPr id="92" name="Textfeld 91"/>
+            <p:cNvSpPr txBox="1"/>
+            <p:nvPr/>
+          </p:nvSpPr>
+          <p:spPr>
+            <a:xfrm>
+              <a:off x="10027117" y="4223273"/>
+              <a:ext cx="1617751" cy="246222"/>
+            </a:xfrm>
+            <a:prstGeom prst="rect">
+              <a:avLst/>
+            </a:prstGeom>
+            <a:noFill/>
+          </p:spPr>
+          <p:txBody>
+            <a:bodyPr wrap="none" rtlCol="0">
+              <a:spAutoFit/>
+            </a:bodyPr>
+            <a:lstStyle/>
+            <a:p>
+              <a:r>
+                <a:rPr lang="de-DE" sz="1000" dirty="0"/>
+                <a:t>Container Environment </a:t>
+              </a:r>
+              <a:r>
+                <a:rPr lang="de-DE" sz="1000" dirty="0" smtClean="0"/>
+                <a:t>N</a:t>
+              </a:r>
+              <a:endParaRPr lang="de-DE" sz="1000" dirty="0"/>
+            </a:p>
+          </p:txBody>
+        </p:sp>
+        <p:sp>
+          <p:nvSpPr>
+            <p:cNvPr id="93" name="Textfeld 92"/>
+            <p:cNvSpPr txBox="1"/>
+            <p:nvPr/>
+          </p:nvSpPr>
+          <p:spPr>
+            <a:xfrm>
+              <a:off x="10052447" y="5644304"/>
+              <a:ext cx="1595309" cy="246221"/>
+            </a:xfrm>
+            <a:prstGeom prst="rect">
+              <a:avLst/>
+            </a:prstGeom>
+            <a:noFill/>
+          </p:spPr>
+          <p:txBody>
+            <a:bodyPr wrap="none" rtlCol="0">
+              <a:spAutoFit/>
+            </a:bodyPr>
+            <a:lstStyle/>
+            <a:p>
+              <a:r>
+                <a:rPr lang="de-DE" sz="1000" dirty="0" smtClean="0"/>
+                <a:t>Container Environment 1</a:t>
+              </a:r>
+              <a:endParaRPr lang="de-DE" sz="1000" dirty="0"/>
+            </a:p>
+          </p:txBody>
+        </p:sp>
+        <p:sp>
+          <p:nvSpPr>
+            <p:cNvPr id="94" name="Textfeld 93"/>
+            <p:cNvSpPr txBox="1"/>
+            <p:nvPr/>
+          </p:nvSpPr>
+          <p:spPr>
+            <a:xfrm>
+              <a:off x="10043567" y="6060599"/>
+              <a:ext cx="1617751" cy="246222"/>
+            </a:xfrm>
+            <a:prstGeom prst="rect">
+              <a:avLst/>
+            </a:prstGeom>
+            <a:noFill/>
+          </p:spPr>
+          <p:txBody>
+            <a:bodyPr wrap="none" rtlCol="0">
+              <a:spAutoFit/>
+            </a:bodyPr>
+            <a:lstStyle/>
+            <a:p>
+              <a:r>
+                <a:rPr lang="de-DE" sz="1000" dirty="0"/>
+                <a:t>Container Environment </a:t>
+              </a:r>
+              <a:r>
+                <a:rPr lang="de-DE" sz="1000" dirty="0" smtClean="0"/>
+                <a:t>N</a:t>
+              </a:r>
+              <a:endParaRPr lang="de-DE" sz="1000" dirty="0"/>
+            </a:p>
+          </p:txBody>
+        </p:sp>
+      </p:grpSp>
+      <p:sp>
+        <p:nvSpPr>
+          <p:cNvPr id="96" name="Textfeld 95"/>
+          <p:cNvSpPr txBox="1"/>
+          <p:nvPr/>
+        </p:nvSpPr>
+        <p:spPr>
+          <a:xfrm>
+            <a:off x="558508" y="1335067"/>
+            <a:ext cx="4859087" cy="2031325"/>
+          </a:xfrm>
+          <a:prstGeom prst="rect">
+            <a:avLst/>
+          </a:prstGeom>
+          <a:noFill/>
+        </p:spPr>
+        <p:txBody>
+          <a:bodyPr wrap="none" rtlCol="0">
+            <a:spAutoFit/>
+          </a:bodyPr>
+          <a:lstStyle/>
+          <a:p>
+            <a:pPr marL="285750" indent="-285750">
+              <a:buFont typeface="Arial" panose="020B0604020202020204" pitchFamily="34" charset="0"/>
+              <a:buChar char="•"/>
+            </a:pPr>
+            <a:r>
+              <a:rPr lang="de-DE" dirty="0" smtClean="0"/>
+              <a:t>Zentrale Verwaltung durch </a:t>
+            </a:r>
+            <a:r>
+              <a:rPr lang="de-DE" dirty="0" err="1" smtClean="0"/>
+              <a:t>Runtime</a:t>
+            </a:r>
+            <a:r>
+              <a:rPr lang="de-DE" dirty="0" smtClean="0"/>
+              <a:t> Master</a:t>
+            </a:r>
+          </a:p>
+          <a:p>
+            <a:endParaRPr lang="de-DE" dirty="0" smtClean="0"/>
+          </a:p>
+          <a:p>
+            <a:pPr marL="285750" indent="-285750">
+              <a:buFont typeface="Arial" panose="020B0604020202020204" pitchFamily="34" charset="0"/>
+              <a:buChar char="•"/>
+            </a:pPr>
+            <a:r>
+              <a:rPr lang="de-DE" dirty="0"/>
+              <a:t>Nodes laufen in </a:t>
+            </a:r>
+            <a:r>
+              <a:rPr lang="de-DE" dirty="0" smtClean="0"/>
+              <a:t>Fahrzeugsteuergeräten</a:t>
+            </a:r>
+          </a:p>
+          <a:p>
+            <a:pPr marL="285750" indent="-285750">
+              <a:buFont typeface="Arial" panose="020B0604020202020204" pitchFamily="34" charset="0"/>
+              <a:buChar char="•"/>
+            </a:pPr>
+            <a:endParaRPr lang="de-DE" dirty="0"/>
+          </a:p>
+          <a:p>
+            <a:pPr marL="285750" indent="-285750">
+              <a:buFont typeface="Arial" panose="020B0604020202020204" pitchFamily="34" charset="0"/>
+              <a:buChar char="•"/>
+            </a:pPr>
+            <a:r>
+              <a:rPr lang="de-DE" dirty="0" smtClean="0"/>
+              <a:t>Kommunikationsinterface modular </a:t>
+            </a:r>
+          </a:p>
+          <a:p>
+            <a:r>
+              <a:rPr lang="de-DE" dirty="0"/>
+              <a:t> </a:t>
+            </a:r>
+            <a:r>
+              <a:rPr lang="de-DE" dirty="0" smtClean="0"/>
+              <a:t>    austauschbar</a:t>
+            </a:r>
+            <a:endParaRPr lang="de-DE" dirty="0"/>
+          </a:p>
+          <a:p>
+            <a:pPr marL="285750" indent="-285750">
+              <a:buFont typeface="Arial" panose="020B0604020202020204" pitchFamily="34" charset="0"/>
+              <a:buChar char="•"/>
+            </a:pPr>
+            <a:endParaRPr lang="de-DE" dirty="0"/>
+          </a:p>
+        </p:txBody>
+      </p:sp>
+    </p:spTree>
+    <p:extLst>
+      <p:ext uri="{BB962C8B-B14F-4D97-AF65-F5344CB8AC3E}">
+        <p14:creationId xmlns:p14="http://schemas.microsoft.com/office/powerpoint/2010/main" val="258763434"/>
+      </p:ext>
+    </p:extLst>
+  </p:cSld>
+  <p:clrMapOvr>
+    <a:masterClrMapping/>
+  </p:clrMapOvr>
+</p:sld>
+</file>
+
+<file path=ppt/slides/slide12.xml><?xml version="1.0" encoding="utf-8"?>
 <p:sld xmlns:a="http://schemas.openxmlformats.org/drawingml/2006/main" xmlns:r="http://schemas.openxmlformats.org/officeDocument/2006/relationships" xmlns:p="http://schemas.openxmlformats.org/presentationml/2006/main">
   <p:cSld>
     <p:spTree>
@@ -7011,7 +10065,7 @@
 </p:sld>
 </file>
 
-<file path=ppt/slides/slide12.xml><?xml version="1.0" encoding="utf-8"?>
+<file path=ppt/slides/slide13.xml><?xml version="1.0" encoding="utf-8"?>
 <p:sld xmlns:a="http://schemas.openxmlformats.org/drawingml/2006/main" xmlns:r="http://schemas.openxmlformats.org/officeDocument/2006/relationships" xmlns:p="http://schemas.openxmlformats.org/presentationml/2006/main">
   <p:cSld>
     <p:spTree>
@@ -7609,7 +10663,7 @@
 </p:sld>
 </file>
 
-<file path=ppt/slides/slide13.xml><?xml version="1.0" encoding="utf-8"?>
+<file path=ppt/slides/slide14.xml><?xml version="1.0" encoding="utf-8"?>
 <p:sld xmlns:a="http://schemas.openxmlformats.org/drawingml/2006/main" xmlns:r="http://schemas.openxmlformats.org/officeDocument/2006/relationships" xmlns:p="http://schemas.openxmlformats.org/presentationml/2006/main">
   <p:cSld>
     <p:spTree>
@@ -7932,7 +10986,7 @@
 </p:sld>
 </file>
 
-<file path=ppt/slides/slide14.xml><?xml version="1.0" encoding="utf-8"?>
+<file path=ppt/slides/slide15.xml><?xml version="1.0" encoding="utf-8"?>
 <p:sld xmlns:a="http://schemas.openxmlformats.org/drawingml/2006/main" xmlns:r="http://schemas.openxmlformats.org/officeDocument/2006/relationships" xmlns:p="http://schemas.openxmlformats.org/presentationml/2006/main">
   <p:cSld>
     <p:spTree>
@@ -9465,7 +12519,7 @@
 </p:sld>
 </file>
 
-<file path=ppt/slides/slide15.xml><?xml version="1.0" encoding="utf-8"?>
+<file path=ppt/slides/slide16.xml><?xml version="1.0" encoding="utf-8"?>
 <p:sld xmlns:a="http://schemas.openxmlformats.org/drawingml/2006/main" xmlns:r="http://schemas.openxmlformats.org/officeDocument/2006/relationships" xmlns:p="http://schemas.openxmlformats.org/presentationml/2006/main">
   <p:cSld>
     <p:spTree>
@@ -9781,7 +12835,7 @@
 </p:sld>
 </file>
 
-<file path=ppt/slides/slide16.xml><?xml version="1.0" encoding="utf-8"?>
+<file path=ppt/slides/slide17.xml><?xml version="1.0" encoding="utf-8"?>
 <p:sld xmlns:a="http://schemas.openxmlformats.org/drawingml/2006/main" xmlns:r="http://schemas.openxmlformats.org/officeDocument/2006/relationships" xmlns:p="http://schemas.openxmlformats.org/presentationml/2006/main">
   <p:cSld>
     <p:spTree>
@@ -10835,7 +13889,7 @@
         </p:nvGrpSpPr>
         <p:grpSpPr>
           <a:xfrm>
-            <a:off x="2617131" y="1984738"/>
+            <a:off x="4604024" y="1983462"/>
             <a:ext cx="245318" cy="598431"/>
             <a:chOff x="4365903" y="2326513"/>
             <a:chExt cx="245318" cy="598431"/>
@@ -10935,7 +13989,7 @@
 </p:sld>
 </file>
 
-<file path=ppt/slides/slide17.xml><?xml version="1.0" encoding="utf-8"?>
+<file path=ppt/slides/slide18.xml><?xml version="1.0" encoding="utf-8"?>
 <p:sld xmlns:a="http://schemas.openxmlformats.org/drawingml/2006/main" xmlns:r="http://schemas.openxmlformats.org/officeDocument/2006/relationships" xmlns:p="http://schemas.openxmlformats.org/presentationml/2006/main">
   <p:cSld>
     <p:spTree>
@@ -11251,7 +14305,7 @@
 </p:sld>
 </file>
 
-<file path=ppt/slides/slide18.xml><?xml version="1.0" encoding="utf-8"?>
+<file path=ppt/slides/slide19.xml><?xml version="1.0" encoding="utf-8"?>
 <p:sld xmlns:a="http://schemas.openxmlformats.org/drawingml/2006/main" xmlns:r="http://schemas.openxmlformats.org/officeDocument/2006/relationships" xmlns:p="http://schemas.openxmlformats.org/presentationml/2006/main">
   <p:cSld>
     <p:spTree>
@@ -11493,115 +14547,6 @@
 </p:sld>
 </file>
 
-<file path=ppt/slides/slide19.xml><?xml version="1.0" encoding="utf-8"?>
-<p:sld xmlns:a="http://schemas.openxmlformats.org/drawingml/2006/main" xmlns:r="http://schemas.openxmlformats.org/officeDocument/2006/relationships" xmlns:p="http://schemas.openxmlformats.org/presentationml/2006/main">
-  <p:cSld>
-    <p:spTree>
-      <p:nvGrpSpPr>
-        <p:cNvPr id="1" name=""/>
-        <p:cNvGrpSpPr/>
-        <p:nvPr/>
-      </p:nvGrpSpPr>
-      <p:grpSpPr>
-        <a:xfrm>
-          <a:off x="0" y="0"/>
-          <a:ext cx="0" cy="0"/>
-          <a:chOff x="0" y="0"/>
-          <a:chExt cx="0" cy="0"/>
-        </a:xfrm>
-      </p:grpSpPr>
-      <p:sp>
-        <p:nvSpPr>
-          <p:cNvPr id="6" name="Textplatzhalter 1"/>
-          <p:cNvSpPr>
-            <a:spLocks noGrp="1"/>
-          </p:cNvSpPr>
-          <p:nvPr>
-            <p:ph type="body" sz="quarter" idx="12"/>
-          </p:nvPr>
-        </p:nvSpPr>
-        <p:spPr>
-          <a:xfrm>
-            <a:off x="334799" y="2350799"/>
-            <a:ext cx="11523600" cy="360000"/>
-          </a:xfrm>
-        </p:spPr>
-        <p:txBody>
-          <a:bodyPr/>
-          <a:lstStyle/>
-          <a:p>
-            <a:r>
-              <a:rPr lang="de-DE" dirty="0"/>
-              <a:t>Gergely Bilkei-Gorzo </a:t>
-            </a:r>
-            <a:r>
-              <a:rPr lang="de-DE" dirty="0" err="1"/>
-              <a:t>M.Sc</a:t>
-            </a:r>
-            <a:r>
-              <a:rPr lang="de-DE" dirty="0"/>
-              <a:t>.</a:t>
-            </a:r>
-          </a:p>
-        </p:txBody>
-      </p:sp>
-      <p:sp>
-        <p:nvSpPr>
-          <p:cNvPr id="8" name="Textplatzhalter 2"/>
-          <p:cNvSpPr>
-            <a:spLocks noGrp="1"/>
-          </p:cNvSpPr>
-          <p:nvPr>
-            <p:ph type="body" sz="quarter" idx="13"/>
-          </p:nvPr>
-        </p:nvSpPr>
-        <p:spPr>
-          <a:xfrm>
-            <a:off x="1313999" y="5212799"/>
-            <a:ext cx="10544400" cy="1170000"/>
-          </a:xfrm>
-        </p:spPr>
-        <p:txBody>
-          <a:bodyPr/>
-          <a:lstStyle/>
-          <a:p>
-            <a:r>
-              <a:rPr lang="de-DE" dirty="0"/>
-              <a:t>+49 241 80 25631</a:t>
-            </a:r>
-          </a:p>
-          <a:p>
-            <a:r>
-              <a:rPr lang="de-DE" dirty="0"/>
-              <a:t>+49 241 80 22147</a:t>
-            </a:r>
-          </a:p>
-          <a:p>
-            <a:endParaRPr lang="de-DE" dirty="0"/>
-          </a:p>
-          <a:p>
-            <a:r>
-              <a:rPr lang="de-DE" dirty="0"/>
-              <a:t>gergely.bilkei-gorzo@ika.rwth-aachen.de</a:t>
-            </a:r>
-          </a:p>
-        </p:txBody>
-      </p:sp>
-    </p:spTree>
-  </p:cSld>
-  <p:clrMapOvr>
-    <a:masterClrMapping/>
-  </p:clrMapOvr>
-  <p:timing>
-    <p:tnLst>
-      <p:par>
-        <p:cTn id="1" dur="indefinite" restart="never" nodeType="tmRoot"/>
-      </p:par>
-    </p:tnLst>
-  </p:timing>
-</p:sld>
-</file>
-
 <file path=ppt/slides/slide2.xml><?xml version="1.0" encoding="utf-8"?>
 <p:sld xmlns:a="http://schemas.openxmlformats.org/drawingml/2006/main" xmlns:r="http://schemas.openxmlformats.org/officeDocument/2006/relationships" xmlns:p="http://schemas.openxmlformats.org/presentationml/2006/main">
   <p:cSld>
@@ -11639,7 +14584,7 @@
           <a:graphicData uri="http://schemas.openxmlformats.org/presentationml/2006/ole">
             <mc:AlternateContent xmlns:mc="http://schemas.openxmlformats.org/markup-compatibility/2006">
               <mc:Choice xmlns:v="urn:schemas-microsoft-com:vml" Requires="v">
-                <p:oleObj spid="_x0000_s2066" name="think-cell Folie" r:id="rId4" imgW="360" imgH="360" progId="">
+                <p:oleObj spid="_x0000_s2069" name="think-cell Folie" r:id="rId4" imgW="360" imgH="360" progId="">
                   <p:embed/>
                 </p:oleObj>
               </mc:Choice>
@@ -11999,6 +14944,115 @@
             </p:seq>
           </p:childTnLst>
         </p:cTn>
+      </p:par>
+    </p:tnLst>
+  </p:timing>
+</p:sld>
+</file>
+
+<file path=ppt/slides/slide20.xml><?xml version="1.0" encoding="utf-8"?>
+<p:sld xmlns:a="http://schemas.openxmlformats.org/drawingml/2006/main" xmlns:r="http://schemas.openxmlformats.org/officeDocument/2006/relationships" xmlns:p="http://schemas.openxmlformats.org/presentationml/2006/main">
+  <p:cSld>
+    <p:spTree>
+      <p:nvGrpSpPr>
+        <p:cNvPr id="1" name=""/>
+        <p:cNvGrpSpPr/>
+        <p:nvPr/>
+      </p:nvGrpSpPr>
+      <p:grpSpPr>
+        <a:xfrm>
+          <a:off x="0" y="0"/>
+          <a:ext cx="0" cy="0"/>
+          <a:chOff x="0" y="0"/>
+          <a:chExt cx="0" cy="0"/>
+        </a:xfrm>
+      </p:grpSpPr>
+      <p:sp>
+        <p:nvSpPr>
+          <p:cNvPr id="6" name="Textplatzhalter 1"/>
+          <p:cNvSpPr>
+            <a:spLocks noGrp="1"/>
+          </p:cNvSpPr>
+          <p:nvPr>
+            <p:ph type="body" sz="quarter" idx="12"/>
+          </p:nvPr>
+        </p:nvSpPr>
+        <p:spPr>
+          <a:xfrm>
+            <a:off x="334799" y="2350799"/>
+            <a:ext cx="11523600" cy="360000"/>
+          </a:xfrm>
+        </p:spPr>
+        <p:txBody>
+          <a:bodyPr/>
+          <a:lstStyle/>
+          <a:p>
+            <a:r>
+              <a:rPr lang="de-DE" dirty="0"/>
+              <a:t>Gergely Bilkei-Gorzo </a:t>
+            </a:r>
+            <a:r>
+              <a:rPr lang="de-DE" dirty="0" err="1"/>
+              <a:t>M.Sc</a:t>
+            </a:r>
+            <a:r>
+              <a:rPr lang="de-DE" dirty="0"/>
+              <a:t>.</a:t>
+            </a:r>
+          </a:p>
+        </p:txBody>
+      </p:sp>
+      <p:sp>
+        <p:nvSpPr>
+          <p:cNvPr id="8" name="Textplatzhalter 2"/>
+          <p:cNvSpPr>
+            <a:spLocks noGrp="1"/>
+          </p:cNvSpPr>
+          <p:nvPr>
+            <p:ph type="body" sz="quarter" idx="13"/>
+          </p:nvPr>
+        </p:nvSpPr>
+        <p:spPr>
+          <a:xfrm>
+            <a:off x="1313999" y="5212799"/>
+            <a:ext cx="10544400" cy="1170000"/>
+          </a:xfrm>
+        </p:spPr>
+        <p:txBody>
+          <a:bodyPr/>
+          <a:lstStyle/>
+          <a:p>
+            <a:r>
+              <a:rPr lang="de-DE" dirty="0"/>
+              <a:t>+49 241 80 25631</a:t>
+            </a:r>
+          </a:p>
+          <a:p>
+            <a:r>
+              <a:rPr lang="de-DE" dirty="0"/>
+              <a:t>+49 241 80 22147</a:t>
+            </a:r>
+          </a:p>
+          <a:p>
+            <a:endParaRPr lang="de-DE" dirty="0"/>
+          </a:p>
+          <a:p>
+            <a:r>
+              <a:rPr lang="de-DE" dirty="0"/>
+              <a:t>gergely.bilkei-gorzo@ika.rwth-aachen.de</a:t>
+            </a:r>
+          </a:p>
+        </p:txBody>
+      </p:sp>
+    </p:spTree>
+  </p:cSld>
+  <p:clrMapOvr>
+    <a:masterClrMapping/>
+  </p:clrMapOvr>
+  <p:timing>
+    <p:tnLst>
+      <p:par>
+        <p:cTn id="1" dur="indefinite" restart="never" nodeType="tmRoot"/>
       </p:par>
     </p:tnLst>
   </p:timing>
@@ -14228,7 +17282,7 @@
         </p:blipFill>
         <p:spPr>
           <a:xfrm>
-            <a:off x="8233019" y="3605277"/>
+            <a:off x="8162529" y="3588749"/>
             <a:ext cx="3703235" cy="3703235"/>
           </a:xfrm>
           <a:prstGeom prst="rect">
